--- a/TeachingNetwoks.pptx
+++ b/TeachingNetwoks.pptx
@@ -4,6 +4,9 @@
   <p:sldMasterIdLst>
     <p:sldMasterId id="2147483775" r:id="rId1"/>
   </p:sldMasterIdLst>
+  <p:sldIdLst>
+    <p:sldId id="256" r:id="rId2"/>
+  </p:sldIdLst>
   <p:sldSz cx="12192000" cy="6858000"/>
   <p:notesSz cx="6858000" cy="9144000"/>
   <p:defaultTextStyle>
@@ -3744,6 +3747,337 @@
 </p:sldMaster>
 </file>
 
+<file path=ppt/slides/slide1.xml><?xml version="1.0" encoding="utf-8"?>
+<p:sld xmlns:a="http://schemas.openxmlformats.org/drawingml/2006/main" xmlns:r="http://schemas.openxmlformats.org/officeDocument/2006/relationships" xmlns:p="http://schemas.openxmlformats.org/presentationml/2006/main">
+  <p:cSld>
+    <p:bg>
+      <p:bgPr>
+        <a:solidFill>
+          <a:schemeClr val="bg2"/>
+        </a:solidFill>
+        <a:effectLst/>
+      </p:bgPr>
+    </p:bg>
+    <p:spTree>
+      <p:nvGrpSpPr>
+        <p:cNvPr id="1" name=""/>
+        <p:cNvGrpSpPr/>
+        <p:nvPr/>
+      </p:nvGrpSpPr>
+      <p:grpSpPr>
+        <a:xfrm>
+          <a:off x="0" y="0"/>
+          <a:ext cx="0" cy="0"/>
+          <a:chOff x="0" y="0"/>
+          <a:chExt cx="0" cy="0"/>
+        </a:xfrm>
+      </p:grpSpPr>
+      <p:sp useBgFill="1">
+        <p:nvSpPr>
+          <p:cNvPr id="25" name="Rectangle 24">
+            <a:extLst>
+              <a:ext uri="{FF2B5EF4-FFF2-40B4-BE49-F238E27FC236}">
+                <a16:creationId xmlns:a16="http://schemas.microsoft.com/office/drawing/2014/main" id="{FF9FFCE1-E057-415B-A971-88EC7E22AF15}"/>
+              </a:ext>
+              <a:ext uri="{C183D7F6-B498-43B3-948B-1728B52AA6E4}">
+                <adec:decorative xmlns:adec="http://schemas.microsoft.com/office/drawing/2017/decorative" val="1"/>
+              </a:ext>
+            </a:extLst>
+          </p:cNvPr>
+          <p:cNvSpPr>
+            <a:spLocks noGrp="1" noRot="1" noChangeAspect="1" noMove="1" noResize="1" noEditPoints="1" noAdjustHandles="1" noChangeArrowheads="1" noChangeShapeType="1" noTextEdit="1"/>
+          </p:cNvSpPr>
+          <p:nvPr>
+            <p:extLst>
+              <p:ext uri="{386F3935-93C4-4BCD-93E2-E3B085C9AB24}">
+                <p16:designElem xmlns:p16="http://schemas.microsoft.com/office/powerpoint/2015/main" val="1"/>
+              </p:ext>
+            </p:extLst>
+          </p:nvPr>
+        </p:nvSpPr>
+        <p:spPr>
+          <a:xfrm>
+            <a:off x="0" y="0"/>
+            <a:ext cx="12188952" cy="6857995"/>
+          </a:xfrm>
+          <a:prstGeom prst="rect">
+            <a:avLst/>
+          </a:prstGeom>
+          <a:ln>
+            <a:noFill/>
+          </a:ln>
+        </p:spPr>
+        <p:style>
+          <a:lnRef idx="2">
+            <a:schemeClr val="accent1">
+              <a:shade val="50000"/>
+            </a:schemeClr>
+          </a:lnRef>
+          <a:fillRef idx="1">
+            <a:schemeClr val="accent1"/>
+          </a:fillRef>
+          <a:effectRef idx="0">
+            <a:schemeClr val="accent1"/>
+          </a:effectRef>
+          <a:fontRef idx="minor">
+            <a:schemeClr val="lt1"/>
+          </a:fontRef>
+        </p:style>
+        <p:txBody>
+          <a:bodyPr rtlCol="0" anchor="ctr"/>
+          <a:lstStyle/>
+          <a:p>
+            <a:pPr algn="ctr"/>
+            <a:endParaRPr lang="en-US" dirty="0"/>
+          </a:p>
+        </p:txBody>
+      </p:sp>
+      <p:sp>
+        <p:nvSpPr>
+          <p:cNvPr id="2" name="Title 1">
+            <a:extLst>
+              <a:ext uri="{FF2B5EF4-FFF2-40B4-BE49-F238E27FC236}">
+                <a16:creationId xmlns:a16="http://schemas.microsoft.com/office/drawing/2014/main" id="{7F858822-E5FE-4D77-9C5F-982864AA8463}"/>
+              </a:ext>
+            </a:extLst>
+          </p:cNvPr>
+          <p:cNvSpPr>
+            <a:spLocks noGrp="1"/>
+          </p:cNvSpPr>
+          <p:nvPr>
+            <p:ph type="ctrTitle"/>
+          </p:nvPr>
+        </p:nvSpPr>
+        <p:spPr>
+          <a:xfrm>
+            <a:off x="5555052" y="971397"/>
+            <a:ext cx="5870184" cy="2333778"/>
+          </a:xfrm>
+        </p:spPr>
+        <p:txBody>
+          <a:bodyPr anchor="t">
+            <a:normAutofit/>
+          </a:bodyPr>
+          <a:lstStyle/>
+          <a:p>
+            <a:r>
+              <a:rPr lang="en-US"/>
+              <a:t>Teaching Networks</a:t>
+            </a:r>
+          </a:p>
+        </p:txBody>
+      </p:sp>
+      <p:sp>
+        <p:nvSpPr>
+          <p:cNvPr id="3" name="Subtitle 2">
+            <a:extLst>
+              <a:ext uri="{FF2B5EF4-FFF2-40B4-BE49-F238E27FC236}">
+                <a16:creationId xmlns:a16="http://schemas.microsoft.com/office/drawing/2014/main" id="{5C256D04-3433-E55B-9A2B-C9E152B41E29}"/>
+              </a:ext>
+            </a:extLst>
+          </p:cNvPr>
+          <p:cNvSpPr>
+            <a:spLocks noGrp="1"/>
+          </p:cNvSpPr>
+          <p:nvPr>
+            <p:ph type="subTitle" idx="1"/>
+          </p:nvPr>
+        </p:nvSpPr>
+        <p:spPr>
+          <a:xfrm>
+            <a:off x="5555052" y="4482450"/>
+            <a:ext cx="5824468" cy="1724029"/>
+          </a:xfrm>
+        </p:spPr>
+        <p:txBody>
+          <a:bodyPr anchor="t">
+            <a:normAutofit/>
+          </a:bodyPr>
+          <a:lstStyle/>
+          <a:p>
+            <a:r>
+              <a:rPr lang="en-US" sz="4000" i="1"/>
+              <a:t>Are you a good professor?</a:t>
+            </a:r>
+            <a:endParaRPr lang="en-US" sz="4000" i="1" dirty="0"/>
+          </a:p>
+        </p:txBody>
+      </p:sp>
+      <p:sp>
+        <p:nvSpPr>
+          <p:cNvPr id="27" name="Rectangle 26">
+            <a:extLst>
+              <a:ext uri="{FF2B5EF4-FFF2-40B4-BE49-F238E27FC236}">
+                <a16:creationId xmlns:a16="http://schemas.microsoft.com/office/drawing/2014/main" id="{B2C335F7-F61C-4EB4-80F2-4B1438FE66BB}"/>
+              </a:ext>
+              <a:ext uri="{C183D7F6-B498-43B3-948B-1728B52AA6E4}">
+                <adec:decorative xmlns:adec="http://schemas.microsoft.com/office/drawing/2017/decorative" val="1"/>
+              </a:ext>
+            </a:extLst>
+          </p:cNvPr>
+          <p:cNvSpPr>
+            <a:spLocks noGrp="1" noRot="1" noChangeAspect="1" noMove="1" noResize="1" noEditPoints="1" noAdjustHandles="1" noChangeArrowheads="1" noChangeShapeType="1" noTextEdit="1"/>
+          </p:cNvSpPr>
+          <p:nvPr>
+            <p:extLst>
+              <p:ext uri="{386F3935-93C4-4BCD-93E2-E3B085C9AB24}">
+                <p16:designElem xmlns:p16="http://schemas.microsoft.com/office/powerpoint/2015/main" val="1"/>
+              </p:ext>
+            </p:extLst>
+          </p:nvPr>
+        </p:nvSpPr>
+        <p:spPr>
+          <a:xfrm>
+            <a:off x="5559321" y="508090"/>
+            <a:ext cx="6114810" cy="149279"/>
+          </a:xfrm>
+          <a:prstGeom prst="rect">
+            <a:avLst/>
+          </a:prstGeom>
+          <a:solidFill>
+            <a:schemeClr val="tx1"/>
+          </a:solidFill>
+          <a:ln>
+            <a:noFill/>
+          </a:ln>
+        </p:spPr>
+        <p:style>
+          <a:lnRef idx="2">
+            <a:schemeClr val="accent1">
+              <a:shade val="50000"/>
+            </a:schemeClr>
+          </a:lnRef>
+          <a:fillRef idx="1">
+            <a:schemeClr val="accent1"/>
+          </a:fillRef>
+          <a:effectRef idx="0">
+            <a:schemeClr val="accent1"/>
+          </a:effectRef>
+          <a:fontRef idx="minor">
+            <a:schemeClr val="lt1"/>
+          </a:fontRef>
+        </p:style>
+        <p:txBody>
+          <a:bodyPr rtlCol="0" anchor="ctr"/>
+          <a:lstStyle/>
+          <a:p>
+            <a:pPr algn="ctr"/>
+            <a:endParaRPr lang="en-US"/>
+          </a:p>
+        </p:txBody>
+      </p:sp>
+      <p:pic>
+        <p:nvPicPr>
+          <p:cNvPr id="9" name="Graphic 8">
+            <a:extLst>
+              <a:ext uri="{FF2B5EF4-FFF2-40B4-BE49-F238E27FC236}">
+                <a16:creationId xmlns:a16="http://schemas.microsoft.com/office/drawing/2014/main" id="{BFEF0AA4-C052-7C20-B6FC-FB492906A861}"/>
+              </a:ext>
+            </a:extLst>
+          </p:cNvPr>
+          <p:cNvPicPr>
+            <a:picLocks noChangeAspect="1"/>
+          </p:cNvPicPr>
+          <p:nvPr/>
+        </p:nvPicPr>
+        <p:blipFill>
+          <a:blip r:embed="rId2">
+            <a:extLst>
+              <a:ext uri="{96DAC541-7B7A-43D3-8B79-37D633B846F1}">
+                <asvg:svgBlip xmlns:asvg="http://schemas.microsoft.com/office/drawing/2016/SVG/main" r:embed="rId3"/>
+              </a:ext>
+            </a:extLst>
+          </a:blip>
+          <a:stretch>
+            <a:fillRect/>
+          </a:stretch>
+        </p:blipFill>
+        <p:spPr>
+          <a:xfrm>
+            <a:off x="517869" y="1284903"/>
+            <a:ext cx="4114794" cy="4760251"/>
+          </a:xfrm>
+          <a:prstGeom prst="rect">
+            <a:avLst/>
+          </a:prstGeom>
+        </p:spPr>
+      </p:pic>
+      <p:sp>
+        <p:nvSpPr>
+          <p:cNvPr id="29" name="Rectangle 28">
+            <a:extLst>
+              <a:ext uri="{FF2B5EF4-FFF2-40B4-BE49-F238E27FC236}">
+                <a16:creationId xmlns:a16="http://schemas.microsoft.com/office/drawing/2014/main" id="{D58401B5-5F1B-4D21-9AC3-AAEC8D366502}"/>
+              </a:ext>
+              <a:ext uri="{C183D7F6-B498-43B3-948B-1728B52AA6E4}">
+                <adec:decorative xmlns:adec="http://schemas.microsoft.com/office/drawing/2017/decorative" val="1"/>
+              </a:ext>
+            </a:extLst>
+          </p:cNvPr>
+          <p:cNvSpPr>
+            <a:spLocks noGrp="1" noRot="1" noChangeAspect="1" noMove="1" noResize="1" noEditPoints="1" noAdjustHandles="1" noChangeArrowheads="1" noChangeShapeType="1" noTextEdit="1"/>
+          </p:cNvSpPr>
+          <p:nvPr>
+            <p:extLst>
+              <p:ext uri="{386F3935-93C4-4BCD-93E2-E3B085C9AB24}">
+                <p16:designElem xmlns:p16="http://schemas.microsoft.com/office/powerpoint/2015/main" val="1"/>
+              </p:ext>
+            </p:extLst>
+          </p:nvPr>
+        </p:nvSpPr>
+        <p:spPr>
+          <a:xfrm>
+            <a:off x="517870" y="6209925"/>
+            <a:ext cx="4114800" cy="45719"/>
+          </a:xfrm>
+          <a:prstGeom prst="rect">
+            <a:avLst/>
+          </a:prstGeom>
+          <a:solidFill>
+            <a:schemeClr val="tx1"/>
+          </a:solidFill>
+          <a:ln>
+            <a:noFill/>
+          </a:ln>
+        </p:spPr>
+        <p:style>
+          <a:lnRef idx="2">
+            <a:schemeClr val="accent1">
+              <a:shade val="50000"/>
+            </a:schemeClr>
+          </a:lnRef>
+          <a:fillRef idx="1">
+            <a:schemeClr val="accent1"/>
+          </a:fillRef>
+          <a:effectRef idx="0">
+            <a:schemeClr val="accent1"/>
+          </a:effectRef>
+          <a:fontRef idx="minor">
+            <a:schemeClr val="lt1"/>
+          </a:fontRef>
+        </p:style>
+        <p:txBody>
+          <a:bodyPr rtlCol="0" anchor="ctr"/>
+          <a:lstStyle/>
+          <a:p>
+            <a:pPr algn="ctr"/>
+            <a:endParaRPr lang="en-US"/>
+          </a:p>
+        </p:txBody>
+      </p:sp>
+    </p:spTree>
+    <p:extLst>
+      <p:ext uri="{BB962C8B-B14F-4D97-AF65-F5344CB8AC3E}">
+        <p14:creationId xmlns:p14="http://schemas.microsoft.com/office/powerpoint/2010/main" val="2026294868"/>
+      </p:ext>
+    </p:extLst>
+  </p:cSld>
+  <p:clrMapOvr>
+    <a:masterClrMapping/>
+  </p:clrMapOvr>
+</p:sld>
+</file>
+
 <file path=ppt/theme/theme1.xml><?xml version="1.0" encoding="utf-8"?>
 <a:theme xmlns:a="http://schemas.openxmlformats.org/drawingml/2006/main" name="GestaltVTI">
   <a:themeElements>

--- a/TeachingNetwoks.pptx
+++ b/TeachingNetwoks.pptx
@@ -5,11 +5,12 @@
     <p:sldMasterId id="2147483648" r:id="rId1"/>
   </p:sldMasterIdLst>
   <p:notesMasterIdLst>
-    <p:notesMasterId r:id="rId4"/>
+    <p:notesMasterId r:id="rId5"/>
   </p:notesMasterIdLst>
   <p:sldIdLst>
     <p:sldId id="256" r:id="rId2"/>
     <p:sldId id="329" r:id="rId3"/>
+    <p:sldId id="319" r:id="rId4"/>
   </p:sldIdLst>
   <p:sldSz cx="12192000" cy="6858000"/>
   <p:notesSz cx="6858000" cy="9144000"/>
@@ -119,6 +120,7 @@
         <p14:section name="Maths" id="{EB53FB21-4207-4AAF-AB29-4B48807D277F}">
           <p14:sldIdLst>
             <p14:sldId id="329"/>
+            <p14:sldId id="319"/>
           </p14:sldIdLst>
         </p14:section>
       </p14:sectionLst>
@@ -554,6 +556,93 @@
     <p:extLst>
       <p:ext uri="{BB962C8B-B14F-4D97-AF65-F5344CB8AC3E}">
         <p14:creationId xmlns:p14="http://schemas.microsoft.com/office/powerpoint/2010/main" val="2324574344"/>
+      </p:ext>
+    </p:extLst>
+  </p:cSld>
+  <p:clrMapOvr>
+    <a:masterClrMapping/>
+  </p:clrMapOvr>
+</p:notes>
+</file>
+
+<file path=ppt/notesSlides/notesSlide2.xml><?xml version="1.0" encoding="utf-8"?>
+<p:notes xmlns:a="http://schemas.openxmlformats.org/drawingml/2006/main" xmlns:r="http://schemas.openxmlformats.org/officeDocument/2006/relationships" xmlns:p="http://schemas.openxmlformats.org/presentationml/2006/main">
+  <p:cSld>
+    <p:spTree>
+      <p:nvGrpSpPr>
+        <p:cNvPr id="1" name=""/>
+        <p:cNvGrpSpPr/>
+        <p:nvPr/>
+      </p:nvGrpSpPr>
+      <p:grpSpPr>
+        <a:xfrm>
+          <a:off x="0" y="0"/>
+          <a:ext cx="0" cy="0"/>
+          <a:chOff x="0" y="0"/>
+          <a:chExt cx="0" cy="0"/>
+        </a:xfrm>
+      </p:grpSpPr>
+      <p:sp>
+        <p:nvSpPr>
+          <p:cNvPr id="2" name="Slide Image Placeholder 1"/>
+          <p:cNvSpPr>
+            <a:spLocks noGrp="1" noRot="1" noChangeAspect="1"/>
+          </p:cNvSpPr>
+          <p:nvPr>
+            <p:ph type="sldImg"/>
+          </p:nvPr>
+        </p:nvSpPr>
+        <p:spPr/>
+      </p:sp>
+      <p:sp>
+        <p:nvSpPr>
+          <p:cNvPr id="3" name="Notes Placeholder 2"/>
+          <p:cNvSpPr>
+            <a:spLocks noGrp="1"/>
+          </p:cNvSpPr>
+          <p:nvPr>
+            <p:ph type="body" idx="1"/>
+          </p:nvPr>
+        </p:nvSpPr>
+        <p:spPr/>
+        <p:txBody>
+          <a:bodyPr/>
+          <a:lstStyle/>
+          <a:p>
+            <a:r>
+              <a:rPr lang="en-US" dirty="0"/>
+              <a:t>Treat each layer as a vector</a:t>
+            </a:r>
+          </a:p>
+        </p:txBody>
+      </p:sp>
+      <p:sp>
+        <p:nvSpPr>
+          <p:cNvPr id="4" name="Slide Number Placeholder 3"/>
+          <p:cNvSpPr>
+            <a:spLocks noGrp="1"/>
+          </p:cNvSpPr>
+          <p:nvPr>
+            <p:ph type="sldNum" sz="quarter" idx="5"/>
+          </p:nvPr>
+        </p:nvSpPr>
+        <p:spPr/>
+        <p:txBody>
+          <a:bodyPr/>
+          <a:lstStyle/>
+          <a:p>
+            <a:fld id="{A1F3994E-D175-4376-8600-63A26808DC17}" type="slidenum">
+              <a:rPr lang="en-US" smtClean="0"/>
+              <a:t>3</a:t>
+            </a:fld>
+            <a:endParaRPr lang="en-US"/>
+          </a:p>
+        </p:txBody>
+      </p:sp>
+    </p:spTree>
+    <p:extLst>
+      <p:ext uri="{BB962C8B-B14F-4D97-AF65-F5344CB8AC3E}">
+        <p14:creationId xmlns:p14="http://schemas.microsoft.com/office/powerpoint/2010/main" val="997645520"/>
       </p:ext>
     </p:extLst>
   </p:cSld>
@@ -30037,6 +30126,1578 @@
 </p:sld>
 </file>
 
+<file path=ppt/slides/slide3.xml><?xml version="1.0" encoding="utf-8"?>
+<p:sld xmlns:a="http://schemas.openxmlformats.org/drawingml/2006/main" xmlns:r="http://schemas.openxmlformats.org/officeDocument/2006/relationships" xmlns:p="http://schemas.openxmlformats.org/presentationml/2006/main" show="0">
+  <p:cSld>
+    <p:spTree>
+      <p:nvGrpSpPr>
+        <p:cNvPr id="1" name=""/>
+        <p:cNvGrpSpPr/>
+        <p:nvPr/>
+      </p:nvGrpSpPr>
+      <p:grpSpPr>
+        <a:xfrm>
+          <a:off x="0" y="0"/>
+          <a:ext cx="0" cy="0"/>
+          <a:chOff x="0" y="0"/>
+          <a:chExt cx="0" cy="0"/>
+        </a:xfrm>
+      </p:grpSpPr>
+      <p:sp>
+        <p:nvSpPr>
+          <p:cNvPr id="2" name="Title 1">
+            <a:extLst>
+              <a:ext uri="{FF2B5EF4-FFF2-40B4-BE49-F238E27FC236}">
+                <a16:creationId xmlns:a16="http://schemas.microsoft.com/office/drawing/2014/main" id="{1D01E8D4-6E5D-3D0C-38C0-82F225028D39}"/>
+              </a:ext>
+            </a:extLst>
+          </p:cNvPr>
+          <p:cNvSpPr>
+            <a:spLocks noGrp="1"/>
+          </p:cNvSpPr>
+          <p:nvPr>
+            <p:ph type="title"/>
+          </p:nvPr>
+        </p:nvSpPr>
+        <p:spPr/>
+        <p:txBody>
+          <a:bodyPr/>
+          <a:lstStyle/>
+          <a:p>
+            <a:r>
+              <a:rPr lang="en-US" dirty="0"/>
+              <a:t>Mathematically</a:t>
+            </a:r>
+          </a:p>
+        </p:txBody>
+      </p:sp>
+      <mc:AlternateContent xmlns:mc="http://schemas.openxmlformats.org/markup-compatibility/2006" xmlns:a14="http://schemas.microsoft.com/office/drawing/2010/main">
+        <mc:Choice Requires="a14">
+          <p:sp>
+            <p:nvSpPr>
+              <p:cNvPr id="50" name="TextBox 49">
+                <a:extLst>
+                  <a:ext uri="{FF2B5EF4-FFF2-40B4-BE49-F238E27FC236}">
+                    <a16:creationId xmlns:a16="http://schemas.microsoft.com/office/drawing/2014/main" id="{970C9D26-7A61-6F59-A315-A13E3DB94B14}"/>
+                  </a:ext>
+                </a:extLst>
+              </p:cNvPr>
+              <p:cNvSpPr txBox="1"/>
+              <p:nvPr/>
+            </p:nvSpPr>
+            <p:spPr>
+              <a:xfrm>
+                <a:off x="1533678" y="3861854"/>
+                <a:ext cx="367986" cy="369332"/>
+              </a:xfrm>
+              <a:prstGeom prst="rect">
+                <a:avLst/>
+              </a:prstGeom>
+            </p:spPr>
+            <p:style>
+              <a:lnRef idx="2">
+                <a:schemeClr val="dk1"/>
+              </a:lnRef>
+              <a:fillRef idx="1">
+                <a:schemeClr val="lt1"/>
+              </a:fillRef>
+              <a:effectRef idx="0">
+                <a:schemeClr val="dk1"/>
+              </a:effectRef>
+              <a:fontRef idx="minor">
+                <a:schemeClr val="dk1"/>
+              </a:fontRef>
+            </p:style>
+            <p:txBody>
+              <a:bodyPr wrap="none" rtlCol="0">
+                <a:spAutoFit/>
+              </a:bodyPr>
+              <a:lstStyle/>
+              <a:p>
+                <a:pPr/>
+                <a14:m>
+                  <m:oMathPara xmlns:m="http://schemas.openxmlformats.org/officeDocument/2006/math">
+                    <m:oMathParaPr>
+                      <m:jc m:val="centerGroup"/>
+                    </m:oMathParaPr>
+                    <m:oMath xmlns:m="http://schemas.openxmlformats.org/officeDocument/2006/math">
+                      <m:r>
+                        <a:rPr lang="en-US" b="0" i="1" smtClean="0">
+                          <a:latin typeface="Cambria Math" panose="02040503050406030204" pitchFamily="18" charset="0"/>
+                        </a:rPr>
+                        <m:t>𝑥</m:t>
+                      </m:r>
+                    </m:oMath>
+                  </m:oMathPara>
+                </a14:m>
+                <a:endParaRPr lang="fr-FR" dirty="0"/>
+              </a:p>
+            </p:txBody>
+          </p:sp>
+        </mc:Choice>
+        <mc:Fallback xmlns="">
+          <p:sp>
+            <p:nvSpPr>
+              <p:cNvPr id="50" name="TextBox 49">
+                <a:extLst>
+                  <a:ext uri="{FF2B5EF4-FFF2-40B4-BE49-F238E27FC236}">
+                    <a16:creationId xmlns:a16="http://schemas.microsoft.com/office/drawing/2014/main" id="{970C9D26-7A61-6F59-A315-A13E3DB94B14}"/>
+                  </a:ext>
+                </a:extLst>
+              </p:cNvPr>
+              <p:cNvSpPr txBox="1">
+                <a:spLocks noRot="1" noChangeAspect="1" noMove="1" noResize="1" noEditPoints="1" noAdjustHandles="1" noChangeArrowheads="1" noChangeShapeType="1" noTextEdit="1"/>
+              </p:cNvSpPr>
+              <p:nvPr/>
+            </p:nvSpPr>
+            <p:spPr>
+              <a:xfrm>
+                <a:off x="1533678" y="3861854"/>
+                <a:ext cx="367986" cy="369332"/>
+              </a:xfrm>
+              <a:prstGeom prst="rect">
+                <a:avLst/>
+              </a:prstGeom>
+              <a:blipFill>
+                <a:blip r:embed="rId3"/>
+                <a:stretch>
+                  <a:fillRect/>
+                </a:stretch>
+              </a:blipFill>
+            </p:spPr>
+            <p:txBody>
+              <a:bodyPr/>
+              <a:lstStyle/>
+              <a:p>
+                <a:r>
+                  <a:rPr lang="en-US">
+                    <a:noFill/>
+                  </a:rPr>
+                  <a:t> </a:t>
+                </a:r>
+              </a:p>
+            </p:txBody>
+          </p:sp>
+        </mc:Fallback>
+      </mc:AlternateContent>
+      <mc:AlternateContent xmlns:mc="http://schemas.openxmlformats.org/markup-compatibility/2006" xmlns:a14="http://schemas.microsoft.com/office/drawing/2010/main">
+        <mc:Choice Requires="a14">
+          <p:sp>
+            <p:nvSpPr>
+              <p:cNvPr id="51" name="TextBox 50">
+                <a:extLst>
+                  <a:ext uri="{FF2B5EF4-FFF2-40B4-BE49-F238E27FC236}">
+                    <a16:creationId xmlns:a16="http://schemas.microsoft.com/office/drawing/2014/main" id="{576DB2D2-8B51-FEDE-2420-902E299CF6DF}"/>
+                  </a:ext>
+                </a:extLst>
+              </p:cNvPr>
+              <p:cNvSpPr txBox="1"/>
+              <p:nvPr/>
+            </p:nvSpPr>
+            <p:spPr>
+              <a:xfrm flipH="1">
+                <a:off x="10658322" y="3861854"/>
+                <a:ext cx="371384" cy="369332"/>
+              </a:xfrm>
+              <a:prstGeom prst="rect">
+                <a:avLst/>
+              </a:prstGeom>
+            </p:spPr>
+            <p:style>
+              <a:lnRef idx="2">
+                <a:schemeClr val="dk1"/>
+              </a:lnRef>
+              <a:fillRef idx="1">
+                <a:schemeClr val="lt1"/>
+              </a:fillRef>
+              <a:effectRef idx="0">
+                <a:schemeClr val="dk1"/>
+              </a:effectRef>
+              <a:fontRef idx="minor">
+                <a:schemeClr val="dk1"/>
+              </a:fontRef>
+            </p:style>
+            <p:txBody>
+              <a:bodyPr wrap="none" rtlCol="0">
+                <a:spAutoFit/>
+              </a:bodyPr>
+              <a:lstStyle/>
+              <a:p>
+                <a:pPr/>
+                <a14:m>
+                  <m:oMathPara xmlns:m="http://schemas.openxmlformats.org/officeDocument/2006/math">
+                    <m:oMathParaPr>
+                      <m:jc m:val="centerGroup"/>
+                    </m:oMathParaPr>
+                    <m:oMath xmlns:m="http://schemas.openxmlformats.org/officeDocument/2006/math">
+                      <m:r>
+                        <a:rPr lang="en-US" b="0" i="1" smtClean="0">
+                          <a:latin typeface="Cambria Math" panose="02040503050406030204" pitchFamily="18" charset="0"/>
+                        </a:rPr>
+                        <m:t>𝑦</m:t>
+                      </m:r>
+                    </m:oMath>
+                  </m:oMathPara>
+                </a14:m>
+                <a:endParaRPr lang="fr-FR" dirty="0"/>
+              </a:p>
+            </p:txBody>
+          </p:sp>
+        </mc:Choice>
+        <mc:Fallback xmlns="">
+          <p:sp>
+            <p:nvSpPr>
+              <p:cNvPr id="51" name="TextBox 50">
+                <a:extLst>
+                  <a:ext uri="{FF2B5EF4-FFF2-40B4-BE49-F238E27FC236}">
+                    <a16:creationId xmlns:a16="http://schemas.microsoft.com/office/drawing/2014/main" id="{576DB2D2-8B51-FEDE-2420-902E299CF6DF}"/>
+                  </a:ext>
+                </a:extLst>
+              </p:cNvPr>
+              <p:cNvSpPr txBox="1">
+                <a:spLocks noRot="1" noChangeAspect="1" noMove="1" noResize="1" noEditPoints="1" noAdjustHandles="1" noChangeArrowheads="1" noChangeShapeType="1" noTextEdit="1"/>
+              </p:cNvSpPr>
+              <p:nvPr/>
+            </p:nvSpPr>
+            <p:spPr>
+              <a:xfrm flipH="1">
+                <a:off x="10658322" y="3861854"/>
+                <a:ext cx="371384" cy="369332"/>
+              </a:xfrm>
+              <a:prstGeom prst="rect">
+                <a:avLst/>
+              </a:prstGeom>
+              <a:blipFill>
+                <a:blip r:embed="rId4"/>
+                <a:stretch>
+                  <a:fillRect b="-4839"/>
+                </a:stretch>
+              </a:blipFill>
+            </p:spPr>
+            <p:txBody>
+              <a:bodyPr/>
+              <a:lstStyle/>
+              <a:p>
+                <a:r>
+                  <a:rPr lang="en-US">
+                    <a:noFill/>
+                  </a:rPr>
+                  <a:t> </a:t>
+                </a:r>
+              </a:p>
+            </p:txBody>
+          </p:sp>
+        </mc:Fallback>
+      </mc:AlternateContent>
+      <mc:AlternateContent xmlns:mc="http://schemas.openxmlformats.org/markup-compatibility/2006" xmlns:a14="http://schemas.microsoft.com/office/drawing/2010/main">
+        <mc:Choice Requires="a14">
+          <p:sp>
+            <p:nvSpPr>
+              <p:cNvPr id="52" name="TextBox 51">
+                <a:extLst>
+                  <a:ext uri="{FF2B5EF4-FFF2-40B4-BE49-F238E27FC236}">
+                    <a16:creationId xmlns:a16="http://schemas.microsoft.com/office/drawing/2014/main" id="{05A70B64-722A-C677-8A01-FFFC6FC496B4}"/>
+                  </a:ext>
+                </a:extLst>
+              </p:cNvPr>
+              <p:cNvSpPr txBox="1"/>
+              <p:nvPr/>
+            </p:nvSpPr>
+            <p:spPr>
+              <a:xfrm>
+                <a:off x="2568747" y="3858744"/>
+                <a:ext cx="367986" cy="375552"/>
+              </a:xfrm>
+              <a:prstGeom prst="rect">
+                <a:avLst/>
+              </a:prstGeom>
+            </p:spPr>
+            <p:style>
+              <a:lnRef idx="2">
+                <a:schemeClr val="dk1"/>
+              </a:lnRef>
+              <a:fillRef idx="1">
+                <a:schemeClr val="lt1"/>
+              </a:fillRef>
+              <a:effectRef idx="0">
+                <a:schemeClr val="dk1"/>
+              </a:effectRef>
+              <a:fontRef idx="minor">
+                <a:schemeClr val="dk1"/>
+              </a:fontRef>
+            </p:style>
+            <p:txBody>
+              <a:bodyPr wrap="square" rtlCol="0">
+                <a:spAutoFit/>
+              </a:bodyPr>
+              <a:lstStyle/>
+              <a:p>
+                <a:pPr/>
+                <a14:m>
+                  <m:oMathPara xmlns:m="http://schemas.openxmlformats.org/officeDocument/2006/math">
+                    <m:oMathParaPr>
+                      <m:jc m:val="centerGroup"/>
+                    </m:oMathParaPr>
+                    <m:oMath xmlns:m="http://schemas.openxmlformats.org/officeDocument/2006/math">
+                      <m:sSup>
+                        <m:sSupPr>
+                          <m:ctrlPr>
+                            <a:rPr lang="en-US" b="1" i="1" smtClean="0">
+                              <a:latin typeface="Cambria Math" panose="02040503050406030204" pitchFamily="18" charset="0"/>
+                            </a:rPr>
+                          </m:ctrlPr>
+                        </m:sSupPr>
+                        <m:e>
+                          <m:r>
+                            <a:rPr lang="en-US" b="1" i="1" smtClean="0">
+                              <a:latin typeface="Cambria Math" panose="02040503050406030204" pitchFamily="18" charset="0"/>
+                            </a:rPr>
+                            <m:t>𝒍</m:t>
+                          </m:r>
+                        </m:e>
+                        <m:sup>
+                          <m:r>
+                            <a:rPr lang="en-US" b="1" i="1" smtClean="0">
+                              <a:latin typeface="Cambria Math" panose="02040503050406030204" pitchFamily="18" charset="0"/>
+                            </a:rPr>
+                            <m:t>𝟏</m:t>
+                          </m:r>
+                        </m:sup>
+                      </m:sSup>
+                    </m:oMath>
+                  </m:oMathPara>
+                </a14:m>
+                <a:endParaRPr lang="en-US" b="1" dirty="0"/>
+              </a:p>
+            </p:txBody>
+          </p:sp>
+        </mc:Choice>
+        <mc:Fallback xmlns="">
+          <p:sp>
+            <p:nvSpPr>
+              <p:cNvPr id="52" name="TextBox 51">
+                <a:extLst>
+                  <a:ext uri="{FF2B5EF4-FFF2-40B4-BE49-F238E27FC236}">
+                    <a16:creationId xmlns:a16="http://schemas.microsoft.com/office/drawing/2014/main" id="{05A70B64-722A-C677-8A01-FFFC6FC496B4}"/>
+                  </a:ext>
+                </a:extLst>
+              </p:cNvPr>
+              <p:cNvSpPr txBox="1">
+                <a:spLocks noRot="1" noChangeAspect="1" noMove="1" noResize="1" noEditPoints="1" noAdjustHandles="1" noChangeArrowheads="1" noChangeShapeType="1" noTextEdit="1"/>
+              </p:cNvSpPr>
+              <p:nvPr/>
+            </p:nvSpPr>
+            <p:spPr>
+              <a:xfrm>
+                <a:off x="2568747" y="3858744"/>
+                <a:ext cx="367986" cy="375552"/>
+              </a:xfrm>
+              <a:prstGeom prst="rect">
+                <a:avLst/>
+              </a:prstGeom>
+              <a:blipFill>
+                <a:blip r:embed="rId5"/>
+                <a:stretch>
+                  <a:fillRect/>
+                </a:stretch>
+              </a:blipFill>
+            </p:spPr>
+            <p:txBody>
+              <a:bodyPr/>
+              <a:lstStyle/>
+              <a:p>
+                <a:r>
+                  <a:rPr lang="en-US">
+                    <a:noFill/>
+                  </a:rPr>
+                  <a:t> </a:t>
+                </a:r>
+              </a:p>
+            </p:txBody>
+          </p:sp>
+        </mc:Fallback>
+      </mc:AlternateContent>
+      <mc:AlternateContent xmlns:mc="http://schemas.openxmlformats.org/markup-compatibility/2006" xmlns:a14="http://schemas.microsoft.com/office/drawing/2010/main">
+        <mc:Choice Requires="a14">
+          <p:sp>
+            <p:nvSpPr>
+              <p:cNvPr id="54" name="TextBox 53">
+                <a:extLst>
+                  <a:ext uri="{FF2B5EF4-FFF2-40B4-BE49-F238E27FC236}">
+                    <a16:creationId xmlns:a16="http://schemas.microsoft.com/office/drawing/2014/main" id="{5A54B5A6-A04B-ED56-78E2-ABB03640743F}"/>
+                  </a:ext>
+                </a:extLst>
+              </p:cNvPr>
+              <p:cNvSpPr txBox="1"/>
+              <p:nvPr/>
+            </p:nvSpPr>
+            <p:spPr>
+              <a:xfrm>
+                <a:off x="5912007" y="3858744"/>
+                <a:ext cx="367986" cy="375552"/>
+              </a:xfrm>
+              <a:prstGeom prst="rect">
+                <a:avLst/>
+              </a:prstGeom>
+            </p:spPr>
+            <p:style>
+              <a:lnRef idx="2">
+                <a:schemeClr val="dk1"/>
+              </a:lnRef>
+              <a:fillRef idx="1">
+                <a:schemeClr val="lt1"/>
+              </a:fillRef>
+              <a:effectRef idx="0">
+                <a:schemeClr val="dk1"/>
+              </a:effectRef>
+              <a:fontRef idx="minor">
+                <a:schemeClr val="dk1"/>
+              </a:fontRef>
+            </p:style>
+            <p:txBody>
+              <a:bodyPr wrap="square" rtlCol="0">
+                <a:spAutoFit/>
+              </a:bodyPr>
+              <a:lstStyle/>
+              <a:p>
+                <a:pPr/>
+                <a14:m>
+                  <m:oMathPara xmlns:m="http://schemas.openxmlformats.org/officeDocument/2006/math">
+                    <m:oMathParaPr>
+                      <m:jc m:val="centerGroup"/>
+                    </m:oMathParaPr>
+                    <m:oMath xmlns:m="http://schemas.openxmlformats.org/officeDocument/2006/math">
+                      <m:sSup>
+                        <m:sSupPr>
+                          <m:ctrlPr>
+                            <a:rPr lang="en-US" b="1" i="1" smtClean="0">
+                              <a:latin typeface="Cambria Math" panose="02040503050406030204" pitchFamily="18" charset="0"/>
+                            </a:rPr>
+                          </m:ctrlPr>
+                        </m:sSupPr>
+                        <m:e>
+                          <m:r>
+                            <a:rPr lang="en-US" b="1" i="1" smtClean="0">
+                              <a:latin typeface="Cambria Math" panose="02040503050406030204" pitchFamily="18" charset="0"/>
+                            </a:rPr>
+                            <m:t>𝒍</m:t>
+                          </m:r>
+                        </m:e>
+                        <m:sup>
+                          <m:r>
+                            <a:rPr lang="en-US" b="1" i="1" smtClean="0">
+                              <a:latin typeface="Cambria Math" panose="02040503050406030204" pitchFamily="18" charset="0"/>
+                            </a:rPr>
+                            <m:t>𝟐</m:t>
+                          </m:r>
+                        </m:sup>
+                      </m:sSup>
+                    </m:oMath>
+                  </m:oMathPara>
+                </a14:m>
+                <a:endParaRPr lang="en-US" b="1" dirty="0"/>
+              </a:p>
+            </p:txBody>
+          </p:sp>
+        </mc:Choice>
+        <mc:Fallback xmlns="">
+          <p:sp>
+            <p:nvSpPr>
+              <p:cNvPr id="54" name="TextBox 53">
+                <a:extLst>
+                  <a:ext uri="{FF2B5EF4-FFF2-40B4-BE49-F238E27FC236}">
+                    <a16:creationId xmlns:a16="http://schemas.microsoft.com/office/drawing/2014/main" id="{5A54B5A6-A04B-ED56-78E2-ABB03640743F}"/>
+                  </a:ext>
+                </a:extLst>
+              </p:cNvPr>
+              <p:cNvSpPr txBox="1">
+                <a:spLocks noRot="1" noChangeAspect="1" noMove="1" noResize="1" noEditPoints="1" noAdjustHandles="1" noChangeArrowheads="1" noChangeShapeType="1" noTextEdit="1"/>
+              </p:cNvSpPr>
+              <p:nvPr/>
+            </p:nvSpPr>
+            <p:spPr>
+              <a:xfrm>
+                <a:off x="5912007" y="3858744"/>
+                <a:ext cx="367986" cy="375552"/>
+              </a:xfrm>
+              <a:prstGeom prst="rect">
+                <a:avLst/>
+              </a:prstGeom>
+              <a:blipFill>
+                <a:blip r:embed="rId6"/>
+                <a:stretch>
+                  <a:fillRect/>
+                </a:stretch>
+              </a:blipFill>
+            </p:spPr>
+            <p:txBody>
+              <a:bodyPr/>
+              <a:lstStyle/>
+              <a:p>
+                <a:r>
+                  <a:rPr lang="en-US">
+                    <a:noFill/>
+                  </a:rPr>
+                  <a:t> </a:t>
+                </a:r>
+              </a:p>
+            </p:txBody>
+          </p:sp>
+        </mc:Fallback>
+      </mc:AlternateContent>
+      <mc:AlternateContent xmlns:mc="http://schemas.openxmlformats.org/markup-compatibility/2006" xmlns:a14="http://schemas.microsoft.com/office/drawing/2010/main">
+        <mc:Choice Requires="a14">
+          <p:sp>
+            <p:nvSpPr>
+              <p:cNvPr id="55" name="TextBox 54">
+                <a:extLst>
+                  <a:ext uri="{FF2B5EF4-FFF2-40B4-BE49-F238E27FC236}">
+                    <a16:creationId xmlns:a16="http://schemas.microsoft.com/office/drawing/2014/main" id="{F65892C8-398B-6290-789E-AB47515E07E7}"/>
+                  </a:ext>
+                </a:extLst>
+              </p:cNvPr>
+              <p:cNvSpPr txBox="1"/>
+              <p:nvPr/>
+            </p:nvSpPr>
+            <p:spPr>
+              <a:xfrm>
+                <a:off x="9265485" y="3858744"/>
+                <a:ext cx="367986" cy="375552"/>
+              </a:xfrm>
+              <a:prstGeom prst="rect">
+                <a:avLst/>
+              </a:prstGeom>
+            </p:spPr>
+            <p:style>
+              <a:lnRef idx="2">
+                <a:schemeClr val="dk1"/>
+              </a:lnRef>
+              <a:fillRef idx="1">
+                <a:schemeClr val="lt1"/>
+              </a:fillRef>
+              <a:effectRef idx="0">
+                <a:schemeClr val="dk1"/>
+              </a:effectRef>
+              <a:fontRef idx="minor">
+                <a:schemeClr val="dk1"/>
+              </a:fontRef>
+            </p:style>
+            <p:txBody>
+              <a:bodyPr wrap="square" rtlCol="0">
+                <a:spAutoFit/>
+              </a:bodyPr>
+              <a:lstStyle/>
+              <a:p>
+                <a:pPr/>
+                <a14:m>
+                  <m:oMathPara xmlns:m="http://schemas.openxmlformats.org/officeDocument/2006/math">
+                    <m:oMathParaPr>
+                      <m:jc m:val="centerGroup"/>
+                    </m:oMathParaPr>
+                    <m:oMath xmlns:m="http://schemas.openxmlformats.org/officeDocument/2006/math">
+                      <m:sSup>
+                        <m:sSupPr>
+                          <m:ctrlPr>
+                            <a:rPr lang="en-US" b="1" i="1" smtClean="0">
+                              <a:latin typeface="Cambria Math" panose="02040503050406030204" pitchFamily="18" charset="0"/>
+                            </a:rPr>
+                          </m:ctrlPr>
+                        </m:sSupPr>
+                        <m:e>
+                          <m:r>
+                            <a:rPr lang="en-US" b="1" i="1" smtClean="0">
+                              <a:latin typeface="Cambria Math" panose="02040503050406030204" pitchFamily="18" charset="0"/>
+                            </a:rPr>
+                            <m:t>𝒍</m:t>
+                          </m:r>
+                        </m:e>
+                        <m:sup>
+                          <m:r>
+                            <a:rPr lang="en-US" b="1" i="1" smtClean="0">
+                              <a:latin typeface="Cambria Math" panose="02040503050406030204" pitchFamily="18" charset="0"/>
+                            </a:rPr>
+                            <m:t>𝟑</m:t>
+                          </m:r>
+                        </m:sup>
+                      </m:sSup>
+                    </m:oMath>
+                  </m:oMathPara>
+                </a14:m>
+                <a:endParaRPr lang="en-US" b="1" dirty="0"/>
+              </a:p>
+            </p:txBody>
+          </p:sp>
+        </mc:Choice>
+        <mc:Fallback xmlns="">
+          <p:sp>
+            <p:nvSpPr>
+              <p:cNvPr id="55" name="TextBox 54">
+                <a:extLst>
+                  <a:ext uri="{FF2B5EF4-FFF2-40B4-BE49-F238E27FC236}">
+                    <a16:creationId xmlns:a16="http://schemas.microsoft.com/office/drawing/2014/main" id="{F65892C8-398B-6290-789E-AB47515E07E7}"/>
+                  </a:ext>
+                </a:extLst>
+              </p:cNvPr>
+              <p:cNvSpPr txBox="1">
+                <a:spLocks noRot="1" noChangeAspect="1" noMove="1" noResize="1" noEditPoints="1" noAdjustHandles="1" noChangeArrowheads="1" noChangeShapeType="1" noTextEdit="1"/>
+              </p:cNvSpPr>
+              <p:nvPr/>
+            </p:nvSpPr>
+            <p:spPr>
+              <a:xfrm>
+                <a:off x="9265485" y="3858744"/>
+                <a:ext cx="367986" cy="375552"/>
+              </a:xfrm>
+              <a:prstGeom prst="rect">
+                <a:avLst/>
+              </a:prstGeom>
+              <a:blipFill>
+                <a:blip r:embed="rId7"/>
+                <a:stretch>
+                  <a:fillRect/>
+                </a:stretch>
+              </a:blipFill>
+            </p:spPr>
+            <p:txBody>
+              <a:bodyPr/>
+              <a:lstStyle/>
+              <a:p>
+                <a:r>
+                  <a:rPr lang="en-US">
+                    <a:noFill/>
+                  </a:rPr>
+                  <a:t> </a:t>
+                </a:r>
+              </a:p>
+            </p:txBody>
+          </p:sp>
+        </mc:Fallback>
+      </mc:AlternateContent>
+      <p:cxnSp>
+        <p:nvCxnSpPr>
+          <p:cNvPr id="559" name="Straight Connector 558">
+            <a:extLst>
+              <a:ext uri="{FF2B5EF4-FFF2-40B4-BE49-F238E27FC236}">
+                <a16:creationId xmlns:a16="http://schemas.microsoft.com/office/drawing/2014/main" id="{7E6AED17-248E-C7FC-3A04-40395DA44B00}"/>
+              </a:ext>
+            </a:extLst>
+          </p:cNvPr>
+          <p:cNvCxnSpPr>
+            <a:cxnSpLocks/>
+            <a:stCxn id="52" idx="1"/>
+            <a:endCxn id="50" idx="3"/>
+          </p:cNvCxnSpPr>
+          <p:nvPr/>
+        </p:nvCxnSpPr>
+        <p:spPr>
+          <a:xfrm flipH="1">
+            <a:off x="1901664" y="4046520"/>
+            <a:ext cx="667083" cy="0"/>
+          </a:xfrm>
+          <a:prstGeom prst="line">
+            <a:avLst/>
+          </a:prstGeom>
+          <a:ln>
+            <a:solidFill>
+              <a:schemeClr val="bg1">
+                <a:lumMod val="65000"/>
+              </a:schemeClr>
+            </a:solidFill>
+          </a:ln>
+        </p:spPr>
+        <p:style>
+          <a:lnRef idx="1">
+            <a:schemeClr val="accent1"/>
+          </a:lnRef>
+          <a:fillRef idx="0">
+            <a:schemeClr val="accent1"/>
+          </a:fillRef>
+          <a:effectRef idx="0">
+            <a:schemeClr val="accent1"/>
+          </a:effectRef>
+          <a:fontRef idx="minor">
+            <a:schemeClr val="tx1"/>
+          </a:fontRef>
+        </p:style>
+      </p:cxnSp>
+      <p:cxnSp>
+        <p:nvCxnSpPr>
+          <p:cNvPr id="562" name="Straight Connector 561">
+            <a:extLst>
+              <a:ext uri="{FF2B5EF4-FFF2-40B4-BE49-F238E27FC236}">
+                <a16:creationId xmlns:a16="http://schemas.microsoft.com/office/drawing/2014/main" id="{EFC0D515-1B9E-6354-858A-C555486D8C81}"/>
+              </a:ext>
+            </a:extLst>
+          </p:cNvPr>
+          <p:cNvCxnSpPr>
+            <a:cxnSpLocks/>
+            <a:stCxn id="54" idx="1"/>
+            <a:endCxn id="52" idx="3"/>
+          </p:cNvCxnSpPr>
+          <p:nvPr/>
+        </p:nvCxnSpPr>
+        <p:spPr>
+          <a:xfrm flipH="1">
+            <a:off x="2936733" y="4046520"/>
+            <a:ext cx="2975274" cy="0"/>
+          </a:xfrm>
+          <a:prstGeom prst="line">
+            <a:avLst/>
+          </a:prstGeom>
+          <a:ln>
+            <a:solidFill>
+              <a:schemeClr val="bg1">
+                <a:lumMod val="65000"/>
+              </a:schemeClr>
+            </a:solidFill>
+          </a:ln>
+        </p:spPr>
+        <p:style>
+          <a:lnRef idx="1">
+            <a:schemeClr val="accent1"/>
+          </a:lnRef>
+          <a:fillRef idx="0">
+            <a:schemeClr val="accent1"/>
+          </a:fillRef>
+          <a:effectRef idx="0">
+            <a:schemeClr val="accent1"/>
+          </a:effectRef>
+          <a:fontRef idx="minor">
+            <a:schemeClr val="tx1"/>
+          </a:fontRef>
+        </p:style>
+      </p:cxnSp>
+      <p:cxnSp>
+        <p:nvCxnSpPr>
+          <p:cNvPr id="563" name="Straight Connector 562">
+            <a:extLst>
+              <a:ext uri="{FF2B5EF4-FFF2-40B4-BE49-F238E27FC236}">
+                <a16:creationId xmlns:a16="http://schemas.microsoft.com/office/drawing/2014/main" id="{F947DADE-9F91-F393-9F7D-80015B7F5BAC}"/>
+              </a:ext>
+            </a:extLst>
+          </p:cNvPr>
+          <p:cNvCxnSpPr>
+            <a:cxnSpLocks/>
+            <a:stCxn id="55" idx="1"/>
+            <a:endCxn id="54" idx="3"/>
+          </p:cNvCxnSpPr>
+          <p:nvPr/>
+        </p:nvCxnSpPr>
+        <p:spPr>
+          <a:xfrm flipH="1">
+            <a:off x="6279993" y="4046520"/>
+            <a:ext cx="2985492" cy="0"/>
+          </a:xfrm>
+          <a:prstGeom prst="line">
+            <a:avLst/>
+          </a:prstGeom>
+          <a:ln>
+            <a:solidFill>
+              <a:schemeClr val="bg1">
+                <a:lumMod val="65000"/>
+              </a:schemeClr>
+            </a:solidFill>
+          </a:ln>
+        </p:spPr>
+        <p:style>
+          <a:lnRef idx="1">
+            <a:schemeClr val="accent1"/>
+          </a:lnRef>
+          <a:fillRef idx="0">
+            <a:schemeClr val="accent1"/>
+          </a:fillRef>
+          <a:effectRef idx="0">
+            <a:schemeClr val="accent1"/>
+          </a:effectRef>
+          <a:fontRef idx="minor">
+            <a:schemeClr val="tx1"/>
+          </a:fontRef>
+        </p:style>
+      </p:cxnSp>
+      <p:cxnSp>
+        <p:nvCxnSpPr>
+          <p:cNvPr id="564" name="Straight Connector 563">
+            <a:extLst>
+              <a:ext uri="{FF2B5EF4-FFF2-40B4-BE49-F238E27FC236}">
+                <a16:creationId xmlns:a16="http://schemas.microsoft.com/office/drawing/2014/main" id="{5C5C297A-E753-90F9-C83E-F065BCFE813C}"/>
+              </a:ext>
+            </a:extLst>
+          </p:cNvPr>
+          <p:cNvCxnSpPr>
+            <a:cxnSpLocks/>
+            <a:stCxn id="51" idx="3"/>
+            <a:endCxn id="55" idx="3"/>
+          </p:cNvCxnSpPr>
+          <p:nvPr/>
+        </p:nvCxnSpPr>
+        <p:spPr>
+          <a:xfrm flipH="1">
+            <a:off x="9633471" y="4046520"/>
+            <a:ext cx="1024851" cy="0"/>
+          </a:xfrm>
+          <a:prstGeom prst="line">
+            <a:avLst/>
+          </a:prstGeom>
+          <a:ln>
+            <a:solidFill>
+              <a:schemeClr val="bg1">
+                <a:lumMod val="65000"/>
+              </a:schemeClr>
+            </a:solidFill>
+          </a:ln>
+        </p:spPr>
+        <p:style>
+          <a:lnRef idx="1">
+            <a:schemeClr val="accent1"/>
+          </a:lnRef>
+          <a:fillRef idx="0">
+            <a:schemeClr val="accent1"/>
+          </a:fillRef>
+          <a:effectRef idx="0">
+            <a:schemeClr val="accent1"/>
+          </a:effectRef>
+          <a:fontRef idx="minor">
+            <a:schemeClr val="tx1"/>
+          </a:fontRef>
+        </p:style>
+      </p:cxnSp>
+      <mc:AlternateContent xmlns:mc="http://schemas.openxmlformats.org/markup-compatibility/2006" xmlns:a14="http://schemas.microsoft.com/office/drawing/2010/main">
+        <mc:Choice Requires="a14">
+          <p:sp>
+            <p:nvSpPr>
+              <p:cNvPr id="571" name="TextBox 570">
+                <a:extLst>
+                  <a:ext uri="{FF2B5EF4-FFF2-40B4-BE49-F238E27FC236}">
+                    <a16:creationId xmlns:a16="http://schemas.microsoft.com/office/drawing/2014/main" id="{60D5AF6E-85FB-C4F3-0666-4E08A13383C4}"/>
+                  </a:ext>
+                </a:extLst>
+              </p:cNvPr>
+              <p:cNvSpPr txBox="1"/>
+              <p:nvPr/>
+            </p:nvSpPr>
+            <p:spPr>
+              <a:xfrm>
+                <a:off x="1868871" y="3862930"/>
+                <a:ext cx="737169" cy="375552"/>
+              </a:xfrm>
+              <a:prstGeom prst="rect">
+                <a:avLst/>
+              </a:prstGeom>
+              <a:solidFill>
+                <a:schemeClr val="bg1">
+                  <a:alpha val="50000"/>
+                </a:schemeClr>
+              </a:solidFill>
+            </p:spPr>
+            <p:txBody>
+              <a:bodyPr wrap="square" rtlCol="0">
+                <a:spAutoFit/>
+              </a:bodyPr>
+              <a:lstStyle/>
+              <a:p>
+                <a:pPr/>
+                <a14:m>
+                  <m:oMathPara xmlns:m="http://schemas.openxmlformats.org/officeDocument/2006/math">
+                    <m:oMathParaPr>
+                      <m:jc m:val="centerGroup"/>
+                    </m:oMathParaPr>
+                    <m:oMath xmlns:m="http://schemas.openxmlformats.org/officeDocument/2006/math">
+                      <m:r>
+                        <a:rPr lang="en-US" b="1" i="1" smtClean="0">
+                          <a:latin typeface="Cambria Math" panose="02040503050406030204" pitchFamily="18" charset="0"/>
+                        </a:rPr>
+                        <m:t>∗</m:t>
+                      </m:r>
+                      <m:sSup>
+                        <m:sSupPr>
+                          <m:ctrlPr>
+                            <a:rPr lang="en-US" b="1" i="1" smtClean="0">
+                              <a:latin typeface="Cambria Math" panose="02040503050406030204" pitchFamily="18" charset="0"/>
+                            </a:rPr>
+                          </m:ctrlPr>
+                        </m:sSupPr>
+                        <m:e>
+                          <m:r>
+                            <a:rPr lang="en-US" b="1" i="1" smtClean="0">
+                              <a:latin typeface="Cambria Math" panose="02040503050406030204" pitchFamily="18" charset="0"/>
+                            </a:rPr>
+                            <m:t>𝑾</m:t>
+                          </m:r>
+                        </m:e>
+                        <m:sup>
+                          <m:r>
+                            <a:rPr lang="en-US" b="1" i="1" smtClean="0">
+                              <a:latin typeface="Cambria Math" panose="02040503050406030204" pitchFamily="18" charset="0"/>
+                            </a:rPr>
+                            <m:t>𝟏</m:t>
+                          </m:r>
+                        </m:sup>
+                      </m:sSup>
+                    </m:oMath>
+                  </m:oMathPara>
+                </a14:m>
+                <a:endParaRPr lang="en-US" b="1" dirty="0"/>
+              </a:p>
+            </p:txBody>
+          </p:sp>
+        </mc:Choice>
+        <mc:Fallback xmlns="">
+          <p:sp>
+            <p:nvSpPr>
+              <p:cNvPr id="571" name="TextBox 570">
+                <a:extLst>
+                  <a:ext uri="{FF2B5EF4-FFF2-40B4-BE49-F238E27FC236}">
+                    <a16:creationId xmlns:a16="http://schemas.microsoft.com/office/drawing/2014/main" id="{60D5AF6E-85FB-C4F3-0666-4E08A13383C4}"/>
+                  </a:ext>
+                </a:extLst>
+              </p:cNvPr>
+              <p:cNvSpPr txBox="1">
+                <a:spLocks noRot="1" noChangeAspect="1" noMove="1" noResize="1" noEditPoints="1" noAdjustHandles="1" noChangeArrowheads="1" noChangeShapeType="1" noTextEdit="1"/>
+              </p:cNvSpPr>
+              <p:nvPr/>
+            </p:nvSpPr>
+            <p:spPr>
+              <a:xfrm>
+                <a:off x="1868871" y="3862930"/>
+                <a:ext cx="737169" cy="375552"/>
+              </a:xfrm>
+              <a:prstGeom prst="rect">
+                <a:avLst/>
+              </a:prstGeom>
+              <a:blipFill>
+                <a:blip r:embed="rId8"/>
+                <a:stretch>
+                  <a:fillRect/>
+                </a:stretch>
+              </a:blipFill>
+            </p:spPr>
+            <p:txBody>
+              <a:bodyPr/>
+              <a:lstStyle/>
+              <a:p>
+                <a:r>
+                  <a:rPr lang="en-US">
+                    <a:noFill/>
+                  </a:rPr>
+                  <a:t> </a:t>
+                </a:r>
+              </a:p>
+            </p:txBody>
+          </p:sp>
+        </mc:Fallback>
+      </mc:AlternateContent>
+      <mc:AlternateContent xmlns:mc="http://schemas.openxmlformats.org/markup-compatibility/2006" xmlns:a14="http://schemas.microsoft.com/office/drawing/2010/main">
+        <mc:Choice Requires="a14">
+          <p:sp>
+            <p:nvSpPr>
+              <p:cNvPr id="572" name="TextBox 571">
+                <a:extLst>
+                  <a:ext uri="{FF2B5EF4-FFF2-40B4-BE49-F238E27FC236}">
+                    <a16:creationId xmlns:a16="http://schemas.microsoft.com/office/drawing/2014/main" id="{195068DA-BA5B-9DE4-34DD-BC7D3FB98191}"/>
+                  </a:ext>
+                </a:extLst>
+              </p:cNvPr>
+              <p:cNvSpPr txBox="1"/>
+              <p:nvPr/>
+            </p:nvSpPr>
+            <p:spPr>
+              <a:xfrm>
+                <a:off x="9774074" y="3862930"/>
+                <a:ext cx="737168" cy="374846"/>
+              </a:xfrm>
+              <a:prstGeom prst="rect">
+                <a:avLst/>
+              </a:prstGeom>
+              <a:solidFill>
+                <a:schemeClr val="bg1">
+                  <a:alpha val="50000"/>
+                </a:schemeClr>
+              </a:solidFill>
+            </p:spPr>
+            <p:txBody>
+              <a:bodyPr wrap="square" rtlCol="0">
+                <a:spAutoFit/>
+              </a:bodyPr>
+              <a:lstStyle/>
+              <a:p>
+                <a:pPr/>
+                <a14:m>
+                  <m:oMathPara xmlns:m="http://schemas.openxmlformats.org/officeDocument/2006/math">
+                    <m:oMathParaPr>
+                      <m:jc m:val="centerGroup"/>
+                    </m:oMathParaPr>
+                    <m:oMath xmlns:m="http://schemas.openxmlformats.org/officeDocument/2006/math">
+                      <m:r>
+                        <a:rPr lang="en-US" b="1" i="1" smtClean="0">
+                          <a:latin typeface="Cambria Math" panose="02040503050406030204" pitchFamily="18" charset="0"/>
+                        </a:rPr>
+                        <m:t>∗</m:t>
+                      </m:r>
+                      <m:sSup>
+                        <m:sSupPr>
+                          <m:ctrlPr>
+                            <a:rPr lang="en-US" b="1" i="1" smtClean="0">
+                              <a:latin typeface="Cambria Math" panose="02040503050406030204" pitchFamily="18" charset="0"/>
+                            </a:rPr>
+                          </m:ctrlPr>
+                        </m:sSupPr>
+                        <m:e>
+                          <m:r>
+                            <a:rPr lang="en-US" b="1" i="1" smtClean="0">
+                              <a:latin typeface="Cambria Math" panose="02040503050406030204" pitchFamily="18" charset="0"/>
+                            </a:rPr>
+                            <m:t>𝑾</m:t>
+                          </m:r>
+                        </m:e>
+                        <m:sup>
+                          <m:r>
+                            <a:rPr lang="en-US" b="1" i="1" smtClean="0">
+                              <a:latin typeface="Cambria Math" panose="02040503050406030204" pitchFamily="18" charset="0"/>
+                            </a:rPr>
+                            <m:t>𝟒</m:t>
+                          </m:r>
+                        </m:sup>
+                      </m:sSup>
+                    </m:oMath>
+                  </m:oMathPara>
+                </a14:m>
+                <a:endParaRPr lang="en-US" b="1" dirty="0"/>
+              </a:p>
+            </p:txBody>
+          </p:sp>
+        </mc:Choice>
+        <mc:Fallback xmlns="">
+          <p:sp>
+            <p:nvSpPr>
+              <p:cNvPr id="572" name="TextBox 571">
+                <a:extLst>
+                  <a:ext uri="{FF2B5EF4-FFF2-40B4-BE49-F238E27FC236}">
+                    <a16:creationId xmlns:a16="http://schemas.microsoft.com/office/drawing/2014/main" id="{195068DA-BA5B-9DE4-34DD-BC7D3FB98191}"/>
+                  </a:ext>
+                </a:extLst>
+              </p:cNvPr>
+              <p:cNvSpPr txBox="1">
+                <a:spLocks noRot="1" noChangeAspect="1" noMove="1" noResize="1" noEditPoints="1" noAdjustHandles="1" noChangeArrowheads="1" noChangeShapeType="1" noTextEdit="1"/>
+              </p:cNvSpPr>
+              <p:nvPr/>
+            </p:nvSpPr>
+            <p:spPr>
+              <a:xfrm>
+                <a:off x="9774074" y="3862930"/>
+                <a:ext cx="737168" cy="374846"/>
+              </a:xfrm>
+              <a:prstGeom prst="rect">
+                <a:avLst/>
+              </a:prstGeom>
+              <a:blipFill>
+                <a:blip r:embed="rId9"/>
+                <a:stretch>
+                  <a:fillRect/>
+                </a:stretch>
+              </a:blipFill>
+            </p:spPr>
+            <p:txBody>
+              <a:bodyPr/>
+              <a:lstStyle/>
+              <a:p>
+                <a:r>
+                  <a:rPr lang="en-US">
+                    <a:noFill/>
+                  </a:rPr>
+                  <a:t> </a:t>
+                </a:r>
+              </a:p>
+            </p:txBody>
+          </p:sp>
+        </mc:Fallback>
+      </mc:AlternateContent>
+      <mc:AlternateContent xmlns:mc="http://schemas.openxmlformats.org/markup-compatibility/2006" xmlns:a14="http://schemas.microsoft.com/office/drawing/2010/main">
+        <mc:Choice Requires="a14">
+          <p:sp>
+            <p:nvSpPr>
+              <p:cNvPr id="573" name="TextBox 572">
+                <a:extLst>
+                  <a:ext uri="{FF2B5EF4-FFF2-40B4-BE49-F238E27FC236}">
+                    <a16:creationId xmlns:a16="http://schemas.microsoft.com/office/drawing/2014/main" id="{46AF0A71-F737-284C-87DE-EC5B0639FD89}"/>
+                  </a:ext>
+                </a:extLst>
+              </p:cNvPr>
+              <p:cNvSpPr txBox="1"/>
+              <p:nvPr/>
+            </p:nvSpPr>
+            <p:spPr>
+              <a:xfrm>
+                <a:off x="7335433" y="3862930"/>
+                <a:ext cx="737168" cy="375552"/>
+              </a:xfrm>
+              <a:prstGeom prst="rect">
+                <a:avLst/>
+              </a:prstGeom>
+              <a:solidFill>
+                <a:schemeClr val="bg1">
+                  <a:alpha val="50000"/>
+                </a:schemeClr>
+              </a:solidFill>
+            </p:spPr>
+            <p:txBody>
+              <a:bodyPr wrap="square" rtlCol="0">
+                <a:spAutoFit/>
+              </a:bodyPr>
+              <a:lstStyle/>
+              <a:p>
+                <a:pPr/>
+                <a14:m>
+                  <m:oMathPara xmlns:m="http://schemas.openxmlformats.org/officeDocument/2006/math">
+                    <m:oMathParaPr>
+                      <m:jc m:val="centerGroup"/>
+                    </m:oMathParaPr>
+                    <m:oMath xmlns:m="http://schemas.openxmlformats.org/officeDocument/2006/math">
+                      <m:r>
+                        <a:rPr lang="en-US" b="1" i="1" smtClean="0">
+                          <a:latin typeface="Cambria Math" panose="02040503050406030204" pitchFamily="18" charset="0"/>
+                        </a:rPr>
+                        <m:t>∗</m:t>
+                      </m:r>
+                      <m:sSup>
+                        <m:sSupPr>
+                          <m:ctrlPr>
+                            <a:rPr lang="en-US" b="1" i="1" smtClean="0">
+                              <a:latin typeface="Cambria Math" panose="02040503050406030204" pitchFamily="18" charset="0"/>
+                            </a:rPr>
+                          </m:ctrlPr>
+                        </m:sSupPr>
+                        <m:e>
+                          <m:r>
+                            <a:rPr lang="en-US" b="1" i="1" smtClean="0">
+                              <a:latin typeface="Cambria Math" panose="02040503050406030204" pitchFamily="18" charset="0"/>
+                            </a:rPr>
+                            <m:t>𝑾</m:t>
+                          </m:r>
+                        </m:e>
+                        <m:sup>
+                          <m:r>
+                            <a:rPr lang="en-US" b="1" i="1" smtClean="0">
+                              <a:latin typeface="Cambria Math" panose="02040503050406030204" pitchFamily="18" charset="0"/>
+                            </a:rPr>
+                            <m:t>𝟑</m:t>
+                          </m:r>
+                        </m:sup>
+                      </m:sSup>
+                    </m:oMath>
+                  </m:oMathPara>
+                </a14:m>
+                <a:endParaRPr lang="en-US" b="1" dirty="0"/>
+              </a:p>
+            </p:txBody>
+          </p:sp>
+        </mc:Choice>
+        <mc:Fallback xmlns="">
+          <p:sp>
+            <p:nvSpPr>
+              <p:cNvPr id="573" name="TextBox 572">
+                <a:extLst>
+                  <a:ext uri="{FF2B5EF4-FFF2-40B4-BE49-F238E27FC236}">
+                    <a16:creationId xmlns:a16="http://schemas.microsoft.com/office/drawing/2014/main" id="{46AF0A71-F737-284C-87DE-EC5B0639FD89}"/>
+                  </a:ext>
+                </a:extLst>
+              </p:cNvPr>
+              <p:cNvSpPr txBox="1">
+                <a:spLocks noRot="1" noChangeAspect="1" noMove="1" noResize="1" noEditPoints="1" noAdjustHandles="1" noChangeArrowheads="1" noChangeShapeType="1" noTextEdit="1"/>
+              </p:cNvSpPr>
+              <p:nvPr/>
+            </p:nvSpPr>
+            <p:spPr>
+              <a:xfrm>
+                <a:off x="7335433" y="3862930"/>
+                <a:ext cx="737168" cy="375552"/>
+              </a:xfrm>
+              <a:prstGeom prst="rect">
+                <a:avLst/>
+              </a:prstGeom>
+              <a:blipFill>
+                <a:blip r:embed="rId10"/>
+                <a:stretch>
+                  <a:fillRect/>
+                </a:stretch>
+              </a:blipFill>
+            </p:spPr>
+            <p:txBody>
+              <a:bodyPr/>
+              <a:lstStyle/>
+              <a:p>
+                <a:r>
+                  <a:rPr lang="en-US">
+                    <a:noFill/>
+                  </a:rPr>
+                  <a:t> </a:t>
+                </a:r>
+              </a:p>
+            </p:txBody>
+          </p:sp>
+        </mc:Fallback>
+      </mc:AlternateContent>
+      <mc:AlternateContent xmlns:mc="http://schemas.openxmlformats.org/markup-compatibility/2006" xmlns:a14="http://schemas.microsoft.com/office/drawing/2010/main">
+        <mc:Choice Requires="a14">
+          <p:sp>
+            <p:nvSpPr>
+              <p:cNvPr id="574" name="TextBox 573">
+                <a:extLst>
+                  <a:ext uri="{FF2B5EF4-FFF2-40B4-BE49-F238E27FC236}">
+                    <a16:creationId xmlns:a16="http://schemas.microsoft.com/office/drawing/2014/main" id="{FBA91E67-363D-98DF-CED3-1A5444C77E03}"/>
+                  </a:ext>
+                </a:extLst>
+              </p:cNvPr>
+              <p:cNvSpPr txBox="1"/>
+              <p:nvPr/>
+            </p:nvSpPr>
+            <p:spPr>
+              <a:xfrm>
+                <a:off x="4007792" y="3862930"/>
+                <a:ext cx="737169" cy="375552"/>
+              </a:xfrm>
+              <a:prstGeom prst="rect">
+                <a:avLst/>
+              </a:prstGeom>
+              <a:solidFill>
+                <a:schemeClr val="bg1">
+                  <a:alpha val="50000"/>
+                </a:schemeClr>
+              </a:solidFill>
+            </p:spPr>
+            <p:txBody>
+              <a:bodyPr wrap="square" rtlCol="0">
+                <a:spAutoFit/>
+              </a:bodyPr>
+              <a:lstStyle/>
+              <a:p>
+                <a:pPr/>
+                <a14:m>
+                  <m:oMathPara xmlns:m="http://schemas.openxmlformats.org/officeDocument/2006/math">
+                    <m:oMathParaPr>
+                      <m:jc m:val="centerGroup"/>
+                    </m:oMathParaPr>
+                    <m:oMath xmlns:m="http://schemas.openxmlformats.org/officeDocument/2006/math">
+                      <m:r>
+                        <a:rPr lang="en-US" b="1" i="1" smtClean="0">
+                          <a:latin typeface="Cambria Math" panose="02040503050406030204" pitchFamily="18" charset="0"/>
+                        </a:rPr>
+                        <m:t>∗</m:t>
+                      </m:r>
+                      <m:sSup>
+                        <m:sSupPr>
+                          <m:ctrlPr>
+                            <a:rPr lang="en-US" b="1" i="1" smtClean="0">
+                              <a:latin typeface="Cambria Math" panose="02040503050406030204" pitchFamily="18" charset="0"/>
+                            </a:rPr>
+                          </m:ctrlPr>
+                        </m:sSupPr>
+                        <m:e>
+                          <m:r>
+                            <a:rPr lang="en-US" b="1" i="1" smtClean="0">
+                              <a:latin typeface="Cambria Math" panose="02040503050406030204" pitchFamily="18" charset="0"/>
+                            </a:rPr>
+                            <m:t>𝑾</m:t>
+                          </m:r>
+                        </m:e>
+                        <m:sup>
+                          <m:r>
+                            <a:rPr lang="en-US" b="1" i="1" smtClean="0">
+                              <a:latin typeface="Cambria Math" panose="02040503050406030204" pitchFamily="18" charset="0"/>
+                            </a:rPr>
+                            <m:t>𝟐</m:t>
+                          </m:r>
+                        </m:sup>
+                      </m:sSup>
+                    </m:oMath>
+                  </m:oMathPara>
+                </a14:m>
+                <a:endParaRPr lang="en-US" b="1" dirty="0"/>
+              </a:p>
+            </p:txBody>
+          </p:sp>
+        </mc:Choice>
+        <mc:Fallback xmlns="">
+          <p:sp>
+            <p:nvSpPr>
+              <p:cNvPr id="574" name="TextBox 573">
+                <a:extLst>
+                  <a:ext uri="{FF2B5EF4-FFF2-40B4-BE49-F238E27FC236}">
+                    <a16:creationId xmlns:a16="http://schemas.microsoft.com/office/drawing/2014/main" id="{FBA91E67-363D-98DF-CED3-1A5444C77E03}"/>
+                  </a:ext>
+                </a:extLst>
+              </p:cNvPr>
+              <p:cNvSpPr txBox="1">
+                <a:spLocks noRot="1" noChangeAspect="1" noMove="1" noResize="1" noEditPoints="1" noAdjustHandles="1" noChangeArrowheads="1" noChangeShapeType="1" noTextEdit="1"/>
+              </p:cNvSpPr>
+              <p:nvPr/>
+            </p:nvSpPr>
+            <p:spPr>
+              <a:xfrm>
+                <a:off x="4007792" y="3862930"/>
+                <a:ext cx="737169" cy="375552"/>
+              </a:xfrm>
+              <a:prstGeom prst="rect">
+                <a:avLst/>
+              </a:prstGeom>
+              <a:blipFill>
+                <a:blip r:embed="rId11"/>
+                <a:stretch>
+                  <a:fillRect/>
+                </a:stretch>
+              </a:blipFill>
+            </p:spPr>
+            <p:txBody>
+              <a:bodyPr/>
+              <a:lstStyle/>
+              <a:p>
+                <a:r>
+                  <a:rPr lang="en-US">
+                    <a:noFill/>
+                  </a:rPr>
+                  <a:t> </a:t>
+                </a:r>
+              </a:p>
+            </p:txBody>
+          </p:sp>
+        </mc:Fallback>
+      </mc:AlternateContent>
+    </p:spTree>
+    <p:extLst>
+      <p:ext uri="{BB962C8B-B14F-4D97-AF65-F5344CB8AC3E}">
+        <p14:creationId xmlns:p14="http://schemas.microsoft.com/office/powerpoint/2010/main" val="2379757316"/>
+      </p:ext>
+    </p:extLst>
+  </p:cSld>
+  <p:clrMapOvr>
+    <a:masterClrMapping/>
+  </p:clrMapOvr>
+  <p:timing>
+    <p:tnLst>
+      <p:par>
+        <p:cTn id="1" dur="indefinite" restart="never" nodeType="tmRoot">
+          <p:childTnLst>
+            <p:seq concurrent="1" nextAc="seek">
+              <p:cTn id="2" dur="indefinite" nodeType="mainSeq">
+                <p:childTnLst>
+                  <p:par>
+                    <p:cTn id="3" fill="hold">
+                      <p:stCondLst>
+                        <p:cond delay="indefinite"/>
+                        <p:cond evt="onBegin" delay="0">
+                          <p:tn val="2"/>
+                        </p:cond>
+                      </p:stCondLst>
+                      <p:childTnLst>
+                        <p:par>
+                          <p:cTn id="4" fill="hold">
+                            <p:stCondLst>
+                              <p:cond delay="0"/>
+                            </p:stCondLst>
+                            <p:childTnLst>
+                              <p:par>
+                                <p:cTn id="5" presetID="10" presetClass="entr" presetSubtype="0" fill="hold" grpId="0" nodeType="afterEffect">
+                                  <p:stCondLst>
+                                    <p:cond delay="0"/>
+                                  </p:stCondLst>
+                                  <p:childTnLst>
+                                    <p:set>
+                                      <p:cBhvr>
+                                        <p:cTn id="6" dur="1" fill="hold">
+                                          <p:stCondLst>
+                                            <p:cond delay="0"/>
+                                          </p:stCondLst>
+                                        </p:cTn>
+                                        <p:tgtEl>
+                                          <p:spTgt spid="571"/>
+                                        </p:tgtEl>
+                                        <p:attrNameLst>
+                                          <p:attrName>style.visibility</p:attrName>
+                                        </p:attrNameLst>
+                                      </p:cBhvr>
+                                      <p:to>
+                                        <p:strVal val="visible"/>
+                                      </p:to>
+                                    </p:set>
+                                    <p:animEffect transition="in" filter="fade">
+                                      <p:cBhvr>
+                                        <p:cTn id="7" dur="500"/>
+                                        <p:tgtEl>
+                                          <p:spTgt spid="571"/>
+                                        </p:tgtEl>
+                                      </p:cBhvr>
+                                    </p:animEffect>
+                                  </p:childTnLst>
+                                </p:cTn>
+                              </p:par>
+                            </p:childTnLst>
+                          </p:cTn>
+                        </p:par>
+                        <p:par>
+                          <p:cTn id="8" fill="hold">
+                            <p:stCondLst>
+                              <p:cond delay="500"/>
+                            </p:stCondLst>
+                            <p:childTnLst>
+                              <p:par>
+                                <p:cTn id="9" presetID="10" presetClass="entr" presetSubtype="0" fill="hold" grpId="0" nodeType="afterEffect">
+                                  <p:stCondLst>
+                                    <p:cond delay="0"/>
+                                  </p:stCondLst>
+                                  <p:childTnLst>
+                                    <p:set>
+                                      <p:cBhvr>
+                                        <p:cTn id="10" dur="1" fill="hold">
+                                          <p:stCondLst>
+                                            <p:cond delay="0"/>
+                                          </p:stCondLst>
+                                        </p:cTn>
+                                        <p:tgtEl>
+                                          <p:spTgt spid="574"/>
+                                        </p:tgtEl>
+                                        <p:attrNameLst>
+                                          <p:attrName>style.visibility</p:attrName>
+                                        </p:attrNameLst>
+                                      </p:cBhvr>
+                                      <p:to>
+                                        <p:strVal val="visible"/>
+                                      </p:to>
+                                    </p:set>
+                                    <p:animEffect transition="in" filter="fade">
+                                      <p:cBhvr>
+                                        <p:cTn id="11" dur="500"/>
+                                        <p:tgtEl>
+                                          <p:spTgt spid="574"/>
+                                        </p:tgtEl>
+                                      </p:cBhvr>
+                                    </p:animEffect>
+                                  </p:childTnLst>
+                                </p:cTn>
+                              </p:par>
+                            </p:childTnLst>
+                          </p:cTn>
+                        </p:par>
+                        <p:par>
+                          <p:cTn id="12" fill="hold">
+                            <p:stCondLst>
+                              <p:cond delay="1000"/>
+                            </p:stCondLst>
+                            <p:childTnLst>
+                              <p:par>
+                                <p:cTn id="13" presetID="10" presetClass="entr" presetSubtype="0" fill="hold" grpId="0" nodeType="afterEffect">
+                                  <p:stCondLst>
+                                    <p:cond delay="0"/>
+                                  </p:stCondLst>
+                                  <p:childTnLst>
+                                    <p:set>
+                                      <p:cBhvr>
+                                        <p:cTn id="14" dur="1" fill="hold">
+                                          <p:stCondLst>
+                                            <p:cond delay="0"/>
+                                          </p:stCondLst>
+                                        </p:cTn>
+                                        <p:tgtEl>
+                                          <p:spTgt spid="573"/>
+                                        </p:tgtEl>
+                                        <p:attrNameLst>
+                                          <p:attrName>style.visibility</p:attrName>
+                                        </p:attrNameLst>
+                                      </p:cBhvr>
+                                      <p:to>
+                                        <p:strVal val="visible"/>
+                                      </p:to>
+                                    </p:set>
+                                    <p:animEffect transition="in" filter="fade">
+                                      <p:cBhvr>
+                                        <p:cTn id="15" dur="500"/>
+                                        <p:tgtEl>
+                                          <p:spTgt spid="573"/>
+                                        </p:tgtEl>
+                                      </p:cBhvr>
+                                    </p:animEffect>
+                                  </p:childTnLst>
+                                </p:cTn>
+                              </p:par>
+                            </p:childTnLst>
+                          </p:cTn>
+                        </p:par>
+                        <p:par>
+                          <p:cTn id="16" fill="hold">
+                            <p:stCondLst>
+                              <p:cond delay="1500"/>
+                            </p:stCondLst>
+                            <p:childTnLst>
+                              <p:par>
+                                <p:cTn id="17" presetID="10" presetClass="entr" presetSubtype="0" fill="hold" grpId="0" nodeType="afterEffect">
+                                  <p:stCondLst>
+                                    <p:cond delay="0"/>
+                                  </p:stCondLst>
+                                  <p:childTnLst>
+                                    <p:set>
+                                      <p:cBhvr>
+                                        <p:cTn id="18" dur="1" fill="hold">
+                                          <p:stCondLst>
+                                            <p:cond delay="0"/>
+                                          </p:stCondLst>
+                                        </p:cTn>
+                                        <p:tgtEl>
+                                          <p:spTgt spid="572"/>
+                                        </p:tgtEl>
+                                        <p:attrNameLst>
+                                          <p:attrName>style.visibility</p:attrName>
+                                        </p:attrNameLst>
+                                      </p:cBhvr>
+                                      <p:to>
+                                        <p:strVal val="visible"/>
+                                      </p:to>
+                                    </p:set>
+                                    <p:animEffect transition="in" filter="fade">
+                                      <p:cBhvr>
+                                        <p:cTn id="19" dur="500"/>
+                                        <p:tgtEl>
+                                          <p:spTgt spid="572"/>
+                                        </p:tgtEl>
+                                      </p:cBhvr>
+                                    </p:animEffect>
+                                  </p:childTnLst>
+                                </p:cTn>
+                              </p:par>
+                            </p:childTnLst>
+                          </p:cTn>
+                        </p:par>
+                      </p:childTnLst>
+                    </p:cTn>
+                  </p:par>
+                </p:childTnLst>
+              </p:cTn>
+              <p:prevCondLst>
+                <p:cond evt="onPrev" delay="0">
+                  <p:tgtEl>
+                    <p:sldTgt/>
+                  </p:tgtEl>
+                </p:cond>
+              </p:prevCondLst>
+              <p:nextCondLst>
+                <p:cond evt="onNext" delay="0">
+                  <p:tgtEl>
+                    <p:sldTgt/>
+                  </p:tgtEl>
+                </p:cond>
+              </p:nextCondLst>
+            </p:seq>
+          </p:childTnLst>
+        </p:cTn>
+      </p:par>
+    </p:tnLst>
+    <p:bldLst>
+      <p:bldP spid="571" grpId="0" animBg="1"/>
+      <p:bldP spid="572" grpId="0" animBg="1"/>
+      <p:bldP spid="573" grpId="0" animBg="1"/>
+      <p:bldP spid="574" grpId="0" animBg="1"/>
+    </p:bldLst>
+  </p:timing>
+</p:sld>
+</file>
+
 <file path=ppt/theme/theme1.xml><?xml version="1.0" encoding="utf-8"?>
 <a:theme xmlns:a="http://schemas.openxmlformats.org/drawingml/2006/main" name="Office Theme">
   <a:themeElements>

--- a/TeachingNetwoks.pptx
+++ b/TeachingNetwoks.pptx
@@ -5,12 +5,13 @@
     <p:sldMasterId id="2147483648" r:id="rId1"/>
   </p:sldMasterIdLst>
   <p:notesMasterIdLst>
-    <p:notesMasterId r:id="rId5"/>
+    <p:notesMasterId r:id="rId6"/>
   </p:notesMasterIdLst>
   <p:sldIdLst>
     <p:sldId id="256" r:id="rId2"/>
     <p:sldId id="329" r:id="rId3"/>
     <p:sldId id="319" r:id="rId4"/>
+    <p:sldId id="320" r:id="rId5"/>
   </p:sldIdLst>
   <p:sldSz cx="12192000" cy="6858000"/>
   <p:notesSz cx="6858000" cy="9144000"/>
@@ -121,6 +122,7 @@
           <p14:sldIdLst>
             <p14:sldId id="329"/>
             <p14:sldId id="319"/>
+            <p14:sldId id="320"/>
           </p14:sldIdLst>
         </p14:section>
       </p14:sectionLst>
@@ -643,6 +645,93 @@
     <p:extLst>
       <p:ext uri="{BB962C8B-B14F-4D97-AF65-F5344CB8AC3E}">
         <p14:creationId xmlns:p14="http://schemas.microsoft.com/office/powerpoint/2010/main" val="997645520"/>
+      </p:ext>
+    </p:extLst>
+  </p:cSld>
+  <p:clrMapOvr>
+    <a:masterClrMapping/>
+  </p:clrMapOvr>
+</p:notes>
+</file>
+
+<file path=ppt/notesSlides/notesSlide3.xml><?xml version="1.0" encoding="utf-8"?>
+<p:notes xmlns:a="http://schemas.openxmlformats.org/drawingml/2006/main" xmlns:r="http://schemas.openxmlformats.org/officeDocument/2006/relationships" xmlns:p="http://schemas.openxmlformats.org/presentationml/2006/main">
+  <p:cSld>
+    <p:spTree>
+      <p:nvGrpSpPr>
+        <p:cNvPr id="1" name=""/>
+        <p:cNvGrpSpPr/>
+        <p:nvPr/>
+      </p:nvGrpSpPr>
+      <p:grpSpPr>
+        <a:xfrm>
+          <a:off x="0" y="0"/>
+          <a:ext cx="0" cy="0"/>
+          <a:chOff x="0" y="0"/>
+          <a:chExt cx="0" cy="0"/>
+        </a:xfrm>
+      </p:grpSpPr>
+      <p:sp>
+        <p:nvSpPr>
+          <p:cNvPr id="2" name="Slide Image Placeholder 1"/>
+          <p:cNvSpPr>
+            <a:spLocks noGrp="1" noRot="1" noChangeAspect="1"/>
+          </p:cNvSpPr>
+          <p:nvPr>
+            <p:ph type="sldImg"/>
+          </p:nvPr>
+        </p:nvSpPr>
+        <p:spPr/>
+      </p:sp>
+      <p:sp>
+        <p:nvSpPr>
+          <p:cNvPr id="3" name="Notes Placeholder 2"/>
+          <p:cNvSpPr>
+            <a:spLocks noGrp="1"/>
+          </p:cNvSpPr>
+          <p:nvPr>
+            <p:ph type="body" idx="1"/>
+          </p:nvPr>
+        </p:nvSpPr>
+        <p:spPr/>
+        <p:txBody>
+          <a:bodyPr/>
+          <a:lstStyle/>
+          <a:p>
+            <a:r>
+              <a:rPr lang="en-US" dirty="0"/>
+              <a:t>Some neurons may be consistently too large/small, so we add a bias</a:t>
+            </a:r>
+          </a:p>
+        </p:txBody>
+      </p:sp>
+      <p:sp>
+        <p:nvSpPr>
+          <p:cNvPr id="4" name="Slide Number Placeholder 3"/>
+          <p:cNvSpPr>
+            <a:spLocks noGrp="1"/>
+          </p:cNvSpPr>
+          <p:nvPr>
+            <p:ph type="sldNum" sz="quarter" idx="5"/>
+          </p:nvPr>
+        </p:nvSpPr>
+        <p:spPr/>
+        <p:txBody>
+          <a:bodyPr/>
+          <a:lstStyle/>
+          <a:p>
+            <a:fld id="{A1F3994E-D175-4376-8600-63A26808DC17}" type="slidenum">
+              <a:rPr lang="en-US" smtClean="0"/>
+              <a:t>4</a:t>
+            </a:fld>
+            <a:endParaRPr lang="en-US"/>
+          </a:p>
+        </p:txBody>
+      </p:sp>
+    </p:spTree>
+    <p:extLst>
+      <p:ext uri="{BB962C8B-B14F-4D97-AF65-F5344CB8AC3E}">
+        <p14:creationId xmlns:p14="http://schemas.microsoft.com/office/powerpoint/2010/main" val="2313631205"/>
       </p:ext>
     </p:extLst>
   </p:cSld>
@@ -31698,6 +31787,2903 @@
 </p:sld>
 </file>
 
+<file path=ppt/slides/slide4.xml><?xml version="1.0" encoding="utf-8"?>
+<p:sld xmlns:a="http://schemas.openxmlformats.org/drawingml/2006/main" xmlns:r="http://schemas.openxmlformats.org/officeDocument/2006/relationships" xmlns:p="http://schemas.openxmlformats.org/presentationml/2006/main">
+  <p:cSld>
+    <p:spTree>
+      <p:nvGrpSpPr>
+        <p:cNvPr id="1" name=""/>
+        <p:cNvGrpSpPr/>
+        <p:nvPr/>
+      </p:nvGrpSpPr>
+      <p:grpSpPr>
+        <a:xfrm>
+          <a:off x="0" y="0"/>
+          <a:ext cx="0" cy="0"/>
+          <a:chOff x="0" y="0"/>
+          <a:chExt cx="0" cy="0"/>
+        </a:xfrm>
+      </p:grpSpPr>
+      <p:sp>
+        <p:nvSpPr>
+          <p:cNvPr id="2" name="Title 1">
+            <a:extLst>
+              <a:ext uri="{FF2B5EF4-FFF2-40B4-BE49-F238E27FC236}">
+                <a16:creationId xmlns:a16="http://schemas.microsoft.com/office/drawing/2014/main" id="{1D01E8D4-6E5D-3D0C-38C0-82F225028D39}"/>
+              </a:ext>
+            </a:extLst>
+          </p:cNvPr>
+          <p:cNvSpPr>
+            <a:spLocks noGrp="1"/>
+          </p:cNvSpPr>
+          <p:nvPr>
+            <p:ph type="title"/>
+          </p:nvPr>
+        </p:nvSpPr>
+        <p:spPr/>
+        <p:txBody>
+          <a:bodyPr/>
+          <a:lstStyle/>
+          <a:p>
+            <a:r>
+              <a:rPr lang="en-US" dirty="0"/>
+              <a:t>Mathematically: forward</a:t>
+            </a:r>
+          </a:p>
+        </p:txBody>
+      </p:sp>
+      <mc:AlternateContent xmlns:mc="http://schemas.openxmlformats.org/markup-compatibility/2006" xmlns:a14="http://schemas.microsoft.com/office/drawing/2010/main">
+        <mc:Choice Requires="a14">
+          <p:sp>
+            <p:nvSpPr>
+              <p:cNvPr id="50" name="TextBox 49">
+                <a:extLst>
+                  <a:ext uri="{FF2B5EF4-FFF2-40B4-BE49-F238E27FC236}">
+                    <a16:creationId xmlns:a16="http://schemas.microsoft.com/office/drawing/2014/main" id="{970C9D26-7A61-6F59-A315-A13E3DB94B14}"/>
+                  </a:ext>
+                </a:extLst>
+              </p:cNvPr>
+              <p:cNvSpPr txBox="1"/>
+              <p:nvPr/>
+            </p:nvSpPr>
+            <p:spPr>
+              <a:xfrm>
+                <a:off x="1533678" y="3845721"/>
+                <a:ext cx="367986" cy="369332"/>
+              </a:xfrm>
+              <a:prstGeom prst="rect">
+                <a:avLst/>
+              </a:prstGeom>
+            </p:spPr>
+            <p:style>
+              <a:lnRef idx="2">
+                <a:schemeClr val="dk1"/>
+              </a:lnRef>
+              <a:fillRef idx="1">
+                <a:schemeClr val="lt1"/>
+              </a:fillRef>
+              <a:effectRef idx="0">
+                <a:schemeClr val="dk1"/>
+              </a:effectRef>
+              <a:fontRef idx="minor">
+                <a:schemeClr val="dk1"/>
+              </a:fontRef>
+            </p:style>
+            <p:txBody>
+              <a:bodyPr wrap="none" rtlCol="0">
+                <a:spAutoFit/>
+              </a:bodyPr>
+              <a:lstStyle/>
+              <a:p>
+                <a:pPr/>
+                <a14:m>
+                  <m:oMathPara xmlns:m="http://schemas.openxmlformats.org/officeDocument/2006/math">
+                    <m:oMathParaPr>
+                      <m:jc m:val="centerGroup"/>
+                    </m:oMathParaPr>
+                    <m:oMath xmlns:m="http://schemas.openxmlformats.org/officeDocument/2006/math">
+                      <m:r>
+                        <a:rPr lang="en-US" b="0" i="1" smtClean="0">
+                          <a:latin typeface="Cambria Math" panose="02040503050406030204" pitchFamily="18" charset="0"/>
+                        </a:rPr>
+                        <m:t>𝑥</m:t>
+                      </m:r>
+                    </m:oMath>
+                  </m:oMathPara>
+                </a14:m>
+                <a:endParaRPr lang="fr-FR" dirty="0"/>
+              </a:p>
+            </p:txBody>
+          </p:sp>
+        </mc:Choice>
+        <mc:Fallback xmlns="">
+          <p:sp>
+            <p:nvSpPr>
+              <p:cNvPr id="50" name="TextBox 49">
+                <a:extLst>
+                  <a:ext uri="{FF2B5EF4-FFF2-40B4-BE49-F238E27FC236}">
+                    <a16:creationId xmlns:a16="http://schemas.microsoft.com/office/drawing/2014/main" id="{970C9D26-7A61-6F59-A315-A13E3DB94B14}"/>
+                  </a:ext>
+                </a:extLst>
+              </p:cNvPr>
+              <p:cNvSpPr txBox="1">
+                <a:spLocks noRot="1" noChangeAspect="1" noMove="1" noResize="1" noEditPoints="1" noAdjustHandles="1" noChangeArrowheads="1" noChangeShapeType="1" noTextEdit="1"/>
+              </p:cNvSpPr>
+              <p:nvPr/>
+            </p:nvSpPr>
+            <p:spPr>
+              <a:xfrm>
+                <a:off x="1533678" y="3845721"/>
+                <a:ext cx="367986" cy="369332"/>
+              </a:xfrm>
+              <a:prstGeom prst="rect">
+                <a:avLst/>
+              </a:prstGeom>
+              <a:blipFill>
+                <a:blip r:embed="rId3"/>
+                <a:stretch>
+                  <a:fillRect/>
+                </a:stretch>
+              </a:blipFill>
+            </p:spPr>
+            <p:txBody>
+              <a:bodyPr/>
+              <a:lstStyle/>
+              <a:p>
+                <a:r>
+                  <a:rPr lang="en-US">
+                    <a:noFill/>
+                  </a:rPr>
+                  <a:t> </a:t>
+                </a:r>
+              </a:p>
+            </p:txBody>
+          </p:sp>
+        </mc:Fallback>
+      </mc:AlternateContent>
+      <mc:AlternateContent xmlns:mc="http://schemas.openxmlformats.org/markup-compatibility/2006" xmlns:a14="http://schemas.microsoft.com/office/drawing/2010/main">
+        <mc:Choice Requires="a14">
+          <p:sp>
+            <p:nvSpPr>
+              <p:cNvPr id="51" name="TextBox 50">
+                <a:extLst>
+                  <a:ext uri="{FF2B5EF4-FFF2-40B4-BE49-F238E27FC236}">
+                    <a16:creationId xmlns:a16="http://schemas.microsoft.com/office/drawing/2014/main" id="{576DB2D2-8B51-FEDE-2420-902E299CF6DF}"/>
+                  </a:ext>
+                </a:extLst>
+              </p:cNvPr>
+              <p:cNvSpPr txBox="1"/>
+              <p:nvPr/>
+            </p:nvSpPr>
+            <p:spPr>
+              <a:xfrm flipH="1">
+                <a:off x="10658322" y="3845721"/>
+                <a:ext cx="371384" cy="369332"/>
+              </a:xfrm>
+              <a:prstGeom prst="rect">
+                <a:avLst/>
+              </a:prstGeom>
+            </p:spPr>
+            <p:style>
+              <a:lnRef idx="2">
+                <a:schemeClr val="dk1"/>
+              </a:lnRef>
+              <a:fillRef idx="1">
+                <a:schemeClr val="lt1"/>
+              </a:fillRef>
+              <a:effectRef idx="0">
+                <a:schemeClr val="dk1"/>
+              </a:effectRef>
+              <a:fontRef idx="minor">
+                <a:schemeClr val="dk1"/>
+              </a:fontRef>
+            </p:style>
+            <p:txBody>
+              <a:bodyPr wrap="none" rtlCol="0">
+                <a:spAutoFit/>
+              </a:bodyPr>
+              <a:lstStyle/>
+              <a:p>
+                <a:pPr/>
+                <a14:m>
+                  <m:oMathPara xmlns:m="http://schemas.openxmlformats.org/officeDocument/2006/math">
+                    <m:oMathParaPr>
+                      <m:jc m:val="centerGroup"/>
+                    </m:oMathParaPr>
+                    <m:oMath xmlns:m="http://schemas.openxmlformats.org/officeDocument/2006/math">
+                      <m:r>
+                        <a:rPr lang="en-US" b="0" i="1" smtClean="0">
+                          <a:latin typeface="Cambria Math" panose="02040503050406030204" pitchFamily="18" charset="0"/>
+                        </a:rPr>
+                        <m:t>𝑦</m:t>
+                      </m:r>
+                    </m:oMath>
+                  </m:oMathPara>
+                </a14:m>
+                <a:endParaRPr lang="fr-FR" dirty="0"/>
+              </a:p>
+            </p:txBody>
+          </p:sp>
+        </mc:Choice>
+        <mc:Fallback xmlns="">
+          <p:sp>
+            <p:nvSpPr>
+              <p:cNvPr id="51" name="TextBox 50">
+                <a:extLst>
+                  <a:ext uri="{FF2B5EF4-FFF2-40B4-BE49-F238E27FC236}">
+                    <a16:creationId xmlns:a16="http://schemas.microsoft.com/office/drawing/2014/main" id="{576DB2D2-8B51-FEDE-2420-902E299CF6DF}"/>
+                  </a:ext>
+                </a:extLst>
+              </p:cNvPr>
+              <p:cNvSpPr txBox="1">
+                <a:spLocks noRot="1" noChangeAspect="1" noMove="1" noResize="1" noEditPoints="1" noAdjustHandles="1" noChangeArrowheads="1" noChangeShapeType="1" noTextEdit="1"/>
+              </p:cNvSpPr>
+              <p:nvPr/>
+            </p:nvSpPr>
+            <p:spPr>
+              <a:xfrm flipH="1">
+                <a:off x="10658322" y="3845721"/>
+                <a:ext cx="371384" cy="369332"/>
+              </a:xfrm>
+              <a:prstGeom prst="rect">
+                <a:avLst/>
+              </a:prstGeom>
+              <a:blipFill>
+                <a:blip r:embed="rId4"/>
+                <a:stretch>
+                  <a:fillRect b="-4839"/>
+                </a:stretch>
+              </a:blipFill>
+            </p:spPr>
+            <p:txBody>
+              <a:bodyPr/>
+              <a:lstStyle/>
+              <a:p>
+                <a:r>
+                  <a:rPr lang="en-US">
+                    <a:noFill/>
+                  </a:rPr>
+                  <a:t> </a:t>
+                </a:r>
+              </a:p>
+            </p:txBody>
+          </p:sp>
+        </mc:Fallback>
+      </mc:AlternateContent>
+      <mc:AlternateContent xmlns:mc="http://schemas.openxmlformats.org/markup-compatibility/2006" xmlns:a14="http://schemas.microsoft.com/office/drawing/2010/main">
+        <mc:Choice Requires="a14">
+          <p:sp>
+            <p:nvSpPr>
+              <p:cNvPr id="52" name="TextBox 51">
+                <a:extLst>
+                  <a:ext uri="{FF2B5EF4-FFF2-40B4-BE49-F238E27FC236}">
+                    <a16:creationId xmlns:a16="http://schemas.microsoft.com/office/drawing/2014/main" id="{05A70B64-722A-C677-8A01-FFFC6FC496B4}"/>
+                  </a:ext>
+                </a:extLst>
+              </p:cNvPr>
+              <p:cNvSpPr txBox="1"/>
+              <p:nvPr/>
+            </p:nvSpPr>
+            <p:spPr>
+              <a:xfrm>
+                <a:off x="3814839" y="3842611"/>
+                <a:ext cx="367986" cy="375552"/>
+              </a:xfrm>
+              <a:prstGeom prst="rect">
+                <a:avLst/>
+              </a:prstGeom>
+            </p:spPr>
+            <p:style>
+              <a:lnRef idx="2">
+                <a:schemeClr val="dk1"/>
+              </a:lnRef>
+              <a:fillRef idx="1">
+                <a:schemeClr val="lt1"/>
+              </a:fillRef>
+              <a:effectRef idx="0">
+                <a:schemeClr val="dk1"/>
+              </a:effectRef>
+              <a:fontRef idx="minor">
+                <a:schemeClr val="dk1"/>
+              </a:fontRef>
+            </p:style>
+            <p:txBody>
+              <a:bodyPr wrap="square" rtlCol="0">
+                <a:spAutoFit/>
+              </a:bodyPr>
+              <a:lstStyle/>
+              <a:p>
+                <a:pPr/>
+                <a14:m>
+                  <m:oMathPara xmlns:m="http://schemas.openxmlformats.org/officeDocument/2006/math">
+                    <m:oMathParaPr>
+                      <m:jc m:val="centerGroup"/>
+                    </m:oMathParaPr>
+                    <m:oMath xmlns:m="http://schemas.openxmlformats.org/officeDocument/2006/math">
+                      <m:sSup>
+                        <m:sSupPr>
+                          <m:ctrlPr>
+                            <a:rPr lang="en-US" b="1" i="1" smtClean="0">
+                              <a:latin typeface="Cambria Math" panose="02040503050406030204" pitchFamily="18" charset="0"/>
+                            </a:rPr>
+                          </m:ctrlPr>
+                        </m:sSupPr>
+                        <m:e>
+                          <m:r>
+                            <a:rPr lang="en-US" b="1" i="1" smtClean="0">
+                              <a:latin typeface="Cambria Math" panose="02040503050406030204" pitchFamily="18" charset="0"/>
+                            </a:rPr>
+                            <m:t>𝒍</m:t>
+                          </m:r>
+                        </m:e>
+                        <m:sup>
+                          <m:r>
+                            <a:rPr lang="en-US" b="1" i="1" smtClean="0">
+                              <a:latin typeface="Cambria Math" panose="02040503050406030204" pitchFamily="18" charset="0"/>
+                            </a:rPr>
+                            <m:t>𝟏</m:t>
+                          </m:r>
+                        </m:sup>
+                      </m:sSup>
+                    </m:oMath>
+                  </m:oMathPara>
+                </a14:m>
+                <a:endParaRPr lang="en-US" b="1" dirty="0"/>
+              </a:p>
+            </p:txBody>
+          </p:sp>
+        </mc:Choice>
+        <mc:Fallback xmlns="">
+          <p:sp>
+            <p:nvSpPr>
+              <p:cNvPr id="52" name="TextBox 51">
+                <a:extLst>
+                  <a:ext uri="{FF2B5EF4-FFF2-40B4-BE49-F238E27FC236}">
+                    <a16:creationId xmlns:a16="http://schemas.microsoft.com/office/drawing/2014/main" id="{05A70B64-722A-C677-8A01-FFFC6FC496B4}"/>
+                  </a:ext>
+                </a:extLst>
+              </p:cNvPr>
+              <p:cNvSpPr txBox="1">
+                <a:spLocks noRot="1" noChangeAspect="1" noMove="1" noResize="1" noEditPoints="1" noAdjustHandles="1" noChangeArrowheads="1" noChangeShapeType="1" noTextEdit="1"/>
+              </p:cNvSpPr>
+              <p:nvPr/>
+            </p:nvSpPr>
+            <p:spPr>
+              <a:xfrm>
+                <a:off x="3814839" y="3842611"/>
+                <a:ext cx="367986" cy="375552"/>
+              </a:xfrm>
+              <a:prstGeom prst="rect">
+                <a:avLst/>
+              </a:prstGeom>
+              <a:blipFill>
+                <a:blip r:embed="rId5"/>
+                <a:stretch>
+                  <a:fillRect/>
+                </a:stretch>
+              </a:blipFill>
+            </p:spPr>
+            <p:txBody>
+              <a:bodyPr/>
+              <a:lstStyle/>
+              <a:p>
+                <a:r>
+                  <a:rPr lang="en-US">
+                    <a:noFill/>
+                  </a:rPr>
+                  <a:t> </a:t>
+                </a:r>
+              </a:p>
+            </p:txBody>
+          </p:sp>
+        </mc:Fallback>
+      </mc:AlternateContent>
+      <mc:AlternateContent xmlns:mc="http://schemas.openxmlformats.org/markup-compatibility/2006" xmlns:a14="http://schemas.microsoft.com/office/drawing/2010/main">
+        <mc:Choice Requires="a14">
+          <p:sp>
+            <p:nvSpPr>
+              <p:cNvPr id="54" name="TextBox 53">
+                <a:extLst>
+                  <a:ext uri="{FF2B5EF4-FFF2-40B4-BE49-F238E27FC236}">
+                    <a16:creationId xmlns:a16="http://schemas.microsoft.com/office/drawing/2014/main" id="{5A54B5A6-A04B-ED56-78E2-ABB03640743F}"/>
+                  </a:ext>
+                </a:extLst>
+              </p:cNvPr>
+              <p:cNvSpPr txBox="1"/>
+              <p:nvPr/>
+            </p:nvSpPr>
+            <p:spPr>
+              <a:xfrm>
+                <a:off x="6096000" y="3842611"/>
+                <a:ext cx="367986" cy="375552"/>
+              </a:xfrm>
+              <a:prstGeom prst="rect">
+                <a:avLst/>
+              </a:prstGeom>
+            </p:spPr>
+            <p:style>
+              <a:lnRef idx="2">
+                <a:schemeClr val="dk1"/>
+              </a:lnRef>
+              <a:fillRef idx="1">
+                <a:schemeClr val="lt1"/>
+              </a:fillRef>
+              <a:effectRef idx="0">
+                <a:schemeClr val="dk1"/>
+              </a:effectRef>
+              <a:fontRef idx="minor">
+                <a:schemeClr val="dk1"/>
+              </a:fontRef>
+            </p:style>
+            <p:txBody>
+              <a:bodyPr wrap="square" rtlCol="0">
+                <a:spAutoFit/>
+              </a:bodyPr>
+              <a:lstStyle/>
+              <a:p>
+                <a:pPr/>
+                <a14:m>
+                  <m:oMathPara xmlns:m="http://schemas.openxmlformats.org/officeDocument/2006/math">
+                    <m:oMathParaPr>
+                      <m:jc m:val="centerGroup"/>
+                    </m:oMathParaPr>
+                    <m:oMath xmlns:m="http://schemas.openxmlformats.org/officeDocument/2006/math">
+                      <m:sSup>
+                        <m:sSupPr>
+                          <m:ctrlPr>
+                            <a:rPr lang="en-US" b="1" i="1" smtClean="0">
+                              <a:latin typeface="Cambria Math" panose="02040503050406030204" pitchFamily="18" charset="0"/>
+                            </a:rPr>
+                          </m:ctrlPr>
+                        </m:sSupPr>
+                        <m:e>
+                          <m:r>
+                            <a:rPr lang="en-US" b="1" i="1" smtClean="0">
+                              <a:latin typeface="Cambria Math" panose="02040503050406030204" pitchFamily="18" charset="0"/>
+                            </a:rPr>
+                            <m:t>𝒍</m:t>
+                          </m:r>
+                        </m:e>
+                        <m:sup>
+                          <m:r>
+                            <a:rPr lang="en-US" b="1" i="1" smtClean="0">
+                              <a:latin typeface="Cambria Math" panose="02040503050406030204" pitchFamily="18" charset="0"/>
+                            </a:rPr>
+                            <m:t>𝟐</m:t>
+                          </m:r>
+                        </m:sup>
+                      </m:sSup>
+                    </m:oMath>
+                  </m:oMathPara>
+                </a14:m>
+                <a:endParaRPr lang="en-US" b="1" dirty="0"/>
+              </a:p>
+            </p:txBody>
+          </p:sp>
+        </mc:Choice>
+        <mc:Fallback xmlns="">
+          <p:sp>
+            <p:nvSpPr>
+              <p:cNvPr id="54" name="TextBox 53">
+                <a:extLst>
+                  <a:ext uri="{FF2B5EF4-FFF2-40B4-BE49-F238E27FC236}">
+                    <a16:creationId xmlns:a16="http://schemas.microsoft.com/office/drawing/2014/main" id="{5A54B5A6-A04B-ED56-78E2-ABB03640743F}"/>
+                  </a:ext>
+                </a:extLst>
+              </p:cNvPr>
+              <p:cNvSpPr txBox="1">
+                <a:spLocks noRot="1" noChangeAspect="1" noMove="1" noResize="1" noEditPoints="1" noAdjustHandles="1" noChangeArrowheads="1" noChangeShapeType="1" noTextEdit="1"/>
+              </p:cNvSpPr>
+              <p:nvPr/>
+            </p:nvSpPr>
+            <p:spPr>
+              <a:xfrm>
+                <a:off x="6096000" y="3842611"/>
+                <a:ext cx="367986" cy="375552"/>
+              </a:xfrm>
+              <a:prstGeom prst="rect">
+                <a:avLst/>
+              </a:prstGeom>
+              <a:blipFill>
+                <a:blip r:embed="rId6"/>
+                <a:stretch>
+                  <a:fillRect/>
+                </a:stretch>
+              </a:blipFill>
+            </p:spPr>
+            <p:txBody>
+              <a:bodyPr/>
+              <a:lstStyle/>
+              <a:p>
+                <a:r>
+                  <a:rPr lang="en-US">
+                    <a:noFill/>
+                  </a:rPr>
+                  <a:t> </a:t>
+                </a:r>
+              </a:p>
+            </p:txBody>
+          </p:sp>
+        </mc:Fallback>
+      </mc:AlternateContent>
+      <mc:AlternateContent xmlns:mc="http://schemas.openxmlformats.org/markup-compatibility/2006" xmlns:a14="http://schemas.microsoft.com/office/drawing/2010/main">
+        <mc:Choice Requires="a14">
+          <p:sp>
+            <p:nvSpPr>
+              <p:cNvPr id="55" name="TextBox 54">
+                <a:extLst>
+                  <a:ext uri="{FF2B5EF4-FFF2-40B4-BE49-F238E27FC236}">
+                    <a16:creationId xmlns:a16="http://schemas.microsoft.com/office/drawing/2014/main" id="{F65892C8-398B-6290-789E-AB47515E07E7}"/>
+                  </a:ext>
+                </a:extLst>
+              </p:cNvPr>
+              <p:cNvSpPr txBox="1"/>
+              <p:nvPr/>
+            </p:nvSpPr>
+            <p:spPr>
+              <a:xfrm>
+                <a:off x="8377161" y="3842611"/>
+                <a:ext cx="367986" cy="375552"/>
+              </a:xfrm>
+              <a:prstGeom prst="rect">
+                <a:avLst/>
+              </a:prstGeom>
+            </p:spPr>
+            <p:style>
+              <a:lnRef idx="2">
+                <a:schemeClr val="dk1"/>
+              </a:lnRef>
+              <a:fillRef idx="1">
+                <a:schemeClr val="lt1"/>
+              </a:fillRef>
+              <a:effectRef idx="0">
+                <a:schemeClr val="dk1"/>
+              </a:effectRef>
+              <a:fontRef idx="minor">
+                <a:schemeClr val="dk1"/>
+              </a:fontRef>
+            </p:style>
+            <p:txBody>
+              <a:bodyPr wrap="square" rtlCol="0">
+                <a:spAutoFit/>
+              </a:bodyPr>
+              <a:lstStyle/>
+              <a:p>
+                <a:pPr/>
+                <a14:m>
+                  <m:oMathPara xmlns:m="http://schemas.openxmlformats.org/officeDocument/2006/math">
+                    <m:oMathParaPr>
+                      <m:jc m:val="centerGroup"/>
+                    </m:oMathParaPr>
+                    <m:oMath xmlns:m="http://schemas.openxmlformats.org/officeDocument/2006/math">
+                      <m:sSup>
+                        <m:sSupPr>
+                          <m:ctrlPr>
+                            <a:rPr lang="en-US" b="1" i="1" smtClean="0">
+                              <a:latin typeface="Cambria Math" panose="02040503050406030204" pitchFamily="18" charset="0"/>
+                            </a:rPr>
+                          </m:ctrlPr>
+                        </m:sSupPr>
+                        <m:e>
+                          <m:r>
+                            <a:rPr lang="en-US" b="1" i="1" smtClean="0">
+                              <a:latin typeface="Cambria Math" panose="02040503050406030204" pitchFamily="18" charset="0"/>
+                            </a:rPr>
+                            <m:t>𝒍</m:t>
+                          </m:r>
+                        </m:e>
+                        <m:sup>
+                          <m:r>
+                            <a:rPr lang="en-US" b="1" i="1" smtClean="0">
+                              <a:latin typeface="Cambria Math" panose="02040503050406030204" pitchFamily="18" charset="0"/>
+                            </a:rPr>
+                            <m:t>𝟑</m:t>
+                          </m:r>
+                        </m:sup>
+                      </m:sSup>
+                    </m:oMath>
+                  </m:oMathPara>
+                </a14:m>
+                <a:endParaRPr lang="en-US" b="1" dirty="0"/>
+              </a:p>
+            </p:txBody>
+          </p:sp>
+        </mc:Choice>
+        <mc:Fallback xmlns="">
+          <p:sp>
+            <p:nvSpPr>
+              <p:cNvPr id="55" name="TextBox 54">
+                <a:extLst>
+                  <a:ext uri="{FF2B5EF4-FFF2-40B4-BE49-F238E27FC236}">
+                    <a16:creationId xmlns:a16="http://schemas.microsoft.com/office/drawing/2014/main" id="{F65892C8-398B-6290-789E-AB47515E07E7}"/>
+                  </a:ext>
+                </a:extLst>
+              </p:cNvPr>
+              <p:cNvSpPr txBox="1">
+                <a:spLocks noRot="1" noChangeAspect="1" noMove="1" noResize="1" noEditPoints="1" noAdjustHandles="1" noChangeArrowheads="1" noChangeShapeType="1" noTextEdit="1"/>
+              </p:cNvSpPr>
+              <p:nvPr/>
+            </p:nvSpPr>
+            <p:spPr>
+              <a:xfrm>
+                <a:off x="8377161" y="3842611"/>
+                <a:ext cx="367986" cy="375552"/>
+              </a:xfrm>
+              <a:prstGeom prst="rect">
+                <a:avLst/>
+              </a:prstGeom>
+              <a:blipFill>
+                <a:blip r:embed="rId7"/>
+                <a:stretch>
+                  <a:fillRect/>
+                </a:stretch>
+              </a:blipFill>
+            </p:spPr>
+            <p:txBody>
+              <a:bodyPr/>
+              <a:lstStyle/>
+              <a:p>
+                <a:r>
+                  <a:rPr lang="en-US">
+                    <a:noFill/>
+                  </a:rPr>
+                  <a:t> </a:t>
+                </a:r>
+              </a:p>
+            </p:txBody>
+          </p:sp>
+        </mc:Fallback>
+      </mc:AlternateContent>
+      <p:cxnSp>
+        <p:nvCxnSpPr>
+          <p:cNvPr id="56" name="Straight Connector 55">
+            <a:extLst>
+              <a:ext uri="{FF2B5EF4-FFF2-40B4-BE49-F238E27FC236}">
+                <a16:creationId xmlns:a16="http://schemas.microsoft.com/office/drawing/2014/main" id="{12DD109F-4353-2A77-16F6-DE61C41F2667}"/>
+              </a:ext>
+            </a:extLst>
+          </p:cNvPr>
+          <p:cNvCxnSpPr>
+            <a:cxnSpLocks/>
+          </p:cNvCxnSpPr>
+          <p:nvPr/>
+        </p:nvCxnSpPr>
+        <p:spPr>
+          <a:xfrm>
+            <a:off x="1901664" y="4030387"/>
+            <a:ext cx="1913175" cy="0"/>
+          </a:xfrm>
+          <a:prstGeom prst="line">
+            <a:avLst/>
+          </a:prstGeom>
+          <a:ln w="76200">
+            <a:solidFill>
+              <a:schemeClr val="bg1">
+                <a:lumMod val="50000"/>
+              </a:schemeClr>
+            </a:solidFill>
+          </a:ln>
+        </p:spPr>
+        <p:style>
+          <a:lnRef idx="1">
+            <a:schemeClr val="dk1"/>
+          </a:lnRef>
+          <a:fillRef idx="0">
+            <a:schemeClr val="dk1"/>
+          </a:fillRef>
+          <a:effectRef idx="0">
+            <a:schemeClr val="dk1"/>
+          </a:effectRef>
+          <a:fontRef idx="minor">
+            <a:schemeClr val="tx1"/>
+          </a:fontRef>
+        </p:style>
+      </p:cxnSp>
+      <p:cxnSp>
+        <p:nvCxnSpPr>
+          <p:cNvPr id="58" name="Straight Connector 57">
+            <a:extLst>
+              <a:ext uri="{FF2B5EF4-FFF2-40B4-BE49-F238E27FC236}">
+                <a16:creationId xmlns:a16="http://schemas.microsoft.com/office/drawing/2014/main" id="{779BE504-EC02-7C48-F72F-2B08971B3829}"/>
+              </a:ext>
+            </a:extLst>
+          </p:cNvPr>
+          <p:cNvCxnSpPr>
+            <a:cxnSpLocks/>
+          </p:cNvCxnSpPr>
+          <p:nvPr/>
+        </p:nvCxnSpPr>
+        <p:spPr>
+          <a:xfrm>
+            <a:off x="4182825" y="4030387"/>
+            <a:ext cx="1913175" cy="0"/>
+          </a:xfrm>
+          <a:prstGeom prst="line">
+            <a:avLst/>
+          </a:prstGeom>
+          <a:ln w="76200">
+            <a:solidFill>
+              <a:schemeClr val="bg1">
+                <a:lumMod val="50000"/>
+              </a:schemeClr>
+            </a:solidFill>
+          </a:ln>
+        </p:spPr>
+        <p:style>
+          <a:lnRef idx="1">
+            <a:schemeClr val="dk1"/>
+          </a:lnRef>
+          <a:fillRef idx="0">
+            <a:schemeClr val="dk1"/>
+          </a:fillRef>
+          <a:effectRef idx="0">
+            <a:schemeClr val="dk1"/>
+          </a:effectRef>
+          <a:fontRef idx="minor">
+            <a:schemeClr val="tx1"/>
+          </a:fontRef>
+        </p:style>
+      </p:cxnSp>
+      <p:cxnSp>
+        <p:nvCxnSpPr>
+          <p:cNvPr id="59" name="Straight Connector 58">
+            <a:extLst>
+              <a:ext uri="{FF2B5EF4-FFF2-40B4-BE49-F238E27FC236}">
+                <a16:creationId xmlns:a16="http://schemas.microsoft.com/office/drawing/2014/main" id="{06801104-592E-166C-AB0F-E63EA15EEBAD}"/>
+              </a:ext>
+            </a:extLst>
+          </p:cNvPr>
+          <p:cNvCxnSpPr>
+            <a:cxnSpLocks/>
+          </p:cNvCxnSpPr>
+          <p:nvPr/>
+        </p:nvCxnSpPr>
+        <p:spPr>
+          <a:xfrm>
+            <a:off x="6463986" y="4030387"/>
+            <a:ext cx="1913175" cy="0"/>
+          </a:xfrm>
+          <a:prstGeom prst="line">
+            <a:avLst/>
+          </a:prstGeom>
+          <a:ln w="76200">
+            <a:solidFill>
+              <a:schemeClr val="bg1">
+                <a:lumMod val="50000"/>
+              </a:schemeClr>
+            </a:solidFill>
+          </a:ln>
+        </p:spPr>
+        <p:style>
+          <a:lnRef idx="1">
+            <a:schemeClr val="dk1"/>
+          </a:lnRef>
+          <a:fillRef idx="0">
+            <a:schemeClr val="dk1"/>
+          </a:fillRef>
+          <a:effectRef idx="0">
+            <a:schemeClr val="dk1"/>
+          </a:effectRef>
+          <a:fontRef idx="minor">
+            <a:schemeClr val="tx1"/>
+          </a:fontRef>
+        </p:style>
+      </p:cxnSp>
+      <p:cxnSp>
+        <p:nvCxnSpPr>
+          <p:cNvPr id="60" name="Straight Connector 59">
+            <a:extLst>
+              <a:ext uri="{FF2B5EF4-FFF2-40B4-BE49-F238E27FC236}">
+                <a16:creationId xmlns:a16="http://schemas.microsoft.com/office/drawing/2014/main" id="{946D2720-435E-EBD6-0E1C-E2E39E28F08F}"/>
+              </a:ext>
+            </a:extLst>
+          </p:cNvPr>
+          <p:cNvCxnSpPr>
+            <a:cxnSpLocks/>
+          </p:cNvCxnSpPr>
+          <p:nvPr/>
+        </p:nvCxnSpPr>
+        <p:spPr>
+          <a:xfrm>
+            <a:off x="8745147" y="4030387"/>
+            <a:ext cx="1913175" cy="0"/>
+          </a:xfrm>
+          <a:prstGeom prst="line">
+            <a:avLst/>
+          </a:prstGeom>
+          <a:ln w="76200">
+            <a:solidFill>
+              <a:schemeClr val="bg1">
+                <a:lumMod val="50000"/>
+              </a:schemeClr>
+            </a:solidFill>
+          </a:ln>
+        </p:spPr>
+        <p:style>
+          <a:lnRef idx="1">
+            <a:schemeClr val="dk1"/>
+          </a:lnRef>
+          <a:fillRef idx="0">
+            <a:schemeClr val="dk1"/>
+          </a:fillRef>
+          <a:effectRef idx="0">
+            <a:schemeClr val="dk1"/>
+          </a:effectRef>
+          <a:fontRef idx="minor">
+            <a:schemeClr val="tx1"/>
+          </a:fontRef>
+        </p:style>
+      </p:cxnSp>
+      <mc:AlternateContent xmlns:mc="http://schemas.openxmlformats.org/markup-compatibility/2006" xmlns:a14="http://schemas.microsoft.com/office/drawing/2010/main">
+        <mc:Choice Requires="a14">
+          <p:sp>
+            <p:nvSpPr>
+              <p:cNvPr id="67" name="TextBox 66">
+                <a:extLst>
+                  <a:ext uri="{FF2B5EF4-FFF2-40B4-BE49-F238E27FC236}">
+                    <a16:creationId xmlns:a16="http://schemas.microsoft.com/office/drawing/2014/main" id="{3556F4A3-7CB0-7F63-4152-A023F9D17CDC}"/>
+                  </a:ext>
+                </a:extLst>
+              </p:cNvPr>
+              <p:cNvSpPr txBox="1"/>
+              <p:nvPr/>
+            </p:nvSpPr>
+            <p:spPr>
+              <a:xfrm>
+                <a:off x="2488631" y="3842611"/>
+                <a:ext cx="739241" cy="375552"/>
+              </a:xfrm>
+              <a:prstGeom prst="rect">
+                <a:avLst/>
+              </a:prstGeom>
+              <a:solidFill>
+                <a:schemeClr val="bg1">
+                  <a:alpha val="50000"/>
+                </a:schemeClr>
+              </a:solidFill>
+            </p:spPr>
+            <p:txBody>
+              <a:bodyPr wrap="none" rtlCol="0">
+                <a:spAutoFit/>
+              </a:bodyPr>
+              <a:lstStyle/>
+              <a:p>
+                <a:pPr/>
+                <a14:m>
+                  <m:oMathPara xmlns:m="http://schemas.openxmlformats.org/officeDocument/2006/math">
+                    <m:oMathParaPr>
+                      <m:jc m:val="centerGroup"/>
+                    </m:oMathParaPr>
+                    <m:oMath xmlns:m="http://schemas.openxmlformats.org/officeDocument/2006/math">
+                      <m:r>
+                        <a:rPr lang="en-US" b="1" i="1" smtClean="0">
+                          <a:latin typeface="Cambria Math" panose="02040503050406030204" pitchFamily="18" charset="0"/>
+                        </a:rPr>
+                        <m:t>∗</m:t>
+                      </m:r>
+                      <m:sSup>
+                        <m:sSupPr>
+                          <m:ctrlPr>
+                            <a:rPr lang="en-US" b="1" i="1" smtClean="0">
+                              <a:latin typeface="Cambria Math" panose="02040503050406030204" pitchFamily="18" charset="0"/>
+                            </a:rPr>
+                          </m:ctrlPr>
+                        </m:sSupPr>
+                        <m:e>
+                          <m:r>
+                            <a:rPr lang="en-US" b="1" i="1" smtClean="0">
+                              <a:latin typeface="Cambria Math" panose="02040503050406030204" pitchFamily="18" charset="0"/>
+                            </a:rPr>
+                            <m:t>𝑾</m:t>
+                          </m:r>
+                        </m:e>
+                        <m:sup>
+                          <m:r>
+                            <a:rPr lang="en-US" b="1" i="1" smtClean="0">
+                              <a:latin typeface="Cambria Math" panose="02040503050406030204" pitchFamily="18" charset="0"/>
+                            </a:rPr>
+                            <m:t>𝟏</m:t>
+                          </m:r>
+                        </m:sup>
+                      </m:sSup>
+                    </m:oMath>
+                  </m:oMathPara>
+                </a14:m>
+                <a:endParaRPr lang="en-US" b="1" dirty="0"/>
+              </a:p>
+            </p:txBody>
+          </p:sp>
+        </mc:Choice>
+        <mc:Fallback xmlns="">
+          <p:sp>
+            <p:nvSpPr>
+              <p:cNvPr id="67" name="TextBox 66">
+                <a:extLst>
+                  <a:ext uri="{FF2B5EF4-FFF2-40B4-BE49-F238E27FC236}">
+                    <a16:creationId xmlns:a16="http://schemas.microsoft.com/office/drawing/2014/main" id="{3556F4A3-7CB0-7F63-4152-A023F9D17CDC}"/>
+                  </a:ext>
+                </a:extLst>
+              </p:cNvPr>
+              <p:cNvSpPr txBox="1">
+                <a:spLocks noRot="1" noChangeAspect="1" noMove="1" noResize="1" noEditPoints="1" noAdjustHandles="1" noChangeArrowheads="1" noChangeShapeType="1" noTextEdit="1"/>
+              </p:cNvSpPr>
+              <p:nvPr/>
+            </p:nvSpPr>
+            <p:spPr>
+              <a:xfrm>
+                <a:off x="2488631" y="3842611"/>
+                <a:ext cx="739241" cy="375552"/>
+              </a:xfrm>
+              <a:prstGeom prst="rect">
+                <a:avLst/>
+              </a:prstGeom>
+              <a:blipFill>
+                <a:blip r:embed="rId8"/>
+                <a:stretch>
+                  <a:fillRect/>
+                </a:stretch>
+              </a:blipFill>
+            </p:spPr>
+            <p:txBody>
+              <a:bodyPr/>
+              <a:lstStyle/>
+              <a:p>
+                <a:r>
+                  <a:rPr lang="en-US">
+                    <a:noFill/>
+                  </a:rPr>
+                  <a:t> </a:t>
+                </a:r>
+              </a:p>
+            </p:txBody>
+          </p:sp>
+        </mc:Fallback>
+      </mc:AlternateContent>
+      <mc:AlternateContent xmlns:mc="http://schemas.openxmlformats.org/markup-compatibility/2006" xmlns:a14="http://schemas.microsoft.com/office/drawing/2010/main">
+        <mc:Choice Requires="a14">
+          <p:sp>
+            <p:nvSpPr>
+              <p:cNvPr id="68" name="TextBox 67">
+                <a:extLst>
+                  <a:ext uri="{FF2B5EF4-FFF2-40B4-BE49-F238E27FC236}">
+                    <a16:creationId xmlns:a16="http://schemas.microsoft.com/office/drawing/2014/main" id="{549DA507-8482-C852-C01E-7BE11E39F744}"/>
+                  </a:ext>
+                </a:extLst>
+              </p:cNvPr>
+              <p:cNvSpPr txBox="1"/>
+              <p:nvPr/>
+            </p:nvSpPr>
+            <p:spPr>
+              <a:xfrm>
+                <a:off x="9332114" y="3842611"/>
+                <a:ext cx="739240" cy="374846"/>
+              </a:xfrm>
+              <a:prstGeom prst="rect">
+                <a:avLst/>
+              </a:prstGeom>
+              <a:solidFill>
+                <a:schemeClr val="bg1">
+                  <a:alpha val="50000"/>
+                </a:schemeClr>
+              </a:solidFill>
+            </p:spPr>
+            <p:txBody>
+              <a:bodyPr wrap="none" rtlCol="0">
+                <a:spAutoFit/>
+              </a:bodyPr>
+              <a:lstStyle/>
+              <a:p>
+                <a:pPr/>
+                <a14:m>
+                  <m:oMathPara xmlns:m="http://schemas.openxmlformats.org/officeDocument/2006/math">
+                    <m:oMathParaPr>
+                      <m:jc m:val="centerGroup"/>
+                    </m:oMathParaPr>
+                    <m:oMath xmlns:m="http://schemas.openxmlformats.org/officeDocument/2006/math">
+                      <m:r>
+                        <a:rPr lang="en-US" b="1" i="1" smtClean="0">
+                          <a:latin typeface="Cambria Math" panose="02040503050406030204" pitchFamily="18" charset="0"/>
+                        </a:rPr>
+                        <m:t>∗</m:t>
+                      </m:r>
+                      <m:sSup>
+                        <m:sSupPr>
+                          <m:ctrlPr>
+                            <a:rPr lang="en-US" b="1" i="1" smtClean="0">
+                              <a:latin typeface="Cambria Math" panose="02040503050406030204" pitchFamily="18" charset="0"/>
+                            </a:rPr>
+                          </m:ctrlPr>
+                        </m:sSupPr>
+                        <m:e>
+                          <m:r>
+                            <a:rPr lang="en-US" b="1" i="1" smtClean="0">
+                              <a:latin typeface="Cambria Math" panose="02040503050406030204" pitchFamily="18" charset="0"/>
+                            </a:rPr>
+                            <m:t>𝑾</m:t>
+                          </m:r>
+                        </m:e>
+                        <m:sup>
+                          <m:r>
+                            <a:rPr lang="en-US" b="1" i="1" smtClean="0">
+                              <a:latin typeface="Cambria Math" panose="02040503050406030204" pitchFamily="18" charset="0"/>
+                            </a:rPr>
+                            <m:t>𝟒</m:t>
+                          </m:r>
+                        </m:sup>
+                      </m:sSup>
+                    </m:oMath>
+                  </m:oMathPara>
+                </a14:m>
+                <a:endParaRPr lang="en-US" b="1" dirty="0"/>
+              </a:p>
+            </p:txBody>
+          </p:sp>
+        </mc:Choice>
+        <mc:Fallback xmlns="">
+          <p:sp>
+            <p:nvSpPr>
+              <p:cNvPr id="68" name="TextBox 67">
+                <a:extLst>
+                  <a:ext uri="{FF2B5EF4-FFF2-40B4-BE49-F238E27FC236}">
+                    <a16:creationId xmlns:a16="http://schemas.microsoft.com/office/drawing/2014/main" id="{549DA507-8482-C852-C01E-7BE11E39F744}"/>
+                  </a:ext>
+                </a:extLst>
+              </p:cNvPr>
+              <p:cNvSpPr txBox="1">
+                <a:spLocks noRot="1" noChangeAspect="1" noMove="1" noResize="1" noEditPoints="1" noAdjustHandles="1" noChangeArrowheads="1" noChangeShapeType="1" noTextEdit="1"/>
+              </p:cNvSpPr>
+              <p:nvPr/>
+            </p:nvSpPr>
+            <p:spPr>
+              <a:xfrm>
+                <a:off x="9332114" y="3842611"/>
+                <a:ext cx="739240" cy="374846"/>
+              </a:xfrm>
+              <a:prstGeom prst="rect">
+                <a:avLst/>
+              </a:prstGeom>
+              <a:blipFill>
+                <a:blip r:embed="rId9"/>
+                <a:stretch>
+                  <a:fillRect/>
+                </a:stretch>
+              </a:blipFill>
+            </p:spPr>
+            <p:txBody>
+              <a:bodyPr/>
+              <a:lstStyle/>
+              <a:p>
+                <a:r>
+                  <a:rPr lang="en-US">
+                    <a:noFill/>
+                  </a:rPr>
+                  <a:t> </a:t>
+                </a:r>
+              </a:p>
+            </p:txBody>
+          </p:sp>
+        </mc:Fallback>
+      </mc:AlternateContent>
+      <mc:AlternateContent xmlns:mc="http://schemas.openxmlformats.org/markup-compatibility/2006" xmlns:a14="http://schemas.microsoft.com/office/drawing/2010/main">
+        <mc:Choice Requires="a14">
+          <p:sp>
+            <p:nvSpPr>
+              <p:cNvPr id="69" name="TextBox 68">
+                <a:extLst>
+                  <a:ext uri="{FF2B5EF4-FFF2-40B4-BE49-F238E27FC236}">
+                    <a16:creationId xmlns:a16="http://schemas.microsoft.com/office/drawing/2014/main" id="{23D58FC7-86C4-FAE1-1ED2-79B9A14C832D}"/>
+                  </a:ext>
+                </a:extLst>
+              </p:cNvPr>
+              <p:cNvSpPr txBox="1"/>
+              <p:nvPr/>
+            </p:nvSpPr>
+            <p:spPr>
+              <a:xfrm>
+                <a:off x="7050953" y="3842611"/>
+                <a:ext cx="739240" cy="375552"/>
+              </a:xfrm>
+              <a:prstGeom prst="rect">
+                <a:avLst/>
+              </a:prstGeom>
+              <a:solidFill>
+                <a:schemeClr val="bg1">
+                  <a:alpha val="50000"/>
+                </a:schemeClr>
+              </a:solidFill>
+            </p:spPr>
+            <p:txBody>
+              <a:bodyPr wrap="none" rtlCol="0">
+                <a:spAutoFit/>
+              </a:bodyPr>
+              <a:lstStyle/>
+              <a:p>
+                <a:pPr/>
+                <a14:m>
+                  <m:oMathPara xmlns:m="http://schemas.openxmlformats.org/officeDocument/2006/math">
+                    <m:oMathParaPr>
+                      <m:jc m:val="centerGroup"/>
+                    </m:oMathParaPr>
+                    <m:oMath xmlns:m="http://schemas.openxmlformats.org/officeDocument/2006/math">
+                      <m:r>
+                        <a:rPr lang="en-US" b="1" i="1" smtClean="0">
+                          <a:latin typeface="Cambria Math" panose="02040503050406030204" pitchFamily="18" charset="0"/>
+                        </a:rPr>
+                        <m:t>∗</m:t>
+                      </m:r>
+                      <m:sSup>
+                        <m:sSupPr>
+                          <m:ctrlPr>
+                            <a:rPr lang="en-US" b="1" i="1" smtClean="0">
+                              <a:latin typeface="Cambria Math" panose="02040503050406030204" pitchFamily="18" charset="0"/>
+                            </a:rPr>
+                          </m:ctrlPr>
+                        </m:sSupPr>
+                        <m:e>
+                          <m:r>
+                            <a:rPr lang="en-US" b="1" i="1" smtClean="0">
+                              <a:latin typeface="Cambria Math" panose="02040503050406030204" pitchFamily="18" charset="0"/>
+                            </a:rPr>
+                            <m:t>𝑾</m:t>
+                          </m:r>
+                        </m:e>
+                        <m:sup>
+                          <m:r>
+                            <a:rPr lang="en-US" b="1" i="1" smtClean="0">
+                              <a:latin typeface="Cambria Math" panose="02040503050406030204" pitchFamily="18" charset="0"/>
+                            </a:rPr>
+                            <m:t>𝟑</m:t>
+                          </m:r>
+                        </m:sup>
+                      </m:sSup>
+                    </m:oMath>
+                  </m:oMathPara>
+                </a14:m>
+                <a:endParaRPr lang="en-US" b="1" dirty="0"/>
+              </a:p>
+            </p:txBody>
+          </p:sp>
+        </mc:Choice>
+        <mc:Fallback xmlns="">
+          <p:sp>
+            <p:nvSpPr>
+              <p:cNvPr id="69" name="TextBox 68">
+                <a:extLst>
+                  <a:ext uri="{FF2B5EF4-FFF2-40B4-BE49-F238E27FC236}">
+                    <a16:creationId xmlns:a16="http://schemas.microsoft.com/office/drawing/2014/main" id="{23D58FC7-86C4-FAE1-1ED2-79B9A14C832D}"/>
+                  </a:ext>
+                </a:extLst>
+              </p:cNvPr>
+              <p:cNvSpPr txBox="1">
+                <a:spLocks noRot="1" noChangeAspect="1" noMove="1" noResize="1" noEditPoints="1" noAdjustHandles="1" noChangeArrowheads="1" noChangeShapeType="1" noTextEdit="1"/>
+              </p:cNvSpPr>
+              <p:nvPr/>
+            </p:nvSpPr>
+            <p:spPr>
+              <a:xfrm>
+                <a:off x="7050953" y="3842611"/>
+                <a:ext cx="739240" cy="375552"/>
+              </a:xfrm>
+              <a:prstGeom prst="rect">
+                <a:avLst/>
+              </a:prstGeom>
+              <a:blipFill>
+                <a:blip r:embed="rId10"/>
+                <a:stretch>
+                  <a:fillRect/>
+                </a:stretch>
+              </a:blipFill>
+            </p:spPr>
+            <p:txBody>
+              <a:bodyPr/>
+              <a:lstStyle/>
+              <a:p>
+                <a:r>
+                  <a:rPr lang="en-US">
+                    <a:noFill/>
+                  </a:rPr>
+                  <a:t> </a:t>
+                </a:r>
+              </a:p>
+            </p:txBody>
+          </p:sp>
+        </mc:Fallback>
+      </mc:AlternateContent>
+      <mc:AlternateContent xmlns:mc="http://schemas.openxmlformats.org/markup-compatibility/2006" xmlns:a14="http://schemas.microsoft.com/office/drawing/2010/main">
+        <mc:Choice Requires="a14">
+          <p:sp>
+            <p:nvSpPr>
+              <p:cNvPr id="70" name="TextBox 69">
+                <a:extLst>
+                  <a:ext uri="{FF2B5EF4-FFF2-40B4-BE49-F238E27FC236}">
+                    <a16:creationId xmlns:a16="http://schemas.microsoft.com/office/drawing/2014/main" id="{B16546CD-7584-62A6-9487-9316A38C3488}"/>
+                  </a:ext>
+                </a:extLst>
+              </p:cNvPr>
+              <p:cNvSpPr txBox="1"/>
+              <p:nvPr/>
+            </p:nvSpPr>
+            <p:spPr>
+              <a:xfrm>
+                <a:off x="4769792" y="3842611"/>
+                <a:ext cx="739241" cy="375552"/>
+              </a:xfrm>
+              <a:prstGeom prst="rect">
+                <a:avLst/>
+              </a:prstGeom>
+              <a:solidFill>
+                <a:schemeClr val="bg1">
+                  <a:alpha val="50000"/>
+                </a:schemeClr>
+              </a:solidFill>
+            </p:spPr>
+            <p:txBody>
+              <a:bodyPr wrap="none" rtlCol="0">
+                <a:spAutoFit/>
+              </a:bodyPr>
+              <a:lstStyle/>
+              <a:p>
+                <a:pPr/>
+                <a14:m>
+                  <m:oMathPara xmlns:m="http://schemas.openxmlformats.org/officeDocument/2006/math">
+                    <m:oMathParaPr>
+                      <m:jc m:val="centerGroup"/>
+                    </m:oMathParaPr>
+                    <m:oMath xmlns:m="http://schemas.openxmlformats.org/officeDocument/2006/math">
+                      <m:r>
+                        <a:rPr lang="en-US" b="1" i="1" smtClean="0">
+                          <a:latin typeface="Cambria Math" panose="02040503050406030204" pitchFamily="18" charset="0"/>
+                        </a:rPr>
+                        <m:t>∗</m:t>
+                      </m:r>
+                      <m:sSup>
+                        <m:sSupPr>
+                          <m:ctrlPr>
+                            <a:rPr lang="en-US" b="1" i="1" smtClean="0">
+                              <a:latin typeface="Cambria Math" panose="02040503050406030204" pitchFamily="18" charset="0"/>
+                            </a:rPr>
+                          </m:ctrlPr>
+                        </m:sSupPr>
+                        <m:e>
+                          <m:r>
+                            <a:rPr lang="en-US" b="1" i="1" smtClean="0">
+                              <a:latin typeface="Cambria Math" panose="02040503050406030204" pitchFamily="18" charset="0"/>
+                            </a:rPr>
+                            <m:t>𝑾</m:t>
+                          </m:r>
+                        </m:e>
+                        <m:sup>
+                          <m:r>
+                            <a:rPr lang="en-US" b="1" i="1" smtClean="0">
+                              <a:latin typeface="Cambria Math" panose="02040503050406030204" pitchFamily="18" charset="0"/>
+                            </a:rPr>
+                            <m:t>𝟐</m:t>
+                          </m:r>
+                        </m:sup>
+                      </m:sSup>
+                    </m:oMath>
+                  </m:oMathPara>
+                </a14:m>
+                <a:endParaRPr lang="en-US" b="1" dirty="0"/>
+              </a:p>
+            </p:txBody>
+          </p:sp>
+        </mc:Choice>
+        <mc:Fallback xmlns="">
+          <p:sp>
+            <p:nvSpPr>
+              <p:cNvPr id="70" name="TextBox 69">
+                <a:extLst>
+                  <a:ext uri="{FF2B5EF4-FFF2-40B4-BE49-F238E27FC236}">
+                    <a16:creationId xmlns:a16="http://schemas.microsoft.com/office/drawing/2014/main" id="{B16546CD-7584-62A6-9487-9316A38C3488}"/>
+                  </a:ext>
+                </a:extLst>
+              </p:cNvPr>
+              <p:cNvSpPr txBox="1">
+                <a:spLocks noRot="1" noChangeAspect="1" noMove="1" noResize="1" noEditPoints="1" noAdjustHandles="1" noChangeArrowheads="1" noChangeShapeType="1" noTextEdit="1"/>
+              </p:cNvSpPr>
+              <p:nvPr/>
+            </p:nvSpPr>
+            <p:spPr>
+              <a:xfrm>
+                <a:off x="4769792" y="3842611"/>
+                <a:ext cx="739241" cy="375552"/>
+              </a:xfrm>
+              <a:prstGeom prst="rect">
+                <a:avLst/>
+              </a:prstGeom>
+              <a:blipFill>
+                <a:blip r:embed="rId11"/>
+                <a:stretch>
+                  <a:fillRect/>
+                </a:stretch>
+              </a:blipFill>
+            </p:spPr>
+            <p:txBody>
+              <a:bodyPr/>
+              <a:lstStyle/>
+              <a:p>
+                <a:r>
+                  <a:rPr lang="en-US">
+                    <a:noFill/>
+                  </a:rPr>
+                  <a:t> </a:t>
+                </a:r>
+              </a:p>
+            </p:txBody>
+          </p:sp>
+        </mc:Fallback>
+      </mc:AlternateContent>
+      <mc:AlternateContent xmlns:mc="http://schemas.openxmlformats.org/markup-compatibility/2006" xmlns:a14="http://schemas.microsoft.com/office/drawing/2010/main">
+        <mc:Choice Requires="a14">
+          <p:sp>
+            <p:nvSpPr>
+              <p:cNvPr id="71" name="TextBox 70">
+                <a:extLst>
+                  <a:ext uri="{FF2B5EF4-FFF2-40B4-BE49-F238E27FC236}">
+                    <a16:creationId xmlns:a16="http://schemas.microsoft.com/office/drawing/2014/main" id="{F7C68534-7FA5-412D-75D3-1C53C0399132}"/>
+                  </a:ext>
+                </a:extLst>
+              </p:cNvPr>
+              <p:cNvSpPr txBox="1"/>
+              <p:nvPr/>
+            </p:nvSpPr>
+            <p:spPr>
+              <a:xfrm>
+                <a:off x="3396006" y="4532489"/>
+                <a:ext cx="1205651" cy="375552"/>
+              </a:xfrm>
+              <a:prstGeom prst="rect">
+                <a:avLst/>
+              </a:prstGeom>
+              <a:solidFill>
+                <a:schemeClr val="bg1">
+                  <a:alpha val="50000"/>
+                </a:schemeClr>
+              </a:solidFill>
+            </p:spPr>
+            <p:txBody>
+              <a:bodyPr wrap="none" rtlCol="0">
+                <a:spAutoFit/>
+              </a:bodyPr>
+              <a:lstStyle/>
+              <a:p>
+                <a:pPr/>
+                <a14:m>
+                  <m:oMathPara xmlns:m="http://schemas.openxmlformats.org/officeDocument/2006/math">
+                    <m:oMathParaPr>
+                      <m:jc m:val="centerGroup"/>
+                    </m:oMathParaPr>
+                    <m:oMath xmlns:m="http://schemas.openxmlformats.org/officeDocument/2006/math">
+                      <m:sSup>
+                        <m:sSupPr>
+                          <m:ctrlPr>
+                            <a:rPr lang="en-US" b="1" i="1" smtClean="0">
+                              <a:latin typeface="Cambria Math" panose="02040503050406030204" pitchFamily="18" charset="0"/>
+                            </a:rPr>
+                          </m:ctrlPr>
+                        </m:sSupPr>
+                        <m:e>
+                          <m:r>
+                            <a:rPr lang="en-US" b="1" i="1" smtClean="0">
+                              <a:latin typeface="Cambria Math" panose="02040503050406030204" pitchFamily="18" charset="0"/>
+                            </a:rPr>
+                            <m:t>𝒍</m:t>
+                          </m:r>
+                        </m:e>
+                        <m:sup>
+                          <m:r>
+                            <a:rPr lang="en-US" b="1" i="1" smtClean="0">
+                              <a:latin typeface="Cambria Math" panose="02040503050406030204" pitchFamily="18" charset="0"/>
+                            </a:rPr>
+                            <m:t>𝟏</m:t>
+                          </m:r>
+                        </m:sup>
+                      </m:sSup>
+                      <m:r>
+                        <a:rPr lang="en-US" b="1" i="1" smtClean="0">
+                          <a:latin typeface="Cambria Math" panose="02040503050406030204" pitchFamily="18" charset="0"/>
+                        </a:rPr>
+                        <m:t>=</m:t>
+                      </m:r>
+                      <m:sSup>
+                        <m:sSupPr>
+                          <m:ctrlPr>
+                            <a:rPr lang="en-US" b="1" i="1" smtClean="0">
+                              <a:latin typeface="Cambria Math" panose="02040503050406030204" pitchFamily="18" charset="0"/>
+                            </a:rPr>
+                          </m:ctrlPr>
+                        </m:sSupPr>
+                        <m:e>
+                          <m:r>
+                            <a:rPr lang="en-US" b="1" i="1" smtClean="0">
+                              <a:latin typeface="Cambria Math" panose="02040503050406030204" pitchFamily="18" charset="0"/>
+                            </a:rPr>
+                            <m:t>𝑾</m:t>
+                          </m:r>
+                        </m:e>
+                        <m:sup>
+                          <m:r>
+                            <a:rPr lang="en-US" b="1" i="1" smtClean="0">
+                              <a:latin typeface="Cambria Math" panose="02040503050406030204" pitchFamily="18" charset="0"/>
+                            </a:rPr>
+                            <m:t>𝟏</m:t>
+                          </m:r>
+                        </m:sup>
+                      </m:sSup>
+                      <m:r>
+                        <a:rPr lang="en-US" b="0" i="1" smtClean="0">
+                          <a:latin typeface="Cambria Math" panose="02040503050406030204" pitchFamily="18" charset="0"/>
+                        </a:rPr>
+                        <m:t>𝑥</m:t>
+                      </m:r>
+                    </m:oMath>
+                  </m:oMathPara>
+                </a14:m>
+                <a:endParaRPr lang="en-US" dirty="0"/>
+              </a:p>
+            </p:txBody>
+          </p:sp>
+        </mc:Choice>
+        <mc:Fallback xmlns="">
+          <p:sp>
+            <p:nvSpPr>
+              <p:cNvPr id="71" name="TextBox 70">
+                <a:extLst>
+                  <a:ext uri="{FF2B5EF4-FFF2-40B4-BE49-F238E27FC236}">
+                    <a16:creationId xmlns:a16="http://schemas.microsoft.com/office/drawing/2014/main" id="{F7C68534-7FA5-412D-75D3-1C53C0399132}"/>
+                  </a:ext>
+                </a:extLst>
+              </p:cNvPr>
+              <p:cNvSpPr txBox="1">
+                <a:spLocks noRot="1" noChangeAspect="1" noMove="1" noResize="1" noEditPoints="1" noAdjustHandles="1" noChangeArrowheads="1" noChangeShapeType="1" noTextEdit="1"/>
+              </p:cNvSpPr>
+              <p:nvPr/>
+            </p:nvSpPr>
+            <p:spPr>
+              <a:xfrm>
+                <a:off x="3396006" y="4532489"/>
+                <a:ext cx="1205651" cy="375552"/>
+              </a:xfrm>
+              <a:prstGeom prst="rect">
+                <a:avLst/>
+              </a:prstGeom>
+              <a:blipFill>
+                <a:blip r:embed="rId12"/>
+                <a:stretch>
+                  <a:fillRect/>
+                </a:stretch>
+              </a:blipFill>
+            </p:spPr>
+            <p:txBody>
+              <a:bodyPr/>
+              <a:lstStyle/>
+              <a:p>
+                <a:r>
+                  <a:rPr lang="en-US">
+                    <a:noFill/>
+                  </a:rPr>
+                  <a:t> </a:t>
+                </a:r>
+              </a:p>
+            </p:txBody>
+          </p:sp>
+        </mc:Fallback>
+      </mc:AlternateContent>
+      <mc:AlternateContent xmlns:mc="http://schemas.openxmlformats.org/markup-compatibility/2006" xmlns:a14="http://schemas.microsoft.com/office/drawing/2010/main">
+        <mc:Choice Requires="a14">
+          <p:sp>
+            <p:nvSpPr>
+              <p:cNvPr id="72" name="TextBox 71">
+                <a:extLst>
+                  <a:ext uri="{FF2B5EF4-FFF2-40B4-BE49-F238E27FC236}">
+                    <a16:creationId xmlns:a16="http://schemas.microsoft.com/office/drawing/2014/main" id="{AF011FFF-4F54-D58D-B4E7-CD35A611BEEE}"/>
+                  </a:ext>
+                </a:extLst>
+              </p:cNvPr>
+              <p:cNvSpPr txBox="1"/>
+              <p:nvPr/>
+            </p:nvSpPr>
+            <p:spPr>
+              <a:xfrm>
+                <a:off x="5645940" y="4532489"/>
+                <a:ext cx="1268104" cy="375552"/>
+              </a:xfrm>
+              <a:prstGeom prst="rect">
+                <a:avLst/>
+              </a:prstGeom>
+              <a:solidFill>
+                <a:schemeClr val="bg1">
+                  <a:alpha val="50000"/>
+                </a:schemeClr>
+              </a:solidFill>
+            </p:spPr>
+            <p:txBody>
+              <a:bodyPr wrap="none" rtlCol="0">
+                <a:spAutoFit/>
+              </a:bodyPr>
+              <a:lstStyle/>
+              <a:p>
+                <a:pPr/>
+                <a14:m>
+                  <m:oMathPara xmlns:m="http://schemas.openxmlformats.org/officeDocument/2006/math">
+                    <m:oMathParaPr>
+                      <m:jc m:val="centerGroup"/>
+                    </m:oMathParaPr>
+                    <m:oMath xmlns:m="http://schemas.openxmlformats.org/officeDocument/2006/math">
+                      <m:sSup>
+                        <m:sSupPr>
+                          <m:ctrlPr>
+                            <a:rPr lang="en-US" b="1" i="1" smtClean="0">
+                              <a:latin typeface="Cambria Math" panose="02040503050406030204" pitchFamily="18" charset="0"/>
+                            </a:rPr>
+                          </m:ctrlPr>
+                        </m:sSupPr>
+                        <m:e>
+                          <m:r>
+                            <a:rPr lang="en-US" b="1" i="1" smtClean="0">
+                              <a:latin typeface="Cambria Math" panose="02040503050406030204" pitchFamily="18" charset="0"/>
+                            </a:rPr>
+                            <m:t>𝒍</m:t>
+                          </m:r>
+                        </m:e>
+                        <m:sup>
+                          <m:r>
+                            <a:rPr lang="en-US" b="1" i="1" smtClean="0">
+                              <a:latin typeface="Cambria Math" panose="02040503050406030204" pitchFamily="18" charset="0"/>
+                            </a:rPr>
+                            <m:t>𝟐</m:t>
+                          </m:r>
+                        </m:sup>
+                      </m:sSup>
+                      <m:r>
+                        <a:rPr lang="en-US" b="1" i="1" smtClean="0">
+                          <a:latin typeface="Cambria Math" panose="02040503050406030204" pitchFamily="18" charset="0"/>
+                        </a:rPr>
+                        <m:t>=</m:t>
+                      </m:r>
+                      <m:sSup>
+                        <m:sSupPr>
+                          <m:ctrlPr>
+                            <a:rPr lang="en-US" b="1" i="1" smtClean="0">
+                              <a:latin typeface="Cambria Math" panose="02040503050406030204" pitchFamily="18" charset="0"/>
+                            </a:rPr>
+                          </m:ctrlPr>
+                        </m:sSupPr>
+                        <m:e>
+                          <m:r>
+                            <a:rPr lang="en-US" b="1" i="1" smtClean="0">
+                              <a:latin typeface="Cambria Math" panose="02040503050406030204" pitchFamily="18" charset="0"/>
+                            </a:rPr>
+                            <m:t>𝑾</m:t>
+                          </m:r>
+                        </m:e>
+                        <m:sup>
+                          <m:r>
+                            <a:rPr lang="en-US" b="1" i="1" smtClean="0">
+                              <a:latin typeface="Cambria Math" panose="02040503050406030204" pitchFamily="18" charset="0"/>
+                            </a:rPr>
+                            <m:t>𝟐</m:t>
+                          </m:r>
+                        </m:sup>
+                      </m:sSup>
+                      <m:sSup>
+                        <m:sSupPr>
+                          <m:ctrlPr>
+                            <a:rPr lang="en-US" b="1" i="1" smtClean="0">
+                              <a:latin typeface="Cambria Math" panose="02040503050406030204" pitchFamily="18" charset="0"/>
+                            </a:rPr>
+                          </m:ctrlPr>
+                        </m:sSupPr>
+                        <m:e>
+                          <m:r>
+                            <a:rPr lang="en-US" b="1" i="1" smtClean="0">
+                              <a:latin typeface="Cambria Math" panose="02040503050406030204" pitchFamily="18" charset="0"/>
+                            </a:rPr>
+                            <m:t>𝒍</m:t>
+                          </m:r>
+                        </m:e>
+                        <m:sup>
+                          <m:r>
+                            <a:rPr lang="en-US" b="1" i="1" smtClean="0">
+                              <a:latin typeface="Cambria Math" panose="02040503050406030204" pitchFamily="18" charset="0"/>
+                            </a:rPr>
+                            <m:t>𝟏</m:t>
+                          </m:r>
+                        </m:sup>
+                      </m:sSup>
+                    </m:oMath>
+                  </m:oMathPara>
+                </a14:m>
+                <a:endParaRPr lang="en-US" b="1" dirty="0"/>
+              </a:p>
+            </p:txBody>
+          </p:sp>
+        </mc:Choice>
+        <mc:Fallback xmlns="">
+          <p:sp>
+            <p:nvSpPr>
+              <p:cNvPr id="72" name="TextBox 71">
+                <a:extLst>
+                  <a:ext uri="{FF2B5EF4-FFF2-40B4-BE49-F238E27FC236}">
+                    <a16:creationId xmlns:a16="http://schemas.microsoft.com/office/drawing/2014/main" id="{AF011FFF-4F54-D58D-B4E7-CD35A611BEEE}"/>
+                  </a:ext>
+                </a:extLst>
+              </p:cNvPr>
+              <p:cNvSpPr txBox="1">
+                <a:spLocks noRot="1" noChangeAspect="1" noMove="1" noResize="1" noEditPoints="1" noAdjustHandles="1" noChangeArrowheads="1" noChangeShapeType="1" noTextEdit="1"/>
+              </p:cNvSpPr>
+              <p:nvPr/>
+            </p:nvSpPr>
+            <p:spPr>
+              <a:xfrm>
+                <a:off x="5645940" y="4532489"/>
+                <a:ext cx="1268104" cy="375552"/>
+              </a:xfrm>
+              <a:prstGeom prst="rect">
+                <a:avLst/>
+              </a:prstGeom>
+              <a:blipFill>
+                <a:blip r:embed="rId13"/>
+                <a:stretch>
+                  <a:fillRect/>
+                </a:stretch>
+              </a:blipFill>
+            </p:spPr>
+            <p:txBody>
+              <a:bodyPr/>
+              <a:lstStyle/>
+              <a:p>
+                <a:r>
+                  <a:rPr lang="en-US">
+                    <a:noFill/>
+                  </a:rPr>
+                  <a:t> </a:t>
+                </a:r>
+              </a:p>
+            </p:txBody>
+          </p:sp>
+        </mc:Fallback>
+      </mc:AlternateContent>
+      <mc:AlternateContent xmlns:mc="http://schemas.openxmlformats.org/markup-compatibility/2006" xmlns:a14="http://schemas.microsoft.com/office/drawing/2010/main">
+        <mc:Choice Requires="a14">
+          <p:sp>
+            <p:nvSpPr>
+              <p:cNvPr id="74" name="TextBox 73">
+                <a:extLst>
+                  <a:ext uri="{FF2B5EF4-FFF2-40B4-BE49-F238E27FC236}">
+                    <a16:creationId xmlns:a16="http://schemas.microsoft.com/office/drawing/2014/main" id="{DA6065FA-1999-08E2-115E-A85A88EF57FA}"/>
+                  </a:ext>
+                </a:extLst>
+              </p:cNvPr>
+              <p:cNvSpPr txBox="1"/>
+              <p:nvPr/>
+            </p:nvSpPr>
+            <p:spPr>
+              <a:xfrm>
+                <a:off x="7927102" y="4532489"/>
+                <a:ext cx="1268103" cy="375552"/>
+              </a:xfrm>
+              <a:prstGeom prst="rect">
+                <a:avLst/>
+              </a:prstGeom>
+              <a:solidFill>
+                <a:schemeClr val="bg1">
+                  <a:alpha val="50000"/>
+                </a:schemeClr>
+              </a:solidFill>
+            </p:spPr>
+            <p:txBody>
+              <a:bodyPr wrap="none" rtlCol="0">
+                <a:spAutoFit/>
+              </a:bodyPr>
+              <a:lstStyle/>
+              <a:p>
+                <a:pPr/>
+                <a14:m>
+                  <m:oMathPara xmlns:m="http://schemas.openxmlformats.org/officeDocument/2006/math">
+                    <m:oMathParaPr>
+                      <m:jc m:val="centerGroup"/>
+                    </m:oMathParaPr>
+                    <m:oMath xmlns:m="http://schemas.openxmlformats.org/officeDocument/2006/math">
+                      <m:sSup>
+                        <m:sSupPr>
+                          <m:ctrlPr>
+                            <a:rPr lang="en-US" b="1" i="1" smtClean="0">
+                              <a:latin typeface="Cambria Math" panose="02040503050406030204" pitchFamily="18" charset="0"/>
+                            </a:rPr>
+                          </m:ctrlPr>
+                        </m:sSupPr>
+                        <m:e>
+                          <m:r>
+                            <a:rPr lang="en-US" b="1" i="1" smtClean="0">
+                              <a:latin typeface="Cambria Math" panose="02040503050406030204" pitchFamily="18" charset="0"/>
+                            </a:rPr>
+                            <m:t>𝒍</m:t>
+                          </m:r>
+                        </m:e>
+                        <m:sup>
+                          <m:r>
+                            <a:rPr lang="en-US" b="1" i="1" smtClean="0">
+                              <a:latin typeface="Cambria Math" panose="02040503050406030204" pitchFamily="18" charset="0"/>
+                            </a:rPr>
+                            <m:t>𝟑</m:t>
+                          </m:r>
+                        </m:sup>
+                      </m:sSup>
+                      <m:r>
+                        <a:rPr lang="en-US" b="1" i="1" smtClean="0">
+                          <a:latin typeface="Cambria Math" panose="02040503050406030204" pitchFamily="18" charset="0"/>
+                        </a:rPr>
+                        <m:t>=</m:t>
+                      </m:r>
+                      <m:sSup>
+                        <m:sSupPr>
+                          <m:ctrlPr>
+                            <a:rPr lang="en-US" b="1" i="1" smtClean="0">
+                              <a:latin typeface="Cambria Math" panose="02040503050406030204" pitchFamily="18" charset="0"/>
+                            </a:rPr>
+                          </m:ctrlPr>
+                        </m:sSupPr>
+                        <m:e>
+                          <m:r>
+                            <a:rPr lang="en-US" b="1" i="1" smtClean="0">
+                              <a:latin typeface="Cambria Math" panose="02040503050406030204" pitchFamily="18" charset="0"/>
+                            </a:rPr>
+                            <m:t>𝑾</m:t>
+                          </m:r>
+                        </m:e>
+                        <m:sup>
+                          <m:r>
+                            <a:rPr lang="en-US" b="1" i="1" smtClean="0">
+                              <a:latin typeface="Cambria Math" panose="02040503050406030204" pitchFamily="18" charset="0"/>
+                            </a:rPr>
+                            <m:t>𝟑</m:t>
+                          </m:r>
+                        </m:sup>
+                      </m:sSup>
+                      <m:sSup>
+                        <m:sSupPr>
+                          <m:ctrlPr>
+                            <a:rPr lang="en-US" b="1" i="1" smtClean="0">
+                              <a:latin typeface="Cambria Math" panose="02040503050406030204" pitchFamily="18" charset="0"/>
+                            </a:rPr>
+                          </m:ctrlPr>
+                        </m:sSupPr>
+                        <m:e>
+                          <m:r>
+                            <a:rPr lang="en-US" b="1" i="1" smtClean="0">
+                              <a:latin typeface="Cambria Math" panose="02040503050406030204" pitchFamily="18" charset="0"/>
+                            </a:rPr>
+                            <m:t>𝒍</m:t>
+                          </m:r>
+                        </m:e>
+                        <m:sup>
+                          <m:r>
+                            <a:rPr lang="en-US" b="1" i="1" smtClean="0">
+                              <a:latin typeface="Cambria Math" panose="02040503050406030204" pitchFamily="18" charset="0"/>
+                            </a:rPr>
+                            <m:t>𝟐</m:t>
+                          </m:r>
+                        </m:sup>
+                      </m:sSup>
+                    </m:oMath>
+                  </m:oMathPara>
+                </a14:m>
+                <a:endParaRPr lang="en-US" b="1" dirty="0"/>
+              </a:p>
+            </p:txBody>
+          </p:sp>
+        </mc:Choice>
+        <mc:Fallback xmlns="">
+          <p:sp>
+            <p:nvSpPr>
+              <p:cNvPr id="74" name="TextBox 73">
+                <a:extLst>
+                  <a:ext uri="{FF2B5EF4-FFF2-40B4-BE49-F238E27FC236}">
+                    <a16:creationId xmlns:a16="http://schemas.microsoft.com/office/drawing/2014/main" id="{DA6065FA-1999-08E2-115E-A85A88EF57FA}"/>
+                  </a:ext>
+                </a:extLst>
+              </p:cNvPr>
+              <p:cNvSpPr txBox="1">
+                <a:spLocks noRot="1" noChangeAspect="1" noMove="1" noResize="1" noEditPoints="1" noAdjustHandles="1" noChangeArrowheads="1" noChangeShapeType="1" noTextEdit="1"/>
+              </p:cNvSpPr>
+              <p:nvPr/>
+            </p:nvSpPr>
+            <p:spPr>
+              <a:xfrm>
+                <a:off x="7927102" y="4532489"/>
+                <a:ext cx="1268103" cy="375552"/>
+              </a:xfrm>
+              <a:prstGeom prst="rect">
+                <a:avLst/>
+              </a:prstGeom>
+              <a:blipFill>
+                <a:blip r:embed="rId14"/>
+                <a:stretch>
+                  <a:fillRect/>
+                </a:stretch>
+              </a:blipFill>
+            </p:spPr>
+            <p:txBody>
+              <a:bodyPr/>
+              <a:lstStyle/>
+              <a:p>
+                <a:r>
+                  <a:rPr lang="en-US">
+                    <a:noFill/>
+                  </a:rPr>
+                  <a:t> </a:t>
+                </a:r>
+              </a:p>
+            </p:txBody>
+          </p:sp>
+        </mc:Fallback>
+      </mc:AlternateContent>
+      <mc:AlternateContent xmlns:mc="http://schemas.openxmlformats.org/markup-compatibility/2006" xmlns:a14="http://schemas.microsoft.com/office/drawing/2010/main">
+        <mc:Choice Requires="a14">
+          <p:sp>
+            <p:nvSpPr>
+              <p:cNvPr id="75" name="TextBox 74">
+                <a:extLst>
+                  <a:ext uri="{FF2B5EF4-FFF2-40B4-BE49-F238E27FC236}">
+                    <a16:creationId xmlns:a16="http://schemas.microsoft.com/office/drawing/2014/main" id="{392D04E5-99B6-8A1F-C9B5-11A5126A81A5}"/>
+                  </a:ext>
+                </a:extLst>
+              </p:cNvPr>
+              <p:cNvSpPr txBox="1"/>
+              <p:nvPr/>
+            </p:nvSpPr>
+            <p:spPr>
+              <a:xfrm>
+                <a:off x="10239105" y="4532489"/>
+                <a:ext cx="1206420" cy="375552"/>
+              </a:xfrm>
+              <a:prstGeom prst="rect">
+                <a:avLst/>
+              </a:prstGeom>
+              <a:solidFill>
+                <a:schemeClr val="bg1">
+                  <a:alpha val="50000"/>
+                </a:schemeClr>
+              </a:solidFill>
+            </p:spPr>
+            <p:txBody>
+              <a:bodyPr wrap="none" rtlCol="0">
+                <a:spAutoFit/>
+              </a:bodyPr>
+              <a:lstStyle/>
+              <a:p>
+                <a:pPr/>
+                <a14:m>
+                  <m:oMathPara xmlns:m="http://schemas.openxmlformats.org/officeDocument/2006/math">
+                    <m:oMathParaPr>
+                      <m:jc m:val="centerGroup"/>
+                    </m:oMathParaPr>
+                    <m:oMath xmlns:m="http://schemas.openxmlformats.org/officeDocument/2006/math">
+                      <m:r>
+                        <a:rPr lang="en-US" b="0" i="1" smtClean="0">
+                          <a:latin typeface="Cambria Math" panose="02040503050406030204" pitchFamily="18" charset="0"/>
+                        </a:rPr>
+                        <m:t>𝑦</m:t>
+                      </m:r>
+                      <m:r>
+                        <a:rPr lang="en-US" b="1" i="1" smtClean="0">
+                          <a:latin typeface="Cambria Math" panose="02040503050406030204" pitchFamily="18" charset="0"/>
+                        </a:rPr>
+                        <m:t>=</m:t>
+                      </m:r>
+                      <m:sSup>
+                        <m:sSupPr>
+                          <m:ctrlPr>
+                            <a:rPr lang="en-US" b="1" i="1" smtClean="0">
+                              <a:latin typeface="Cambria Math" panose="02040503050406030204" pitchFamily="18" charset="0"/>
+                            </a:rPr>
+                          </m:ctrlPr>
+                        </m:sSupPr>
+                        <m:e>
+                          <m:r>
+                            <a:rPr lang="en-US" b="1" i="1" smtClean="0">
+                              <a:latin typeface="Cambria Math" panose="02040503050406030204" pitchFamily="18" charset="0"/>
+                            </a:rPr>
+                            <m:t>𝑾</m:t>
+                          </m:r>
+                        </m:e>
+                        <m:sup>
+                          <m:r>
+                            <a:rPr lang="en-US" b="1" i="1" smtClean="0">
+                              <a:latin typeface="Cambria Math" panose="02040503050406030204" pitchFamily="18" charset="0"/>
+                            </a:rPr>
+                            <m:t>𝟒</m:t>
+                          </m:r>
+                        </m:sup>
+                      </m:sSup>
+                      <m:sSup>
+                        <m:sSupPr>
+                          <m:ctrlPr>
+                            <a:rPr lang="en-US" b="1" i="1" smtClean="0">
+                              <a:latin typeface="Cambria Math" panose="02040503050406030204" pitchFamily="18" charset="0"/>
+                            </a:rPr>
+                          </m:ctrlPr>
+                        </m:sSupPr>
+                        <m:e>
+                          <m:r>
+                            <a:rPr lang="en-US" b="1" i="1" smtClean="0">
+                              <a:latin typeface="Cambria Math" panose="02040503050406030204" pitchFamily="18" charset="0"/>
+                            </a:rPr>
+                            <m:t>𝒍</m:t>
+                          </m:r>
+                        </m:e>
+                        <m:sup>
+                          <m:r>
+                            <a:rPr lang="en-US" b="1" i="1" smtClean="0">
+                              <a:latin typeface="Cambria Math" panose="02040503050406030204" pitchFamily="18" charset="0"/>
+                            </a:rPr>
+                            <m:t>𝟑</m:t>
+                          </m:r>
+                        </m:sup>
+                      </m:sSup>
+                    </m:oMath>
+                  </m:oMathPara>
+                </a14:m>
+                <a:endParaRPr lang="en-US" b="1" dirty="0"/>
+              </a:p>
+            </p:txBody>
+          </p:sp>
+        </mc:Choice>
+        <mc:Fallback xmlns="">
+          <p:sp>
+            <p:nvSpPr>
+              <p:cNvPr id="75" name="TextBox 74">
+                <a:extLst>
+                  <a:ext uri="{FF2B5EF4-FFF2-40B4-BE49-F238E27FC236}">
+                    <a16:creationId xmlns:a16="http://schemas.microsoft.com/office/drawing/2014/main" id="{392D04E5-99B6-8A1F-C9B5-11A5126A81A5}"/>
+                  </a:ext>
+                </a:extLst>
+              </p:cNvPr>
+              <p:cNvSpPr txBox="1">
+                <a:spLocks noRot="1" noChangeAspect="1" noMove="1" noResize="1" noEditPoints="1" noAdjustHandles="1" noChangeArrowheads="1" noChangeShapeType="1" noTextEdit="1"/>
+              </p:cNvSpPr>
+              <p:nvPr/>
+            </p:nvSpPr>
+            <p:spPr>
+              <a:xfrm>
+                <a:off x="10239105" y="4532489"/>
+                <a:ext cx="1206420" cy="375552"/>
+              </a:xfrm>
+              <a:prstGeom prst="rect">
+                <a:avLst/>
+              </a:prstGeom>
+              <a:blipFill>
+                <a:blip r:embed="rId15"/>
+                <a:stretch>
+                  <a:fillRect b="-6557"/>
+                </a:stretch>
+              </a:blipFill>
+            </p:spPr>
+            <p:txBody>
+              <a:bodyPr/>
+              <a:lstStyle/>
+              <a:p>
+                <a:r>
+                  <a:rPr lang="en-US">
+                    <a:noFill/>
+                  </a:rPr>
+                  <a:t> </a:t>
+                </a:r>
+              </a:p>
+            </p:txBody>
+          </p:sp>
+        </mc:Fallback>
+      </mc:AlternateContent>
+      <p:cxnSp>
+        <p:nvCxnSpPr>
+          <p:cNvPr id="77" name="Straight Arrow Connector 76">
+            <a:extLst>
+              <a:ext uri="{FF2B5EF4-FFF2-40B4-BE49-F238E27FC236}">
+                <a16:creationId xmlns:a16="http://schemas.microsoft.com/office/drawing/2014/main" id="{E71BA37A-2AC8-981C-8CE5-93545DC7757E}"/>
+              </a:ext>
+            </a:extLst>
+          </p:cNvPr>
+          <p:cNvCxnSpPr>
+            <a:stCxn id="71" idx="0"/>
+            <a:endCxn id="52" idx="2"/>
+          </p:cNvCxnSpPr>
+          <p:nvPr/>
+        </p:nvCxnSpPr>
+        <p:spPr>
+          <a:xfrm flipV="1">
+            <a:off x="3998832" y="4218163"/>
+            <a:ext cx="0" cy="314326"/>
+          </a:xfrm>
+          <a:prstGeom prst="straightConnector1">
+            <a:avLst/>
+          </a:prstGeom>
+          <a:ln w="38100">
+            <a:solidFill>
+              <a:srgbClr val="FF0000"/>
+            </a:solidFill>
+            <a:tailEnd type="triangle"/>
+          </a:ln>
+        </p:spPr>
+        <p:style>
+          <a:lnRef idx="1">
+            <a:schemeClr val="accent1"/>
+          </a:lnRef>
+          <a:fillRef idx="0">
+            <a:schemeClr val="accent1"/>
+          </a:fillRef>
+          <a:effectRef idx="0">
+            <a:schemeClr val="accent1"/>
+          </a:effectRef>
+          <a:fontRef idx="minor">
+            <a:schemeClr val="tx1"/>
+          </a:fontRef>
+        </p:style>
+      </p:cxnSp>
+      <p:cxnSp>
+        <p:nvCxnSpPr>
+          <p:cNvPr id="78" name="Straight Arrow Connector 77">
+            <a:extLst>
+              <a:ext uri="{FF2B5EF4-FFF2-40B4-BE49-F238E27FC236}">
+                <a16:creationId xmlns:a16="http://schemas.microsoft.com/office/drawing/2014/main" id="{849DDBED-2E6F-A561-E53E-C21AAD6EFBD3}"/>
+              </a:ext>
+            </a:extLst>
+          </p:cNvPr>
+          <p:cNvCxnSpPr>
+            <a:cxnSpLocks/>
+            <a:stCxn id="72" idx="0"/>
+            <a:endCxn id="54" idx="2"/>
+          </p:cNvCxnSpPr>
+          <p:nvPr/>
+        </p:nvCxnSpPr>
+        <p:spPr>
+          <a:xfrm flipV="1">
+            <a:off x="6279992" y="4218163"/>
+            <a:ext cx="1" cy="314326"/>
+          </a:xfrm>
+          <a:prstGeom prst="straightConnector1">
+            <a:avLst/>
+          </a:prstGeom>
+          <a:ln w="38100">
+            <a:solidFill>
+              <a:srgbClr val="FF0000"/>
+            </a:solidFill>
+            <a:tailEnd type="triangle"/>
+          </a:ln>
+        </p:spPr>
+        <p:style>
+          <a:lnRef idx="1">
+            <a:schemeClr val="accent1"/>
+          </a:lnRef>
+          <a:fillRef idx="0">
+            <a:schemeClr val="accent1"/>
+          </a:fillRef>
+          <a:effectRef idx="0">
+            <a:schemeClr val="accent1"/>
+          </a:effectRef>
+          <a:fontRef idx="minor">
+            <a:schemeClr val="tx1"/>
+          </a:fontRef>
+        </p:style>
+      </p:cxnSp>
+      <p:cxnSp>
+        <p:nvCxnSpPr>
+          <p:cNvPr id="81" name="Straight Arrow Connector 80">
+            <a:extLst>
+              <a:ext uri="{FF2B5EF4-FFF2-40B4-BE49-F238E27FC236}">
+                <a16:creationId xmlns:a16="http://schemas.microsoft.com/office/drawing/2014/main" id="{294A8286-37B5-B1EB-233B-B584F23F6D0B}"/>
+              </a:ext>
+            </a:extLst>
+          </p:cNvPr>
+          <p:cNvCxnSpPr>
+            <a:cxnSpLocks/>
+            <a:stCxn id="74" idx="0"/>
+            <a:endCxn id="55" idx="2"/>
+          </p:cNvCxnSpPr>
+          <p:nvPr/>
+        </p:nvCxnSpPr>
+        <p:spPr>
+          <a:xfrm flipV="1">
+            <a:off x="8561154" y="4218163"/>
+            <a:ext cx="0" cy="314326"/>
+          </a:xfrm>
+          <a:prstGeom prst="straightConnector1">
+            <a:avLst/>
+          </a:prstGeom>
+          <a:ln w="38100">
+            <a:solidFill>
+              <a:srgbClr val="FF0000"/>
+            </a:solidFill>
+            <a:tailEnd type="triangle"/>
+          </a:ln>
+        </p:spPr>
+        <p:style>
+          <a:lnRef idx="1">
+            <a:schemeClr val="accent1"/>
+          </a:lnRef>
+          <a:fillRef idx="0">
+            <a:schemeClr val="accent1"/>
+          </a:fillRef>
+          <a:effectRef idx="0">
+            <a:schemeClr val="accent1"/>
+          </a:effectRef>
+          <a:fontRef idx="minor">
+            <a:schemeClr val="tx1"/>
+          </a:fontRef>
+        </p:style>
+      </p:cxnSp>
+      <p:cxnSp>
+        <p:nvCxnSpPr>
+          <p:cNvPr id="84" name="Straight Arrow Connector 83">
+            <a:extLst>
+              <a:ext uri="{FF2B5EF4-FFF2-40B4-BE49-F238E27FC236}">
+                <a16:creationId xmlns:a16="http://schemas.microsoft.com/office/drawing/2014/main" id="{C86D0033-A122-6A06-8448-66BF1983C0B7}"/>
+              </a:ext>
+            </a:extLst>
+          </p:cNvPr>
+          <p:cNvCxnSpPr>
+            <a:cxnSpLocks/>
+            <a:stCxn id="75" idx="0"/>
+            <a:endCxn id="51" idx="2"/>
+          </p:cNvCxnSpPr>
+          <p:nvPr/>
+        </p:nvCxnSpPr>
+        <p:spPr>
+          <a:xfrm flipV="1">
+            <a:off x="10842315" y="4215053"/>
+            <a:ext cx="1699" cy="317436"/>
+          </a:xfrm>
+          <a:prstGeom prst="straightConnector1">
+            <a:avLst/>
+          </a:prstGeom>
+          <a:ln w="38100">
+            <a:solidFill>
+              <a:srgbClr val="FF0000"/>
+            </a:solidFill>
+            <a:tailEnd type="triangle"/>
+          </a:ln>
+        </p:spPr>
+        <p:style>
+          <a:lnRef idx="1">
+            <a:schemeClr val="accent1"/>
+          </a:lnRef>
+          <a:fillRef idx="0">
+            <a:schemeClr val="accent1"/>
+          </a:fillRef>
+          <a:effectRef idx="0">
+            <a:schemeClr val="accent1"/>
+          </a:effectRef>
+          <a:fontRef idx="minor">
+            <a:schemeClr val="tx1"/>
+          </a:fontRef>
+        </p:style>
+      </p:cxnSp>
+    </p:spTree>
+    <p:extLst>
+      <p:ext uri="{BB962C8B-B14F-4D97-AF65-F5344CB8AC3E}">
+        <p14:creationId xmlns:p14="http://schemas.microsoft.com/office/powerpoint/2010/main" val="3388694015"/>
+      </p:ext>
+    </p:extLst>
+  </p:cSld>
+  <p:clrMapOvr>
+    <a:masterClrMapping/>
+  </p:clrMapOvr>
+  <p:timing>
+    <p:tnLst>
+      <p:par>
+        <p:cTn id="1" dur="indefinite" restart="never" nodeType="tmRoot">
+          <p:childTnLst>
+            <p:seq concurrent="1" nextAc="seek">
+              <p:cTn id="2" dur="indefinite" nodeType="mainSeq">
+                <p:childTnLst>
+                  <p:par>
+                    <p:cTn id="3" fill="hold">
+                      <p:stCondLst>
+                        <p:cond delay="indefinite"/>
+                      </p:stCondLst>
+                      <p:childTnLst>
+                        <p:par>
+                          <p:cTn id="4" fill="hold">
+                            <p:stCondLst>
+                              <p:cond delay="0"/>
+                            </p:stCondLst>
+                            <p:childTnLst>
+                              <p:par>
+                                <p:cTn id="5" presetID="10" presetClass="entr" presetSubtype="0" fill="hold" nodeType="clickEffect">
+                                  <p:stCondLst>
+                                    <p:cond delay="0"/>
+                                  </p:stCondLst>
+                                  <p:childTnLst>
+                                    <p:set>
+                                      <p:cBhvr>
+                                        <p:cTn id="6" dur="1" fill="hold">
+                                          <p:stCondLst>
+                                            <p:cond delay="0"/>
+                                          </p:stCondLst>
+                                        </p:cTn>
+                                        <p:tgtEl>
+                                          <p:spTgt spid="56"/>
+                                        </p:tgtEl>
+                                        <p:attrNameLst>
+                                          <p:attrName>style.visibility</p:attrName>
+                                        </p:attrNameLst>
+                                      </p:cBhvr>
+                                      <p:to>
+                                        <p:strVal val="visible"/>
+                                      </p:to>
+                                    </p:set>
+                                    <p:animEffect transition="in" filter="fade">
+                                      <p:cBhvr>
+                                        <p:cTn id="7" dur="500"/>
+                                        <p:tgtEl>
+                                          <p:spTgt spid="56"/>
+                                        </p:tgtEl>
+                                      </p:cBhvr>
+                                    </p:animEffect>
+                                  </p:childTnLst>
+                                </p:cTn>
+                              </p:par>
+                              <p:par>
+                                <p:cTn id="8" presetID="1" presetClass="entr" presetSubtype="0" fill="hold" grpId="0" nodeType="withEffect">
+                                  <p:stCondLst>
+                                    <p:cond delay="0"/>
+                                  </p:stCondLst>
+                                  <p:childTnLst>
+                                    <p:set>
+                                      <p:cBhvr>
+                                        <p:cTn id="9" dur="1" fill="hold">
+                                          <p:stCondLst>
+                                            <p:cond delay="0"/>
+                                          </p:stCondLst>
+                                        </p:cTn>
+                                        <p:tgtEl>
+                                          <p:spTgt spid="67"/>
+                                        </p:tgtEl>
+                                        <p:attrNameLst>
+                                          <p:attrName>style.visibility</p:attrName>
+                                        </p:attrNameLst>
+                                      </p:cBhvr>
+                                      <p:to>
+                                        <p:strVal val="visible"/>
+                                      </p:to>
+                                    </p:set>
+                                  </p:childTnLst>
+                                </p:cTn>
+                              </p:par>
+                            </p:childTnLst>
+                          </p:cTn>
+                        </p:par>
+                      </p:childTnLst>
+                    </p:cTn>
+                  </p:par>
+                  <p:par>
+                    <p:cTn id="10" fill="hold">
+                      <p:stCondLst>
+                        <p:cond delay="indefinite"/>
+                      </p:stCondLst>
+                      <p:childTnLst>
+                        <p:par>
+                          <p:cTn id="11" fill="hold">
+                            <p:stCondLst>
+                              <p:cond delay="0"/>
+                            </p:stCondLst>
+                            <p:childTnLst>
+                              <p:par>
+                                <p:cTn id="12" presetID="10" presetClass="entr" presetSubtype="0" fill="hold" nodeType="clickEffect">
+                                  <p:stCondLst>
+                                    <p:cond delay="0"/>
+                                  </p:stCondLst>
+                                  <p:childTnLst>
+                                    <p:set>
+                                      <p:cBhvr>
+                                        <p:cTn id="13" dur="1" fill="hold">
+                                          <p:stCondLst>
+                                            <p:cond delay="0"/>
+                                          </p:stCondLst>
+                                        </p:cTn>
+                                        <p:tgtEl>
+                                          <p:spTgt spid="58"/>
+                                        </p:tgtEl>
+                                        <p:attrNameLst>
+                                          <p:attrName>style.visibility</p:attrName>
+                                        </p:attrNameLst>
+                                      </p:cBhvr>
+                                      <p:to>
+                                        <p:strVal val="visible"/>
+                                      </p:to>
+                                    </p:set>
+                                    <p:animEffect transition="in" filter="fade">
+                                      <p:cBhvr>
+                                        <p:cTn id="14" dur="500"/>
+                                        <p:tgtEl>
+                                          <p:spTgt spid="58"/>
+                                        </p:tgtEl>
+                                      </p:cBhvr>
+                                    </p:animEffect>
+                                  </p:childTnLst>
+                                </p:cTn>
+                              </p:par>
+                              <p:par>
+                                <p:cTn id="15" presetID="1" presetClass="entr" presetSubtype="0" fill="hold" grpId="0" nodeType="withEffect">
+                                  <p:stCondLst>
+                                    <p:cond delay="0"/>
+                                  </p:stCondLst>
+                                  <p:childTnLst>
+                                    <p:set>
+                                      <p:cBhvr>
+                                        <p:cTn id="16" dur="1" fill="hold">
+                                          <p:stCondLst>
+                                            <p:cond delay="0"/>
+                                          </p:stCondLst>
+                                        </p:cTn>
+                                        <p:tgtEl>
+                                          <p:spTgt spid="70"/>
+                                        </p:tgtEl>
+                                        <p:attrNameLst>
+                                          <p:attrName>style.visibility</p:attrName>
+                                        </p:attrNameLst>
+                                      </p:cBhvr>
+                                      <p:to>
+                                        <p:strVal val="visible"/>
+                                      </p:to>
+                                    </p:set>
+                                  </p:childTnLst>
+                                </p:cTn>
+                              </p:par>
+                            </p:childTnLst>
+                          </p:cTn>
+                        </p:par>
+                      </p:childTnLst>
+                    </p:cTn>
+                  </p:par>
+                  <p:par>
+                    <p:cTn id="17" fill="hold">
+                      <p:stCondLst>
+                        <p:cond delay="indefinite"/>
+                      </p:stCondLst>
+                      <p:childTnLst>
+                        <p:par>
+                          <p:cTn id="18" fill="hold">
+                            <p:stCondLst>
+                              <p:cond delay="0"/>
+                            </p:stCondLst>
+                            <p:childTnLst>
+                              <p:par>
+                                <p:cTn id="19" presetID="10" presetClass="entr" presetSubtype="0" fill="hold" nodeType="clickEffect">
+                                  <p:stCondLst>
+                                    <p:cond delay="0"/>
+                                  </p:stCondLst>
+                                  <p:childTnLst>
+                                    <p:set>
+                                      <p:cBhvr>
+                                        <p:cTn id="20" dur="1" fill="hold">
+                                          <p:stCondLst>
+                                            <p:cond delay="0"/>
+                                          </p:stCondLst>
+                                        </p:cTn>
+                                        <p:tgtEl>
+                                          <p:spTgt spid="59"/>
+                                        </p:tgtEl>
+                                        <p:attrNameLst>
+                                          <p:attrName>style.visibility</p:attrName>
+                                        </p:attrNameLst>
+                                      </p:cBhvr>
+                                      <p:to>
+                                        <p:strVal val="visible"/>
+                                      </p:to>
+                                    </p:set>
+                                    <p:animEffect transition="in" filter="fade">
+                                      <p:cBhvr>
+                                        <p:cTn id="21" dur="500"/>
+                                        <p:tgtEl>
+                                          <p:spTgt spid="59"/>
+                                        </p:tgtEl>
+                                      </p:cBhvr>
+                                    </p:animEffect>
+                                  </p:childTnLst>
+                                </p:cTn>
+                              </p:par>
+                              <p:par>
+                                <p:cTn id="22" presetID="1" presetClass="entr" presetSubtype="0" fill="hold" grpId="0" nodeType="withEffect">
+                                  <p:stCondLst>
+                                    <p:cond delay="0"/>
+                                  </p:stCondLst>
+                                  <p:childTnLst>
+                                    <p:set>
+                                      <p:cBhvr>
+                                        <p:cTn id="23" dur="1" fill="hold">
+                                          <p:stCondLst>
+                                            <p:cond delay="0"/>
+                                          </p:stCondLst>
+                                        </p:cTn>
+                                        <p:tgtEl>
+                                          <p:spTgt spid="69"/>
+                                        </p:tgtEl>
+                                        <p:attrNameLst>
+                                          <p:attrName>style.visibility</p:attrName>
+                                        </p:attrNameLst>
+                                      </p:cBhvr>
+                                      <p:to>
+                                        <p:strVal val="visible"/>
+                                      </p:to>
+                                    </p:set>
+                                  </p:childTnLst>
+                                </p:cTn>
+                              </p:par>
+                            </p:childTnLst>
+                          </p:cTn>
+                        </p:par>
+                      </p:childTnLst>
+                    </p:cTn>
+                  </p:par>
+                  <p:par>
+                    <p:cTn id="24" fill="hold">
+                      <p:stCondLst>
+                        <p:cond delay="indefinite"/>
+                      </p:stCondLst>
+                      <p:childTnLst>
+                        <p:par>
+                          <p:cTn id="25" fill="hold">
+                            <p:stCondLst>
+                              <p:cond delay="0"/>
+                            </p:stCondLst>
+                            <p:childTnLst>
+                              <p:par>
+                                <p:cTn id="26" presetID="10" presetClass="entr" presetSubtype="0" fill="hold" nodeType="clickEffect">
+                                  <p:stCondLst>
+                                    <p:cond delay="0"/>
+                                  </p:stCondLst>
+                                  <p:childTnLst>
+                                    <p:set>
+                                      <p:cBhvr>
+                                        <p:cTn id="27" dur="1" fill="hold">
+                                          <p:stCondLst>
+                                            <p:cond delay="0"/>
+                                          </p:stCondLst>
+                                        </p:cTn>
+                                        <p:tgtEl>
+                                          <p:spTgt spid="60"/>
+                                        </p:tgtEl>
+                                        <p:attrNameLst>
+                                          <p:attrName>style.visibility</p:attrName>
+                                        </p:attrNameLst>
+                                      </p:cBhvr>
+                                      <p:to>
+                                        <p:strVal val="visible"/>
+                                      </p:to>
+                                    </p:set>
+                                    <p:animEffect transition="in" filter="fade">
+                                      <p:cBhvr>
+                                        <p:cTn id="28" dur="500"/>
+                                        <p:tgtEl>
+                                          <p:spTgt spid="60"/>
+                                        </p:tgtEl>
+                                      </p:cBhvr>
+                                    </p:animEffect>
+                                  </p:childTnLst>
+                                </p:cTn>
+                              </p:par>
+                              <p:par>
+                                <p:cTn id="29" presetID="1" presetClass="entr" presetSubtype="0" fill="hold" grpId="0" nodeType="withEffect">
+                                  <p:stCondLst>
+                                    <p:cond delay="0"/>
+                                  </p:stCondLst>
+                                  <p:childTnLst>
+                                    <p:set>
+                                      <p:cBhvr>
+                                        <p:cTn id="30" dur="1" fill="hold">
+                                          <p:stCondLst>
+                                            <p:cond delay="0"/>
+                                          </p:stCondLst>
+                                        </p:cTn>
+                                        <p:tgtEl>
+                                          <p:spTgt spid="68"/>
+                                        </p:tgtEl>
+                                        <p:attrNameLst>
+                                          <p:attrName>style.visibility</p:attrName>
+                                        </p:attrNameLst>
+                                      </p:cBhvr>
+                                      <p:to>
+                                        <p:strVal val="visible"/>
+                                      </p:to>
+                                    </p:set>
+                                  </p:childTnLst>
+                                </p:cTn>
+                              </p:par>
+                            </p:childTnLst>
+                          </p:cTn>
+                        </p:par>
+                      </p:childTnLst>
+                    </p:cTn>
+                  </p:par>
+                  <p:par>
+                    <p:cTn id="31" fill="hold">
+                      <p:stCondLst>
+                        <p:cond delay="indefinite"/>
+                      </p:stCondLst>
+                      <p:childTnLst>
+                        <p:par>
+                          <p:cTn id="32" fill="hold">
+                            <p:stCondLst>
+                              <p:cond delay="0"/>
+                            </p:stCondLst>
+                            <p:childTnLst>
+                              <p:par>
+                                <p:cTn id="33" presetID="10" presetClass="entr" presetSubtype="0" fill="hold" grpId="0" nodeType="clickEffect">
+                                  <p:stCondLst>
+                                    <p:cond delay="0"/>
+                                  </p:stCondLst>
+                                  <p:childTnLst>
+                                    <p:set>
+                                      <p:cBhvr>
+                                        <p:cTn id="34" dur="1" fill="hold">
+                                          <p:stCondLst>
+                                            <p:cond delay="0"/>
+                                          </p:stCondLst>
+                                        </p:cTn>
+                                        <p:tgtEl>
+                                          <p:spTgt spid="71"/>
+                                        </p:tgtEl>
+                                        <p:attrNameLst>
+                                          <p:attrName>style.visibility</p:attrName>
+                                        </p:attrNameLst>
+                                      </p:cBhvr>
+                                      <p:to>
+                                        <p:strVal val="visible"/>
+                                      </p:to>
+                                    </p:set>
+                                    <p:animEffect transition="in" filter="fade">
+                                      <p:cBhvr>
+                                        <p:cTn id="35" dur="500"/>
+                                        <p:tgtEl>
+                                          <p:spTgt spid="71"/>
+                                        </p:tgtEl>
+                                      </p:cBhvr>
+                                    </p:animEffect>
+                                  </p:childTnLst>
+                                </p:cTn>
+                              </p:par>
+                              <p:par>
+                                <p:cTn id="36" presetID="10" presetClass="entr" presetSubtype="0" fill="hold" nodeType="withEffect">
+                                  <p:stCondLst>
+                                    <p:cond delay="0"/>
+                                  </p:stCondLst>
+                                  <p:childTnLst>
+                                    <p:set>
+                                      <p:cBhvr>
+                                        <p:cTn id="37" dur="1" fill="hold">
+                                          <p:stCondLst>
+                                            <p:cond delay="0"/>
+                                          </p:stCondLst>
+                                        </p:cTn>
+                                        <p:tgtEl>
+                                          <p:spTgt spid="77"/>
+                                        </p:tgtEl>
+                                        <p:attrNameLst>
+                                          <p:attrName>style.visibility</p:attrName>
+                                        </p:attrNameLst>
+                                      </p:cBhvr>
+                                      <p:to>
+                                        <p:strVal val="visible"/>
+                                      </p:to>
+                                    </p:set>
+                                    <p:animEffect transition="in" filter="fade">
+                                      <p:cBhvr>
+                                        <p:cTn id="38" dur="500"/>
+                                        <p:tgtEl>
+                                          <p:spTgt spid="77"/>
+                                        </p:tgtEl>
+                                      </p:cBhvr>
+                                    </p:animEffect>
+                                  </p:childTnLst>
+                                </p:cTn>
+                              </p:par>
+                            </p:childTnLst>
+                          </p:cTn>
+                        </p:par>
+                      </p:childTnLst>
+                    </p:cTn>
+                  </p:par>
+                  <p:par>
+                    <p:cTn id="39" fill="hold">
+                      <p:stCondLst>
+                        <p:cond delay="indefinite"/>
+                      </p:stCondLst>
+                      <p:childTnLst>
+                        <p:par>
+                          <p:cTn id="40" fill="hold">
+                            <p:stCondLst>
+                              <p:cond delay="0"/>
+                            </p:stCondLst>
+                            <p:childTnLst>
+                              <p:par>
+                                <p:cTn id="41" presetID="10" presetClass="entr" presetSubtype="0" fill="hold" grpId="0" nodeType="clickEffect">
+                                  <p:stCondLst>
+                                    <p:cond delay="0"/>
+                                  </p:stCondLst>
+                                  <p:childTnLst>
+                                    <p:set>
+                                      <p:cBhvr>
+                                        <p:cTn id="42" dur="1" fill="hold">
+                                          <p:stCondLst>
+                                            <p:cond delay="0"/>
+                                          </p:stCondLst>
+                                        </p:cTn>
+                                        <p:tgtEl>
+                                          <p:spTgt spid="72"/>
+                                        </p:tgtEl>
+                                        <p:attrNameLst>
+                                          <p:attrName>style.visibility</p:attrName>
+                                        </p:attrNameLst>
+                                      </p:cBhvr>
+                                      <p:to>
+                                        <p:strVal val="visible"/>
+                                      </p:to>
+                                    </p:set>
+                                    <p:animEffect transition="in" filter="fade">
+                                      <p:cBhvr>
+                                        <p:cTn id="43" dur="500"/>
+                                        <p:tgtEl>
+                                          <p:spTgt spid="72"/>
+                                        </p:tgtEl>
+                                      </p:cBhvr>
+                                    </p:animEffect>
+                                  </p:childTnLst>
+                                </p:cTn>
+                              </p:par>
+                              <p:par>
+                                <p:cTn id="44" presetID="10" presetClass="entr" presetSubtype="0" fill="hold" nodeType="withEffect">
+                                  <p:stCondLst>
+                                    <p:cond delay="0"/>
+                                  </p:stCondLst>
+                                  <p:childTnLst>
+                                    <p:set>
+                                      <p:cBhvr>
+                                        <p:cTn id="45" dur="1" fill="hold">
+                                          <p:stCondLst>
+                                            <p:cond delay="0"/>
+                                          </p:stCondLst>
+                                        </p:cTn>
+                                        <p:tgtEl>
+                                          <p:spTgt spid="78"/>
+                                        </p:tgtEl>
+                                        <p:attrNameLst>
+                                          <p:attrName>style.visibility</p:attrName>
+                                        </p:attrNameLst>
+                                      </p:cBhvr>
+                                      <p:to>
+                                        <p:strVal val="visible"/>
+                                      </p:to>
+                                    </p:set>
+                                    <p:animEffect transition="in" filter="fade">
+                                      <p:cBhvr>
+                                        <p:cTn id="46" dur="500"/>
+                                        <p:tgtEl>
+                                          <p:spTgt spid="78"/>
+                                        </p:tgtEl>
+                                      </p:cBhvr>
+                                    </p:animEffect>
+                                  </p:childTnLst>
+                                </p:cTn>
+                              </p:par>
+                            </p:childTnLst>
+                          </p:cTn>
+                        </p:par>
+                      </p:childTnLst>
+                    </p:cTn>
+                  </p:par>
+                  <p:par>
+                    <p:cTn id="47" fill="hold">
+                      <p:stCondLst>
+                        <p:cond delay="indefinite"/>
+                      </p:stCondLst>
+                      <p:childTnLst>
+                        <p:par>
+                          <p:cTn id="48" fill="hold">
+                            <p:stCondLst>
+                              <p:cond delay="0"/>
+                            </p:stCondLst>
+                            <p:childTnLst>
+                              <p:par>
+                                <p:cTn id="49" presetID="10" presetClass="entr" presetSubtype="0" fill="hold" grpId="0" nodeType="clickEffect">
+                                  <p:stCondLst>
+                                    <p:cond delay="0"/>
+                                  </p:stCondLst>
+                                  <p:childTnLst>
+                                    <p:set>
+                                      <p:cBhvr>
+                                        <p:cTn id="50" dur="1" fill="hold">
+                                          <p:stCondLst>
+                                            <p:cond delay="0"/>
+                                          </p:stCondLst>
+                                        </p:cTn>
+                                        <p:tgtEl>
+                                          <p:spTgt spid="74"/>
+                                        </p:tgtEl>
+                                        <p:attrNameLst>
+                                          <p:attrName>style.visibility</p:attrName>
+                                        </p:attrNameLst>
+                                      </p:cBhvr>
+                                      <p:to>
+                                        <p:strVal val="visible"/>
+                                      </p:to>
+                                    </p:set>
+                                    <p:animEffect transition="in" filter="fade">
+                                      <p:cBhvr>
+                                        <p:cTn id="51" dur="500"/>
+                                        <p:tgtEl>
+                                          <p:spTgt spid="74"/>
+                                        </p:tgtEl>
+                                      </p:cBhvr>
+                                    </p:animEffect>
+                                  </p:childTnLst>
+                                </p:cTn>
+                              </p:par>
+                              <p:par>
+                                <p:cTn id="52" presetID="10" presetClass="entr" presetSubtype="0" fill="hold" nodeType="withEffect">
+                                  <p:stCondLst>
+                                    <p:cond delay="0"/>
+                                  </p:stCondLst>
+                                  <p:childTnLst>
+                                    <p:set>
+                                      <p:cBhvr>
+                                        <p:cTn id="53" dur="1" fill="hold">
+                                          <p:stCondLst>
+                                            <p:cond delay="0"/>
+                                          </p:stCondLst>
+                                        </p:cTn>
+                                        <p:tgtEl>
+                                          <p:spTgt spid="81"/>
+                                        </p:tgtEl>
+                                        <p:attrNameLst>
+                                          <p:attrName>style.visibility</p:attrName>
+                                        </p:attrNameLst>
+                                      </p:cBhvr>
+                                      <p:to>
+                                        <p:strVal val="visible"/>
+                                      </p:to>
+                                    </p:set>
+                                    <p:animEffect transition="in" filter="fade">
+                                      <p:cBhvr>
+                                        <p:cTn id="54" dur="500"/>
+                                        <p:tgtEl>
+                                          <p:spTgt spid="81"/>
+                                        </p:tgtEl>
+                                      </p:cBhvr>
+                                    </p:animEffect>
+                                  </p:childTnLst>
+                                </p:cTn>
+                              </p:par>
+                            </p:childTnLst>
+                          </p:cTn>
+                        </p:par>
+                      </p:childTnLst>
+                    </p:cTn>
+                  </p:par>
+                  <p:par>
+                    <p:cTn id="55" fill="hold">
+                      <p:stCondLst>
+                        <p:cond delay="indefinite"/>
+                      </p:stCondLst>
+                      <p:childTnLst>
+                        <p:par>
+                          <p:cTn id="56" fill="hold">
+                            <p:stCondLst>
+                              <p:cond delay="0"/>
+                            </p:stCondLst>
+                            <p:childTnLst>
+                              <p:par>
+                                <p:cTn id="57" presetID="10" presetClass="entr" presetSubtype="0" fill="hold" grpId="0" nodeType="clickEffect">
+                                  <p:stCondLst>
+                                    <p:cond delay="0"/>
+                                  </p:stCondLst>
+                                  <p:childTnLst>
+                                    <p:set>
+                                      <p:cBhvr>
+                                        <p:cTn id="58" dur="1" fill="hold">
+                                          <p:stCondLst>
+                                            <p:cond delay="0"/>
+                                          </p:stCondLst>
+                                        </p:cTn>
+                                        <p:tgtEl>
+                                          <p:spTgt spid="75"/>
+                                        </p:tgtEl>
+                                        <p:attrNameLst>
+                                          <p:attrName>style.visibility</p:attrName>
+                                        </p:attrNameLst>
+                                      </p:cBhvr>
+                                      <p:to>
+                                        <p:strVal val="visible"/>
+                                      </p:to>
+                                    </p:set>
+                                    <p:animEffect transition="in" filter="fade">
+                                      <p:cBhvr>
+                                        <p:cTn id="59" dur="500"/>
+                                        <p:tgtEl>
+                                          <p:spTgt spid="75"/>
+                                        </p:tgtEl>
+                                      </p:cBhvr>
+                                    </p:animEffect>
+                                  </p:childTnLst>
+                                </p:cTn>
+                              </p:par>
+                              <p:par>
+                                <p:cTn id="60" presetID="10" presetClass="entr" presetSubtype="0" fill="hold" nodeType="withEffect">
+                                  <p:stCondLst>
+                                    <p:cond delay="0"/>
+                                  </p:stCondLst>
+                                  <p:childTnLst>
+                                    <p:set>
+                                      <p:cBhvr>
+                                        <p:cTn id="61" dur="1" fill="hold">
+                                          <p:stCondLst>
+                                            <p:cond delay="0"/>
+                                          </p:stCondLst>
+                                        </p:cTn>
+                                        <p:tgtEl>
+                                          <p:spTgt spid="84"/>
+                                        </p:tgtEl>
+                                        <p:attrNameLst>
+                                          <p:attrName>style.visibility</p:attrName>
+                                        </p:attrNameLst>
+                                      </p:cBhvr>
+                                      <p:to>
+                                        <p:strVal val="visible"/>
+                                      </p:to>
+                                    </p:set>
+                                    <p:animEffect transition="in" filter="fade">
+                                      <p:cBhvr>
+                                        <p:cTn id="62" dur="500"/>
+                                        <p:tgtEl>
+                                          <p:spTgt spid="84"/>
+                                        </p:tgtEl>
+                                      </p:cBhvr>
+                                    </p:animEffect>
+                                  </p:childTnLst>
+                                </p:cTn>
+                              </p:par>
+                            </p:childTnLst>
+                          </p:cTn>
+                        </p:par>
+                      </p:childTnLst>
+                    </p:cTn>
+                  </p:par>
+                </p:childTnLst>
+              </p:cTn>
+              <p:prevCondLst>
+                <p:cond evt="onPrev" delay="0">
+                  <p:tgtEl>
+                    <p:sldTgt/>
+                  </p:tgtEl>
+                </p:cond>
+              </p:prevCondLst>
+              <p:nextCondLst>
+                <p:cond evt="onNext" delay="0">
+                  <p:tgtEl>
+                    <p:sldTgt/>
+                  </p:tgtEl>
+                </p:cond>
+              </p:nextCondLst>
+            </p:seq>
+          </p:childTnLst>
+        </p:cTn>
+      </p:par>
+    </p:tnLst>
+    <p:bldLst>
+      <p:bldP spid="67" grpId="0" animBg="1"/>
+      <p:bldP spid="68" grpId="0" animBg="1"/>
+      <p:bldP spid="69" grpId="0" animBg="1"/>
+      <p:bldP spid="70" grpId="0" animBg="1"/>
+      <p:bldP spid="71" grpId="0" animBg="1"/>
+      <p:bldP spid="72" grpId="0" animBg="1"/>
+      <p:bldP spid="74" grpId="0" animBg="1"/>
+      <p:bldP spid="75" grpId="0" animBg="1"/>
+    </p:bldLst>
+  </p:timing>
+</p:sld>
+</file>
+
 <file path=ppt/theme/theme1.xml><?xml version="1.0" encoding="utf-8"?>
 <a:theme xmlns:a="http://schemas.openxmlformats.org/drawingml/2006/main" name="Office Theme">
   <a:themeElements>

--- a/TeachingNetwoks.pptx
+++ b/TeachingNetwoks.pptx
@@ -5,13 +5,14 @@
     <p:sldMasterId id="2147483648" r:id="rId1"/>
   </p:sldMasterIdLst>
   <p:notesMasterIdLst>
-    <p:notesMasterId r:id="rId6"/>
+    <p:notesMasterId r:id="rId7"/>
   </p:notesMasterIdLst>
   <p:sldIdLst>
     <p:sldId id="256" r:id="rId2"/>
     <p:sldId id="329" r:id="rId3"/>
     <p:sldId id="319" r:id="rId4"/>
     <p:sldId id="320" r:id="rId5"/>
+    <p:sldId id="321" r:id="rId6"/>
   </p:sldIdLst>
   <p:sldSz cx="12192000" cy="6858000"/>
   <p:notesSz cx="6858000" cy="9144000"/>
@@ -123,6 +124,7 @@
             <p14:sldId id="329"/>
             <p14:sldId id="319"/>
             <p14:sldId id="320"/>
+            <p14:sldId id="321"/>
           </p14:sldIdLst>
         </p14:section>
       </p14:sectionLst>
@@ -732,6 +734,93 @@
     <p:extLst>
       <p:ext uri="{BB962C8B-B14F-4D97-AF65-F5344CB8AC3E}">
         <p14:creationId xmlns:p14="http://schemas.microsoft.com/office/powerpoint/2010/main" val="2313631205"/>
+      </p:ext>
+    </p:extLst>
+  </p:cSld>
+  <p:clrMapOvr>
+    <a:masterClrMapping/>
+  </p:clrMapOvr>
+</p:notes>
+</file>
+
+<file path=ppt/notesSlides/notesSlide4.xml><?xml version="1.0" encoding="utf-8"?>
+<p:notes xmlns:a="http://schemas.openxmlformats.org/drawingml/2006/main" xmlns:r="http://schemas.openxmlformats.org/officeDocument/2006/relationships" xmlns:p="http://schemas.openxmlformats.org/presentationml/2006/main">
+  <p:cSld>
+    <p:spTree>
+      <p:nvGrpSpPr>
+        <p:cNvPr id="1" name=""/>
+        <p:cNvGrpSpPr/>
+        <p:nvPr/>
+      </p:nvGrpSpPr>
+      <p:grpSpPr>
+        <a:xfrm>
+          <a:off x="0" y="0"/>
+          <a:ext cx="0" cy="0"/>
+          <a:chOff x="0" y="0"/>
+          <a:chExt cx="0" cy="0"/>
+        </a:xfrm>
+      </p:grpSpPr>
+      <p:sp>
+        <p:nvSpPr>
+          <p:cNvPr id="2" name="Slide Image Placeholder 1"/>
+          <p:cNvSpPr>
+            <a:spLocks noGrp="1" noRot="1" noChangeAspect="1"/>
+          </p:cNvSpPr>
+          <p:nvPr>
+            <p:ph type="sldImg"/>
+          </p:nvPr>
+        </p:nvSpPr>
+        <p:spPr/>
+      </p:sp>
+      <p:sp>
+        <p:nvSpPr>
+          <p:cNvPr id="3" name="Notes Placeholder 2"/>
+          <p:cNvSpPr>
+            <a:spLocks noGrp="1"/>
+          </p:cNvSpPr>
+          <p:nvPr>
+            <p:ph type="body" idx="1"/>
+          </p:nvPr>
+        </p:nvSpPr>
+        <p:spPr/>
+        <p:txBody>
+          <a:bodyPr/>
+          <a:lstStyle/>
+          <a:p>
+            <a:r>
+              <a:rPr lang="en-US" dirty="0"/>
+              <a:t>Need to add complexity: linear transform twice is itself a linear transform</a:t>
+            </a:r>
+          </a:p>
+        </p:txBody>
+      </p:sp>
+      <p:sp>
+        <p:nvSpPr>
+          <p:cNvPr id="4" name="Slide Number Placeholder 3"/>
+          <p:cNvSpPr>
+            <a:spLocks noGrp="1"/>
+          </p:cNvSpPr>
+          <p:nvPr>
+            <p:ph type="sldNum" sz="quarter" idx="5"/>
+          </p:nvPr>
+        </p:nvSpPr>
+        <p:spPr/>
+        <p:txBody>
+          <a:bodyPr/>
+          <a:lstStyle/>
+          <a:p>
+            <a:fld id="{A1F3994E-D175-4376-8600-63A26808DC17}" type="slidenum">
+              <a:rPr lang="en-US" smtClean="0"/>
+              <a:t>5</a:t>
+            </a:fld>
+            <a:endParaRPr lang="en-US"/>
+          </a:p>
+        </p:txBody>
+      </p:sp>
+    </p:spTree>
+    <p:extLst>
+      <p:ext uri="{BB962C8B-B14F-4D97-AF65-F5344CB8AC3E}">
+        <p14:creationId xmlns:p14="http://schemas.microsoft.com/office/powerpoint/2010/main" val="73418319"/>
       </p:ext>
     </p:extLst>
   </p:cSld>
@@ -34684,6 +34773,3487 @@
 </p:sld>
 </file>
 
+<file path=ppt/slides/slide5.xml><?xml version="1.0" encoding="utf-8"?>
+<p:sld xmlns:a="http://schemas.openxmlformats.org/drawingml/2006/main" xmlns:r="http://schemas.openxmlformats.org/officeDocument/2006/relationships" xmlns:p="http://schemas.openxmlformats.org/presentationml/2006/main">
+  <p:cSld>
+    <p:spTree>
+      <p:nvGrpSpPr>
+        <p:cNvPr id="1" name=""/>
+        <p:cNvGrpSpPr/>
+        <p:nvPr/>
+      </p:nvGrpSpPr>
+      <p:grpSpPr>
+        <a:xfrm>
+          <a:off x="0" y="0"/>
+          <a:ext cx="0" cy="0"/>
+          <a:chOff x="0" y="0"/>
+          <a:chExt cx="0" cy="0"/>
+        </a:xfrm>
+      </p:grpSpPr>
+      <p:sp>
+        <p:nvSpPr>
+          <p:cNvPr id="2" name="Title 1">
+            <a:extLst>
+              <a:ext uri="{FF2B5EF4-FFF2-40B4-BE49-F238E27FC236}">
+                <a16:creationId xmlns:a16="http://schemas.microsoft.com/office/drawing/2014/main" id="{1D01E8D4-6E5D-3D0C-38C0-82F225028D39}"/>
+              </a:ext>
+            </a:extLst>
+          </p:cNvPr>
+          <p:cNvSpPr>
+            <a:spLocks noGrp="1"/>
+          </p:cNvSpPr>
+          <p:nvPr>
+            <p:ph type="title"/>
+          </p:nvPr>
+        </p:nvSpPr>
+        <p:spPr/>
+        <p:txBody>
+          <a:bodyPr/>
+          <a:lstStyle/>
+          <a:p>
+            <a:r>
+              <a:rPr lang="en-US" dirty="0"/>
+              <a:t>Mathematically: forward</a:t>
+            </a:r>
+          </a:p>
+        </p:txBody>
+      </p:sp>
+      <mc:AlternateContent xmlns:mc="http://schemas.openxmlformats.org/markup-compatibility/2006" xmlns:a14="http://schemas.microsoft.com/office/drawing/2010/main">
+        <mc:Choice Requires="a14">
+          <p:sp>
+            <p:nvSpPr>
+              <p:cNvPr id="50" name="TextBox 49">
+                <a:extLst>
+                  <a:ext uri="{FF2B5EF4-FFF2-40B4-BE49-F238E27FC236}">
+                    <a16:creationId xmlns:a16="http://schemas.microsoft.com/office/drawing/2014/main" id="{970C9D26-7A61-6F59-A315-A13E3DB94B14}"/>
+                  </a:ext>
+                </a:extLst>
+              </p:cNvPr>
+              <p:cNvSpPr txBox="1"/>
+              <p:nvPr/>
+            </p:nvSpPr>
+            <p:spPr>
+              <a:xfrm>
+                <a:off x="1533678" y="3845721"/>
+                <a:ext cx="367986" cy="369332"/>
+              </a:xfrm>
+              <a:prstGeom prst="rect">
+                <a:avLst/>
+              </a:prstGeom>
+            </p:spPr>
+            <p:style>
+              <a:lnRef idx="2">
+                <a:schemeClr val="dk1"/>
+              </a:lnRef>
+              <a:fillRef idx="1">
+                <a:schemeClr val="lt1"/>
+              </a:fillRef>
+              <a:effectRef idx="0">
+                <a:schemeClr val="dk1"/>
+              </a:effectRef>
+              <a:fontRef idx="minor">
+                <a:schemeClr val="dk1"/>
+              </a:fontRef>
+            </p:style>
+            <p:txBody>
+              <a:bodyPr wrap="none" rtlCol="0">
+                <a:spAutoFit/>
+              </a:bodyPr>
+              <a:lstStyle/>
+              <a:p>
+                <a:pPr/>
+                <a14:m>
+                  <m:oMathPara xmlns:m="http://schemas.openxmlformats.org/officeDocument/2006/math">
+                    <m:oMathParaPr>
+                      <m:jc m:val="centerGroup"/>
+                    </m:oMathParaPr>
+                    <m:oMath xmlns:m="http://schemas.openxmlformats.org/officeDocument/2006/math">
+                      <m:r>
+                        <a:rPr lang="en-US" b="0" i="1" smtClean="0">
+                          <a:latin typeface="Cambria Math" panose="02040503050406030204" pitchFamily="18" charset="0"/>
+                        </a:rPr>
+                        <m:t>𝑥</m:t>
+                      </m:r>
+                    </m:oMath>
+                  </m:oMathPara>
+                </a14:m>
+                <a:endParaRPr lang="fr-FR" dirty="0"/>
+              </a:p>
+            </p:txBody>
+          </p:sp>
+        </mc:Choice>
+        <mc:Fallback xmlns="">
+          <p:sp>
+            <p:nvSpPr>
+              <p:cNvPr id="50" name="TextBox 49">
+                <a:extLst>
+                  <a:ext uri="{FF2B5EF4-FFF2-40B4-BE49-F238E27FC236}">
+                    <a16:creationId xmlns:a16="http://schemas.microsoft.com/office/drawing/2014/main" id="{970C9D26-7A61-6F59-A315-A13E3DB94B14}"/>
+                  </a:ext>
+                </a:extLst>
+              </p:cNvPr>
+              <p:cNvSpPr txBox="1">
+                <a:spLocks noRot="1" noChangeAspect="1" noMove="1" noResize="1" noEditPoints="1" noAdjustHandles="1" noChangeArrowheads="1" noChangeShapeType="1" noTextEdit="1"/>
+              </p:cNvSpPr>
+              <p:nvPr/>
+            </p:nvSpPr>
+            <p:spPr>
+              <a:xfrm>
+                <a:off x="1533678" y="3845721"/>
+                <a:ext cx="367986" cy="369332"/>
+              </a:xfrm>
+              <a:prstGeom prst="rect">
+                <a:avLst/>
+              </a:prstGeom>
+              <a:blipFill>
+                <a:blip r:embed="rId3"/>
+                <a:stretch>
+                  <a:fillRect/>
+                </a:stretch>
+              </a:blipFill>
+            </p:spPr>
+            <p:txBody>
+              <a:bodyPr/>
+              <a:lstStyle/>
+              <a:p>
+                <a:r>
+                  <a:rPr lang="en-US">
+                    <a:noFill/>
+                  </a:rPr>
+                  <a:t> </a:t>
+                </a:r>
+              </a:p>
+            </p:txBody>
+          </p:sp>
+        </mc:Fallback>
+      </mc:AlternateContent>
+      <mc:AlternateContent xmlns:mc="http://schemas.openxmlformats.org/markup-compatibility/2006" xmlns:a14="http://schemas.microsoft.com/office/drawing/2010/main">
+        <mc:Choice Requires="a14">
+          <p:sp>
+            <p:nvSpPr>
+              <p:cNvPr id="51" name="TextBox 50">
+                <a:extLst>
+                  <a:ext uri="{FF2B5EF4-FFF2-40B4-BE49-F238E27FC236}">
+                    <a16:creationId xmlns:a16="http://schemas.microsoft.com/office/drawing/2014/main" id="{576DB2D2-8B51-FEDE-2420-902E299CF6DF}"/>
+                  </a:ext>
+                </a:extLst>
+              </p:cNvPr>
+              <p:cNvSpPr txBox="1"/>
+              <p:nvPr/>
+            </p:nvSpPr>
+            <p:spPr>
+              <a:xfrm flipH="1">
+                <a:off x="10658322" y="3845721"/>
+                <a:ext cx="371384" cy="369332"/>
+              </a:xfrm>
+              <a:prstGeom prst="rect">
+                <a:avLst/>
+              </a:prstGeom>
+            </p:spPr>
+            <p:style>
+              <a:lnRef idx="2">
+                <a:schemeClr val="dk1"/>
+              </a:lnRef>
+              <a:fillRef idx="1">
+                <a:schemeClr val="lt1"/>
+              </a:fillRef>
+              <a:effectRef idx="0">
+                <a:schemeClr val="dk1"/>
+              </a:effectRef>
+              <a:fontRef idx="minor">
+                <a:schemeClr val="dk1"/>
+              </a:fontRef>
+            </p:style>
+            <p:txBody>
+              <a:bodyPr wrap="none" rtlCol="0">
+                <a:spAutoFit/>
+              </a:bodyPr>
+              <a:lstStyle/>
+              <a:p>
+                <a:pPr/>
+                <a14:m>
+                  <m:oMathPara xmlns:m="http://schemas.openxmlformats.org/officeDocument/2006/math">
+                    <m:oMathParaPr>
+                      <m:jc m:val="centerGroup"/>
+                    </m:oMathParaPr>
+                    <m:oMath xmlns:m="http://schemas.openxmlformats.org/officeDocument/2006/math">
+                      <m:r>
+                        <a:rPr lang="en-US" b="0" i="1" smtClean="0">
+                          <a:latin typeface="Cambria Math" panose="02040503050406030204" pitchFamily="18" charset="0"/>
+                        </a:rPr>
+                        <m:t>𝑦</m:t>
+                      </m:r>
+                    </m:oMath>
+                  </m:oMathPara>
+                </a14:m>
+                <a:endParaRPr lang="fr-FR" dirty="0"/>
+              </a:p>
+            </p:txBody>
+          </p:sp>
+        </mc:Choice>
+        <mc:Fallback xmlns="">
+          <p:sp>
+            <p:nvSpPr>
+              <p:cNvPr id="51" name="TextBox 50">
+                <a:extLst>
+                  <a:ext uri="{FF2B5EF4-FFF2-40B4-BE49-F238E27FC236}">
+                    <a16:creationId xmlns:a16="http://schemas.microsoft.com/office/drawing/2014/main" id="{576DB2D2-8B51-FEDE-2420-902E299CF6DF}"/>
+                  </a:ext>
+                </a:extLst>
+              </p:cNvPr>
+              <p:cNvSpPr txBox="1">
+                <a:spLocks noRot="1" noChangeAspect="1" noMove="1" noResize="1" noEditPoints="1" noAdjustHandles="1" noChangeArrowheads="1" noChangeShapeType="1" noTextEdit="1"/>
+              </p:cNvSpPr>
+              <p:nvPr/>
+            </p:nvSpPr>
+            <p:spPr>
+              <a:xfrm flipH="1">
+                <a:off x="10658322" y="3845721"/>
+                <a:ext cx="371384" cy="369332"/>
+              </a:xfrm>
+              <a:prstGeom prst="rect">
+                <a:avLst/>
+              </a:prstGeom>
+              <a:blipFill>
+                <a:blip r:embed="rId4"/>
+                <a:stretch>
+                  <a:fillRect b="-4839"/>
+                </a:stretch>
+              </a:blipFill>
+            </p:spPr>
+            <p:txBody>
+              <a:bodyPr/>
+              <a:lstStyle/>
+              <a:p>
+                <a:r>
+                  <a:rPr lang="en-US">
+                    <a:noFill/>
+                  </a:rPr>
+                  <a:t> </a:t>
+                </a:r>
+              </a:p>
+            </p:txBody>
+          </p:sp>
+        </mc:Fallback>
+      </mc:AlternateContent>
+      <mc:AlternateContent xmlns:mc="http://schemas.openxmlformats.org/markup-compatibility/2006" xmlns:a14="http://schemas.microsoft.com/office/drawing/2010/main">
+        <mc:Choice Requires="a14">
+          <p:sp>
+            <p:nvSpPr>
+              <p:cNvPr id="52" name="TextBox 51">
+                <a:extLst>
+                  <a:ext uri="{FF2B5EF4-FFF2-40B4-BE49-F238E27FC236}">
+                    <a16:creationId xmlns:a16="http://schemas.microsoft.com/office/drawing/2014/main" id="{05A70B64-722A-C677-8A01-FFFC6FC496B4}"/>
+                  </a:ext>
+                </a:extLst>
+              </p:cNvPr>
+              <p:cNvSpPr txBox="1"/>
+              <p:nvPr/>
+            </p:nvSpPr>
+            <p:spPr>
+              <a:xfrm>
+                <a:off x="3814839" y="3842611"/>
+                <a:ext cx="367986" cy="375552"/>
+              </a:xfrm>
+              <a:prstGeom prst="rect">
+                <a:avLst/>
+              </a:prstGeom>
+            </p:spPr>
+            <p:style>
+              <a:lnRef idx="2">
+                <a:schemeClr val="dk1"/>
+              </a:lnRef>
+              <a:fillRef idx="1">
+                <a:schemeClr val="lt1"/>
+              </a:fillRef>
+              <a:effectRef idx="0">
+                <a:schemeClr val="dk1"/>
+              </a:effectRef>
+              <a:fontRef idx="minor">
+                <a:schemeClr val="dk1"/>
+              </a:fontRef>
+            </p:style>
+            <p:txBody>
+              <a:bodyPr wrap="square" rtlCol="0">
+                <a:spAutoFit/>
+              </a:bodyPr>
+              <a:lstStyle/>
+              <a:p>
+                <a:pPr/>
+                <a14:m>
+                  <m:oMathPara xmlns:m="http://schemas.openxmlformats.org/officeDocument/2006/math">
+                    <m:oMathParaPr>
+                      <m:jc m:val="centerGroup"/>
+                    </m:oMathParaPr>
+                    <m:oMath xmlns:m="http://schemas.openxmlformats.org/officeDocument/2006/math">
+                      <m:sSup>
+                        <m:sSupPr>
+                          <m:ctrlPr>
+                            <a:rPr lang="en-US" b="1" i="1" smtClean="0">
+                              <a:latin typeface="Cambria Math" panose="02040503050406030204" pitchFamily="18" charset="0"/>
+                            </a:rPr>
+                          </m:ctrlPr>
+                        </m:sSupPr>
+                        <m:e>
+                          <m:r>
+                            <a:rPr lang="en-US" b="1" i="1" smtClean="0">
+                              <a:latin typeface="Cambria Math" panose="02040503050406030204" pitchFamily="18" charset="0"/>
+                            </a:rPr>
+                            <m:t>𝒍</m:t>
+                          </m:r>
+                        </m:e>
+                        <m:sup>
+                          <m:r>
+                            <a:rPr lang="en-US" b="1" i="1" smtClean="0">
+                              <a:latin typeface="Cambria Math" panose="02040503050406030204" pitchFamily="18" charset="0"/>
+                            </a:rPr>
+                            <m:t>𝟏</m:t>
+                          </m:r>
+                        </m:sup>
+                      </m:sSup>
+                    </m:oMath>
+                  </m:oMathPara>
+                </a14:m>
+                <a:endParaRPr lang="en-US" b="1" dirty="0"/>
+              </a:p>
+            </p:txBody>
+          </p:sp>
+        </mc:Choice>
+        <mc:Fallback xmlns="">
+          <p:sp>
+            <p:nvSpPr>
+              <p:cNvPr id="52" name="TextBox 51">
+                <a:extLst>
+                  <a:ext uri="{FF2B5EF4-FFF2-40B4-BE49-F238E27FC236}">
+                    <a16:creationId xmlns:a16="http://schemas.microsoft.com/office/drawing/2014/main" id="{05A70B64-722A-C677-8A01-FFFC6FC496B4}"/>
+                  </a:ext>
+                </a:extLst>
+              </p:cNvPr>
+              <p:cNvSpPr txBox="1">
+                <a:spLocks noRot="1" noChangeAspect="1" noMove="1" noResize="1" noEditPoints="1" noAdjustHandles="1" noChangeArrowheads="1" noChangeShapeType="1" noTextEdit="1"/>
+              </p:cNvSpPr>
+              <p:nvPr/>
+            </p:nvSpPr>
+            <p:spPr>
+              <a:xfrm>
+                <a:off x="3814839" y="3842611"/>
+                <a:ext cx="367986" cy="375552"/>
+              </a:xfrm>
+              <a:prstGeom prst="rect">
+                <a:avLst/>
+              </a:prstGeom>
+              <a:blipFill>
+                <a:blip r:embed="rId5"/>
+                <a:stretch>
+                  <a:fillRect/>
+                </a:stretch>
+              </a:blipFill>
+            </p:spPr>
+            <p:txBody>
+              <a:bodyPr/>
+              <a:lstStyle/>
+              <a:p>
+                <a:r>
+                  <a:rPr lang="en-US">
+                    <a:noFill/>
+                  </a:rPr>
+                  <a:t> </a:t>
+                </a:r>
+              </a:p>
+            </p:txBody>
+          </p:sp>
+        </mc:Fallback>
+      </mc:AlternateContent>
+      <mc:AlternateContent xmlns:mc="http://schemas.openxmlformats.org/markup-compatibility/2006" xmlns:a14="http://schemas.microsoft.com/office/drawing/2010/main">
+        <mc:Choice Requires="a14">
+          <p:sp>
+            <p:nvSpPr>
+              <p:cNvPr id="54" name="TextBox 53">
+                <a:extLst>
+                  <a:ext uri="{FF2B5EF4-FFF2-40B4-BE49-F238E27FC236}">
+                    <a16:creationId xmlns:a16="http://schemas.microsoft.com/office/drawing/2014/main" id="{5A54B5A6-A04B-ED56-78E2-ABB03640743F}"/>
+                  </a:ext>
+                </a:extLst>
+              </p:cNvPr>
+              <p:cNvSpPr txBox="1"/>
+              <p:nvPr/>
+            </p:nvSpPr>
+            <p:spPr>
+              <a:xfrm>
+                <a:off x="6096000" y="3842611"/>
+                <a:ext cx="367986" cy="375552"/>
+              </a:xfrm>
+              <a:prstGeom prst="rect">
+                <a:avLst/>
+              </a:prstGeom>
+            </p:spPr>
+            <p:style>
+              <a:lnRef idx="2">
+                <a:schemeClr val="dk1"/>
+              </a:lnRef>
+              <a:fillRef idx="1">
+                <a:schemeClr val="lt1"/>
+              </a:fillRef>
+              <a:effectRef idx="0">
+                <a:schemeClr val="dk1"/>
+              </a:effectRef>
+              <a:fontRef idx="minor">
+                <a:schemeClr val="dk1"/>
+              </a:fontRef>
+            </p:style>
+            <p:txBody>
+              <a:bodyPr wrap="square" rtlCol="0">
+                <a:spAutoFit/>
+              </a:bodyPr>
+              <a:lstStyle/>
+              <a:p>
+                <a:pPr/>
+                <a14:m>
+                  <m:oMathPara xmlns:m="http://schemas.openxmlformats.org/officeDocument/2006/math">
+                    <m:oMathParaPr>
+                      <m:jc m:val="centerGroup"/>
+                    </m:oMathParaPr>
+                    <m:oMath xmlns:m="http://schemas.openxmlformats.org/officeDocument/2006/math">
+                      <m:sSup>
+                        <m:sSupPr>
+                          <m:ctrlPr>
+                            <a:rPr lang="en-US" b="1" i="1" smtClean="0">
+                              <a:latin typeface="Cambria Math" panose="02040503050406030204" pitchFamily="18" charset="0"/>
+                            </a:rPr>
+                          </m:ctrlPr>
+                        </m:sSupPr>
+                        <m:e>
+                          <m:r>
+                            <a:rPr lang="en-US" b="1" i="1" smtClean="0">
+                              <a:latin typeface="Cambria Math" panose="02040503050406030204" pitchFamily="18" charset="0"/>
+                            </a:rPr>
+                            <m:t>𝒍</m:t>
+                          </m:r>
+                        </m:e>
+                        <m:sup>
+                          <m:r>
+                            <a:rPr lang="en-US" b="1" i="1" smtClean="0">
+                              <a:latin typeface="Cambria Math" panose="02040503050406030204" pitchFamily="18" charset="0"/>
+                            </a:rPr>
+                            <m:t>𝟐</m:t>
+                          </m:r>
+                        </m:sup>
+                      </m:sSup>
+                    </m:oMath>
+                  </m:oMathPara>
+                </a14:m>
+                <a:endParaRPr lang="en-US" b="1" dirty="0"/>
+              </a:p>
+            </p:txBody>
+          </p:sp>
+        </mc:Choice>
+        <mc:Fallback xmlns="">
+          <p:sp>
+            <p:nvSpPr>
+              <p:cNvPr id="54" name="TextBox 53">
+                <a:extLst>
+                  <a:ext uri="{FF2B5EF4-FFF2-40B4-BE49-F238E27FC236}">
+                    <a16:creationId xmlns:a16="http://schemas.microsoft.com/office/drawing/2014/main" id="{5A54B5A6-A04B-ED56-78E2-ABB03640743F}"/>
+                  </a:ext>
+                </a:extLst>
+              </p:cNvPr>
+              <p:cNvSpPr txBox="1">
+                <a:spLocks noRot="1" noChangeAspect="1" noMove="1" noResize="1" noEditPoints="1" noAdjustHandles="1" noChangeArrowheads="1" noChangeShapeType="1" noTextEdit="1"/>
+              </p:cNvSpPr>
+              <p:nvPr/>
+            </p:nvSpPr>
+            <p:spPr>
+              <a:xfrm>
+                <a:off x="6096000" y="3842611"/>
+                <a:ext cx="367986" cy="375552"/>
+              </a:xfrm>
+              <a:prstGeom prst="rect">
+                <a:avLst/>
+              </a:prstGeom>
+              <a:blipFill>
+                <a:blip r:embed="rId6"/>
+                <a:stretch>
+                  <a:fillRect/>
+                </a:stretch>
+              </a:blipFill>
+            </p:spPr>
+            <p:txBody>
+              <a:bodyPr/>
+              <a:lstStyle/>
+              <a:p>
+                <a:r>
+                  <a:rPr lang="en-US">
+                    <a:noFill/>
+                  </a:rPr>
+                  <a:t> </a:t>
+                </a:r>
+              </a:p>
+            </p:txBody>
+          </p:sp>
+        </mc:Fallback>
+      </mc:AlternateContent>
+      <mc:AlternateContent xmlns:mc="http://schemas.openxmlformats.org/markup-compatibility/2006" xmlns:a14="http://schemas.microsoft.com/office/drawing/2010/main">
+        <mc:Choice Requires="a14">
+          <p:sp>
+            <p:nvSpPr>
+              <p:cNvPr id="55" name="TextBox 54">
+                <a:extLst>
+                  <a:ext uri="{FF2B5EF4-FFF2-40B4-BE49-F238E27FC236}">
+                    <a16:creationId xmlns:a16="http://schemas.microsoft.com/office/drawing/2014/main" id="{F65892C8-398B-6290-789E-AB47515E07E7}"/>
+                  </a:ext>
+                </a:extLst>
+              </p:cNvPr>
+              <p:cNvSpPr txBox="1"/>
+              <p:nvPr/>
+            </p:nvSpPr>
+            <p:spPr>
+              <a:xfrm>
+                <a:off x="8377161" y="3842611"/>
+                <a:ext cx="367986" cy="375552"/>
+              </a:xfrm>
+              <a:prstGeom prst="rect">
+                <a:avLst/>
+              </a:prstGeom>
+            </p:spPr>
+            <p:style>
+              <a:lnRef idx="2">
+                <a:schemeClr val="dk1"/>
+              </a:lnRef>
+              <a:fillRef idx="1">
+                <a:schemeClr val="lt1"/>
+              </a:fillRef>
+              <a:effectRef idx="0">
+                <a:schemeClr val="dk1"/>
+              </a:effectRef>
+              <a:fontRef idx="minor">
+                <a:schemeClr val="dk1"/>
+              </a:fontRef>
+            </p:style>
+            <p:txBody>
+              <a:bodyPr wrap="square" rtlCol="0">
+                <a:spAutoFit/>
+              </a:bodyPr>
+              <a:lstStyle/>
+              <a:p>
+                <a:pPr/>
+                <a14:m>
+                  <m:oMathPara xmlns:m="http://schemas.openxmlformats.org/officeDocument/2006/math">
+                    <m:oMathParaPr>
+                      <m:jc m:val="centerGroup"/>
+                    </m:oMathParaPr>
+                    <m:oMath xmlns:m="http://schemas.openxmlformats.org/officeDocument/2006/math">
+                      <m:sSup>
+                        <m:sSupPr>
+                          <m:ctrlPr>
+                            <a:rPr lang="en-US" b="1" i="1" smtClean="0">
+                              <a:latin typeface="Cambria Math" panose="02040503050406030204" pitchFamily="18" charset="0"/>
+                            </a:rPr>
+                          </m:ctrlPr>
+                        </m:sSupPr>
+                        <m:e>
+                          <m:r>
+                            <a:rPr lang="en-US" b="1" i="1" smtClean="0">
+                              <a:latin typeface="Cambria Math" panose="02040503050406030204" pitchFamily="18" charset="0"/>
+                            </a:rPr>
+                            <m:t>𝒍</m:t>
+                          </m:r>
+                        </m:e>
+                        <m:sup>
+                          <m:r>
+                            <a:rPr lang="en-US" b="1" i="1" smtClean="0">
+                              <a:latin typeface="Cambria Math" panose="02040503050406030204" pitchFamily="18" charset="0"/>
+                            </a:rPr>
+                            <m:t>𝟑</m:t>
+                          </m:r>
+                        </m:sup>
+                      </m:sSup>
+                    </m:oMath>
+                  </m:oMathPara>
+                </a14:m>
+                <a:endParaRPr lang="en-US" b="1" dirty="0"/>
+              </a:p>
+            </p:txBody>
+          </p:sp>
+        </mc:Choice>
+        <mc:Fallback xmlns="">
+          <p:sp>
+            <p:nvSpPr>
+              <p:cNvPr id="55" name="TextBox 54">
+                <a:extLst>
+                  <a:ext uri="{FF2B5EF4-FFF2-40B4-BE49-F238E27FC236}">
+                    <a16:creationId xmlns:a16="http://schemas.microsoft.com/office/drawing/2014/main" id="{F65892C8-398B-6290-789E-AB47515E07E7}"/>
+                  </a:ext>
+                </a:extLst>
+              </p:cNvPr>
+              <p:cNvSpPr txBox="1">
+                <a:spLocks noRot="1" noChangeAspect="1" noMove="1" noResize="1" noEditPoints="1" noAdjustHandles="1" noChangeArrowheads="1" noChangeShapeType="1" noTextEdit="1"/>
+              </p:cNvSpPr>
+              <p:nvPr/>
+            </p:nvSpPr>
+            <p:spPr>
+              <a:xfrm>
+                <a:off x="8377161" y="3842611"/>
+                <a:ext cx="367986" cy="375552"/>
+              </a:xfrm>
+              <a:prstGeom prst="rect">
+                <a:avLst/>
+              </a:prstGeom>
+              <a:blipFill>
+                <a:blip r:embed="rId7"/>
+                <a:stretch>
+                  <a:fillRect/>
+                </a:stretch>
+              </a:blipFill>
+            </p:spPr>
+            <p:txBody>
+              <a:bodyPr/>
+              <a:lstStyle/>
+              <a:p>
+                <a:r>
+                  <a:rPr lang="en-US">
+                    <a:noFill/>
+                  </a:rPr>
+                  <a:t> </a:t>
+                </a:r>
+              </a:p>
+            </p:txBody>
+          </p:sp>
+        </mc:Fallback>
+      </mc:AlternateContent>
+      <p:cxnSp>
+        <p:nvCxnSpPr>
+          <p:cNvPr id="56" name="Straight Connector 55">
+            <a:extLst>
+              <a:ext uri="{FF2B5EF4-FFF2-40B4-BE49-F238E27FC236}">
+                <a16:creationId xmlns:a16="http://schemas.microsoft.com/office/drawing/2014/main" id="{12DD109F-4353-2A77-16F6-DE61C41F2667}"/>
+              </a:ext>
+            </a:extLst>
+          </p:cNvPr>
+          <p:cNvCxnSpPr>
+            <a:cxnSpLocks/>
+          </p:cNvCxnSpPr>
+          <p:nvPr/>
+        </p:nvCxnSpPr>
+        <p:spPr>
+          <a:xfrm>
+            <a:off x="1901664" y="4030387"/>
+            <a:ext cx="1913175" cy="0"/>
+          </a:xfrm>
+          <a:prstGeom prst="line">
+            <a:avLst/>
+          </a:prstGeom>
+          <a:ln w="76200">
+            <a:solidFill>
+              <a:schemeClr val="bg1">
+                <a:lumMod val="50000"/>
+              </a:schemeClr>
+            </a:solidFill>
+          </a:ln>
+        </p:spPr>
+        <p:style>
+          <a:lnRef idx="1">
+            <a:schemeClr val="dk1"/>
+          </a:lnRef>
+          <a:fillRef idx="0">
+            <a:schemeClr val="dk1"/>
+          </a:fillRef>
+          <a:effectRef idx="0">
+            <a:schemeClr val="dk1"/>
+          </a:effectRef>
+          <a:fontRef idx="minor">
+            <a:schemeClr val="tx1"/>
+          </a:fontRef>
+        </p:style>
+      </p:cxnSp>
+      <p:cxnSp>
+        <p:nvCxnSpPr>
+          <p:cNvPr id="58" name="Straight Connector 57">
+            <a:extLst>
+              <a:ext uri="{FF2B5EF4-FFF2-40B4-BE49-F238E27FC236}">
+                <a16:creationId xmlns:a16="http://schemas.microsoft.com/office/drawing/2014/main" id="{779BE504-EC02-7C48-F72F-2B08971B3829}"/>
+              </a:ext>
+            </a:extLst>
+          </p:cNvPr>
+          <p:cNvCxnSpPr>
+            <a:cxnSpLocks/>
+          </p:cNvCxnSpPr>
+          <p:nvPr/>
+        </p:nvCxnSpPr>
+        <p:spPr>
+          <a:xfrm>
+            <a:off x="4182825" y="4030387"/>
+            <a:ext cx="1913175" cy="0"/>
+          </a:xfrm>
+          <a:prstGeom prst="line">
+            <a:avLst/>
+          </a:prstGeom>
+          <a:ln w="76200">
+            <a:solidFill>
+              <a:schemeClr val="bg1">
+                <a:lumMod val="50000"/>
+              </a:schemeClr>
+            </a:solidFill>
+          </a:ln>
+        </p:spPr>
+        <p:style>
+          <a:lnRef idx="1">
+            <a:schemeClr val="dk1"/>
+          </a:lnRef>
+          <a:fillRef idx="0">
+            <a:schemeClr val="dk1"/>
+          </a:fillRef>
+          <a:effectRef idx="0">
+            <a:schemeClr val="dk1"/>
+          </a:effectRef>
+          <a:fontRef idx="minor">
+            <a:schemeClr val="tx1"/>
+          </a:fontRef>
+        </p:style>
+      </p:cxnSp>
+      <p:cxnSp>
+        <p:nvCxnSpPr>
+          <p:cNvPr id="59" name="Straight Connector 58">
+            <a:extLst>
+              <a:ext uri="{FF2B5EF4-FFF2-40B4-BE49-F238E27FC236}">
+                <a16:creationId xmlns:a16="http://schemas.microsoft.com/office/drawing/2014/main" id="{06801104-592E-166C-AB0F-E63EA15EEBAD}"/>
+              </a:ext>
+            </a:extLst>
+          </p:cNvPr>
+          <p:cNvCxnSpPr>
+            <a:cxnSpLocks/>
+          </p:cNvCxnSpPr>
+          <p:nvPr/>
+        </p:nvCxnSpPr>
+        <p:spPr>
+          <a:xfrm>
+            <a:off x="6463986" y="4030387"/>
+            <a:ext cx="1913175" cy="0"/>
+          </a:xfrm>
+          <a:prstGeom prst="line">
+            <a:avLst/>
+          </a:prstGeom>
+          <a:ln w="76200">
+            <a:solidFill>
+              <a:schemeClr val="bg1">
+                <a:lumMod val="50000"/>
+              </a:schemeClr>
+            </a:solidFill>
+          </a:ln>
+        </p:spPr>
+        <p:style>
+          <a:lnRef idx="1">
+            <a:schemeClr val="dk1"/>
+          </a:lnRef>
+          <a:fillRef idx="0">
+            <a:schemeClr val="dk1"/>
+          </a:fillRef>
+          <a:effectRef idx="0">
+            <a:schemeClr val="dk1"/>
+          </a:effectRef>
+          <a:fontRef idx="minor">
+            <a:schemeClr val="tx1"/>
+          </a:fontRef>
+        </p:style>
+      </p:cxnSp>
+      <p:cxnSp>
+        <p:nvCxnSpPr>
+          <p:cNvPr id="60" name="Straight Connector 59">
+            <a:extLst>
+              <a:ext uri="{FF2B5EF4-FFF2-40B4-BE49-F238E27FC236}">
+                <a16:creationId xmlns:a16="http://schemas.microsoft.com/office/drawing/2014/main" id="{946D2720-435E-EBD6-0E1C-E2E39E28F08F}"/>
+              </a:ext>
+            </a:extLst>
+          </p:cNvPr>
+          <p:cNvCxnSpPr>
+            <a:cxnSpLocks/>
+          </p:cNvCxnSpPr>
+          <p:nvPr/>
+        </p:nvCxnSpPr>
+        <p:spPr>
+          <a:xfrm>
+            <a:off x="8745147" y="4030387"/>
+            <a:ext cx="1913175" cy="0"/>
+          </a:xfrm>
+          <a:prstGeom prst="line">
+            <a:avLst/>
+          </a:prstGeom>
+          <a:ln w="76200">
+            <a:solidFill>
+              <a:schemeClr val="bg1">
+                <a:lumMod val="50000"/>
+              </a:schemeClr>
+            </a:solidFill>
+          </a:ln>
+        </p:spPr>
+        <p:style>
+          <a:lnRef idx="1">
+            <a:schemeClr val="dk1"/>
+          </a:lnRef>
+          <a:fillRef idx="0">
+            <a:schemeClr val="dk1"/>
+          </a:fillRef>
+          <a:effectRef idx="0">
+            <a:schemeClr val="dk1"/>
+          </a:effectRef>
+          <a:fontRef idx="minor">
+            <a:schemeClr val="tx1"/>
+          </a:fontRef>
+        </p:style>
+      </p:cxnSp>
+      <mc:AlternateContent xmlns:mc="http://schemas.openxmlformats.org/markup-compatibility/2006" xmlns:a14="http://schemas.microsoft.com/office/drawing/2010/main">
+        <mc:Choice Requires="a14">
+          <p:sp>
+            <p:nvSpPr>
+              <p:cNvPr id="67" name="TextBox 66">
+                <a:extLst>
+                  <a:ext uri="{FF2B5EF4-FFF2-40B4-BE49-F238E27FC236}">
+                    <a16:creationId xmlns:a16="http://schemas.microsoft.com/office/drawing/2014/main" id="{3556F4A3-7CB0-7F63-4152-A023F9D17CDC}"/>
+                  </a:ext>
+                </a:extLst>
+              </p:cNvPr>
+              <p:cNvSpPr txBox="1"/>
+              <p:nvPr/>
+            </p:nvSpPr>
+            <p:spPr>
+              <a:xfrm>
+                <a:off x="2488631" y="3842611"/>
+                <a:ext cx="739241" cy="375552"/>
+              </a:xfrm>
+              <a:prstGeom prst="rect">
+                <a:avLst/>
+              </a:prstGeom>
+              <a:solidFill>
+                <a:schemeClr val="bg1">
+                  <a:alpha val="50000"/>
+                </a:schemeClr>
+              </a:solidFill>
+            </p:spPr>
+            <p:txBody>
+              <a:bodyPr wrap="none" rtlCol="0">
+                <a:spAutoFit/>
+              </a:bodyPr>
+              <a:lstStyle/>
+              <a:p>
+                <a:pPr/>
+                <a14:m>
+                  <m:oMathPara xmlns:m="http://schemas.openxmlformats.org/officeDocument/2006/math">
+                    <m:oMathParaPr>
+                      <m:jc m:val="centerGroup"/>
+                    </m:oMathParaPr>
+                    <m:oMath xmlns:m="http://schemas.openxmlformats.org/officeDocument/2006/math">
+                      <m:r>
+                        <a:rPr lang="en-US" b="1" i="1" smtClean="0">
+                          <a:latin typeface="Cambria Math" panose="02040503050406030204" pitchFamily="18" charset="0"/>
+                        </a:rPr>
+                        <m:t>∗</m:t>
+                      </m:r>
+                      <m:sSup>
+                        <m:sSupPr>
+                          <m:ctrlPr>
+                            <a:rPr lang="en-US" b="1" i="1" smtClean="0">
+                              <a:latin typeface="Cambria Math" panose="02040503050406030204" pitchFamily="18" charset="0"/>
+                            </a:rPr>
+                          </m:ctrlPr>
+                        </m:sSupPr>
+                        <m:e>
+                          <m:r>
+                            <a:rPr lang="en-US" b="1" i="1" smtClean="0">
+                              <a:latin typeface="Cambria Math" panose="02040503050406030204" pitchFamily="18" charset="0"/>
+                            </a:rPr>
+                            <m:t>𝑾</m:t>
+                          </m:r>
+                        </m:e>
+                        <m:sup>
+                          <m:r>
+                            <a:rPr lang="en-US" b="1" i="1" smtClean="0">
+                              <a:latin typeface="Cambria Math" panose="02040503050406030204" pitchFamily="18" charset="0"/>
+                            </a:rPr>
+                            <m:t>𝟏</m:t>
+                          </m:r>
+                        </m:sup>
+                      </m:sSup>
+                    </m:oMath>
+                  </m:oMathPara>
+                </a14:m>
+                <a:endParaRPr lang="en-US" b="1" dirty="0"/>
+              </a:p>
+            </p:txBody>
+          </p:sp>
+        </mc:Choice>
+        <mc:Fallback xmlns="">
+          <p:sp>
+            <p:nvSpPr>
+              <p:cNvPr id="67" name="TextBox 66">
+                <a:extLst>
+                  <a:ext uri="{FF2B5EF4-FFF2-40B4-BE49-F238E27FC236}">
+                    <a16:creationId xmlns:a16="http://schemas.microsoft.com/office/drawing/2014/main" id="{3556F4A3-7CB0-7F63-4152-A023F9D17CDC}"/>
+                  </a:ext>
+                </a:extLst>
+              </p:cNvPr>
+              <p:cNvSpPr txBox="1">
+                <a:spLocks noRot="1" noChangeAspect="1" noMove="1" noResize="1" noEditPoints="1" noAdjustHandles="1" noChangeArrowheads="1" noChangeShapeType="1" noTextEdit="1"/>
+              </p:cNvSpPr>
+              <p:nvPr/>
+            </p:nvSpPr>
+            <p:spPr>
+              <a:xfrm>
+                <a:off x="2488631" y="3842611"/>
+                <a:ext cx="739241" cy="375552"/>
+              </a:xfrm>
+              <a:prstGeom prst="rect">
+                <a:avLst/>
+              </a:prstGeom>
+              <a:blipFill>
+                <a:blip r:embed="rId8"/>
+                <a:stretch>
+                  <a:fillRect/>
+                </a:stretch>
+              </a:blipFill>
+            </p:spPr>
+            <p:txBody>
+              <a:bodyPr/>
+              <a:lstStyle/>
+              <a:p>
+                <a:r>
+                  <a:rPr lang="en-US">
+                    <a:noFill/>
+                  </a:rPr>
+                  <a:t> </a:t>
+                </a:r>
+              </a:p>
+            </p:txBody>
+          </p:sp>
+        </mc:Fallback>
+      </mc:AlternateContent>
+      <mc:AlternateContent xmlns:mc="http://schemas.openxmlformats.org/markup-compatibility/2006" xmlns:a14="http://schemas.microsoft.com/office/drawing/2010/main">
+        <mc:Choice Requires="a14">
+          <p:sp>
+            <p:nvSpPr>
+              <p:cNvPr id="68" name="TextBox 67">
+                <a:extLst>
+                  <a:ext uri="{FF2B5EF4-FFF2-40B4-BE49-F238E27FC236}">
+                    <a16:creationId xmlns:a16="http://schemas.microsoft.com/office/drawing/2014/main" id="{549DA507-8482-C852-C01E-7BE11E39F744}"/>
+                  </a:ext>
+                </a:extLst>
+              </p:cNvPr>
+              <p:cNvSpPr txBox="1"/>
+              <p:nvPr/>
+            </p:nvSpPr>
+            <p:spPr>
+              <a:xfrm>
+                <a:off x="9332114" y="3842611"/>
+                <a:ext cx="739240" cy="374846"/>
+              </a:xfrm>
+              <a:prstGeom prst="rect">
+                <a:avLst/>
+              </a:prstGeom>
+              <a:solidFill>
+                <a:schemeClr val="bg1">
+                  <a:alpha val="50000"/>
+                </a:schemeClr>
+              </a:solidFill>
+            </p:spPr>
+            <p:txBody>
+              <a:bodyPr wrap="none" rtlCol="0">
+                <a:spAutoFit/>
+              </a:bodyPr>
+              <a:lstStyle/>
+              <a:p>
+                <a:pPr/>
+                <a14:m>
+                  <m:oMathPara xmlns:m="http://schemas.openxmlformats.org/officeDocument/2006/math">
+                    <m:oMathParaPr>
+                      <m:jc m:val="centerGroup"/>
+                    </m:oMathParaPr>
+                    <m:oMath xmlns:m="http://schemas.openxmlformats.org/officeDocument/2006/math">
+                      <m:r>
+                        <a:rPr lang="en-US" b="1" i="1" smtClean="0">
+                          <a:latin typeface="Cambria Math" panose="02040503050406030204" pitchFamily="18" charset="0"/>
+                        </a:rPr>
+                        <m:t>∗</m:t>
+                      </m:r>
+                      <m:sSup>
+                        <m:sSupPr>
+                          <m:ctrlPr>
+                            <a:rPr lang="en-US" b="1" i="1" smtClean="0">
+                              <a:latin typeface="Cambria Math" panose="02040503050406030204" pitchFamily="18" charset="0"/>
+                            </a:rPr>
+                          </m:ctrlPr>
+                        </m:sSupPr>
+                        <m:e>
+                          <m:r>
+                            <a:rPr lang="en-US" b="1" i="1" smtClean="0">
+                              <a:latin typeface="Cambria Math" panose="02040503050406030204" pitchFamily="18" charset="0"/>
+                            </a:rPr>
+                            <m:t>𝑾</m:t>
+                          </m:r>
+                        </m:e>
+                        <m:sup>
+                          <m:r>
+                            <a:rPr lang="en-US" b="1" i="1" smtClean="0">
+                              <a:latin typeface="Cambria Math" panose="02040503050406030204" pitchFamily="18" charset="0"/>
+                            </a:rPr>
+                            <m:t>𝟒</m:t>
+                          </m:r>
+                        </m:sup>
+                      </m:sSup>
+                    </m:oMath>
+                  </m:oMathPara>
+                </a14:m>
+                <a:endParaRPr lang="en-US" b="1" dirty="0"/>
+              </a:p>
+            </p:txBody>
+          </p:sp>
+        </mc:Choice>
+        <mc:Fallback xmlns="">
+          <p:sp>
+            <p:nvSpPr>
+              <p:cNvPr id="68" name="TextBox 67">
+                <a:extLst>
+                  <a:ext uri="{FF2B5EF4-FFF2-40B4-BE49-F238E27FC236}">
+                    <a16:creationId xmlns:a16="http://schemas.microsoft.com/office/drawing/2014/main" id="{549DA507-8482-C852-C01E-7BE11E39F744}"/>
+                  </a:ext>
+                </a:extLst>
+              </p:cNvPr>
+              <p:cNvSpPr txBox="1">
+                <a:spLocks noRot="1" noChangeAspect="1" noMove="1" noResize="1" noEditPoints="1" noAdjustHandles="1" noChangeArrowheads="1" noChangeShapeType="1" noTextEdit="1"/>
+              </p:cNvSpPr>
+              <p:nvPr/>
+            </p:nvSpPr>
+            <p:spPr>
+              <a:xfrm>
+                <a:off x="9332114" y="3842611"/>
+                <a:ext cx="739240" cy="374846"/>
+              </a:xfrm>
+              <a:prstGeom prst="rect">
+                <a:avLst/>
+              </a:prstGeom>
+              <a:blipFill>
+                <a:blip r:embed="rId9"/>
+                <a:stretch>
+                  <a:fillRect/>
+                </a:stretch>
+              </a:blipFill>
+            </p:spPr>
+            <p:txBody>
+              <a:bodyPr/>
+              <a:lstStyle/>
+              <a:p>
+                <a:r>
+                  <a:rPr lang="en-US">
+                    <a:noFill/>
+                  </a:rPr>
+                  <a:t> </a:t>
+                </a:r>
+              </a:p>
+            </p:txBody>
+          </p:sp>
+        </mc:Fallback>
+      </mc:AlternateContent>
+      <mc:AlternateContent xmlns:mc="http://schemas.openxmlformats.org/markup-compatibility/2006" xmlns:a14="http://schemas.microsoft.com/office/drawing/2010/main">
+        <mc:Choice Requires="a14">
+          <p:sp>
+            <p:nvSpPr>
+              <p:cNvPr id="69" name="TextBox 68">
+                <a:extLst>
+                  <a:ext uri="{FF2B5EF4-FFF2-40B4-BE49-F238E27FC236}">
+                    <a16:creationId xmlns:a16="http://schemas.microsoft.com/office/drawing/2014/main" id="{23D58FC7-86C4-FAE1-1ED2-79B9A14C832D}"/>
+                  </a:ext>
+                </a:extLst>
+              </p:cNvPr>
+              <p:cNvSpPr txBox="1"/>
+              <p:nvPr/>
+            </p:nvSpPr>
+            <p:spPr>
+              <a:xfrm>
+                <a:off x="7050953" y="3842611"/>
+                <a:ext cx="739240" cy="375552"/>
+              </a:xfrm>
+              <a:prstGeom prst="rect">
+                <a:avLst/>
+              </a:prstGeom>
+              <a:solidFill>
+                <a:schemeClr val="bg1">
+                  <a:alpha val="50000"/>
+                </a:schemeClr>
+              </a:solidFill>
+            </p:spPr>
+            <p:txBody>
+              <a:bodyPr wrap="none" rtlCol="0">
+                <a:spAutoFit/>
+              </a:bodyPr>
+              <a:lstStyle/>
+              <a:p>
+                <a:pPr/>
+                <a14:m>
+                  <m:oMathPara xmlns:m="http://schemas.openxmlformats.org/officeDocument/2006/math">
+                    <m:oMathParaPr>
+                      <m:jc m:val="centerGroup"/>
+                    </m:oMathParaPr>
+                    <m:oMath xmlns:m="http://schemas.openxmlformats.org/officeDocument/2006/math">
+                      <m:r>
+                        <a:rPr lang="en-US" b="1" i="1" smtClean="0">
+                          <a:latin typeface="Cambria Math" panose="02040503050406030204" pitchFamily="18" charset="0"/>
+                        </a:rPr>
+                        <m:t>∗</m:t>
+                      </m:r>
+                      <m:sSup>
+                        <m:sSupPr>
+                          <m:ctrlPr>
+                            <a:rPr lang="en-US" b="1" i="1" smtClean="0">
+                              <a:latin typeface="Cambria Math" panose="02040503050406030204" pitchFamily="18" charset="0"/>
+                            </a:rPr>
+                          </m:ctrlPr>
+                        </m:sSupPr>
+                        <m:e>
+                          <m:r>
+                            <a:rPr lang="en-US" b="1" i="1" smtClean="0">
+                              <a:latin typeface="Cambria Math" panose="02040503050406030204" pitchFamily="18" charset="0"/>
+                            </a:rPr>
+                            <m:t>𝑾</m:t>
+                          </m:r>
+                        </m:e>
+                        <m:sup>
+                          <m:r>
+                            <a:rPr lang="en-US" b="1" i="1" smtClean="0">
+                              <a:latin typeface="Cambria Math" panose="02040503050406030204" pitchFamily="18" charset="0"/>
+                            </a:rPr>
+                            <m:t>𝟑</m:t>
+                          </m:r>
+                        </m:sup>
+                      </m:sSup>
+                    </m:oMath>
+                  </m:oMathPara>
+                </a14:m>
+                <a:endParaRPr lang="en-US" b="1" dirty="0"/>
+              </a:p>
+            </p:txBody>
+          </p:sp>
+        </mc:Choice>
+        <mc:Fallback xmlns="">
+          <p:sp>
+            <p:nvSpPr>
+              <p:cNvPr id="69" name="TextBox 68">
+                <a:extLst>
+                  <a:ext uri="{FF2B5EF4-FFF2-40B4-BE49-F238E27FC236}">
+                    <a16:creationId xmlns:a16="http://schemas.microsoft.com/office/drawing/2014/main" id="{23D58FC7-86C4-FAE1-1ED2-79B9A14C832D}"/>
+                  </a:ext>
+                </a:extLst>
+              </p:cNvPr>
+              <p:cNvSpPr txBox="1">
+                <a:spLocks noRot="1" noChangeAspect="1" noMove="1" noResize="1" noEditPoints="1" noAdjustHandles="1" noChangeArrowheads="1" noChangeShapeType="1" noTextEdit="1"/>
+              </p:cNvSpPr>
+              <p:nvPr/>
+            </p:nvSpPr>
+            <p:spPr>
+              <a:xfrm>
+                <a:off x="7050953" y="3842611"/>
+                <a:ext cx="739240" cy="375552"/>
+              </a:xfrm>
+              <a:prstGeom prst="rect">
+                <a:avLst/>
+              </a:prstGeom>
+              <a:blipFill>
+                <a:blip r:embed="rId10"/>
+                <a:stretch>
+                  <a:fillRect/>
+                </a:stretch>
+              </a:blipFill>
+            </p:spPr>
+            <p:txBody>
+              <a:bodyPr/>
+              <a:lstStyle/>
+              <a:p>
+                <a:r>
+                  <a:rPr lang="en-US">
+                    <a:noFill/>
+                  </a:rPr>
+                  <a:t> </a:t>
+                </a:r>
+              </a:p>
+            </p:txBody>
+          </p:sp>
+        </mc:Fallback>
+      </mc:AlternateContent>
+      <mc:AlternateContent xmlns:mc="http://schemas.openxmlformats.org/markup-compatibility/2006" xmlns:a14="http://schemas.microsoft.com/office/drawing/2010/main">
+        <mc:Choice Requires="a14">
+          <p:sp>
+            <p:nvSpPr>
+              <p:cNvPr id="70" name="TextBox 69">
+                <a:extLst>
+                  <a:ext uri="{FF2B5EF4-FFF2-40B4-BE49-F238E27FC236}">
+                    <a16:creationId xmlns:a16="http://schemas.microsoft.com/office/drawing/2014/main" id="{B16546CD-7584-62A6-9487-9316A38C3488}"/>
+                  </a:ext>
+                </a:extLst>
+              </p:cNvPr>
+              <p:cNvSpPr txBox="1"/>
+              <p:nvPr/>
+            </p:nvSpPr>
+            <p:spPr>
+              <a:xfrm>
+                <a:off x="4769792" y="3842611"/>
+                <a:ext cx="739241" cy="375552"/>
+              </a:xfrm>
+              <a:prstGeom prst="rect">
+                <a:avLst/>
+              </a:prstGeom>
+              <a:solidFill>
+                <a:schemeClr val="bg1">
+                  <a:alpha val="50000"/>
+                </a:schemeClr>
+              </a:solidFill>
+            </p:spPr>
+            <p:txBody>
+              <a:bodyPr wrap="none" rtlCol="0">
+                <a:spAutoFit/>
+              </a:bodyPr>
+              <a:lstStyle/>
+              <a:p>
+                <a:pPr/>
+                <a14:m>
+                  <m:oMathPara xmlns:m="http://schemas.openxmlformats.org/officeDocument/2006/math">
+                    <m:oMathParaPr>
+                      <m:jc m:val="centerGroup"/>
+                    </m:oMathParaPr>
+                    <m:oMath xmlns:m="http://schemas.openxmlformats.org/officeDocument/2006/math">
+                      <m:r>
+                        <a:rPr lang="en-US" b="1" i="1" smtClean="0">
+                          <a:latin typeface="Cambria Math" panose="02040503050406030204" pitchFamily="18" charset="0"/>
+                        </a:rPr>
+                        <m:t>∗</m:t>
+                      </m:r>
+                      <m:sSup>
+                        <m:sSupPr>
+                          <m:ctrlPr>
+                            <a:rPr lang="en-US" b="1" i="1" smtClean="0">
+                              <a:latin typeface="Cambria Math" panose="02040503050406030204" pitchFamily="18" charset="0"/>
+                            </a:rPr>
+                          </m:ctrlPr>
+                        </m:sSupPr>
+                        <m:e>
+                          <m:r>
+                            <a:rPr lang="en-US" b="1" i="1" smtClean="0">
+                              <a:latin typeface="Cambria Math" panose="02040503050406030204" pitchFamily="18" charset="0"/>
+                            </a:rPr>
+                            <m:t>𝑾</m:t>
+                          </m:r>
+                        </m:e>
+                        <m:sup>
+                          <m:r>
+                            <a:rPr lang="en-US" b="1" i="1" smtClean="0">
+                              <a:latin typeface="Cambria Math" panose="02040503050406030204" pitchFamily="18" charset="0"/>
+                            </a:rPr>
+                            <m:t>𝟐</m:t>
+                          </m:r>
+                        </m:sup>
+                      </m:sSup>
+                    </m:oMath>
+                  </m:oMathPara>
+                </a14:m>
+                <a:endParaRPr lang="en-US" b="1" dirty="0"/>
+              </a:p>
+            </p:txBody>
+          </p:sp>
+        </mc:Choice>
+        <mc:Fallback xmlns="">
+          <p:sp>
+            <p:nvSpPr>
+              <p:cNvPr id="70" name="TextBox 69">
+                <a:extLst>
+                  <a:ext uri="{FF2B5EF4-FFF2-40B4-BE49-F238E27FC236}">
+                    <a16:creationId xmlns:a16="http://schemas.microsoft.com/office/drawing/2014/main" id="{B16546CD-7584-62A6-9487-9316A38C3488}"/>
+                  </a:ext>
+                </a:extLst>
+              </p:cNvPr>
+              <p:cNvSpPr txBox="1">
+                <a:spLocks noRot="1" noChangeAspect="1" noMove="1" noResize="1" noEditPoints="1" noAdjustHandles="1" noChangeArrowheads="1" noChangeShapeType="1" noTextEdit="1"/>
+              </p:cNvSpPr>
+              <p:nvPr/>
+            </p:nvSpPr>
+            <p:spPr>
+              <a:xfrm>
+                <a:off x="4769792" y="3842611"/>
+                <a:ext cx="739241" cy="375552"/>
+              </a:xfrm>
+              <a:prstGeom prst="rect">
+                <a:avLst/>
+              </a:prstGeom>
+              <a:blipFill>
+                <a:blip r:embed="rId11"/>
+                <a:stretch>
+                  <a:fillRect/>
+                </a:stretch>
+              </a:blipFill>
+            </p:spPr>
+            <p:txBody>
+              <a:bodyPr/>
+              <a:lstStyle/>
+              <a:p>
+                <a:r>
+                  <a:rPr lang="en-US">
+                    <a:noFill/>
+                  </a:rPr>
+                  <a:t> </a:t>
+                </a:r>
+              </a:p>
+            </p:txBody>
+          </p:sp>
+        </mc:Fallback>
+      </mc:AlternateContent>
+      <mc:AlternateContent xmlns:mc="http://schemas.openxmlformats.org/markup-compatibility/2006" xmlns:a14="http://schemas.microsoft.com/office/drawing/2010/main">
+        <mc:Choice Requires="a14">
+          <p:sp>
+            <p:nvSpPr>
+              <p:cNvPr id="3" name="TextBox 2">
+                <a:extLst>
+                  <a:ext uri="{FF2B5EF4-FFF2-40B4-BE49-F238E27FC236}">
+                    <a16:creationId xmlns:a16="http://schemas.microsoft.com/office/drawing/2014/main" id="{9DBC6D1A-6E8E-08DF-340C-828513995090}"/>
+                  </a:ext>
+                </a:extLst>
+              </p:cNvPr>
+              <p:cNvSpPr txBox="1"/>
+              <p:nvPr/>
+            </p:nvSpPr>
+            <p:spPr>
+              <a:xfrm>
+                <a:off x="3668485" y="2827613"/>
+                <a:ext cx="660694" cy="375552"/>
+              </a:xfrm>
+              <a:prstGeom prst="rect">
+                <a:avLst/>
+              </a:prstGeom>
+              <a:solidFill>
+                <a:schemeClr val="bg1">
+                  <a:alpha val="50000"/>
+                </a:schemeClr>
+              </a:solidFill>
+            </p:spPr>
+            <p:txBody>
+              <a:bodyPr wrap="none" rtlCol="0">
+                <a:spAutoFit/>
+              </a:bodyPr>
+              <a:lstStyle/>
+              <a:p>
+                <a:pPr/>
+                <a14:m>
+                  <m:oMathPara xmlns:m="http://schemas.openxmlformats.org/officeDocument/2006/math">
+                    <m:oMathParaPr>
+                      <m:jc m:val="centerGroup"/>
+                    </m:oMathParaPr>
+                    <m:oMath xmlns:m="http://schemas.openxmlformats.org/officeDocument/2006/math">
+                      <m:r>
+                        <a:rPr lang="en-US" b="1" i="1" smtClean="0">
+                          <a:latin typeface="Cambria Math" panose="02040503050406030204" pitchFamily="18" charset="0"/>
+                        </a:rPr>
+                        <m:t>+</m:t>
+                      </m:r>
+                      <m:sSup>
+                        <m:sSupPr>
+                          <m:ctrlPr>
+                            <a:rPr lang="en-US" b="1" i="1" smtClean="0">
+                              <a:latin typeface="Cambria Math" panose="02040503050406030204" pitchFamily="18" charset="0"/>
+                            </a:rPr>
+                          </m:ctrlPr>
+                        </m:sSupPr>
+                        <m:e>
+                          <m:r>
+                            <a:rPr lang="en-US" b="1" i="1" smtClean="0">
+                              <a:latin typeface="Cambria Math" panose="02040503050406030204" pitchFamily="18" charset="0"/>
+                            </a:rPr>
+                            <m:t>𝒃</m:t>
+                          </m:r>
+                        </m:e>
+                        <m:sup>
+                          <m:r>
+                            <a:rPr lang="en-US" b="1" i="1" smtClean="0">
+                              <a:latin typeface="Cambria Math" panose="02040503050406030204" pitchFamily="18" charset="0"/>
+                            </a:rPr>
+                            <m:t>𝟏</m:t>
+                          </m:r>
+                        </m:sup>
+                      </m:sSup>
+                    </m:oMath>
+                  </m:oMathPara>
+                </a14:m>
+                <a:endParaRPr lang="en-US" b="1" dirty="0"/>
+              </a:p>
+            </p:txBody>
+          </p:sp>
+        </mc:Choice>
+        <mc:Fallback xmlns="">
+          <p:sp>
+            <p:nvSpPr>
+              <p:cNvPr id="3" name="TextBox 2">
+                <a:extLst>
+                  <a:ext uri="{FF2B5EF4-FFF2-40B4-BE49-F238E27FC236}">
+                    <a16:creationId xmlns:a16="http://schemas.microsoft.com/office/drawing/2014/main" id="{9DBC6D1A-6E8E-08DF-340C-828513995090}"/>
+                  </a:ext>
+                </a:extLst>
+              </p:cNvPr>
+              <p:cNvSpPr txBox="1">
+                <a:spLocks noRot="1" noChangeAspect="1" noMove="1" noResize="1" noEditPoints="1" noAdjustHandles="1" noChangeArrowheads="1" noChangeShapeType="1" noTextEdit="1"/>
+              </p:cNvSpPr>
+              <p:nvPr/>
+            </p:nvSpPr>
+            <p:spPr>
+              <a:xfrm>
+                <a:off x="3668485" y="2827613"/>
+                <a:ext cx="660694" cy="375552"/>
+              </a:xfrm>
+              <a:prstGeom prst="rect">
+                <a:avLst/>
+              </a:prstGeom>
+              <a:blipFill>
+                <a:blip r:embed="rId12"/>
+                <a:stretch>
+                  <a:fillRect/>
+                </a:stretch>
+              </a:blipFill>
+            </p:spPr>
+            <p:txBody>
+              <a:bodyPr/>
+              <a:lstStyle/>
+              <a:p>
+                <a:r>
+                  <a:rPr lang="en-US">
+                    <a:noFill/>
+                  </a:rPr>
+                  <a:t> </a:t>
+                </a:r>
+              </a:p>
+            </p:txBody>
+          </p:sp>
+        </mc:Fallback>
+      </mc:AlternateContent>
+      <mc:AlternateContent xmlns:mc="http://schemas.openxmlformats.org/markup-compatibility/2006" xmlns:a14="http://schemas.microsoft.com/office/drawing/2010/main">
+        <mc:Choice Requires="a14">
+          <p:sp>
+            <p:nvSpPr>
+              <p:cNvPr id="4" name="TextBox 3">
+                <a:extLst>
+                  <a:ext uri="{FF2B5EF4-FFF2-40B4-BE49-F238E27FC236}">
+                    <a16:creationId xmlns:a16="http://schemas.microsoft.com/office/drawing/2014/main" id="{745A9EC4-4327-E45A-8A5A-38DA06AC3974}"/>
+                  </a:ext>
+                </a:extLst>
+              </p:cNvPr>
+              <p:cNvSpPr txBox="1"/>
+              <p:nvPr/>
+            </p:nvSpPr>
+            <p:spPr>
+              <a:xfrm>
+                <a:off x="5949646" y="2809925"/>
+                <a:ext cx="660694" cy="375552"/>
+              </a:xfrm>
+              <a:prstGeom prst="rect">
+                <a:avLst/>
+              </a:prstGeom>
+              <a:solidFill>
+                <a:schemeClr val="bg1">
+                  <a:alpha val="50000"/>
+                </a:schemeClr>
+              </a:solidFill>
+            </p:spPr>
+            <p:txBody>
+              <a:bodyPr wrap="none" rtlCol="0">
+                <a:spAutoFit/>
+              </a:bodyPr>
+              <a:lstStyle/>
+              <a:p>
+                <a:pPr/>
+                <a14:m>
+                  <m:oMathPara xmlns:m="http://schemas.openxmlformats.org/officeDocument/2006/math">
+                    <m:oMathParaPr>
+                      <m:jc m:val="centerGroup"/>
+                    </m:oMathParaPr>
+                    <m:oMath xmlns:m="http://schemas.openxmlformats.org/officeDocument/2006/math">
+                      <m:r>
+                        <a:rPr lang="en-US" b="1" i="1" smtClean="0">
+                          <a:latin typeface="Cambria Math" panose="02040503050406030204" pitchFamily="18" charset="0"/>
+                        </a:rPr>
+                        <m:t>+</m:t>
+                      </m:r>
+                      <m:sSup>
+                        <m:sSupPr>
+                          <m:ctrlPr>
+                            <a:rPr lang="en-US" b="1" i="1" smtClean="0">
+                              <a:latin typeface="Cambria Math" panose="02040503050406030204" pitchFamily="18" charset="0"/>
+                            </a:rPr>
+                          </m:ctrlPr>
+                        </m:sSupPr>
+                        <m:e>
+                          <m:r>
+                            <a:rPr lang="en-US" b="1" i="1" smtClean="0">
+                              <a:latin typeface="Cambria Math" panose="02040503050406030204" pitchFamily="18" charset="0"/>
+                            </a:rPr>
+                            <m:t>𝒃</m:t>
+                          </m:r>
+                        </m:e>
+                        <m:sup>
+                          <m:r>
+                            <a:rPr lang="en-US" b="1" i="1" smtClean="0">
+                              <a:latin typeface="Cambria Math" panose="02040503050406030204" pitchFamily="18" charset="0"/>
+                            </a:rPr>
+                            <m:t>𝟐</m:t>
+                          </m:r>
+                        </m:sup>
+                      </m:sSup>
+                    </m:oMath>
+                  </m:oMathPara>
+                </a14:m>
+                <a:endParaRPr lang="en-US" b="1" dirty="0"/>
+              </a:p>
+            </p:txBody>
+          </p:sp>
+        </mc:Choice>
+        <mc:Fallback xmlns="">
+          <p:sp>
+            <p:nvSpPr>
+              <p:cNvPr id="4" name="TextBox 3">
+                <a:extLst>
+                  <a:ext uri="{FF2B5EF4-FFF2-40B4-BE49-F238E27FC236}">
+                    <a16:creationId xmlns:a16="http://schemas.microsoft.com/office/drawing/2014/main" id="{745A9EC4-4327-E45A-8A5A-38DA06AC3974}"/>
+                  </a:ext>
+                </a:extLst>
+              </p:cNvPr>
+              <p:cNvSpPr txBox="1">
+                <a:spLocks noRot="1" noChangeAspect="1" noMove="1" noResize="1" noEditPoints="1" noAdjustHandles="1" noChangeArrowheads="1" noChangeShapeType="1" noTextEdit="1"/>
+              </p:cNvSpPr>
+              <p:nvPr/>
+            </p:nvSpPr>
+            <p:spPr>
+              <a:xfrm>
+                <a:off x="5949646" y="2809925"/>
+                <a:ext cx="660694" cy="375552"/>
+              </a:xfrm>
+              <a:prstGeom prst="rect">
+                <a:avLst/>
+              </a:prstGeom>
+              <a:blipFill>
+                <a:blip r:embed="rId13"/>
+                <a:stretch>
+                  <a:fillRect/>
+                </a:stretch>
+              </a:blipFill>
+            </p:spPr>
+            <p:txBody>
+              <a:bodyPr/>
+              <a:lstStyle/>
+              <a:p>
+                <a:r>
+                  <a:rPr lang="en-US">
+                    <a:noFill/>
+                  </a:rPr>
+                  <a:t> </a:t>
+                </a:r>
+              </a:p>
+            </p:txBody>
+          </p:sp>
+        </mc:Fallback>
+      </mc:AlternateContent>
+      <mc:AlternateContent xmlns:mc="http://schemas.openxmlformats.org/markup-compatibility/2006" xmlns:a14="http://schemas.microsoft.com/office/drawing/2010/main">
+        <mc:Choice Requires="a14">
+          <p:sp>
+            <p:nvSpPr>
+              <p:cNvPr id="5" name="TextBox 4">
+                <a:extLst>
+                  <a:ext uri="{FF2B5EF4-FFF2-40B4-BE49-F238E27FC236}">
+                    <a16:creationId xmlns:a16="http://schemas.microsoft.com/office/drawing/2014/main" id="{B230F668-08B3-A9F1-CDF2-F431916F0491}"/>
+                  </a:ext>
+                </a:extLst>
+              </p:cNvPr>
+              <p:cNvSpPr txBox="1"/>
+              <p:nvPr/>
+            </p:nvSpPr>
+            <p:spPr>
+              <a:xfrm>
+                <a:off x="8230807" y="2827613"/>
+                <a:ext cx="660694" cy="375552"/>
+              </a:xfrm>
+              <a:prstGeom prst="rect">
+                <a:avLst/>
+              </a:prstGeom>
+              <a:solidFill>
+                <a:schemeClr val="bg1">
+                  <a:alpha val="50000"/>
+                </a:schemeClr>
+              </a:solidFill>
+            </p:spPr>
+            <p:txBody>
+              <a:bodyPr wrap="none" rtlCol="0">
+                <a:spAutoFit/>
+              </a:bodyPr>
+              <a:lstStyle/>
+              <a:p>
+                <a:pPr/>
+                <a14:m>
+                  <m:oMathPara xmlns:m="http://schemas.openxmlformats.org/officeDocument/2006/math">
+                    <m:oMathParaPr>
+                      <m:jc m:val="centerGroup"/>
+                    </m:oMathParaPr>
+                    <m:oMath xmlns:m="http://schemas.openxmlformats.org/officeDocument/2006/math">
+                      <m:r>
+                        <a:rPr lang="en-US" b="1" i="1" smtClean="0">
+                          <a:latin typeface="Cambria Math" panose="02040503050406030204" pitchFamily="18" charset="0"/>
+                        </a:rPr>
+                        <m:t>+</m:t>
+                      </m:r>
+                      <m:sSup>
+                        <m:sSupPr>
+                          <m:ctrlPr>
+                            <a:rPr lang="en-US" b="1" i="1" smtClean="0">
+                              <a:latin typeface="Cambria Math" panose="02040503050406030204" pitchFamily="18" charset="0"/>
+                            </a:rPr>
+                          </m:ctrlPr>
+                        </m:sSupPr>
+                        <m:e>
+                          <m:r>
+                            <a:rPr lang="en-US" b="1" i="1" smtClean="0">
+                              <a:latin typeface="Cambria Math" panose="02040503050406030204" pitchFamily="18" charset="0"/>
+                            </a:rPr>
+                            <m:t>𝒃</m:t>
+                          </m:r>
+                        </m:e>
+                        <m:sup>
+                          <m:r>
+                            <a:rPr lang="en-US" b="1" i="1" smtClean="0">
+                              <a:latin typeface="Cambria Math" panose="02040503050406030204" pitchFamily="18" charset="0"/>
+                            </a:rPr>
+                            <m:t>𝟑</m:t>
+                          </m:r>
+                        </m:sup>
+                      </m:sSup>
+                    </m:oMath>
+                  </m:oMathPara>
+                </a14:m>
+                <a:endParaRPr lang="en-US" b="1" dirty="0"/>
+              </a:p>
+            </p:txBody>
+          </p:sp>
+        </mc:Choice>
+        <mc:Fallback xmlns="">
+          <p:sp>
+            <p:nvSpPr>
+              <p:cNvPr id="5" name="TextBox 4">
+                <a:extLst>
+                  <a:ext uri="{FF2B5EF4-FFF2-40B4-BE49-F238E27FC236}">
+                    <a16:creationId xmlns:a16="http://schemas.microsoft.com/office/drawing/2014/main" id="{B230F668-08B3-A9F1-CDF2-F431916F0491}"/>
+                  </a:ext>
+                </a:extLst>
+              </p:cNvPr>
+              <p:cNvSpPr txBox="1">
+                <a:spLocks noRot="1" noChangeAspect="1" noMove="1" noResize="1" noEditPoints="1" noAdjustHandles="1" noChangeArrowheads="1" noChangeShapeType="1" noTextEdit="1"/>
+              </p:cNvSpPr>
+              <p:nvPr/>
+            </p:nvSpPr>
+            <p:spPr>
+              <a:xfrm>
+                <a:off x="8230807" y="2827613"/>
+                <a:ext cx="660694" cy="375552"/>
+              </a:xfrm>
+              <a:prstGeom prst="rect">
+                <a:avLst/>
+              </a:prstGeom>
+              <a:blipFill>
+                <a:blip r:embed="rId14"/>
+                <a:stretch>
+                  <a:fillRect/>
+                </a:stretch>
+              </a:blipFill>
+            </p:spPr>
+            <p:txBody>
+              <a:bodyPr/>
+              <a:lstStyle/>
+              <a:p>
+                <a:r>
+                  <a:rPr lang="en-US">
+                    <a:noFill/>
+                  </a:rPr>
+                  <a:t> </a:t>
+                </a:r>
+              </a:p>
+            </p:txBody>
+          </p:sp>
+        </mc:Fallback>
+      </mc:AlternateContent>
+      <p:cxnSp>
+        <p:nvCxnSpPr>
+          <p:cNvPr id="6" name="Straight Connector 5">
+            <a:extLst>
+              <a:ext uri="{FF2B5EF4-FFF2-40B4-BE49-F238E27FC236}">
+                <a16:creationId xmlns:a16="http://schemas.microsoft.com/office/drawing/2014/main" id="{E669F170-0BF9-11BF-17DD-075004EA907B}"/>
+              </a:ext>
+            </a:extLst>
+          </p:cNvPr>
+          <p:cNvCxnSpPr>
+            <a:cxnSpLocks/>
+            <a:stCxn id="3" idx="2"/>
+            <a:endCxn id="52" idx="0"/>
+          </p:cNvCxnSpPr>
+          <p:nvPr/>
+        </p:nvCxnSpPr>
+        <p:spPr>
+          <a:xfrm>
+            <a:off x="3998832" y="3203165"/>
+            <a:ext cx="0" cy="639446"/>
+          </a:xfrm>
+          <a:prstGeom prst="line">
+            <a:avLst/>
+          </a:prstGeom>
+          <a:ln w="76200">
+            <a:solidFill>
+              <a:schemeClr val="bg1">
+                <a:lumMod val="50000"/>
+              </a:schemeClr>
+            </a:solidFill>
+          </a:ln>
+        </p:spPr>
+        <p:style>
+          <a:lnRef idx="1">
+            <a:schemeClr val="dk1"/>
+          </a:lnRef>
+          <a:fillRef idx="0">
+            <a:schemeClr val="dk1"/>
+          </a:fillRef>
+          <a:effectRef idx="0">
+            <a:schemeClr val="dk1"/>
+          </a:effectRef>
+          <a:fontRef idx="minor">
+            <a:schemeClr val="tx1"/>
+          </a:fontRef>
+        </p:style>
+      </p:cxnSp>
+      <p:cxnSp>
+        <p:nvCxnSpPr>
+          <p:cNvPr id="9" name="Straight Connector 8">
+            <a:extLst>
+              <a:ext uri="{FF2B5EF4-FFF2-40B4-BE49-F238E27FC236}">
+                <a16:creationId xmlns:a16="http://schemas.microsoft.com/office/drawing/2014/main" id="{D42B4B67-6AEA-DFE3-573E-CDFA5C662F32}"/>
+              </a:ext>
+            </a:extLst>
+          </p:cNvPr>
+          <p:cNvCxnSpPr>
+            <a:cxnSpLocks/>
+            <a:stCxn id="4" idx="2"/>
+            <a:endCxn id="54" idx="0"/>
+          </p:cNvCxnSpPr>
+          <p:nvPr/>
+        </p:nvCxnSpPr>
+        <p:spPr>
+          <a:xfrm>
+            <a:off x="6279993" y="3185477"/>
+            <a:ext cx="0" cy="657134"/>
+          </a:xfrm>
+          <a:prstGeom prst="line">
+            <a:avLst/>
+          </a:prstGeom>
+          <a:ln w="76200">
+            <a:solidFill>
+              <a:schemeClr val="bg1">
+                <a:lumMod val="50000"/>
+              </a:schemeClr>
+            </a:solidFill>
+          </a:ln>
+        </p:spPr>
+        <p:style>
+          <a:lnRef idx="1">
+            <a:schemeClr val="dk1"/>
+          </a:lnRef>
+          <a:fillRef idx="0">
+            <a:schemeClr val="dk1"/>
+          </a:fillRef>
+          <a:effectRef idx="0">
+            <a:schemeClr val="dk1"/>
+          </a:effectRef>
+          <a:fontRef idx="minor">
+            <a:schemeClr val="tx1"/>
+          </a:fontRef>
+        </p:style>
+      </p:cxnSp>
+      <p:cxnSp>
+        <p:nvCxnSpPr>
+          <p:cNvPr id="12" name="Straight Connector 11">
+            <a:extLst>
+              <a:ext uri="{FF2B5EF4-FFF2-40B4-BE49-F238E27FC236}">
+                <a16:creationId xmlns:a16="http://schemas.microsoft.com/office/drawing/2014/main" id="{F4CE1853-7497-9DD5-96E6-6516A98EF31F}"/>
+              </a:ext>
+            </a:extLst>
+          </p:cNvPr>
+          <p:cNvCxnSpPr>
+            <a:cxnSpLocks/>
+            <a:stCxn id="5" idx="2"/>
+            <a:endCxn id="55" idx="0"/>
+          </p:cNvCxnSpPr>
+          <p:nvPr/>
+        </p:nvCxnSpPr>
+        <p:spPr>
+          <a:xfrm>
+            <a:off x="8561154" y="3203165"/>
+            <a:ext cx="0" cy="639446"/>
+          </a:xfrm>
+          <a:prstGeom prst="line">
+            <a:avLst/>
+          </a:prstGeom>
+          <a:ln w="76200">
+            <a:solidFill>
+              <a:schemeClr val="bg1">
+                <a:lumMod val="50000"/>
+              </a:schemeClr>
+            </a:solidFill>
+          </a:ln>
+        </p:spPr>
+        <p:style>
+          <a:lnRef idx="1">
+            <a:schemeClr val="dk1"/>
+          </a:lnRef>
+          <a:fillRef idx="0">
+            <a:schemeClr val="dk1"/>
+          </a:fillRef>
+          <a:effectRef idx="0">
+            <a:schemeClr val="dk1"/>
+          </a:effectRef>
+          <a:fontRef idx="minor">
+            <a:schemeClr val="tx1"/>
+          </a:fontRef>
+        </p:style>
+      </p:cxnSp>
+      <mc:AlternateContent xmlns:mc="http://schemas.openxmlformats.org/markup-compatibility/2006" xmlns:a14="http://schemas.microsoft.com/office/drawing/2010/main">
+        <mc:Choice Requires="a14">
+          <p:sp>
+            <p:nvSpPr>
+              <p:cNvPr id="18" name="TextBox 17">
+                <a:extLst>
+                  <a:ext uri="{FF2B5EF4-FFF2-40B4-BE49-F238E27FC236}">
+                    <a16:creationId xmlns:a16="http://schemas.microsoft.com/office/drawing/2014/main" id="{B17A5568-71EF-1462-B1D2-F61BC8605517}"/>
+                  </a:ext>
+                </a:extLst>
+              </p:cNvPr>
+              <p:cNvSpPr txBox="1"/>
+              <p:nvPr/>
+            </p:nvSpPr>
+            <p:spPr>
+              <a:xfrm>
+                <a:off x="3126347" y="4532489"/>
+                <a:ext cx="1731371" cy="375552"/>
+              </a:xfrm>
+              <a:prstGeom prst="rect">
+                <a:avLst/>
+              </a:prstGeom>
+              <a:solidFill>
+                <a:schemeClr val="bg1">
+                  <a:alpha val="50000"/>
+                </a:schemeClr>
+              </a:solidFill>
+            </p:spPr>
+            <p:txBody>
+              <a:bodyPr wrap="none" rtlCol="0">
+                <a:spAutoFit/>
+              </a:bodyPr>
+              <a:lstStyle/>
+              <a:p>
+                <a:pPr/>
+                <a14:m>
+                  <m:oMathPara xmlns:m="http://schemas.openxmlformats.org/officeDocument/2006/math">
+                    <m:oMathParaPr>
+                      <m:jc m:val="centerGroup"/>
+                    </m:oMathParaPr>
+                    <m:oMath xmlns:m="http://schemas.openxmlformats.org/officeDocument/2006/math">
+                      <m:sSup>
+                        <m:sSupPr>
+                          <m:ctrlPr>
+                            <a:rPr lang="en-US" b="1" i="1" smtClean="0">
+                              <a:latin typeface="Cambria Math" panose="02040503050406030204" pitchFamily="18" charset="0"/>
+                            </a:rPr>
+                          </m:ctrlPr>
+                        </m:sSupPr>
+                        <m:e>
+                          <m:r>
+                            <a:rPr lang="en-US" b="1" i="1" smtClean="0">
+                              <a:latin typeface="Cambria Math" panose="02040503050406030204" pitchFamily="18" charset="0"/>
+                            </a:rPr>
+                            <m:t>𝒍</m:t>
+                          </m:r>
+                        </m:e>
+                        <m:sup>
+                          <m:r>
+                            <a:rPr lang="en-US" b="1" i="1" smtClean="0">
+                              <a:latin typeface="Cambria Math" panose="02040503050406030204" pitchFamily="18" charset="0"/>
+                            </a:rPr>
+                            <m:t>𝟏</m:t>
+                          </m:r>
+                        </m:sup>
+                      </m:sSup>
+                      <m:r>
+                        <a:rPr lang="en-US" b="1" i="1" smtClean="0">
+                          <a:latin typeface="Cambria Math" panose="02040503050406030204" pitchFamily="18" charset="0"/>
+                        </a:rPr>
+                        <m:t>=</m:t>
+                      </m:r>
+                      <m:sSup>
+                        <m:sSupPr>
+                          <m:ctrlPr>
+                            <a:rPr lang="en-US" b="1" i="1" smtClean="0">
+                              <a:latin typeface="Cambria Math" panose="02040503050406030204" pitchFamily="18" charset="0"/>
+                            </a:rPr>
+                          </m:ctrlPr>
+                        </m:sSupPr>
+                        <m:e>
+                          <m:r>
+                            <a:rPr lang="en-US" b="1" i="1" smtClean="0">
+                              <a:latin typeface="Cambria Math" panose="02040503050406030204" pitchFamily="18" charset="0"/>
+                            </a:rPr>
+                            <m:t>𝑾</m:t>
+                          </m:r>
+                        </m:e>
+                        <m:sup>
+                          <m:r>
+                            <a:rPr lang="en-US" b="1" i="1" smtClean="0">
+                              <a:latin typeface="Cambria Math" panose="02040503050406030204" pitchFamily="18" charset="0"/>
+                            </a:rPr>
+                            <m:t>𝟏</m:t>
+                          </m:r>
+                        </m:sup>
+                      </m:sSup>
+                      <m:r>
+                        <a:rPr lang="en-US" b="0" i="1" smtClean="0">
+                          <a:latin typeface="Cambria Math" panose="02040503050406030204" pitchFamily="18" charset="0"/>
+                        </a:rPr>
+                        <m:t>𝑥</m:t>
+                      </m:r>
+                      <m:r>
+                        <a:rPr lang="en-US" b="1" i="1" smtClean="0">
+                          <a:latin typeface="Cambria Math" panose="02040503050406030204" pitchFamily="18" charset="0"/>
+                        </a:rPr>
+                        <m:t>+</m:t>
+                      </m:r>
+                      <m:sSup>
+                        <m:sSupPr>
+                          <m:ctrlPr>
+                            <a:rPr lang="en-US" b="1" i="1" smtClean="0">
+                              <a:latin typeface="Cambria Math" panose="02040503050406030204" pitchFamily="18" charset="0"/>
+                            </a:rPr>
+                          </m:ctrlPr>
+                        </m:sSupPr>
+                        <m:e>
+                          <m:r>
+                            <a:rPr lang="en-US" b="1" i="1" smtClean="0">
+                              <a:latin typeface="Cambria Math" panose="02040503050406030204" pitchFamily="18" charset="0"/>
+                            </a:rPr>
+                            <m:t>𝒃</m:t>
+                          </m:r>
+                        </m:e>
+                        <m:sup>
+                          <m:r>
+                            <a:rPr lang="en-US" b="1" i="1" smtClean="0">
+                              <a:latin typeface="Cambria Math" panose="02040503050406030204" pitchFamily="18" charset="0"/>
+                            </a:rPr>
+                            <m:t>𝟏</m:t>
+                          </m:r>
+                        </m:sup>
+                      </m:sSup>
+                    </m:oMath>
+                  </m:oMathPara>
+                </a14:m>
+                <a:endParaRPr lang="en-US" b="1" dirty="0"/>
+              </a:p>
+            </p:txBody>
+          </p:sp>
+        </mc:Choice>
+        <mc:Fallback xmlns="">
+          <p:sp>
+            <p:nvSpPr>
+              <p:cNvPr id="18" name="TextBox 17">
+                <a:extLst>
+                  <a:ext uri="{FF2B5EF4-FFF2-40B4-BE49-F238E27FC236}">
+                    <a16:creationId xmlns:a16="http://schemas.microsoft.com/office/drawing/2014/main" id="{B17A5568-71EF-1462-B1D2-F61BC8605517}"/>
+                  </a:ext>
+                </a:extLst>
+              </p:cNvPr>
+              <p:cNvSpPr txBox="1">
+                <a:spLocks noRot="1" noChangeAspect="1" noMove="1" noResize="1" noEditPoints="1" noAdjustHandles="1" noChangeArrowheads="1" noChangeShapeType="1" noTextEdit="1"/>
+              </p:cNvSpPr>
+              <p:nvPr/>
+            </p:nvSpPr>
+            <p:spPr>
+              <a:xfrm>
+                <a:off x="3126347" y="4532489"/>
+                <a:ext cx="1731371" cy="375552"/>
+              </a:xfrm>
+              <a:prstGeom prst="rect">
+                <a:avLst/>
+              </a:prstGeom>
+              <a:blipFill>
+                <a:blip r:embed="rId15"/>
+                <a:stretch>
+                  <a:fillRect/>
+                </a:stretch>
+              </a:blipFill>
+            </p:spPr>
+            <p:txBody>
+              <a:bodyPr/>
+              <a:lstStyle/>
+              <a:p>
+                <a:r>
+                  <a:rPr lang="en-US">
+                    <a:noFill/>
+                  </a:rPr>
+                  <a:t> </a:t>
+                </a:r>
+              </a:p>
+            </p:txBody>
+          </p:sp>
+        </mc:Fallback>
+      </mc:AlternateContent>
+      <mc:AlternateContent xmlns:mc="http://schemas.openxmlformats.org/markup-compatibility/2006" xmlns:a14="http://schemas.microsoft.com/office/drawing/2010/main">
+        <mc:Choice Requires="a14">
+          <p:sp>
+            <p:nvSpPr>
+              <p:cNvPr id="19" name="TextBox 18">
+                <a:extLst>
+                  <a:ext uri="{FF2B5EF4-FFF2-40B4-BE49-F238E27FC236}">
+                    <a16:creationId xmlns:a16="http://schemas.microsoft.com/office/drawing/2014/main" id="{E92BFAA9-7DAE-E097-D434-D1853323A37D}"/>
+                  </a:ext>
+                </a:extLst>
+              </p:cNvPr>
+              <p:cNvSpPr txBox="1"/>
+              <p:nvPr/>
+            </p:nvSpPr>
+            <p:spPr>
+              <a:xfrm>
+                <a:off x="5375897" y="4533250"/>
+                <a:ext cx="1793824" cy="375552"/>
+              </a:xfrm>
+              <a:prstGeom prst="rect">
+                <a:avLst/>
+              </a:prstGeom>
+              <a:solidFill>
+                <a:schemeClr val="bg1">
+                  <a:alpha val="50000"/>
+                </a:schemeClr>
+              </a:solidFill>
+            </p:spPr>
+            <p:txBody>
+              <a:bodyPr wrap="none" rtlCol="0">
+                <a:spAutoFit/>
+              </a:bodyPr>
+              <a:lstStyle/>
+              <a:p>
+                <a:pPr/>
+                <a14:m>
+                  <m:oMathPara xmlns:m="http://schemas.openxmlformats.org/officeDocument/2006/math">
+                    <m:oMathParaPr>
+                      <m:jc m:val="centerGroup"/>
+                    </m:oMathParaPr>
+                    <m:oMath xmlns:m="http://schemas.openxmlformats.org/officeDocument/2006/math">
+                      <m:sSup>
+                        <m:sSupPr>
+                          <m:ctrlPr>
+                            <a:rPr lang="en-US" b="1" i="1" smtClean="0">
+                              <a:latin typeface="Cambria Math" panose="02040503050406030204" pitchFamily="18" charset="0"/>
+                            </a:rPr>
+                          </m:ctrlPr>
+                        </m:sSupPr>
+                        <m:e>
+                          <m:r>
+                            <a:rPr lang="en-US" b="1" i="1" smtClean="0">
+                              <a:latin typeface="Cambria Math" panose="02040503050406030204" pitchFamily="18" charset="0"/>
+                            </a:rPr>
+                            <m:t>𝒍</m:t>
+                          </m:r>
+                        </m:e>
+                        <m:sup>
+                          <m:r>
+                            <a:rPr lang="en-US" b="1" i="1" smtClean="0">
+                              <a:latin typeface="Cambria Math" panose="02040503050406030204" pitchFamily="18" charset="0"/>
+                            </a:rPr>
+                            <m:t>𝟐</m:t>
+                          </m:r>
+                        </m:sup>
+                      </m:sSup>
+                      <m:r>
+                        <a:rPr lang="en-US" b="1" i="1" smtClean="0">
+                          <a:latin typeface="Cambria Math" panose="02040503050406030204" pitchFamily="18" charset="0"/>
+                        </a:rPr>
+                        <m:t>=</m:t>
+                      </m:r>
+                      <m:sSup>
+                        <m:sSupPr>
+                          <m:ctrlPr>
+                            <a:rPr lang="en-US" b="1" i="1" smtClean="0">
+                              <a:latin typeface="Cambria Math" panose="02040503050406030204" pitchFamily="18" charset="0"/>
+                            </a:rPr>
+                          </m:ctrlPr>
+                        </m:sSupPr>
+                        <m:e>
+                          <m:r>
+                            <a:rPr lang="en-US" b="1" i="1" smtClean="0">
+                              <a:latin typeface="Cambria Math" panose="02040503050406030204" pitchFamily="18" charset="0"/>
+                            </a:rPr>
+                            <m:t>𝑾</m:t>
+                          </m:r>
+                        </m:e>
+                        <m:sup>
+                          <m:r>
+                            <a:rPr lang="en-US" b="1" i="1" smtClean="0">
+                              <a:latin typeface="Cambria Math" panose="02040503050406030204" pitchFamily="18" charset="0"/>
+                            </a:rPr>
+                            <m:t>𝟐</m:t>
+                          </m:r>
+                        </m:sup>
+                      </m:sSup>
+                      <m:sSup>
+                        <m:sSupPr>
+                          <m:ctrlPr>
+                            <a:rPr lang="en-US" b="1" i="1" smtClean="0">
+                              <a:latin typeface="Cambria Math" panose="02040503050406030204" pitchFamily="18" charset="0"/>
+                            </a:rPr>
+                          </m:ctrlPr>
+                        </m:sSupPr>
+                        <m:e>
+                          <m:r>
+                            <a:rPr lang="en-US" b="1" i="1" smtClean="0">
+                              <a:latin typeface="Cambria Math" panose="02040503050406030204" pitchFamily="18" charset="0"/>
+                            </a:rPr>
+                            <m:t>𝒍</m:t>
+                          </m:r>
+                        </m:e>
+                        <m:sup>
+                          <m:r>
+                            <a:rPr lang="en-US" b="1" i="1" smtClean="0">
+                              <a:latin typeface="Cambria Math" panose="02040503050406030204" pitchFamily="18" charset="0"/>
+                            </a:rPr>
+                            <m:t>𝟏</m:t>
+                          </m:r>
+                        </m:sup>
+                      </m:sSup>
+                      <m:r>
+                        <a:rPr lang="en-US" b="1" i="1" smtClean="0">
+                          <a:latin typeface="Cambria Math" panose="02040503050406030204" pitchFamily="18" charset="0"/>
+                        </a:rPr>
+                        <m:t>+</m:t>
+                      </m:r>
+                      <m:sSup>
+                        <m:sSupPr>
+                          <m:ctrlPr>
+                            <a:rPr lang="en-US" b="1" i="1" smtClean="0">
+                              <a:latin typeface="Cambria Math" panose="02040503050406030204" pitchFamily="18" charset="0"/>
+                            </a:rPr>
+                          </m:ctrlPr>
+                        </m:sSupPr>
+                        <m:e>
+                          <m:r>
+                            <a:rPr lang="en-US" b="1" i="1" smtClean="0">
+                              <a:latin typeface="Cambria Math" panose="02040503050406030204" pitchFamily="18" charset="0"/>
+                            </a:rPr>
+                            <m:t>𝒃</m:t>
+                          </m:r>
+                        </m:e>
+                        <m:sup>
+                          <m:r>
+                            <a:rPr lang="en-US" b="1" i="1" smtClean="0">
+                              <a:latin typeface="Cambria Math" panose="02040503050406030204" pitchFamily="18" charset="0"/>
+                            </a:rPr>
+                            <m:t>𝟐</m:t>
+                          </m:r>
+                        </m:sup>
+                      </m:sSup>
+                    </m:oMath>
+                  </m:oMathPara>
+                </a14:m>
+                <a:endParaRPr lang="en-US" b="1" dirty="0"/>
+              </a:p>
+            </p:txBody>
+          </p:sp>
+        </mc:Choice>
+        <mc:Fallback xmlns="">
+          <p:sp>
+            <p:nvSpPr>
+              <p:cNvPr id="19" name="TextBox 18">
+                <a:extLst>
+                  <a:ext uri="{FF2B5EF4-FFF2-40B4-BE49-F238E27FC236}">
+                    <a16:creationId xmlns:a16="http://schemas.microsoft.com/office/drawing/2014/main" id="{E92BFAA9-7DAE-E097-D434-D1853323A37D}"/>
+                  </a:ext>
+                </a:extLst>
+              </p:cNvPr>
+              <p:cNvSpPr txBox="1">
+                <a:spLocks noRot="1" noChangeAspect="1" noMove="1" noResize="1" noEditPoints="1" noAdjustHandles="1" noChangeArrowheads="1" noChangeShapeType="1" noTextEdit="1"/>
+              </p:cNvSpPr>
+              <p:nvPr/>
+            </p:nvSpPr>
+            <p:spPr>
+              <a:xfrm>
+                <a:off x="5375897" y="4533250"/>
+                <a:ext cx="1793824" cy="375552"/>
+              </a:xfrm>
+              <a:prstGeom prst="rect">
+                <a:avLst/>
+              </a:prstGeom>
+              <a:blipFill>
+                <a:blip r:embed="rId16"/>
+                <a:stretch>
+                  <a:fillRect/>
+                </a:stretch>
+              </a:blipFill>
+            </p:spPr>
+            <p:txBody>
+              <a:bodyPr/>
+              <a:lstStyle/>
+              <a:p>
+                <a:r>
+                  <a:rPr lang="en-US">
+                    <a:noFill/>
+                  </a:rPr>
+                  <a:t> </a:t>
+                </a:r>
+              </a:p>
+            </p:txBody>
+          </p:sp>
+        </mc:Fallback>
+      </mc:AlternateContent>
+      <mc:AlternateContent xmlns:mc="http://schemas.openxmlformats.org/markup-compatibility/2006" xmlns:a14="http://schemas.microsoft.com/office/drawing/2010/main">
+        <mc:Choice Requires="a14">
+          <p:sp>
+            <p:nvSpPr>
+              <p:cNvPr id="20" name="TextBox 19">
+                <a:extLst>
+                  <a:ext uri="{FF2B5EF4-FFF2-40B4-BE49-F238E27FC236}">
+                    <a16:creationId xmlns:a16="http://schemas.microsoft.com/office/drawing/2014/main" id="{0722EA25-553E-5A5A-0016-5D6CBD13BDC9}"/>
+                  </a:ext>
+                </a:extLst>
+              </p:cNvPr>
+              <p:cNvSpPr txBox="1"/>
+              <p:nvPr/>
+            </p:nvSpPr>
+            <p:spPr>
+              <a:xfrm>
+                <a:off x="7673125" y="4533250"/>
+                <a:ext cx="1793824" cy="375552"/>
+              </a:xfrm>
+              <a:prstGeom prst="rect">
+                <a:avLst/>
+              </a:prstGeom>
+              <a:solidFill>
+                <a:schemeClr val="bg1">
+                  <a:alpha val="50000"/>
+                </a:schemeClr>
+              </a:solidFill>
+            </p:spPr>
+            <p:txBody>
+              <a:bodyPr wrap="none" rtlCol="0">
+                <a:spAutoFit/>
+              </a:bodyPr>
+              <a:lstStyle/>
+              <a:p>
+                <a:pPr/>
+                <a14:m>
+                  <m:oMathPara xmlns:m="http://schemas.openxmlformats.org/officeDocument/2006/math">
+                    <m:oMathParaPr>
+                      <m:jc m:val="centerGroup"/>
+                    </m:oMathParaPr>
+                    <m:oMath xmlns:m="http://schemas.openxmlformats.org/officeDocument/2006/math">
+                      <m:sSup>
+                        <m:sSupPr>
+                          <m:ctrlPr>
+                            <a:rPr lang="en-US" b="1" i="1" smtClean="0">
+                              <a:latin typeface="Cambria Math" panose="02040503050406030204" pitchFamily="18" charset="0"/>
+                            </a:rPr>
+                          </m:ctrlPr>
+                        </m:sSupPr>
+                        <m:e>
+                          <m:r>
+                            <a:rPr lang="en-US" b="1" i="1" smtClean="0">
+                              <a:latin typeface="Cambria Math" panose="02040503050406030204" pitchFamily="18" charset="0"/>
+                            </a:rPr>
+                            <m:t>𝒍</m:t>
+                          </m:r>
+                        </m:e>
+                        <m:sup>
+                          <m:r>
+                            <a:rPr lang="en-US" b="1" i="1" smtClean="0">
+                              <a:latin typeface="Cambria Math" panose="02040503050406030204" pitchFamily="18" charset="0"/>
+                            </a:rPr>
+                            <m:t>𝟑</m:t>
+                          </m:r>
+                        </m:sup>
+                      </m:sSup>
+                      <m:r>
+                        <a:rPr lang="en-US" b="1" i="1" smtClean="0">
+                          <a:latin typeface="Cambria Math" panose="02040503050406030204" pitchFamily="18" charset="0"/>
+                        </a:rPr>
+                        <m:t>=</m:t>
+                      </m:r>
+                      <m:sSup>
+                        <m:sSupPr>
+                          <m:ctrlPr>
+                            <a:rPr lang="en-US" b="1" i="1" smtClean="0">
+                              <a:latin typeface="Cambria Math" panose="02040503050406030204" pitchFamily="18" charset="0"/>
+                            </a:rPr>
+                          </m:ctrlPr>
+                        </m:sSupPr>
+                        <m:e>
+                          <m:r>
+                            <a:rPr lang="en-US" b="1" i="1" smtClean="0">
+                              <a:latin typeface="Cambria Math" panose="02040503050406030204" pitchFamily="18" charset="0"/>
+                            </a:rPr>
+                            <m:t>𝑾</m:t>
+                          </m:r>
+                        </m:e>
+                        <m:sup>
+                          <m:r>
+                            <a:rPr lang="en-US" b="1" i="1" smtClean="0">
+                              <a:latin typeface="Cambria Math" panose="02040503050406030204" pitchFamily="18" charset="0"/>
+                            </a:rPr>
+                            <m:t>𝟑</m:t>
+                          </m:r>
+                        </m:sup>
+                      </m:sSup>
+                      <m:sSup>
+                        <m:sSupPr>
+                          <m:ctrlPr>
+                            <a:rPr lang="en-US" b="1" i="1" smtClean="0">
+                              <a:latin typeface="Cambria Math" panose="02040503050406030204" pitchFamily="18" charset="0"/>
+                            </a:rPr>
+                          </m:ctrlPr>
+                        </m:sSupPr>
+                        <m:e>
+                          <m:r>
+                            <a:rPr lang="en-US" b="1" i="1" smtClean="0">
+                              <a:latin typeface="Cambria Math" panose="02040503050406030204" pitchFamily="18" charset="0"/>
+                            </a:rPr>
+                            <m:t>𝒍</m:t>
+                          </m:r>
+                        </m:e>
+                        <m:sup>
+                          <m:r>
+                            <a:rPr lang="en-US" b="1" i="1" smtClean="0">
+                              <a:latin typeface="Cambria Math" panose="02040503050406030204" pitchFamily="18" charset="0"/>
+                            </a:rPr>
+                            <m:t>𝟐</m:t>
+                          </m:r>
+                        </m:sup>
+                      </m:sSup>
+                      <m:r>
+                        <a:rPr lang="en-US" b="1" i="1" smtClean="0">
+                          <a:latin typeface="Cambria Math" panose="02040503050406030204" pitchFamily="18" charset="0"/>
+                        </a:rPr>
+                        <m:t>+</m:t>
+                      </m:r>
+                      <m:sSup>
+                        <m:sSupPr>
+                          <m:ctrlPr>
+                            <a:rPr lang="en-US" b="1" i="1" smtClean="0">
+                              <a:latin typeface="Cambria Math" panose="02040503050406030204" pitchFamily="18" charset="0"/>
+                            </a:rPr>
+                          </m:ctrlPr>
+                        </m:sSupPr>
+                        <m:e>
+                          <m:r>
+                            <a:rPr lang="en-US" b="1" i="1" smtClean="0">
+                              <a:latin typeface="Cambria Math" panose="02040503050406030204" pitchFamily="18" charset="0"/>
+                            </a:rPr>
+                            <m:t>𝒃</m:t>
+                          </m:r>
+                        </m:e>
+                        <m:sup>
+                          <m:r>
+                            <a:rPr lang="en-US" b="1" i="1" smtClean="0">
+                              <a:latin typeface="Cambria Math" panose="02040503050406030204" pitchFamily="18" charset="0"/>
+                            </a:rPr>
+                            <m:t>𝟑</m:t>
+                          </m:r>
+                        </m:sup>
+                      </m:sSup>
+                    </m:oMath>
+                  </m:oMathPara>
+                </a14:m>
+                <a:endParaRPr lang="en-US" b="1" dirty="0"/>
+              </a:p>
+            </p:txBody>
+          </p:sp>
+        </mc:Choice>
+        <mc:Fallback xmlns="">
+          <p:sp>
+            <p:nvSpPr>
+              <p:cNvPr id="20" name="TextBox 19">
+                <a:extLst>
+                  <a:ext uri="{FF2B5EF4-FFF2-40B4-BE49-F238E27FC236}">
+                    <a16:creationId xmlns:a16="http://schemas.microsoft.com/office/drawing/2014/main" id="{0722EA25-553E-5A5A-0016-5D6CBD13BDC9}"/>
+                  </a:ext>
+                </a:extLst>
+              </p:cNvPr>
+              <p:cNvSpPr txBox="1">
+                <a:spLocks noRot="1" noChangeAspect="1" noMove="1" noResize="1" noEditPoints="1" noAdjustHandles="1" noChangeArrowheads="1" noChangeShapeType="1" noTextEdit="1"/>
+              </p:cNvSpPr>
+              <p:nvPr/>
+            </p:nvSpPr>
+            <p:spPr>
+              <a:xfrm>
+                <a:off x="7673125" y="4533250"/>
+                <a:ext cx="1793824" cy="375552"/>
+              </a:xfrm>
+              <a:prstGeom prst="rect">
+                <a:avLst/>
+              </a:prstGeom>
+              <a:blipFill>
+                <a:blip r:embed="rId17"/>
+                <a:stretch>
+                  <a:fillRect/>
+                </a:stretch>
+              </a:blipFill>
+            </p:spPr>
+            <p:txBody>
+              <a:bodyPr/>
+              <a:lstStyle/>
+              <a:p>
+                <a:r>
+                  <a:rPr lang="en-US">
+                    <a:noFill/>
+                  </a:rPr>
+                  <a:t> </a:t>
+                </a:r>
+              </a:p>
+            </p:txBody>
+          </p:sp>
+        </mc:Fallback>
+      </mc:AlternateContent>
+      <mc:AlternateContent xmlns:mc="http://schemas.openxmlformats.org/markup-compatibility/2006" xmlns:a14="http://schemas.microsoft.com/office/drawing/2010/main">
+        <mc:Choice Requires="a14">
+          <p:sp>
+            <p:nvSpPr>
+              <p:cNvPr id="21" name="TextBox 20">
+                <a:extLst>
+                  <a:ext uri="{FF2B5EF4-FFF2-40B4-BE49-F238E27FC236}">
+                    <a16:creationId xmlns:a16="http://schemas.microsoft.com/office/drawing/2014/main" id="{A8C88407-246C-1700-0525-EA543DD16E37}"/>
+                  </a:ext>
+                </a:extLst>
+              </p:cNvPr>
+              <p:cNvSpPr txBox="1"/>
+              <p:nvPr/>
+            </p:nvSpPr>
+            <p:spPr>
+              <a:xfrm>
+                <a:off x="9977366" y="4532489"/>
+                <a:ext cx="1732141" cy="375552"/>
+              </a:xfrm>
+              <a:prstGeom prst="rect">
+                <a:avLst/>
+              </a:prstGeom>
+              <a:solidFill>
+                <a:schemeClr val="bg1">
+                  <a:alpha val="50000"/>
+                </a:schemeClr>
+              </a:solidFill>
+            </p:spPr>
+            <p:txBody>
+              <a:bodyPr wrap="none" rtlCol="0">
+                <a:spAutoFit/>
+              </a:bodyPr>
+              <a:lstStyle/>
+              <a:p>
+                <a:pPr/>
+                <a14:m>
+                  <m:oMathPara xmlns:m="http://schemas.openxmlformats.org/officeDocument/2006/math">
+                    <m:oMathParaPr>
+                      <m:jc m:val="centerGroup"/>
+                    </m:oMathParaPr>
+                    <m:oMath xmlns:m="http://schemas.openxmlformats.org/officeDocument/2006/math">
+                      <m:r>
+                        <a:rPr lang="en-US" b="0" i="1" smtClean="0">
+                          <a:latin typeface="Cambria Math" panose="02040503050406030204" pitchFamily="18" charset="0"/>
+                        </a:rPr>
+                        <m:t>𝑦</m:t>
+                      </m:r>
+                      <m:r>
+                        <a:rPr lang="en-US" b="1" i="1" smtClean="0">
+                          <a:latin typeface="Cambria Math" panose="02040503050406030204" pitchFamily="18" charset="0"/>
+                        </a:rPr>
+                        <m:t>=</m:t>
+                      </m:r>
+                      <m:sSup>
+                        <m:sSupPr>
+                          <m:ctrlPr>
+                            <a:rPr lang="en-US" b="1" i="1" smtClean="0">
+                              <a:latin typeface="Cambria Math" panose="02040503050406030204" pitchFamily="18" charset="0"/>
+                            </a:rPr>
+                          </m:ctrlPr>
+                        </m:sSupPr>
+                        <m:e>
+                          <m:r>
+                            <a:rPr lang="en-US" b="1" i="1" smtClean="0">
+                              <a:latin typeface="Cambria Math" panose="02040503050406030204" pitchFamily="18" charset="0"/>
+                            </a:rPr>
+                            <m:t>𝑾</m:t>
+                          </m:r>
+                        </m:e>
+                        <m:sup>
+                          <m:r>
+                            <a:rPr lang="en-US" b="1" i="1" smtClean="0">
+                              <a:latin typeface="Cambria Math" panose="02040503050406030204" pitchFamily="18" charset="0"/>
+                            </a:rPr>
+                            <m:t>𝟒</m:t>
+                          </m:r>
+                        </m:sup>
+                      </m:sSup>
+                      <m:sSup>
+                        <m:sSupPr>
+                          <m:ctrlPr>
+                            <a:rPr lang="en-US" b="1" i="1" smtClean="0">
+                              <a:latin typeface="Cambria Math" panose="02040503050406030204" pitchFamily="18" charset="0"/>
+                            </a:rPr>
+                          </m:ctrlPr>
+                        </m:sSupPr>
+                        <m:e>
+                          <m:r>
+                            <a:rPr lang="en-US" b="1" i="1" smtClean="0">
+                              <a:latin typeface="Cambria Math" panose="02040503050406030204" pitchFamily="18" charset="0"/>
+                            </a:rPr>
+                            <m:t>𝒍</m:t>
+                          </m:r>
+                        </m:e>
+                        <m:sup>
+                          <m:r>
+                            <a:rPr lang="en-US" b="1" i="1" smtClean="0">
+                              <a:latin typeface="Cambria Math" panose="02040503050406030204" pitchFamily="18" charset="0"/>
+                            </a:rPr>
+                            <m:t>𝟑</m:t>
+                          </m:r>
+                        </m:sup>
+                      </m:sSup>
+                      <m:r>
+                        <a:rPr lang="en-US" b="1" i="1" smtClean="0">
+                          <a:latin typeface="Cambria Math" panose="02040503050406030204" pitchFamily="18" charset="0"/>
+                        </a:rPr>
+                        <m:t>+</m:t>
+                      </m:r>
+                      <m:sSup>
+                        <m:sSupPr>
+                          <m:ctrlPr>
+                            <a:rPr lang="en-US" b="1" i="1" smtClean="0">
+                              <a:latin typeface="Cambria Math" panose="02040503050406030204" pitchFamily="18" charset="0"/>
+                            </a:rPr>
+                          </m:ctrlPr>
+                        </m:sSupPr>
+                        <m:e>
+                          <m:r>
+                            <a:rPr lang="en-US" b="1" i="1" smtClean="0">
+                              <a:latin typeface="Cambria Math" panose="02040503050406030204" pitchFamily="18" charset="0"/>
+                            </a:rPr>
+                            <m:t>𝒃</m:t>
+                          </m:r>
+                        </m:e>
+                        <m:sup>
+                          <m:r>
+                            <a:rPr lang="en-US" b="1" i="1" smtClean="0">
+                              <a:latin typeface="Cambria Math" panose="02040503050406030204" pitchFamily="18" charset="0"/>
+                            </a:rPr>
+                            <m:t>𝟒</m:t>
+                          </m:r>
+                        </m:sup>
+                      </m:sSup>
+                    </m:oMath>
+                  </m:oMathPara>
+                </a14:m>
+                <a:endParaRPr lang="en-US" b="1" dirty="0"/>
+              </a:p>
+            </p:txBody>
+          </p:sp>
+        </mc:Choice>
+        <mc:Fallback xmlns="">
+          <p:sp>
+            <p:nvSpPr>
+              <p:cNvPr id="21" name="TextBox 20">
+                <a:extLst>
+                  <a:ext uri="{FF2B5EF4-FFF2-40B4-BE49-F238E27FC236}">
+                    <a16:creationId xmlns:a16="http://schemas.microsoft.com/office/drawing/2014/main" id="{A8C88407-246C-1700-0525-EA543DD16E37}"/>
+                  </a:ext>
+                </a:extLst>
+              </p:cNvPr>
+              <p:cNvSpPr txBox="1">
+                <a:spLocks noRot="1" noChangeAspect="1" noMove="1" noResize="1" noEditPoints="1" noAdjustHandles="1" noChangeArrowheads="1" noChangeShapeType="1" noTextEdit="1"/>
+              </p:cNvSpPr>
+              <p:nvPr/>
+            </p:nvSpPr>
+            <p:spPr>
+              <a:xfrm>
+                <a:off x="9977366" y="4532489"/>
+                <a:ext cx="1732141" cy="375552"/>
+              </a:xfrm>
+              <a:prstGeom prst="rect">
+                <a:avLst/>
+              </a:prstGeom>
+              <a:blipFill>
+                <a:blip r:embed="rId18"/>
+                <a:stretch>
+                  <a:fillRect b="-6557"/>
+                </a:stretch>
+              </a:blipFill>
+            </p:spPr>
+            <p:txBody>
+              <a:bodyPr/>
+              <a:lstStyle/>
+              <a:p>
+                <a:r>
+                  <a:rPr lang="en-US">
+                    <a:noFill/>
+                  </a:rPr>
+                  <a:t> </a:t>
+                </a:r>
+              </a:p>
+            </p:txBody>
+          </p:sp>
+        </mc:Fallback>
+      </mc:AlternateContent>
+      <p:cxnSp>
+        <p:nvCxnSpPr>
+          <p:cNvPr id="22" name="Straight Arrow Connector 21">
+            <a:extLst>
+              <a:ext uri="{FF2B5EF4-FFF2-40B4-BE49-F238E27FC236}">
+                <a16:creationId xmlns:a16="http://schemas.microsoft.com/office/drawing/2014/main" id="{E89FF731-1E33-39D8-BFF5-9D73014517EC}"/>
+              </a:ext>
+            </a:extLst>
+          </p:cNvPr>
+          <p:cNvCxnSpPr>
+            <a:cxnSpLocks/>
+            <a:stCxn id="18" idx="0"/>
+            <a:endCxn id="52" idx="2"/>
+          </p:cNvCxnSpPr>
+          <p:nvPr/>
+        </p:nvCxnSpPr>
+        <p:spPr>
+          <a:xfrm flipV="1">
+            <a:off x="3992033" y="4218163"/>
+            <a:ext cx="6799" cy="314326"/>
+          </a:xfrm>
+          <a:prstGeom prst="straightConnector1">
+            <a:avLst/>
+          </a:prstGeom>
+          <a:ln w="38100">
+            <a:solidFill>
+              <a:srgbClr val="FF0000"/>
+            </a:solidFill>
+            <a:tailEnd type="triangle"/>
+          </a:ln>
+        </p:spPr>
+        <p:style>
+          <a:lnRef idx="1">
+            <a:schemeClr val="accent1"/>
+          </a:lnRef>
+          <a:fillRef idx="0">
+            <a:schemeClr val="accent1"/>
+          </a:fillRef>
+          <a:effectRef idx="0">
+            <a:schemeClr val="accent1"/>
+          </a:effectRef>
+          <a:fontRef idx="minor">
+            <a:schemeClr val="tx1"/>
+          </a:fontRef>
+        </p:style>
+      </p:cxnSp>
+      <p:cxnSp>
+        <p:nvCxnSpPr>
+          <p:cNvPr id="23" name="Straight Arrow Connector 22">
+            <a:extLst>
+              <a:ext uri="{FF2B5EF4-FFF2-40B4-BE49-F238E27FC236}">
+                <a16:creationId xmlns:a16="http://schemas.microsoft.com/office/drawing/2014/main" id="{F798B3D8-9E6E-45B6-DDB0-7D8F00FF462F}"/>
+              </a:ext>
+            </a:extLst>
+          </p:cNvPr>
+          <p:cNvCxnSpPr>
+            <a:cxnSpLocks/>
+            <a:stCxn id="19" idx="0"/>
+            <a:endCxn id="54" idx="2"/>
+          </p:cNvCxnSpPr>
+          <p:nvPr/>
+        </p:nvCxnSpPr>
+        <p:spPr>
+          <a:xfrm flipV="1">
+            <a:off x="6272809" y="4218163"/>
+            <a:ext cx="7184" cy="315087"/>
+          </a:xfrm>
+          <a:prstGeom prst="straightConnector1">
+            <a:avLst/>
+          </a:prstGeom>
+          <a:ln w="38100">
+            <a:solidFill>
+              <a:srgbClr val="FF0000"/>
+            </a:solidFill>
+            <a:tailEnd type="triangle"/>
+          </a:ln>
+        </p:spPr>
+        <p:style>
+          <a:lnRef idx="1">
+            <a:schemeClr val="accent1"/>
+          </a:lnRef>
+          <a:fillRef idx="0">
+            <a:schemeClr val="accent1"/>
+          </a:fillRef>
+          <a:effectRef idx="0">
+            <a:schemeClr val="accent1"/>
+          </a:effectRef>
+          <a:fontRef idx="minor">
+            <a:schemeClr val="tx1"/>
+          </a:fontRef>
+        </p:style>
+      </p:cxnSp>
+      <p:cxnSp>
+        <p:nvCxnSpPr>
+          <p:cNvPr id="24" name="Straight Arrow Connector 23">
+            <a:extLst>
+              <a:ext uri="{FF2B5EF4-FFF2-40B4-BE49-F238E27FC236}">
+                <a16:creationId xmlns:a16="http://schemas.microsoft.com/office/drawing/2014/main" id="{E5DD98CB-9A42-387F-8F00-94268C9BE759}"/>
+              </a:ext>
+            </a:extLst>
+          </p:cNvPr>
+          <p:cNvCxnSpPr>
+            <a:cxnSpLocks/>
+            <a:stCxn id="20" idx="0"/>
+            <a:endCxn id="55" idx="2"/>
+          </p:cNvCxnSpPr>
+          <p:nvPr/>
+        </p:nvCxnSpPr>
+        <p:spPr>
+          <a:xfrm flipH="1" flipV="1">
+            <a:off x="8561154" y="4218163"/>
+            <a:ext cx="8883" cy="315087"/>
+          </a:xfrm>
+          <a:prstGeom prst="straightConnector1">
+            <a:avLst/>
+          </a:prstGeom>
+          <a:ln w="38100">
+            <a:solidFill>
+              <a:srgbClr val="FF0000"/>
+            </a:solidFill>
+            <a:tailEnd type="triangle"/>
+          </a:ln>
+        </p:spPr>
+        <p:style>
+          <a:lnRef idx="1">
+            <a:schemeClr val="accent1"/>
+          </a:lnRef>
+          <a:fillRef idx="0">
+            <a:schemeClr val="accent1"/>
+          </a:fillRef>
+          <a:effectRef idx="0">
+            <a:schemeClr val="accent1"/>
+          </a:effectRef>
+          <a:fontRef idx="minor">
+            <a:schemeClr val="tx1"/>
+          </a:fontRef>
+        </p:style>
+      </p:cxnSp>
+      <p:cxnSp>
+        <p:nvCxnSpPr>
+          <p:cNvPr id="25" name="Straight Arrow Connector 24">
+            <a:extLst>
+              <a:ext uri="{FF2B5EF4-FFF2-40B4-BE49-F238E27FC236}">
+                <a16:creationId xmlns:a16="http://schemas.microsoft.com/office/drawing/2014/main" id="{1D9E4308-C8A4-9602-3941-059EC89486DF}"/>
+              </a:ext>
+            </a:extLst>
+          </p:cNvPr>
+          <p:cNvCxnSpPr>
+            <a:cxnSpLocks/>
+            <a:stCxn id="21" idx="0"/>
+            <a:endCxn id="51" idx="2"/>
+          </p:cNvCxnSpPr>
+          <p:nvPr/>
+        </p:nvCxnSpPr>
+        <p:spPr>
+          <a:xfrm flipV="1">
+            <a:off x="10843437" y="4215053"/>
+            <a:ext cx="577" cy="317436"/>
+          </a:xfrm>
+          <a:prstGeom prst="straightConnector1">
+            <a:avLst/>
+          </a:prstGeom>
+          <a:ln w="38100">
+            <a:solidFill>
+              <a:srgbClr val="FF0000"/>
+            </a:solidFill>
+            <a:tailEnd type="triangle"/>
+          </a:ln>
+        </p:spPr>
+        <p:style>
+          <a:lnRef idx="1">
+            <a:schemeClr val="accent1"/>
+          </a:lnRef>
+          <a:fillRef idx="0">
+            <a:schemeClr val="accent1"/>
+          </a:fillRef>
+          <a:effectRef idx="0">
+            <a:schemeClr val="accent1"/>
+          </a:effectRef>
+          <a:fontRef idx="minor">
+            <a:schemeClr val="tx1"/>
+          </a:fontRef>
+        </p:style>
+      </p:cxnSp>
+    </p:spTree>
+    <p:extLst>
+      <p:ext uri="{BB962C8B-B14F-4D97-AF65-F5344CB8AC3E}">
+        <p14:creationId xmlns:p14="http://schemas.microsoft.com/office/powerpoint/2010/main" val="3584411268"/>
+      </p:ext>
+    </p:extLst>
+  </p:cSld>
+  <p:clrMapOvr>
+    <a:masterClrMapping/>
+  </p:clrMapOvr>
+  <p:timing>
+    <p:tnLst>
+      <p:par>
+        <p:cTn id="1" dur="indefinite" restart="never" nodeType="tmRoot">
+          <p:childTnLst>
+            <p:seq concurrent="1" nextAc="seek">
+              <p:cTn id="2" dur="indefinite" nodeType="mainSeq">
+                <p:childTnLst>
+                  <p:par>
+                    <p:cTn id="3" fill="hold">
+                      <p:stCondLst>
+                        <p:cond delay="indefinite"/>
+                      </p:stCondLst>
+                      <p:childTnLst>
+                        <p:par>
+                          <p:cTn id="4" fill="hold">
+                            <p:stCondLst>
+                              <p:cond delay="0"/>
+                            </p:stCondLst>
+                            <p:childTnLst>
+                              <p:par>
+                                <p:cTn id="5" presetID="10" presetClass="entr" presetSubtype="0" fill="hold" grpId="0" nodeType="clickEffect">
+                                  <p:stCondLst>
+                                    <p:cond delay="0"/>
+                                  </p:stCondLst>
+                                  <p:childTnLst>
+                                    <p:set>
+                                      <p:cBhvr>
+                                        <p:cTn id="6" dur="1" fill="hold">
+                                          <p:stCondLst>
+                                            <p:cond delay="0"/>
+                                          </p:stCondLst>
+                                        </p:cTn>
+                                        <p:tgtEl>
+                                          <p:spTgt spid="3"/>
+                                        </p:tgtEl>
+                                        <p:attrNameLst>
+                                          <p:attrName>style.visibility</p:attrName>
+                                        </p:attrNameLst>
+                                      </p:cBhvr>
+                                      <p:to>
+                                        <p:strVal val="visible"/>
+                                      </p:to>
+                                    </p:set>
+                                    <p:animEffect transition="in" filter="fade">
+                                      <p:cBhvr>
+                                        <p:cTn id="7" dur="500"/>
+                                        <p:tgtEl>
+                                          <p:spTgt spid="3"/>
+                                        </p:tgtEl>
+                                      </p:cBhvr>
+                                    </p:animEffect>
+                                  </p:childTnLst>
+                                </p:cTn>
+                              </p:par>
+                              <p:par>
+                                <p:cTn id="8" presetID="10" presetClass="entr" presetSubtype="0" fill="hold" nodeType="withEffect">
+                                  <p:stCondLst>
+                                    <p:cond delay="0"/>
+                                  </p:stCondLst>
+                                  <p:childTnLst>
+                                    <p:set>
+                                      <p:cBhvr>
+                                        <p:cTn id="9" dur="1" fill="hold">
+                                          <p:stCondLst>
+                                            <p:cond delay="0"/>
+                                          </p:stCondLst>
+                                        </p:cTn>
+                                        <p:tgtEl>
+                                          <p:spTgt spid="6"/>
+                                        </p:tgtEl>
+                                        <p:attrNameLst>
+                                          <p:attrName>style.visibility</p:attrName>
+                                        </p:attrNameLst>
+                                      </p:cBhvr>
+                                      <p:to>
+                                        <p:strVal val="visible"/>
+                                      </p:to>
+                                    </p:set>
+                                    <p:animEffect transition="in" filter="fade">
+                                      <p:cBhvr>
+                                        <p:cTn id="10" dur="500"/>
+                                        <p:tgtEl>
+                                          <p:spTgt spid="6"/>
+                                        </p:tgtEl>
+                                      </p:cBhvr>
+                                    </p:animEffect>
+                                  </p:childTnLst>
+                                </p:cTn>
+                              </p:par>
+                            </p:childTnLst>
+                          </p:cTn>
+                        </p:par>
+                      </p:childTnLst>
+                    </p:cTn>
+                  </p:par>
+                  <p:par>
+                    <p:cTn id="11" fill="hold">
+                      <p:stCondLst>
+                        <p:cond delay="indefinite"/>
+                      </p:stCondLst>
+                      <p:childTnLst>
+                        <p:par>
+                          <p:cTn id="12" fill="hold">
+                            <p:stCondLst>
+                              <p:cond delay="0"/>
+                            </p:stCondLst>
+                            <p:childTnLst>
+                              <p:par>
+                                <p:cTn id="13" presetID="10" presetClass="entr" presetSubtype="0" fill="hold" grpId="0" nodeType="clickEffect">
+                                  <p:stCondLst>
+                                    <p:cond delay="0"/>
+                                  </p:stCondLst>
+                                  <p:childTnLst>
+                                    <p:set>
+                                      <p:cBhvr>
+                                        <p:cTn id="14" dur="1" fill="hold">
+                                          <p:stCondLst>
+                                            <p:cond delay="0"/>
+                                          </p:stCondLst>
+                                        </p:cTn>
+                                        <p:tgtEl>
+                                          <p:spTgt spid="4"/>
+                                        </p:tgtEl>
+                                        <p:attrNameLst>
+                                          <p:attrName>style.visibility</p:attrName>
+                                        </p:attrNameLst>
+                                      </p:cBhvr>
+                                      <p:to>
+                                        <p:strVal val="visible"/>
+                                      </p:to>
+                                    </p:set>
+                                    <p:animEffect transition="in" filter="fade">
+                                      <p:cBhvr>
+                                        <p:cTn id="15" dur="500"/>
+                                        <p:tgtEl>
+                                          <p:spTgt spid="4"/>
+                                        </p:tgtEl>
+                                      </p:cBhvr>
+                                    </p:animEffect>
+                                  </p:childTnLst>
+                                </p:cTn>
+                              </p:par>
+                              <p:par>
+                                <p:cTn id="16" presetID="10" presetClass="entr" presetSubtype="0" fill="hold" nodeType="withEffect">
+                                  <p:stCondLst>
+                                    <p:cond delay="0"/>
+                                  </p:stCondLst>
+                                  <p:childTnLst>
+                                    <p:set>
+                                      <p:cBhvr>
+                                        <p:cTn id="17" dur="1" fill="hold">
+                                          <p:stCondLst>
+                                            <p:cond delay="0"/>
+                                          </p:stCondLst>
+                                        </p:cTn>
+                                        <p:tgtEl>
+                                          <p:spTgt spid="9"/>
+                                        </p:tgtEl>
+                                        <p:attrNameLst>
+                                          <p:attrName>style.visibility</p:attrName>
+                                        </p:attrNameLst>
+                                      </p:cBhvr>
+                                      <p:to>
+                                        <p:strVal val="visible"/>
+                                      </p:to>
+                                    </p:set>
+                                    <p:animEffect transition="in" filter="fade">
+                                      <p:cBhvr>
+                                        <p:cTn id="18" dur="500"/>
+                                        <p:tgtEl>
+                                          <p:spTgt spid="9"/>
+                                        </p:tgtEl>
+                                      </p:cBhvr>
+                                    </p:animEffect>
+                                  </p:childTnLst>
+                                </p:cTn>
+                              </p:par>
+                            </p:childTnLst>
+                          </p:cTn>
+                        </p:par>
+                      </p:childTnLst>
+                    </p:cTn>
+                  </p:par>
+                  <p:par>
+                    <p:cTn id="19" fill="hold">
+                      <p:stCondLst>
+                        <p:cond delay="indefinite"/>
+                      </p:stCondLst>
+                      <p:childTnLst>
+                        <p:par>
+                          <p:cTn id="20" fill="hold">
+                            <p:stCondLst>
+                              <p:cond delay="0"/>
+                            </p:stCondLst>
+                            <p:childTnLst>
+                              <p:par>
+                                <p:cTn id="21" presetID="10" presetClass="entr" presetSubtype="0" fill="hold" grpId="0" nodeType="clickEffect">
+                                  <p:stCondLst>
+                                    <p:cond delay="0"/>
+                                  </p:stCondLst>
+                                  <p:childTnLst>
+                                    <p:set>
+                                      <p:cBhvr>
+                                        <p:cTn id="22" dur="1" fill="hold">
+                                          <p:stCondLst>
+                                            <p:cond delay="0"/>
+                                          </p:stCondLst>
+                                        </p:cTn>
+                                        <p:tgtEl>
+                                          <p:spTgt spid="5"/>
+                                        </p:tgtEl>
+                                        <p:attrNameLst>
+                                          <p:attrName>style.visibility</p:attrName>
+                                        </p:attrNameLst>
+                                      </p:cBhvr>
+                                      <p:to>
+                                        <p:strVal val="visible"/>
+                                      </p:to>
+                                    </p:set>
+                                    <p:animEffect transition="in" filter="fade">
+                                      <p:cBhvr>
+                                        <p:cTn id="23" dur="500"/>
+                                        <p:tgtEl>
+                                          <p:spTgt spid="5"/>
+                                        </p:tgtEl>
+                                      </p:cBhvr>
+                                    </p:animEffect>
+                                  </p:childTnLst>
+                                </p:cTn>
+                              </p:par>
+                              <p:par>
+                                <p:cTn id="24" presetID="10" presetClass="entr" presetSubtype="0" fill="hold" nodeType="withEffect">
+                                  <p:stCondLst>
+                                    <p:cond delay="0"/>
+                                  </p:stCondLst>
+                                  <p:childTnLst>
+                                    <p:set>
+                                      <p:cBhvr>
+                                        <p:cTn id="25" dur="1" fill="hold">
+                                          <p:stCondLst>
+                                            <p:cond delay="0"/>
+                                          </p:stCondLst>
+                                        </p:cTn>
+                                        <p:tgtEl>
+                                          <p:spTgt spid="12"/>
+                                        </p:tgtEl>
+                                        <p:attrNameLst>
+                                          <p:attrName>style.visibility</p:attrName>
+                                        </p:attrNameLst>
+                                      </p:cBhvr>
+                                      <p:to>
+                                        <p:strVal val="visible"/>
+                                      </p:to>
+                                    </p:set>
+                                    <p:animEffect transition="in" filter="fade">
+                                      <p:cBhvr>
+                                        <p:cTn id="26" dur="500"/>
+                                        <p:tgtEl>
+                                          <p:spTgt spid="12"/>
+                                        </p:tgtEl>
+                                      </p:cBhvr>
+                                    </p:animEffect>
+                                  </p:childTnLst>
+                                </p:cTn>
+                              </p:par>
+                            </p:childTnLst>
+                          </p:cTn>
+                        </p:par>
+                      </p:childTnLst>
+                    </p:cTn>
+                  </p:par>
+                  <p:par>
+                    <p:cTn id="27" fill="hold">
+                      <p:stCondLst>
+                        <p:cond delay="indefinite"/>
+                      </p:stCondLst>
+                      <p:childTnLst>
+                        <p:par>
+                          <p:cTn id="28" fill="hold">
+                            <p:stCondLst>
+                              <p:cond delay="0"/>
+                            </p:stCondLst>
+                            <p:childTnLst>
+                              <p:par>
+                                <p:cTn id="29" presetID="10" presetClass="entr" presetSubtype="0" fill="hold" grpId="0" nodeType="clickEffect">
+                                  <p:stCondLst>
+                                    <p:cond delay="0"/>
+                                  </p:stCondLst>
+                                  <p:childTnLst>
+                                    <p:set>
+                                      <p:cBhvr>
+                                        <p:cTn id="30" dur="1" fill="hold">
+                                          <p:stCondLst>
+                                            <p:cond delay="0"/>
+                                          </p:stCondLst>
+                                        </p:cTn>
+                                        <p:tgtEl>
+                                          <p:spTgt spid="18"/>
+                                        </p:tgtEl>
+                                        <p:attrNameLst>
+                                          <p:attrName>style.visibility</p:attrName>
+                                        </p:attrNameLst>
+                                      </p:cBhvr>
+                                      <p:to>
+                                        <p:strVal val="visible"/>
+                                      </p:to>
+                                    </p:set>
+                                    <p:animEffect transition="in" filter="fade">
+                                      <p:cBhvr>
+                                        <p:cTn id="31" dur="500"/>
+                                        <p:tgtEl>
+                                          <p:spTgt spid="18"/>
+                                        </p:tgtEl>
+                                      </p:cBhvr>
+                                    </p:animEffect>
+                                  </p:childTnLst>
+                                </p:cTn>
+                              </p:par>
+                              <p:par>
+                                <p:cTn id="32" presetID="10" presetClass="entr" presetSubtype="0" fill="hold" nodeType="withEffect">
+                                  <p:stCondLst>
+                                    <p:cond delay="0"/>
+                                  </p:stCondLst>
+                                  <p:childTnLst>
+                                    <p:set>
+                                      <p:cBhvr>
+                                        <p:cTn id="33" dur="1" fill="hold">
+                                          <p:stCondLst>
+                                            <p:cond delay="0"/>
+                                          </p:stCondLst>
+                                        </p:cTn>
+                                        <p:tgtEl>
+                                          <p:spTgt spid="22"/>
+                                        </p:tgtEl>
+                                        <p:attrNameLst>
+                                          <p:attrName>style.visibility</p:attrName>
+                                        </p:attrNameLst>
+                                      </p:cBhvr>
+                                      <p:to>
+                                        <p:strVal val="visible"/>
+                                      </p:to>
+                                    </p:set>
+                                    <p:animEffect transition="in" filter="fade">
+                                      <p:cBhvr>
+                                        <p:cTn id="34" dur="500"/>
+                                        <p:tgtEl>
+                                          <p:spTgt spid="22"/>
+                                        </p:tgtEl>
+                                      </p:cBhvr>
+                                    </p:animEffect>
+                                  </p:childTnLst>
+                                </p:cTn>
+                              </p:par>
+                            </p:childTnLst>
+                          </p:cTn>
+                        </p:par>
+                      </p:childTnLst>
+                    </p:cTn>
+                  </p:par>
+                  <p:par>
+                    <p:cTn id="35" fill="hold">
+                      <p:stCondLst>
+                        <p:cond delay="indefinite"/>
+                      </p:stCondLst>
+                      <p:childTnLst>
+                        <p:par>
+                          <p:cTn id="36" fill="hold">
+                            <p:stCondLst>
+                              <p:cond delay="0"/>
+                            </p:stCondLst>
+                            <p:childTnLst>
+                              <p:par>
+                                <p:cTn id="37" presetID="10" presetClass="entr" presetSubtype="0" fill="hold" grpId="0" nodeType="clickEffect">
+                                  <p:stCondLst>
+                                    <p:cond delay="0"/>
+                                  </p:stCondLst>
+                                  <p:childTnLst>
+                                    <p:set>
+                                      <p:cBhvr>
+                                        <p:cTn id="38" dur="1" fill="hold">
+                                          <p:stCondLst>
+                                            <p:cond delay="0"/>
+                                          </p:stCondLst>
+                                        </p:cTn>
+                                        <p:tgtEl>
+                                          <p:spTgt spid="19"/>
+                                        </p:tgtEl>
+                                        <p:attrNameLst>
+                                          <p:attrName>style.visibility</p:attrName>
+                                        </p:attrNameLst>
+                                      </p:cBhvr>
+                                      <p:to>
+                                        <p:strVal val="visible"/>
+                                      </p:to>
+                                    </p:set>
+                                    <p:animEffect transition="in" filter="fade">
+                                      <p:cBhvr>
+                                        <p:cTn id="39" dur="500"/>
+                                        <p:tgtEl>
+                                          <p:spTgt spid="19"/>
+                                        </p:tgtEl>
+                                      </p:cBhvr>
+                                    </p:animEffect>
+                                  </p:childTnLst>
+                                </p:cTn>
+                              </p:par>
+                              <p:par>
+                                <p:cTn id="40" presetID="10" presetClass="entr" presetSubtype="0" fill="hold" nodeType="withEffect">
+                                  <p:stCondLst>
+                                    <p:cond delay="0"/>
+                                  </p:stCondLst>
+                                  <p:childTnLst>
+                                    <p:set>
+                                      <p:cBhvr>
+                                        <p:cTn id="41" dur="1" fill="hold">
+                                          <p:stCondLst>
+                                            <p:cond delay="0"/>
+                                          </p:stCondLst>
+                                        </p:cTn>
+                                        <p:tgtEl>
+                                          <p:spTgt spid="23"/>
+                                        </p:tgtEl>
+                                        <p:attrNameLst>
+                                          <p:attrName>style.visibility</p:attrName>
+                                        </p:attrNameLst>
+                                      </p:cBhvr>
+                                      <p:to>
+                                        <p:strVal val="visible"/>
+                                      </p:to>
+                                    </p:set>
+                                    <p:animEffect transition="in" filter="fade">
+                                      <p:cBhvr>
+                                        <p:cTn id="42" dur="500"/>
+                                        <p:tgtEl>
+                                          <p:spTgt spid="23"/>
+                                        </p:tgtEl>
+                                      </p:cBhvr>
+                                    </p:animEffect>
+                                  </p:childTnLst>
+                                </p:cTn>
+                              </p:par>
+                            </p:childTnLst>
+                          </p:cTn>
+                        </p:par>
+                      </p:childTnLst>
+                    </p:cTn>
+                  </p:par>
+                  <p:par>
+                    <p:cTn id="43" fill="hold">
+                      <p:stCondLst>
+                        <p:cond delay="indefinite"/>
+                      </p:stCondLst>
+                      <p:childTnLst>
+                        <p:par>
+                          <p:cTn id="44" fill="hold">
+                            <p:stCondLst>
+                              <p:cond delay="0"/>
+                            </p:stCondLst>
+                            <p:childTnLst>
+                              <p:par>
+                                <p:cTn id="45" presetID="10" presetClass="entr" presetSubtype="0" fill="hold" grpId="0" nodeType="clickEffect">
+                                  <p:stCondLst>
+                                    <p:cond delay="0"/>
+                                  </p:stCondLst>
+                                  <p:childTnLst>
+                                    <p:set>
+                                      <p:cBhvr>
+                                        <p:cTn id="46" dur="1" fill="hold">
+                                          <p:stCondLst>
+                                            <p:cond delay="0"/>
+                                          </p:stCondLst>
+                                        </p:cTn>
+                                        <p:tgtEl>
+                                          <p:spTgt spid="20"/>
+                                        </p:tgtEl>
+                                        <p:attrNameLst>
+                                          <p:attrName>style.visibility</p:attrName>
+                                        </p:attrNameLst>
+                                      </p:cBhvr>
+                                      <p:to>
+                                        <p:strVal val="visible"/>
+                                      </p:to>
+                                    </p:set>
+                                    <p:animEffect transition="in" filter="fade">
+                                      <p:cBhvr>
+                                        <p:cTn id="47" dur="500"/>
+                                        <p:tgtEl>
+                                          <p:spTgt spid="20"/>
+                                        </p:tgtEl>
+                                      </p:cBhvr>
+                                    </p:animEffect>
+                                  </p:childTnLst>
+                                </p:cTn>
+                              </p:par>
+                              <p:par>
+                                <p:cTn id="48" presetID="10" presetClass="entr" presetSubtype="0" fill="hold" nodeType="withEffect">
+                                  <p:stCondLst>
+                                    <p:cond delay="0"/>
+                                  </p:stCondLst>
+                                  <p:childTnLst>
+                                    <p:set>
+                                      <p:cBhvr>
+                                        <p:cTn id="49" dur="1" fill="hold">
+                                          <p:stCondLst>
+                                            <p:cond delay="0"/>
+                                          </p:stCondLst>
+                                        </p:cTn>
+                                        <p:tgtEl>
+                                          <p:spTgt spid="24"/>
+                                        </p:tgtEl>
+                                        <p:attrNameLst>
+                                          <p:attrName>style.visibility</p:attrName>
+                                        </p:attrNameLst>
+                                      </p:cBhvr>
+                                      <p:to>
+                                        <p:strVal val="visible"/>
+                                      </p:to>
+                                    </p:set>
+                                    <p:animEffect transition="in" filter="fade">
+                                      <p:cBhvr>
+                                        <p:cTn id="50" dur="500"/>
+                                        <p:tgtEl>
+                                          <p:spTgt spid="24"/>
+                                        </p:tgtEl>
+                                      </p:cBhvr>
+                                    </p:animEffect>
+                                  </p:childTnLst>
+                                </p:cTn>
+                              </p:par>
+                            </p:childTnLst>
+                          </p:cTn>
+                        </p:par>
+                      </p:childTnLst>
+                    </p:cTn>
+                  </p:par>
+                  <p:par>
+                    <p:cTn id="51" fill="hold">
+                      <p:stCondLst>
+                        <p:cond delay="indefinite"/>
+                      </p:stCondLst>
+                      <p:childTnLst>
+                        <p:par>
+                          <p:cTn id="52" fill="hold">
+                            <p:stCondLst>
+                              <p:cond delay="0"/>
+                            </p:stCondLst>
+                            <p:childTnLst>
+                              <p:par>
+                                <p:cTn id="53" presetID="10" presetClass="entr" presetSubtype="0" fill="hold" grpId="0" nodeType="clickEffect">
+                                  <p:stCondLst>
+                                    <p:cond delay="0"/>
+                                  </p:stCondLst>
+                                  <p:childTnLst>
+                                    <p:set>
+                                      <p:cBhvr>
+                                        <p:cTn id="54" dur="1" fill="hold">
+                                          <p:stCondLst>
+                                            <p:cond delay="0"/>
+                                          </p:stCondLst>
+                                        </p:cTn>
+                                        <p:tgtEl>
+                                          <p:spTgt spid="21"/>
+                                        </p:tgtEl>
+                                        <p:attrNameLst>
+                                          <p:attrName>style.visibility</p:attrName>
+                                        </p:attrNameLst>
+                                      </p:cBhvr>
+                                      <p:to>
+                                        <p:strVal val="visible"/>
+                                      </p:to>
+                                    </p:set>
+                                    <p:animEffect transition="in" filter="fade">
+                                      <p:cBhvr>
+                                        <p:cTn id="55" dur="500"/>
+                                        <p:tgtEl>
+                                          <p:spTgt spid="21"/>
+                                        </p:tgtEl>
+                                      </p:cBhvr>
+                                    </p:animEffect>
+                                  </p:childTnLst>
+                                </p:cTn>
+                              </p:par>
+                              <p:par>
+                                <p:cTn id="56" presetID="10" presetClass="entr" presetSubtype="0" fill="hold" nodeType="withEffect">
+                                  <p:stCondLst>
+                                    <p:cond delay="0"/>
+                                  </p:stCondLst>
+                                  <p:childTnLst>
+                                    <p:set>
+                                      <p:cBhvr>
+                                        <p:cTn id="57" dur="1" fill="hold">
+                                          <p:stCondLst>
+                                            <p:cond delay="0"/>
+                                          </p:stCondLst>
+                                        </p:cTn>
+                                        <p:tgtEl>
+                                          <p:spTgt spid="25"/>
+                                        </p:tgtEl>
+                                        <p:attrNameLst>
+                                          <p:attrName>style.visibility</p:attrName>
+                                        </p:attrNameLst>
+                                      </p:cBhvr>
+                                      <p:to>
+                                        <p:strVal val="visible"/>
+                                      </p:to>
+                                    </p:set>
+                                    <p:animEffect transition="in" filter="fade">
+                                      <p:cBhvr>
+                                        <p:cTn id="58" dur="500"/>
+                                        <p:tgtEl>
+                                          <p:spTgt spid="25"/>
+                                        </p:tgtEl>
+                                      </p:cBhvr>
+                                    </p:animEffect>
+                                  </p:childTnLst>
+                                </p:cTn>
+                              </p:par>
+                            </p:childTnLst>
+                          </p:cTn>
+                        </p:par>
+                      </p:childTnLst>
+                    </p:cTn>
+                  </p:par>
+                </p:childTnLst>
+              </p:cTn>
+              <p:prevCondLst>
+                <p:cond evt="onPrev" delay="0">
+                  <p:tgtEl>
+                    <p:sldTgt/>
+                  </p:tgtEl>
+                </p:cond>
+              </p:prevCondLst>
+              <p:nextCondLst>
+                <p:cond evt="onNext" delay="0">
+                  <p:tgtEl>
+                    <p:sldTgt/>
+                  </p:tgtEl>
+                </p:cond>
+              </p:nextCondLst>
+            </p:seq>
+          </p:childTnLst>
+        </p:cTn>
+      </p:par>
+    </p:tnLst>
+    <p:bldLst>
+      <p:bldP spid="3" grpId="0" animBg="1"/>
+      <p:bldP spid="4" grpId="0" animBg="1"/>
+      <p:bldP spid="5" grpId="0" animBg="1"/>
+      <p:bldP spid="18" grpId="0" animBg="1"/>
+      <p:bldP spid="19" grpId="0" animBg="1"/>
+      <p:bldP spid="20" grpId="0" animBg="1"/>
+      <p:bldP spid="21" grpId="0" animBg="1"/>
+    </p:bldLst>
+  </p:timing>
+</p:sld>
+</file>
+
 <file path=ppt/theme/theme1.xml><?xml version="1.0" encoding="utf-8"?>
 <a:theme xmlns:a="http://schemas.openxmlformats.org/drawingml/2006/main" name="Office Theme">
   <a:themeElements>

--- a/TeachingNetwoks.pptx
+++ b/TeachingNetwoks.pptx
@@ -5,7 +5,7 @@
     <p:sldMasterId id="2147483648" r:id="rId1"/>
   </p:sldMasterIdLst>
   <p:notesMasterIdLst>
-    <p:notesMasterId r:id="rId7"/>
+    <p:notesMasterId r:id="rId8"/>
   </p:notesMasterIdLst>
   <p:sldIdLst>
     <p:sldId id="256" r:id="rId2"/>
@@ -13,6 +13,7 @@
     <p:sldId id="319" r:id="rId4"/>
     <p:sldId id="320" r:id="rId5"/>
     <p:sldId id="321" r:id="rId6"/>
+    <p:sldId id="324" r:id="rId7"/>
   </p:sldIdLst>
   <p:sldSz cx="12192000" cy="6858000"/>
   <p:notesSz cx="6858000" cy="9144000"/>
@@ -125,6 +126,7 @@
             <p14:sldId id="319"/>
             <p14:sldId id="320"/>
             <p14:sldId id="321"/>
+            <p14:sldId id="324"/>
           </p14:sldIdLst>
         </p14:section>
       </p14:sectionLst>
@@ -821,6 +823,93 @@
     <p:extLst>
       <p:ext uri="{BB962C8B-B14F-4D97-AF65-F5344CB8AC3E}">
         <p14:creationId xmlns:p14="http://schemas.microsoft.com/office/powerpoint/2010/main" val="73418319"/>
+      </p:ext>
+    </p:extLst>
+  </p:cSld>
+  <p:clrMapOvr>
+    <a:masterClrMapping/>
+  </p:clrMapOvr>
+</p:notes>
+</file>
+
+<file path=ppt/notesSlides/notesSlide5.xml><?xml version="1.0" encoding="utf-8"?>
+<p:notes xmlns:a="http://schemas.openxmlformats.org/drawingml/2006/main" xmlns:r="http://schemas.openxmlformats.org/officeDocument/2006/relationships" xmlns:p="http://schemas.openxmlformats.org/presentationml/2006/main">
+  <p:cSld>
+    <p:spTree>
+      <p:nvGrpSpPr>
+        <p:cNvPr id="1" name=""/>
+        <p:cNvGrpSpPr/>
+        <p:nvPr/>
+      </p:nvGrpSpPr>
+      <p:grpSpPr>
+        <a:xfrm>
+          <a:off x="0" y="0"/>
+          <a:ext cx="0" cy="0"/>
+          <a:chOff x="0" y="0"/>
+          <a:chExt cx="0" cy="0"/>
+        </a:xfrm>
+      </p:grpSpPr>
+      <p:sp>
+        <p:nvSpPr>
+          <p:cNvPr id="2" name="Slide Image Placeholder 1"/>
+          <p:cNvSpPr>
+            <a:spLocks noGrp="1" noRot="1" noChangeAspect="1"/>
+          </p:cNvSpPr>
+          <p:nvPr>
+            <p:ph type="sldImg"/>
+          </p:nvPr>
+        </p:nvSpPr>
+        <p:spPr/>
+      </p:sp>
+      <p:sp>
+        <p:nvSpPr>
+          <p:cNvPr id="3" name="Notes Placeholder 2"/>
+          <p:cNvSpPr>
+            <a:spLocks noGrp="1"/>
+          </p:cNvSpPr>
+          <p:nvPr>
+            <p:ph type="body" idx="1"/>
+          </p:nvPr>
+        </p:nvSpPr>
+        <p:spPr/>
+        <p:txBody>
+          <a:bodyPr/>
+          <a:lstStyle/>
+          <a:p>
+            <a:r>
+              <a:rPr lang="en-US" dirty="0"/>
+              <a:t>With non-linear activation function sigma, the complexity of the system can not be simplified to a single layer.</a:t>
+            </a:r>
+          </a:p>
+        </p:txBody>
+      </p:sp>
+      <p:sp>
+        <p:nvSpPr>
+          <p:cNvPr id="4" name="Slide Number Placeholder 3"/>
+          <p:cNvSpPr>
+            <a:spLocks noGrp="1"/>
+          </p:cNvSpPr>
+          <p:nvPr>
+            <p:ph type="sldNum" sz="quarter" idx="5"/>
+          </p:nvPr>
+        </p:nvSpPr>
+        <p:spPr/>
+        <p:txBody>
+          <a:bodyPr/>
+          <a:lstStyle/>
+          <a:p>
+            <a:fld id="{A1F3994E-D175-4376-8600-63A26808DC17}" type="slidenum">
+              <a:rPr lang="en-US" smtClean="0"/>
+              <a:t>6</a:t>
+            </a:fld>
+            <a:endParaRPr lang="en-US"/>
+          </a:p>
+        </p:txBody>
+      </p:sp>
+    </p:spTree>
+    <p:extLst>
+      <p:ext uri="{BB962C8B-B14F-4D97-AF65-F5344CB8AC3E}">
+        <p14:creationId xmlns:p14="http://schemas.microsoft.com/office/powerpoint/2010/main" val="1312571208"/>
       </p:ext>
     </p:extLst>
   </p:cSld>
@@ -38254,6 +38343,2904 @@
 </p:sld>
 </file>
 
+<file path=ppt/slides/slide6.xml><?xml version="1.0" encoding="utf-8"?>
+<p:sld xmlns:a="http://schemas.openxmlformats.org/drawingml/2006/main" xmlns:r="http://schemas.openxmlformats.org/officeDocument/2006/relationships" xmlns:p="http://schemas.openxmlformats.org/presentationml/2006/main">
+  <p:cSld>
+    <p:spTree>
+      <p:nvGrpSpPr>
+        <p:cNvPr id="1" name=""/>
+        <p:cNvGrpSpPr/>
+        <p:nvPr/>
+      </p:nvGrpSpPr>
+      <p:grpSpPr>
+        <a:xfrm>
+          <a:off x="0" y="0"/>
+          <a:ext cx="0" cy="0"/>
+          <a:chOff x="0" y="0"/>
+          <a:chExt cx="0" cy="0"/>
+        </a:xfrm>
+      </p:grpSpPr>
+      <p:sp>
+        <p:nvSpPr>
+          <p:cNvPr id="2" name="Title 1">
+            <a:extLst>
+              <a:ext uri="{FF2B5EF4-FFF2-40B4-BE49-F238E27FC236}">
+                <a16:creationId xmlns:a16="http://schemas.microsoft.com/office/drawing/2014/main" id="{1D01E8D4-6E5D-3D0C-38C0-82F225028D39}"/>
+              </a:ext>
+            </a:extLst>
+          </p:cNvPr>
+          <p:cNvSpPr>
+            <a:spLocks noGrp="1"/>
+          </p:cNvSpPr>
+          <p:nvPr>
+            <p:ph type="title"/>
+          </p:nvPr>
+        </p:nvSpPr>
+        <p:spPr/>
+        <p:txBody>
+          <a:bodyPr/>
+          <a:lstStyle/>
+          <a:p>
+            <a:r>
+              <a:rPr lang="en-US" dirty="0"/>
+              <a:t>Mathematically: forward</a:t>
+            </a:r>
+          </a:p>
+        </p:txBody>
+      </p:sp>
+      <mc:AlternateContent xmlns:mc="http://schemas.openxmlformats.org/markup-compatibility/2006" xmlns:a14="http://schemas.microsoft.com/office/drawing/2010/main">
+        <mc:Choice Requires="a14">
+          <p:sp>
+            <p:nvSpPr>
+              <p:cNvPr id="50" name="TextBox 49">
+                <a:extLst>
+                  <a:ext uri="{FF2B5EF4-FFF2-40B4-BE49-F238E27FC236}">
+                    <a16:creationId xmlns:a16="http://schemas.microsoft.com/office/drawing/2014/main" id="{970C9D26-7A61-6F59-A315-A13E3DB94B14}"/>
+                  </a:ext>
+                </a:extLst>
+              </p:cNvPr>
+              <p:cNvSpPr txBox="1"/>
+              <p:nvPr/>
+            </p:nvSpPr>
+            <p:spPr>
+              <a:xfrm>
+                <a:off x="1533678" y="3845721"/>
+                <a:ext cx="367986" cy="369332"/>
+              </a:xfrm>
+              <a:prstGeom prst="rect">
+                <a:avLst/>
+              </a:prstGeom>
+            </p:spPr>
+            <p:style>
+              <a:lnRef idx="2">
+                <a:schemeClr val="dk1"/>
+              </a:lnRef>
+              <a:fillRef idx="1">
+                <a:schemeClr val="lt1"/>
+              </a:fillRef>
+              <a:effectRef idx="0">
+                <a:schemeClr val="dk1"/>
+              </a:effectRef>
+              <a:fontRef idx="minor">
+                <a:schemeClr val="dk1"/>
+              </a:fontRef>
+            </p:style>
+            <p:txBody>
+              <a:bodyPr wrap="none" rtlCol="0">
+                <a:spAutoFit/>
+              </a:bodyPr>
+              <a:lstStyle/>
+              <a:p>
+                <a:pPr/>
+                <a14:m>
+                  <m:oMathPara xmlns:m="http://schemas.openxmlformats.org/officeDocument/2006/math">
+                    <m:oMathParaPr>
+                      <m:jc m:val="centerGroup"/>
+                    </m:oMathParaPr>
+                    <m:oMath xmlns:m="http://schemas.openxmlformats.org/officeDocument/2006/math">
+                      <m:r>
+                        <a:rPr lang="en-US" b="0" i="1" smtClean="0">
+                          <a:latin typeface="Cambria Math" panose="02040503050406030204" pitchFamily="18" charset="0"/>
+                        </a:rPr>
+                        <m:t>𝑥</m:t>
+                      </m:r>
+                    </m:oMath>
+                  </m:oMathPara>
+                </a14:m>
+                <a:endParaRPr lang="fr-FR" dirty="0"/>
+              </a:p>
+            </p:txBody>
+          </p:sp>
+        </mc:Choice>
+        <mc:Fallback xmlns="">
+          <p:sp>
+            <p:nvSpPr>
+              <p:cNvPr id="50" name="TextBox 49">
+                <a:extLst>
+                  <a:ext uri="{FF2B5EF4-FFF2-40B4-BE49-F238E27FC236}">
+                    <a16:creationId xmlns:a16="http://schemas.microsoft.com/office/drawing/2014/main" id="{970C9D26-7A61-6F59-A315-A13E3DB94B14}"/>
+                  </a:ext>
+                </a:extLst>
+              </p:cNvPr>
+              <p:cNvSpPr txBox="1">
+                <a:spLocks noRot="1" noChangeAspect="1" noMove="1" noResize="1" noEditPoints="1" noAdjustHandles="1" noChangeArrowheads="1" noChangeShapeType="1" noTextEdit="1"/>
+              </p:cNvSpPr>
+              <p:nvPr/>
+            </p:nvSpPr>
+            <p:spPr>
+              <a:xfrm>
+                <a:off x="1533678" y="3845721"/>
+                <a:ext cx="367986" cy="369332"/>
+              </a:xfrm>
+              <a:prstGeom prst="rect">
+                <a:avLst/>
+              </a:prstGeom>
+              <a:blipFill>
+                <a:blip r:embed="rId3"/>
+                <a:stretch>
+                  <a:fillRect/>
+                </a:stretch>
+              </a:blipFill>
+            </p:spPr>
+            <p:txBody>
+              <a:bodyPr/>
+              <a:lstStyle/>
+              <a:p>
+                <a:r>
+                  <a:rPr lang="en-US">
+                    <a:noFill/>
+                  </a:rPr>
+                  <a:t> </a:t>
+                </a:r>
+              </a:p>
+            </p:txBody>
+          </p:sp>
+        </mc:Fallback>
+      </mc:AlternateContent>
+      <mc:AlternateContent xmlns:mc="http://schemas.openxmlformats.org/markup-compatibility/2006" xmlns:a14="http://schemas.microsoft.com/office/drawing/2010/main">
+        <mc:Choice Requires="a14">
+          <p:sp>
+            <p:nvSpPr>
+              <p:cNvPr id="51" name="TextBox 50">
+                <a:extLst>
+                  <a:ext uri="{FF2B5EF4-FFF2-40B4-BE49-F238E27FC236}">
+                    <a16:creationId xmlns:a16="http://schemas.microsoft.com/office/drawing/2014/main" id="{576DB2D2-8B51-FEDE-2420-902E299CF6DF}"/>
+                  </a:ext>
+                </a:extLst>
+              </p:cNvPr>
+              <p:cNvSpPr txBox="1"/>
+              <p:nvPr/>
+            </p:nvSpPr>
+            <p:spPr>
+              <a:xfrm flipH="1">
+                <a:off x="10658322" y="3845721"/>
+                <a:ext cx="371384" cy="369332"/>
+              </a:xfrm>
+              <a:prstGeom prst="rect">
+                <a:avLst/>
+              </a:prstGeom>
+            </p:spPr>
+            <p:style>
+              <a:lnRef idx="2">
+                <a:schemeClr val="dk1"/>
+              </a:lnRef>
+              <a:fillRef idx="1">
+                <a:schemeClr val="lt1"/>
+              </a:fillRef>
+              <a:effectRef idx="0">
+                <a:schemeClr val="dk1"/>
+              </a:effectRef>
+              <a:fontRef idx="minor">
+                <a:schemeClr val="dk1"/>
+              </a:fontRef>
+            </p:style>
+            <p:txBody>
+              <a:bodyPr wrap="none" rtlCol="0">
+                <a:spAutoFit/>
+              </a:bodyPr>
+              <a:lstStyle/>
+              <a:p>
+                <a:pPr/>
+                <a14:m>
+                  <m:oMathPara xmlns:m="http://schemas.openxmlformats.org/officeDocument/2006/math">
+                    <m:oMathParaPr>
+                      <m:jc m:val="centerGroup"/>
+                    </m:oMathParaPr>
+                    <m:oMath xmlns:m="http://schemas.openxmlformats.org/officeDocument/2006/math">
+                      <m:r>
+                        <a:rPr lang="en-US" b="0" i="1" smtClean="0">
+                          <a:latin typeface="Cambria Math" panose="02040503050406030204" pitchFamily="18" charset="0"/>
+                        </a:rPr>
+                        <m:t>𝑦</m:t>
+                      </m:r>
+                    </m:oMath>
+                  </m:oMathPara>
+                </a14:m>
+                <a:endParaRPr lang="fr-FR" dirty="0"/>
+              </a:p>
+            </p:txBody>
+          </p:sp>
+        </mc:Choice>
+        <mc:Fallback xmlns="">
+          <p:sp>
+            <p:nvSpPr>
+              <p:cNvPr id="51" name="TextBox 50">
+                <a:extLst>
+                  <a:ext uri="{FF2B5EF4-FFF2-40B4-BE49-F238E27FC236}">
+                    <a16:creationId xmlns:a16="http://schemas.microsoft.com/office/drawing/2014/main" id="{576DB2D2-8B51-FEDE-2420-902E299CF6DF}"/>
+                  </a:ext>
+                </a:extLst>
+              </p:cNvPr>
+              <p:cNvSpPr txBox="1">
+                <a:spLocks noRot="1" noChangeAspect="1" noMove="1" noResize="1" noEditPoints="1" noAdjustHandles="1" noChangeArrowheads="1" noChangeShapeType="1" noTextEdit="1"/>
+              </p:cNvSpPr>
+              <p:nvPr/>
+            </p:nvSpPr>
+            <p:spPr>
+              <a:xfrm flipH="1">
+                <a:off x="10658322" y="3845721"/>
+                <a:ext cx="371384" cy="369332"/>
+              </a:xfrm>
+              <a:prstGeom prst="rect">
+                <a:avLst/>
+              </a:prstGeom>
+              <a:blipFill>
+                <a:blip r:embed="rId4"/>
+                <a:stretch>
+                  <a:fillRect b="-4839"/>
+                </a:stretch>
+              </a:blipFill>
+            </p:spPr>
+            <p:txBody>
+              <a:bodyPr/>
+              <a:lstStyle/>
+              <a:p>
+                <a:r>
+                  <a:rPr lang="en-US">
+                    <a:noFill/>
+                  </a:rPr>
+                  <a:t> </a:t>
+                </a:r>
+              </a:p>
+            </p:txBody>
+          </p:sp>
+        </mc:Fallback>
+      </mc:AlternateContent>
+      <mc:AlternateContent xmlns:mc="http://schemas.openxmlformats.org/markup-compatibility/2006" xmlns:a14="http://schemas.microsoft.com/office/drawing/2010/main">
+        <mc:Choice Requires="a14">
+          <p:sp>
+            <p:nvSpPr>
+              <p:cNvPr id="52" name="TextBox 51">
+                <a:extLst>
+                  <a:ext uri="{FF2B5EF4-FFF2-40B4-BE49-F238E27FC236}">
+                    <a16:creationId xmlns:a16="http://schemas.microsoft.com/office/drawing/2014/main" id="{05A70B64-722A-C677-8A01-FFFC6FC496B4}"/>
+                  </a:ext>
+                </a:extLst>
+              </p:cNvPr>
+              <p:cNvSpPr txBox="1"/>
+              <p:nvPr/>
+            </p:nvSpPr>
+            <p:spPr>
+              <a:xfrm>
+                <a:off x="3814839" y="3842611"/>
+                <a:ext cx="367986" cy="375552"/>
+              </a:xfrm>
+              <a:prstGeom prst="rect">
+                <a:avLst/>
+              </a:prstGeom>
+            </p:spPr>
+            <p:style>
+              <a:lnRef idx="2">
+                <a:schemeClr val="dk1"/>
+              </a:lnRef>
+              <a:fillRef idx="1">
+                <a:schemeClr val="lt1"/>
+              </a:fillRef>
+              <a:effectRef idx="0">
+                <a:schemeClr val="dk1"/>
+              </a:effectRef>
+              <a:fontRef idx="minor">
+                <a:schemeClr val="dk1"/>
+              </a:fontRef>
+            </p:style>
+            <p:txBody>
+              <a:bodyPr wrap="square" rtlCol="0">
+                <a:spAutoFit/>
+              </a:bodyPr>
+              <a:lstStyle/>
+              <a:p>
+                <a:pPr/>
+                <a14:m>
+                  <m:oMathPara xmlns:m="http://schemas.openxmlformats.org/officeDocument/2006/math">
+                    <m:oMathParaPr>
+                      <m:jc m:val="centerGroup"/>
+                    </m:oMathParaPr>
+                    <m:oMath xmlns:m="http://schemas.openxmlformats.org/officeDocument/2006/math">
+                      <m:sSup>
+                        <m:sSupPr>
+                          <m:ctrlPr>
+                            <a:rPr lang="en-US" b="1" i="1" smtClean="0">
+                              <a:latin typeface="Cambria Math" panose="02040503050406030204" pitchFamily="18" charset="0"/>
+                            </a:rPr>
+                          </m:ctrlPr>
+                        </m:sSupPr>
+                        <m:e>
+                          <m:r>
+                            <a:rPr lang="en-US" b="1" i="1" smtClean="0">
+                              <a:latin typeface="Cambria Math" panose="02040503050406030204" pitchFamily="18" charset="0"/>
+                            </a:rPr>
+                            <m:t>𝒍</m:t>
+                          </m:r>
+                        </m:e>
+                        <m:sup>
+                          <m:r>
+                            <a:rPr lang="en-US" b="1" i="1" smtClean="0">
+                              <a:latin typeface="Cambria Math" panose="02040503050406030204" pitchFamily="18" charset="0"/>
+                            </a:rPr>
+                            <m:t>𝟏</m:t>
+                          </m:r>
+                        </m:sup>
+                      </m:sSup>
+                    </m:oMath>
+                  </m:oMathPara>
+                </a14:m>
+                <a:endParaRPr lang="en-US" b="1" dirty="0"/>
+              </a:p>
+            </p:txBody>
+          </p:sp>
+        </mc:Choice>
+        <mc:Fallback xmlns="">
+          <p:sp>
+            <p:nvSpPr>
+              <p:cNvPr id="52" name="TextBox 51">
+                <a:extLst>
+                  <a:ext uri="{FF2B5EF4-FFF2-40B4-BE49-F238E27FC236}">
+                    <a16:creationId xmlns:a16="http://schemas.microsoft.com/office/drawing/2014/main" id="{05A70B64-722A-C677-8A01-FFFC6FC496B4}"/>
+                  </a:ext>
+                </a:extLst>
+              </p:cNvPr>
+              <p:cNvSpPr txBox="1">
+                <a:spLocks noRot="1" noChangeAspect="1" noMove="1" noResize="1" noEditPoints="1" noAdjustHandles="1" noChangeArrowheads="1" noChangeShapeType="1" noTextEdit="1"/>
+              </p:cNvSpPr>
+              <p:nvPr/>
+            </p:nvSpPr>
+            <p:spPr>
+              <a:xfrm>
+                <a:off x="3814839" y="3842611"/>
+                <a:ext cx="367986" cy="375552"/>
+              </a:xfrm>
+              <a:prstGeom prst="rect">
+                <a:avLst/>
+              </a:prstGeom>
+              <a:blipFill>
+                <a:blip r:embed="rId5"/>
+                <a:stretch>
+                  <a:fillRect/>
+                </a:stretch>
+              </a:blipFill>
+            </p:spPr>
+            <p:txBody>
+              <a:bodyPr/>
+              <a:lstStyle/>
+              <a:p>
+                <a:r>
+                  <a:rPr lang="en-US">
+                    <a:noFill/>
+                  </a:rPr>
+                  <a:t> </a:t>
+                </a:r>
+              </a:p>
+            </p:txBody>
+          </p:sp>
+        </mc:Fallback>
+      </mc:AlternateContent>
+      <mc:AlternateContent xmlns:mc="http://schemas.openxmlformats.org/markup-compatibility/2006" xmlns:a14="http://schemas.microsoft.com/office/drawing/2010/main">
+        <mc:Choice Requires="a14">
+          <p:sp>
+            <p:nvSpPr>
+              <p:cNvPr id="54" name="TextBox 53">
+                <a:extLst>
+                  <a:ext uri="{FF2B5EF4-FFF2-40B4-BE49-F238E27FC236}">
+                    <a16:creationId xmlns:a16="http://schemas.microsoft.com/office/drawing/2014/main" id="{5A54B5A6-A04B-ED56-78E2-ABB03640743F}"/>
+                  </a:ext>
+                </a:extLst>
+              </p:cNvPr>
+              <p:cNvSpPr txBox="1"/>
+              <p:nvPr/>
+            </p:nvSpPr>
+            <p:spPr>
+              <a:xfrm>
+                <a:off x="6096000" y="3842611"/>
+                <a:ext cx="367986" cy="375552"/>
+              </a:xfrm>
+              <a:prstGeom prst="rect">
+                <a:avLst/>
+              </a:prstGeom>
+            </p:spPr>
+            <p:style>
+              <a:lnRef idx="2">
+                <a:schemeClr val="dk1"/>
+              </a:lnRef>
+              <a:fillRef idx="1">
+                <a:schemeClr val="lt1"/>
+              </a:fillRef>
+              <a:effectRef idx="0">
+                <a:schemeClr val="dk1"/>
+              </a:effectRef>
+              <a:fontRef idx="minor">
+                <a:schemeClr val="dk1"/>
+              </a:fontRef>
+            </p:style>
+            <p:txBody>
+              <a:bodyPr wrap="square" rtlCol="0">
+                <a:spAutoFit/>
+              </a:bodyPr>
+              <a:lstStyle/>
+              <a:p>
+                <a:pPr/>
+                <a14:m>
+                  <m:oMathPara xmlns:m="http://schemas.openxmlformats.org/officeDocument/2006/math">
+                    <m:oMathParaPr>
+                      <m:jc m:val="centerGroup"/>
+                    </m:oMathParaPr>
+                    <m:oMath xmlns:m="http://schemas.openxmlformats.org/officeDocument/2006/math">
+                      <m:sSup>
+                        <m:sSupPr>
+                          <m:ctrlPr>
+                            <a:rPr lang="en-US" b="1" i="1" smtClean="0">
+                              <a:latin typeface="Cambria Math" panose="02040503050406030204" pitchFamily="18" charset="0"/>
+                            </a:rPr>
+                          </m:ctrlPr>
+                        </m:sSupPr>
+                        <m:e>
+                          <m:r>
+                            <a:rPr lang="en-US" b="1" i="1" smtClean="0">
+                              <a:latin typeface="Cambria Math" panose="02040503050406030204" pitchFamily="18" charset="0"/>
+                            </a:rPr>
+                            <m:t>𝒍</m:t>
+                          </m:r>
+                        </m:e>
+                        <m:sup>
+                          <m:r>
+                            <a:rPr lang="en-US" b="1" i="1" smtClean="0">
+                              <a:latin typeface="Cambria Math" panose="02040503050406030204" pitchFamily="18" charset="0"/>
+                            </a:rPr>
+                            <m:t>𝟐</m:t>
+                          </m:r>
+                        </m:sup>
+                      </m:sSup>
+                    </m:oMath>
+                  </m:oMathPara>
+                </a14:m>
+                <a:endParaRPr lang="en-US" b="1" dirty="0"/>
+              </a:p>
+            </p:txBody>
+          </p:sp>
+        </mc:Choice>
+        <mc:Fallback xmlns="">
+          <p:sp>
+            <p:nvSpPr>
+              <p:cNvPr id="54" name="TextBox 53">
+                <a:extLst>
+                  <a:ext uri="{FF2B5EF4-FFF2-40B4-BE49-F238E27FC236}">
+                    <a16:creationId xmlns:a16="http://schemas.microsoft.com/office/drawing/2014/main" id="{5A54B5A6-A04B-ED56-78E2-ABB03640743F}"/>
+                  </a:ext>
+                </a:extLst>
+              </p:cNvPr>
+              <p:cNvSpPr txBox="1">
+                <a:spLocks noRot="1" noChangeAspect="1" noMove="1" noResize="1" noEditPoints="1" noAdjustHandles="1" noChangeArrowheads="1" noChangeShapeType="1" noTextEdit="1"/>
+              </p:cNvSpPr>
+              <p:nvPr/>
+            </p:nvSpPr>
+            <p:spPr>
+              <a:xfrm>
+                <a:off x="6096000" y="3842611"/>
+                <a:ext cx="367986" cy="375552"/>
+              </a:xfrm>
+              <a:prstGeom prst="rect">
+                <a:avLst/>
+              </a:prstGeom>
+              <a:blipFill>
+                <a:blip r:embed="rId6"/>
+                <a:stretch>
+                  <a:fillRect/>
+                </a:stretch>
+              </a:blipFill>
+            </p:spPr>
+            <p:txBody>
+              <a:bodyPr/>
+              <a:lstStyle/>
+              <a:p>
+                <a:r>
+                  <a:rPr lang="en-US">
+                    <a:noFill/>
+                  </a:rPr>
+                  <a:t> </a:t>
+                </a:r>
+              </a:p>
+            </p:txBody>
+          </p:sp>
+        </mc:Fallback>
+      </mc:AlternateContent>
+      <mc:AlternateContent xmlns:mc="http://schemas.openxmlformats.org/markup-compatibility/2006" xmlns:a14="http://schemas.microsoft.com/office/drawing/2010/main">
+        <mc:Choice Requires="a14">
+          <p:sp>
+            <p:nvSpPr>
+              <p:cNvPr id="55" name="TextBox 54">
+                <a:extLst>
+                  <a:ext uri="{FF2B5EF4-FFF2-40B4-BE49-F238E27FC236}">
+                    <a16:creationId xmlns:a16="http://schemas.microsoft.com/office/drawing/2014/main" id="{F65892C8-398B-6290-789E-AB47515E07E7}"/>
+                  </a:ext>
+                </a:extLst>
+              </p:cNvPr>
+              <p:cNvSpPr txBox="1"/>
+              <p:nvPr/>
+            </p:nvSpPr>
+            <p:spPr>
+              <a:xfrm>
+                <a:off x="8377161" y="3842611"/>
+                <a:ext cx="367986" cy="375552"/>
+              </a:xfrm>
+              <a:prstGeom prst="rect">
+                <a:avLst/>
+              </a:prstGeom>
+            </p:spPr>
+            <p:style>
+              <a:lnRef idx="2">
+                <a:schemeClr val="dk1"/>
+              </a:lnRef>
+              <a:fillRef idx="1">
+                <a:schemeClr val="lt1"/>
+              </a:fillRef>
+              <a:effectRef idx="0">
+                <a:schemeClr val="dk1"/>
+              </a:effectRef>
+              <a:fontRef idx="minor">
+                <a:schemeClr val="dk1"/>
+              </a:fontRef>
+            </p:style>
+            <p:txBody>
+              <a:bodyPr wrap="square" rtlCol="0">
+                <a:spAutoFit/>
+              </a:bodyPr>
+              <a:lstStyle/>
+              <a:p>
+                <a:pPr/>
+                <a14:m>
+                  <m:oMathPara xmlns:m="http://schemas.openxmlformats.org/officeDocument/2006/math">
+                    <m:oMathParaPr>
+                      <m:jc m:val="centerGroup"/>
+                    </m:oMathParaPr>
+                    <m:oMath xmlns:m="http://schemas.openxmlformats.org/officeDocument/2006/math">
+                      <m:sSup>
+                        <m:sSupPr>
+                          <m:ctrlPr>
+                            <a:rPr lang="en-US" b="1" i="1" smtClean="0">
+                              <a:latin typeface="Cambria Math" panose="02040503050406030204" pitchFamily="18" charset="0"/>
+                            </a:rPr>
+                          </m:ctrlPr>
+                        </m:sSupPr>
+                        <m:e>
+                          <m:r>
+                            <a:rPr lang="en-US" b="1" i="1" smtClean="0">
+                              <a:latin typeface="Cambria Math" panose="02040503050406030204" pitchFamily="18" charset="0"/>
+                            </a:rPr>
+                            <m:t>𝒍</m:t>
+                          </m:r>
+                        </m:e>
+                        <m:sup>
+                          <m:r>
+                            <a:rPr lang="en-US" b="1" i="1" smtClean="0">
+                              <a:latin typeface="Cambria Math" panose="02040503050406030204" pitchFamily="18" charset="0"/>
+                            </a:rPr>
+                            <m:t>𝟑</m:t>
+                          </m:r>
+                        </m:sup>
+                      </m:sSup>
+                    </m:oMath>
+                  </m:oMathPara>
+                </a14:m>
+                <a:endParaRPr lang="en-US" b="1" dirty="0"/>
+              </a:p>
+            </p:txBody>
+          </p:sp>
+        </mc:Choice>
+        <mc:Fallback xmlns="">
+          <p:sp>
+            <p:nvSpPr>
+              <p:cNvPr id="55" name="TextBox 54">
+                <a:extLst>
+                  <a:ext uri="{FF2B5EF4-FFF2-40B4-BE49-F238E27FC236}">
+                    <a16:creationId xmlns:a16="http://schemas.microsoft.com/office/drawing/2014/main" id="{F65892C8-398B-6290-789E-AB47515E07E7}"/>
+                  </a:ext>
+                </a:extLst>
+              </p:cNvPr>
+              <p:cNvSpPr txBox="1">
+                <a:spLocks noRot="1" noChangeAspect="1" noMove="1" noResize="1" noEditPoints="1" noAdjustHandles="1" noChangeArrowheads="1" noChangeShapeType="1" noTextEdit="1"/>
+              </p:cNvSpPr>
+              <p:nvPr/>
+            </p:nvSpPr>
+            <p:spPr>
+              <a:xfrm>
+                <a:off x="8377161" y="3842611"/>
+                <a:ext cx="367986" cy="375552"/>
+              </a:xfrm>
+              <a:prstGeom prst="rect">
+                <a:avLst/>
+              </a:prstGeom>
+              <a:blipFill>
+                <a:blip r:embed="rId7"/>
+                <a:stretch>
+                  <a:fillRect/>
+                </a:stretch>
+              </a:blipFill>
+            </p:spPr>
+            <p:txBody>
+              <a:bodyPr/>
+              <a:lstStyle/>
+              <a:p>
+                <a:r>
+                  <a:rPr lang="en-US">
+                    <a:noFill/>
+                  </a:rPr>
+                  <a:t> </a:t>
+                </a:r>
+              </a:p>
+            </p:txBody>
+          </p:sp>
+        </mc:Fallback>
+      </mc:AlternateContent>
+      <p:cxnSp>
+        <p:nvCxnSpPr>
+          <p:cNvPr id="56" name="Straight Connector 55">
+            <a:extLst>
+              <a:ext uri="{FF2B5EF4-FFF2-40B4-BE49-F238E27FC236}">
+                <a16:creationId xmlns:a16="http://schemas.microsoft.com/office/drawing/2014/main" id="{12DD109F-4353-2A77-16F6-DE61C41F2667}"/>
+              </a:ext>
+            </a:extLst>
+          </p:cNvPr>
+          <p:cNvCxnSpPr>
+            <a:cxnSpLocks/>
+          </p:cNvCxnSpPr>
+          <p:nvPr/>
+        </p:nvCxnSpPr>
+        <p:spPr>
+          <a:xfrm>
+            <a:off x="1901664" y="4030387"/>
+            <a:ext cx="1913175" cy="0"/>
+          </a:xfrm>
+          <a:prstGeom prst="line">
+            <a:avLst/>
+          </a:prstGeom>
+          <a:ln w="76200">
+            <a:solidFill>
+              <a:schemeClr val="bg1">
+                <a:lumMod val="50000"/>
+              </a:schemeClr>
+            </a:solidFill>
+          </a:ln>
+        </p:spPr>
+        <p:style>
+          <a:lnRef idx="1">
+            <a:schemeClr val="dk1"/>
+          </a:lnRef>
+          <a:fillRef idx="0">
+            <a:schemeClr val="dk1"/>
+          </a:fillRef>
+          <a:effectRef idx="0">
+            <a:schemeClr val="dk1"/>
+          </a:effectRef>
+          <a:fontRef idx="minor">
+            <a:schemeClr val="tx1"/>
+          </a:fontRef>
+        </p:style>
+      </p:cxnSp>
+      <p:cxnSp>
+        <p:nvCxnSpPr>
+          <p:cNvPr id="58" name="Straight Connector 57">
+            <a:extLst>
+              <a:ext uri="{FF2B5EF4-FFF2-40B4-BE49-F238E27FC236}">
+                <a16:creationId xmlns:a16="http://schemas.microsoft.com/office/drawing/2014/main" id="{779BE504-EC02-7C48-F72F-2B08971B3829}"/>
+              </a:ext>
+            </a:extLst>
+          </p:cNvPr>
+          <p:cNvCxnSpPr>
+            <a:cxnSpLocks/>
+          </p:cNvCxnSpPr>
+          <p:nvPr/>
+        </p:nvCxnSpPr>
+        <p:spPr>
+          <a:xfrm>
+            <a:off x="4182825" y="4030387"/>
+            <a:ext cx="1913175" cy="0"/>
+          </a:xfrm>
+          <a:prstGeom prst="line">
+            <a:avLst/>
+          </a:prstGeom>
+          <a:ln w="76200">
+            <a:solidFill>
+              <a:schemeClr val="bg1">
+                <a:lumMod val="50000"/>
+              </a:schemeClr>
+            </a:solidFill>
+          </a:ln>
+        </p:spPr>
+        <p:style>
+          <a:lnRef idx="1">
+            <a:schemeClr val="dk1"/>
+          </a:lnRef>
+          <a:fillRef idx="0">
+            <a:schemeClr val="dk1"/>
+          </a:fillRef>
+          <a:effectRef idx="0">
+            <a:schemeClr val="dk1"/>
+          </a:effectRef>
+          <a:fontRef idx="minor">
+            <a:schemeClr val="tx1"/>
+          </a:fontRef>
+        </p:style>
+      </p:cxnSp>
+      <p:cxnSp>
+        <p:nvCxnSpPr>
+          <p:cNvPr id="59" name="Straight Connector 58">
+            <a:extLst>
+              <a:ext uri="{FF2B5EF4-FFF2-40B4-BE49-F238E27FC236}">
+                <a16:creationId xmlns:a16="http://schemas.microsoft.com/office/drawing/2014/main" id="{06801104-592E-166C-AB0F-E63EA15EEBAD}"/>
+              </a:ext>
+            </a:extLst>
+          </p:cNvPr>
+          <p:cNvCxnSpPr>
+            <a:cxnSpLocks/>
+          </p:cNvCxnSpPr>
+          <p:nvPr/>
+        </p:nvCxnSpPr>
+        <p:spPr>
+          <a:xfrm>
+            <a:off x="6463986" y="4030387"/>
+            <a:ext cx="1913175" cy="0"/>
+          </a:xfrm>
+          <a:prstGeom prst="line">
+            <a:avLst/>
+          </a:prstGeom>
+          <a:ln w="76200">
+            <a:solidFill>
+              <a:schemeClr val="bg1">
+                <a:lumMod val="50000"/>
+              </a:schemeClr>
+            </a:solidFill>
+          </a:ln>
+        </p:spPr>
+        <p:style>
+          <a:lnRef idx="1">
+            <a:schemeClr val="dk1"/>
+          </a:lnRef>
+          <a:fillRef idx="0">
+            <a:schemeClr val="dk1"/>
+          </a:fillRef>
+          <a:effectRef idx="0">
+            <a:schemeClr val="dk1"/>
+          </a:effectRef>
+          <a:fontRef idx="minor">
+            <a:schemeClr val="tx1"/>
+          </a:fontRef>
+        </p:style>
+      </p:cxnSp>
+      <p:cxnSp>
+        <p:nvCxnSpPr>
+          <p:cNvPr id="60" name="Straight Connector 59">
+            <a:extLst>
+              <a:ext uri="{FF2B5EF4-FFF2-40B4-BE49-F238E27FC236}">
+                <a16:creationId xmlns:a16="http://schemas.microsoft.com/office/drawing/2014/main" id="{946D2720-435E-EBD6-0E1C-E2E39E28F08F}"/>
+              </a:ext>
+            </a:extLst>
+          </p:cNvPr>
+          <p:cNvCxnSpPr>
+            <a:cxnSpLocks/>
+          </p:cNvCxnSpPr>
+          <p:nvPr/>
+        </p:nvCxnSpPr>
+        <p:spPr>
+          <a:xfrm>
+            <a:off x="8745147" y="4030387"/>
+            <a:ext cx="1913175" cy="0"/>
+          </a:xfrm>
+          <a:prstGeom prst="line">
+            <a:avLst/>
+          </a:prstGeom>
+          <a:ln w="76200">
+            <a:solidFill>
+              <a:schemeClr val="bg1">
+                <a:lumMod val="50000"/>
+              </a:schemeClr>
+            </a:solidFill>
+          </a:ln>
+        </p:spPr>
+        <p:style>
+          <a:lnRef idx="1">
+            <a:schemeClr val="dk1"/>
+          </a:lnRef>
+          <a:fillRef idx="0">
+            <a:schemeClr val="dk1"/>
+          </a:fillRef>
+          <a:effectRef idx="0">
+            <a:schemeClr val="dk1"/>
+          </a:effectRef>
+          <a:fontRef idx="minor">
+            <a:schemeClr val="tx1"/>
+          </a:fontRef>
+        </p:style>
+      </p:cxnSp>
+      <mc:AlternateContent xmlns:mc="http://schemas.openxmlformats.org/markup-compatibility/2006" xmlns:a14="http://schemas.microsoft.com/office/drawing/2010/main">
+        <mc:Choice Requires="a14">
+          <p:sp>
+            <p:nvSpPr>
+              <p:cNvPr id="67" name="TextBox 66">
+                <a:extLst>
+                  <a:ext uri="{FF2B5EF4-FFF2-40B4-BE49-F238E27FC236}">
+                    <a16:creationId xmlns:a16="http://schemas.microsoft.com/office/drawing/2014/main" id="{3556F4A3-7CB0-7F63-4152-A023F9D17CDC}"/>
+                  </a:ext>
+                </a:extLst>
+              </p:cNvPr>
+              <p:cNvSpPr txBox="1"/>
+              <p:nvPr/>
+            </p:nvSpPr>
+            <p:spPr>
+              <a:xfrm>
+                <a:off x="2488631" y="3842611"/>
+                <a:ext cx="739241" cy="375552"/>
+              </a:xfrm>
+              <a:prstGeom prst="rect">
+                <a:avLst/>
+              </a:prstGeom>
+              <a:solidFill>
+                <a:schemeClr val="bg1">
+                  <a:alpha val="50000"/>
+                </a:schemeClr>
+              </a:solidFill>
+            </p:spPr>
+            <p:txBody>
+              <a:bodyPr wrap="none" rtlCol="0">
+                <a:spAutoFit/>
+              </a:bodyPr>
+              <a:lstStyle/>
+              <a:p>
+                <a:pPr/>
+                <a14:m>
+                  <m:oMathPara xmlns:m="http://schemas.openxmlformats.org/officeDocument/2006/math">
+                    <m:oMathParaPr>
+                      <m:jc m:val="centerGroup"/>
+                    </m:oMathParaPr>
+                    <m:oMath xmlns:m="http://schemas.openxmlformats.org/officeDocument/2006/math">
+                      <m:r>
+                        <a:rPr lang="en-US" b="1" i="1" smtClean="0">
+                          <a:latin typeface="Cambria Math" panose="02040503050406030204" pitchFamily="18" charset="0"/>
+                        </a:rPr>
+                        <m:t>∗</m:t>
+                      </m:r>
+                      <m:sSup>
+                        <m:sSupPr>
+                          <m:ctrlPr>
+                            <a:rPr lang="en-US" b="1" i="1" smtClean="0">
+                              <a:latin typeface="Cambria Math" panose="02040503050406030204" pitchFamily="18" charset="0"/>
+                            </a:rPr>
+                          </m:ctrlPr>
+                        </m:sSupPr>
+                        <m:e>
+                          <m:r>
+                            <a:rPr lang="en-US" b="1" i="1" smtClean="0">
+                              <a:latin typeface="Cambria Math" panose="02040503050406030204" pitchFamily="18" charset="0"/>
+                            </a:rPr>
+                            <m:t>𝑾</m:t>
+                          </m:r>
+                        </m:e>
+                        <m:sup>
+                          <m:r>
+                            <a:rPr lang="en-US" b="1" i="1" smtClean="0">
+                              <a:latin typeface="Cambria Math" panose="02040503050406030204" pitchFamily="18" charset="0"/>
+                            </a:rPr>
+                            <m:t>𝟏</m:t>
+                          </m:r>
+                        </m:sup>
+                      </m:sSup>
+                    </m:oMath>
+                  </m:oMathPara>
+                </a14:m>
+                <a:endParaRPr lang="en-US" b="1" dirty="0"/>
+              </a:p>
+            </p:txBody>
+          </p:sp>
+        </mc:Choice>
+        <mc:Fallback xmlns="">
+          <p:sp>
+            <p:nvSpPr>
+              <p:cNvPr id="67" name="TextBox 66">
+                <a:extLst>
+                  <a:ext uri="{FF2B5EF4-FFF2-40B4-BE49-F238E27FC236}">
+                    <a16:creationId xmlns:a16="http://schemas.microsoft.com/office/drawing/2014/main" id="{3556F4A3-7CB0-7F63-4152-A023F9D17CDC}"/>
+                  </a:ext>
+                </a:extLst>
+              </p:cNvPr>
+              <p:cNvSpPr txBox="1">
+                <a:spLocks noRot="1" noChangeAspect="1" noMove="1" noResize="1" noEditPoints="1" noAdjustHandles="1" noChangeArrowheads="1" noChangeShapeType="1" noTextEdit="1"/>
+              </p:cNvSpPr>
+              <p:nvPr/>
+            </p:nvSpPr>
+            <p:spPr>
+              <a:xfrm>
+                <a:off x="2488631" y="3842611"/>
+                <a:ext cx="739241" cy="375552"/>
+              </a:xfrm>
+              <a:prstGeom prst="rect">
+                <a:avLst/>
+              </a:prstGeom>
+              <a:blipFill>
+                <a:blip r:embed="rId8"/>
+                <a:stretch>
+                  <a:fillRect/>
+                </a:stretch>
+              </a:blipFill>
+            </p:spPr>
+            <p:txBody>
+              <a:bodyPr/>
+              <a:lstStyle/>
+              <a:p>
+                <a:r>
+                  <a:rPr lang="en-US">
+                    <a:noFill/>
+                  </a:rPr>
+                  <a:t> </a:t>
+                </a:r>
+              </a:p>
+            </p:txBody>
+          </p:sp>
+        </mc:Fallback>
+      </mc:AlternateContent>
+      <mc:AlternateContent xmlns:mc="http://schemas.openxmlformats.org/markup-compatibility/2006" xmlns:a14="http://schemas.microsoft.com/office/drawing/2010/main">
+        <mc:Choice Requires="a14">
+          <p:sp>
+            <p:nvSpPr>
+              <p:cNvPr id="68" name="TextBox 67">
+                <a:extLst>
+                  <a:ext uri="{FF2B5EF4-FFF2-40B4-BE49-F238E27FC236}">
+                    <a16:creationId xmlns:a16="http://schemas.microsoft.com/office/drawing/2014/main" id="{549DA507-8482-C852-C01E-7BE11E39F744}"/>
+                  </a:ext>
+                </a:extLst>
+              </p:cNvPr>
+              <p:cNvSpPr txBox="1"/>
+              <p:nvPr/>
+            </p:nvSpPr>
+            <p:spPr>
+              <a:xfrm>
+                <a:off x="9332114" y="3842611"/>
+                <a:ext cx="739240" cy="374846"/>
+              </a:xfrm>
+              <a:prstGeom prst="rect">
+                <a:avLst/>
+              </a:prstGeom>
+              <a:solidFill>
+                <a:schemeClr val="bg1">
+                  <a:alpha val="50000"/>
+                </a:schemeClr>
+              </a:solidFill>
+            </p:spPr>
+            <p:txBody>
+              <a:bodyPr wrap="none" rtlCol="0">
+                <a:spAutoFit/>
+              </a:bodyPr>
+              <a:lstStyle/>
+              <a:p>
+                <a:pPr/>
+                <a14:m>
+                  <m:oMathPara xmlns:m="http://schemas.openxmlformats.org/officeDocument/2006/math">
+                    <m:oMathParaPr>
+                      <m:jc m:val="centerGroup"/>
+                    </m:oMathParaPr>
+                    <m:oMath xmlns:m="http://schemas.openxmlformats.org/officeDocument/2006/math">
+                      <m:r>
+                        <a:rPr lang="en-US" b="1" i="1" smtClean="0">
+                          <a:latin typeface="Cambria Math" panose="02040503050406030204" pitchFamily="18" charset="0"/>
+                        </a:rPr>
+                        <m:t>∗</m:t>
+                      </m:r>
+                      <m:sSup>
+                        <m:sSupPr>
+                          <m:ctrlPr>
+                            <a:rPr lang="en-US" b="1" i="1" smtClean="0">
+                              <a:latin typeface="Cambria Math" panose="02040503050406030204" pitchFamily="18" charset="0"/>
+                            </a:rPr>
+                          </m:ctrlPr>
+                        </m:sSupPr>
+                        <m:e>
+                          <m:r>
+                            <a:rPr lang="en-US" b="1" i="1" smtClean="0">
+                              <a:latin typeface="Cambria Math" panose="02040503050406030204" pitchFamily="18" charset="0"/>
+                            </a:rPr>
+                            <m:t>𝑾</m:t>
+                          </m:r>
+                        </m:e>
+                        <m:sup>
+                          <m:r>
+                            <a:rPr lang="en-US" b="1" i="1" smtClean="0">
+                              <a:latin typeface="Cambria Math" panose="02040503050406030204" pitchFamily="18" charset="0"/>
+                            </a:rPr>
+                            <m:t>𝟒</m:t>
+                          </m:r>
+                        </m:sup>
+                      </m:sSup>
+                    </m:oMath>
+                  </m:oMathPara>
+                </a14:m>
+                <a:endParaRPr lang="en-US" b="1" dirty="0"/>
+              </a:p>
+            </p:txBody>
+          </p:sp>
+        </mc:Choice>
+        <mc:Fallback xmlns="">
+          <p:sp>
+            <p:nvSpPr>
+              <p:cNvPr id="68" name="TextBox 67">
+                <a:extLst>
+                  <a:ext uri="{FF2B5EF4-FFF2-40B4-BE49-F238E27FC236}">
+                    <a16:creationId xmlns:a16="http://schemas.microsoft.com/office/drawing/2014/main" id="{549DA507-8482-C852-C01E-7BE11E39F744}"/>
+                  </a:ext>
+                </a:extLst>
+              </p:cNvPr>
+              <p:cNvSpPr txBox="1">
+                <a:spLocks noRot="1" noChangeAspect="1" noMove="1" noResize="1" noEditPoints="1" noAdjustHandles="1" noChangeArrowheads="1" noChangeShapeType="1" noTextEdit="1"/>
+              </p:cNvSpPr>
+              <p:nvPr/>
+            </p:nvSpPr>
+            <p:spPr>
+              <a:xfrm>
+                <a:off x="9332114" y="3842611"/>
+                <a:ext cx="739240" cy="374846"/>
+              </a:xfrm>
+              <a:prstGeom prst="rect">
+                <a:avLst/>
+              </a:prstGeom>
+              <a:blipFill>
+                <a:blip r:embed="rId9"/>
+                <a:stretch>
+                  <a:fillRect/>
+                </a:stretch>
+              </a:blipFill>
+            </p:spPr>
+            <p:txBody>
+              <a:bodyPr/>
+              <a:lstStyle/>
+              <a:p>
+                <a:r>
+                  <a:rPr lang="en-US">
+                    <a:noFill/>
+                  </a:rPr>
+                  <a:t> </a:t>
+                </a:r>
+              </a:p>
+            </p:txBody>
+          </p:sp>
+        </mc:Fallback>
+      </mc:AlternateContent>
+      <mc:AlternateContent xmlns:mc="http://schemas.openxmlformats.org/markup-compatibility/2006" xmlns:a14="http://schemas.microsoft.com/office/drawing/2010/main">
+        <mc:Choice Requires="a14">
+          <p:sp>
+            <p:nvSpPr>
+              <p:cNvPr id="69" name="TextBox 68">
+                <a:extLst>
+                  <a:ext uri="{FF2B5EF4-FFF2-40B4-BE49-F238E27FC236}">
+                    <a16:creationId xmlns:a16="http://schemas.microsoft.com/office/drawing/2014/main" id="{23D58FC7-86C4-FAE1-1ED2-79B9A14C832D}"/>
+                  </a:ext>
+                </a:extLst>
+              </p:cNvPr>
+              <p:cNvSpPr txBox="1"/>
+              <p:nvPr/>
+            </p:nvSpPr>
+            <p:spPr>
+              <a:xfrm>
+                <a:off x="7050953" y="3842611"/>
+                <a:ext cx="739240" cy="375552"/>
+              </a:xfrm>
+              <a:prstGeom prst="rect">
+                <a:avLst/>
+              </a:prstGeom>
+              <a:solidFill>
+                <a:schemeClr val="bg1">
+                  <a:alpha val="50000"/>
+                </a:schemeClr>
+              </a:solidFill>
+            </p:spPr>
+            <p:txBody>
+              <a:bodyPr wrap="none" rtlCol="0">
+                <a:spAutoFit/>
+              </a:bodyPr>
+              <a:lstStyle/>
+              <a:p>
+                <a:pPr/>
+                <a14:m>
+                  <m:oMathPara xmlns:m="http://schemas.openxmlformats.org/officeDocument/2006/math">
+                    <m:oMathParaPr>
+                      <m:jc m:val="centerGroup"/>
+                    </m:oMathParaPr>
+                    <m:oMath xmlns:m="http://schemas.openxmlformats.org/officeDocument/2006/math">
+                      <m:r>
+                        <a:rPr lang="en-US" b="1" i="1" smtClean="0">
+                          <a:latin typeface="Cambria Math" panose="02040503050406030204" pitchFamily="18" charset="0"/>
+                        </a:rPr>
+                        <m:t>∗</m:t>
+                      </m:r>
+                      <m:sSup>
+                        <m:sSupPr>
+                          <m:ctrlPr>
+                            <a:rPr lang="en-US" b="1" i="1" smtClean="0">
+                              <a:latin typeface="Cambria Math" panose="02040503050406030204" pitchFamily="18" charset="0"/>
+                            </a:rPr>
+                          </m:ctrlPr>
+                        </m:sSupPr>
+                        <m:e>
+                          <m:r>
+                            <a:rPr lang="en-US" b="1" i="1" smtClean="0">
+                              <a:latin typeface="Cambria Math" panose="02040503050406030204" pitchFamily="18" charset="0"/>
+                            </a:rPr>
+                            <m:t>𝑾</m:t>
+                          </m:r>
+                        </m:e>
+                        <m:sup>
+                          <m:r>
+                            <a:rPr lang="en-US" b="1" i="1" smtClean="0">
+                              <a:latin typeface="Cambria Math" panose="02040503050406030204" pitchFamily="18" charset="0"/>
+                            </a:rPr>
+                            <m:t>𝟑</m:t>
+                          </m:r>
+                        </m:sup>
+                      </m:sSup>
+                    </m:oMath>
+                  </m:oMathPara>
+                </a14:m>
+                <a:endParaRPr lang="en-US" b="1" dirty="0"/>
+              </a:p>
+            </p:txBody>
+          </p:sp>
+        </mc:Choice>
+        <mc:Fallback xmlns="">
+          <p:sp>
+            <p:nvSpPr>
+              <p:cNvPr id="69" name="TextBox 68">
+                <a:extLst>
+                  <a:ext uri="{FF2B5EF4-FFF2-40B4-BE49-F238E27FC236}">
+                    <a16:creationId xmlns:a16="http://schemas.microsoft.com/office/drawing/2014/main" id="{23D58FC7-86C4-FAE1-1ED2-79B9A14C832D}"/>
+                  </a:ext>
+                </a:extLst>
+              </p:cNvPr>
+              <p:cNvSpPr txBox="1">
+                <a:spLocks noRot="1" noChangeAspect="1" noMove="1" noResize="1" noEditPoints="1" noAdjustHandles="1" noChangeArrowheads="1" noChangeShapeType="1" noTextEdit="1"/>
+              </p:cNvSpPr>
+              <p:nvPr/>
+            </p:nvSpPr>
+            <p:spPr>
+              <a:xfrm>
+                <a:off x="7050953" y="3842611"/>
+                <a:ext cx="739240" cy="375552"/>
+              </a:xfrm>
+              <a:prstGeom prst="rect">
+                <a:avLst/>
+              </a:prstGeom>
+              <a:blipFill>
+                <a:blip r:embed="rId10"/>
+                <a:stretch>
+                  <a:fillRect/>
+                </a:stretch>
+              </a:blipFill>
+            </p:spPr>
+            <p:txBody>
+              <a:bodyPr/>
+              <a:lstStyle/>
+              <a:p>
+                <a:r>
+                  <a:rPr lang="en-US">
+                    <a:noFill/>
+                  </a:rPr>
+                  <a:t> </a:t>
+                </a:r>
+              </a:p>
+            </p:txBody>
+          </p:sp>
+        </mc:Fallback>
+      </mc:AlternateContent>
+      <mc:AlternateContent xmlns:mc="http://schemas.openxmlformats.org/markup-compatibility/2006" xmlns:a14="http://schemas.microsoft.com/office/drawing/2010/main">
+        <mc:Choice Requires="a14">
+          <p:sp>
+            <p:nvSpPr>
+              <p:cNvPr id="70" name="TextBox 69">
+                <a:extLst>
+                  <a:ext uri="{FF2B5EF4-FFF2-40B4-BE49-F238E27FC236}">
+                    <a16:creationId xmlns:a16="http://schemas.microsoft.com/office/drawing/2014/main" id="{B16546CD-7584-62A6-9487-9316A38C3488}"/>
+                  </a:ext>
+                </a:extLst>
+              </p:cNvPr>
+              <p:cNvSpPr txBox="1"/>
+              <p:nvPr/>
+            </p:nvSpPr>
+            <p:spPr>
+              <a:xfrm>
+                <a:off x="4769792" y="3842611"/>
+                <a:ext cx="739241" cy="375552"/>
+              </a:xfrm>
+              <a:prstGeom prst="rect">
+                <a:avLst/>
+              </a:prstGeom>
+              <a:solidFill>
+                <a:schemeClr val="bg1">
+                  <a:alpha val="50000"/>
+                </a:schemeClr>
+              </a:solidFill>
+            </p:spPr>
+            <p:txBody>
+              <a:bodyPr wrap="none" rtlCol="0">
+                <a:spAutoFit/>
+              </a:bodyPr>
+              <a:lstStyle/>
+              <a:p>
+                <a:pPr/>
+                <a14:m>
+                  <m:oMathPara xmlns:m="http://schemas.openxmlformats.org/officeDocument/2006/math">
+                    <m:oMathParaPr>
+                      <m:jc m:val="centerGroup"/>
+                    </m:oMathParaPr>
+                    <m:oMath xmlns:m="http://schemas.openxmlformats.org/officeDocument/2006/math">
+                      <m:r>
+                        <a:rPr lang="en-US" b="1" i="1" smtClean="0">
+                          <a:latin typeface="Cambria Math" panose="02040503050406030204" pitchFamily="18" charset="0"/>
+                        </a:rPr>
+                        <m:t>∗</m:t>
+                      </m:r>
+                      <m:sSup>
+                        <m:sSupPr>
+                          <m:ctrlPr>
+                            <a:rPr lang="en-US" b="1" i="1" smtClean="0">
+                              <a:latin typeface="Cambria Math" panose="02040503050406030204" pitchFamily="18" charset="0"/>
+                            </a:rPr>
+                          </m:ctrlPr>
+                        </m:sSupPr>
+                        <m:e>
+                          <m:r>
+                            <a:rPr lang="en-US" b="1" i="1" smtClean="0">
+                              <a:latin typeface="Cambria Math" panose="02040503050406030204" pitchFamily="18" charset="0"/>
+                            </a:rPr>
+                            <m:t>𝑾</m:t>
+                          </m:r>
+                        </m:e>
+                        <m:sup>
+                          <m:r>
+                            <a:rPr lang="en-US" b="1" i="1" smtClean="0">
+                              <a:latin typeface="Cambria Math" panose="02040503050406030204" pitchFamily="18" charset="0"/>
+                            </a:rPr>
+                            <m:t>𝟐</m:t>
+                          </m:r>
+                        </m:sup>
+                      </m:sSup>
+                    </m:oMath>
+                  </m:oMathPara>
+                </a14:m>
+                <a:endParaRPr lang="en-US" b="1" dirty="0"/>
+              </a:p>
+            </p:txBody>
+          </p:sp>
+        </mc:Choice>
+        <mc:Fallback xmlns="">
+          <p:sp>
+            <p:nvSpPr>
+              <p:cNvPr id="70" name="TextBox 69">
+                <a:extLst>
+                  <a:ext uri="{FF2B5EF4-FFF2-40B4-BE49-F238E27FC236}">
+                    <a16:creationId xmlns:a16="http://schemas.microsoft.com/office/drawing/2014/main" id="{B16546CD-7584-62A6-9487-9316A38C3488}"/>
+                  </a:ext>
+                </a:extLst>
+              </p:cNvPr>
+              <p:cNvSpPr txBox="1">
+                <a:spLocks noRot="1" noChangeAspect="1" noMove="1" noResize="1" noEditPoints="1" noAdjustHandles="1" noChangeArrowheads="1" noChangeShapeType="1" noTextEdit="1"/>
+              </p:cNvSpPr>
+              <p:nvPr/>
+            </p:nvSpPr>
+            <p:spPr>
+              <a:xfrm>
+                <a:off x="4769792" y="3842611"/>
+                <a:ext cx="739241" cy="375552"/>
+              </a:xfrm>
+              <a:prstGeom prst="rect">
+                <a:avLst/>
+              </a:prstGeom>
+              <a:blipFill>
+                <a:blip r:embed="rId11"/>
+                <a:stretch>
+                  <a:fillRect/>
+                </a:stretch>
+              </a:blipFill>
+            </p:spPr>
+            <p:txBody>
+              <a:bodyPr/>
+              <a:lstStyle/>
+              <a:p>
+                <a:r>
+                  <a:rPr lang="en-US">
+                    <a:noFill/>
+                  </a:rPr>
+                  <a:t> </a:t>
+                </a:r>
+              </a:p>
+            </p:txBody>
+          </p:sp>
+        </mc:Fallback>
+      </mc:AlternateContent>
+      <mc:AlternateContent xmlns:mc="http://schemas.openxmlformats.org/markup-compatibility/2006" xmlns:a14="http://schemas.microsoft.com/office/drawing/2010/main">
+        <mc:Choice Requires="a14">
+          <p:sp>
+            <p:nvSpPr>
+              <p:cNvPr id="3" name="TextBox 2">
+                <a:extLst>
+                  <a:ext uri="{FF2B5EF4-FFF2-40B4-BE49-F238E27FC236}">
+                    <a16:creationId xmlns:a16="http://schemas.microsoft.com/office/drawing/2014/main" id="{9DBC6D1A-6E8E-08DF-340C-828513995090}"/>
+                  </a:ext>
+                </a:extLst>
+              </p:cNvPr>
+              <p:cNvSpPr txBox="1"/>
+              <p:nvPr/>
+            </p:nvSpPr>
+            <p:spPr>
+              <a:xfrm>
+                <a:off x="3668485" y="2827613"/>
+                <a:ext cx="660694" cy="375552"/>
+              </a:xfrm>
+              <a:prstGeom prst="rect">
+                <a:avLst/>
+              </a:prstGeom>
+              <a:solidFill>
+                <a:schemeClr val="bg1">
+                  <a:alpha val="50000"/>
+                </a:schemeClr>
+              </a:solidFill>
+            </p:spPr>
+            <p:txBody>
+              <a:bodyPr wrap="none" rtlCol="0">
+                <a:spAutoFit/>
+              </a:bodyPr>
+              <a:lstStyle/>
+              <a:p>
+                <a:pPr/>
+                <a14:m>
+                  <m:oMathPara xmlns:m="http://schemas.openxmlformats.org/officeDocument/2006/math">
+                    <m:oMathParaPr>
+                      <m:jc m:val="centerGroup"/>
+                    </m:oMathParaPr>
+                    <m:oMath xmlns:m="http://schemas.openxmlformats.org/officeDocument/2006/math">
+                      <m:r>
+                        <a:rPr lang="en-US" b="1" i="1" smtClean="0">
+                          <a:latin typeface="Cambria Math" panose="02040503050406030204" pitchFamily="18" charset="0"/>
+                        </a:rPr>
+                        <m:t>+</m:t>
+                      </m:r>
+                      <m:sSup>
+                        <m:sSupPr>
+                          <m:ctrlPr>
+                            <a:rPr lang="en-US" b="1" i="1" smtClean="0">
+                              <a:latin typeface="Cambria Math" panose="02040503050406030204" pitchFamily="18" charset="0"/>
+                            </a:rPr>
+                          </m:ctrlPr>
+                        </m:sSupPr>
+                        <m:e>
+                          <m:r>
+                            <a:rPr lang="en-US" b="1" i="1" smtClean="0">
+                              <a:latin typeface="Cambria Math" panose="02040503050406030204" pitchFamily="18" charset="0"/>
+                            </a:rPr>
+                            <m:t>𝒃</m:t>
+                          </m:r>
+                        </m:e>
+                        <m:sup>
+                          <m:r>
+                            <a:rPr lang="en-US" b="1" i="1" smtClean="0">
+                              <a:latin typeface="Cambria Math" panose="02040503050406030204" pitchFamily="18" charset="0"/>
+                            </a:rPr>
+                            <m:t>𝟏</m:t>
+                          </m:r>
+                        </m:sup>
+                      </m:sSup>
+                    </m:oMath>
+                  </m:oMathPara>
+                </a14:m>
+                <a:endParaRPr lang="en-US" b="1" dirty="0"/>
+              </a:p>
+            </p:txBody>
+          </p:sp>
+        </mc:Choice>
+        <mc:Fallback xmlns="">
+          <p:sp>
+            <p:nvSpPr>
+              <p:cNvPr id="3" name="TextBox 2">
+                <a:extLst>
+                  <a:ext uri="{FF2B5EF4-FFF2-40B4-BE49-F238E27FC236}">
+                    <a16:creationId xmlns:a16="http://schemas.microsoft.com/office/drawing/2014/main" id="{9DBC6D1A-6E8E-08DF-340C-828513995090}"/>
+                  </a:ext>
+                </a:extLst>
+              </p:cNvPr>
+              <p:cNvSpPr txBox="1">
+                <a:spLocks noRot="1" noChangeAspect="1" noMove="1" noResize="1" noEditPoints="1" noAdjustHandles="1" noChangeArrowheads="1" noChangeShapeType="1" noTextEdit="1"/>
+              </p:cNvSpPr>
+              <p:nvPr/>
+            </p:nvSpPr>
+            <p:spPr>
+              <a:xfrm>
+                <a:off x="3668485" y="2827613"/>
+                <a:ext cx="660694" cy="375552"/>
+              </a:xfrm>
+              <a:prstGeom prst="rect">
+                <a:avLst/>
+              </a:prstGeom>
+              <a:blipFill>
+                <a:blip r:embed="rId12"/>
+                <a:stretch>
+                  <a:fillRect/>
+                </a:stretch>
+              </a:blipFill>
+            </p:spPr>
+            <p:txBody>
+              <a:bodyPr/>
+              <a:lstStyle/>
+              <a:p>
+                <a:r>
+                  <a:rPr lang="en-US">
+                    <a:noFill/>
+                  </a:rPr>
+                  <a:t> </a:t>
+                </a:r>
+              </a:p>
+            </p:txBody>
+          </p:sp>
+        </mc:Fallback>
+      </mc:AlternateContent>
+      <mc:AlternateContent xmlns:mc="http://schemas.openxmlformats.org/markup-compatibility/2006" xmlns:a14="http://schemas.microsoft.com/office/drawing/2010/main">
+        <mc:Choice Requires="a14">
+          <p:sp>
+            <p:nvSpPr>
+              <p:cNvPr id="4" name="TextBox 3">
+                <a:extLst>
+                  <a:ext uri="{FF2B5EF4-FFF2-40B4-BE49-F238E27FC236}">
+                    <a16:creationId xmlns:a16="http://schemas.microsoft.com/office/drawing/2014/main" id="{745A9EC4-4327-E45A-8A5A-38DA06AC3974}"/>
+                  </a:ext>
+                </a:extLst>
+              </p:cNvPr>
+              <p:cNvSpPr txBox="1"/>
+              <p:nvPr/>
+            </p:nvSpPr>
+            <p:spPr>
+              <a:xfrm>
+                <a:off x="5949646" y="2809925"/>
+                <a:ext cx="660694" cy="375552"/>
+              </a:xfrm>
+              <a:prstGeom prst="rect">
+                <a:avLst/>
+              </a:prstGeom>
+              <a:solidFill>
+                <a:schemeClr val="bg1">
+                  <a:alpha val="50000"/>
+                </a:schemeClr>
+              </a:solidFill>
+            </p:spPr>
+            <p:txBody>
+              <a:bodyPr wrap="none" rtlCol="0">
+                <a:spAutoFit/>
+              </a:bodyPr>
+              <a:lstStyle/>
+              <a:p>
+                <a:pPr/>
+                <a14:m>
+                  <m:oMathPara xmlns:m="http://schemas.openxmlformats.org/officeDocument/2006/math">
+                    <m:oMathParaPr>
+                      <m:jc m:val="centerGroup"/>
+                    </m:oMathParaPr>
+                    <m:oMath xmlns:m="http://schemas.openxmlformats.org/officeDocument/2006/math">
+                      <m:r>
+                        <a:rPr lang="en-US" b="1" i="1" smtClean="0">
+                          <a:latin typeface="Cambria Math" panose="02040503050406030204" pitchFamily="18" charset="0"/>
+                        </a:rPr>
+                        <m:t>+</m:t>
+                      </m:r>
+                      <m:sSup>
+                        <m:sSupPr>
+                          <m:ctrlPr>
+                            <a:rPr lang="en-US" b="1" i="1" smtClean="0">
+                              <a:latin typeface="Cambria Math" panose="02040503050406030204" pitchFamily="18" charset="0"/>
+                            </a:rPr>
+                          </m:ctrlPr>
+                        </m:sSupPr>
+                        <m:e>
+                          <m:r>
+                            <a:rPr lang="en-US" b="1" i="1" smtClean="0">
+                              <a:latin typeface="Cambria Math" panose="02040503050406030204" pitchFamily="18" charset="0"/>
+                            </a:rPr>
+                            <m:t>𝒃</m:t>
+                          </m:r>
+                        </m:e>
+                        <m:sup>
+                          <m:r>
+                            <a:rPr lang="en-US" b="1" i="1" smtClean="0">
+                              <a:latin typeface="Cambria Math" panose="02040503050406030204" pitchFamily="18" charset="0"/>
+                            </a:rPr>
+                            <m:t>𝟐</m:t>
+                          </m:r>
+                        </m:sup>
+                      </m:sSup>
+                    </m:oMath>
+                  </m:oMathPara>
+                </a14:m>
+                <a:endParaRPr lang="en-US" b="1" dirty="0"/>
+              </a:p>
+            </p:txBody>
+          </p:sp>
+        </mc:Choice>
+        <mc:Fallback xmlns="">
+          <p:sp>
+            <p:nvSpPr>
+              <p:cNvPr id="4" name="TextBox 3">
+                <a:extLst>
+                  <a:ext uri="{FF2B5EF4-FFF2-40B4-BE49-F238E27FC236}">
+                    <a16:creationId xmlns:a16="http://schemas.microsoft.com/office/drawing/2014/main" id="{745A9EC4-4327-E45A-8A5A-38DA06AC3974}"/>
+                  </a:ext>
+                </a:extLst>
+              </p:cNvPr>
+              <p:cNvSpPr txBox="1">
+                <a:spLocks noRot="1" noChangeAspect="1" noMove="1" noResize="1" noEditPoints="1" noAdjustHandles="1" noChangeArrowheads="1" noChangeShapeType="1" noTextEdit="1"/>
+              </p:cNvSpPr>
+              <p:nvPr/>
+            </p:nvSpPr>
+            <p:spPr>
+              <a:xfrm>
+                <a:off x="5949646" y="2809925"/>
+                <a:ext cx="660694" cy="375552"/>
+              </a:xfrm>
+              <a:prstGeom prst="rect">
+                <a:avLst/>
+              </a:prstGeom>
+              <a:blipFill>
+                <a:blip r:embed="rId13"/>
+                <a:stretch>
+                  <a:fillRect/>
+                </a:stretch>
+              </a:blipFill>
+            </p:spPr>
+            <p:txBody>
+              <a:bodyPr/>
+              <a:lstStyle/>
+              <a:p>
+                <a:r>
+                  <a:rPr lang="en-US">
+                    <a:noFill/>
+                  </a:rPr>
+                  <a:t> </a:t>
+                </a:r>
+              </a:p>
+            </p:txBody>
+          </p:sp>
+        </mc:Fallback>
+      </mc:AlternateContent>
+      <mc:AlternateContent xmlns:mc="http://schemas.openxmlformats.org/markup-compatibility/2006" xmlns:a14="http://schemas.microsoft.com/office/drawing/2010/main">
+        <mc:Choice Requires="a14">
+          <p:sp>
+            <p:nvSpPr>
+              <p:cNvPr id="5" name="TextBox 4">
+                <a:extLst>
+                  <a:ext uri="{FF2B5EF4-FFF2-40B4-BE49-F238E27FC236}">
+                    <a16:creationId xmlns:a16="http://schemas.microsoft.com/office/drawing/2014/main" id="{B230F668-08B3-A9F1-CDF2-F431916F0491}"/>
+                  </a:ext>
+                </a:extLst>
+              </p:cNvPr>
+              <p:cNvSpPr txBox="1"/>
+              <p:nvPr/>
+            </p:nvSpPr>
+            <p:spPr>
+              <a:xfrm>
+                <a:off x="8230807" y="2827613"/>
+                <a:ext cx="660694" cy="375552"/>
+              </a:xfrm>
+              <a:prstGeom prst="rect">
+                <a:avLst/>
+              </a:prstGeom>
+              <a:solidFill>
+                <a:schemeClr val="bg1">
+                  <a:alpha val="50000"/>
+                </a:schemeClr>
+              </a:solidFill>
+            </p:spPr>
+            <p:txBody>
+              <a:bodyPr wrap="none" rtlCol="0">
+                <a:spAutoFit/>
+              </a:bodyPr>
+              <a:lstStyle/>
+              <a:p>
+                <a:pPr/>
+                <a14:m>
+                  <m:oMathPara xmlns:m="http://schemas.openxmlformats.org/officeDocument/2006/math">
+                    <m:oMathParaPr>
+                      <m:jc m:val="centerGroup"/>
+                    </m:oMathParaPr>
+                    <m:oMath xmlns:m="http://schemas.openxmlformats.org/officeDocument/2006/math">
+                      <m:r>
+                        <a:rPr lang="en-US" b="1" i="1" smtClean="0">
+                          <a:latin typeface="Cambria Math" panose="02040503050406030204" pitchFamily="18" charset="0"/>
+                        </a:rPr>
+                        <m:t>+</m:t>
+                      </m:r>
+                      <m:sSup>
+                        <m:sSupPr>
+                          <m:ctrlPr>
+                            <a:rPr lang="en-US" b="1" i="1" smtClean="0">
+                              <a:latin typeface="Cambria Math" panose="02040503050406030204" pitchFamily="18" charset="0"/>
+                            </a:rPr>
+                          </m:ctrlPr>
+                        </m:sSupPr>
+                        <m:e>
+                          <m:r>
+                            <a:rPr lang="en-US" b="1" i="1" smtClean="0">
+                              <a:latin typeface="Cambria Math" panose="02040503050406030204" pitchFamily="18" charset="0"/>
+                            </a:rPr>
+                            <m:t>𝒃</m:t>
+                          </m:r>
+                        </m:e>
+                        <m:sup>
+                          <m:r>
+                            <a:rPr lang="en-US" b="1" i="1" smtClean="0">
+                              <a:latin typeface="Cambria Math" panose="02040503050406030204" pitchFamily="18" charset="0"/>
+                            </a:rPr>
+                            <m:t>𝟑</m:t>
+                          </m:r>
+                        </m:sup>
+                      </m:sSup>
+                    </m:oMath>
+                  </m:oMathPara>
+                </a14:m>
+                <a:endParaRPr lang="en-US" b="1" dirty="0"/>
+              </a:p>
+            </p:txBody>
+          </p:sp>
+        </mc:Choice>
+        <mc:Fallback xmlns="">
+          <p:sp>
+            <p:nvSpPr>
+              <p:cNvPr id="5" name="TextBox 4">
+                <a:extLst>
+                  <a:ext uri="{FF2B5EF4-FFF2-40B4-BE49-F238E27FC236}">
+                    <a16:creationId xmlns:a16="http://schemas.microsoft.com/office/drawing/2014/main" id="{B230F668-08B3-A9F1-CDF2-F431916F0491}"/>
+                  </a:ext>
+                </a:extLst>
+              </p:cNvPr>
+              <p:cNvSpPr txBox="1">
+                <a:spLocks noRot="1" noChangeAspect="1" noMove="1" noResize="1" noEditPoints="1" noAdjustHandles="1" noChangeArrowheads="1" noChangeShapeType="1" noTextEdit="1"/>
+              </p:cNvSpPr>
+              <p:nvPr/>
+            </p:nvSpPr>
+            <p:spPr>
+              <a:xfrm>
+                <a:off x="8230807" y="2827613"/>
+                <a:ext cx="660694" cy="375552"/>
+              </a:xfrm>
+              <a:prstGeom prst="rect">
+                <a:avLst/>
+              </a:prstGeom>
+              <a:blipFill>
+                <a:blip r:embed="rId14"/>
+                <a:stretch>
+                  <a:fillRect/>
+                </a:stretch>
+              </a:blipFill>
+            </p:spPr>
+            <p:txBody>
+              <a:bodyPr/>
+              <a:lstStyle/>
+              <a:p>
+                <a:r>
+                  <a:rPr lang="en-US">
+                    <a:noFill/>
+                  </a:rPr>
+                  <a:t> </a:t>
+                </a:r>
+              </a:p>
+            </p:txBody>
+          </p:sp>
+        </mc:Fallback>
+      </mc:AlternateContent>
+      <p:cxnSp>
+        <p:nvCxnSpPr>
+          <p:cNvPr id="6" name="Straight Connector 5">
+            <a:extLst>
+              <a:ext uri="{FF2B5EF4-FFF2-40B4-BE49-F238E27FC236}">
+                <a16:creationId xmlns:a16="http://schemas.microsoft.com/office/drawing/2014/main" id="{E669F170-0BF9-11BF-17DD-075004EA907B}"/>
+              </a:ext>
+            </a:extLst>
+          </p:cNvPr>
+          <p:cNvCxnSpPr>
+            <a:cxnSpLocks/>
+            <a:stCxn id="3" idx="2"/>
+            <a:endCxn id="52" idx="0"/>
+          </p:cNvCxnSpPr>
+          <p:nvPr/>
+        </p:nvCxnSpPr>
+        <p:spPr>
+          <a:xfrm>
+            <a:off x="3998832" y="3203165"/>
+            <a:ext cx="0" cy="639446"/>
+          </a:xfrm>
+          <a:prstGeom prst="line">
+            <a:avLst/>
+          </a:prstGeom>
+          <a:ln w="76200">
+            <a:solidFill>
+              <a:schemeClr val="bg1">
+                <a:lumMod val="50000"/>
+              </a:schemeClr>
+            </a:solidFill>
+          </a:ln>
+        </p:spPr>
+        <p:style>
+          <a:lnRef idx="1">
+            <a:schemeClr val="dk1"/>
+          </a:lnRef>
+          <a:fillRef idx="0">
+            <a:schemeClr val="dk1"/>
+          </a:fillRef>
+          <a:effectRef idx="0">
+            <a:schemeClr val="dk1"/>
+          </a:effectRef>
+          <a:fontRef idx="minor">
+            <a:schemeClr val="tx1"/>
+          </a:fontRef>
+        </p:style>
+      </p:cxnSp>
+      <p:cxnSp>
+        <p:nvCxnSpPr>
+          <p:cNvPr id="9" name="Straight Connector 8">
+            <a:extLst>
+              <a:ext uri="{FF2B5EF4-FFF2-40B4-BE49-F238E27FC236}">
+                <a16:creationId xmlns:a16="http://schemas.microsoft.com/office/drawing/2014/main" id="{D42B4B67-6AEA-DFE3-573E-CDFA5C662F32}"/>
+              </a:ext>
+            </a:extLst>
+          </p:cNvPr>
+          <p:cNvCxnSpPr>
+            <a:cxnSpLocks/>
+            <a:stCxn id="4" idx="2"/>
+            <a:endCxn id="54" idx="0"/>
+          </p:cNvCxnSpPr>
+          <p:nvPr/>
+        </p:nvCxnSpPr>
+        <p:spPr>
+          <a:xfrm>
+            <a:off x="6279993" y="3185477"/>
+            <a:ext cx="0" cy="657134"/>
+          </a:xfrm>
+          <a:prstGeom prst="line">
+            <a:avLst/>
+          </a:prstGeom>
+          <a:ln w="76200">
+            <a:solidFill>
+              <a:schemeClr val="bg1">
+                <a:lumMod val="50000"/>
+              </a:schemeClr>
+            </a:solidFill>
+          </a:ln>
+        </p:spPr>
+        <p:style>
+          <a:lnRef idx="1">
+            <a:schemeClr val="dk1"/>
+          </a:lnRef>
+          <a:fillRef idx="0">
+            <a:schemeClr val="dk1"/>
+          </a:fillRef>
+          <a:effectRef idx="0">
+            <a:schemeClr val="dk1"/>
+          </a:effectRef>
+          <a:fontRef idx="minor">
+            <a:schemeClr val="tx1"/>
+          </a:fontRef>
+        </p:style>
+      </p:cxnSp>
+      <p:cxnSp>
+        <p:nvCxnSpPr>
+          <p:cNvPr id="12" name="Straight Connector 11">
+            <a:extLst>
+              <a:ext uri="{FF2B5EF4-FFF2-40B4-BE49-F238E27FC236}">
+                <a16:creationId xmlns:a16="http://schemas.microsoft.com/office/drawing/2014/main" id="{F4CE1853-7497-9DD5-96E6-6516A98EF31F}"/>
+              </a:ext>
+            </a:extLst>
+          </p:cNvPr>
+          <p:cNvCxnSpPr>
+            <a:cxnSpLocks/>
+            <a:stCxn id="5" idx="2"/>
+            <a:endCxn id="55" idx="0"/>
+          </p:cNvCxnSpPr>
+          <p:nvPr/>
+        </p:nvCxnSpPr>
+        <p:spPr>
+          <a:xfrm>
+            <a:off x="8561154" y="3203165"/>
+            <a:ext cx="0" cy="639446"/>
+          </a:xfrm>
+          <a:prstGeom prst="line">
+            <a:avLst/>
+          </a:prstGeom>
+          <a:ln w="76200">
+            <a:solidFill>
+              <a:schemeClr val="bg1">
+                <a:lumMod val="50000"/>
+              </a:schemeClr>
+            </a:solidFill>
+          </a:ln>
+        </p:spPr>
+        <p:style>
+          <a:lnRef idx="1">
+            <a:schemeClr val="dk1"/>
+          </a:lnRef>
+          <a:fillRef idx="0">
+            <a:schemeClr val="dk1"/>
+          </a:fillRef>
+          <a:effectRef idx="0">
+            <a:schemeClr val="dk1"/>
+          </a:effectRef>
+          <a:fontRef idx="minor">
+            <a:schemeClr val="tx1"/>
+          </a:fontRef>
+        </p:style>
+      </p:cxnSp>
+      <mc:AlternateContent xmlns:mc="http://schemas.openxmlformats.org/markup-compatibility/2006" xmlns:a14="http://schemas.microsoft.com/office/drawing/2010/main">
+        <mc:Choice Requires="a14">
+          <p:sp>
+            <p:nvSpPr>
+              <p:cNvPr id="18" name="TextBox 17">
+                <a:extLst>
+                  <a:ext uri="{FF2B5EF4-FFF2-40B4-BE49-F238E27FC236}">
+                    <a16:creationId xmlns:a16="http://schemas.microsoft.com/office/drawing/2014/main" id="{B17A5568-71EF-1462-B1D2-F61BC8605517}"/>
+                  </a:ext>
+                </a:extLst>
+              </p:cNvPr>
+              <p:cNvSpPr txBox="1"/>
+              <p:nvPr/>
+            </p:nvSpPr>
+            <p:spPr>
+              <a:xfrm>
+                <a:off x="2965344" y="4532489"/>
+                <a:ext cx="2066976" cy="375552"/>
+              </a:xfrm>
+              <a:prstGeom prst="rect">
+                <a:avLst/>
+              </a:prstGeom>
+              <a:solidFill>
+                <a:schemeClr val="bg1">
+                  <a:alpha val="50000"/>
+                </a:schemeClr>
+              </a:solidFill>
+            </p:spPr>
+            <p:txBody>
+              <a:bodyPr wrap="none" rtlCol="0">
+                <a:spAutoFit/>
+              </a:bodyPr>
+              <a:lstStyle/>
+              <a:p>
+                <a:pPr/>
+                <a14:m>
+                  <m:oMathPara xmlns:m="http://schemas.openxmlformats.org/officeDocument/2006/math">
+                    <m:oMathParaPr>
+                      <m:jc m:val="centerGroup"/>
+                    </m:oMathParaPr>
+                    <m:oMath xmlns:m="http://schemas.openxmlformats.org/officeDocument/2006/math">
+                      <m:sSup>
+                        <m:sSupPr>
+                          <m:ctrlPr>
+                            <a:rPr lang="en-US" b="1" i="1" smtClean="0">
+                              <a:latin typeface="Cambria Math" panose="02040503050406030204" pitchFamily="18" charset="0"/>
+                            </a:rPr>
+                          </m:ctrlPr>
+                        </m:sSupPr>
+                        <m:e>
+                          <m:r>
+                            <a:rPr lang="en-US" b="1" i="1" smtClean="0">
+                              <a:latin typeface="Cambria Math" panose="02040503050406030204" pitchFamily="18" charset="0"/>
+                            </a:rPr>
+                            <m:t>𝒍</m:t>
+                          </m:r>
+                        </m:e>
+                        <m:sup>
+                          <m:r>
+                            <a:rPr lang="en-US" b="1" i="1" smtClean="0">
+                              <a:latin typeface="Cambria Math" panose="02040503050406030204" pitchFamily="18" charset="0"/>
+                            </a:rPr>
+                            <m:t>𝟏</m:t>
+                          </m:r>
+                        </m:sup>
+                      </m:sSup>
+                      <m:r>
+                        <a:rPr lang="en-US" b="1" i="1" smtClean="0">
+                          <a:latin typeface="Cambria Math" panose="02040503050406030204" pitchFamily="18" charset="0"/>
+                        </a:rPr>
+                        <m:t>=</m:t>
+                      </m:r>
+                      <m:r>
+                        <a:rPr lang="en-US" b="1" i="1" smtClean="0">
+                          <a:latin typeface="Cambria Math" panose="02040503050406030204" pitchFamily="18" charset="0"/>
+                        </a:rPr>
+                        <m:t>𝝈</m:t>
+                      </m:r>
+                      <m:r>
+                        <a:rPr lang="en-US" b="1" i="1" smtClean="0">
+                          <a:latin typeface="Cambria Math" panose="02040503050406030204" pitchFamily="18" charset="0"/>
+                        </a:rPr>
+                        <m:t>(</m:t>
+                      </m:r>
+                      <m:sSup>
+                        <m:sSupPr>
+                          <m:ctrlPr>
+                            <a:rPr lang="en-US" b="1" i="1" smtClean="0">
+                              <a:latin typeface="Cambria Math" panose="02040503050406030204" pitchFamily="18" charset="0"/>
+                            </a:rPr>
+                          </m:ctrlPr>
+                        </m:sSupPr>
+                        <m:e>
+                          <m:r>
+                            <a:rPr lang="en-US" b="1" i="1" smtClean="0">
+                              <a:latin typeface="Cambria Math" panose="02040503050406030204" pitchFamily="18" charset="0"/>
+                            </a:rPr>
+                            <m:t>𝑾</m:t>
+                          </m:r>
+                        </m:e>
+                        <m:sup>
+                          <m:r>
+                            <a:rPr lang="en-US" b="1" i="1" smtClean="0">
+                              <a:latin typeface="Cambria Math" panose="02040503050406030204" pitchFamily="18" charset="0"/>
+                            </a:rPr>
+                            <m:t>𝟏</m:t>
+                          </m:r>
+                        </m:sup>
+                      </m:sSup>
+                      <m:r>
+                        <a:rPr lang="en-US" b="0" i="1" smtClean="0">
+                          <a:latin typeface="Cambria Math" panose="02040503050406030204" pitchFamily="18" charset="0"/>
+                        </a:rPr>
+                        <m:t>𝑥</m:t>
+                      </m:r>
+                      <m:r>
+                        <a:rPr lang="en-US" b="1" i="1" smtClean="0">
+                          <a:latin typeface="Cambria Math" panose="02040503050406030204" pitchFamily="18" charset="0"/>
+                        </a:rPr>
+                        <m:t>+</m:t>
+                      </m:r>
+                      <m:sSup>
+                        <m:sSupPr>
+                          <m:ctrlPr>
+                            <a:rPr lang="en-US" b="1" i="1" smtClean="0">
+                              <a:latin typeface="Cambria Math" panose="02040503050406030204" pitchFamily="18" charset="0"/>
+                            </a:rPr>
+                          </m:ctrlPr>
+                        </m:sSupPr>
+                        <m:e>
+                          <m:r>
+                            <a:rPr lang="en-US" b="1" i="1" smtClean="0">
+                              <a:latin typeface="Cambria Math" panose="02040503050406030204" pitchFamily="18" charset="0"/>
+                            </a:rPr>
+                            <m:t>𝒃</m:t>
+                          </m:r>
+                        </m:e>
+                        <m:sup>
+                          <m:r>
+                            <a:rPr lang="en-US" b="1" i="1" smtClean="0">
+                              <a:latin typeface="Cambria Math" panose="02040503050406030204" pitchFamily="18" charset="0"/>
+                            </a:rPr>
+                            <m:t>𝟏</m:t>
+                          </m:r>
+                        </m:sup>
+                      </m:sSup>
+                      <m:r>
+                        <a:rPr lang="en-US" b="1" i="1" smtClean="0">
+                          <a:latin typeface="Cambria Math" panose="02040503050406030204" pitchFamily="18" charset="0"/>
+                        </a:rPr>
+                        <m:t>)</m:t>
+                      </m:r>
+                    </m:oMath>
+                  </m:oMathPara>
+                </a14:m>
+                <a:endParaRPr lang="en-US" b="1" dirty="0"/>
+              </a:p>
+            </p:txBody>
+          </p:sp>
+        </mc:Choice>
+        <mc:Fallback xmlns="">
+          <p:sp>
+            <p:nvSpPr>
+              <p:cNvPr id="18" name="TextBox 17">
+                <a:extLst>
+                  <a:ext uri="{FF2B5EF4-FFF2-40B4-BE49-F238E27FC236}">
+                    <a16:creationId xmlns:a16="http://schemas.microsoft.com/office/drawing/2014/main" id="{B17A5568-71EF-1462-B1D2-F61BC8605517}"/>
+                  </a:ext>
+                </a:extLst>
+              </p:cNvPr>
+              <p:cNvSpPr txBox="1">
+                <a:spLocks noRot="1" noChangeAspect="1" noMove="1" noResize="1" noEditPoints="1" noAdjustHandles="1" noChangeArrowheads="1" noChangeShapeType="1" noTextEdit="1"/>
+              </p:cNvSpPr>
+              <p:nvPr/>
+            </p:nvSpPr>
+            <p:spPr>
+              <a:xfrm>
+                <a:off x="2965344" y="4532489"/>
+                <a:ext cx="2066976" cy="375552"/>
+              </a:xfrm>
+              <a:prstGeom prst="rect">
+                <a:avLst/>
+              </a:prstGeom>
+              <a:blipFill>
+                <a:blip r:embed="rId15"/>
+                <a:stretch>
+                  <a:fillRect b="-13115"/>
+                </a:stretch>
+              </a:blipFill>
+            </p:spPr>
+            <p:txBody>
+              <a:bodyPr/>
+              <a:lstStyle/>
+              <a:p>
+                <a:r>
+                  <a:rPr lang="en-US">
+                    <a:noFill/>
+                  </a:rPr>
+                  <a:t> </a:t>
+                </a:r>
+              </a:p>
+            </p:txBody>
+          </p:sp>
+        </mc:Fallback>
+      </mc:AlternateContent>
+      <mc:AlternateContent xmlns:mc="http://schemas.openxmlformats.org/markup-compatibility/2006" xmlns:a14="http://schemas.microsoft.com/office/drawing/2010/main">
+        <mc:Choice Requires="a14">
+          <p:sp>
+            <p:nvSpPr>
+              <p:cNvPr id="19" name="TextBox 18">
+                <a:extLst>
+                  <a:ext uri="{FF2B5EF4-FFF2-40B4-BE49-F238E27FC236}">
+                    <a16:creationId xmlns:a16="http://schemas.microsoft.com/office/drawing/2014/main" id="{E92BFAA9-7DAE-E097-D434-D1853323A37D}"/>
+                  </a:ext>
+                </a:extLst>
+              </p:cNvPr>
+              <p:cNvSpPr txBox="1"/>
+              <p:nvPr/>
+            </p:nvSpPr>
+            <p:spPr>
+              <a:xfrm>
+                <a:off x="5205147" y="4533250"/>
+                <a:ext cx="2149691" cy="375552"/>
+              </a:xfrm>
+              <a:prstGeom prst="rect">
+                <a:avLst/>
+              </a:prstGeom>
+              <a:solidFill>
+                <a:schemeClr val="bg1">
+                  <a:alpha val="50000"/>
+                </a:schemeClr>
+              </a:solidFill>
+            </p:spPr>
+            <p:txBody>
+              <a:bodyPr wrap="none" rtlCol="0">
+                <a:spAutoFit/>
+              </a:bodyPr>
+              <a:lstStyle/>
+              <a:p>
+                <a:pPr/>
+                <a14:m>
+                  <m:oMathPara xmlns:m="http://schemas.openxmlformats.org/officeDocument/2006/math">
+                    <m:oMathParaPr>
+                      <m:jc m:val="centerGroup"/>
+                    </m:oMathParaPr>
+                    <m:oMath xmlns:m="http://schemas.openxmlformats.org/officeDocument/2006/math">
+                      <m:sSup>
+                        <m:sSupPr>
+                          <m:ctrlPr>
+                            <a:rPr lang="en-US" b="1" i="1" smtClean="0">
+                              <a:latin typeface="Cambria Math" panose="02040503050406030204" pitchFamily="18" charset="0"/>
+                            </a:rPr>
+                          </m:ctrlPr>
+                        </m:sSupPr>
+                        <m:e>
+                          <m:r>
+                            <a:rPr lang="en-US" b="1" i="1" smtClean="0">
+                              <a:latin typeface="Cambria Math" panose="02040503050406030204" pitchFamily="18" charset="0"/>
+                            </a:rPr>
+                            <m:t>𝒍</m:t>
+                          </m:r>
+                        </m:e>
+                        <m:sup>
+                          <m:r>
+                            <a:rPr lang="en-US" b="1" i="1" smtClean="0">
+                              <a:latin typeface="Cambria Math" panose="02040503050406030204" pitchFamily="18" charset="0"/>
+                            </a:rPr>
+                            <m:t>𝟐</m:t>
+                          </m:r>
+                        </m:sup>
+                      </m:sSup>
+                      <m:r>
+                        <a:rPr lang="en-US" b="1" i="1" smtClean="0">
+                          <a:latin typeface="Cambria Math" panose="02040503050406030204" pitchFamily="18" charset="0"/>
+                        </a:rPr>
+                        <m:t>=</m:t>
+                      </m:r>
+                      <m:r>
+                        <a:rPr lang="en-US" b="1" i="1" smtClean="0">
+                          <a:latin typeface="Cambria Math" panose="02040503050406030204" pitchFamily="18" charset="0"/>
+                        </a:rPr>
+                        <m:t>𝝈</m:t>
+                      </m:r>
+                      <m:r>
+                        <a:rPr lang="en-US" b="1" i="1" smtClean="0">
+                          <a:latin typeface="Cambria Math" panose="02040503050406030204" pitchFamily="18" charset="0"/>
+                        </a:rPr>
+                        <m:t>(</m:t>
+                      </m:r>
+                      <m:sSup>
+                        <m:sSupPr>
+                          <m:ctrlPr>
+                            <a:rPr lang="en-US" b="1" i="1" smtClean="0">
+                              <a:latin typeface="Cambria Math" panose="02040503050406030204" pitchFamily="18" charset="0"/>
+                            </a:rPr>
+                          </m:ctrlPr>
+                        </m:sSupPr>
+                        <m:e>
+                          <m:r>
+                            <a:rPr lang="en-US" b="1" i="1" smtClean="0">
+                              <a:latin typeface="Cambria Math" panose="02040503050406030204" pitchFamily="18" charset="0"/>
+                            </a:rPr>
+                            <m:t>𝑾</m:t>
+                          </m:r>
+                        </m:e>
+                        <m:sup>
+                          <m:r>
+                            <a:rPr lang="en-US" b="1" i="1" smtClean="0">
+                              <a:latin typeface="Cambria Math" panose="02040503050406030204" pitchFamily="18" charset="0"/>
+                            </a:rPr>
+                            <m:t>𝟐</m:t>
+                          </m:r>
+                        </m:sup>
+                      </m:sSup>
+                      <m:sSup>
+                        <m:sSupPr>
+                          <m:ctrlPr>
+                            <a:rPr lang="en-US" b="1" i="1" smtClean="0">
+                              <a:latin typeface="Cambria Math" panose="02040503050406030204" pitchFamily="18" charset="0"/>
+                            </a:rPr>
+                          </m:ctrlPr>
+                        </m:sSupPr>
+                        <m:e>
+                          <m:r>
+                            <a:rPr lang="en-US" b="1" i="1" smtClean="0">
+                              <a:latin typeface="Cambria Math" panose="02040503050406030204" pitchFamily="18" charset="0"/>
+                            </a:rPr>
+                            <m:t>𝒍</m:t>
+                          </m:r>
+                        </m:e>
+                        <m:sup>
+                          <m:r>
+                            <a:rPr lang="en-US" b="1" i="1" smtClean="0">
+                              <a:latin typeface="Cambria Math" panose="02040503050406030204" pitchFamily="18" charset="0"/>
+                            </a:rPr>
+                            <m:t>𝟏</m:t>
+                          </m:r>
+                        </m:sup>
+                      </m:sSup>
+                      <m:r>
+                        <a:rPr lang="en-US" b="1" i="1" smtClean="0">
+                          <a:latin typeface="Cambria Math" panose="02040503050406030204" pitchFamily="18" charset="0"/>
+                        </a:rPr>
+                        <m:t>+</m:t>
+                      </m:r>
+                      <m:sSup>
+                        <m:sSupPr>
+                          <m:ctrlPr>
+                            <a:rPr lang="en-US" b="1" i="1" smtClean="0">
+                              <a:latin typeface="Cambria Math" panose="02040503050406030204" pitchFamily="18" charset="0"/>
+                            </a:rPr>
+                          </m:ctrlPr>
+                        </m:sSupPr>
+                        <m:e>
+                          <m:r>
+                            <a:rPr lang="en-US" b="1" i="1" smtClean="0">
+                              <a:latin typeface="Cambria Math" panose="02040503050406030204" pitchFamily="18" charset="0"/>
+                            </a:rPr>
+                            <m:t>𝒃</m:t>
+                          </m:r>
+                        </m:e>
+                        <m:sup>
+                          <m:r>
+                            <a:rPr lang="en-US" b="1" i="1" smtClean="0">
+                              <a:latin typeface="Cambria Math" panose="02040503050406030204" pitchFamily="18" charset="0"/>
+                            </a:rPr>
+                            <m:t>𝟐</m:t>
+                          </m:r>
+                        </m:sup>
+                      </m:sSup>
+                      <m:r>
+                        <a:rPr lang="en-US" b="1" i="1" smtClean="0">
+                          <a:latin typeface="Cambria Math" panose="02040503050406030204" pitchFamily="18" charset="0"/>
+                        </a:rPr>
+                        <m:t>)</m:t>
+                      </m:r>
+                    </m:oMath>
+                  </m:oMathPara>
+                </a14:m>
+                <a:endParaRPr lang="en-US" dirty="0"/>
+              </a:p>
+            </p:txBody>
+          </p:sp>
+        </mc:Choice>
+        <mc:Fallback xmlns="">
+          <p:sp>
+            <p:nvSpPr>
+              <p:cNvPr id="19" name="TextBox 18">
+                <a:extLst>
+                  <a:ext uri="{FF2B5EF4-FFF2-40B4-BE49-F238E27FC236}">
+                    <a16:creationId xmlns:a16="http://schemas.microsoft.com/office/drawing/2014/main" id="{E92BFAA9-7DAE-E097-D434-D1853323A37D}"/>
+                  </a:ext>
+                </a:extLst>
+              </p:cNvPr>
+              <p:cNvSpPr txBox="1">
+                <a:spLocks noRot="1" noChangeAspect="1" noMove="1" noResize="1" noEditPoints="1" noAdjustHandles="1" noChangeArrowheads="1" noChangeShapeType="1" noTextEdit="1"/>
+              </p:cNvSpPr>
+              <p:nvPr/>
+            </p:nvSpPr>
+            <p:spPr>
+              <a:xfrm>
+                <a:off x="5205147" y="4533250"/>
+                <a:ext cx="2149691" cy="375552"/>
+              </a:xfrm>
+              <a:prstGeom prst="rect">
+                <a:avLst/>
+              </a:prstGeom>
+              <a:blipFill>
+                <a:blip r:embed="rId16"/>
+                <a:stretch>
+                  <a:fillRect b="-13115"/>
+                </a:stretch>
+              </a:blipFill>
+            </p:spPr>
+            <p:txBody>
+              <a:bodyPr/>
+              <a:lstStyle/>
+              <a:p>
+                <a:r>
+                  <a:rPr lang="en-US">
+                    <a:noFill/>
+                  </a:rPr>
+                  <a:t> </a:t>
+                </a:r>
+              </a:p>
+            </p:txBody>
+          </p:sp>
+        </mc:Fallback>
+      </mc:AlternateContent>
+      <mc:AlternateContent xmlns:mc="http://schemas.openxmlformats.org/markup-compatibility/2006" xmlns:a14="http://schemas.microsoft.com/office/drawing/2010/main">
+        <mc:Choice Requires="a14">
+          <p:sp>
+            <p:nvSpPr>
+              <p:cNvPr id="20" name="TextBox 19">
+                <a:extLst>
+                  <a:ext uri="{FF2B5EF4-FFF2-40B4-BE49-F238E27FC236}">
+                    <a16:creationId xmlns:a16="http://schemas.microsoft.com/office/drawing/2014/main" id="{0722EA25-553E-5A5A-0016-5D6CBD13BDC9}"/>
+                  </a:ext>
+                </a:extLst>
+              </p:cNvPr>
+              <p:cNvSpPr txBox="1"/>
+              <p:nvPr/>
+            </p:nvSpPr>
+            <p:spPr>
+              <a:xfrm>
+                <a:off x="7486307" y="4533250"/>
+                <a:ext cx="2149691" cy="375552"/>
+              </a:xfrm>
+              <a:prstGeom prst="rect">
+                <a:avLst/>
+              </a:prstGeom>
+              <a:solidFill>
+                <a:schemeClr val="bg1">
+                  <a:alpha val="50000"/>
+                </a:schemeClr>
+              </a:solidFill>
+            </p:spPr>
+            <p:txBody>
+              <a:bodyPr wrap="none" rtlCol="0">
+                <a:spAutoFit/>
+              </a:bodyPr>
+              <a:lstStyle/>
+              <a:p>
+                <a:pPr/>
+                <a14:m>
+                  <m:oMathPara xmlns:m="http://schemas.openxmlformats.org/officeDocument/2006/math">
+                    <m:oMathParaPr>
+                      <m:jc m:val="centerGroup"/>
+                    </m:oMathParaPr>
+                    <m:oMath xmlns:m="http://schemas.openxmlformats.org/officeDocument/2006/math">
+                      <m:sSup>
+                        <m:sSupPr>
+                          <m:ctrlPr>
+                            <a:rPr lang="en-US" b="1" i="1" smtClean="0">
+                              <a:latin typeface="Cambria Math" panose="02040503050406030204" pitchFamily="18" charset="0"/>
+                            </a:rPr>
+                          </m:ctrlPr>
+                        </m:sSupPr>
+                        <m:e>
+                          <m:r>
+                            <a:rPr lang="en-US" b="1" i="1" smtClean="0">
+                              <a:latin typeface="Cambria Math" panose="02040503050406030204" pitchFamily="18" charset="0"/>
+                            </a:rPr>
+                            <m:t>𝒍</m:t>
+                          </m:r>
+                        </m:e>
+                        <m:sup>
+                          <m:r>
+                            <a:rPr lang="en-US" b="1" i="1" smtClean="0">
+                              <a:latin typeface="Cambria Math" panose="02040503050406030204" pitchFamily="18" charset="0"/>
+                            </a:rPr>
+                            <m:t>𝟑</m:t>
+                          </m:r>
+                        </m:sup>
+                      </m:sSup>
+                      <m:r>
+                        <a:rPr lang="en-US" b="1" i="1" smtClean="0">
+                          <a:latin typeface="Cambria Math" panose="02040503050406030204" pitchFamily="18" charset="0"/>
+                        </a:rPr>
+                        <m:t>=</m:t>
+                      </m:r>
+                      <m:r>
+                        <a:rPr lang="en-US" b="1" i="1" smtClean="0">
+                          <a:latin typeface="Cambria Math" panose="02040503050406030204" pitchFamily="18" charset="0"/>
+                        </a:rPr>
+                        <m:t>𝝈</m:t>
+                      </m:r>
+                      <m:r>
+                        <a:rPr lang="en-US" b="1" i="1" smtClean="0">
+                          <a:latin typeface="Cambria Math" panose="02040503050406030204" pitchFamily="18" charset="0"/>
+                        </a:rPr>
+                        <m:t>(</m:t>
+                      </m:r>
+                      <m:sSup>
+                        <m:sSupPr>
+                          <m:ctrlPr>
+                            <a:rPr lang="en-US" b="1" i="1" smtClean="0">
+                              <a:latin typeface="Cambria Math" panose="02040503050406030204" pitchFamily="18" charset="0"/>
+                            </a:rPr>
+                          </m:ctrlPr>
+                        </m:sSupPr>
+                        <m:e>
+                          <m:r>
+                            <a:rPr lang="en-US" b="1" i="1" smtClean="0">
+                              <a:latin typeface="Cambria Math" panose="02040503050406030204" pitchFamily="18" charset="0"/>
+                            </a:rPr>
+                            <m:t>𝑾</m:t>
+                          </m:r>
+                        </m:e>
+                        <m:sup>
+                          <m:r>
+                            <a:rPr lang="en-US" b="1" i="1" smtClean="0">
+                              <a:latin typeface="Cambria Math" panose="02040503050406030204" pitchFamily="18" charset="0"/>
+                            </a:rPr>
+                            <m:t>𝟑</m:t>
+                          </m:r>
+                        </m:sup>
+                      </m:sSup>
+                      <m:sSup>
+                        <m:sSupPr>
+                          <m:ctrlPr>
+                            <a:rPr lang="en-US" b="1" i="1" smtClean="0">
+                              <a:latin typeface="Cambria Math" panose="02040503050406030204" pitchFamily="18" charset="0"/>
+                            </a:rPr>
+                          </m:ctrlPr>
+                        </m:sSupPr>
+                        <m:e>
+                          <m:r>
+                            <a:rPr lang="en-US" b="1" i="1" smtClean="0">
+                              <a:latin typeface="Cambria Math" panose="02040503050406030204" pitchFamily="18" charset="0"/>
+                            </a:rPr>
+                            <m:t>𝒍</m:t>
+                          </m:r>
+                        </m:e>
+                        <m:sup>
+                          <m:r>
+                            <a:rPr lang="en-US" b="1" i="1" smtClean="0">
+                              <a:latin typeface="Cambria Math" panose="02040503050406030204" pitchFamily="18" charset="0"/>
+                            </a:rPr>
+                            <m:t>𝟐</m:t>
+                          </m:r>
+                        </m:sup>
+                      </m:sSup>
+                      <m:r>
+                        <a:rPr lang="en-US" b="1" i="1" smtClean="0">
+                          <a:latin typeface="Cambria Math" panose="02040503050406030204" pitchFamily="18" charset="0"/>
+                        </a:rPr>
+                        <m:t>+</m:t>
+                      </m:r>
+                      <m:sSup>
+                        <m:sSupPr>
+                          <m:ctrlPr>
+                            <a:rPr lang="en-US" b="1" i="1" smtClean="0">
+                              <a:latin typeface="Cambria Math" panose="02040503050406030204" pitchFamily="18" charset="0"/>
+                            </a:rPr>
+                          </m:ctrlPr>
+                        </m:sSupPr>
+                        <m:e>
+                          <m:r>
+                            <a:rPr lang="en-US" b="1" i="1" smtClean="0">
+                              <a:latin typeface="Cambria Math" panose="02040503050406030204" pitchFamily="18" charset="0"/>
+                            </a:rPr>
+                            <m:t>𝒃</m:t>
+                          </m:r>
+                        </m:e>
+                        <m:sup>
+                          <m:r>
+                            <a:rPr lang="en-US" b="1" i="1" smtClean="0">
+                              <a:latin typeface="Cambria Math" panose="02040503050406030204" pitchFamily="18" charset="0"/>
+                            </a:rPr>
+                            <m:t>𝟑</m:t>
+                          </m:r>
+                        </m:sup>
+                      </m:sSup>
+                      <m:r>
+                        <a:rPr lang="en-US" b="1" i="1" smtClean="0">
+                          <a:latin typeface="Cambria Math" panose="02040503050406030204" pitchFamily="18" charset="0"/>
+                        </a:rPr>
+                        <m:t>)</m:t>
+                      </m:r>
+                    </m:oMath>
+                  </m:oMathPara>
+                </a14:m>
+                <a:endParaRPr lang="en-US" dirty="0"/>
+              </a:p>
+            </p:txBody>
+          </p:sp>
+        </mc:Choice>
+        <mc:Fallback xmlns="">
+          <p:sp>
+            <p:nvSpPr>
+              <p:cNvPr id="20" name="TextBox 19">
+                <a:extLst>
+                  <a:ext uri="{FF2B5EF4-FFF2-40B4-BE49-F238E27FC236}">
+                    <a16:creationId xmlns:a16="http://schemas.microsoft.com/office/drawing/2014/main" id="{0722EA25-553E-5A5A-0016-5D6CBD13BDC9}"/>
+                  </a:ext>
+                </a:extLst>
+              </p:cNvPr>
+              <p:cNvSpPr txBox="1">
+                <a:spLocks noRot="1" noChangeAspect="1" noMove="1" noResize="1" noEditPoints="1" noAdjustHandles="1" noChangeArrowheads="1" noChangeShapeType="1" noTextEdit="1"/>
+              </p:cNvSpPr>
+              <p:nvPr/>
+            </p:nvSpPr>
+            <p:spPr>
+              <a:xfrm>
+                <a:off x="7486307" y="4533250"/>
+                <a:ext cx="2149691" cy="375552"/>
+              </a:xfrm>
+              <a:prstGeom prst="rect">
+                <a:avLst/>
+              </a:prstGeom>
+              <a:blipFill>
+                <a:blip r:embed="rId17"/>
+                <a:stretch>
+                  <a:fillRect b="-13115"/>
+                </a:stretch>
+              </a:blipFill>
+            </p:spPr>
+            <p:txBody>
+              <a:bodyPr/>
+              <a:lstStyle/>
+              <a:p>
+                <a:r>
+                  <a:rPr lang="en-US">
+                    <a:noFill/>
+                  </a:rPr>
+                  <a:t> </a:t>
+                </a:r>
+              </a:p>
+            </p:txBody>
+          </p:sp>
+        </mc:Fallback>
+      </mc:AlternateContent>
+      <mc:AlternateContent xmlns:mc="http://schemas.openxmlformats.org/markup-compatibility/2006" xmlns:a14="http://schemas.microsoft.com/office/drawing/2010/main">
+        <mc:Choice Requires="a14">
+          <p:sp>
+            <p:nvSpPr>
+              <p:cNvPr id="21" name="TextBox 20">
+                <a:extLst>
+                  <a:ext uri="{FF2B5EF4-FFF2-40B4-BE49-F238E27FC236}">
+                    <a16:creationId xmlns:a16="http://schemas.microsoft.com/office/drawing/2014/main" id="{A8C88407-246C-1700-0525-EA543DD16E37}"/>
+                  </a:ext>
+                </a:extLst>
+              </p:cNvPr>
+              <p:cNvSpPr txBox="1"/>
+              <p:nvPr/>
+            </p:nvSpPr>
+            <p:spPr>
+              <a:xfrm>
+                <a:off x="9807125" y="4532489"/>
+                <a:ext cx="2070375" cy="375552"/>
+              </a:xfrm>
+              <a:prstGeom prst="rect">
+                <a:avLst/>
+              </a:prstGeom>
+              <a:solidFill>
+                <a:schemeClr val="bg1">
+                  <a:alpha val="50000"/>
+                </a:schemeClr>
+              </a:solidFill>
+            </p:spPr>
+            <p:txBody>
+              <a:bodyPr wrap="none" rtlCol="0">
+                <a:spAutoFit/>
+              </a:bodyPr>
+              <a:lstStyle/>
+              <a:p>
+                <a:pPr/>
+                <a14:m>
+                  <m:oMathPara xmlns:m="http://schemas.openxmlformats.org/officeDocument/2006/math">
+                    <m:oMathParaPr>
+                      <m:jc m:val="centerGroup"/>
+                    </m:oMathParaPr>
+                    <m:oMath xmlns:m="http://schemas.openxmlformats.org/officeDocument/2006/math">
+                      <m:r>
+                        <a:rPr lang="en-US" b="0" i="1" smtClean="0">
+                          <a:latin typeface="Cambria Math" panose="02040503050406030204" pitchFamily="18" charset="0"/>
+                        </a:rPr>
+                        <m:t>𝑦</m:t>
+                      </m:r>
+                      <m:r>
+                        <a:rPr lang="en-US" b="1" i="1" smtClean="0">
+                          <a:latin typeface="Cambria Math" panose="02040503050406030204" pitchFamily="18" charset="0"/>
+                        </a:rPr>
+                        <m:t>=</m:t>
+                      </m:r>
+                      <m:r>
+                        <a:rPr lang="en-US" b="1" i="1" smtClean="0">
+                          <a:latin typeface="Cambria Math" panose="02040503050406030204" pitchFamily="18" charset="0"/>
+                        </a:rPr>
+                        <m:t>𝝈</m:t>
+                      </m:r>
+                      <m:r>
+                        <a:rPr lang="en-US" b="1" i="1" smtClean="0">
+                          <a:latin typeface="Cambria Math" panose="02040503050406030204" pitchFamily="18" charset="0"/>
+                        </a:rPr>
+                        <m:t>(</m:t>
+                      </m:r>
+                      <m:sSup>
+                        <m:sSupPr>
+                          <m:ctrlPr>
+                            <a:rPr lang="en-US" b="1" i="1" smtClean="0">
+                              <a:latin typeface="Cambria Math" panose="02040503050406030204" pitchFamily="18" charset="0"/>
+                            </a:rPr>
+                          </m:ctrlPr>
+                        </m:sSupPr>
+                        <m:e>
+                          <m:r>
+                            <a:rPr lang="en-US" b="1" i="1" smtClean="0">
+                              <a:latin typeface="Cambria Math" panose="02040503050406030204" pitchFamily="18" charset="0"/>
+                            </a:rPr>
+                            <m:t>𝑾</m:t>
+                          </m:r>
+                        </m:e>
+                        <m:sup>
+                          <m:r>
+                            <a:rPr lang="en-US" b="1" i="1" smtClean="0">
+                              <a:latin typeface="Cambria Math" panose="02040503050406030204" pitchFamily="18" charset="0"/>
+                            </a:rPr>
+                            <m:t>𝟒</m:t>
+                          </m:r>
+                        </m:sup>
+                      </m:sSup>
+                      <m:sSup>
+                        <m:sSupPr>
+                          <m:ctrlPr>
+                            <a:rPr lang="en-US" b="1" i="1" smtClean="0">
+                              <a:latin typeface="Cambria Math" panose="02040503050406030204" pitchFamily="18" charset="0"/>
+                            </a:rPr>
+                          </m:ctrlPr>
+                        </m:sSupPr>
+                        <m:e>
+                          <m:r>
+                            <a:rPr lang="en-US" b="1" i="1" smtClean="0">
+                              <a:latin typeface="Cambria Math" panose="02040503050406030204" pitchFamily="18" charset="0"/>
+                            </a:rPr>
+                            <m:t>𝒍</m:t>
+                          </m:r>
+                        </m:e>
+                        <m:sup>
+                          <m:r>
+                            <a:rPr lang="en-US" b="1" i="1" smtClean="0">
+                              <a:latin typeface="Cambria Math" panose="02040503050406030204" pitchFamily="18" charset="0"/>
+                            </a:rPr>
+                            <m:t>𝟑</m:t>
+                          </m:r>
+                        </m:sup>
+                      </m:sSup>
+                      <m:r>
+                        <a:rPr lang="en-US" b="1" i="1" smtClean="0">
+                          <a:latin typeface="Cambria Math" panose="02040503050406030204" pitchFamily="18" charset="0"/>
+                        </a:rPr>
+                        <m:t>+</m:t>
+                      </m:r>
+                      <m:sSup>
+                        <m:sSupPr>
+                          <m:ctrlPr>
+                            <a:rPr lang="en-US" b="1" i="1" smtClean="0">
+                              <a:latin typeface="Cambria Math" panose="02040503050406030204" pitchFamily="18" charset="0"/>
+                            </a:rPr>
+                          </m:ctrlPr>
+                        </m:sSupPr>
+                        <m:e>
+                          <m:r>
+                            <a:rPr lang="en-US" b="1" i="1" smtClean="0">
+                              <a:latin typeface="Cambria Math" panose="02040503050406030204" pitchFamily="18" charset="0"/>
+                            </a:rPr>
+                            <m:t>𝒃</m:t>
+                          </m:r>
+                        </m:e>
+                        <m:sup>
+                          <m:r>
+                            <a:rPr lang="en-US" b="1" i="1" smtClean="0">
+                              <a:latin typeface="Cambria Math" panose="02040503050406030204" pitchFamily="18" charset="0"/>
+                            </a:rPr>
+                            <m:t>𝟒</m:t>
+                          </m:r>
+                        </m:sup>
+                      </m:sSup>
+                      <m:r>
+                        <a:rPr lang="en-US" b="1" i="1" smtClean="0">
+                          <a:latin typeface="Cambria Math" panose="02040503050406030204" pitchFamily="18" charset="0"/>
+                        </a:rPr>
+                        <m:t>)</m:t>
+                      </m:r>
+                    </m:oMath>
+                  </m:oMathPara>
+                </a14:m>
+                <a:endParaRPr lang="en-US" b="1" dirty="0"/>
+              </a:p>
+            </p:txBody>
+          </p:sp>
+        </mc:Choice>
+        <mc:Fallback xmlns="">
+          <p:sp>
+            <p:nvSpPr>
+              <p:cNvPr id="21" name="TextBox 20">
+                <a:extLst>
+                  <a:ext uri="{FF2B5EF4-FFF2-40B4-BE49-F238E27FC236}">
+                    <a16:creationId xmlns:a16="http://schemas.microsoft.com/office/drawing/2014/main" id="{A8C88407-246C-1700-0525-EA543DD16E37}"/>
+                  </a:ext>
+                </a:extLst>
+              </p:cNvPr>
+              <p:cNvSpPr txBox="1">
+                <a:spLocks noRot="1" noChangeAspect="1" noMove="1" noResize="1" noEditPoints="1" noAdjustHandles="1" noChangeArrowheads="1" noChangeShapeType="1" noTextEdit="1"/>
+              </p:cNvSpPr>
+              <p:nvPr/>
+            </p:nvSpPr>
+            <p:spPr>
+              <a:xfrm>
+                <a:off x="9807125" y="4532489"/>
+                <a:ext cx="2070375" cy="375552"/>
+              </a:xfrm>
+              <a:prstGeom prst="rect">
+                <a:avLst/>
+              </a:prstGeom>
+              <a:blipFill>
+                <a:blip r:embed="rId18"/>
+                <a:stretch>
+                  <a:fillRect b="-13115"/>
+                </a:stretch>
+              </a:blipFill>
+            </p:spPr>
+            <p:txBody>
+              <a:bodyPr/>
+              <a:lstStyle/>
+              <a:p>
+                <a:r>
+                  <a:rPr lang="en-US">
+                    <a:noFill/>
+                  </a:rPr>
+                  <a:t> </a:t>
+                </a:r>
+              </a:p>
+            </p:txBody>
+          </p:sp>
+        </mc:Fallback>
+      </mc:AlternateContent>
+      <p:cxnSp>
+        <p:nvCxnSpPr>
+          <p:cNvPr id="22" name="Straight Arrow Connector 21">
+            <a:extLst>
+              <a:ext uri="{FF2B5EF4-FFF2-40B4-BE49-F238E27FC236}">
+                <a16:creationId xmlns:a16="http://schemas.microsoft.com/office/drawing/2014/main" id="{E89FF731-1E33-39D8-BFF5-9D73014517EC}"/>
+              </a:ext>
+            </a:extLst>
+          </p:cNvPr>
+          <p:cNvCxnSpPr>
+            <a:cxnSpLocks/>
+            <a:stCxn id="18" idx="0"/>
+            <a:endCxn id="52" idx="2"/>
+          </p:cNvCxnSpPr>
+          <p:nvPr/>
+        </p:nvCxnSpPr>
+        <p:spPr>
+          <a:xfrm flipV="1">
+            <a:off x="3998832" y="4218163"/>
+            <a:ext cx="0" cy="314326"/>
+          </a:xfrm>
+          <a:prstGeom prst="straightConnector1">
+            <a:avLst/>
+          </a:prstGeom>
+          <a:ln w="38100">
+            <a:solidFill>
+              <a:schemeClr val="tx1"/>
+            </a:solidFill>
+            <a:tailEnd type="triangle"/>
+          </a:ln>
+        </p:spPr>
+        <p:style>
+          <a:lnRef idx="1">
+            <a:schemeClr val="accent1"/>
+          </a:lnRef>
+          <a:fillRef idx="0">
+            <a:schemeClr val="accent1"/>
+          </a:fillRef>
+          <a:effectRef idx="0">
+            <a:schemeClr val="accent1"/>
+          </a:effectRef>
+          <a:fontRef idx="minor">
+            <a:schemeClr val="tx1"/>
+          </a:fontRef>
+        </p:style>
+      </p:cxnSp>
+      <p:cxnSp>
+        <p:nvCxnSpPr>
+          <p:cNvPr id="23" name="Straight Arrow Connector 22">
+            <a:extLst>
+              <a:ext uri="{FF2B5EF4-FFF2-40B4-BE49-F238E27FC236}">
+                <a16:creationId xmlns:a16="http://schemas.microsoft.com/office/drawing/2014/main" id="{F798B3D8-9E6E-45B6-DDB0-7D8F00FF462F}"/>
+              </a:ext>
+            </a:extLst>
+          </p:cNvPr>
+          <p:cNvCxnSpPr>
+            <a:cxnSpLocks/>
+            <a:stCxn id="19" idx="0"/>
+            <a:endCxn id="54" idx="2"/>
+          </p:cNvCxnSpPr>
+          <p:nvPr/>
+        </p:nvCxnSpPr>
+        <p:spPr>
+          <a:xfrm flipV="1">
+            <a:off x="6279993" y="4218163"/>
+            <a:ext cx="0" cy="315087"/>
+          </a:xfrm>
+          <a:prstGeom prst="straightConnector1">
+            <a:avLst/>
+          </a:prstGeom>
+          <a:ln w="38100">
+            <a:solidFill>
+              <a:schemeClr val="tx1"/>
+            </a:solidFill>
+            <a:tailEnd type="triangle"/>
+          </a:ln>
+        </p:spPr>
+        <p:style>
+          <a:lnRef idx="1">
+            <a:schemeClr val="accent1"/>
+          </a:lnRef>
+          <a:fillRef idx="0">
+            <a:schemeClr val="accent1"/>
+          </a:fillRef>
+          <a:effectRef idx="0">
+            <a:schemeClr val="accent1"/>
+          </a:effectRef>
+          <a:fontRef idx="minor">
+            <a:schemeClr val="tx1"/>
+          </a:fontRef>
+        </p:style>
+      </p:cxnSp>
+      <p:cxnSp>
+        <p:nvCxnSpPr>
+          <p:cNvPr id="24" name="Straight Arrow Connector 23">
+            <a:extLst>
+              <a:ext uri="{FF2B5EF4-FFF2-40B4-BE49-F238E27FC236}">
+                <a16:creationId xmlns:a16="http://schemas.microsoft.com/office/drawing/2014/main" id="{E5DD98CB-9A42-387F-8F00-94268C9BE759}"/>
+              </a:ext>
+            </a:extLst>
+          </p:cNvPr>
+          <p:cNvCxnSpPr>
+            <a:cxnSpLocks/>
+            <a:stCxn id="20" idx="0"/>
+            <a:endCxn id="55" idx="2"/>
+          </p:cNvCxnSpPr>
+          <p:nvPr/>
+        </p:nvCxnSpPr>
+        <p:spPr>
+          <a:xfrm flipV="1">
+            <a:off x="8561153" y="4218163"/>
+            <a:ext cx="1" cy="315087"/>
+          </a:xfrm>
+          <a:prstGeom prst="straightConnector1">
+            <a:avLst/>
+          </a:prstGeom>
+          <a:ln w="38100">
+            <a:solidFill>
+              <a:schemeClr val="tx1"/>
+            </a:solidFill>
+            <a:tailEnd type="triangle"/>
+          </a:ln>
+        </p:spPr>
+        <p:style>
+          <a:lnRef idx="1">
+            <a:schemeClr val="accent1"/>
+          </a:lnRef>
+          <a:fillRef idx="0">
+            <a:schemeClr val="accent1"/>
+          </a:fillRef>
+          <a:effectRef idx="0">
+            <a:schemeClr val="accent1"/>
+          </a:effectRef>
+          <a:fontRef idx="minor">
+            <a:schemeClr val="tx1"/>
+          </a:fontRef>
+        </p:style>
+      </p:cxnSp>
+      <p:cxnSp>
+        <p:nvCxnSpPr>
+          <p:cNvPr id="25" name="Straight Arrow Connector 24">
+            <a:extLst>
+              <a:ext uri="{FF2B5EF4-FFF2-40B4-BE49-F238E27FC236}">
+                <a16:creationId xmlns:a16="http://schemas.microsoft.com/office/drawing/2014/main" id="{1D9E4308-C8A4-9602-3941-059EC89486DF}"/>
+              </a:ext>
+            </a:extLst>
+          </p:cNvPr>
+          <p:cNvCxnSpPr>
+            <a:cxnSpLocks/>
+            <a:stCxn id="21" idx="0"/>
+            <a:endCxn id="51" idx="2"/>
+          </p:cNvCxnSpPr>
+          <p:nvPr/>
+        </p:nvCxnSpPr>
+        <p:spPr>
+          <a:xfrm flipV="1">
+            <a:off x="10842313" y="4215053"/>
+            <a:ext cx="1701" cy="317436"/>
+          </a:xfrm>
+          <a:prstGeom prst="straightConnector1">
+            <a:avLst/>
+          </a:prstGeom>
+          <a:ln w="38100">
+            <a:solidFill>
+              <a:schemeClr val="tx1"/>
+            </a:solidFill>
+            <a:tailEnd type="triangle"/>
+          </a:ln>
+        </p:spPr>
+        <p:style>
+          <a:lnRef idx="1">
+            <a:schemeClr val="accent1"/>
+          </a:lnRef>
+          <a:fillRef idx="0">
+            <a:schemeClr val="accent1"/>
+          </a:fillRef>
+          <a:effectRef idx="0">
+            <a:schemeClr val="accent1"/>
+          </a:effectRef>
+          <a:fontRef idx="minor">
+            <a:schemeClr val="tx1"/>
+          </a:fontRef>
+        </p:style>
+      </p:cxnSp>
+    </p:spTree>
+    <p:extLst>
+      <p:ext uri="{BB962C8B-B14F-4D97-AF65-F5344CB8AC3E}">
+        <p14:creationId xmlns:p14="http://schemas.microsoft.com/office/powerpoint/2010/main" val="660848613"/>
+      </p:ext>
+    </p:extLst>
+  </p:cSld>
+  <p:clrMapOvr>
+    <a:masterClrMapping/>
+  </p:clrMapOvr>
+</p:sld>
+</file>
+
 <file path=ppt/theme/theme1.xml><?xml version="1.0" encoding="utf-8"?>
 <a:theme xmlns:a="http://schemas.openxmlformats.org/drawingml/2006/main" name="Office Theme">
   <a:themeElements>

--- a/TeachingNetwoks.pptx
+++ b/TeachingNetwoks.pptx
@@ -5,7 +5,7 @@
     <p:sldMasterId id="2147483648" r:id="rId1"/>
   </p:sldMasterIdLst>
   <p:notesMasterIdLst>
-    <p:notesMasterId r:id="rId8"/>
+    <p:notesMasterId r:id="rId9"/>
   </p:notesMasterIdLst>
   <p:sldIdLst>
     <p:sldId id="256" r:id="rId2"/>
@@ -14,6 +14,7 @@
     <p:sldId id="320" r:id="rId5"/>
     <p:sldId id="321" r:id="rId6"/>
     <p:sldId id="324" r:id="rId7"/>
+    <p:sldId id="322" r:id="rId8"/>
   </p:sldIdLst>
   <p:sldSz cx="12192000" cy="6858000"/>
   <p:notesSz cx="6858000" cy="9144000"/>
@@ -127,6 +128,7 @@
             <p14:sldId id="320"/>
             <p14:sldId id="321"/>
             <p14:sldId id="324"/>
+            <p14:sldId id="322"/>
           </p14:sldIdLst>
         </p14:section>
       </p14:sectionLst>
@@ -910,6 +912,99 @@
     <p:extLst>
       <p:ext uri="{BB962C8B-B14F-4D97-AF65-F5344CB8AC3E}">
         <p14:creationId xmlns:p14="http://schemas.microsoft.com/office/powerpoint/2010/main" val="1312571208"/>
+      </p:ext>
+    </p:extLst>
+  </p:cSld>
+  <p:clrMapOvr>
+    <a:masterClrMapping/>
+  </p:clrMapOvr>
+</p:notes>
+</file>
+
+<file path=ppt/notesSlides/notesSlide6.xml><?xml version="1.0" encoding="utf-8"?>
+<p:notes xmlns:a="http://schemas.openxmlformats.org/drawingml/2006/main" xmlns:r="http://schemas.openxmlformats.org/officeDocument/2006/relationships" xmlns:p="http://schemas.openxmlformats.org/presentationml/2006/main">
+  <p:cSld>
+    <p:spTree>
+      <p:nvGrpSpPr>
+        <p:cNvPr id="1" name=""/>
+        <p:cNvGrpSpPr/>
+        <p:nvPr/>
+      </p:nvGrpSpPr>
+      <p:grpSpPr>
+        <a:xfrm>
+          <a:off x="0" y="0"/>
+          <a:ext cx="0" cy="0"/>
+          <a:chOff x="0" y="0"/>
+          <a:chExt cx="0" cy="0"/>
+        </a:xfrm>
+      </p:grpSpPr>
+      <p:sp>
+        <p:nvSpPr>
+          <p:cNvPr id="2" name="Slide Image Placeholder 1"/>
+          <p:cNvSpPr>
+            <a:spLocks noGrp="1" noRot="1" noChangeAspect="1"/>
+          </p:cNvSpPr>
+          <p:nvPr>
+            <p:ph type="sldImg"/>
+          </p:nvPr>
+        </p:nvSpPr>
+        <p:spPr/>
+      </p:sp>
+      <p:sp>
+        <p:nvSpPr>
+          <p:cNvPr id="3" name="Notes Placeholder 2"/>
+          <p:cNvSpPr>
+            <a:spLocks noGrp="1"/>
+          </p:cNvSpPr>
+          <p:nvPr>
+            <p:ph type="body" idx="1"/>
+          </p:nvPr>
+        </p:nvSpPr>
+        <p:spPr/>
+        <p:txBody>
+          <a:bodyPr/>
+          <a:lstStyle/>
+          <a:p>
+            <a:r>
+              <a:rPr lang="en-US" dirty="0"/>
+              <a:t>Using chain rule, we step by step calculate the derivative of the error function in terms of all intermediate variables.</a:t>
+            </a:r>
+          </a:p>
+          <a:p>
+            <a:r>
+              <a:rPr lang="en-US" dirty="0"/>
+              <a:t>Then, we use gradient descent to update all parameters.</a:t>
+            </a:r>
+          </a:p>
+        </p:txBody>
+      </p:sp>
+      <p:sp>
+        <p:nvSpPr>
+          <p:cNvPr id="4" name="Slide Number Placeholder 3"/>
+          <p:cNvSpPr>
+            <a:spLocks noGrp="1"/>
+          </p:cNvSpPr>
+          <p:nvPr>
+            <p:ph type="sldNum" sz="quarter" idx="5"/>
+          </p:nvPr>
+        </p:nvSpPr>
+        <p:spPr/>
+        <p:txBody>
+          <a:bodyPr/>
+          <a:lstStyle/>
+          <a:p>
+            <a:fld id="{A1F3994E-D175-4376-8600-63A26808DC17}" type="slidenum">
+              <a:rPr lang="en-US" smtClean="0"/>
+              <a:t>7</a:t>
+            </a:fld>
+            <a:endParaRPr lang="en-US"/>
+          </a:p>
+        </p:txBody>
+      </p:sp>
+    </p:spTree>
+    <p:extLst>
+      <p:ext uri="{BB962C8B-B14F-4D97-AF65-F5344CB8AC3E}">
+        <p14:creationId xmlns:p14="http://schemas.microsoft.com/office/powerpoint/2010/main" val="61397796"/>
       </p:ext>
     </p:extLst>
   </p:cSld>
@@ -41241,6 +41336,5852 @@
 </p:sld>
 </file>
 
+<file path=ppt/slides/slide7.xml><?xml version="1.0" encoding="utf-8"?>
+<p:sld xmlns:a="http://schemas.openxmlformats.org/drawingml/2006/main" xmlns:r="http://schemas.openxmlformats.org/officeDocument/2006/relationships" xmlns:p="http://schemas.openxmlformats.org/presentationml/2006/main">
+  <p:cSld>
+    <p:spTree>
+      <p:nvGrpSpPr>
+        <p:cNvPr id="1" name=""/>
+        <p:cNvGrpSpPr/>
+        <p:nvPr/>
+      </p:nvGrpSpPr>
+      <p:grpSpPr>
+        <a:xfrm>
+          <a:off x="0" y="0"/>
+          <a:ext cx="0" cy="0"/>
+          <a:chOff x="0" y="0"/>
+          <a:chExt cx="0" cy="0"/>
+        </a:xfrm>
+      </p:grpSpPr>
+      <p:sp>
+        <p:nvSpPr>
+          <p:cNvPr id="2" name="Title 1">
+            <a:extLst>
+              <a:ext uri="{FF2B5EF4-FFF2-40B4-BE49-F238E27FC236}">
+                <a16:creationId xmlns:a16="http://schemas.microsoft.com/office/drawing/2014/main" id="{1D01E8D4-6E5D-3D0C-38C0-82F225028D39}"/>
+              </a:ext>
+            </a:extLst>
+          </p:cNvPr>
+          <p:cNvSpPr>
+            <a:spLocks noGrp="1"/>
+          </p:cNvSpPr>
+          <p:nvPr>
+            <p:ph type="title"/>
+          </p:nvPr>
+        </p:nvSpPr>
+        <p:spPr/>
+        <p:txBody>
+          <a:bodyPr/>
+          <a:lstStyle/>
+          <a:p>
+            <a:r>
+              <a:rPr lang="en-US" dirty="0"/>
+              <a:t>Mathematically: backward</a:t>
+            </a:r>
+          </a:p>
+        </p:txBody>
+      </p:sp>
+      <mc:AlternateContent xmlns:mc="http://schemas.openxmlformats.org/markup-compatibility/2006" xmlns:a14="http://schemas.microsoft.com/office/drawing/2010/main">
+        <mc:Choice Requires="a14">
+          <p:sp>
+            <p:nvSpPr>
+              <p:cNvPr id="50" name="TextBox 49">
+                <a:extLst>
+                  <a:ext uri="{FF2B5EF4-FFF2-40B4-BE49-F238E27FC236}">
+                    <a16:creationId xmlns:a16="http://schemas.microsoft.com/office/drawing/2014/main" id="{970C9D26-7A61-6F59-A315-A13E3DB94B14}"/>
+                  </a:ext>
+                </a:extLst>
+              </p:cNvPr>
+              <p:cNvSpPr txBox="1"/>
+              <p:nvPr/>
+            </p:nvSpPr>
+            <p:spPr>
+              <a:xfrm>
+                <a:off x="1533678" y="3845721"/>
+                <a:ext cx="367986" cy="369332"/>
+              </a:xfrm>
+              <a:prstGeom prst="rect">
+                <a:avLst/>
+              </a:prstGeom>
+            </p:spPr>
+            <p:style>
+              <a:lnRef idx="2">
+                <a:schemeClr val="dk1"/>
+              </a:lnRef>
+              <a:fillRef idx="1">
+                <a:schemeClr val="lt1"/>
+              </a:fillRef>
+              <a:effectRef idx="0">
+                <a:schemeClr val="dk1"/>
+              </a:effectRef>
+              <a:fontRef idx="minor">
+                <a:schemeClr val="dk1"/>
+              </a:fontRef>
+            </p:style>
+            <p:txBody>
+              <a:bodyPr wrap="none" rtlCol="0">
+                <a:spAutoFit/>
+              </a:bodyPr>
+              <a:lstStyle/>
+              <a:p>
+                <a:pPr/>
+                <a14:m>
+                  <m:oMathPara xmlns:m="http://schemas.openxmlformats.org/officeDocument/2006/math">
+                    <m:oMathParaPr>
+                      <m:jc m:val="centerGroup"/>
+                    </m:oMathParaPr>
+                    <m:oMath xmlns:m="http://schemas.openxmlformats.org/officeDocument/2006/math">
+                      <m:r>
+                        <a:rPr lang="en-US" b="0" i="1" smtClean="0">
+                          <a:latin typeface="Cambria Math" panose="02040503050406030204" pitchFamily="18" charset="0"/>
+                        </a:rPr>
+                        <m:t>𝑥</m:t>
+                      </m:r>
+                    </m:oMath>
+                  </m:oMathPara>
+                </a14:m>
+                <a:endParaRPr lang="fr-FR" dirty="0"/>
+              </a:p>
+            </p:txBody>
+          </p:sp>
+        </mc:Choice>
+        <mc:Fallback xmlns="">
+          <p:sp>
+            <p:nvSpPr>
+              <p:cNvPr id="50" name="TextBox 49">
+                <a:extLst>
+                  <a:ext uri="{FF2B5EF4-FFF2-40B4-BE49-F238E27FC236}">
+                    <a16:creationId xmlns:a16="http://schemas.microsoft.com/office/drawing/2014/main" id="{970C9D26-7A61-6F59-A315-A13E3DB94B14}"/>
+                  </a:ext>
+                </a:extLst>
+              </p:cNvPr>
+              <p:cNvSpPr txBox="1">
+                <a:spLocks noRot="1" noChangeAspect="1" noMove="1" noResize="1" noEditPoints="1" noAdjustHandles="1" noChangeArrowheads="1" noChangeShapeType="1" noTextEdit="1"/>
+              </p:cNvSpPr>
+              <p:nvPr/>
+            </p:nvSpPr>
+            <p:spPr>
+              <a:xfrm>
+                <a:off x="1533678" y="3845721"/>
+                <a:ext cx="367986" cy="369332"/>
+              </a:xfrm>
+              <a:prstGeom prst="rect">
+                <a:avLst/>
+              </a:prstGeom>
+              <a:blipFill>
+                <a:blip r:embed="rId3"/>
+                <a:stretch>
+                  <a:fillRect/>
+                </a:stretch>
+              </a:blipFill>
+            </p:spPr>
+            <p:txBody>
+              <a:bodyPr/>
+              <a:lstStyle/>
+              <a:p>
+                <a:r>
+                  <a:rPr lang="en-US">
+                    <a:noFill/>
+                  </a:rPr>
+                  <a:t> </a:t>
+                </a:r>
+              </a:p>
+            </p:txBody>
+          </p:sp>
+        </mc:Fallback>
+      </mc:AlternateContent>
+      <mc:AlternateContent xmlns:mc="http://schemas.openxmlformats.org/markup-compatibility/2006" xmlns:a14="http://schemas.microsoft.com/office/drawing/2010/main">
+        <mc:Choice Requires="a14">
+          <p:sp>
+            <p:nvSpPr>
+              <p:cNvPr id="51" name="TextBox 50">
+                <a:extLst>
+                  <a:ext uri="{FF2B5EF4-FFF2-40B4-BE49-F238E27FC236}">
+                    <a16:creationId xmlns:a16="http://schemas.microsoft.com/office/drawing/2014/main" id="{576DB2D2-8B51-FEDE-2420-902E299CF6DF}"/>
+                  </a:ext>
+                </a:extLst>
+              </p:cNvPr>
+              <p:cNvSpPr txBox="1"/>
+              <p:nvPr/>
+            </p:nvSpPr>
+            <p:spPr>
+              <a:xfrm flipH="1">
+                <a:off x="10658322" y="3845721"/>
+                <a:ext cx="371384" cy="369332"/>
+              </a:xfrm>
+              <a:prstGeom prst="rect">
+                <a:avLst/>
+              </a:prstGeom>
+            </p:spPr>
+            <p:style>
+              <a:lnRef idx="2">
+                <a:schemeClr val="dk1"/>
+              </a:lnRef>
+              <a:fillRef idx="1">
+                <a:schemeClr val="lt1"/>
+              </a:fillRef>
+              <a:effectRef idx="0">
+                <a:schemeClr val="dk1"/>
+              </a:effectRef>
+              <a:fontRef idx="minor">
+                <a:schemeClr val="dk1"/>
+              </a:fontRef>
+            </p:style>
+            <p:txBody>
+              <a:bodyPr wrap="none" rtlCol="0">
+                <a:spAutoFit/>
+              </a:bodyPr>
+              <a:lstStyle/>
+              <a:p>
+                <a:pPr/>
+                <a14:m>
+                  <m:oMathPara xmlns:m="http://schemas.openxmlformats.org/officeDocument/2006/math">
+                    <m:oMathParaPr>
+                      <m:jc m:val="centerGroup"/>
+                    </m:oMathParaPr>
+                    <m:oMath xmlns:m="http://schemas.openxmlformats.org/officeDocument/2006/math">
+                      <m:r>
+                        <a:rPr lang="en-US" b="0" i="1" smtClean="0">
+                          <a:latin typeface="Cambria Math" panose="02040503050406030204" pitchFamily="18" charset="0"/>
+                        </a:rPr>
+                        <m:t>𝑦</m:t>
+                      </m:r>
+                    </m:oMath>
+                  </m:oMathPara>
+                </a14:m>
+                <a:endParaRPr lang="fr-FR" dirty="0"/>
+              </a:p>
+            </p:txBody>
+          </p:sp>
+        </mc:Choice>
+        <mc:Fallback xmlns="">
+          <p:sp>
+            <p:nvSpPr>
+              <p:cNvPr id="51" name="TextBox 50">
+                <a:extLst>
+                  <a:ext uri="{FF2B5EF4-FFF2-40B4-BE49-F238E27FC236}">
+                    <a16:creationId xmlns:a16="http://schemas.microsoft.com/office/drawing/2014/main" id="{576DB2D2-8B51-FEDE-2420-902E299CF6DF}"/>
+                  </a:ext>
+                </a:extLst>
+              </p:cNvPr>
+              <p:cNvSpPr txBox="1">
+                <a:spLocks noRot="1" noChangeAspect="1" noMove="1" noResize="1" noEditPoints="1" noAdjustHandles="1" noChangeArrowheads="1" noChangeShapeType="1" noTextEdit="1"/>
+              </p:cNvSpPr>
+              <p:nvPr/>
+            </p:nvSpPr>
+            <p:spPr>
+              <a:xfrm flipH="1">
+                <a:off x="10658322" y="3845721"/>
+                <a:ext cx="371384" cy="369332"/>
+              </a:xfrm>
+              <a:prstGeom prst="rect">
+                <a:avLst/>
+              </a:prstGeom>
+              <a:blipFill>
+                <a:blip r:embed="rId4"/>
+                <a:stretch>
+                  <a:fillRect b="-4839"/>
+                </a:stretch>
+              </a:blipFill>
+            </p:spPr>
+            <p:txBody>
+              <a:bodyPr/>
+              <a:lstStyle/>
+              <a:p>
+                <a:r>
+                  <a:rPr lang="en-US">
+                    <a:noFill/>
+                  </a:rPr>
+                  <a:t> </a:t>
+                </a:r>
+              </a:p>
+            </p:txBody>
+          </p:sp>
+        </mc:Fallback>
+      </mc:AlternateContent>
+      <mc:AlternateContent xmlns:mc="http://schemas.openxmlformats.org/markup-compatibility/2006" xmlns:a14="http://schemas.microsoft.com/office/drawing/2010/main">
+        <mc:Choice Requires="a14">
+          <p:sp>
+            <p:nvSpPr>
+              <p:cNvPr id="52" name="TextBox 51">
+                <a:extLst>
+                  <a:ext uri="{FF2B5EF4-FFF2-40B4-BE49-F238E27FC236}">
+                    <a16:creationId xmlns:a16="http://schemas.microsoft.com/office/drawing/2014/main" id="{05A70B64-722A-C677-8A01-FFFC6FC496B4}"/>
+                  </a:ext>
+                </a:extLst>
+              </p:cNvPr>
+              <p:cNvSpPr txBox="1"/>
+              <p:nvPr/>
+            </p:nvSpPr>
+            <p:spPr>
+              <a:xfrm>
+                <a:off x="3814839" y="3842611"/>
+                <a:ext cx="367986" cy="375552"/>
+              </a:xfrm>
+              <a:prstGeom prst="rect">
+                <a:avLst/>
+              </a:prstGeom>
+            </p:spPr>
+            <p:style>
+              <a:lnRef idx="2">
+                <a:schemeClr val="dk1"/>
+              </a:lnRef>
+              <a:fillRef idx="1">
+                <a:schemeClr val="lt1"/>
+              </a:fillRef>
+              <a:effectRef idx="0">
+                <a:schemeClr val="dk1"/>
+              </a:effectRef>
+              <a:fontRef idx="minor">
+                <a:schemeClr val="dk1"/>
+              </a:fontRef>
+            </p:style>
+            <p:txBody>
+              <a:bodyPr wrap="square" rtlCol="0">
+                <a:spAutoFit/>
+              </a:bodyPr>
+              <a:lstStyle/>
+              <a:p>
+                <a:pPr/>
+                <a14:m>
+                  <m:oMathPara xmlns:m="http://schemas.openxmlformats.org/officeDocument/2006/math">
+                    <m:oMathParaPr>
+                      <m:jc m:val="centerGroup"/>
+                    </m:oMathParaPr>
+                    <m:oMath xmlns:m="http://schemas.openxmlformats.org/officeDocument/2006/math">
+                      <m:sSup>
+                        <m:sSupPr>
+                          <m:ctrlPr>
+                            <a:rPr lang="en-US" b="1" i="1" smtClean="0">
+                              <a:latin typeface="Cambria Math" panose="02040503050406030204" pitchFamily="18" charset="0"/>
+                            </a:rPr>
+                          </m:ctrlPr>
+                        </m:sSupPr>
+                        <m:e>
+                          <m:r>
+                            <a:rPr lang="en-US" b="1" i="1" smtClean="0">
+                              <a:latin typeface="Cambria Math" panose="02040503050406030204" pitchFamily="18" charset="0"/>
+                            </a:rPr>
+                            <m:t>𝒍</m:t>
+                          </m:r>
+                        </m:e>
+                        <m:sup>
+                          <m:r>
+                            <a:rPr lang="en-US" b="1" i="1" smtClean="0">
+                              <a:latin typeface="Cambria Math" panose="02040503050406030204" pitchFamily="18" charset="0"/>
+                            </a:rPr>
+                            <m:t>𝟏</m:t>
+                          </m:r>
+                        </m:sup>
+                      </m:sSup>
+                    </m:oMath>
+                  </m:oMathPara>
+                </a14:m>
+                <a:endParaRPr lang="en-US" b="1" dirty="0"/>
+              </a:p>
+            </p:txBody>
+          </p:sp>
+        </mc:Choice>
+        <mc:Fallback xmlns="">
+          <p:sp>
+            <p:nvSpPr>
+              <p:cNvPr id="52" name="TextBox 51">
+                <a:extLst>
+                  <a:ext uri="{FF2B5EF4-FFF2-40B4-BE49-F238E27FC236}">
+                    <a16:creationId xmlns:a16="http://schemas.microsoft.com/office/drawing/2014/main" id="{05A70B64-722A-C677-8A01-FFFC6FC496B4}"/>
+                  </a:ext>
+                </a:extLst>
+              </p:cNvPr>
+              <p:cNvSpPr txBox="1">
+                <a:spLocks noRot="1" noChangeAspect="1" noMove="1" noResize="1" noEditPoints="1" noAdjustHandles="1" noChangeArrowheads="1" noChangeShapeType="1" noTextEdit="1"/>
+              </p:cNvSpPr>
+              <p:nvPr/>
+            </p:nvSpPr>
+            <p:spPr>
+              <a:xfrm>
+                <a:off x="3814839" y="3842611"/>
+                <a:ext cx="367986" cy="375552"/>
+              </a:xfrm>
+              <a:prstGeom prst="rect">
+                <a:avLst/>
+              </a:prstGeom>
+              <a:blipFill>
+                <a:blip r:embed="rId5"/>
+                <a:stretch>
+                  <a:fillRect/>
+                </a:stretch>
+              </a:blipFill>
+            </p:spPr>
+            <p:txBody>
+              <a:bodyPr/>
+              <a:lstStyle/>
+              <a:p>
+                <a:r>
+                  <a:rPr lang="en-US">
+                    <a:noFill/>
+                  </a:rPr>
+                  <a:t> </a:t>
+                </a:r>
+              </a:p>
+            </p:txBody>
+          </p:sp>
+        </mc:Fallback>
+      </mc:AlternateContent>
+      <mc:AlternateContent xmlns:mc="http://schemas.openxmlformats.org/markup-compatibility/2006" xmlns:a14="http://schemas.microsoft.com/office/drawing/2010/main">
+        <mc:Choice Requires="a14">
+          <p:sp>
+            <p:nvSpPr>
+              <p:cNvPr id="54" name="TextBox 53">
+                <a:extLst>
+                  <a:ext uri="{FF2B5EF4-FFF2-40B4-BE49-F238E27FC236}">
+                    <a16:creationId xmlns:a16="http://schemas.microsoft.com/office/drawing/2014/main" id="{5A54B5A6-A04B-ED56-78E2-ABB03640743F}"/>
+                  </a:ext>
+                </a:extLst>
+              </p:cNvPr>
+              <p:cNvSpPr txBox="1"/>
+              <p:nvPr/>
+            </p:nvSpPr>
+            <p:spPr>
+              <a:xfrm>
+                <a:off x="6096000" y="3842611"/>
+                <a:ext cx="367986" cy="375552"/>
+              </a:xfrm>
+              <a:prstGeom prst="rect">
+                <a:avLst/>
+              </a:prstGeom>
+            </p:spPr>
+            <p:style>
+              <a:lnRef idx="2">
+                <a:schemeClr val="dk1"/>
+              </a:lnRef>
+              <a:fillRef idx="1">
+                <a:schemeClr val="lt1"/>
+              </a:fillRef>
+              <a:effectRef idx="0">
+                <a:schemeClr val="dk1"/>
+              </a:effectRef>
+              <a:fontRef idx="minor">
+                <a:schemeClr val="dk1"/>
+              </a:fontRef>
+            </p:style>
+            <p:txBody>
+              <a:bodyPr wrap="square" rtlCol="0">
+                <a:spAutoFit/>
+              </a:bodyPr>
+              <a:lstStyle/>
+              <a:p>
+                <a:pPr/>
+                <a14:m>
+                  <m:oMathPara xmlns:m="http://schemas.openxmlformats.org/officeDocument/2006/math">
+                    <m:oMathParaPr>
+                      <m:jc m:val="centerGroup"/>
+                    </m:oMathParaPr>
+                    <m:oMath xmlns:m="http://schemas.openxmlformats.org/officeDocument/2006/math">
+                      <m:sSup>
+                        <m:sSupPr>
+                          <m:ctrlPr>
+                            <a:rPr lang="en-US" b="1" i="1" smtClean="0">
+                              <a:latin typeface="Cambria Math" panose="02040503050406030204" pitchFamily="18" charset="0"/>
+                            </a:rPr>
+                          </m:ctrlPr>
+                        </m:sSupPr>
+                        <m:e>
+                          <m:r>
+                            <a:rPr lang="en-US" b="1" i="1" smtClean="0">
+                              <a:latin typeface="Cambria Math" panose="02040503050406030204" pitchFamily="18" charset="0"/>
+                            </a:rPr>
+                            <m:t>𝒍</m:t>
+                          </m:r>
+                        </m:e>
+                        <m:sup>
+                          <m:r>
+                            <a:rPr lang="en-US" b="1" i="1" smtClean="0">
+                              <a:latin typeface="Cambria Math" panose="02040503050406030204" pitchFamily="18" charset="0"/>
+                            </a:rPr>
+                            <m:t>𝟐</m:t>
+                          </m:r>
+                        </m:sup>
+                      </m:sSup>
+                    </m:oMath>
+                  </m:oMathPara>
+                </a14:m>
+                <a:endParaRPr lang="en-US" b="1" dirty="0"/>
+              </a:p>
+            </p:txBody>
+          </p:sp>
+        </mc:Choice>
+        <mc:Fallback xmlns="">
+          <p:sp>
+            <p:nvSpPr>
+              <p:cNvPr id="54" name="TextBox 53">
+                <a:extLst>
+                  <a:ext uri="{FF2B5EF4-FFF2-40B4-BE49-F238E27FC236}">
+                    <a16:creationId xmlns:a16="http://schemas.microsoft.com/office/drawing/2014/main" id="{5A54B5A6-A04B-ED56-78E2-ABB03640743F}"/>
+                  </a:ext>
+                </a:extLst>
+              </p:cNvPr>
+              <p:cNvSpPr txBox="1">
+                <a:spLocks noRot="1" noChangeAspect="1" noMove="1" noResize="1" noEditPoints="1" noAdjustHandles="1" noChangeArrowheads="1" noChangeShapeType="1" noTextEdit="1"/>
+              </p:cNvSpPr>
+              <p:nvPr/>
+            </p:nvSpPr>
+            <p:spPr>
+              <a:xfrm>
+                <a:off x="6096000" y="3842611"/>
+                <a:ext cx="367986" cy="375552"/>
+              </a:xfrm>
+              <a:prstGeom prst="rect">
+                <a:avLst/>
+              </a:prstGeom>
+              <a:blipFill>
+                <a:blip r:embed="rId6"/>
+                <a:stretch>
+                  <a:fillRect/>
+                </a:stretch>
+              </a:blipFill>
+            </p:spPr>
+            <p:txBody>
+              <a:bodyPr/>
+              <a:lstStyle/>
+              <a:p>
+                <a:r>
+                  <a:rPr lang="en-US">
+                    <a:noFill/>
+                  </a:rPr>
+                  <a:t> </a:t>
+                </a:r>
+              </a:p>
+            </p:txBody>
+          </p:sp>
+        </mc:Fallback>
+      </mc:AlternateContent>
+      <mc:AlternateContent xmlns:mc="http://schemas.openxmlformats.org/markup-compatibility/2006" xmlns:a14="http://schemas.microsoft.com/office/drawing/2010/main">
+        <mc:Choice Requires="a14">
+          <p:sp>
+            <p:nvSpPr>
+              <p:cNvPr id="55" name="TextBox 54">
+                <a:extLst>
+                  <a:ext uri="{FF2B5EF4-FFF2-40B4-BE49-F238E27FC236}">
+                    <a16:creationId xmlns:a16="http://schemas.microsoft.com/office/drawing/2014/main" id="{F65892C8-398B-6290-789E-AB47515E07E7}"/>
+                  </a:ext>
+                </a:extLst>
+              </p:cNvPr>
+              <p:cNvSpPr txBox="1"/>
+              <p:nvPr/>
+            </p:nvSpPr>
+            <p:spPr>
+              <a:xfrm>
+                <a:off x="8377161" y="3842611"/>
+                <a:ext cx="367986" cy="375552"/>
+              </a:xfrm>
+              <a:prstGeom prst="rect">
+                <a:avLst/>
+              </a:prstGeom>
+            </p:spPr>
+            <p:style>
+              <a:lnRef idx="2">
+                <a:schemeClr val="dk1"/>
+              </a:lnRef>
+              <a:fillRef idx="1">
+                <a:schemeClr val="lt1"/>
+              </a:fillRef>
+              <a:effectRef idx="0">
+                <a:schemeClr val="dk1"/>
+              </a:effectRef>
+              <a:fontRef idx="minor">
+                <a:schemeClr val="dk1"/>
+              </a:fontRef>
+            </p:style>
+            <p:txBody>
+              <a:bodyPr wrap="square" rtlCol="0">
+                <a:spAutoFit/>
+              </a:bodyPr>
+              <a:lstStyle/>
+              <a:p>
+                <a:pPr/>
+                <a14:m>
+                  <m:oMathPara xmlns:m="http://schemas.openxmlformats.org/officeDocument/2006/math">
+                    <m:oMathParaPr>
+                      <m:jc m:val="centerGroup"/>
+                    </m:oMathParaPr>
+                    <m:oMath xmlns:m="http://schemas.openxmlformats.org/officeDocument/2006/math">
+                      <m:sSup>
+                        <m:sSupPr>
+                          <m:ctrlPr>
+                            <a:rPr lang="en-US" b="1" i="1" smtClean="0">
+                              <a:latin typeface="Cambria Math" panose="02040503050406030204" pitchFamily="18" charset="0"/>
+                            </a:rPr>
+                          </m:ctrlPr>
+                        </m:sSupPr>
+                        <m:e>
+                          <m:r>
+                            <a:rPr lang="en-US" b="1" i="1" smtClean="0">
+                              <a:latin typeface="Cambria Math" panose="02040503050406030204" pitchFamily="18" charset="0"/>
+                            </a:rPr>
+                            <m:t>𝒍</m:t>
+                          </m:r>
+                        </m:e>
+                        <m:sup>
+                          <m:r>
+                            <a:rPr lang="en-US" b="1" i="1" smtClean="0">
+                              <a:latin typeface="Cambria Math" panose="02040503050406030204" pitchFamily="18" charset="0"/>
+                            </a:rPr>
+                            <m:t>𝟑</m:t>
+                          </m:r>
+                        </m:sup>
+                      </m:sSup>
+                    </m:oMath>
+                  </m:oMathPara>
+                </a14:m>
+                <a:endParaRPr lang="en-US" b="1" dirty="0"/>
+              </a:p>
+            </p:txBody>
+          </p:sp>
+        </mc:Choice>
+        <mc:Fallback xmlns="">
+          <p:sp>
+            <p:nvSpPr>
+              <p:cNvPr id="55" name="TextBox 54">
+                <a:extLst>
+                  <a:ext uri="{FF2B5EF4-FFF2-40B4-BE49-F238E27FC236}">
+                    <a16:creationId xmlns:a16="http://schemas.microsoft.com/office/drawing/2014/main" id="{F65892C8-398B-6290-789E-AB47515E07E7}"/>
+                  </a:ext>
+                </a:extLst>
+              </p:cNvPr>
+              <p:cNvSpPr txBox="1">
+                <a:spLocks noRot="1" noChangeAspect="1" noMove="1" noResize="1" noEditPoints="1" noAdjustHandles="1" noChangeArrowheads="1" noChangeShapeType="1" noTextEdit="1"/>
+              </p:cNvSpPr>
+              <p:nvPr/>
+            </p:nvSpPr>
+            <p:spPr>
+              <a:xfrm>
+                <a:off x="8377161" y="3842611"/>
+                <a:ext cx="367986" cy="375552"/>
+              </a:xfrm>
+              <a:prstGeom prst="rect">
+                <a:avLst/>
+              </a:prstGeom>
+              <a:blipFill>
+                <a:blip r:embed="rId7"/>
+                <a:stretch>
+                  <a:fillRect/>
+                </a:stretch>
+              </a:blipFill>
+            </p:spPr>
+            <p:txBody>
+              <a:bodyPr/>
+              <a:lstStyle/>
+              <a:p>
+                <a:r>
+                  <a:rPr lang="en-US">
+                    <a:noFill/>
+                  </a:rPr>
+                  <a:t> </a:t>
+                </a:r>
+              </a:p>
+            </p:txBody>
+          </p:sp>
+        </mc:Fallback>
+      </mc:AlternateContent>
+      <p:cxnSp>
+        <p:nvCxnSpPr>
+          <p:cNvPr id="56" name="Straight Connector 55">
+            <a:extLst>
+              <a:ext uri="{FF2B5EF4-FFF2-40B4-BE49-F238E27FC236}">
+                <a16:creationId xmlns:a16="http://schemas.microsoft.com/office/drawing/2014/main" id="{12DD109F-4353-2A77-16F6-DE61C41F2667}"/>
+              </a:ext>
+            </a:extLst>
+          </p:cNvPr>
+          <p:cNvCxnSpPr>
+            <a:cxnSpLocks/>
+          </p:cNvCxnSpPr>
+          <p:nvPr/>
+        </p:nvCxnSpPr>
+        <p:spPr>
+          <a:xfrm>
+            <a:off x="1901664" y="4030387"/>
+            <a:ext cx="1913175" cy="0"/>
+          </a:xfrm>
+          <a:prstGeom prst="line">
+            <a:avLst/>
+          </a:prstGeom>
+          <a:ln w="76200">
+            <a:solidFill>
+              <a:schemeClr val="bg1">
+                <a:lumMod val="50000"/>
+              </a:schemeClr>
+            </a:solidFill>
+          </a:ln>
+        </p:spPr>
+        <p:style>
+          <a:lnRef idx="1">
+            <a:schemeClr val="dk1"/>
+          </a:lnRef>
+          <a:fillRef idx="0">
+            <a:schemeClr val="dk1"/>
+          </a:fillRef>
+          <a:effectRef idx="0">
+            <a:schemeClr val="dk1"/>
+          </a:effectRef>
+          <a:fontRef idx="minor">
+            <a:schemeClr val="tx1"/>
+          </a:fontRef>
+        </p:style>
+      </p:cxnSp>
+      <p:cxnSp>
+        <p:nvCxnSpPr>
+          <p:cNvPr id="58" name="Straight Connector 57">
+            <a:extLst>
+              <a:ext uri="{FF2B5EF4-FFF2-40B4-BE49-F238E27FC236}">
+                <a16:creationId xmlns:a16="http://schemas.microsoft.com/office/drawing/2014/main" id="{779BE504-EC02-7C48-F72F-2B08971B3829}"/>
+              </a:ext>
+            </a:extLst>
+          </p:cNvPr>
+          <p:cNvCxnSpPr>
+            <a:cxnSpLocks/>
+          </p:cNvCxnSpPr>
+          <p:nvPr/>
+        </p:nvCxnSpPr>
+        <p:spPr>
+          <a:xfrm>
+            <a:off x="4182825" y="4030387"/>
+            <a:ext cx="1913175" cy="0"/>
+          </a:xfrm>
+          <a:prstGeom prst="line">
+            <a:avLst/>
+          </a:prstGeom>
+          <a:ln w="76200">
+            <a:solidFill>
+              <a:schemeClr val="bg1">
+                <a:lumMod val="50000"/>
+              </a:schemeClr>
+            </a:solidFill>
+          </a:ln>
+        </p:spPr>
+        <p:style>
+          <a:lnRef idx="1">
+            <a:schemeClr val="dk1"/>
+          </a:lnRef>
+          <a:fillRef idx="0">
+            <a:schemeClr val="dk1"/>
+          </a:fillRef>
+          <a:effectRef idx="0">
+            <a:schemeClr val="dk1"/>
+          </a:effectRef>
+          <a:fontRef idx="minor">
+            <a:schemeClr val="tx1"/>
+          </a:fontRef>
+        </p:style>
+      </p:cxnSp>
+      <p:cxnSp>
+        <p:nvCxnSpPr>
+          <p:cNvPr id="59" name="Straight Connector 58">
+            <a:extLst>
+              <a:ext uri="{FF2B5EF4-FFF2-40B4-BE49-F238E27FC236}">
+                <a16:creationId xmlns:a16="http://schemas.microsoft.com/office/drawing/2014/main" id="{06801104-592E-166C-AB0F-E63EA15EEBAD}"/>
+              </a:ext>
+            </a:extLst>
+          </p:cNvPr>
+          <p:cNvCxnSpPr>
+            <a:cxnSpLocks/>
+          </p:cNvCxnSpPr>
+          <p:nvPr/>
+        </p:nvCxnSpPr>
+        <p:spPr>
+          <a:xfrm>
+            <a:off x="6463986" y="4030387"/>
+            <a:ext cx="1913175" cy="0"/>
+          </a:xfrm>
+          <a:prstGeom prst="line">
+            <a:avLst/>
+          </a:prstGeom>
+          <a:ln w="76200">
+            <a:solidFill>
+              <a:schemeClr val="bg1">
+                <a:lumMod val="50000"/>
+              </a:schemeClr>
+            </a:solidFill>
+          </a:ln>
+        </p:spPr>
+        <p:style>
+          <a:lnRef idx="1">
+            <a:schemeClr val="dk1"/>
+          </a:lnRef>
+          <a:fillRef idx="0">
+            <a:schemeClr val="dk1"/>
+          </a:fillRef>
+          <a:effectRef idx="0">
+            <a:schemeClr val="dk1"/>
+          </a:effectRef>
+          <a:fontRef idx="minor">
+            <a:schemeClr val="tx1"/>
+          </a:fontRef>
+        </p:style>
+      </p:cxnSp>
+      <p:cxnSp>
+        <p:nvCxnSpPr>
+          <p:cNvPr id="60" name="Straight Connector 59">
+            <a:extLst>
+              <a:ext uri="{FF2B5EF4-FFF2-40B4-BE49-F238E27FC236}">
+                <a16:creationId xmlns:a16="http://schemas.microsoft.com/office/drawing/2014/main" id="{946D2720-435E-EBD6-0E1C-E2E39E28F08F}"/>
+              </a:ext>
+            </a:extLst>
+          </p:cNvPr>
+          <p:cNvCxnSpPr>
+            <a:cxnSpLocks/>
+          </p:cNvCxnSpPr>
+          <p:nvPr/>
+        </p:nvCxnSpPr>
+        <p:spPr>
+          <a:xfrm>
+            <a:off x="8745147" y="4030387"/>
+            <a:ext cx="1913175" cy="0"/>
+          </a:xfrm>
+          <a:prstGeom prst="line">
+            <a:avLst/>
+          </a:prstGeom>
+          <a:ln w="76200">
+            <a:solidFill>
+              <a:schemeClr val="bg1">
+                <a:lumMod val="50000"/>
+              </a:schemeClr>
+            </a:solidFill>
+          </a:ln>
+        </p:spPr>
+        <p:style>
+          <a:lnRef idx="1">
+            <a:schemeClr val="dk1"/>
+          </a:lnRef>
+          <a:fillRef idx="0">
+            <a:schemeClr val="dk1"/>
+          </a:fillRef>
+          <a:effectRef idx="0">
+            <a:schemeClr val="dk1"/>
+          </a:effectRef>
+          <a:fontRef idx="minor">
+            <a:schemeClr val="tx1"/>
+          </a:fontRef>
+        </p:style>
+      </p:cxnSp>
+      <mc:AlternateContent xmlns:mc="http://schemas.openxmlformats.org/markup-compatibility/2006" xmlns:a14="http://schemas.microsoft.com/office/drawing/2010/main">
+        <mc:Choice Requires="a14">
+          <p:sp>
+            <p:nvSpPr>
+              <p:cNvPr id="67" name="TextBox 66">
+                <a:extLst>
+                  <a:ext uri="{FF2B5EF4-FFF2-40B4-BE49-F238E27FC236}">
+                    <a16:creationId xmlns:a16="http://schemas.microsoft.com/office/drawing/2014/main" id="{3556F4A3-7CB0-7F63-4152-A023F9D17CDC}"/>
+                  </a:ext>
+                </a:extLst>
+              </p:cNvPr>
+              <p:cNvSpPr txBox="1"/>
+              <p:nvPr/>
+            </p:nvSpPr>
+            <p:spPr>
+              <a:xfrm>
+                <a:off x="2488631" y="3842611"/>
+                <a:ext cx="739241" cy="375552"/>
+              </a:xfrm>
+              <a:prstGeom prst="rect">
+                <a:avLst/>
+              </a:prstGeom>
+              <a:solidFill>
+                <a:schemeClr val="bg1">
+                  <a:alpha val="50000"/>
+                </a:schemeClr>
+              </a:solidFill>
+            </p:spPr>
+            <p:txBody>
+              <a:bodyPr wrap="none" rtlCol="0">
+                <a:spAutoFit/>
+              </a:bodyPr>
+              <a:lstStyle/>
+              <a:p>
+                <a:pPr/>
+                <a14:m>
+                  <m:oMathPara xmlns:m="http://schemas.openxmlformats.org/officeDocument/2006/math">
+                    <m:oMathParaPr>
+                      <m:jc m:val="centerGroup"/>
+                    </m:oMathParaPr>
+                    <m:oMath xmlns:m="http://schemas.openxmlformats.org/officeDocument/2006/math">
+                      <m:r>
+                        <a:rPr lang="en-US" b="1" i="1" smtClean="0">
+                          <a:latin typeface="Cambria Math" panose="02040503050406030204" pitchFamily="18" charset="0"/>
+                        </a:rPr>
+                        <m:t>∗</m:t>
+                      </m:r>
+                      <m:sSup>
+                        <m:sSupPr>
+                          <m:ctrlPr>
+                            <a:rPr lang="en-US" b="1" i="1" smtClean="0">
+                              <a:latin typeface="Cambria Math" panose="02040503050406030204" pitchFamily="18" charset="0"/>
+                            </a:rPr>
+                          </m:ctrlPr>
+                        </m:sSupPr>
+                        <m:e>
+                          <m:r>
+                            <a:rPr lang="en-US" b="1" i="1" smtClean="0">
+                              <a:latin typeface="Cambria Math" panose="02040503050406030204" pitchFamily="18" charset="0"/>
+                            </a:rPr>
+                            <m:t>𝑾</m:t>
+                          </m:r>
+                        </m:e>
+                        <m:sup>
+                          <m:r>
+                            <a:rPr lang="en-US" b="1" i="1" smtClean="0">
+                              <a:latin typeface="Cambria Math" panose="02040503050406030204" pitchFamily="18" charset="0"/>
+                            </a:rPr>
+                            <m:t>𝟏</m:t>
+                          </m:r>
+                        </m:sup>
+                      </m:sSup>
+                    </m:oMath>
+                  </m:oMathPara>
+                </a14:m>
+                <a:endParaRPr lang="en-US" b="1" dirty="0"/>
+              </a:p>
+            </p:txBody>
+          </p:sp>
+        </mc:Choice>
+        <mc:Fallback xmlns="">
+          <p:sp>
+            <p:nvSpPr>
+              <p:cNvPr id="67" name="TextBox 66">
+                <a:extLst>
+                  <a:ext uri="{FF2B5EF4-FFF2-40B4-BE49-F238E27FC236}">
+                    <a16:creationId xmlns:a16="http://schemas.microsoft.com/office/drawing/2014/main" id="{3556F4A3-7CB0-7F63-4152-A023F9D17CDC}"/>
+                  </a:ext>
+                </a:extLst>
+              </p:cNvPr>
+              <p:cNvSpPr txBox="1">
+                <a:spLocks noRot="1" noChangeAspect="1" noMove="1" noResize="1" noEditPoints="1" noAdjustHandles="1" noChangeArrowheads="1" noChangeShapeType="1" noTextEdit="1"/>
+              </p:cNvSpPr>
+              <p:nvPr/>
+            </p:nvSpPr>
+            <p:spPr>
+              <a:xfrm>
+                <a:off x="2488631" y="3842611"/>
+                <a:ext cx="739241" cy="375552"/>
+              </a:xfrm>
+              <a:prstGeom prst="rect">
+                <a:avLst/>
+              </a:prstGeom>
+              <a:blipFill>
+                <a:blip r:embed="rId8"/>
+                <a:stretch>
+                  <a:fillRect/>
+                </a:stretch>
+              </a:blipFill>
+            </p:spPr>
+            <p:txBody>
+              <a:bodyPr/>
+              <a:lstStyle/>
+              <a:p>
+                <a:r>
+                  <a:rPr lang="en-US">
+                    <a:noFill/>
+                  </a:rPr>
+                  <a:t> </a:t>
+                </a:r>
+              </a:p>
+            </p:txBody>
+          </p:sp>
+        </mc:Fallback>
+      </mc:AlternateContent>
+      <mc:AlternateContent xmlns:mc="http://schemas.openxmlformats.org/markup-compatibility/2006" xmlns:a14="http://schemas.microsoft.com/office/drawing/2010/main">
+        <mc:Choice Requires="a14">
+          <p:sp>
+            <p:nvSpPr>
+              <p:cNvPr id="68" name="TextBox 67">
+                <a:extLst>
+                  <a:ext uri="{FF2B5EF4-FFF2-40B4-BE49-F238E27FC236}">
+                    <a16:creationId xmlns:a16="http://schemas.microsoft.com/office/drawing/2014/main" id="{549DA507-8482-C852-C01E-7BE11E39F744}"/>
+                  </a:ext>
+                </a:extLst>
+              </p:cNvPr>
+              <p:cNvSpPr txBox="1"/>
+              <p:nvPr/>
+            </p:nvSpPr>
+            <p:spPr>
+              <a:xfrm>
+                <a:off x="9332114" y="3842611"/>
+                <a:ext cx="739240" cy="374846"/>
+              </a:xfrm>
+              <a:prstGeom prst="rect">
+                <a:avLst/>
+              </a:prstGeom>
+              <a:solidFill>
+                <a:schemeClr val="bg1">
+                  <a:alpha val="50000"/>
+                </a:schemeClr>
+              </a:solidFill>
+            </p:spPr>
+            <p:txBody>
+              <a:bodyPr wrap="none" rtlCol="0">
+                <a:spAutoFit/>
+              </a:bodyPr>
+              <a:lstStyle/>
+              <a:p>
+                <a:pPr/>
+                <a14:m>
+                  <m:oMathPara xmlns:m="http://schemas.openxmlformats.org/officeDocument/2006/math">
+                    <m:oMathParaPr>
+                      <m:jc m:val="centerGroup"/>
+                    </m:oMathParaPr>
+                    <m:oMath xmlns:m="http://schemas.openxmlformats.org/officeDocument/2006/math">
+                      <m:r>
+                        <a:rPr lang="en-US" b="1" i="1" smtClean="0">
+                          <a:latin typeface="Cambria Math" panose="02040503050406030204" pitchFamily="18" charset="0"/>
+                        </a:rPr>
+                        <m:t>∗</m:t>
+                      </m:r>
+                      <m:sSup>
+                        <m:sSupPr>
+                          <m:ctrlPr>
+                            <a:rPr lang="en-US" b="1" i="1" smtClean="0">
+                              <a:latin typeface="Cambria Math" panose="02040503050406030204" pitchFamily="18" charset="0"/>
+                            </a:rPr>
+                          </m:ctrlPr>
+                        </m:sSupPr>
+                        <m:e>
+                          <m:r>
+                            <a:rPr lang="en-US" b="1" i="1" smtClean="0">
+                              <a:latin typeface="Cambria Math" panose="02040503050406030204" pitchFamily="18" charset="0"/>
+                            </a:rPr>
+                            <m:t>𝑾</m:t>
+                          </m:r>
+                        </m:e>
+                        <m:sup>
+                          <m:r>
+                            <a:rPr lang="en-US" b="1" i="1" smtClean="0">
+                              <a:latin typeface="Cambria Math" panose="02040503050406030204" pitchFamily="18" charset="0"/>
+                            </a:rPr>
+                            <m:t>𝟒</m:t>
+                          </m:r>
+                        </m:sup>
+                      </m:sSup>
+                    </m:oMath>
+                  </m:oMathPara>
+                </a14:m>
+                <a:endParaRPr lang="en-US" b="1" dirty="0"/>
+              </a:p>
+            </p:txBody>
+          </p:sp>
+        </mc:Choice>
+        <mc:Fallback xmlns="">
+          <p:sp>
+            <p:nvSpPr>
+              <p:cNvPr id="68" name="TextBox 67">
+                <a:extLst>
+                  <a:ext uri="{FF2B5EF4-FFF2-40B4-BE49-F238E27FC236}">
+                    <a16:creationId xmlns:a16="http://schemas.microsoft.com/office/drawing/2014/main" id="{549DA507-8482-C852-C01E-7BE11E39F744}"/>
+                  </a:ext>
+                </a:extLst>
+              </p:cNvPr>
+              <p:cNvSpPr txBox="1">
+                <a:spLocks noRot="1" noChangeAspect="1" noMove="1" noResize="1" noEditPoints="1" noAdjustHandles="1" noChangeArrowheads="1" noChangeShapeType="1" noTextEdit="1"/>
+              </p:cNvSpPr>
+              <p:nvPr/>
+            </p:nvSpPr>
+            <p:spPr>
+              <a:xfrm>
+                <a:off x="9332114" y="3842611"/>
+                <a:ext cx="739240" cy="374846"/>
+              </a:xfrm>
+              <a:prstGeom prst="rect">
+                <a:avLst/>
+              </a:prstGeom>
+              <a:blipFill>
+                <a:blip r:embed="rId9"/>
+                <a:stretch>
+                  <a:fillRect/>
+                </a:stretch>
+              </a:blipFill>
+            </p:spPr>
+            <p:txBody>
+              <a:bodyPr/>
+              <a:lstStyle/>
+              <a:p>
+                <a:r>
+                  <a:rPr lang="en-US">
+                    <a:noFill/>
+                  </a:rPr>
+                  <a:t> </a:t>
+                </a:r>
+              </a:p>
+            </p:txBody>
+          </p:sp>
+        </mc:Fallback>
+      </mc:AlternateContent>
+      <mc:AlternateContent xmlns:mc="http://schemas.openxmlformats.org/markup-compatibility/2006" xmlns:a14="http://schemas.microsoft.com/office/drawing/2010/main">
+        <mc:Choice Requires="a14">
+          <p:sp>
+            <p:nvSpPr>
+              <p:cNvPr id="69" name="TextBox 68">
+                <a:extLst>
+                  <a:ext uri="{FF2B5EF4-FFF2-40B4-BE49-F238E27FC236}">
+                    <a16:creationId xmlns:a16="http://schemas.microsoft.com/office/drawing/2014/main" id="{23D58FC7-86C4-FAE1-1ED2-79B9A14C832D}"/>
+                  </a:ext>
+                </a:extLst>
+              </p:cNvPr>
+              <p:cNvSpPr txBox="1"/>
+              <p:nvPr/>
+            </p:nvSpPr>
+            <p:spPr>
+              <a:xfrm>
+                <a:off x="7050953" y="3842611"/>
+                <a:ext cx="739240" cy="375552"/>
+              </a:xfrm>
+              <a:prstGeom prst="rect">
+                <a:avLst/>
+              </a:prstGeom>
+              <a:solidFill>
+                <a:schemeClr val="bg1">
+                  <a:alpha val="50000"/>
+                </a:schemeClr>
+              </a:solidFill>
+            </p:spPr>
+            <p:txBody>
+              <a:bodyPr wrap="none" rtlCol="0">
+                <a:spAutoFit/>
+              </a:bodyPr>
+              <a:lstStyle/>
+              <a:p>
+                <a:pPr/>
+                <a14:m>
+                  <m:oMathPara xmlns:m="http://schemas.openxmlformats.org/officeDocument/2006/math">
+                    <m:oMathParaPr>
+                      <m:jc m:val="centerGroup"/>
+                    </m:oMathParaPr>
+                    <m:oMath xmlns:m="http://schemas.openxmlformats.org/officeDocument/2006/math">
+                      <m:r>
+                        <a:rPr lang="en-US" b="1" i="1" smtClean="0">
+                          <a:latin typeface="Cambria Math" panose="02040503050406030204" pitchFamily="18" charset="0"/>
+                        </a:rPr>
+                        <m:t>∗</m:t>
+                      </m:r>
+                      <m:sSup>
+                        <m:sSupPr>
+                          <m:ctrlPr>
+                            <a:rPr lang="en-US" b="1" i="1" smtClean="0">
+                              <a:latin typeface="Cambria Math" panose="02040503050406030204" pitchFamily="18" charset="0"/>
+                            </a:rPr>
+                          </m:ctrlPr>
+                        </m:sSupPr>
+                        <m:e>
+                          <m:r>
+                            <a:rPr lang="en-US" b="1" i="1" smtClean="0">
+                              <a:latin typeface="Cambria Math" panose="02040503050406030204" pitchFamily="18" charset="0"/>
+                            </a:rPr>
+                            <m:t>𝑾</m:t>
+                          </m:r>
+                        </m:e>
+                        <m:sup>
+                          <m:r>
+                            <a:rPr lang="en-US" b="1" i="1" smtClean="0">
+                              <a:latin typeface="Cambria Math" panose="02040503050406030204" pitchFamily="18" charset="0"/>
+                            </a:rPr>
+                            <m:t>𝟑</m:t>
+                          </m:r>
+                        </m:sup>
+                      </m:sSup>
+                    </m:oMath>
+                  </m:oMathPara>
+                </a14:m>
+                <a:endParaRPr lang="en-US" b="1" dirty="0"/>
+              </a:p>
+            </p:txBody>
+          </p:sp>
+        </mc:Choice>
+        <mc:Fallback xmlns="">
+          <p:sp>
+            <p:nvSpPr>
+              <p:cNvPr id="69" name="TextBox 68">
+                <a:extLst>
+                  <a:ext uri="{FF2B5EF4-FFF2-40B4-BE49-F238E27FC236}">
+                    <a16:creationId xmlns:a16="http://schemas.microsoft.com/office/drawing/2014/main" id="{23D58FC7-86C4-FAE1-1ED2-79B9A14C832D}"/>
+                  </a:ext>
+                </a:extLst>
+              </p:cNvPr>
+              <p:cNvSpPr txBox="1">
+                <a:spLocks noRot="1" noChangeAspect="1" noMove="1" noResize="1" noEditPoints="1" noAdjustHandles="1" noChangeArrowheads="1" noChangeShapeType="1" noTextEdit="1"/>
+              </p:cNvSpPr>
+              <p:nvPr/>
+            </p:nvSpPr>
+            <p:spPr>
+              <a:xfrm>
+                <a:off x="7050953" y="3842611"/>
+                <a:ext cx="739240" cy="375552"/>
+              </a:xfrm>
+              <a:prstGeom prst="rect">
+                <a:avLst/>
+              </a:prstGeom>
+              <a:blipFill>
+                <a:blip r:embed="rId10"/>
+                <a:stretch>
+                  <a:fillRect/>
+                </a:stretch>
+              </a:blipFill>
+            </p:spPr>
+            <p:txBody>
+              <a:bodyPr/>
+              <a:lstStyle/>
+              <a:p>
+                <a:r>
+                  <a:rPr lang="en-US">
+                    <a:noFill/>
+                  </a:rPr>
+                  <a:t> </a:t>
+                </a:r>
+              </a:p>
+            </p:txBody>
+          </p:sp>
+        </mc:Fallback>
+      </mc:AlternateContent>
+      <mc:AlternateContent xmlns:mc="http://schemas.openxmlformats.org/markup-compatibility/2006" xmlns:a14="http://schemas.microsoft.com/office/drawing/2010/main">
+        <mc:Choice Requires="a14">
+          <p:sp>
+            <p:nvSpPr>
+              <p:cNvPr id="70" name="TextBox 69">
+                <a:extLst>
+                  <a:ext uri="{FF2B5EF4-FFF2-40B4-BE49-F238E27FC236}">
+                    <a16:creationId xmlns:a16="http://schemas.microsoft.com/office/drawing/2014/main" id="{B16546CD-7584-62A6-9487-9316A38C3488}"/>
+                  </a:ext>
+                </a:extLst>
+              </p:cNvPr>
+              <p:cNvSpPr txBox="1"/>
+              <p:nvPr/>
+            </p:nvSpPr>
+            <p:spPr>
+              <a:xfrm>
+                <a:off x="4769792" y="3842611"/>
+                <a:ext cx="739241" cy="375552"/>
+              </a:xfrm>
+              <a:prstGeom prst="rect">
+                <a:avLst/>
+              </a:prstGeom>
+              <a:solidFill>
+                <a:schemeClr val="bg1">
+                  <a:alpha val="50000"/>
+                </a:schemeClr>
+              </a:solidFill>
+            </p:spPr>
+            <p:txBody>
+              <a:bodyPr wrap="none" rtlCol="0">
+                <a:spAutoFit/>
+              </a:bodyPr>
+              <a:lstStyle/>
+              <a:p>
+                <a:pPr/>
+                <a14:m>
+                  <m:oMathPara xmlns:m="http://schemas.openxmlformats.org/officeDocument/2006/math">
+                    <m:oMathParaPr>
+                      <m:jc m:val="centerGroup"/>
+                    </m:oMathParaPr>
+                    <m:oMath xmlns:m="http://schemas.openxmlformats.org/officeDocument/2006/math">
+                      <m:r>
+                        <a:rPr lang="en-US" b="1" i="1" smtClean="0">
+                          <a:latin typeface="Cambria Math" panose="02040503050406030204" pitchFamily="18" charset="0"/>
+                        </a:rPr>
+                        <m:t>∗</m:t>
+                      </m:r>
+                      <m:sSup>
+                        <m:sSupPr>
+                          <m:ctrlPr>
+                            <a:rPr lang="en-US" b="1" i="1" smtClean="0">
+                              <a:latin typeface="Cambria Math" panose="02040503050406030204" pitchFamily="18" charset="0"/>
+                            </a:rPr>
+                          </m:ctrlPr>
+                        </m:sSupPr>
+                        <m:e>
+                          <m:r>
+                            <a:rPr lang="en-US" b="1" i="1" smtClean="0">
+                              <a:latin typeface="Cambria Math" panose="02040503050406030204" pitchFamily="18" charset="0"/>
+                            </a:rPr>
+                            <m:t>𝑾</m:t>
+                          </m:r>
+                        </m:e>
+                        <m:sup>
+                          <m:r>
+                            <a:rPr lang="en-US" b="1" i="1" smtClean="0">
+                              <a:latin typeface="Cambria Math" panose="02040503050406030204" pitchFamily="18" charset="0"/>
+                            </a:rPr>
+                            <m:t>𝟐</m:t>
+                          </m:r>
+                        </m:sup>
+                      </m:sSup>
+                    </m:oMath>
+                  </m:oMathPara>
+                </a14:m>
+                <a:endParaRPr lang="en-US" b="1" dirty="0"/>
+              </a:p>
+            </p:txBody>
+          </p:sp>
+        </mc:Choice>
+        <mc:Fallback xmlns="">
+          <p:sp>
+            <p:nvSpPr>
+              <p:cNvPr id="70" name="TextBox 69">
+                <a:extLst>
+                  <a:ext uri="{FF2B5EF4-FFF2-40B4-BE49-F238E27FC236}">
+                    <a16:creationId xmlns:a16="http://schemas.microsoft.com/office/drawing/2014/main" id="{B16546CD-7584-62A6-9487-9316A38C3488}"/>
+                  </a:ext>
+                </a:extLst>
+              </p:cNvPr>
+              <p:cNvSpPr txBox="1">
+                <a:spLocks noRot="1" noChangeAspect="1" noMove="1" noResize="1" noEditPoints="1" noAdjustHandles="1" noChangeArrowheads="1" noChangeShapeType="1" noTextEdit="1"/>
+              </p:cNvSpPr>
+              <p:nvPr/>
+            </p:nvSpPr>
+            <p:spPr>
+              <a:xfrm>
+                <a:off x="4769792" y="3842611"/>
+                <a:ext cx="739241" cy="375552"/>
+              </a:xfrm>
+              <a:prstGeom prst="rect">
+                <a:avLst/>
+              </a:prstGeom>
+              <a:blipFill>
+                <a:blip r:embed="rId11"/>
+                <a:stretch>
+                  <a:fillRect/>
+                </a:stretch>
+              </a:blipFill>
+            </p:spPr>
+            <p:txBody>
+              <a:bodyPr/>
+              <a:lstStyle/>
+              <a:p>
+                <a:r>
+                  <a:rPr lang="en-US">
+                    <a:noFill/>
+                  </a:rPr>
+                  <a:t> </a:t>
+                </a:r>
+              </a:p>
+            </p:txBody>
+          </p:sp>
+        </mc:Fallback>
+      </mc:AlternateContent>
+      <mc:AlternateContent xmlns:mc="http://schemas.openxmlformats.org/markup-compatibility/2006" xmlns:a14="http://schemas.microsoft.com/office/drawing/2010/main">
+        <mc:Choice Requires="a14">
+          <p:sp>
+            <p:nvSpPr>
+              <p:cNvPr id="3" name="TextBox 2">
+                <a:extLst>
+                  <a:ext uri="{FF2B5EF4-FFF2-40B4-BE49-F238E27FC236}">
+                    <a16:creationId xmlns:a16="http://schemas.microsoft.com/office/drawing/2014/main" id="{9DBC6D1A-6E8E-08DF-340C-828513995090}"/>
+                  </a:ext>
+                </a:extLst>
+              </p:cNvPr>
+              <p:cNvSpPr txBox="1"/>
+              <p:nvPr/>
+            </p:nvSpPr>
+            <p:spPr>
+              <a:xfrm>
+                <a:off x="3668485" y="2827613"/>
+                <a:ext cx="660694" cy="375552"/>
+              </a:xfrm>
+              <a:prstGeom prst="rect">
+                <a:avLst/>
+              </a:prstGeom>
+              <a:solidFill>
+                <a:schemeClr val="bg1">
+                  <a:alpha val="50000"/>
+                </a:schemeClr>
+              </a:solidFill>
+            </p:spPr>
+            <p:txBody>
+              <a:bodyPr wrap="none" rtlCol="0">
+                <a:spAutoFit/>
+              </a:bodyPr>
+              <a:lstStyle/>
+              <a:p>
+                <a:pPr/>
+                <a14:m>
+                  <m:oMathPara xmlns:m="http://schemas.openxmlformats.org/officeDocument/2006/math">
+                    <m:oMathParaPr>
+                      <m:jc m:val="centerGroup"/>
+                    </m:oMathParaPr>
+                    <m:oMath xmlns:m="http://schemas.openxmlformats.org/officeDocument/2006/math">
+                      <m:r>
+                        <a:rPr lang="en-US" b="1" i="1" smtClean="0">
+                          <a:latin typeface="Cambria Math" panose="02040503050406030204" pitchFamily="18" charset="0"/>
+                        </a:rPr>
+                        <m:t>+</m:t>
+                      </m:r>
+                      <m:sSup>
+                        <m:sSupPr>
+                          <m:ctrlPr>
+                            <a:rPr lang="en-US" b="1" i="1" smtClean="0">
+                              <a:latin typeface="Cambria Math" panose="02040503050406030204" pitchFamily="18" charset="0"/>
+                            </a:rPr>
+                          </m:ctrlPr>
+                        </m:sSupPr>
+                        <m:e>
+                          <m:r>
+                            <a:rPr lang="en-US" b="1" i="1" smtClean="0">
+                              <a:latin typeface="Cambria Math" panose="02040503050406030204" pitchFamily="18" charset="0"/>
+                            </a:rPr>
+                            <m:t>𝒃</m:t>
+                          </m:r>
+                        </m:e>
+                        <m:sup>
+                          <m:r>
+                            <a:rPr lang="en-US" b="1" i="1" smtClean="0">
+                              <a:latin typeface="Cambria Math" panose="02040503050406030204" pitchFamily="18" charset="0"/>
+                            </a:rPr>
+                            <m:t>𝟏</m:t>
+                          </m:r>
+                        </m:sup>
+                      </m:sSup>
+                    </m:oMath>
+                  </m:oMathPara>
+                </a14:m>
+                <a:endParaRPr lang="en-US" b="1" dirty="0"/>
+              </a:p>
+            </p:txBody>
+          </p:sp>
+        </mc:Choice>
+        <mc:Fallback xmlns="">
+          <p:sp>
+            <p:nvSpPr>
+              <p:cNvPr id="3" name="TextBox 2">
+                <a:extLst>
+                  <a:ext uri="{FF2B5EF4-FFF2-40B4-BE49-F238E27FC236}">
+                    <a16:creationId xmlns:a16="http://schemas.microsoft.com/office/drawing/2014/main" id="{9DBC6D1A-6E8E-08DF-340C-828513995090}"/>
+                  </a:ext>
+                </a:extLst>
+              </p:cNvPr>
+              <p:cNvSpPr txBox="1">
+                <a:spLocks noRot="1" noChangeAspect="1" noMove="1" noResize="1" noEditPoints="1" noAdjustHandles="1" noChangeArrowheads="1" noChangeShapeType="1" noTextEdit="1"/>
+              </p:cNvSpPr>
+              <p:nvPr/>
+            </p:nvSpPr>
+            <p:spPr>
+              <a:xfrm>
+                <a:off x="3668485" y="2827613"/>
+                <a:ext cx="660694" cy="375552"/>
+              </a:xfrm>
+              <a:prstGeom prst="rect">
+                <a:avLst/>
+              </a:prstGeom>
+              <a:blipFill>
+                <a:blip r:embed="rId12"/>
+                <a:stretch>
+                  <a:fillRect/>
+                </a:stretch>
+              </a:blipFill>
+            </p:spPr>
+            <p:txBody>
+              <a:bodyPr/>
+              <a:lstStyle/>
+              <a:p>
+                <a:r>
+                  <a:rPr lang="en-US">
+                    <a:noFill/>
+                  </a:rPr>
+                  <a:t> </a:t>
+                </a:r>
+              </a:p>
+            </p:txBody>
+          </p:sp>
+        </mc:Fallback>
+      </mc:AlternateContent>
+      <mc:AlternateContent xmlns:mc="http://schemas.openxmlformats.org/markup-compatibility/2006" xmlns:a14="http://schemas.microsoft.com/office/drawing/2010/main">
+        <mc:Choice Requires="a14">
+          <p:sp>
+            <p:nvSpPr>
+              <p:cNvPr id="4" name="TextBox 3">
+                <a:extLst>
+                  <a:ext uri="{FF2B5EF4-FFF2-40B4-BE49-F238E27FC236}">
+                    <a16:creationId xmlns:a16="http://schemas.microsoft.com/office/drawing/2014/main" id="{745A9EC4-4327-E45A-8A5A-38DA06AC3974}"/>
+                  </a:ext>
+                </a:extLst>
+              </p:cNvPr>
+              <p:cNvSpPr txBox="1"/>
+              <p:nvPr/>
+            </p:nvSpPr>
+            <p:spPr>
+              <a:xfrm>
+                <a:off x="5949646" y="2809925"/>
+                <a:ext cx="660694" cy="375552"/>
+              </a:xfrm>
+              <a:prstGeom prst="rect">
+                <a:avLst/>
+              </a:prstGeom>
+              <a:solidFill>
+                <a:schemeClr val="bg1">
+                  <a:alpha val="50000"/>
+                </a:schemeClr>
+              </a:solidFill>
+            </p:spPr>
+            <p:txBody>
+              <a:bodyPr wrap="none" rtlCol="0">
+                <a:spAutoFit/>
+              </a:bodyPr>
+              <a:lstStyle/>
+              <a:p>
+                <a:pPr/>
+                <a14:m>
+                  <m:oMathPara xmlns:m="http://schemas.openxmlformats.org/officeDocument/2006/math">
+                    <m:oMathParaPr>
+                      <m:jc m:val="centerGroup"/>
+                    </m:oMathParaPr>
+                    <m:oMath xmlns:m="http://schemas.openxmlformats.org/officeDocument/2006/math">
+                      <m:r>
+                        <a:rPr lang="en-US" b="1" i="1" smtClean="0">
+                          <a:latin typeface="Cambria Math" panose="02040503050406030204" pitchFamily="18" charset="0"/>
+                        </a:rPr>
+                        <m:t>+</m:t>
+                      </m:r>
+                      <m:sSup>
+                        <m:sSupPr>
+                          <m:ctrlPr>
+                            <a:rPr lang="en-US" b="1" i="1" smtClean="0">
+                              <a:latin typeface="Cambria Math" panose="02040503050406030204" pitchFamily="18" charset="0"/>
+                            </a:rPr>
+                          </m:ctrlPr>
+                        </m:sSupPr>
+                        <m:e>
+                          <m:r>
+                            <a:rPr lang="en-US" b="1" i="1" smtClean="0">
+                              <a:latin typeface="Cambria Math" panose="02040503050406030204" pitchFamily="18" charset="0"/>
+                            </a:rPr>
+                            <m:t>𝒃</m:t>
+                          </m:r>
+                        </m:e>
+                        <m:sup>
+                          <m:r>
+                            <a:rPr lang="en-US" b="1" i="1" smtClean="0">
+                              <a:latin typeface="Cambria Math" panose="02040503050406030204" pitchFamily="18" charset="0"/>
+                            </a:rPr>
+                            <m:t>𝟐</m:t>
+                          </m:r>
+                        </m:sup>
+                      </m:sSup>
+                    </m:oMath>
+                  </m:oMathPara>
+                </a14:m>
+                <a:endParaRPr lang="en-US" b="1" dirty="0"/>
+              </a:p>
+            </p:txBody>
+          </p:sp>
+        </mc:Choice>
+        <mc:Fallback xmlns="">
+          <p:sp>
+            <p:nvSpPr>
+              <p:cNvPr id="4" name="TextBox 3">
+                <a:extLst>
+                  <a:ext uri="{FF2B5EF4-FFF2-40B4-BE49-F238E27FC236}">
+                    <a16:creationId xmlns:a16="http://schemas.microsoft.com/office/drawing/2014/main" id="{745A9EC4-4327-E45A-8A5A-38DA06AC3974}"/>
+                  </a:ext>
+                </a:extLst>
+              </p:cNvPr>
+              <p:cNvSpPr txBox="1">
+                <a:spLocks noRot="1" noChangeAspect="1" noMove="1" noResize="1" noEditPoints="1" noAdjustHandles="1" noChangeArrowheads="1" noChangeShapeType="1" noTextEdit="1"/>
+              </p:cNvSpPr>
+              <p:nvPr/>
+            </p:nvSpPr>
+            <p:spPr>
+              <a:xfrm>
+                <a:off x="5949646" y="2809925"/>
+                <a:ext cx="660694" cy="375552"/>
+              </a:xfrm>
+              <a:prstGeom prst="rect">
+                <a:avLst/>
+              </a:prstGeom>
+              <a:blipFill>
+                <a:blip r:embed="rId13"/>
+                <a:stretch>
+                  <a:fillRect/>
+                </a:stretch>
+              </a:blipFill>
+            </p:spPr>
+            <p:txBody>
+              <a:bodyPr/>
+              <a:lstStyle/>
+              <a:p>
+                <a:r>
+                  <a:rPr lang="en-US">
+                    <a:noFill/>
+                  </a:rPr>
+                  <a:t> </a:t>
+                </a:r>
+              </a:p>
+            </p:txBody>
+          </p:sp>
+        </mc:Fallback>
+      </mc:AlternateContent>
+      <mc:AlternateContent xmlns:mc="http://schemas.openxmlformats.org/markup-compatibility/2006" xmlns:a14="http://schemas.microsoft.com/office/drawing/2010/main">
+        <mc:Choice Requires="a14">
+          <p:sp>
+            <p:nvSpPr>
+              <p:cNvPr id="5" name="TextBox 4">
+                <a:extLst>
+                  <a:ext uri="{FF2B5EF4-FFF2-40B4-BE49-F238E27FC236}">
+                    <a16:creationId xmlns:a16="http://schemas.microsoft.com/office/drawing/2014/main" id="{B230F668-08B3-A9F1-CDF2-F431916F0491}"/>
+                  </a:ext>
+                </a:extLst>
+              </p:cNvPr>
+              <p:cNvSpPr txBox="1"/>
+              <p:nvPr/>
+            </p:nvSpPr>
+            <p:spPr>
+              <a:xfrm>
+                <a:off x="8230807" y="2827613"/>
+                <a:ext cx="660694" cy="375552"/>
+              </a:xfrm>
+              <a:prstGeom prst="rect">
+                <a:avLst/>
+              </a:prstGeom>
+              <a:solidFill>
+                <a:schemeClr val="bg1">
+                  <a:alpha val="50000"/>
+                </a:schemeClr>
+              </a:solidFill>
+            </p:spPr>
+            <p:txBody>
+              <a:bodyPr wrap="none" rtlCol="0">
+                <a:spAutoFit/>
+              </a:bodyPr>
+              <a:lstStyle/>
+              <a:p>
+                <a:pPr/>
+                <a14:m>
+                  <m:oMathPara xmlns:m="http://schemas.openxmlformats.org/officeDocument/2006/math">
+                    <m:oMathParaPr>
+                      <m:jc m:val="centerGroup"/>
+                    </m:oMathParaPr>
+                    <m:oMath xmlns:m="http://schemas.openxmlformats.org/officeDocument/2006/math">
+                      <m:r>
+                        <a:rPr lang="en-US" b="1" i="1" smtClean="0">
+                          <a:latin typeface="Cambria Math" panose="02040503050406030204" pitchFamily="18" charset="0"/>
+                        </a:rPr>
+                        <m:t>+</m:t>
+                      </m:r>
+                      <m:sSup>
+                        <m:sSupPr>
+                          <m:ctrlPr>
+                            <a:rPr lang="en-US" b="1" i="1" smtClean="0">
+                              <a:latin typeface="Cambria Math" panose="02040503050406030204" pitchFamily="18" charset="0"/>
+                            </a:rPr>
+                          </m:ctrlPr>
+                        </m:sSupPr>
+                        <m:e>
+                          <m:r>
+                            <a:rPr lang="en-US" b="1" i="1" smtClean="0">
+                              <a:latin typeface="Cambria Math" panose="02040503050406030204" pitchFamily="18" charset="0"/>
+                            </a:rPr>
+                            <m:t>𝒃</m:t>
+                          </m:r>
+                        </m:e>
+                        <m:sup>
+                          <m:r>
+                            <a:rPr lang="en-US" b="1" i="1" smtClean="0">
+                              <a:latin typeface="Cambria Math" panose="02040503050406030204" pitchFamily="18" charset="0"/>
+                            </a:rPr>
+                            <m:t>𝟑</m:t>
+                          </m:r>
+                        </m:sup>
+                      </m:sSup>
+                    </m:oMath>
+                  </m:oMathPara>
+                </a14:m>
+                <a:endParaRPr lang="en-US" b="1" dirty="0"/>
+              </a:p>
+            </p:txBody>
+          </p:sp>
+        </mc:Choice>
+        <mc:Fallback xmlns="">
+          <p:sp>
+            <p:nvSpPr>
+              <p:cNvPr id="5" name="TextBox 4">
+                <a:extLst>
+                  <a:ext uri="{FF2B5EF4-FFF2-40B4-BE49-F238E27FC236}">
+                    <a16:creationId xmlns:a16="http://schemas.microsoft.com/office/drawing/2014/main" id="{B230F668-08B3-A9F1-CDF2-F431916F0491}"/>
+                  </a:ext>
+                </a:extLst>
+              </p:cNvPr>
+              <p:cNvSpPr txBox="1">
+                <a:spLocks noRot="1" noChangeAspect="1" noMove="1" noResize="1" noEditPoints="1" noAdjustHandles="1" noChangeArrowheads="1" noChangeShapeType="1" noTextEdit="1"/>
+              </p:cNvSpPr>
+              <p:nvPr/>
+            </p:nvSpPr>
+            <p:spPr>
+              <a:xfrm>
+                <a:off x="8230807" y="2827613"/>
+                <a:ext cx="660694" cy="375552"/>
+              </a:xfrm>
+              <a:prstGeom prst="rect">
+                <a:avLst/>
+              </a:prstGeom>
+              <a:blipFill>
+                <a:blip r:embed="rId14"/>
+                <a:stretch>
+                  <a:fillRect/>
+                </a:stretch>
+              </a:blipFill>
+            </p:spPr>
+            <p:txBody>
+              <a:bodyPr/>
+              <a:lstStyle/>
+              <a:p>
+                <a:r>
+                  <a:rPr lang="en-US">
+                    <a:noFill/>
+                  </a:rPr>
+                  <a:t> </a:t>
+                </a:r>
+              </a:p>
+            </p:txBody>
+          </p:sp>
+        </mc:Fallback>
+      </mc:AlternateContent>
+      <p:cxnSp>
+        <p:nvCxnSpPr>
+          <p:cNvPr id="6" name="Straight Connector 5">
+            <a:extLst>
+              <a:ext uri="{FF2B5EF4-FFF2-40B4-BE49-F238E27FC236}">
+                <a16:creationId xmlns:a16="http://schemas.microsoft.com/office/drawing/2014/main" id="{E669F170-0BF9-11BF-17DD-075004EA907B}"/>
+              </a:ext>
+            </a:extLst>
+          </p:cNvPr>
+          <p:cNvCxnSpPr>
+            <a:cxnSpLocks/>
+            <a:stCxn id="3" idx="2"/>
+            <a:endCxn id="52" idx="0"/>
+          </p:cNvCxnSpPr>
+          <p:nvPr/>
+        </p:nvCxnSpPr>
+        <p:spPr>
+          <a:xfrm>
+            <a:off x="3998832" y="3203165"/>
+            <a:ext cx="0" cy="639446"/>
+          </a:xfrm>
+          <a:prstGeom prst="line">
+            <a:avLst/>
+          </a:prstGeom>
+          <a:ln w="76200">
+            <a:solidFill>
+              <a:schemeClr val="bg1">
+                <a:lumMod val="50000"/>
+              </a:schemeClr>
+            </a:solidFill>
+          </a:ln>
+        </p:spPr>
+        <p:style>
+          <a:lnRef idx="1">
+            <a:schemeClr val="dk1"/>
+          </a:lnRef>
+          <a:fillRef idx="0">
+            <a:schemeClr val="dk1"/>
+          </a:fillRef>
+          <a:effectRef idx="0">
+            <a:schemeClr val="dk1"/>
+          </a:effectRef>
+          <a:fontRef idx="minor">
+            <a:schemeClr val="tx1"/>
+          </a:fontRef>
+        </p:style>
+      </p:cxnSp>
+      <p:cxnSp>
+        <p:nvCxnSpPr>
+          <p:cNvPr id="9" name="Straight Connector 8">
+            <a:extLst>
+              <a:ext uri="{FF2B5EF4-FFF2-40B4-BE49-F238E27FC236}">
+                <a16:creationId xmlns:a16="http://schemas.microsoft.com/office/drawing/2014/main" id="{D42B4B67-6AEA-DFE3-573E-CDFA5C662F32}"/>
+              </a:ext>
+            </a:extLst>
+          </p:cNvPr>
+          <p:cNvCxnSpPr>
+            <a:cxnSpLocks/>
+            <a:stCxn id="4" idx="2"/>
+            <a:endCxn id="54" idx="0"/>
+          </p:cNvCxnSpPr>
+          <p:nvPr/>
+        </p:nvCxnSpPr>
+        <p:spPr>
+          <a:xfrm>
+            <a:off x="6279993" y="3185477"/>
+            <a:ext cx="0" cy="657134"/>
+          </a:xfrm>
+          <a:prstGeom prst="line">
+            <a:avLst/>
+          </a:prstGeom>
+          <a:ln w="76200">
+            <a:solidFill>
+              <a:schemeClr val="bg1">
+                <a:lumMod val="50000"/>
+              </a:schemeClr>
+            </a:solidFill>
+          </a:ln>
+        </p:spPr>
+        <p:style>
+          <a:lnRef idx="1">
+            <a:schemeClr val="dk1"/>
+          </a:lnRef>
+          <a:fillRef idx="0">
+            <a:schemeClr val="dk1"/>
+          </a:fillRef>
+          <a:effectRef idx="0">
+            <a:schemeClr val="dk1"/>
+          </a:effectRef>
+          <a:fontRef idx="minor">
+            <a:schemeClr val="tx1"/>
+          </a:fontRef>
+        </p:style>
+      </p:cxnSp>
+      <p:cxnSp>
+        <p:nvCxnSpPr>
+          <p:cNvPr id="12" name="Straight Connector 11">
+            <a:extLst>
+              <a:ext uri="{FF2B5EF4-FFF2-40B4-BE49-F238E27FC236}">
+                <a16:creationId xmlns:a16="http://schemas.microsoft.com/office/drawing/2014/main" id="{F4CE1853-7497-9DD5-96E6-6516A98EF31F}"/>
+              </a:ext>
+            </a:extLst>
+          </p:cNvPr>
+          <p:cNvCxnSpPr>
+            <a:cxnSpLocks/>
+            <a:stCxn id="5" idx="2"/>
+            <a:endCxn id="55" idx="0"/>
+          </p:cNvCxnSpPr>
+          <p:nvPr/>
+        </p:nvCxnSpPr>
+        <p:spPr>
+          <a:xfrm>
+            <a:off x="8561154" y="3203165"/>
+            <a:ext cx="0" cy="639446"/>
+          </a:xfrm>
+          <a:prstGeom prst="line">
+            <a:avLst/>
+          </a:prstGeom>
+          <a:ln w="76200">
+            <a:solidFill>
+              <a:schemeClr val="bg1">
+                <a:lumMod val="50000"/>
+              </a:schemeClr>
+            </a:solidFill>
+          </a:ln>
+        </p:spPr>
+        <p:style>
+          <a:lnRef idx="1">
+            <a:schemeClr val="dk1"/>
+          </a:lnRef>
+          <a:fillRef idx="0">
+            <a:schemeClr val="dk1"/>
+          </a:fillRef>
+          <a:effectRef idx="0">
+            <a:schemeClr val="dk1"/>
+          </a:effectRef>
+          <a:fontRef idx="minor">
+            <a:schemeClr val="tx1"/>
+          </a:fontRef>
+        </p:style>
+      </p:cxnSp>
+      <p:cxnSp>
+        <p:nvCxnSpPr>
+          <p:cNvPr id="22" name="Straight Arrow Connector 21">
+            <a:extLst>
+              <a:ext uri="{FF2B5EF4-FFF2-40B4-BE49-F238E27FC236}">
+                <a16:creationId xmlns:a16="http://schemas.microsoft.com/office/drawing/2014/main" id="{E89FF731-1E33-39D8-BFF5-9D73014517EC}"/>
+              </a:ext>
+            </a:extLst>
+          </p:cNvPr>
+          <p:cNvCxnSpPr>
+            <a:cxnSpLocks/>
+            <a:endCxn id="52" idx="2"/>
+          </p:cNvCxnSpPr>
+          <p:nvPr/>
+        </p:nvCxnSpPr>
+        <p:spPr>
+          <a:xfrm flipV="1">
+            <a:off x="3992033" y="4218163"/>
+            <a:ext cx="6799" cy="314326"/>
+          </a:xfrm>
+          <a:prstGeom prst="straightConnector1">
+            <a:avLst/>
+          </a:prstGeom>
+          <a:ln w="38100">
+            <a:solidFill>
+              <a:schemeClr val="tx1"/>
+            </a:solidFill>
+            <a:tailEnd type="triangle"/>
+          </a:ln>
+        </p:spPr>
+        <p:style>
+          <a:lnRef idx="1">
+            <a:schemeClr val="accent1"/>
+          </a:lnRef>
+          <a:fillRef idx="0">
+            <a:schemeClr val="accent1"/>
+          </a:fillRef>
+          <a:effectRef idx="0">
+            <a:schemeClr val="accent1"/>
+          </a:effectRef>
+          <a:fontRef idx="minor">
+            <a:schemeClr val="tx1"/>
+          </a:fontRef>
+        </p:style>
+      </p:cxnSp>
+      <p:cxnSp>
+        <p:nvCxnSpPr>
+          <p:cNvPr id="23" name="Straight Arrow Connector 22">
+            <a:extLst>
+              <a:ext uri="{FF2B5EF4-FFF2-40B4-BE49-F238E27FC236}">
+                <a16:creationId xmlns:a16="http://schemas.microsoft.com/office/drawing/2014/main" id="{F798B3D8-9E6E-45B6-DDB0-7D8F00FF462F}"/>
+              </a:ext>
+            </a:extLst>
+          </p:cNvPr>
+          <p:cNvCxnSpPr>
+            <a:cxnSpLocks/>
+            <a:stCxn id="11" idx="0"/>
+            <a:endCxn id="54" idx="2"/>
+          </p:cNvCxnSpPr>
+          <p:nvPr/>
+        </p:nvCxnSpPr>
+        <p:spPr>
+          <a:xfrm flipV="1">
+            <a:off x="6279993" y="4218163"/>
+            <a:ext cx="0" cy="315087"/>
+          </a:xfrm>
+          <a:prstGeom prst="straightConnector1">
+            <a:avLst/>
+          </a:prstGeom>
+          <a:ln w="38100">
+            <a:solidFill>
+              <a:schemeClr val="tx1"/>
+            </a:solidFill>
+            <a:tailEnd type="triangle"/>
+          </a:ln>
+        </p:spPr>
+        <p:style>
+          <a:lnRef idx="1">
+            <a:schemeClr val="accent1"/>
+          </a:lnRef>
+          <a:fillRef idx="0">
+            <a:schemeClr val="accent1"/>
+          </a:fillRef>
+          <a:effectRef idx="0">
+            <a:schemeClr val="accent1"/>
+          </a:effectRef>
+          <a:fontRef idx="minor">
+            <a:schemeClr val="tx1"/>
+          </a:fontRef>
+        </p:style>
+      </p:cxnSp>
+      <p:cxnSp>
+        <p:nvCxnSpPr>
+          <p:cNvPr id="24" name="Straight Arrow Connector 23">
+            <a:extLst>
+              <a:ext uri="{FF2B5EF4-FFF2-40B4-BE49-F238E27FC236}">
+                <a16:creationId xmlns:a16="http://schemas.microsoft.com/office/drawing/2014/main" id="{E5DD98CB-9A42-387F-8F00-94268C9BE759}"/>
+              </a:ext>
+            </a:extLst>
+          </p:cNvPr>
+          <p:cNvCxnSpPr>
+            <a:cxnSpLocks/>
+            <a:endCxn id="55" idx="2"/>
+          </p:cNvCxnSpPr>
+          <p:nvPr/>
+        </p:nvCxnSpPr>
+        <p:spPr>
+          <a:xfrm flipH="1" flipV="1">
+            <a:off x="8561154" y="4218163"/>
+            <a:ext cx="8883" cy="315087"/>
+          </a:xfrm>
+          <a:prstGeom prst="straightConnector1">
+            <a:avLst/>
+          </a:prstGeom>
+          <a:ln w="38100">
+            <a:solidFill>
+              <a:schemeClr val="tx1"/>
+            </a:solidFill>
+            <a:tailEnd type="triangle"/>
+          </a:ln>
+        </p:spPr>
+        <p:style>
+          <a:lnRef idx="1">
+            <a:schemeClr val="accent1"/>
+          </a:lnRef>
+          <a:fillRef idx="0">
+            <a:schemeClr val="accent1"/>
+          </a:fillRef>
+          <a:effectRef idx="0">
+            <a:schemeClr val="accent1"/>
+          </a:effectRef>
+          <a:fontRef idx="minor">
+            <a:schemeClr val="tx1"/>
+          </a:fontRef>
+        </p:style>
+      </p:cxnSp>
+      <p:cxnSp>
+        <p:nvCxnSpPr>
+          <p:cNvPr id="25" name="Straight Arrow Connector 24">
+            <a:extLst>
+              <a:ext uri="{FF2B5EF4-FFF2-40B4-BE49-F238E27FC236}">
+                <a16:creationId xmlns:a16="http://schemas.microsoft.com/office/drawing/2014/main" id="{1D9E4308-C8A4-9602-3941-059EC89486DF}"/>
+              </a:ext>
+            </a:extLst>
+          </p:cNvPr>
+          <p:cNvCxnSpPr>
+            <a:cxnSpLocks/>
+            <a:endCxn id="51" idx="2"/>
+          </p:cNvCxnSpPr>
+          <p:nvPr/>
+        </p:nvCxnSpPr>
+        <p:spPr>
+          <a:xfrm flipV="1">
+            <a:off x="10843437" y="4215053"/>
+            <a:ext cx="577" cy="317436"/>
+          </a:xfrm>
+          <a:prstGeom prst="straightConnector1">
+            <a:avLst/>
+          </a:prstGeom>
+          <a:ln w="38100">
+            <a:solidFill>
+              <a:schemeClr val="tx1"/>
+            </a:solidFill>
+            <a:tailEnd type="triangle"/>
+          </a:ln>
+        </p:spPr>
+        <p:style>
+          <a:lnRef idx="1">
+            <a:schemeClr val="accent1"/>
+          </a:lnRef>
+          <a:fillRef idx="0">
+            <a:schemeClr val="accent1"/>
+          </a:fillRef>
+          <a:effectRef idx="0">
+            <a:schemeClr val="accent1"/>
+          </a:effectRef>
+          <a:fontRef idx="minor">
+            <a:schemeClr val="tx1"/>
+          </a:fontRef>
+        </p:style>
+      </p:cxnSp>
+      <mc:AlternateContent xmlns:mc="http://schemas.openxmlformats.org/markup-compatibility/2006" xmlns:a14="http://schemas.microsoft.com/office/drawing/2010/main">
+        <mc:Choice Requires="a14">
+          <p:sp>
+            <p:nvSpPr>
+              <p:cNvPr id="7" name="TextBox 6">
+                <a:extLst>
+                  <a:ext uri="{FF2B5EF4-FFF2-40B4-BE49-F238E27FC236}">
+                    <a16:creationId xmlns:a16="http://schemas.microsoft.com/office/drawing/2014/main" id="{812B931E-9F79-003E-2825-95B79F231F41}"/>
+                  </a:ext>
+                </a:extLst>
+              </p:cNvPr>
+              <p:cNvSpPr txBox="1"/>
+              <p:nvPr/>
+            </p:nvSpPr>
+            <p:spPr>
+              <a:xfrm>
+                <a:off x="10097432" y="5168762"/>
+                <a:ext cx="1650002" cy="369332"/>
+              </a:xfrm>
+              <a:prstGeom prst="rect">
+                <a:avLst/>
+              </a:prstGeom>
+              <a:solidFill>
+                <a:schemeClr val="bg1">
+                  <a:alpha val="50000"/>
+                </a:schemeClr>
+              </a:solidFill>
+            </p:spPr>
+            <p:txBody>
+              <a:bodyPr wrap="none" rtlCol="0">
+                <a:spAutoFit/>
+              </a:bodyPr>
+              <a:lstStyle/>
+              <a:p>
+                <a:pPr/>
+                <a14:m>
+                  <m:oMathPara xmlns:m="http://schemas.openxmlformats.org/officeDocument/2006/math">
+                    <m:oMathParaPr>
+                      <m:jc m:val="centerGroup"/>
+                    </m:oMathParaPr>
+                    <m:oMath xmlns:m="http://schemas.openxmlformats.org/officeDocument/2006/math">
+                      <m:r>
+                        <a:rPr lang="en-US" b="0" i="1" smtClean="0">
+                          <a:solidFill>
+                            <a:srgbClr val="C00000"/>
+                          </a:solidFill>
+                          <a:latin typeface="Cambria Math" panose="02040503050406030204" pitchFamily="18" charset="0"/>
+                        </a:rPr>
+                        <m:t>𝑒</m:t>
+                      </m:r>
+                      <m:r>
+                        <a:rPr lang="en-US" b="0" i="1" smtClean="0">
+                          <a:solidFill>
+                            <a:srgbClr val="C00000"/>
+                          </a:solidFill>
+                          <a:latin typeface="Cambria Math" panose="02040503050406030204" pitchFamily="18" charset="0"/>
+                        </a:rPr>
+                        <m:t>=</m:t>
+                      </m:r>
+                      <m:sSup>
+                        <m:sSupPr>
+                          <m:ctrlPr>
+                            <a:rPr lang="en-US" b="0" i="1" smtClean="0">
+                              <a:solidFill>
+                                <a:srgbClr val="C00000"/>
+                              </a:solidFill>
+                              <a:latin typeface="Cambria Math" panose="02040503050406030204" pitchFamily="18" charset="0"/>
+                            </a:rPr>
+                          </m:ctrlPr>
+                        </m:sSupPr>
+                        <m:e>
+                          <m:d>
+                            <m:dPr>
+                              <m:ctrlPr>
+                                <a:rPr lang="en-US" b="0" i="1" smtClean="0">
+                                  <a:solidFill>
+                                    <a:srgbClr val="C00000"/>
+                                  </a:solidFill>
+                                  <a:latin typeface="Cambria Math" panose="02040503050406030204" pitchFamily="18" charset="0"/>
+                                </a:rPr>
+                              </m:ctrlPr>
+                            </m:dPr>
+                            <m:e>
+                              <m:r>
+                                <a:rPr lang="en-US" b="0" i="1" smtClean="0">
+                                  <a:solidFill>
+                                    <a:srgbClr val="C00000"/>
+                                  </a:solidFill>
+                                  <a:latin typeface="Cambria Math" panose="02040503050406030204" pitchFamily="18" charset="0"/>
+                                </a:rPr>
+                                <m:t> </m:t>
+                              </m:r>
+                              <m:r>
+                                <a:rPr lang="en-US" b="0" i="1" smtClean="0">
+                                  <a:solidFill>
+                                    <a:srgbClr val="C00000"/>
+                                  </a:solidFill>
+                                  <a:latin typeface="Cambria Math" panose="02040503050406030204" pitchFamily="18" charset="0"/>
+                                </a:rPr>
+                                <m:t>𝑦</m:t>
+                              </m:r>
+                              <m:r>
+                                <a:rPr lang="en-US" b="0" i="1" smtClean="0">
+                                  <a:solidFill>
+                                    <a:srgbClr val="C00000"/>
+                                  </a:solidFill>
+                                  <a:latin typeface="Cambria Math" panose="02040503050406030204" pitchFamily="18" charset="0"/>
+                                </a:rPr>
+                                <m:t>−</m:t>
+                              </m:r>
+                              <m:sSup>
+                                <m:sSupPr>
+                                  <m:ctrlPr>
+                                    <a:rPr lang="en-US" b="0" i="1" smtClean="0">
+                                      <a:solidFill>
+                                        <a:srgbClr val="C00000"/>
+                                      </a:solidFill>
+                                      <a:latin typeface="Cambria Math" panose="02040503050406030204" pitchFamily="18" charset="0"/>
+                                    </a:rPr>
+                                  </m:ctrlPr>
+                                </m:sSupPr>
+                                <m:e>
+                                  <m:r>
+                                    <a:rPr lang="en-US" b="0" i="1" smtClean="0">
+                                      <a:solidFill>
+                                        <a:srgbClr val="C00000"/>
+                                      </a:solidFill>
+                                      <a:latin typeface="Cambria Math" panose="02040503050406030204" pitchFamily="18" charset="0"/>
+                                    </a:rPr>
+                                    <m:t>𝑦</m:t>
+                                  </m:r>
+                                </m:e>
+                                <m:sup>
+                                  <m:r>
+                                    <a:rPr lang="en-US" b="0" i="1" smtClean="0">
+                                      <a:solidFill>
+                                        <a:srgbClr val="C00000"/>
+                                      </a:solidFill>
+                                      <a:latin typeface="Cambria Math" panose="02040503050406030204" pitchFamily="18" charset="0"/>
+                                    </a:rPr>
+                                    <m:t>∗</m:t>
+                                  </m:r>
+                                </m:sup>
+                              </m:sSup>
+                            </m:e>
+                          </m:d>
+                        </m:e>
+                        <m:sup>
+                          <m:r>
+                            <a:rPr lang="en-US" b="0" i="1" smtClean="0">
+                              <a:solidFill>
+                                <a:srgbClr val="C00000"/>
+                              </a:solidFill>
+                              <a:latin typeface="Cambria Math" panose="02040503050406030204" pitchFamily="18" charset="0"/>
+                            </a:rPr>
+                            <m:t>2</m:t>
+                          </m:r>
+                        </m:sup>
+                      </m:sSup>
+                    </m:oMath>
+                  </m:oMathPara>
+                </a14:m>
+                <a:endParaRPr lang="en-US" b="1" dirty="0">
+                  <a:solidFill>
+                    <a:srgbClr val="C00000"/>
+                  </a:solidFill>
+                </a:endParaRPr>
+              </a:p>
+            </p:txBody>
+          </p:sp>
+        </mc:Choice>
+        <mc:Fallback xmlns="">
+          <p:sp>
+            <p:nvSpPr>
+              <p:cNvPr id="7" name="TextBox 6">
+                <a:extLst>
+                  <a:ext uri="{FF2B5EF4-FFF2-40B4-BE49-F238E27FC236}">
+                    <a16:creationId xmlns:a16="http://schemas.microsoft.com/office/drawing/2014/main" id="{812B931E-9F79-003E-2825-95B79F231F41}"/>
+                  </a:ext>
+                </a:extLst>
+              </p:cNvPr>
+              <p:cNvSpPr txBox="1">
+                <a:spLocks noRot="1" noChangeAspect="1" noMove="1" noResize="1" noEditPoints="1" noAdjustHandles="1" noChangeArrowheads="1" noChangeShapeType="1" noTextEdit="1"/>
+              </p:cNvSpPr>
+              <p:nvPr/>
+            </p:nvSpPr>
+            <p:spPr>
+              <a:xfrm>
+                <a:off x="10097432" y="5168762"/>
+                <a:ext cx="1650002" cy="369332"/>
+              </a:xfrm>
+              <a:prstGeom prst="rect">
+                <a:avLst/>
+              </a:prstGeom>
+              <a:blipFill>
+                <a:blip r:embed="rId15"/>
+                <a:stretch>
+                  <a:fillRect b="-6667"/>
+                </a:stretch>
+              </a:blipFill>
+            </p:spPr>
+            <p:txBody>
+              <a:bodyPr/>
+              <a:lstStyle/>
+              <a:p>
+                <a:r>
+                  <a:rPr lang="en-US">
+                    <a:noFill/>
+                  </a:rPr>
+                  <a:t> </a:t>
+                </a:r>
+              </a:p>
+            </p:txBody>
+          </p:sp>
+        </mc:Fallback>
+      </mc:AlternateContent>
+      <mc:AlternateContent xmlns:mc="http://schemas.openxmlformats.org/markup-compatibility/2006" xmlns:a14="http://schemas.microsoft.com/office/drawing/2010/main">
+        <mc:Choice Requires="a14">
+          <p:sp>
+            <p:nvSpPr>
+              <p:cNvPr id="8" name="TextBox 7">
+                <a:extLst>
+                  <a:ext uri="{FF2B5EF4-FFF2-40B4-BE49-F238E27FC236}">
+                    <a16:creationId xmlns:a16="http://schemas.microsoft.com/office/drawing/2014/main" id="{686344BA-099B-ACFE-BB69-BB6F58192591}"/>
+                  </a:ext>
+                </a:extLst>
+              </p:cNvPr>
+              <p:cNvSpPr txBox="1"/>
+              <p:nvPr/>
+            </p:nvSpPr>
+            <p:spPr>
+              <a:xfrm>
+                <a:off x="5267986" y="5101171"/>
+                <a:ext cx="1481175" cy="666336"/>
+              </a:xfrm>
+              <a:prstGeom prst="rect">
+                <a:avLst/>
+              </a:prstGeom>
+              <a:solidFill>
+                <a:schemeClr val="bg1">
+                  <a:alpha val="50000"/>
+                </a:schemeClr>
+              </a:solidFill>
+            </p:spPr>
+            <p:txBody>
+              <a:bodyPr wrap="none" rtlCol="0">
+                <a:spAutoFit/>
+              </a:bodyPr>
+              <a:lstStyle/>
+              <a:p>
+                <a:pPr/>
+                <a14:m>
+                  <m:oMathPara xmlns:m="http://schemas.openxmlformats.org/officeDocument/2006/math">
+                    <m:oMathParaPr>
+                      <m:jc m:val="centerGroup"/>
+                    </m:oMathParaPr>
+                    <m:oMath xmlns:m="http://schemas.openxmlformats.org/officeDocument/2006/math">
+                      <m:f>
+                        <m:fPr>
+                          <m:ctrlPr>
+                            <a:rPr lang="en-US" b="0" i="1" smtClean="0">
+                              <a:solidFill>
+                                <a:srgbClr val="C00000"/>
+                              </a:solidFill>
+                              <a:latin typeface="Cambria Math" panose="02040503050406030204" pitchFamily="18" charset="0"/>
+                            </a:rPr>
+                          </m:ctrlPr>
+                        </m:fPr>
+                        <m:num>
+                          <m:r>
+                            <a:rPr lang="en-US" b="0" i="1" smtClean="0">
+                              <a:solidFill>
+                                <a:srgbClr val="C00000"/>
+                              </a:solidFill>
+                              <a:latin typeface="Cambria Math" panose="02040503050406030204" pitchFamily="18" charset="0"/>
+                            </a:rPr>
+                            <m:t>𝜕</m:t>
+                          </m:r>
+                          <m:r>
+                            <a:rPr lang="en-US" b="0" i="1" smtClean="0">
+                              <a:solidFill>
+                                <a:srgbClr val="C00000"/>
+                              </a:solidFill>
+                              <a:latin typeface="Cambria Math" panose="02040503050406030204" pitchFamily="18" charset="0"/>
+                            </a:rPr>
+                            <m:t>𝑒</m:t>
+                          </m:r>
+                        </m:num>
+                        <m:den>
+                          <m:r>
+                            <a:rPr lang="en-US" b="0" i="1" smtClean="0">
+                              <a:solidFill>
+                                <a:srgbClr val="C00000"/>
+                              </a:solidFill>
+                              <a:latin typeface="Cambria Math" panose="02040503050406030204" pitchFamily="18" charset="0"/>
+                            </a:rPr>
+                            <m:t>𝜕</m:t>
+                          </m:r>
+                          <m:sSup>
+                            <m:sSupPr>
+                              <m:ctrlPr>
+                                <a:rPr lang="en-US" b="0" i="1" smtClean="0">
+                                  <a:solidFill>
+                                    <a:srgbClr val="C00000"/>
+                                  </a:solidFill>
+                                  <a:latin typeface="Cambria Math" panose="02040503050406030204" pitchFamily="18" charset="0"/>
+                                </a:rPr>
+                              </m:ctrlPr>
+                            </m:sSupPr>
+                            <m:e>
+                              <m:r>
+                                <a:rPr lang="en-US" b="0" i="1" smtClean="0">
+                                  <a:solidFill>
+                                    <a:srgbClr val="C00000"/>
+                                  </a:solidFill>
+                                  <a:latin typeface="Cambria Math" panose="02040503050406030204" pitchFamily="18" charset="0"/>
+                                </a:rPr>
+                                <m:t>𝑙</m:t>
+                              </m:r>
+                            </m:e>
+                            <m:sup>
+                              <m:r>
+                                <a:rPr lang="en-US" b="0" i="1" smtClean="0">
+                                  <a:solidFill>
+                                    <a:srgbClr val="C00000"/>
+                                  </a:solidFill>
+                                  <a:latin typeface="Cambria Math" panose="02040503050406030204" pitchFamily="18" charset="0"/>
+                                </a:rPr>
+                                <m:t>3</m:t>
+                              </m:r>
+                            </m:sup>
+                          </m:sSup>
+                        </m:den>
+                      </m:f>
+                      <m:r>
+                        <a:rPr lang="en-US" b="0" i="1" smtClean="0">
+                          <a:solidFill>
+                            <a:srgbClr val="C00000"/>
+                          </a:solidFill>
+                          <a:latin typeface="Cambria Math" panose="02040503050406030204" pitchFamily="18" charset="0"/>
+                        </a:rPr>
+                        <m:t>=</m:t>
+                      </m:r>
+                      <m:f>
+                        <m:fPr>
+                          <m:ctrlPr>
+                            <a:rPr lang="en-US" b="0" i="1" smtClean="0">
+                              <a:solidFill>
+                                <a:srgbClr val="C00000"/>
+                              </a:solidFill>
+                              <a:latin typeface="Cambria Math" panose="02040503050406030204" pitchFamily="18" charset="0"/>
+                            </a:rPr>
+                          </m:ctrlPr>
+                        </m:fPr>
+                        <m:num>
+                          <m:r>
+                            <a:rPr lang="en-US" b="0" i="1" smtClean="0">
+                              <a:solidFill>
+                                <a:srgbClr val="C00000"/>
+                              </a:solidFill>
+                              <a:latin typeface="Cambria Math" panose="02040503050406030204" pitchFamily="18" charset="0"/>
+                            </a:rPr>
+                            <m:t>𝜕</m:t>
+                          </m:r>
+                          <m:r>
+                            <a:rPr lang="en-US" b="0" i="1" smtClean="0">
+                              <a:solidFill>
+                                <a:srgbClr val="C00000"/>
+                              </a:solidFill>
+                              <a:latin typeface="Cambria Math" panose="02040503050406030204" pitchFamily="18" charset="0"/>
+                            </a:rPr>
+                            <m:t>𝑒</m:t>
+                          </m:r>
+                        </m:num>
+                        <m:den>
+                          <m:r>
+                            <a:rPr lang="en-US" b="0" i="1" smtClean="0">
+                              <a:solidFill>
+                                <a:srgbClr val="C00000"/>
+                              </a:solidFill>
+                              <a:latin typeface="Cambria Math" panose="02040503050406030204" pitchFamily="18" charset="0"/>
+                            </a:rPr>
+                            <m:t>𝜕</m:t>
+                          </m:r>
+                          <m:r>
+                            <a:rPr lang="en-US" b="0" i="1" smtClean="0">
+                              <a:solidFill>
+                                <a:srgbClr val="C00000"/>
+                              </a:solidFill>
+                              <a:latin typeface="Cambria Math" panose="02040503050406030204" pitchFamily="18" charset="0"/>
+                            </a:rPr>
+                            <m:t>𝑦</m:t>
+                          </m:r>
+                        </m:den>
+                      </m:f>
+                      <m:f>
+                        <m:fPr>
+                          <m:ctrlPr>
+                            <a:rPr lang="en-US" b="0" i="1" smtClean="0">
+                              <a:solidFill>
+                                <a:srgbClr val="C00000"/>
+                              </a:solidFill>
+                              <a:latin typeface="Cambria Math" panose="02040503050406030204" pitchFamily="18" charset="0"/>
+                            </a:rPr>
+                          </m:ctrlPr>
+                        </m:fPr>
+                        <m:num>
+                          <m:r>
+                            <a:rPr lang="en-US" b="0" i="1" smtClean="0">
+                              <a:solidFill>
+                                <a:srgbClr val="C00000"/>
+                              </a:solidFill>
+                              <a:latin typeface="Cambria Math" panose="02040503050406030204" pitchFamily="18" charset="0"/>
+                            </a:rPr>
+                            <m:t>𝜕</m:t>
+                          </m:r>
+                          <m:r>
+                            <a:rPr lang="en-US" b="0" i="1" smtClean="0">
+                              <a:solidFill>
+                                <a:srgbClr val="C00000"/>
+                              </a:solidFill>
+                              <a:latin typeface="Cambria Math" panose="02040503050406030204" pitchFamily="18" charset="0"/>
+                            </a:rPr>
+                            <m:t>𝑦</m:t>
+                          </m:r>
+                        </m:num>
+                        <m:den>
+                          <m:r>
+                            <a:rPr lang="en-US" b="0" i="1" smtClean="0">
+                              <a:solidFill>
+                                <a:srgbClr val="C00000"/>
+                              </a:solidFill>
+                              <a:latin typeface="Cambria Math" panose="02040503050406030204" pitchFamily="18" charset="0"/>
+                            </a:rPr>
+                            <m:t>𝜕</m:t>
+                          </m:r>
+                          <m:sSup>
+                            <m:sSupPr>
+                              <m:ctrlPr>
+                                <a:rPr lang="en-US" b="0" i="1" smtClean="0">
+                                  <a:solidFill>
+                                    <a:srgbClr val="C00000"/>
+                                  </a:solidFill>
+                                  <a:latin typeface="Cambria Math" panose="02040503050406030204" pitchFamily="18" charset="0"/>
+                                </a:rPr>
+                              </m:ctrlPr>
+                            </m:sSupPr>
+                            <m:e>
+                              <m:r>
+                                <a:rPr lang="en-US" b="0" i="1" smtClean="0">
+                                  <a:solidFill>
+                                    <a:srgbClr val="C00000"/>
+                                  </a:solidFill>
+                                  <a:latin typeface="Cambria Math" panose="02040503050406030204" pitchFamily="18" charset="0"/>
+                                </a:rPr>
+                                <m:t>𝑙</m:t>
+                              </m:r>
+                            </m:e>
+                            <m:sup>
+                              <m:r>
+                                <a:rPr lang="en-US" b="0" i="1" smtClean="0">
+                                  <a:solidFill>
+                                    <a:srgbClr val="C00000"/>
+                                  </a:solidFill>
+                                  <a:latin typeface="Cambria Math" panose="02040503050406030204" pitchFamily="18" charset="0"/>
+                                </a:rPr>
+                                <m:t>3</m:t>
+                              </m:r>
+                            </m:sup>
+                          </m:sSup>
+                        </m:den>
+                      </m:f>
+                    </m:oMath>
+                  </m:oMathPara>
+                </a14:m>
+                <a:endParaRPr lang="en-US" b="1" dirty="0">
+                  <a:solidFill>
+                    <a:srgbClr val="C00000"/>
+                  </a:solidFill>
+                </a:endParaRPr>
+              </a:p>
+            </p:txBody>
+          </p:sp>
+        </mc:Choice>
+        <mc:Fallback xmlns="">
+          <p:sp>
+            <p:nvSpPr>
+              <p:cNvPr id="8" name="TextBox 7">
+                <a:extLst>
+                  <a:ext uri="{FF2B5EF4-FFF2-40B4-BE49-F238E27FC236}">
+                    <a16:creationId xmlns:a16="http://schemas.microsoft.com/office/drawing/2014/main" id="{686344BA-099B-ACFE-BB69-BB6F58192591}"/>
+                  </a:ext>
+                </a:extLst>
+              </p:cNvPr>
+              <p:cNvSpPr txBox="1">
+                <a:spLocks noRot="1" noChangeAspect="1" noMove="1" noResize="1" noEditPoints="1" noAdjustHandles="1" noChangeArrowheads="1" noChangeShapeType="1" noTextEdit="1"/>
+              </p:cNvSpPr>
+              <p:nvPr/>
+            </p:nvSpPr>
+            <p:spPr>
+              <a:xfrm>
+                <a:off x="5267986" y="5101171"/>
+                <a:ext cx="1481175" cy="666336"/>
+              </a:xfrm>
+              <a:prstGeom prst="rect">
+                <a:avLst/>
+              </a:prstGeom>
+              <a:blipFill>
+                <a:blip r:embed="rId16"/>
+                <a:stretch>
+                  <a:fillRect/>
+                </a:stretch>
+              </a:blipFill>
+            </p:spPr>
+            <p:txBody>
+              <a:bodyPr/>
+              <a:lstStyle/>
+              <a:p>
+                <a:r>
+                  <a:rPr lang="fr-FR">
+                    <a:noFill/>
+                  </a:rPr>
+                  <a:t> </a:t>
+                </a:r>
+              </a:p>
+            </p:txBody>
+          </p:sp>
+        </mc:Fallback>
+      </mc:AlternateContent>
+      <mc:AlternateContent xmlns:mc="http://schemas.openxmlformats.org/markup-compatibility/2006" xmlns:a14="http://schemas.microsoft.com/office/drawing/2010/main">
+        <mc:Choice Requires="a14">
+          <p:sp>
+            <p:nvSpPr>
+              <p:cNvPr id="10" name="TextBox 9">
+                <a:extLst>
+                  <a:ext uri="{FF2B5EF4-FFF2-40B4-BE49-F238E27FC236}">
+                    <a16:creationId xmlns:a16="http://schemas.microsoft.com/office/drawing/2014/main" id="{391E168B-7EC8-3E60-1E3E-F4636A925285}"/>
+                  </a:ext>
+                </a:extLst>
+              </p:cNvPr>
+              <p:cNvSpPr txBox="1"/>
+              <p:nvPr/>
+            </p:nvSpPr>
+            <p:spPr>
+              <a:xfrm>
+                <a:off x="2965344" y="4532489"/>
+                <a:ext cx="2066976" cy="375552"/>
+              </a:xfrm>
+              <a:prstGeom prst="rect">
+                <a:avLst/>
+              </a:prstGeom>
+              <a:solidFill>
+                <a:schemeClr val="bg1">
+                  <a:alpha val="50000"/>
+                </a:schemeClr>
+              </a:solidFill>
+            </p:spPr>
+            <p:txBody>
+              <a:bodyPr wrap="none" rtlCol="0">
+                <a:spAutoFit/>
+              </a:bodyPr>
+              <a:lstStyle/>
+              <a:p>
+                <a:pPr/>
+                <a14:m>
+                  <m:oMathPara xmlns:m="http://schemas.openxmlformats.org/officeDocument/2006/math">
+                    <m:oMathParaPr>
+                      <m:jc m:val="centerGroup"/>
+                    </m:oMathParaPr>
+                    <m:oMath xmlns:m="http://schemas.openxmlformats.org/officeDocument/2006/math">
+                      <m:sSup>
+                        <m:sSupPr>
+                          <m:ctrlPr>
+                            <a:rPr lang="en-US" b="1" i="1" smtClean="0">
+                              <a:latin typeface="Cambria Math" panose="02040503050406030204" pitchFamily="18" charset="0"/>
+                            </a:rPr>
+                          </m:ctrlPr>
+                        </m:sSupPr>
+                        <m:e>
+                          <m:r>
+                            <a:rPr lang="en-US" b="1" i="1" smtClean="0">
+                              <a:latin typeface="Cambria Math" panose="02040503050406030204" pitchFamily="18" charset="0"/>
+                            </a:rPr>
+                            <m:t>𝒍</m:t>
+                          </m:r>
+                        </m:e>
+                        <m:sup>
+                          <m:r>
+                            <a:rPr lang="en-US" b="1" i="1" smtClean="0">
+                              <a:latin typeface="Cambria Math" panose="02040503050406030204" pitchFamily="18" charset="0"/>
+                            </a:rPr>
+                            <m:t>𝟏</m:t>
+                          </m:r>
+                        </m:sup>
+                      </m:sSup>
+                      <m:r>
+                        <a:rPr lang="en-US" b="1" i="1" smtClean="0">
+                          <a:latin typeface="Cambria Math" panose="02040503050406030204" pitchFamily="18" charset="0"/>
+                        </a:rPr>
+                        <m:t>=</m:t>
+                      </m:r>
+                      <m:r>
+                        <a:rPr lang="en-US" b="1" i="1" smtClean="0">
+                          <a:latin typeface="Cambria Math" panose="02040503050406030204" pitchFamily="18" charset="0"/>
+                        </a:rPr>
+                        <m:t>𝝈</m:t>
+                      </m:r>
+                      <m:r>
+                        <a:rPr lang="en-US" b="1" i="1" smtClean="0">
+                          <a:latin typeface="Cambria Math" panose="02040503050406030204" pitchFamily="18" charset="0"/>
+                        </a:rPr>
+                        <m:t>(</m:t>
+                      </m:r>
+                      <m:sSup>
+                        <m:sSupPr>
+                          <m:ctrlPr>
+                            <a:rPr lang="en-US" b="1" i="1" smtClean="0">
+                              <a:latin typeface="Cambria Math" panose="02040503050406030204" pitchFamily="18" charset="0"/>
+                            </a:rPr>
+                          </m:ctrlPr>
+                        </m:sSupPr>
+                        <m:e>
+                          <m:r>
+                            <a:rPr lang="en-US" b="1" i="1" smtClean="0">
+                              <a:latin typeface="Cambria Math" panose="02040503050406030204" pitchFamily="18" charset="0"/>
+                            </a:rPr>
+                            <m:t>𝑾</m:t>
+                          </m:r>
+                        </m:e>
+                        <m:sup>
+                          <m:r>
+                            <a:rPr lang="en-US" b="1" i="1" smtClean="0">
+                              <a:latin typeface="Cambria Math" panose="02040503050406030204" pitchFamily="18" charset="0"/>
+                            </a:rPr>
+                            <m:t>𝟏</m:t>
+                          </m:r>
+                        </m:sup>
+                      </m:sSup>
+                      <m:r>
+                        <a:rPr lang="en-US" b="0" i="1" smtClean="0">
+                          <a:latin typeface="Cambria Math" panose="02040503050406030204" pitchFamily="18" charset="0"/>
+                        </a:rPr>
+                        <m:t>𝑥</m:t>
+                      </m:r>
+                      <m:r>
+                        <a:rPr lang="en-US" b="1" i="1" smtClean="0">
+                          <a:latin typeface="Cambria Math" panose="02040503050406030204" pitchFamily="18" charset="0"/>
+                        </a:rPr>
+                        <m:t>+</m:t>
+                      </m:r>
+                      <m:sSup>
+                        <m:sSupPr>
+                          <m:ctrlPr>
+                            <a:rPr lang="en-US" b="1" i="1" smtClean="0">
+                              <a:latin typeface="Cambria Math" panose="02040503050406030204" pitchFamily="18" charset="0"/>
+                            </a:rPr>
+                          </m:ctrlPr>
+                        </m:sSupPr>
+                        <m:e>
+                          <m:r>
+                            <a:rPr lang="en-US" b="1" i="1" smtClean="0">
+                              <a:latin typeface="Cambria Math" panose="02040503050406030204" pitchFamily="18" charset="0"/>
+                            </a:rPr>
+                            <m:t>𝒃</m:t>
+                          </m:r>
+                        </m:e>
+                        <m:sup>
+                          <m:r>
+                            <a:rPr lang="en-US" b="1" i="1" smtClean="0">
+                              <a:latin typeface="Cambria Math" panose="02040503050406030204" pitchFamily="18" charset="0"/>
+                            </a:rPr>
+                            <m:t>𝟏</m:t>
+                          </m:r>
+                        </m:sup>
+                      </m:sSup>
+                      <m:r>
+                        <a:rPr lang="en-US" b="1" i="1" smtClean="0">
+                          <a:latin typeface="Cambria Math" panose="02040503050406030204" pitchFamily="18" charset="0"/>
+                        </a:rPr>
+                        <m:t>)</m:t>
+                      </m:r>
+                    </m:oMath>
+                  </m:oMathPara>
+                </a14:m>
+                <a:endParaRPr lang="en-US" b="1" dirty="0"/>
+              </a:p>
+            </p:txBody>
+          </p:sp>
+        </mc:Choice>
+        <mc:Fallback xmlns="">
+          <p:sp>
+            <p:nvSpPr>
+              <p:cNvPr id="10" name="TextBox 9">
+                <a:extLst>
+                  <a:ext uri="{FF2B5EF4-FFF2-40B4-BE49-F238E27FC236}">
+                    <a16:creationId xmlns:a16="http://schemas.microsoft.com/office/drawing/2014/main" id="{391E168B-7EC8-3E60-1E3E-F4636A925285}"/>
+                  </a:ext>
+                </a:extLst>
+              </p:cNvPr>
+              <p:cNvSpPr txBox="1">
+                <a:spLocks noRot="1" noChangeAspect="1" noMove="1" noResize="1" noEditPoints="1" noAdjustHandles="1" noChangeArrowheads="1" noChangeShapeType="1" noTextEdit="1"/>
+              </p:cNvSpPr>
+              <p:nvPr/>
+            </p:nvSpPr>
+            <p:spPr>
+              <a:xfrm>
+                <a:off x="2965344" y="4532489"/>
+                <a:ext cx="2066976" cy="375552"/>
+              </a:xfrm>
+              <a:prstGeom prst="rect">
+                <a:avLst/>
+              </a:prstGeom>
+              <a:blipFill>
+                <a:blip r:embed="rId17"/>
+                <a:stretch>
+                  <a:fillRect b="-13115"/>
+                </a:stretch>
+              </a:blipFill>
+            </p:spPr>
+            <p:txBody>
+              <a:bodyPr/>
+              <a:lstStyle/>
+              <a:p>
+                <a:r>
+                  <a:rPr lang="en-US">
+                    <a:noFill/>
+                  </a:rPr>
+                  <a:t> </a:t>
+                </a:r>
+              </a:p>
+            </p:txBody>
+          </p:sp>
+        </mc:Fallback>
+      </mc:AlternateContent>
+      <mc:AlternateContent xmlns:mc="http://schemas.openxmlformats.org/markup-compatibility/2006" xmlns:a14="http://schemas.microsoft.com/office/drawing/2010/main">
+        <mc:Choice Requires="a14">
+          <p:sp>
+            <p:nvSpPr>
+              <p:cNvPr id="11" name="TextBox 10">
+                <a:extLst>
+                  <a:ext uri="{FF2B5EF4-FFF2-40B4-BE49-F238E27FC236}">
+                    <a16:creationId xmlns:a16="http://schemas.microsoft.com/office/drawing/2014/main" id="{F4153E78-02FA-DADA-62BB-8538A917376C}"/>
+                  </a:ext>
+                </a:extLst>
+              </p:cNvPr>
+              <p:cNvSpPr txBox="1"/>
+              <p:nvPr/>
+            </p:nvSpPr>
+            <p:spPr>
+              <a:xfrm>
+                <a:off x="5205147" y="4533250"/>
+                <a:ext cx="2149691" cy="375552"/>
+              </a:xfrm>
+              <a:prstGeom prst="rect">
+                <a:avLst/>
+              </a:prstGeom>
+              <a:solidFill>
+                <a:schemeClr val="bg1">
+                  <a:alpha val="50000"/>
+                </a:schemeClr>
+              </a:solidFill>
+            </p:spPr>
+            <p:txBody>
+              <a:bodyPr wrap="none" rtlCol="0">
+                <a:spAutoFit/>
+              </a:bodyPr>
+              <a:lstStyle/>
+              <a:p>
+                <a:pPr/>
+                <a14:m>
+                  <m:oMathPara xmlns:m="http://schemas.openxmlformats.org/officeDocument/2006/math">
+                    <m:oMathParaPr>
+                      <m:jc m:val="centerGroup"/>
+                    </m:oMathParaPr>
+                    <m:oMath xmlns:m="http://schemas.openxmlformats.org/officeDocument/2006/math">
+                      <m:sSup>
+                        <m:sSupPr>
+                          <m:ctrlPr>
+                            <a:rPr lang="en-US" b="1" i="1" smtClean="0">
+                              <a:latin typeface="Cambria Math" panose="02040503050406030204" pitchFamily="18" charset="0"/>
+                            </a:rPr>
+                          </m:ctrlPr>
+                        </m:sSupPr>
+                        <m:e>
+                          <m:r>
+                            <a:rPr lang="en-US" b="1" i="1" smtClean="0">
+                              <a:latin typeface="Cambria Math" panose="02040503050406030204" pitchFamily="18" charset="0"/>
+                            </a:rPr>
+                            <m:t>𝒍</m:t>
+                          </m:r>
+                        </m:e>
+                        <m:sup>
+                          <m:r>
+                            <a:rPr lang="en-US" b="1" i="1" smtClean="0">
+                              <a:latin typeface="Cambria Math" panose="02040503050406030204" pitchFamily="18" charset="0"/>
+                            </a:rPr>
+                            <m:t>𝟐</m:t>
+                          </m:r>
+                        </m:sup>
+                      </m:sSup>
+                      <m:r>
+                        <a:rPr lang="en-US" b="1" i="1" smtClean="0">
+                          <a:latin typeface="Cambria Math" panose="02040503050406030204" pitchFamily="18" charset="0"/>
+                        </a:rPr>
+                        <m:t>=</m:t>
+                      </m:r>
+                      <m:r>
+                        <a:rPr lang="en-US" b="1" i="1" smtClean="0">
+                          <a:latin typeface="Cambria Math" panose="02040503050406030204" pitchFamily="18" charset="0"/>
+                        </a:rPr>
+                        <m:t>𝝈</m:t>
+                      </m:r>
+                      <m:r>
+                        <a:rPr lang="en-US" b="1" i="1" smtClean="0">
+                          <a:latin typeface="Cambria Math" panose="02040503050406030204" pitchFamily="18" charset="0"/>
+                        </a:rPr>
+                        <m:t>(</m:t>
+                      </m:r>
+                      <m:sSup>
+                        <m:sSupPr>
+                          <m:ctrlPr>
+                            <a:rPr lang="en-US" b="1" i="1" smtClean="0">
+                              <a:latin typeface="Cambria Math" panose="02040503050406030204" pitchFamily="18" charset="0"/>
+                            </a:rPr>
+                          </m:ctrlPr>
+                        </m:sSupPr>
+                        <m:e>
+                          <m:r>
+                            <a:rPr lang="en-US" b="1" i="1" smtClean="0">
+                              <a:latin typeface="Cambria Math" panose="02040503050406030204" pitchFamily="18" charset="0"/>
+                            </a:rPr>
+                            <m:t>𝑾</m:t>
+                          </m:r>
+                        </m:e>
+                        <m:sup>
+                          <m:r>
+                            <a:rPr lang="en-US" b="1" i="1" smtClean="0">
+                              <a:latin typeface="Cambria Math" panose="02040503050406030204" pitchFamily="18" charset="0"/>
+                            </a:rPr>
+                            <m:t>𝟐</m:t>
+                          </m:r>
+                        </m:sup>
+                      </m:sSup>
+                      <m:sSup>
+                        <m:sSupPr>
+                          <m:ctrlPr>
+                            <a:rPr lang="en-US" b="1" i="1" smtClean="0">
+                              <a:latin typeface="Cambria Math" panose="02040503050406030204" pitchFamily="18" charset="0"/>
+                            </a:rPr>
+                          </m:ctrlPr>
+                        </m:sSupPr>
+                        <m:e>
+                          <m:r>
+                            <a:rPr lang="en-US" b="1" i="1" smtClean="0">
+                              <a:latin typeface="Cambria Math" panose="02040503050406030204" pitchFamily="18" charset="0"/>
+                            </a:rPr>
+                            <m:t>𝒍</m:t>
+                          </m:r>
+                        </m:e>
+                        <m:sup>
+                          <m:r>
+                            <a:rPr lang="en-US" b="1" i="1" smtClean="0">
+                              <a:latin typeface="Cambria Math" panose="02040503050406030204" pitchFamily="18" charset="0"/>
+                            </a:rPr>
+                            <m:t>𝟏</m:t>
+                          </m:r>
+                        </m:sup>
+                      </m:sSup>
+                      <m:r>
+                        <a:rPr lang="en-US" b="1" i="1" smtClean="0">
+                          <a:latin typeface="Cambria Math" panose="02040503050406030204" pitchFamily="18" charset="0"/>
+                        </a:rPr>
+                        <m:t>+</m:t>
+                      </m:r>
+                      <m:sSup>
+                        <m:sSupPr>
+                          <m:ctrlPr>
+                            <a:rPr lang="en-US" b="1" i="1" smtClean="0">
+                              <a:latin typeface="Cambria Math" panose="02040503050406030204" pitchFamily="18" charset="0"/>
+                            </a:rPr>
+                          </m:ctrlPr>
+                        </m:sSupPr>
+                        <m:e>
+                          <m:r>
+                            <a:rPr lang="en-US" b="1" i="1" smtClean="0">
+                              <a:latin typeface="Cambria Math" panose="02040503050406030204" pitchFamily="18" charset="0"/>
+                            </a:rPr>
+                            <m:t>𝒃</m:t>
+                          </m:r>
+                        </m:e>
+                        <m:sup>
+                          <m:r>
+                            <a:rPr lang="en-US" b="1" i="1" smtClean="0">
+                              <a:latin typeface="Cambria Math" panose="02040503050406030204" pitchFamily="18" charset="0"/>
+                            </a:rPr>
+                            <m:t>𝟐</m:t>
+                          </m:r>
+                        </m:sup>
+                      </m:sSup>
+                      <m:r>
+                        <a:rPr lang="en-US" b="1" i="1" smtClean="0">
+                          <a:latin typeface="Cambria Math" panose="02040503050406030204" pitchFamily="18" charset="0"/>
+                        </a:rPr>
+                        <m:t>)</m:t>
+                      </m:r>
+                    </m:oMath>
+                  </m:oMathPara>
+                </a14:m>
+                <a:endParaRPr lang="en-US" dirty="0"/>
+              </a:p>
+            </p:txBody>
+          </p:sp>
+        </mc:Choice>
+        <mc:Fallback xmlns="">
+          <p:sp>
+            <p:nvSpPr>
+              <p:cNvPr id="11" name="TextBox 10">
+                <a:extLst>
+                  <a:ext uri="{FF2B5EF4-FFF2-40B4-BE49-F238E27FC236}">
+                    <a16:creationId xmlns:a16="http://schemas.microsoft.com/office/drawing/2014/main" id="{F4153E78-02FA-DADA-62BB-8538A917376C}"/>
+                  </a:ext>
+                </a:extLst>
+              </p:cNvPr>
+              <p:cNvSpPr txBox="1">
+                <a:spLocks noRot="1" noChangeAspect="1" noMove="1" noResize="1" noEditPoints="1" noAdjustHandles="1" noChangeArrowheads="1" noChangeShapeType="1" noTextEdit="1"/>
+              </p:cNvSpPr>
+              <p:nvPr/>
+            </p:nvSpPr>
+            <p:spPr>
+              <a:xfrm>
+                <a:off x="5205147" y="4533250"/>
+                <a:ext cx="2149691" cy="375552"/>
+              </a:xfrm>
+              <a:prstGeom prst="rect">
+                <a:avLst/>
+              </a:prstGeom>
+              <a:blipFill>
+                <a:blip r:embed="rId18"/>
+                <a:stretch>
+                  <a:fillRect b="-13115"/>
+                </a:stretch>
+              </a:blipFill>
+            </p:spPr>
+            <p:txBody>
+              <a:bodyPr/>
+              <a:lstStyle/>
+              <a:p>
+                <a:r>
+                  <a:rPr lang="en-US">
+                    <a:noFill/>
+                  </a:rPr>
+                  <a:t> </a:t>
+                </a:r>
+              </a:p>
+            </p:txBody>
+          </p:sp>
+        </mc:Fallback>
+      </mc:AlternateContent>
+      <mc:AlternateContent xmlns:mc="http://schemas.openxmlformats.org/markup-compatibility/2006" xmlns:a14="http://schemas.microsoft.com/office/drawing/2010/main">
+        <mc:Choice Requires="a14">
+          <p:sp>
+            <p:nvSpPr>
+              <p:cNvPr id="13" name="TextBox 12">
+                <a:extLst>
+                  <a:ext uri="{FF2B5EF4-FFF2-40B4-BE49-F238E27FC236}">
+                    <a16:creationId xmlns:a16="http://schemas.microsoft.com/office/drawing/2014/main" id="{C0E36010-E45D-C8BD-DB2D-A517A2B429D9}"/>
+                  </a:ext>
+                </a:extLst>
+              </p:cNvPr>
+              <p:cNvSpPr txBox="1"/>
+              <p:nvPr/>
+            </p:nvSpPr>
+            <p:spPr>
+              <a:xfrm>
+                <a:off x="7486307" y="4533250"/>
+                <a:ext cx="2149691" cy="375552"/>
+              </a:xfrm>
+              <a:prstGeom prst="rect">
+                <a:avLst/>
+              </a:prstGeom>
+              <a:solidFill>
+                <a:schemeClr val="bg1">
+                  <a:alpha val="50000"/>
+                </a:schemeClr>
+              </a:solidFill>
+            </p:spPr>
+            <p:txBody>
+              <a:bodyPr wrap="none" rtlCol="0">
+                <a:spAutoFit/>
+              </a:bodyPr>
+              <a:lstStyle/>
+              <a:p>
+                <a:pPr/>
+                <a14:m>
+                  <m:oMathPara xmlns:m="http://schemas.openxmlformats.org/officeDocument/2006/math">
+                    <m:oMathParaPr>
+                      <m:jc m:val="centerGroup"/>
+                    </m:oMathParaPr>
+                    <m:oMath xmlns:m="http://schemas.openxmlformats.org/officeDocument/2006/math">
+                      <m:sSup>
+                        <m:sSupPr>
+                          <m:ctrlPr>
+                            <a:rPr lang="en-US" b="1" i="1" smtClean="0">
+                              <a:latin typeface="Cambria Math" panose="02040503050406030204" pitchFamily="18" charset="0"/>
+                            </a:rPr>
+                          </m:ctrlPr>
+                        </m:sSupPr>
+                        <m:e>
+                          <m:r>
+                            <a:rPr lang="en-US" b="1" i="1" smtClean="0">
+                              <a:latin typeface="Cambria Math" panose="02040503050406030204" pitchFamily="18" charset="0"/>
+                            </a:rPr>
+                            <m:t>𝒍</m:t>
+                          </m:r>
+                        </m:e>
+                        <m:sup>
+                          <m:r>
+                            <a:rPr lang="en-US" b="1" i="1" smtClean="0">
+                              <a:latin typeface="Cambria Math" panose="02040503050406030204" pitchFamily="18" charset="0"/>
+                            </a:rPr>
+                            <m:t>𝟑</m:t>
+                          </m:r>
+                        </m:sup>
+                      </m:sSup>
+                      <m:r>
+                        <a:rPr lang="en-US" b="1" i="1" smtClean="0">
+                          <a:latin typeface="Cambria Math" panose="02040503050406030204" pitchFamily="18" charset="0"/>
+                        </a:rPr>
+                        <m:t>=</m:t>
+                      </m:r>
+                      <m:r>
+                        <a:rPr lang="en-US" b="1" i="1" smtClean="0">
+                          <a:latin typeface="Cambria Math" panose="02040503050406030204" pitchFamily="18" charset="0"/>
+                        </a:rPr>
+                        <m:t>𝝈</m:t>
+                      </m:r>
+                      <m:r>
+                        <a:rPr lang="en-US" b="1" i="1" smtClean="0">
+                          <a:latin typeface="Cambria Math" panose="02040503050406030204" pitchFamily="18" charset="0"/>
+                        </a:rPr>
+                        <m:t>(</m:t>
+                      </m:r>
+                      <m:sSup>
+                        <m:sSupPr>
+                          <m:ctrlPr>
+                            <a:rPr lang="en-US" b="1" i="1" smtClean="0">
+                              <a:latin typeface="Cambria Math" panose="02040503050406030204" pitchFamily="18" charset="0"/>
+                            </a:rPr>
+                          </m:ctrlPr>
+                        </m:sSupPr>
+                        <m:e>
+                          <m:r>
+                            <a:rPr lang="en-US" b="1" i="1" smtClean="0">
+                              <a:latin typeface="Cambria Math" panose="02040503050406030204" pitchFamily="18" charset="0"/>
+                            </a:rPr>
+                            <m:t>𝑾</m:t>
+                          </m:r>
+                        </m:e>
+                        <m:sup>
+                          <m:r>
+                            <a:rPr lang="en-US" b="1" i="1" smtClean="0">
+                              <a:latin typeface="Cambria Math" panose="02040503050406030204" pitchFamily="18" charset="0"/>
+                            </a:rPr>
+                            <m:t>𝟑</m:t>
+                          </m:r>
+                        </m:sup>
+                      </m:sSup>
+                      <m:sSup>
+                        <m:sSupPr>
+                          <m:ctrlPr>
+                            <a:rPr lang="en-US" b="1" i="1" smtClean="0">
+                              <a:latin typeface="Cambria Math" panose="02040503050406030204" pitchFamily="18" charset="0"/>
+                            </a:rPr>
+                          </m:ctrlPr>
+                        </m:sSupPr>
+                        <m:e>
+                          <m:r>
+                            <a:rPr lang="en-US" b="1" i="1" smtClean="0">
+                              <a:latin typeface="Cambria Math" panose="02040503050406030204" pitchFamily="18" charset="0"/>
+                            </a:rPr>
+                            <m:t>𝒍</m:t>
+                          </m:r>
+                        </m:e>
+                        <m:sup>
+                          <m:r>
+                            <a:rPr lang="en-US" b="1" i="1" smtClean="0">
+                              <a:latin typeface="Cambria Math" panose="02040503050406030204" pitchFamily="18" charset="0"/>
+                            </a:rPr>
+                            <m:t>𝟐</m:t>
+                          </m:r>
+                        </m:sup>
+                      </m:sSup>
+                      <m:r>
+                        <a:rPr lang="en-US" b="1" i="1" smtClean="0">
+                          <a:latin typeface="Cambria Math" panose="02040503050406030204" pitchFamily="18" charset="0"/>
+                        </a:rPr>
+                        <m:t>+</m:t>
+                      </m:r>
+                      <m:sSup>
+                        <m:sSupPr>
+                          <m:ctrlPr>
+                            <a:rPr lang="en-US" b="1" i="1" smtClean="0">
+                              <a:latin typeface="Cambria Math" panose="02040503050406030204" pitchFamily="18" charset="0"/>
+                            </a:rPr>
+                          </m:ctrlPr>
+                        </m:sSupPr>
+                        <m:e>
+                          <m:r>
+                            <a:rPr lang="en-US" b="1" i="1" smtClean="0">
+                              <a:latin typeface="Cambria Math" panose="02040503050406030204" pitchFamily="18" charset="0"/>
+                            </a:rPr>
+                            <m:t>𝒃</m:t>
+                          </m:r>
+                        </m:e>
+                        <m:sup>
+                          <m:r>
+                            <a:rPr lang="en-US" b="1" i="1" smtClean="0">
+                              <a:latin typeface="Cambria Math" panose="02040503050406030204" pitchFamily="18" charset="0"/>
+                            </a:rPr>
+                            <m:t>𝟑</m:t>
+                          </m:r>
+                        </m:sup>
+                      </m:sSup>
+                      <m:r>
+                        <a:rPr lang="en-US" b="1" i="1" smtClean="0">
+                          <a:latin typeface="Cambria Math" panose="02040503050406030204" pitchFamily="18" charset="0"/>
+                        </a:rPr>
+                        <m:t>)</m:t>
+                      </m:r>
+                    </m:oMath>
+                  </m:oMathPara>
+                </a14:m>
+                <a:endParaRPr lang="en-US" dirty="0"/>
+              </a:p>
+            </p:txBody>
+          </p:sp>
+        </mc:Choice>
+        <mc:Fallback xmlns="">
+          <p:sp>
+            <p:nvSpPr>
+              <p:cNvPr id="13" name="TextBox 12">
+                <a:extLst>
+                  <a:ext uri="{FF2B5EF4-FFF2-40B4-BE49-F238E27FC236}">
+                    <a16:creationId xmlns:a16="http://schemas.microsoft.com/office/drawing/2014/main" id="{C0E36010-E45D-C8BD-DB2D-A517A2B429D9}"/>
+                  </a:ext>
+                </a:extLst>
+              </p:cNvPr>
+              <p:cNvSpPr txBox="1">
+                <a:spLocks noRot="1" noChangeAspect="1" noMove="1" noResize="1" noEditPoints="1" noAdjustHandles="1" noChangeArrowheads="1" noChangeShapeType="1" noTextEdit="1"/>
+              </p:cNvSpPr>
+              <p:nvPr/>
+            </p:nvSpPr>
+            <p:spPr>
+              <a:xfrm>
+                <a:off x="7486307" y="4533250"/>
+                <a:ext cx="2149691" cy="375552"/>
+              </a:xfrm>
+              <a:prstGeom prst="rect">
+                <a:avLst/>
+              </a:prstGeom>
+              <a:blipFill>
+                <a:blip r:embed="rId19"/>
+                <a:stretch>
+                  <a:fillRect b="-13115"/>
+                </a:stretch>
+              </a:blipFill>
+            </p:spPr>
+            <p:txBody>
+              <a:bodyPr/>
+              <a:lstStyle/>
+              <a:p>
+                <a:r>
+                  <a:rPr lang="en-US">
+                    <a:noFill/>
+                  </a:rPr>
+                  <a:t> </a:t>
+                </a:r>
+              </a:p>
+            </p:txBody>
+          </p:sp>
+        </mc:Fallback>
+      </mc:AlternateContent>
+      <mc:AlternateContent xmlns:mc="http://schemas.openxmlformats.org/markup-compatibility/2006" xmlns:a14="http://schemas.microsoft.com/office/drawing/2010/main">
+        <mc:Choice Requires="a14">
+          <p:sp>
+            <p:nvSpPr>
+              <p:cNvPr id="14" name="TextBox 13">
+                <a:extLst>
+                  <a:ext uri="{FF2B5EF4-FFF2-40B4-BE49-F238E27FC236}">
+                    <a16:creationId xmlns:a16="http://schemas.microsoft.com/office/drawing/2014/main" id="{D4A4134A-21BF-8404-D247-2403983318FB}"/>
+                  </a:ext>
+                </a:extLst>
+              </p:cNvPr>
+              <p:cNvSpPr txBox="1"/>
+              <p:nvPr/>
+            </p:nvSpPr>
+            <p:spPr>
+              <a:xfrm>
+                <a:off x="9807125" y="4532489"/>
+                <a:ext cx="2070375" cy="375552"/>
+              </a:xfrm>
+              <a:prstGeom prst="rect">
+                <a:avLst/>
+              </a:prstGeom>
+              <a:solidFill>
+                <a:schemeClr val="bg1">
+                  <a:alpha val="50000"/>
+                </a:schemeClr>
+              </a:solidFill>
+            </p:spPr>
+            <p:txBody>
+              <a:bodyPr wrap="none" rtlCol="0">
+                <a:spAutoFit/>
+              </a:bodyPr>
+              <a:lstStyle/>
+              <a:p>
+                <a:pPr/>
+                <a14:m>
+                  <m:oMathPara xmlns:m="http://schemas.openxmlformats.org/officeDocument/2006/math">
+                    <m:oMathParaPr>
+                      <m:jc m:val="centerGroup"/>
+                    </m:oMathParaPr>
+                    <m:oMath xmlns:m="http://schemas.openxmlformats.org/officeDocument/2006/math">
+                      <m:r>
+                        <a:rPr lang="en-US" b="0" i="1" smtClean="0">
+                          <a:latin typeface="Cambria Math" panose="02040503050406030204" pitchFamily="18" charset="0"/>
+                        </a:rPr>
+                        <m:t>𝑦</m:t>
+                      </m:r>
+                      <m:r>
+                        <a:rPr lang="en-US" b="1" i="1" smtClean="0">
+                          <a:latin typeface="Cambria Math" panose="02040503050406030204" pitchFamily="18" charset="0"/>
+                        </a:rPr>
+                        <m:t>=</m:t>
+                      </m:r>
+                      <m:r>
+                        <a:rPr lang="en-US" b="1" i="1" smtClean="0">
+                          <a:latin typeface="Cambria Math" panose="02040503050406030204" pitchFamily="18" charset="0"/>
+                        </a:rPr>
+                        <m:t>𝝈</m:t>
+                      </m:r>
+                      <m:r>
+                        <a:rPr lang="en-US" b="1" i="1" smtClean="0">
+                          <a:latin typeface="Cambria Math" panose="02040503050406030204" pitchFamily="18" charset="0"/>
+                        </a:rPr>
+                        <m:t>(</m:t>
+                      </m:r>
+                      <m:sSup>
+                        <m:sSupPr>
+                          <m:ctrlPr>
+                            <a:rPr lang="en-US" b="1" i="1" smtClean="0">
+                              <a:latin typeface="Cambria Math" panose="02040503050406030204" pitchFamily="18" charset="0"/>
+                            </a:rPr>
+                          </m:ctrlPr>
+                        </m:sSupPr>
+                        <m:e>
+                          <m:r>
+                            <a:rPr lang="en-US" b="1" i="1" smtClean="0">
+                              <a:latin typeface="Cambria Math" panose="02040503050406030204" pitchFamily="18" charset="0"/>
+                            </a:rPr>
+                            <m:t>𝑾</m:t>
+                          </m:r>
+                        </m:e>
+                        <m:sup>
+                          <m:r>
+                            <a:rPr lang="en-US" b="1" i="1" smtClean="0">
+                              <a:latin typeface="Cambria Math" panose="02040503050406030204" pitchFamily="18" charset="0"/>
+                            </a:rPr>
+                            <m:t>𝟒</m:t>
+                          </m:r>
+                        </m:sup>
+                      </m:sSup>
+                      <m:sSup>
+                        <m:sSupPr>
+                          <m:ctrlPr>
+                            <a:rPr lang="en-US" b="1" i="1" smtClean="0">
+                              <a:latin typeface="Cambria Math" panose="02040503050406030204" pitchFamily="18" charset="0"/>
+                            </a:rPr>
+                          </m:ctrlPr>
+                        </m:sSupPr>
+                        <m:e>
+                          <m:r>
+                            <a:rPr lang="en-US" b="1" i="1" smtClean="0">
+                              <a:latin typeface="Cambria Math" panose="02040503050406030204" pitchFamily="18" charset="0"/>
+                            </a:rPr>
+                            <m:t>𝒍</m:t>
+                          </m:r>
+                        </m:e>
+                        <m:sup>
+                          <m:r>
+                            <a:rPr lang="en-US" b="1" i="1" smtClean="0">
+                              <a:latin typeface="Cambria Math" panose="02040503050406030204" pitchFamily="18" charset="0"/>
+                            </a:rPr>
+                            <m:t>𝟑</m:t>
+                          </m:r>
+                        </m:sup>
+                      </m:sSup>
+                      <m:r>
+                        <a:rPr lang="en-US" b="1" i="1" smtClean="0">
+                          <a:latin typeface="Cambria Math" panose="02040503050406030204" pitchFamily="18" charset="0"/>
+                        </a:rPr>
+                        <m:t>+</m:t>
+                      </m:r>
+                      <m:sSup>
+                        <m:sSupPr>
+                          <m:ctrlPr>
+                            <a:rPr lang="en-US" b="1" i="1" smtClean="0">
+                              <a:latin typeface="Cambria Math" panose="02040503050406030204" pitchFamily="18" charset="0"/>
+                            </a:rPr>
+                          </m:ctrlPr>
+                        </m:sSupPr>
+                        <m:e>
+                          <m:r>
+                            <a:rPr lang="en-US" b="1" i="1" smtClean="0">
+                              <a:latin typeface="Cambria Math" panose="02040503050406030204" pitchFamily="18" charset="0"/>
+                            </a:rPr>
+                            <m:t>𝒃</m:t>
+                          </m:r>
+                        </m:e>
+                        <m:sup>
+                          <m:r>
+                            <a:rPr lang="en-US" b="1" i="1" smtClean="0">
+                              <a:latin typeface="Cambria Math" panose="02040503050406030204" pitchFamily="18" charset="0"/>
+                            </a:rPr>
+                            <m:t>𝟒</m:t>
+                          </m:r>
+                        </m:sup>
+                      </m:sSup>
+                      <m:r>
+                        <a:rPr lang="en-US" b="1" i="1" smtClean="0">
+                          <a:latin typeface="Cambria Math" panose="02040503050406030204" pitchFamily="18" charset="0"/>
+                        </a:rPr>
+                        <m:t>)</m:t>
+                      </m:r>
+                    </m:oMath>
+                  </m:oMathPara>
+                </a14:m>
+                <a:endParaRPr lang="en-US" b="1" dirty="0"/>
+              </a:p>
+            </p:txBody>
+          </p:sp>
+        </mc:Choice>
+        <mc:Fallback xmlns="">
+          <p:sp>
+            <p:nvSpPr>
+              <p:cNvPr id="14" name="TextBox 13">
+                <a:extLst>
+                  <a:ext uri="{FF2B5EF4-FFF2-40B4-BE49-F238E27FC236}">
+                    <a16:creationId xmlns:a16="http://schemas.microsoft.com/office/drawing/2014/main" id="{D4A4134A-21BF-8404-D247-2403983318FB}"/>
+                  </a:ext>
+                </a:extLst>
+              </p:cNvPr>
+              <p:cNvSpPr txBox="1">
+                <a:spLocks noRot="1" noChangeAspect="1" noMove="1" noResize="1" noEditPoints="1" noAdjustHandles="1" noChangeArrowheads="1" noChangeShapeType="1" noTextEdit="1"/>
+              </p:cNvSpPr>
+              <p:nvPr/>
+            </p:nvSpPr>
+            <p:spPr>
+              <a:xfrm>
+                <a:off x="9807125" y="4532489"/>
+                <a:ext cx="2070375" cy="375552"/>
+              </a:xfrm>
+              <a:prstGeom prst="rect">
+                <a:avLst/>
+              </a:prstGeom>
+              <a:blipFill>
+                <a:blip r:embed="rId20"/>
+                <a:stretch>
+                  <a:fillRect b="-13115"/>
+                </a:stretch>
+              </a:blipFill>
+            </p:spPr>
+            <p:txBody>
+              <a:bodyPr/>
+              <a:lstStyle/>
+              <a:p>
+                <a:r>
+                  <a:rPr lang="en-US">
+                    <a:noFill/>
+                  </a:rPr>
+                  <a:t> </a:t>
+                </a:r>
+              </a:p>
+            </p:txBody>
+          </p:sp>
+        </mc:Fallback>
+      </mc:AlternateContent>
+      <mc:AlternateContent xmlns:mc="http://schemas.openxmlformats.org/markup-compatibility/2006" xmlns:a14="http://schemas.microsoft.com/office/drawing/2010/main">
+        <mc:Choice Requires="a14">
+          <p:sp>
+            <p:nvSpPr>
+              <p:cNvPr id="15" name="TextBox 14">
+                <a:extLst>
+                  <a:ext uri="{FF2B5EF4-FFF2-40B4-BE49-F238E27FC236}">
+                    <a16:creationId xmlns:a16="http://schemas.microsoft.com/office/drawing/2014/main" id="{34E69A23-4F48-5A96-F989-E2F20D6A5DA8}"/>
+                  </a:ext>
+                </a:extLst>
+              </p:cNvPr>
+              <p:cNvSpPr txBox="1"/>
+              <p:nvPr/>
+            </p:nvSpPr>
+            <p:spPr>
+              <a:xfrm>
+                <a:off x="9740408" y="2485665"/>
+                <a:ext cx="2203808" cy="943335"/>
+              </a:xfrm>
+              <a:prstGeom prst="rect">
+                <a:avLst/>
+              </a:prstGeom>
+              <a:solidFill>
+                <a:schemeClr val="bg1">
+                  <a:alpha val="50000"/>
+                </a:schemeClr>
+              </a:solidFill>
+            </p:spPr>
+            <p:txBody>
+              <a:bodyPr wrap="none" rtlCol="0">
+                <a:spAutoFit/>
+              </a:bodyPr>
+              <a:lstStyle/>
+              <a:p>
+                <a:pPr/>
+                <a14:m>
+                  <m:oMathPara xmlns:m="http://schemas.openxmlformats.org/officeDocument/2006/math">
+                    <m:oMathParaPr>
+                      <m:jc m:val="centerGroup"/>
+                    </m:oMathParaPr>
+                    <m:oMath xmlns:m="http://schemas.openxmlformats.org/officeDocument/2006/math">
+                      <m:f>
+                        <m:fPr>
+                          <m:ctrlPr>
+                            <a:rPr lang="en-US" b="0" i="1" smtClean="0">
+                              <a:solidFill>
+                                <a:srgbClr val="C00000"/>
+                              </a:solidFill>
+                              <a:latin typeface="Cambria Math" panose="02040503050406030204" pitchFamily="18" charset="0"/>
+                            </a:rPr>
+                          </m:ctrlPr>
+                        </m:fPr>
+                        <m:num>
+                          <m:r>
+                            <a:rPr lang="en-US" b="0" i="1" smtClean="0">
+                              <a:solidFill>
+                                <a:srgbClr val="C00000"/>
+                              </a:solidFill>
+                              <a:latin typeface="Cambria Math" panose="02040503050406030204" pitchFamily="18" charset="0"/>
+                            </a:rPr>
+                            <m:t>𝜕</m:t>
+                          </m:r>
+                          <m:r>
+                            <a:rPr lang="en-US" b="0" i="1" smtClean="0">
+                              <a:solidFill>
+                                <a:srgbClr val="C00000"/>
+                              </a:solidFill>
+                              <a:latin typeface="Cambria Math" panose="02040503050406030204" pitchFamily="18" charset="0"/>
+                            </a:rPr>
+                            <m:t>𝑒</m:t>
+                          </m:r>
+                        </m:num>
+                        <m:den>
+                          <m:r>
+                            <a:rPr lang="en-US" b="0" i="1" smtClean="0">
+                              <a:solidFill>
+                                <a:srgbClr val="C00000"/>
+                              </a:solidFill>
+                              <a:latin typeface="Cambria Math" panose="02040503050406030204" pitchFamily="18" charset="0"/>
+                            </a:rPr>
+                            <m:t>𝜕</m:t>
+                          </m:r>
+                          <m:r>
+                            <a:rPr lang="en-US" b="0" i="1" smtClean="0">
+                              <a:solidFill>
+                                <a:srgbClr val="C00000"/>
+                              </a:solidFill>
+                              <a:latin typeface="Cambria Math" panose="02040503050406030204" pitchFamily="18" charset="0"/>
+                            </a:rPr>
+                            <m:t>𝑦</m:t>
+                          </m:r>
+                        </m:den>
+                      </m:f>
+                      <m:r>
+                        <a:rPr lang="en-US" b="0" i="1" smtClean="0">
+                          <a:solidFill>
+                            <a:srgbClr val="C00000"/>
+                          </a:solidFill>
+                          <a:latin typeface="Cambria Math" panose="02040503050406030204" pitchFamily="18" charset="0"/>
+                        </a:rPr>
+                        <m:t>=</m:t>
+                      </m:r>
+                      <m:sSup>
+                        <m:sSupPr>
+                          <m:ctrlPr>
+                            <a:rPr lang="en-US" b="0" i="1" smtClean="0">
+                              <a:solidFill>
+                                <a:srgbClr val="C00000"/>
+                              </a:solidFill>
+                              <a:latin typeface="Cambria Math" panose="02040503050406030204" pitchFamily="18" charset="0"/>
+                            </a:rPr>
+                          </m:ctrlPr>
+                        </m:sSupPr>
+                        <m:e>
+                          <m:d>
+                            <m:dPr>
+                              <m:begChr m:val="["/>
+                              <m:endChr m:val="]"/>
+                              <m:ctrlPr>
+                                <a:rPr lang="en-US" b="0" i="1" smtClean="0">
+                                  <a:solidFill>
+                                    <a:srgbClr val="C00000"/>
+                                  </a:solidFill>
+                                  <a:latin typeface="Cambria Math" panose="02040503050406030204" pitchFamily="18" charset="0"/>
+                                </a:rPr>
+                              </m:ctrlPr>
+                            </m:dPr>
+                            <m:e>
+                              <m:sSup>
+                                <m:sSupPr>
+                                  <m:ctrlPr>
+                                    <a:rPr lang="en-US" b="0" i="1" smtClean="0">
+                                      <a:solidFill>
+                                        <a:srgbClr val="C00000"/>
+                                      </a:solidFill>
+                                      <a:latin typeface="Cambria Math" panose="02040503050406030204" pitchFamily="18" charset="0"/>
+                                    </a:rPr>
+                                  </m:ctrlPr>
+                                </m:sSupPr>
+                                <m:e>
+                                  <m:d>
+                                    <m:dPr>
+                                      <m:ctrlPr>
+                                        <a:rPr lang="en-US" b="0" i="1" smtClean="0">
+                                          <a:solidFill>
+                                            <a:srgbClr val="C00000"/>
+                                          </a:solidFill>
+                                          <a:latin typeface="Cambria Math" panose="02040503050406030204" pitchFamily="18" charset="0"/>
+                                        </a:rPr>
+                                      </m:ctrlPr>
+                                    </m:dPr>
+                                    <m:e>
+                                      <m:r>
+                                        <a:rPr lang="en-US" b="0" i="1" smtClean="0">
+                                          <a:solidFill>
+                                            <a:srgbClr val="C00000"/>
+                                          </a:solidFill>
+                                          <a:latin typeface="Cambria Math" panose="02040503050406030204" pitchFamily="18" charset="0"/>
+                                        </a:rPr>
+                                        <m:t> </m:t>
+                                      </m:r>
+                                      <m:r>
+                                        <a:rPr lang="en-US" b="0" i="1" smtClean="0">
+                                          <a:solidFill>
+                                            <a:srgbClr val="C00000"/>
+                                          </a:solidFill>
+                                          <a:latin typeface="Cambria Math" panose="02040503050406030204" pitchFamily="18" charset="0"/>
+                                        </a:rPr>
+                                        <m:t>𝑦</m:t>
+                                      </m:r>
+                                      <m:r>
+                                        <a:rPr lang="en-US" b="0" i="1" smtClean="0">
+                                          <a:solidFill>
+                                            <a:srgbClr val="C00000"/>
+                                          </a:solidFill>
+                                          <a:latin typeface="Cambria Math" panose="02040503050406030204" pitchFamily="18" charset="0"/>
+                                        </a:rPr>
+                                        <m:t>−</m:t>
+                                      </m:r>
+                                      <m:sSup>
+                                        <m:sSupPr>
+                                          <m:ctrlPr>
+                                            <a:rPr lang="en-US" b="0" i="1" smtClean="0">
+                                              <a:solidFill>
+                                                <a:srgbClr val="C00000"/>
+                                              </a:solidFill>
+                                              <a:latin typeface="Cambria Math" panose="02040503050406030204" pitchFamily="18" charset="0"/>
+                                            </a:rPr>
+                                          </m:ctrlPr>
+                                        </m:sSupPr>
+                                        <m:e>
+                                          <m:r>
+                                            <a:rPr lang="en-US" b="0" i="1" smtClean="0">
+                                              <a:solidFill>
+                                                <a:srgbClr val="C00000"/>
+                                              </a:solidFill>
+                                              <a:latin typeface="Cambria Math" panose="02040503050406030204" pitchFamily="18" charset="0"/>
+                                            </a:rPr>
+                                            <m:t>𝑦</m:t>
+                                          </m:r>
+                                        </m:e>
+                                        <m:sup>
+                                          <m:r>
+                                            <a:rPr lang="en-US" b="0" i="1" smtClean="0">
+                                              <a:solidFill>
+                                                <a:srgbClr val="C00000"/>
+                                              </a:solidFill>
+                                              <a:latin typeface="Cambria Math" panose="02040503050406030204" pitchFamily="18" charset="0"/>
+                                            </a:rPr>
+                                            <m:t>∗</m:t>
+                                          </m:r>
+                                        </m:sup>
+                                      </m:sSup>
+                                    </m:e>
+                                  </m:d>
+                                </m:e>
+                                <m:sup>
+                                  <m:r>
+                                    <a:rPr lang="en-US" b="0" i="1" smtClean="0">
+                                      <a:solidFill>
+                                        <a:srgbClr val="C00000"/>
+                                      </a:solidFill>
+                                      <a:latin typeface="Cambria Math" panose="02040503050406030204" pitchFamily="18" charset="0"/>
+                                    </a:rPr>
+                                    <m:t>2</m:t>
+                                  </m:r>
+                                </m:sup>
+                              </m:sSup>
+                            </m:e>
+                          </m:d>
+                        </m:e>
+                        <m:sup>
+                          <m:r>
+                            <a:rPr lang="en-US" b="0" i="1" smtClean="0">
+                              <a:solidFill>
+                                <a:srgbClr val="C00000"/>
+                              </a:solidFill>
+                              <a:latin typeface="Cambria Math" panose="02040503050406030204" pitchFamily="18" charset="0"/>
+                            </a:rPr>
+                            <m:t>′</m:t>
+                          </m:r>
+                        </m:sup>
+                      </m:sSup>
+                    </m:oMath>
+                  </m:oMathPara>
+                </a14:m>
+                <a:endParaRPr lang="en-US" b="0" dirty="0">
+                  <a:solidFill>
+                    <a:srgbClr val="C00000"/>
+                  </a:solidFill>
+                </a:endParaRPr>
+              </a:p>
+              <a:p>
+                <a:r>
+                  <a:rPr lang="en-US" dirty="0">
+                    <a:solidFill>
+                      <a:srgbClr val="C00000"/>
+                    </a:solidFill>
+                  </a:rPr>
+                  <a:t>         </a:t>
+                </a:r>
+                <a14:m>
+                  <m:oMath xmlns:m="http://schemas.openxmlformats.org/officeDocument/2006/math">
+                    <m:r>
+                      <a:rPr lang="en-US" b="0" i="1" smtClean="0">
+                        <a:solidFill>
+                          <a:srgbClr val="C00000"/>
+                        </a:solidFill>
+                        <a:latin typeface="Cambria Math" panose="02040503050406030204" pitchFamily="18" charset="0"/>
+                      </a:rPr>
+                      <m:t>=2∗(</m:t>
+                    </m:r>
+                    <m:r>
+                      <a:rPr lang="en-US" b="0" i="1" smtClean="0">
+                        <a:solidFill>
+                          <a:srgbClr val="C00000"/>
+                        </a:solidFill>
+                        <a:latin typeface="Cambria Math" panose="02040503050406030204" pitchFamily="18" charset="0"/>
+                      </a:rPr>
+                      <m:t>𝑦</m:t>
+                    </m:r>
+                    <m:r>
+                      <a:rPr lang="en-US" b="0" i="1" smtClean="0">
+                        <a:solidFill>
+                          <a:srgbClr val="C00000"/>
+                        </a:solidFill>
+                        <a:latin typeface="Cambria Math" panose="02040503050406030204" pitchFamily="18" charset="0"/>
+                      </a:rPr>
+                      <m:t>−</m:t>
+                    </m:r>
+                    <m:sSup>
+                      <m:sSupPr>
+                        <m:ctrlPr>
+                          <a:rPr lang="en-US" i="1" smtClean="0">
+                            <a:solidFill>
+                              <a:srgbClr val="C00000"/>
+                            </a:solidFill>
+                            <a:latin typeface="Cambria Math" panose="02040503050406030204" pitchFamily="18" charset="0"/>
+                          </a:rPr>
+                        </m:ctrlPr>
+                      </m:sSupPr>
+                      <m:e>
+                        <m:r>
+                          <a:rPr lang="en-US" b="0" i="1" smtClean="0">
+                            <a:solidFill>
+                              <a:srgbClr val="C00000"/>
+                            </a:solidFill>
+                            <a:latin typeface="Cambria Math" panose="02040503050406030204" pitchFamily="18" charset="0"/>
+                          </a:rPr>
+                          <m:t>𝑦</m:t>
+                        </m:r>
+                      </m:e>
+                      <m:sup>
+                        <m:r>
+                          <a:rPr lang="en-US" b="0" i="1" smtClean="0">
+                            <a:solidFill>
+                              <a:srgbClr val="C00000"/>
+                            </a:solidFill>
+                            <a:latin typeface="Cambria Math" panose="02040503050406030204" pitchFamily="18" charset="0"/>
+                          </a:rPr>
+                          <m:t>∗</m:t>
+                        </m:r>
+                      </m:sup>
+                    </m:sSup>
+                    <m:r>
+                      <a:rPr lang="en-US" b="0" i="1" smtClean="0">
+                        <a:solidFill>
+                          <a:srgbClr val="C00000"/>
+                        </a:solidFill>
+                        <a:latin typeface="Cambria Math" panose="02040503050406030204" pitchFamily="18" charset="0"/>
+                      </a:rPr>
+                      <m:t>)</m:t>
+                    </m:r>
+                  </m:oMath>
+                </a14:m>
+                <a:endParaRPr lang="en-US" dirty="0">
+                  <a:solidFill>
+                    <a:srgbClr val="C00000"/>
+                  </a:solidFill>
+                </a:endParaRPr>
+              </a:p>
+            </p:txBody>
+          </p:sp>
+        </mc:Choice>
+        <mc:Fallback xmlns="">
+          <p:sp>
+            <p:nvSpPr>
+              <p:cNvPr id="15" name="TextBox 14">
+                <a:extLst>
+                  <a:ext uri="{FF2B5EF4-FFF2-40B4-BE49-F238E27FC236}">
+                    <a16:creationId xmlns:a16="http://schemas.microsoft.com/office/drawing/2014/main" id="{34E69A23-4F48-5A96-F989-E2F20D6A5DA8}"/>
+                  </a:ext>
+                </a:extLst>
+              </p:cNvPr>
+              <p:cNvSpPr txBox="1">
+                <a:spLocks noRot="1" noChangeAspect="1" noMove="1" noResize="1" noEditPoints="1" noAdjustHandles="1" noChangeArrowheads="1" noChangeShapeType="1" noTextEdit="1"/>
+              </p:cNvSpPr>
+              <p:nvPr/>
+            </p:nvSpPr>
+            <p:spPr>
+              <a:xfrm>
+                <a:off x="9740408" y="2485665"/>
+                <a:ext cx="2203808" cy="943335"/>
+              </a:xfrm>
+              <a:prstGeom prst="rect">
+                <a:avLst/>
+              </a:prstGeom>
+              <a:blipFill>
+                <a:blip r:embed="rId21"/>
+                <a:stretch>
+                  <a:fillRect b="-3871"/>
+                </a:stretch>
+              </a:blipFill>
+            </p:spPr>
+            <p:txBody>
+              <a:bodyPr/>
+              <a:lstStyle/>
+              <a:p>
+                <a:r>
+                  <a:rPr lang="en-US">
+                    <a:noFill/>
+                  </a:rPr>
+                  <a:t> </a:t>
+                </a:r>
+              </a:p>
+            </p:txBody>
+          </p:sp>
+        </mc:Fallback>
+      </mc:AlternateContent>
+      <mc:AlternateContent xmlns:mc="http://schemas.openxmlformats.org/markup-compatibility/2006" xmlns:a14="http://schemas.microsoft.com/office/drawing/2010/main">
+        <mc:Choice Requires="a14">
+          <p:sp>
+            <p:nvSpPr>
+              <p:cNvPr id="16" name="TextBox 15">
+                <a:extLst>
+                  <a:ext uri="{FF2B5EF4-FFF2-40B4-BE49-F238E27FC236}">
+                    <a16:creationId xmlns:a16="http://schemas.microsoft.com/office/drawing/2014/main" id="{EE487330-FD21-8494-4664-6474D2E6F8F9}"/>
+                  </a:ext>
+                </a:extLst>
+              </p:cNvPr>
+              <p:cNvSpPr txBox="1"/>
+              <p:nvPr/>
+            </p:nvSpPr>
+            <p:spPr>
+              <a:xfrm>
+                <a:off x="5267986" y="5838565"/>
+                <a:ext cx="2462213" cy="648126"/>
+              </a:xfrm>
+              <a:prstGeom prst="rect">
+                <a:avLst/>
+              </a:prstGeom>
+              <a:solidFill>
+                <a:schemeClr val="bg1">
+                  <a:alpha val="50000"/>
+                </a:schemeClr>
+              </a:solidFill>
+            </p:spPr>
+            <p:txBody>
+              <a:bodyPr wrap="none" rtlCol="0">
+                <a:spAutoFit/>
+              </a:bodyPr>
+              <a:lstStyle/>
+              <a:p>
+                <a:pPr/>
+                <a14:m>
+                  <m:oMathPara xmlns:m="http://schemas.openxmlformats.org/officeDocument/2006/math">
+                    <m:oMathParaPr>
+                      <m:jc m:val="centerGroup"/>
+                    </m:oMathParaPr>
+                    <m:oMath xmlns:m="http://schemas.openxmlformats.org/officeDocument/2006/math">
+                      <m:f>
+                        <m:fPr>
+                          <m:ctrlPr>
+                            <a:rPr lang="en-US" b="0" i="1" smtClean="0">
+                              <a:solidFill>
+                                <a:srgbClr val="C00000"/>
+                              </a:solidFill>
+                              <a:latin typeface="Cambria Math" panose="02040503050406030204" pitchFamily="18" charset="0"/>
+                            </a:rPr>
+                          </m:ctrlPr>
+                        </m:fPr>
+                        <m:num>
+                          <m:r>
+                            <a:rPr lang="en-US" b="0" i="1" smtClean="0">
+                              <a:solidFill>
+                                <a:srgbClr val="C00000"/>
+                              </a:solidFill>
+                              <a:latin typeface="Cambria Math" panose="02040503050406030204" pitchFamily="18" charset="0"/>
+                            </a:rPr>
+                            <m:t>𝜕</m:t>
+                          </m:r>
+                          <m:r>
+                            <a:rPr lang="en-US" b="0" i="1" smtClean="0">
+                              <a:solidFill>
+                                <a:srgbClr val="C00000"/>
+                              </a:solidFill>
+                              <a:latin typeface="Cambria Math" panose="02040503050406030204" pitchFamily="18" charset="0"/>
+                            </a:rPr>
+                            <m:t>𝑦</m:t>
+                          </m:r>
+                        </m:num>
+                        <m:den>
+                          <m:r>
+                            <a:rPr lang="en-US" b="0" i="1" smtClean="0">
+                              <a:solidFill>
+                                <a:srgbClr val="C00000"/>
+                              </a:solidFill>
+                              <a:latin typeface="Cambria Math" panose="02040503050406030204" pitchFamily="18" charset="0"/>
+                            </a:rPr>
+                            <m:t>𝜕</m:t>
+                          </m:r>
+                          <m:sSup>
+                            <m:sSupPr>
+                              <m:ctrlPr>
+                                <a:rPr lang="en-US" b="0" i="1" smtClean="0">
+                                  <a:solidFill>
+                                    <a:srgbClr val="C00000"/>
+                                  </a:solidFill>
+                                  <a:latin typeface="Cambria Math" panose="02040503050406030204" pitchFamily="18" charset="0"/>
+                                </a:rPr>
+                              </m:ctrlPr>
+                            </m:sSupPr>
+                            <m:e>
+                              <m:r>
+                                <a:rPr lang="en-US" b="0" i="1" smtClean="0">
+                                  <a:solidFill>
+                                    <a:srgbClr val="C00000"/>
+                                  </a:solidFill>
+                                  <a:latin typeface="Cambria Math" panose="02040503050406030204" pitchFamily="18" charset="0"/>
+                                </a:rPr>
+                                <m:t>𝑙</m:t>
+                              </m:r>
+                            </m:e>
+                            <m:sup>
+                              <m:r>
+                                <a:rPr lang="en-US" b="0" i="1" smtClean="0">
+                                  <a:solidFill>
+                                    <a:srgbClr val="C00000"/>
+                                  </a:solidFill>
+                                  <a:latin typeface="Cambria Math" panose="02040503050406030204" pitchFamily="18" charset="0"/>
+                                </a:rPr>
+                                <m:t>3</m:t>
+                              </m:r>
+                            </m:sup>
+                          </m:sSup>
+                        </m:den>
+                      </m:f>
+                      <m:r>
+                        <a:rPr lang="en-US" b="0" i="1" smtClean="0">
+                          <a:solidFill>
+                            <a:srgbClr val="C00000"/>
+                          </a:solidFill>
+                          <a:latin typeface="Cambria Math" panose="02040503050406030204" pitchFamily="18" charset="0"/>
+                        </a:rPr>
+                        <m:t>=</m:t>
+                      </m:r>
+                      <m:r>
+                        <a:rPr lang="en-US" b="0" i="1" smtClean="0">
+                          <a:solidFill>
+                            <a:srgbClr val="C00000"/>
+                          </a:solidFill>
+                          <a:latin typeface="Cambria Math" panose="02040503050406030204" pitchFamily="18" charset="0"/>
+                        </a:rPr>
+                        <m:t>𝜎</m:t>
+                      </m:r>
+                      <m:r>
+                        <a:rPr lang="en-US" b="0" i="1" smtClean="0">
+                          <a:solidFill>
+                            <a:srgbClr val="C00000"/>
+                          </a:solidFill>
+                          <a:latin typeface="Cambria Math" panose="02040503050406030204" pitchFamily="18" charset="0"/>
+                        </a:rPr>
+                        <m:t>′</m:t>
+                      </m:r>
+                      <m:f>
+                        <m:fPr>
+                          <m:ctrlPr>
+                            <a:rPr lang="en-US" b="0" i="1" smtClean="0">
+                              <a:solidFill>
+                                <a:srgbClr val="C00000"/>
+                              </a:solidFill>
+                              <a:latin typeface="Cambria Math" panose="02040503050406030204" pitchFamily="18" charset="0"/>
+                            </a:rPr>
+                          </m:ctrlPr>
+                        </m:fPr>
+                        <m:num>
+                          <m:r>
+                            <a:rPr lang="en-US" b="0" i="1" smtClean="0">
+                              <a:solidFill>
+                                <a:srgbClr val="C00000"/>
+                              </a:solidFill>
+                              <a:latin typeface="Cambria Math" panose="02040503050406030204" pitchFamily="18" charset="0"/>
+                            </a:rPr>
+                            <m:t>𝜕</m:t>
+                          </m:r>
+                          <m:r>
+                            <a:rPr lang="en-US" b="0" i="1" smtClean="0">
+                              <a:solidFill>
+                                <a:srgbClr val="C00000"/>
+                              </a:solidFill>
+                              <a:latin typeface="Cambria Math" panose="02040503050406030204" pitchFamily="18" charset="0"/>
+                            </a:rPr>
+                            <m:t>(</m:t>
+                          </m:r>
+                          <m:sSup>
+                            <m:sSupPr>
+                              <m:ctrlPr>
+                                <a:rPr lang="en-US" b="0" i="1" smtClean="0">
+                                  <a:solidFill>
+                                    <a:srgbClr val="C00000"/>
+                                  </a:solidFill>
+                                  <a:latin typeface="Cambria Math" panose="02040503050406030204" pitchFamily="18" charset="0"/>
+                                </a:rPr>
+                              </m:ctrlPr>
+                            </m:sSupPr>
+                            <m:e>
+                              <m:r>
+                                <a:rPr lang="en-US" b="0" i="1" smtClean="0">
+                                  <a:solidFill>
+                                    <a:srgbClr val="C00000"/>
+                                  </a:solidFill>
+                                  <a:latin typeface="Cambria Math" panose="02040503050406030204" pitchFamily="18" charset="0"/>
+                                </a:rPr>
+                                <m:t>𝑊</m:t>
+                              </m:r>
+                            </m:e>
+                            <m:sup>
+                              <m:r>
+                                <a:rPr lang="en-US" b="0" i="1" smtClean="0">
+                                  <a:solidFill>
+                                    <a:srgbClr val="C00000"/>
+                                  </a:solidFill>
+                                  <a:latin typeface="Cambria Math" panose="02040503050406030204" pitchFamily="18" charset="0"/>
+                                </a:rPr>
+                                <m:t>4</m:t>
+                              </m:r>
+                            </m:sup>
+                          </m:sSup>
+                          <m:sSup>
+                            <m:sSupPr>
+                              <m:ctrlPr>
+                                <a:rPr lang="en-US" b="0" i="1" smtClean="0">
+                                  <a:solidFill>
+                                    <a:srgbClr val="C00000"/>
+                                  </a:solidFill>
+                                  <a:latin typeface="Cambria Math" panose="02040503050406030204" pitchFamily="18" charset="0"/>
+                                </a:rPr>
+                              </m:ctrlPr>
+                            </m:sSupPr>
+                            <m:e>
+                              <m:r>
+                                <a:rPr lang="en-US" b="0" i="1" smtClean="0">
+                                  <a:solidFill>
+                                    <a:srgbClr val="C00000"/>
+                                  </a:solidFill>
+                                  <a:latin typeface="Cambria Math" panose="02040503050406030204" pitchFamily="18" charset="0"/>
+                                </a:rPr>
+                                <m:t>𝑙</m:t>
+                              </m:r>
+                            </m:e>
+                            <m:sup>
+                              <m:r>
+                                <a:rPr lang="en-US" b="0" i="1" smtClean="0">
+                                  <a:solidFill>
+                                    <a:srgbClr val="C00000"/>
+                                  </a:solidFill>
+                                  <a:latin typeface="Cambria Math" panose="02040503050406030204" pitchFamily="18" charset="0"/>
+                                </a:rPr>
+                                <m:t>3</m:t>
+                              </m:r>
+                            </m:sup>
+                          </m:sSup>
+                          <m:r>
+                            <a:rPr lang="en-US" b="0" i="1" smtClean="0">
+                              <a:solidFill>
+                                <a:srgbClr val="C00000"/>
+                              </a:solidFill>
+                              <a:latin typeface="Cambria Math" panose="02040503050406030204" pitchFamily="18" charset="0"/>
+                            </a:rPr>
+                            <m:t>+</m:t>
+                          </m:r>
+                          <m:sSup>
+                            <m:sSupPr>
+                              <m:ctrlPr>
+                                <a:rPr lang="en-US" b="0" i="1" smtClean="0">
+                                  <a:solidFill>
+                                    <a:srgbClr val="C00000"/>
+                                  </a:solidFill>
+                                  <a:latin typeface="Cambria Math" panose="02040503050406030204" pitchFamily="18" charset="0"/>
+                                </a:rPr>
+                              </m:ctrlPr>
+                            </m:sSupPr>
+                            <m:e>
+                              <m:r>
+                                <a:rPr lang="en-US" b="0" i="1" smtClean="0">
+                                  <a:solidFill>
+                                    <a:srgbClr val="C00000"/>
+                                  </a:solidFill>
+                                  <a:latin typeface="Cambria Math" panose="02040503050406030204" pitchFamily="18" charset="0"/>
+                                </a:rPr>
+                                <m:t>𝑏</m:t>
+                              </m:r>
+                            </m:e>
+                            <m:sup>
+                              <m:r>
+                                <a:rPr lang="en-US" b="0" i="1" smtClean="0">
+                                  <a:solidFill>
+                                    <a:srgbClr val="C00000"/>
+                                  </a:solidFill>
+                                  <a:latin typeface="Cambria Math" panose="02040503050406030204" pitchFamily="18" charset="0"/>
+                                </a:rPr>
+                                <m:t>4</m:t>
+                              </m:r>
+                            </m:sup>
+                          </m:sSup>
+                          <m:r>
+                            <a:rPr lang="en-US" b="0" i="1" smtClean="0">
+                              <a:solidFill>
+                                <a:srgbClr val="C00000"/>
+                              </a:solidFill>
+                              <a:latin typeface="Cambria Math" panose="02040503050406030204" pitchFamily="18" charset="0"/>
+                            </a:rPr>
+                            <m:t>)</m:t>
+                          </m:r>
+                        </m:num>
+                        <m:den>
+                          <m:r>
+                            <a:rPr lang="en-US" b="0" i="1" smtClean="0">
+                              <a:solidFill>
+                                <a:srgbClr val="C00000"/>
+                              </a:solidFill>
+                              <a:latin typeface="Cambria Math" panose="02040503050406030204" pitchFamily="18" charset="0"/>
+                            </a:rPr>
+                            <m:t>𝜕</m:t>
+                          </m:r>
+                          <m:sSup>
+                            <m:sSupPr>
+                              <m:ctrlPr>
+                                <a:rPr lang="en-US" b="0" i="1" smtClean="0">
+                                  <a:solidFill>
+                                    <a:srgbClr val="C00000"/>
+                                  </a:solidFill>
+                                  <a:latin typeface="Cambria Math" panose="02040503050406030204" pitchFamily="18" charset="0"/>
+                                </a:rPr>
+                              </m:ctrlPr>
+                            </m:sSupPr>
+                            <m:e>
+                              <m:r>
+                                <a:rPr lang="en-US" b="0" i="1" smtClean="0">
+                                  <a:solidFill>
+                                    <a:srgbClr val="C00000"/>
+                                  </a:solidFill>
+                                  <a:latin typeface="Cambria Math" panose="02040503050406030204" pitchFamily="18" charset="0"/>
+                                </a:rPr>
+                                <m:t>𝑙</m:t>
+                              </m:r>
+                            </m:e>
+                            <m:sup>
+                              <m:r>
+                                <a:rPr lang="en-US" b="0" i="1" smtClean="0">
+                                  <a:solidFill>
+                                    <a:srgbClr val="C00000"/>
+                                  </a:solidFill>
+                                  <a:latin typeface="Cambria Math" panose="02040503050406030204" pitchFamily="18" charset="0"/>
+                                </a:rPr>
+                                <m:t>3</m:t>
+                              </m:r>
+                            </m:sup>
+                          </m:sSup>
+                        </m:den>
+                      </m:f>
+                    </m:oMath>
+                  </m:oMathPara>
+                </a14:m>
+                <a:endParaRPr lang="en-US" b="1" dirty="0">
+                  <a:solidFill>
+                    <a:srgbClr val="C00000"/>
+                  </a:solidFill>
+                </a:endParaRPr>
+              </a:p>
+            </p:txBody>
+          </p:sp>
+        </mc:Choice>
+        <mc:Fallback xmlns="">
+          <p:sp>
+            <p:nvSpPr>
+              <p:cNvPr id="16" name="TextBox 15">
+                <a:extLst>
+                  <a:ext uri="{FF2B5EF4-FFF2-40B4-BE49-F238E27FC236}">
+                    <a16:creationId xmlns:a16="http://schemas.microsoft.com/office/drawing/2014/main" id="{EE487330-FD21-8494-4664-6474D2E6F8F9}"/>
+                  </a:ext>
+                </a:extLst>
+              </p:cNvPr>
+              <p:cNvSpPr txBox="1">
+                <a:spLocks noRot="1" noChangeAspect="1" noMove="1" noResize="1" noEditPoints="1" noAdjustHandles="1" noChangeArrowheads="1" noChangeShapeType="1" noTextEdit="1"/>
+              </p:cNvSpPr>
+              <p:nvPr/>
+            </p:nvSpPr>
+            <p:spPr>
+              <a:xfrm>
+                <a:off x="5267986" y="5838565"/>
+                <a:ext cx="2462213" cy="648126"/>
+              </a:xfrm>
+              <a:prstGeom prst="rect">
+                <a:avLst/>
+              </a:prstGeom>
+              <a:blipFill>
+                <a:blip r:embed="rId22"/>
+                <a:stretch>
+                  <a:fillRect/>
+                </a:stretch>
+              </a:blipFill>
+            </p:spPr>
+            <p:txBody>
+              <a:bodyPr/>
+              <a:lstStyle/>
+              <a:p>
+                <a:r>
+                  <a:rPr lang="fr-FR">
+                    <a:noFill/>
+                  </a:rPr>
+                  <a:t> </a:t>
+                </a:r>
+              </a:p>
+            </p:txBody>
+          </p:sp>
+        </mc:Fallback>
+      </mc:AlternateContent>
+      <mc:AlternateContent xmlns:mc="http://schemas.openxmlformats.org/markup-compatibility/2006" xmlns:a14="http://schemas.microsoft.com/office/drawing/2010/main">
+        <mc:Choice Requires="a14">
+          <p:sp>
+            <p:nvSpPr>
+              <p:cNvPr id="17" name="TextBox 16">
+                <a:extLst>
+                  <a:ext uri="{FF2B5EF4-FFF2-40B4-BE49-F238E27FC236}">
+                    <a16:creationId xmlns:a16="http://schemas.microsoft.com/office/drawing/2014/main" id="{FECF01F2-01DD-3604-9865-45EEDC433CE6}"/>
+                  </a:ext>
+                </a:extLst>
+              </p:cNvPr>
+              <p:cNvSpPr txBox="1"/>
+              <p:nvPr/>
+            </p:nvSpPr>
+            <p:spPr>
+              <a:xfrm>
+                <a:off x="7828125" y="5058389"/>
+                <a:ext cx="1790362" cy="666336"/>
+              </a:xfrm>
+              <a:prstGeom prst="rect">
+                <a:avLst/>
+              </a:prstGeom>
+              <a:solidFill>
+                <a:schemeClr val="bg1">
+                  <a:alpha val="50000"/>
+                </a:schemeClr>
+              </a:solidFill>
+            </p:spPr>
+            <p:txBody>
+              <a:bodyPr wrap="none" rtlCol="0">
+                <a:spAutoFit/>
+              </a:bodyPr>
+              <a:lstStyle/>
+              <a:p>
+                <a:pPr/>
+                <a14:m>
+                  <m:oMathPara xmlns:m="http://schemas.openxmlformats.org/officeDocument/2006/math">
+                    <m:oMathParaPr>
+                      <m:jc m:val="centerGroup"/>
+                    </m:oMathParaPr>
+                    <m:oMath xmlns:m="http://schemas.openxmlformats.org/officeDocument/2006/math">
+                      <m:f>
+                        <m:fPr>
+                          <m:ctrlPr>
+                            <a:rPr lang="en-US" b="0" i="1" smtClean="0">
+                              <a:solidFill>
+                                <a:srgbClr val="C00000"/>
+                              </a:solidFill>
+                              <a:latin typeface="Cambria Math" panose="02040503050406030204" pitchFamily="18" charset="0"/>
+                            </a:rPr>
+                          </m:ctrlPr>
+                        </m:fPr>
+                        <m:num>
+                          <m:r>
+                            <a:rPr lang="en-US" b="0" i="1" smtClean="0">
+                              <a:solidFill>
+                                <a:srgbClr val="C00000"/>
+                              </a:solidFill>
+                              <a:latin typeface="Cambria Math" panose="02040503050406030204" pitchFamily="18" charset="0"/>
+                            </a:rPr>
+                            <m:t>𝜕</m:t>
+                          </m:r>
+                          <m:r>
+                            <a:rPr lang="en-US" b="0" i="1" smtClean="0">
+                              <a:solidFill>
+                                <a:srgbClr val="C00000"/>
+                              </a:solidFill>
+                              <a:latin typeface="Cambria Math" panose="02040503050406030204" pitchFamily="18" charset="0"/>
+                            </a:rPr>
+                            <m:t>𝑒</m:t>
+                          </m:r>
+                        </m:num>
+                        <m:den>
+                          <m:r>
+                            <a:rPr lang="en-US" b="0" i="1" smtClean="0">
+                              <a:solidFill>
+                                <a:srgbClr val="C00000"/>
+                              </a:solidFill>
+                              <a:latin typeface="Cambria Math" panose="02040503050406030204" pitchFamily="18" charset="0"/>
+                            </a:rPr>
+                            <m:t>𝜕</m:t>
+                          </m:r>
+                          <m:sSup>
+                            <m:sSupPr>
+                              <m:ctrlPr>
+                                <a:rPr lang="en-US" b="0" i="1" smtClean="0">
+                                  <a:solidFill>
+                                    <a:srgbClr val="C00000"/>
+                                  </a:solidFill>
+                                  <a:latin typeface="Cambria Math" panose="02040503050406030204" pitchFamily="18" charset="0"/>
+                                </a:rPr>
+                              </m:ctrlPr>
+                            </m:sSupPr>
+                            <m:e>
+                              <m:r>
+                                <a:rPr lang="en-US" b="0" i="1" smtClean="0">
+                                  <a:solidFill>
+                                    <a:srgbClr val="C00000"/>
+                                  </a:solidFill>
+                                  <a:latin typeface="Cambria Math" panose="02040503050406030204" pitchFamily="18" charset="0"/>
+                                </a:rPr>
+                                <m:t>𝑊</m:t>
+                              </m:r>
+                            </m:e>
+                            <m:sup>
+                              <m:r>
+                                <a:rPr lang="en-US" b="0" i="1" smtClean="0">
+                                  <a:solidFill>
+                                    <a:srgbClr val="C00000"/>
+                                  </a:solidFill>
+                                  <a:latin typeface="Cambria Math" panose="02040503050406030204" pitchFamily="18" charset="0"/>
+                                </a:rPr>
+                                <m:t>4</m:t>
+                              </m:r>
+                            </m:sup>
+                          </m:sSup>
+                        </m:den>
+                      </m:f>
+                      <m:r>
+                        <a:rPr lang="en-US" b="0" i="1" smtClean="0">
+                          <a:solidFill>
+                            <a:srgbClr val="C00000"/>
+                          </a:solidFill>
+                          <a:latin typeface="Cambria Math" panose="02040503050406030204" pitchFamily="18" charset="0"/>
+                        </a:rPr>
+                        <m:t>=</m:t>
+                      </m:r>
+                      <m:f>
+                        <m:fPr>
+                          <m:ctrlPr>
+                            <a:rPr lang="en-US" b="0" i="1" smtClean="0">
+                              <a:solidFill>
+                                <a:srgbClr val="C00000"/>
+                              </a:solidFill>
+                              <a:latin typeface="Cambria Math" panose="02040503050406030204" pitchFamily="18" charset="0"/>
+                            </a:rPr>
+                          </m:ctrlPr>
+                        </m:fPr>
+                        <m:num>
+                          <m:r>
+                            <a:rPr lang="en-US" b="0" i="1" smtClean="0">
+                              <a:solidFill>
+                                <a:srgbClr val="C00000"/>
+                              </a:solidFill>
+                              <a:latin typeface="Cambria Math" panose="02040503050406030204" pitchFamily="18" charset="0"/>
+                            </a:rPr>
+                            <m:t>𝜕</m:t>
+                          </m:r>
+                          <m:r>
+                            <a:rPr lang="en-US" b="0" i="1" smtClean="0">
+                              <a:solidFill>
+                                <a:srgbClr val="C00000"/>
+                              </a:solidFill>
+                              <a:latin typeface="Cambria Math" panose="02040503050406030204" pitchFamily="18" charset="0"/>
+                            </a:rPr>
+                            <m:t>𝑒</m:t>
+                          </m:r>
+                        </m:num>
+                        <m:den>
+                          <m:r>
+                            <a:rPr lang="en-US" b="0" i="1" smtClean="0">
+                              <a:solidFill>
+                                <a:srgbClr val="C00000"/>
+                              </a:solidFill>
+                              <a:latin typeface="Cambria Math" panose="02040503050406030204" pitchFamily="18" charset="0"/>
+                            </a:rPr>
+                            <m:t>𝜕</m:t>
+                          </m:r>
+                          <m:r>
+                            <a:rPr lang="en-US" b="0" i="1" smtClean="0">
+                              <a:solidFill>
+                                <a:srgbClr val="C00000"/>
+                              </a:solidFill>
+                              <a:latin typeface="Cambria Math" panose="02040503050406030204" pitchFamily="18" charset="0"/>
+                            </a:rPr>
+                            <m:t>𝑦</m:t>
+                          </m:r>
+                        </m:den>
+                      </m:f>
+                      <m:f>
+                        <m:fPr>
+                          <m:ctrlPr>
+                            <a:rPr lang="en-US" b="0" i="1" smtClean="0">
+                              <a:solidFill>
+                                <a:srgbClr val="C00000"/>
+                              </a:solidFill>
+                              <a:latin typeface="Cambria Math" panose="02040503050406030204" pitchFamily="18" charset="0"/>
+                            </a:rPr>
+                          </m:ctrlPr>
+                        </m:fPr>
+                        <m:num>
+                          <m:r>
+                            <a:rPr lang="en-US" b="0" i="1" smtClean="0">
+                              <a:solidFill>
+                                <a:srgbClr val="C00000"/>
+                              </a:solidFill>
+                              <a:latin typeface="Cambria Math" panose="02040503050406030204" pitchFamily="18" charset="0"/>
+                            </a:rPr>
+                            <m:t>𝜕</m:t>
+                          </m:r>
+                          <m:r>
+                            <a:rPr lang="en-US" b="0" i="1" smtClean="0">
+                              <a:solidFill>
+                                <a:srgbClr val="C00000"/>
+                              </a:solidFill>
+                              <a:latin typeface="Cambria Math" panose="02040503050406030204" pitchFamily="18" charset="0"/>
+                            </a:rPr>
+                            <m:t>𝑦</m:t>
+                          </m:r>
+                        </m:num>
+                        <m:den>
+                          <m:r>
+                            <a:rPr lang="en-US" b="0" i="1" smtClean="0">
+                              <a:solidFill>
+                                <a:srgbClr val="C00000"/>
+                              </a:solidFill>
+                              <a:latin typeface="Cambria Math" panose="02040503050406030204" pitchFamily="18" charset="0"/>
+                            </a:rPr>
+                            <m:t>𝜕</m:t>
+                          </m:r>
+                          <m:sSup>
+                            <m:sSupPr>
+                              <m:ctrlPr>
+                                <a:rPr lang="en-US" b="0" i="1" smtClean="0">
+                                  <a:solidFill>
+                                    <a:srgbClr val="C00000"/>
+                                  </a:solidFill>
+                                  <a:latin typeface="Cambria Math" panose="02040503050406030204" pitchFamily="18" charset="0"/>
+                                </a:rPr>
+                              </m:ctrlPr>
+                            </m:sSupPr>
+                            <m:e>
+                              <m:r>
+                                <a:rPr lang="en-US" b="0" i="1" smtClean="0">
+                                  <a:solidFill>
+                                    <a:srgbClr val="C00000"/>
+                                  </a:solidFill>
+                                  <a:latin typeface="Cambria Math" panose="02040503050406030204" pitchFamily="18" charset="0"/>
+                                </a:rPr>
+                                <m:t>𝑊</m:t>
+                              </m:r>
+                            </m:e>
+                            <m:sup>
+                              <m:r>
+                                <a:rPr lang="en-US" b="0" i="1" smtClean="0">
+                                  <a:solidFill>
+                                    <a:srgbClr val="C00000"/>
+                                  </a:solidFill>
+                                  <a:latin typeface="Cambria Math" panose="02040503050406030204" pitchFamily="18" charset="0"/>
+                                </a:rPr>
+                                <m:t>4</m:t>
+                              </m:r>
+                            </m:sup>
+                          </m:sSup>
+                        </m:den>
+                      </m:f>
+                    </m:oMath>
+                  </m:oMathPara>
+                </a14:m>
+                <a:endParaRPr lang="en-US" b="1" dirty="0">
+                  <a:solidFill>
+                    <a:srgbClr val="C00000"/>
+                  </a:solidFill>
+                </a:endParaRPr>
+              </a:p>
+            </p:txBody>
+          </p:sp>
+        </mc:Choice>
+        <mc:Fallback xmlns="">
+          <p:sp>
+            <p:nvSpPr>
+              <p:cNvPr id="17" name="TextBox 16">
+                <a:extLst>
+                  <a:ext uri="{FF2B5EF4-FFF2-40B4-BE49-F238E27FC236}">
+                    <a16:creationId xmlns:a16="http://schemas.microsoft.com/office/drawing/2014/main" id="{FECF01F2-01DD-3604-9865-45EEDC433CE6}"/>
+                  </a:ext>
+                </a:extLst>
+              </p:cNvPr>
+              <p:cNvSpPr txBox="1">
+                <a:spLocks noRot="1" noChangeAspect="1" noMove="1" noResize="1" noEditPoints="1" noAdjustHandles="1" noChangeArrowheads="1" noChangeShapeType="1" noTextEdit="1"/>
+              </p:cNvSpPr>
+              <p:nvPr/>
+            </p:nvSpPr>
+            <p:spPr>
+              <a:xfrm>
+                <a:off x="7828125" y="5058389"/>
+                <a:ext cx="1790362" cy="666336"/>
+              </a:xfrm>
+              <a:prstGeom prst="rect">
+                <a:avLst/>
+              </a:prstGeom>
+              <a:blipFill>
+                <a:blip r:embed="rId23"/>
+                <a:stretch>
+                  <a:fillRect/>
+                </a:stretch>
+              </a:blipFill>
+            </p:spPr>
+            <p:txBody>
+              <a:bodyPr/>
+              <a:lstStyle/>
+              <a:p>
+                <a:r>
+                  <a:rPr lang="fr-FR">
+                    <a:noFill/>
+                  </a:rPr>
+                  <a:t> </a:t>
+                </a:r>
+              </a:p>
+            </p:txBody>
+          </p:sp>
+        </mc:Fallback>
+      </mc:AlternateContent>
+      <mc:AlternateContent xmlns:mc="http://schemas.openxmlformats.org/markup-compatibility/2006" xmlns:a14="http://schemas.microsoft.com/office/drawing/2010/main">
+        <mc:Choice Requires="a14">
+          <p:sp>
+            <p:nvSpPr>
+              <p:cNvPr id="18" name="TextBox 17">
+                <a:extLst>
+                  <a:ext uri="{FF2B5EF4-FFF2-40B4-BE49-F238E27FC236}">
+                    <a16:creationId xmlns:a16="http://schemas.microsoft.com/office/drawing/2014/main" id="{40EC3574-BAAE-29CA-0116-117B0A36EF38}"/>
+                  </a:ext>
+                </a:extLst>
+              </p:cNvPr>
+              <p:cNvSpPr txBox="1"/>
+              <p:nvPr/>
+            </p:nvSpPr>
+            <p:spPr>
+              <a:xfrm>
+                <a:off x="10640784" y="5772209"/>
+                <a:ext cx="1106650" cy="619016"/>
+              </a:xfrm>
+              <a:prstGeom prst="rect">
+                <a:avLst/>
+              </a:prstGeom>
+              <a:solidFill>
+                <a:schemeClr val="bg1">
+                  <a:alpha val="50000"/>
+                </a:schemeClr>
+              </a:solidFill>
+            </p:spPr>
+            <p:txBody>
+              <a:bodyPr wrap="none" rtlCol="0">
+                <a:spAutoFit/>
+              </a:bodyPr>
+              <a:lstStyle/>
+              <a:p>
+                <a:pPr/>
+                <a14:m>
+                  <m:oMathPara xmlns:m="http://schemas.openxmlformats.org/officeDocument/2006/math">
+                    <m:oMathParaPr>
+                      <m:jc m:val="centerGroup"/>
+                    </m:oMathParaPr>
+                    <m:oMath xmlns:m="http://schemas.openxmlformats.org/officeDocument/2006/math">
+                      <m:f>
+                        <m:fPr>
+                          <m:ctrlPr>
+                            <a:rPr lang="en-US" b="0" i="1" smtClean="0">
+                              <a:solidFill>
+                                <a:srgbClr val="C00000"/>
+                              </a:solidFill>
+                              <a:latin typeface="Cambria Math" panose="02040503050406030204" pitchFamily="18" charset="0"/>
+                            </a:rPr>
+                          </m:ctrlPr>
+                        </m:fPr>
+                        <m:num>
+                          <m:r>
+                            <a:rPr lang="en-US" b="0" i="1" smtClean="0">
+                              <a:solidFill>
+                                <a:srgbClr val="C00000"/>
+                              </a:solidFill>
+                              <a:latin typeface="Cambria Math" panose="02040503050406030204" pitchFamily="18" charset="0"/>
+                            </a:rPr>
+                            <m:t>𝜕</m:t>
+                          </m:r>
+                          <m:r>
+                            <a:rPr lang="en-US" b="0" i="1" smtClean="0">
+                              <a:solidFill>
+                                <a:srgbClr val="C00000"/>
+                              </a:solidFill>
+                              <a:latin typeface="Cambria Math" panose="02040503050406030204" pitchFamily="18" charset="0"/>
+                            </a:rPr>
+                            <m:t>𝑦</m:t>
+                          </m:r>
+                        </m:num>
+                        <m:den>
+                          <m:r>
+                            <a:rPr lang="en-US" b="0" i="1" smtClean="0">
+                              <a:solidFill>
+                                <a:srgbClr val="C00000"/>
+                              </a:solidFill>
+                              <a:latin typeface="Cambria Math" panose="02040503050406030204" pitchFamily="18" charset="0"/>
+                            </a:rPr>
+                            <m:t>𝜕</m:t>
+                          </m:r>
+                          <m:sSup>
+                            <m:sSupPr>
+                              <m:ctrlPr>
+                                <a:rPr lang="en-US" b="0" i="1" smtClean="0">
+                                  <a:solidFill>
+                                    <a:srgbClr val="C00000"/>
+                                  </a:solidFill>
+                                  <a:latin typeface="Cambria Math" panose="02040503050406030204" pitchFamily="18" charset="0"/>
+                                </a:rPr>
+                              </m:ctrlPr>
+                            </m:sSupPr>
+                            <m:e>
+                              <m:r>
+                                <a:rPr lang="en-US" b="0" i="1" smtClean="0">
+                                  <a:solidFill>
+                                    <a:srgbClr val="C00000"/>
+                                  </a:solidFill>
+                                  <a:latin typeface="Cambria Math" panose="02040503050406030204" pitchFamily="18" charset="0"/>
+                                </a:rPr>
+                                <m:t>𝑏</m:t>
+                              </m:r>
+                            </m:e>
+                            <m:sup>
+                              <m:r>
+                                <a:rPr lang="en-US" b="0" i="1" smtClean="0">
+                                  <a:solidFill>
+                                    <a:srgbClr val="C00000"/>
+                                  </a:solidFill>
+                                  <a:latin typeface="Cambria Math" panose="02040503050406030204" pitchFamily="18" charset="0"/>
+                                </a:rPr>
+                                <m:t>4</m:t>
+                              </m:r>
+                            </m:sup>
+                          </m:sSup>
+                        </m:den>
+                      </m:f>
+                      <m:r>
+                        <a:rPr lang="en-US" b="0" i="1" smtClean="0">
+                          <a:solidFill>
+                            <a:srgbClr val="C00000"/>
+                          </a:solidFill>
+                          <a:latin typeface="Cambria Math" panose="02040503050406030204" pitchFamily="18" charset="0"/>
+                        </a:rPr>
+                        <m:t>=</m:t>
+                      </m:r>
+                      <m:r>
+                        <a:rPr lang="en-US" b="0" i="1" smtClean="0">
+                          <a:solidFill>
+                            <a:srgbClr val="C00000"/>
+                          </a:solidFill>
+                          <a:latin typeface="Cambria Math" panose="02040503050406030204" pitchFamily="18" charset="0"/>
+                        </a:rPr>
+                        <m:t>𝜎</m:t>
+                      </m:r>
+                      <m:r>
+                        <a:rPr lang="en-US" b="0" i="1" smtClean="0">
+                          <a:solidFill>
+                            <a:srgbClr val="C00000"/>
+                          </a:solidFill>
+                          <a:latin typeface="Cambria Math" panose="02040503050406030204" pitchFamily="18" charset="0"/>
+                        </a:rPr>
+                        <m:t>′</m:t>
+                      </m:r>
+                    </m:oMath>
+                  </m:oMathPara>
+                </a14:m>
+                <a:endParaRPr lang="en-US" b="1" dirty="0">
+                  <a:solidFill>
+                    <a:srgbClr val="C00000"/>
+                  </a:solidFill>
+                </a:endParaRPr>
+              </a:p>
+            </p:txBody>
+          </p:sp>
+        </mc:Choice>
+        <mc:Fallback xmlns="">
+          <p:sp>
+            <p:nvSpPr>
+              <p:cNvPr id="18" name="TextBox 17">
+                <a:extLst>
+                  <a:ext uri="{FF2B5EF4-FFF2-40B4-BE49-F238E27FC236}">
+                    <a16:creationId xmlns:a16="http://schemas.microsoft.com/office/drawing/2014/main" id="{40EC3574-BAAE-29CA-0116-117B0A36EF38}"/>
+                  </a:ext>
+                </a:extLst>
+              </p:cNvPr>
+              <p:cNvSpPr txBox="1">
+                <a:spLocks noRot="1" noChangeAspect="1" noMove="1" noResize="1" noEditPoints="1" noAdjustHandles="1" noChangeArrowheads="1" noChangeShapeType="1" noTextEdit="1"/>
+              </p:cNvSpPr>
+              <p:nvPr/>
+            </p:nvSpPr>
+            <p:spPr>
+              <a:xfrm>
+                <a:off x="10640784" y="5772209"/>
+                <a:ext cx="1106650" cy="619016"/>
+              </a:xfrm>
+              <a:prstGeom prst="rect">
+                <a:avLst/>
+              </a:prstGeom>
+              <a:blipFill>
+                <a:blip r:embed="rId24"/>
+                <a:stretch>
+                  <a:fillRect/>
+                </a:stretch>
+              </a:blipFill>
+            </p:spPr>
+            <p:txBody>
+              <a:bodyPr/>
+              <a:lstStyle/>
+              <a:p>
+                <a:r>
+                  <a:rPr lang="en-US">
+                    <a:noFill/>
+                  </a:rPr>
+                  <a:t> </a:t>
+                </a:r>
+              </a:p>
+            </p:txBody>
+          </p:sp>
+        </mc:Fallback>
+      </mc:AlternateContent>
+      <mc:AlternateContent xmlns:mc="http://schemas.openxmlformats.org/markup-compatibility/2006" xmlns:a14="http://schemas.microsoft.com/office/drawing/2010/main">
+        <mc:Choice Requires="a14">
+          <p:sp>
+            <p:nvSpPr>
+              <p:cNvPr id="19" name="TextBox 18">
+                <a:extLst>
+                  <a:ext uri="{FF2B5EF4-FFF2-40B4-BE49-F238E27FC236}">
+                    <a16:creationId xmlns:a16="http://schemas.microsoft.com/office/drawing/2014/main" id="{0C739228-5FE1-4916-1BE9-E2678AA8B512}"/>
+                  </a:ext>
+                </a:extLst>
+              </p:cNvPr>
+              <p:cNvSpPr txBox="1"/>
+              <p:nvPr/>
+            </p:nvSpPr>
+            <p:spPr>
+              <a:xfrm>
+                <a:off x="7828125" y="5795783"/>
+                <a:ext cx="2616807" cy="648126"/>
+              </a:xfrm>
+              <a:prstGeom prst="rect">
+                <a:avLst/>
+              </a:prstGeom>
+              <a:solidFill>
+                <a:schemeClr val="bg1">
+                  <a:alpha val="50000"/>
+                </a:schemeClr>
+              </a:solidFill>
+            </p:spPr>
+            <p:txBody>
+              <a:bodyPr wrap="none" rtlCol="0">
+                <a:spAutoFit/>
+              </a:bodyPr>
+              <a:lstStyle/>
+              <a:p>
+                <a:pPr/>
+                <a14:m>
+                  <m:oMathPara xmlns:m="http://schemas.openxmlformats.org/officeDocument/2006/math">
+                    <m:oMathParaPr>
+                      <m:jc m:val="centerGroup"/>
+                    </m:oMathParaPr>
+                    <m:oMath xmlns:m="http://schemas.openxmlformats.org/officeDocument/2006/math">
+                      <m:f>
+                        <m:fPr>
+                          <m:ctrlPr>
+                            <a:rPr lang="en-US" b="0" i="1" smtClean="0">
+                              <a:solidFill>
+                                <a:srgbClr val="C00000"/>
+                              </a:solidFill>
+                              <a:latin typeface="Cambria Math" panose="02040503050406030204" pitchFamily="18" charset="0"/>
+                            </a:rPr>
+                          </m:ctrlPr>
+                        </m:fPr>
+                        <m:num>
+                          <m:r>
+                            <a:rPr lang="en-US" b="0" i="1" smtClean="0">
+                              <a:solidFill>
+                                <a:srgbClr val="C00000"/>
+                              </a:solidFill>
+                              <a:latin typeface="Cambria Math" panose="02040503050406030204" pitchFamily="18" charset="0"/>
+                            </a:rPr>
+                            <m:t>𝜕</m:t>
+                          </m:r>
+                          <m:r>
+                            <a:rPr lang="en-US" b="0" i="1" smtClean="0">
+                              <a:solidFill>
+                                <a:srgbClr val="C00000"/>
+                              </a:solidFill>
+                              <a:latin typeface="Cambria Math" panose="02040503050406030204" pitchFamily="18" charset="0"/>
+                            </a:rPr>
+                            <m:t>𝑦</m:t>
+                          </m:r>
+                        </m:num>
+                        <m:den>
+                          <m:r>
+                            <a:rPr lang="en-US" b="0" i="1" smtClean="0">
+                              <a:solidFill>
+                                <a:srgbClr val="C00000"/>
+                              </a:solidFill>
+                              <a:latin typeface="Cambria Math" panose="02040503050406030204" pitchFamily="18" charset="0"/>
+                            </a:rPr>
+                            <m:t>𝜕</m:t>
+                          </m:r>
+                          <m:sSup>
+                            <m:sSupPr>
+                              <m:ctrlPr>
+                                <a:rPr lang="en-US" b="0" i="1" smtClean="0">
+                                  <a:solidFill>
+                                    <a:srgbClr val="C00000"/>
+                                  </a:solidFill>
+                                  <a:latin typeface="Cambria Math" panose="02040503050406030204" pitchFamily="18" charset="0"/>
+                                </a:rPr>
+                              </m:ctrlPr>
+                            </m:sSupPr>
+                            <m:e>
+                              <m:r>
+                                <a:rPr lang="en-US" b="0" i="1" smtClean="0">
+                                  <a:solidFill>
+                                    <a:srgbClr val="C00000"/>
+                                  </a:solidFill>
+                                  <a:latin typeface="Cambria Math" panose="02040503050406030204" pitchFamily="18" charset="0"/>
+                                </a:rPr>
+                                <m:t>𝑊</m:t>
+                              </m:r>
+                            </m:e>
+                            <m:sup>
+                              <m:r>
+                                <a:rPr lang="en-US" b="0" i="1" smtClean="0">
+                                  <a:solidFill>
+                                    <a:srgbClr val="C00000"/>
+                                  </a:solidFill>
+                                  <a:latin typeface="Cambria Math" panose="02040503050406030204" pitchFamily="18" charset="0"/>
+                                </a:rPr>
+                                <m:t>4</m:t>
+                              </m:r>
+                            </m:sup>
+                          </m:sSup>
+                        </m:den>
+                      </m:f>
+                      <m:r>
+                        <a:rPr lang="en-US" b="0" i="1" smtClean="0">
+                          <a:solidFill>
+                            <a:srgbClr val="C00000"/>
+                          </a:solidFill>
+                          <a:latin typeface="Cambria Math" panose="02040503050406030204" pitchFamily="18" charset="0"/>
+                        </a:rPr>
+                        <m:t>=</m:t>
+                      </m:r>
+                      <m:r>
+                        <a:rPr lang="en-US" b="0" i="1" smtClean="0">
+                          <a:solidFill>
+                            <a:srgbClr val="C00000"/>
+                          </a:solidFill>
+                          <a:latin typeface="Cambria Math" panose="02040503050406030204" pitchFamily="18" charset="0"/>
+                        </a:rPr>
+                        <m:t>𝜎</m:t>
+                      </m:r>
+                      <m:r>
+                        <a:rPr lang="en-US" b="0" i="1" smtClean="0">
+                          <a:solidFill>
+                            <a:srgbClr val="C00000"/>
+                          </a:solidFill>
+                          <a:latin typeface="Cambria Math" panose="02040503050406030204" pitchFamily="18" charset="0"/>
+                        </a:rPr>
+                        <m:t>′</m:t>
+                      </m:r>
+                      <m:f>
+                        <m:fPr>
+                          <m:ctrlPr>
+                            <a:rPr lang="en-US" b="0" i="1" smtClean="0">
+                              <a:solidFill>
+                                <a:srgbClr val="C00000"/>
+                              </a:solidFill>
+                              <a:latin typeface="Cambria Math" panose="02040503050406030204" pitchFamily="18" charset="0"/>
+                            </a:rPr>
+                          </m:ctrlPr>
+                        </m:fPr>
+                        <m:num>
+                          <m:r>
+                            <a:rPr lang="en-US" b="0" i="1" smtClean="0">
+                              <a:solidFill>
+                                <a:srgbClr val="C00000"/>
+                              </a:solidFill>
+                              <a:latin typeface="Cambria Math" panose="02040503050406030204" pitchFamily="18" charset="0"/>
+                            </a:rPr>
+                            <m:t>𝜕</m:t>
+                          </m:r>
+                          <m:r>
+                            <a:rPr lang="en-US" b="0" i="1" smtClean="0">
+                              <a:solidFill>
+                                <a:srgbClr val="C00000"/>
+                              </a:solidFill>
+                              <a:latin typeface="Cambria Math" panose="02040503050406030204" pitchFamily="18" charset="0"/>
+                            </a:rPr>
+                            <m:t>(</m:t>
+                          </m:r>
+                          <m:sSup>
+                            <m:sSupPr>
+                              <m:ctrlPr>
+                                <a:rPr lang="en-US" b="0" i="1" smtClean="0">
+                                  <a:solidFill>
+                                    <a:srgbClr val="C00000"/>
+                                  </a:solidFill>
+                                  <a:latin typeface="Cambria Math" panose="02040503050406030204" pitchFamily="18" charset="0"/>
+                                </a:rPr>
+                              </m:ctrlPr>
+                            </m:sSupPr>
+                            <m:e>
+                              <m:r>
+                                <a:rPr lang="en-US" b="0" i="1" smtClean="0">
+                                  <a:solidFill>
+                                    <a:srgbClr val="C00000"/>
+                                  </a:solidFill>
+                                  <a:latin typeface="Cambria Math" panose="02040503050406030204" pitchFamily="18" charset="0"/>
+                                </a:rPr>
+                                <m:t>𝑊</m:t>
+                              </m:r>
+                            </m:e>
+                            <m:sup>
+                              <m:r>
+                                <a:rPr lang="en-US" b="0" i="1" smtClean="0">
+                                  <a:solidFill>
+                                    <a:srgbClr val="C00000"/>
+                                  </a:solidFill>
+                                  <a:latin typeface="Cambria Math" panose="02040503050406030204" pitchFamily="18" charset="0"/>
+                                </a:rPr>
+                                <m:t>4</m:t>
+                              </m:r>
+                            </m:sup>
+                          </m:sSup>
+                          <m:sSup>
+                            <m:sSupPr>
+                              <m:ctrlPr>
+                                <a:rPr lang="en-US" b="0" i="1" smtClean="0">
+                                  <a:solidFill>
+                                    <a:srgbClr val="C00000"/>
+                                  </a:solidFill>
+                                  <a:latin typeface="Cambria Math" panose="02040503050406030204" pitchFamily="18" charset="0"/>
+                                </a:rPr>
+                              </m:ctrlPr>
+                            </m:sSupPr>
+                            <m:e>
+                              <m:r>
+                                <a:rPr lang="en-US" b="0" i="1" smtClean="0">
+                                  <a:solidFill>
+                                    <a:srgbClr val="C00000"/>
+                                  </a:solidFill>
+                                  <a:latin typeface="Cambria Math" panose="02040503050406030204" pitchFamily="18" charset="0"/>
+                                </a:rPr>
+                                <m:t>𝑙</m:t>
+                              </m:r>
+                            </m:e>
+                            <m:sup>
+                              <m:r>
+                                <a:rPr lang="en-US" b="0" i="1" smtClean="0">
+                                  <a:solidFill>
+                                    <a:srgbClr val="C00000"/>
+                                  </a:solidFill>
+                                  <a:latin typeface="Cambria Math" panose="02040503050406030204" pitchFamily="18" charset="0"/>
+                                </a:rPr>
+                                <m:t>3</m:t>
+                              </m:r>
+                            </m:sup>
+                          </m:sSup>
+                          <m:r>
+                            <a:rPr lang="en-US" b="0" i="1" smtClean="0">
+                              <a:solidFill>
+                                <a:srgbClr val="C00000"/>
+                              </a:solidFill>
+                              <a:latin typeface="Cambria Math" panose="02040503050406030204" pitchFamily="18" charset="0"/>
+                            </a:rPr>
+                            <m:t>+</m:t>
+                          </m:r>
+                          <m:sSup>
+                            <m:sSupPr>
+                              <m:ctrlPr>
+                                <a:rPr lang="en-US" b="0" i="1" smtClean="0">
+                                  <a:solidFill>
+                                    <a:srgbClr val="C00000"/>
+                                  </a:solidFill>
+                                  <a:latin typeface="Cambria Math" panose="02040503050406030204" pitchFamily="18" charset="0"/>
+                                </a:rPr>
+                              </m:ctrlPr>
+                            </m:sSupPr>
+                            <m:e>
+                              <m:r>
+                                <a:rPr lang="en-US" b="0" i="1" smtClean="0">
+                                  <a:solidFill>
+                                    <a:srgbClr val="C00000"/>
+                                  </a:solidFill>
+                                  <a:latin typeface="Cambria Math" panose="02040503050406030204" pitchFamily="18" charset="0"/>
+                                </a:rPr>
+                                <m:t>𝑏</m:t>
+                              </m:r>
+                            </m:e>
+                            <m:sup>
+                              <m:r>
+                                <a:rPr lang="en-US" b="0" i="1" smtClean="0">
+                                  <a:solidFill>
+                                    <a:srgbClr val="C00000"/>
+                                  </a:solidFill>
+                                  <a:latin typeface="Cambria Math" panose="02040503050406030204" pitchFamily="18" charset="0"/>
+                                </a:rPr>
+                                <m:t>4</m:t>
+                              </m:r>
+                            </m:sup>
+                          </m:sSup>
+                          <m:r>
+                            <a:rPr lang="en-US" b="0" i="1" smtClean="0">
+                              <a:solidFill>
+                                <a:srgbClr val="C00000"/>
+                              </a:solidFill>
+                              <a:latin typeface="Cambria Math" panose="02040503050406030204" pitchFamily="18" charset="0"/>
+                            </a:rPr>
+                            <m:t>)</m:t>
+                          </m:r>
+                        </m:num>
+                        <m:den>
+                          <m:r>
+                            <a:rPr lang="en-US" b="0" i="1" smtClean="0">
+                              <a:solidFill>
+                                <a:srgbClr val="C00000"/>
+                              </a:solidFill>
+                              <a:latin typeface="Cambria Math" panose="02040503050406030204" pitchFamily="18" charset="0"/>
+                            </a:rPr>
+                            <m:t>𝜕</m:t>
+                          </m:r>
+                          <m:sSup>
+                            <m:sSupPr>
+                              <m:ctrlPr>
+                                <a:rPr lang="en-US" b="0" i="1" smtClean="0">
+                                  <a:solidFill>
+                                    <a:srgbClr val="C00000"/>
+                                  </a:solidFill>
+                                  <a:latin typeface="Cambria Math" panose="02040503050406030204" pitchFamily="18" charset="0"/>
+                                </a:rPr>
+                              </m:ctrlPr>
+                            </m:sSupPr>
+                            <m:e>
+                              <m:r>
+                                <a:rPr lang="en-US" b="0" i="1" smtClean="0">
+                                  <a:solidFill>
+                                    <a:srgbClr val="C00000"/>
+                                  </a:solidFill>
+                                  <a:latin typeface="Cambria Math" panose="02040503050406030204" pitchFamily="18" charset="0"/>
+                                </a:rPr>
+                                <m:t>𝑊</m:t>
+                              </m:r>
+                            </m:e>
+                            <m:sup>
+                              <m:r>
+                                <a:rPr lang="en-US" b="0" i="1" smtClean="0">
+                                  <a:solidFill>
+                                    <a:srgbClr val="C00000"/>
+                                  </a:solidFill>
+                                  <a:latin typeface="Cambria Math" panose="02040503050406030204" pitchFamily="18" charset="0"/>
+                                </a:rPr>
+                                <m:t>4</m:t>
+                              </m:r>
+                            </m:sup>
+                          </m:sSup>
+                        </m:den>
+                      </m:f>
+                    </m:oMath>
+                  </m:oMathPara>
+                </a14:m>
+                <a:endParaRPr lang="en-US" b="1" dirty="0">
+                  <a:solidFill>
+                    <a:srgbClr val="C00000"/>
+                  </a:solidFill>
+                </a:endParaRPr>
+              </a:p>
+            </p:txBody>
+          </p:sp>
+        </mc:Choice>
+        <mc:Fallback xmlns="">
+          <p:sp>
+            <p:nvSpPr>
+              <p:cNvPr id="19" name="TextBox 18">
+                <a:extLst>
+                  <a:ext uri="{FF2B5EF4-FFF2-40B4-BE49-F238E27FC236}">
+                    <a16:creationId xmlns:a16="http://schemas.microsoft.com/office/drawing/2014/main" id="{0C739228-5FE1-4916-1BE9-E2678AA8B512}"/>
+                  </a:ext>
+                </a:extLst>
+              </p:cNvPr>
+              <p:cNvSpPr txBox="1">
+                <a:spLocks noRot="1" noChangeAspect="1" noMove="1" noResize="1" noEditPoints="1" noAdjustHandles="1" noChangeArrowheads="1" noChangeShapeType="1" noTextEdit="1"/>
+              </p:cNvSpPr>
+              <p:nvPr/>
+            </p:nvSpPr>
+            <p:spPr>
+              <a:xfrm>
+                <a:off x="7828125" y="5795783"/>
+                <a:ext cx="2616807" cy="648126"/>
+              </a:xfrm>
+              <a:prstGeom prst="rect">
+                <a:avLst/>
+              </a:prstGeom>
+              <a:blipFill>
+                <a:blip r:embed="rId25"/>
+                <a:stretch>
+                  <a:fillRect/>
+                </a:stretch>
+              </a:blipFill>
+            </p:spPr>
+            <p:txBody>
+              <a:bodyPr/>
+              <a:lstStyle/>
+              <a:p>
+                <a:r>
+                  <a:rPr lang="fr-FR">
+                    <a:noFill/>
+                  </a:rPr>
+                  <a:t> </a:t>
+                </a:r>
+              </a:p>
+            </p:txBody>
+          </p:sp>
+        </mc:Fallback>
+      </mc:AlternateContent>
+      <p:sp>
+        <p:nvSpPr>
+          <p:cNvPr id="20" name="Arrow: Right 19">
+            <a:extLst>
+              <a:ext uri="{FF2B5EF4-FFF2-40B4-BE49-F238E27FC236}">
+                <a16:creationId xmlns:a16="http://schemas.microsoft.com/office/drawing/2014/main" id="{46E75F66-D150-286E-2FDC-A19F65CF0B3E}"/>
+              </a:ext>
+            </a:extLst>
+          </p:cNvPr>
+          <p:cNvSpPr/>
+          <p:nvPr/>
+        </p:nvSpPr>
+        <p:spPr>
+          <a:xfrm flipH="1">
+            <a:off x="2255519" y="2066240"/>
+            <a:ext cx="6737075" cy="385821"/>
+          </a:xfrm>
+          <a:prstGeom prst="rightArrow">
+            <a:avLst/>
+          </a:prstGeom>
+          <a:noFill/>
+          <a:ln w="76200">
+            <a:solidFill>
+              <a:srgbClr val="C00000"/>
+            </a:solidFill>
+          </a:ln>
+        </p:spPr>
+        <p:style>
+          <a:lnRef idx="2">
+            <a:schemeClr val="accent1">
+              <a:shade val="50000"/>
+            </a:schemeClr>
+          </a:lnRef>
+          <a:fillRef idx="1">
+            <a:schemeClr val="accent1"/>
+          </a:fillRef>
+          <a:effectRef idx="0">
+            <a:schemeClr val="accent1"/>
+          </a:effectRef>
+          <a:fontRef idx="minor">
+            <a:schemeClr val="lt1"/>
+          </a:fontRef>
+        </p:style>
+        <p:txBody>
+          <a:bodyPr rtlCol="0" anchor="ctr"/>
+          <a:lstStyle/>
+          <a:p>
+            <a:pPr algn="ctr"/>
+            <a:endParaRPr lang="en-US"/>
+          </a:p>
+        </p:txBody>
+      </p:sp>
+      <mc:AlternateContent xmlns:mc="http://schemas.openxmlformats.org/markup-compatibility/2006" xmlns:a14="http://schemas.microsoft.com/office/drawing/2010/main">
+        <mc:Choice Requires="a14">
+          <p:sp>
+            <p:nvSpPr>
+              <p:cNvPr id="27" name="TextBox 26">
+                <a:extLst>
+                  <a:ext uri="{FF2B5EF4-FFF2-40B4-BE49-F238E27FC236}">
+                    <a16:creationId xmlns:a16="http://schemas.microsoft.com/office/drawing/2014/main" id="{551689AF-C961-8390-B807-0E4D4F7779E3}"/>
+                  </a:ext>
+                </a:extLst>
+              </p:cNvPr>
+              <p:cNvSpPr txBox="1"/>
+              <p:nvPr/>
+            </p:nvSpPr>
+            <p:spPr>
+              <a:xfrm>
+                <a:off x="10252742" y="346319"/>
+                <a:ext cx="2202116" cy="646331"/>
+              </a:xfrm>
+              <a:prstGeom prst="rect">
+                <a:avLst/>
+              </a:prstGeom>
+              <a:noFill/>
+            </p:spPr>
+            <p:txBody>
+              <a:bodyPr wrap="square" rtlCol="0">
+                <a:spAutoFit/>
+              </a:bodyPr>
+              <a:lstStyle/>
+              <a:p>
+                <a14:m>
+                  <m:oMath xmlns:m="http://schemas.openxmlformats.org/officeDocument/2006/math">
+                    <m:r>
+                      <a:rPr lang="en-US" b="0" i="1" smtClean="0">
+                        <a:solidFill>
+                          <a:srgbClr val="C00000"/>
+                        </a:solidFill>
+                        <a:latin typeface="Cambria Math" panose="02040503050406030204" pitchFamily="18" charset="0"/>
+                      </a:rPr>
+                      <m:t>𝑦</m:t>
+                    </m:r>
+                  </m:oMath>
+                </a14:m>
+                <a:r>
+                  <a:rPr lang="fr-FR" dirty="0"/>
+                  <a:t> -&gt; </a:t>
+                </a:r>
+                <a:r>
+                  <a:rPr lang="fr-FR" dirty="0" err="1"/>
+                  <a:t>y_forward</a:t>
+                </a:r>
+                <a:endParaRPr lang="fr-FR" dirty="0"/>
+              </a:p>
+              <a:p>
+                <a14:m>
+                  <m:oMath xmlns:m="http://schemas.openxmlformats.org/officeDocument/2006/math">
+                    <m:sSup>
+                      <m:sSupPr>
+                        <m:ctrlPr>
+                          <a:rPr lang="en-US" i="1">
+                            <a:solidFill>
+                              <a:srgbClr val="C00000"/>
+                            </a:solidFill>
+                            <a:latin typeface="Cambria Math" panose="02040503050406030204" pitchFamily="18" charset="0"/>
+                          </a:rPr>
+                        </m:ctrlPr>
+                      </m:sSupPr>
+                      <m:e>
+                        <m:r>
+                          <a:rPr lang="en-US" i="1">
+                            <a:solidFill>
+                              <a:srgbClr val="C00000"/>
+                            </a:solidFill>
+                            <a:latin typeface="Cambria Math" panose="02040503050406030204" pitchFamily="18" charset="0"/>
+                          </a:rPr>
+                          <m:t>𝑦</m:t>
+                        </m:r>
+                      </m:e>
+                      <m:sup>
+                        <m:r>
+                          <a:rPr lang="en-US" i="1">
+                            <a:solidFill>
+                              <a:srgbClr val="C00000"/>
+                            </a:solidFill>
+                            <a:latin typeface="Cambria Math" panose="02040503050406030204" pitchFamily="18" charset="0"/>
+                          </a:rPr>
+                          <m:t>∗</m:t>
+                        </m:r>
+                      </m:sup>
+                    </m:sSup>
+                  </m:oMath>
+                </a14:m>
+                <a:r>
+                  <a:rPr lang="fr-FR" dirty="0"/>
+                  <a:t> -&gt; </a:t>
+                </a:r>
+                <a:r>
+                  <a:rPr lang="fr-FR" dirty="0" err="1"/>
+                  <a:t>y_train</a:t>
+                </a:r>
+                <a:endParaRPr lang="fr-FR" dirty="0"/>
+              </a:p>
+            </p:txBody>
+          </p:sp>
+        </mc:Choice>
+        <mc:Fallback xmlns="">
+          <p:sp>
+            <p:nvSpPr>
+              <p:cNvPr id="27" name="TextBox 26">
+                <a:extLst>
+                  <a:ext uri="{FF2B5EF4-FFF2-40B4-BE49-F238E27FC236}">
+                    <a16:creationId xmlns:a16="http://schemas.microsoft.com/office/drawing/2014/main" id="{551689AF-C961-8390-B807-0E4D4F7779E3}"/>
+                  </a:ext>
+                </a:extLst>
+              </p:cNvPr>
+              <p:cNvSpPr txBox="1">
+                <a:spLocks noRot="1" noChangeAspect="1" noMove="1" noResize="1" noEditPoints="1" noAdjustHandles="1" noChangeArrowheads="1" noChangeShapeType="1" noTextEdit="1"/>
+              </p:cNvSpPr>
+              <p:nvPr/>
+            </p:nvSpPr>
+            <p:spPr>
+              <a:xfrm>
+                <a:off x="10252742" y="346319"/>
+                <a:ext cx="2202116" cy="646331"/>
+              </a:xfrm>
+              <a:prstGeom prst="rect">
+                <a:avLst/>
+              </a:prstGeom>
+              <a:blipFill>
+                <a:blip r:embed="rId26"/>
+                <a:stretch>
+                  <a:fillRect t="-5660" b="-14151"/>
+                </a:stretch>
+              </a:blipFill>
+            </p:spPr>
+            <p:txBody>
+              <a:bodyPr/>
+              <a:lstStyle/>
+              <a:p>
+                <a:r>
+                  <a:rPr lang="fr-FR">
+                    <a:noFill/>
+                  </a:rPr>
+                  <a:t> </a:t>
+                </a:r>
+              </a:p>
+            </p:txBody>
+          </p:sp>
+        </mc:Fallback>
+      </mc:AlternateContent>
+    </p:spTree>
+    <p:extLst>
+      <p:ext uri="{BB962C8B-B14F-4D97-AF65-F5344CB8AC3E}">
+        <p14:creationId xmlns:p14="http://schemas.microsoft.com/office/powerpoint/2010/main" val="2267766760"/>
+      </p:ext>
+    </p:extLst>
+  </p:cSld>
+  <p:clrMapOvr>
+    <a:masterClrMapping/>
+  </p:clrMapOvr>
+  <p:timing>
+    <p:tnLst>
+      <p:par>
+        <p:cTn id="1" dur="indefinite" restart="never" nodeType="tmRoot">
+          <p:childTnLst>
+            <p:seq concurrent="1" nextAc="seek">
+              <p:cTn id="2" dur="indefinite" nodeType="mainSeq">
+                <p:childTnLst>
+                  <p:par>
+                    <p:cTn id="3" fill="hold">
+                      <p:stCondLst>
+                        <p:cond delay="indefinite"/>
+                      </p:stCondLst>
+                      <p:childTnLst>
+                        <p:par>
+                          <p:cTn id="4" fill="hold">
+                            <p:stCondLst>
+                              <p:cond delay="0"/>
+                            </p:stCondLst>
+                            <p:childTnLst>
+                              <p:par>
+                                <p:cTn id="5" presetID="10" presetClass="entr" presetSubtype="0" fill="hold" grpId="0" nodeType="clickEffect">
+                                  <p:stCondLst>
+                                    <p:cond delay="0"/>
+                                  </p:stCondLst>
+                                  <p:childTnLst>
+                                    <p:set>
+                                      <p:cBhvr>
+                                        <p:cTn id="6" dur="1" fill="hold">
+                                          <p:stCondLst>
+                                            <p:cond delay="0"/>
+                                          </p:stCondLst>
+                                        </p:cTn>
+                                        <p:tgtEl>
+                                          <p:spTgt spid="27"/>
+                                        </p:tgtEl>
+                                        <p:attrNameLst>
+                                          <p:attrName>style.visibility</p:attrName>
+                                        </p:attrNameLst>
+                                      </p:cBhvr>
+                                      <p:to>
+                                        <p:strVal val="visible"/>
+                                      </p:to>
+                                    </p:set>
+                                    <p:animEffect transition="in" filter="fade">
+                                      <p:cBhvr>
+                                        <p:cTn id="7" dur="500"/>
+                                        <p:tgtEl>
+                                          <p:spTgt spid="27"/>
+                                        </p:tgtEl>
+                                      </p:cBhvr>
+                                    </p:animEffect>
+                                  </p:childTnLst>
+                                </p:cTn>
+                              </p:par>
+                            </p:childTnLst>
+                          </p:cTn>
+                        </p:par>
+                      </p:childTnLst>
+                    </p:cTn>
+                  </p:par>
+                  <p:par>
+                    <p:cTn id="8" fill="hold">
+                      <p:stCondLst>
+                        <p:cond delay="indefinite"/>
+                      </p:stCondLst>
+                      <p:childTnLst>
+                        <p:par>
+                          <p:cTn id="9" fill="hold">
+                            <p:stCondLst>
+                              <p:cond delay="0"/>
+                            </p:stCondLst>
+                            <p:childTnLst>
+                              <p:par>
+                                <p:cTn id="10" presetID="10" presetClass="entr" presetSubtype="0" fill="hold" grpId="0" nodeType="clickEffect">
+                                  <p:stCondLst>
+                                    <p:cond delay="0"/>
+                                  </p:stCondLst>
+                                  <p:childTnLst>
+                                    <p:set>
+                                      <p:cBhvr>
+                                        <p:cTn id="11" dur="1" fill="hold">
+                                          <p:stCondLst>
+                                            <p:cond delay="0"/>
+                                          </p:stCondLst>
+                                        </p:cTn>
+                                        <p:tgtEl>
+                                          <p:spTgt spid="7"/>
+                                        </p:tgtEl>
+                                        <p:attrNameLst>
+                                          <p:attrName>style.visibility</p:attrName>
+                                        </p:attrNameLst>
+                                      </p:cBhvr>
+                                      <p:to>
+                                        <p:strVal val="visible"/>
+                                      </p:to>
+                                    </p:set>
+                                    <p:animEffect transition="in" filter="fade">
+                                      <p:cBhvr>
+                                        <p:cTn id="12" dur="500"/>
+                                        <p:tgtEl>
+                                          <p:spTgt spid="7"/>
+                                        </p:tgtEl>
+                                      </p:cBhvr>
+                                    </p:animEffect>
+                                  </p:childTnLst>
+                                </p:cTn>
+                              </p:par>
+                            </p:childTnLst>
+                          </p:cTn>
+                        </p:par>
+                      </p:childTnLst>
+                    </p:cTn>
+                  </p:par>
+                  <p:par>
+                    <p:cTn id="13" fill="hold">
+                      <p:stCondLst>
+                        <p:cond delay="indefinite"/>
+                      </p:stCondLst>
+                      <p:childTnLst>
+                        <p:par>
+                          <p:cTn id="14" fill="hold">
+                            <p:stCondLst>
+                              <p:cond delay="0"/>
+                            </p:stCondLst>
+                            <p:childTnLst>
+                              <p:par>
+                                <p:cTn id="15" presetID="10" presetClass="entr" presetSubtype="0" fill="hold" grpId="0" nodeType="clickEffect">
+                                  <p:stCondLst>
+                                    <p:cond delay="0"/>
+                                  </p:stCondLst>
+                                  <p:childTnLst>
+                                    <p:set>
+                                      <p:cBhvr>
+                                        <p:cTn id="16" dur="1" fill="hold">
+                                          <p:stCondLst>
+                                            <p:cond delay="0"/>
+                                          </p:stCondLst>
+                                        </p:cTn>
+                                        <p:tgtEl>
+                                          <p:spTgt spid="15"/>
+                                        </p:tgtEl>
+                                        <p:attrNameLst>
+                                          <p:attrName>style.visibility</p:attrName>
+                                        </p:attrNameLst>
+                                      </p:cBhvr>
+                                      <p:to>
+                                        <p:strVal val="visible"/>
+                                      </p:to>
+                                    </p:set>
+                                    <p:animEffect transition="in" filter="fade">
+                                      <p:cBhvr>
+                                        <p:cTn id="17" dur="500"/>
+                                        <p:tgtEl>
+                                          <p:spTgt spid="15"/>
+                                        </p:tgtEl>
+                                      </p:cBhvr>
+                                    </p:animEffect>
+                                  </p:childTnLst>
+                                </p:cTn>
+                              </p:par>
+                            </p:childTnLst>
+                          </p:cTn>
+                        </p:par>
+                      </p:childTnLst>
+                    </p:cTn>
+                  </p:par>
+                  <p:par>
+                    <p:cTn id="18" fill="hold">
+                      <p:stCondLst>
+                        <p:cond delay="indefinite"/>
+                      </p:stCondLst>
+                      <p:childTnLst>
+                        <p:par>
+                          <p:cTn id="19" fill="hold">
+                            <p:stCondLst>
+                              <p:cond delay="0"/>
+                            </p:stCondLst>
+                            <p:childTnLst>
+                              <p:par>
+                                <p:cTn id="20" presetID="10" presetClass="entr" presetSubtype="0" fill="hold" grpId="0" nodeType="clickEffect">
+                                  <p:stCondLst>
+                                    <p:cond delay="0"/>
+                                  </p:stCondLst>
+                                  <p:childTnLst>
+                                    <p:set>
+                                      <p:cBhvr>
+                                        <p:cTn id="21" dur="1" fill="hold">
+                                          <p:stCondLst>
+                                            <p:cond delay="0"/>
+                                          </p:stCondLst>
+                                        </p:cTn>
+                                        <p:tgtEl>
+                                          <p:spTgt spid="17"/>
+                                        </p:tgtEl>
+                                        <p:attrNameLst>
+                                          <p:attrName>style.visibility</p:attrName>
+                                        </p:attrNameLst>
+                                      </p:cBhvr>
+                                      <p:to>
+                                        <p:strVal val="visible"/>
+                                      </p:to>
+                                    </p:set>
+                                    <p:animEffect transition="in" filter="fade">
+                                      <p:cBhvr>
+                                        <p:cTn id="22" dur="500"/>
+                                        <p:tgtEl>
+                                          <p:spTgt spid="17"/>
+                                        </p:tgtEl>
+                                      </p:cBhvr>
+                                    </p:animEffect>
+                                  </p:childTnLst>
+                                </p:cTn>
+                              </p:par>
+                            </p:childTnLst>
+                          </p:cTn>
+                        </p:par>
+                      </p:childTnLst>
+                    </p:cTn>
+                  </p:par>
+                  <p:par>
+                    <p:cTn id="23" fill="hold">
+                      <p:stCondLst>
+                        <p:cond delay="indefinite"/>
+                      </p:stCondLst>
+                      <p:childTnLst>
+                        <p:par>
+                          <p:cTn id="24" fill="hold">
+                            <p:stCondLst>
+                              <p:cond delay="0"/>
+                            </p:stCondLst>
+                            <p:childTnLst>
+                              <p:par>
+                                <p:cTn id="25" presetID="10" presetClass="entr" presetSubtype="0" fill="hold" grpId="0" nodeType="clickEffect">
+                                  <p:stCondLst>
+                                    <p:cond delay="0"/>
+                                  </p:stCondLst>
+                                  <p:childTnLst>
+                                    <p:set>
+                                      <p:cBhvr>
+                                        <p:cTn id="26" dur="1" fill="hold">
+                                          <p:stCondLst>
+                                            <p:cond delay="0"/>
+                                          </p:stCondLst>
+                                        </p:cTn>
+                                        <p:tgtEl>
+                                          <p:spTgt spid="19"/>
+                                        </p:tgtEl>
+                                        <p:attrNameLst>
+                                          <p:attrName>style.visibility</p:attrName>
+                                        </p:attrNameLst>
+                                      </p:cBhvr>
+                                      <p:to>
+                                        <p:strVal val="visible"/>
+                                      </p:to>
+                                    </p:set>
+                                    <p:animEffect transition="in" filter="fade">
+                                      <p:cBhvr>
+                                        <p:cTn id="27" dur="500"/>
+                                        <p:tgtEl>
+                                          <p:spTgt spid="19"/>
+                                        </p:tgtEl>
+                                      </p:cBhvr>
+                                    </p:animEffect>
+                                  </p:childTnLst>
+                                </p:cTn>
+                              </p:par>
+                            </p:childTnLst>
+                          </p:cTn>
+                        </p:par>
+                      </p:childTnLst>
+                    </p:cTn>
+                  </p:par>
+                  <p:par>
+                    <p:cTn id="28" fill="hold">
+                      <p:stCondLst>
+                        <p:cond delay="indefinite"/>
+                      </p:stCondLst>
+                      <p:childTnLst>
+                        <p:par>
+                          <p:cTn id="29" fill="hold">
+                            <p:stCondLst>
+                              <p:cond delay="0"/>
+                            </p:stCondLst>
+                            <p:childTnLst>
+                              <p:par>
+                                <p:cTn id="30" presetID="10" presetClass="entr" presetSubtype="0" fill="hold" grpId="0" nodeType="clickEffect">
+                                  <p:stCondLst>
+                                    <p:cond delay="0"/>
+                                  </p:stCondLst>
+                                  <p:childTnLst>
+                                    <p:set>
+                                      <p:cBhvr>
+                                        <p:cTn id="31" dur="1" fill="hold">
+                                          <p:stCondLst>
+                                            <p:cond delay="0"/>
+                                          </p:stCondLst>
+                                        </p:cTn>
+                                        <p:tgtEl>
+                                          <p:spTgt spid="18"/>
+                                        </p:tgtEl>
+                                        <p:attrNameLst>
+                                          <p:attrName>style.visibility</p:attrName>
+                                        </p:attrNameLst>
+                                      </p:cBhvr>
+                                      <p:to>
+                                        <p:strVal val="visible"/>
+                                      </p:to>
+                                    </p:set>
+                                    <p:animEffect transition="in" filter="fade">
+                                      <p:cBhvr>
+                                        <p:cTn id="32" dur="500"/>
+                                        <p:tgtEl>
+                                          <p:spTgt spid="18"/>
+                                        </p:tgtEl>
+                                      </p:cBhvr>
+                                    </p:animEffect>
+                                  </p:childTnLst>
+                                </p:cTn>
+                              </p:par>
+                            </p:childTnLst>
+                          </p:cTn>
+                        </p:par>
+                      </p:childTnLst>
+                    </p:cTn>
+                  </p:par>
+                  <p:par>
+                    <p:cTn id="33" fill="hold">
+                      <p:stCondLst>
+                        <p:cond delay="indefinite"/>
+                      </p:stCondLst>
+                      <p:childTnLst>
+                        <p:par>
+                          <p:cTn id="34" fill="hold">
+                            <p:stCondLst>
+                              <p:cond delay="0"/>
+                            </p:stCondLst>
+                            <p:childTnLst>
+                              <p:par>
+                                <p:cTn id="35" presetID="10" presetClass="entr" presetSubtype="0" fill="hold" grpId="0" nodeType="clickEffect">
+                                  <p:stCondLst>
+                                    <p:cond delay="0"/>
+                                  </p:stCondLst>
+                                  <p:childTnLst>
+                                    <p:set>
+                                      <p:cBhvr>
+                                        <p:cTn id="36" dur="1" fill="hold">
+                                          <p:stCondLst>
+                                            <p:cond delay="0"/>
+                                          </p:stCondLst>
+                                        </p:cTn>
+                                        <p:tgtEl>
+                                          <p:spTgt spid="8"/>
+                                        </p:tgtEl>
+                                        <p:attrNameLst>
+                                          <p:attrName>style.visibility</p:attrName>
+                                        </p:attrNameLst>
+                                      </p:cBhvr>
+                                      <p:to>
+                                        <p:strVal val="visible"/>
+                                      </p:to>
+                                    </p:set>
+                                    <p:animEffect transition="in" filter="fade">
+                                      <p:cBhvr>
+                                        <p:cTn id="37" dur="500"/>
+                                        <p:tgtEl>
+                                          <p:spTgt spid="8"/>
+                                        </p:tgtEl>
+                                      </p:cBhvr>
+                                    </p:animEffect>
+                                  </p:childTnLst>
+                                </p:cTn>
+                              </p:par>
+                            </p:childTnLst>
+                          </p:cTn>
+                        </p:par>
+                      </p:childTnLst>
+                    </p:cTn>
+                  </p:par>
+                  <p:par>
+                    <p:cTn id="38" fill="hold">
+                      <p:stCondLst>
+                        <p:cond delay="indefinite"/>
+                      </p:stCondLst>
+                      <p:childTnLst>
+                        <p:par>
+                          <p:cTn id="39" fill="hold">
+                            <p:stCondLst>
+                              <p:cond delay="0"/>
+                            </p:stCondLst>
+                            <p:childTnLst>
+                              <p:par>
+                                <p:cTn id="40" presetID="10" presetClass="entr" presetSubtype="0" fill="hold" grpId="0" nodeType="clickEffect">
+                                  <p:stCondLst>
+                                    <p:cond delay="0"/>
+                                  </p:stCondLst>
+                                  <p:childTnLst>
+                                    <p:set>
+                                      <p:cBhvr>
+                                        <p:cTn id="41" dur="1" fill="hold">
+                                          <p:stCondLst>
+                                            <p:cond delay="0"/>
+                                          </p:stCondLst>
+                                        </p:cTn>
+                                        <p:tgtEl>
+                                          <p:spTgt spid="16"/>
+                                        </p:tgtEl>
+                                        <p:attrNameLst>
+                                          <p:attrName>style.visibility</p:attrName>
+                                        </p:attrNameLst>
+                                      </p:cBhvr>
+                                      <p:to>
+                                        <p:strVal val="visible"/>
+                                      </p:to>
+                                    </p:set>
+                                    <p:animEffect transition="in" filter="fade">
+                                      <p:cBhvr>
+                                        <p:cTn id="42" dur="500"/>
+                                        <p:tgtEl>
+                                          <p:spTgt spid="16"/>
+                                        </p:tgtEl>
+                                      </p:cBhvr>
+                                    </p:animEffect>
+                                  </p:childTnLst>
+                                </p:cTn>
+                              </p:par>
+                            </p:childTnLst>
+                          </p:cTn>
+                        </p:par>
+                      </p:childTnLst>
+                    </p:cTn>
+                  </p:par>
+                  <p:par>
+                    <p:cTn id="43" fill="hold">
+                      <p:stCondLst>
+                        <p:cond delay="indefinite"/>
+                      </p:stCondLst>
+                      <p:childTnLst>
+                        <p:par>
+                          <p:cTn id="44" fill="hold">
+                            <p:stCondLst>
+                              <p:cond delay="0"/>
+                            </p:stCondLst>
+                            <p:childTnLst>
+                              <p:par>
+                                <p:cTn id="45" presetID="10" presetClass="entr" presetSubtype="0" fill="hold" grpId="0" nodeType="clickEffect">
+                                  <p:stCondLst>
+                                    <p:cond delay="0"/>
+                                  </p:stCondLst>
+                                  <p:childTnLst>
+                                    <p:set>
+                                      <p:cBhvr>
+                                        <p:cTn id="46" dur="1" fill="hold">
+                                          <p:stCondLst>
+                                            <p:cond delay="0"/>
+                                          </p:stCondLst>
+                                        </p:cTn>
+                                        <p:tgtEl>
+                                          <p:spTgt spid="20"/>
+                                        </p:tgtEl>
+                                        <p:attrNameLst>
+                                          <p:attrName>style.visibility</p:attrName>
+                                        </p:attrNameLst>
+                                      </p:cBhvr>
+                                      <p:to>
+                                        <p:strVal val="visible"/>
+                                      </p:to>
+                                    </p:set>
+                                    <p:animEffect transition="in" filter="fade">
+                                      <p:cBhvr>
+                                        <p:cTn id="47" dur="500"/>
+                                        <p:tgtEl>
+                                          <p:spTgt spid="20"/>
+                                        </p:tgtEl>
+                                      </p:cBhvr>
+                                    </p:animEffect>
+                                  </p:childTnLst>
+                                </p:cTn>
+                              </p:par>
+                            </p:childTnLst>
+                          </p:cTn>
+                        </p:par>
+                      </p:childTnLst>
+                    </p:cTn>
+                  </p:par>
+                </p:childTnLst>
+              </p:cTn>
+              <p:prevCondLst>
+                <p:cond evt="onPrev" delay="0">
+                  <p:tgtEl>
+                    <p:sldTgt/>
+                  </p:tgtEl>
+                </p:cond>
+              </p:prevCondLst>
+              <p:nextCondLst>
+                <p:cond evt="onNext" delay="0">
+                  <p:tgtEl>
+                    <p:sldTgt/>
+                  </p:tgtEl>
+                </p:cond>
+              </p:nextCondLst>
+            </p:seq>
+          </p:childTnLst>
+        </p:cTn>
+      </p:par>
+    </p:tnLst>
+    <p:bldLst>
+      <p:bldP spid="7" grpId="0" animBg="1"/>
+      <p:bldP spid="8" grpId="0" animBg="1"/>
+      <p:bldP spid="15" grpId="0" animBg="1"/>
+      <p:bldP spid="16" grpId="0" animBg="1"/>
+      <p:bldP spid="17" grpId="0" animBg="1"/>
+      <p:bldP spid="18" grpId="0" animBg="1"/>
+      <p:bldP spid="19" grpId="0" animBg="1"/>
+      <p:bldP spid="20" grpId="0" animBg="1"/>
+      <p:bldP spid="27" grpId="0"/>
+    </p:bldLst>
+  </p:timing>
+</p:sld>
+</file>
+
 <file path=ppt/theme/theme1.xml><?xml version="1.0" encoding="utf-8"?>
 <a:theme xmlns:a="http://schemas.openxmlformats.org/drawingml/2006/main" name="Office Theme">
   <a:themeElements>

--- a/TeachingNetwoks.pptx
+++ b/TeachingNetwoks.pptx
@@ -5,7 +5,7 @@
     <p:sldMasterId id="2147483648" r:id="rId1"/>
   </p:sldMasterIdLst>
   <p:notesMasterIdLst>
-    <p:notesMasterId r:id="rId9"/>
+    <p:notesMasterId r:id="rId10"/>
   </p:notesMasterIdLst>
   <p:sldIdLst>
     <p:sldId id="256" r:id="rId2"/>
@@ -15,6 +15,7 @@
     <p:sldId id="321" r:id="rId6"/>
     <p:sldId id="324" r:id="rId7"/>
     <p:sldId id="322" r:id="rId8"/>
+    <p:sldId id="331" r:id="rId9"/>
   </p:sldIdLst>
   <p:sldSz cx="12192000" cy="6858000"/>
   <p:notesSz cx="6858000" cy="9144000"/>
@@ -129,6 +130,7 @@
             <p14:sldId id="321"/>
             <p14:sldId id="324"/>
             <p14:sldId id="322"/>
+            <p14:sldId id="331"/>
           </p14:sldIdLst>
         </p14:section>
       </p14:sectionLst>
@@ -1005,6 +1007,93 @@
     <p:extLst>
       <p:ext uri="{BB962C8B-B14F-4D97-AF65-F5344CB8AC3E}">
         <p14:creationId xmlns:p14="http://schemas.microsoft.com/office/powerpoint/2010/main" val="61397796"/>
+      </p:ext>
+    </p:extLst>
+  </p:cSld>
+  <p:clrMapOvr>
+    <a:masterClrMapping/>
+  </p:clrMapOvr>
+</p:notes>
+</file>
+
+<file path=ppt/notesSlides/notesSlide7.xml><?xml version="1.0" encoding="utf-8"?>
+<p:notes xmlns:a="http://schemas.openxmlformats.org/drawingml/2006/main" xmlns:r="http://schemas.openxmlformats.org/officeDocument/2006/relationships" xmlns:p="http://schemas.openxmlformats.org/presentationml/2006/main">
+  <p:cSld>
+    <p:spTree>
+      <p:nvGrpSpPr>
+        <p:cNvPr id="1" name=""/>
+        <p:cNvGrpSpPr/>
+        <p:nvPr/>
+      </p:nvGrpSpPr>
+      <p:grpSpPr>
+        <a:xfrm>
+          <a:off x="0" y="0"/>
+          <a:ext cx="0" cy="0"/>
+          <a:chOff x="0" y="0"/>
+          <a:chExt cx="0" cy="0"/>
+        </a:xfrm>
+      </p:grpSpPr>
+      <p:sp>
+        <p:nvSpPr>
+          <p:cNvPr id="2" name="Slide Image Placeholder 1"/>
+          <p:cNvSpPr>
+            <a:spLocks noGrp="1" noRot="1" noChangeAspect="1"/>
+          </p:cNvSpPr>
+          <p:nvPr>
+            <p:ph type="sldImg"/>
+          </p:nvPr>
+        </p:nvSpPr>
+        <p:spPr/>
+      </p:sp>
+      <p:sp>
+        <p:nvSpPr>
+          <p:cNvPr id="3" name="Notes Placeholder 2"/>
+          <p:cNvSpPr>
+            <a:spLocks noGrp="1"/>
+          </p:cNvSpPr>
+          <p:nvPr>
+            <p:ph type="body" idx="1"/>
+          </p:nvPr>
+        </p:nvSpPr>
+        <p:spPr/>
+        <p:txBody>
+          <a:bodyPr/>
+          <a:lstStyle/>
+          <a:p>
+            <a:r>
+              <a:rPr lang="en-US" dirty="0"/>
+              <a:t>We update the parameters by subtracting the gradient, times the learning rate.</a:t>
+            </a:r>
+          </a:p>
+        </p:txBody>
+      </p:sp>
+      <p:sp>
+        <p:nvSpPr>
+          <p:cNvPr id="4" name="Slide Number Placeholder 3"/>
+          <p:cNvSpPr>
+            <a:spLocks noGrp="1"/>
+          </p:cNvSpPr>
+          <p:nvPr>
+            <p:ph type="sldNum" sz="quarter" idx="5"/>
+          </p:nvPr>
+        </p:nvSpPr>
+        <p:spPr/>
+        <p:txBody>
+          <a:bodyPr/>
+          <a:lstStyle/>
+          <a:p>
+            <a:fld id="{A1F3994E-D175-4376-8600-63A26808DC17}" type="slidenum">
+              <a:rPr lang="en-US" smtClean="0"/>
+              <a:t>8</a:t>
+            </a:fld>
+            <a:endParaRPr lang="en-US"/>
+          </a:p>
+        </p:txBody>
+      </p:sp>
+    </p:spTree>
+    <p:extLst>
+      <p:ext uri="{BB962C8B-B14F-4D97-AF65-F5344CB8AC3E}">
+        <p14:creationId xmlns:p14="http://schemas.microsoft.com/office/powerpoint/2010/main" val="1368974370"/>
       </p:ext>
     </p:extLst>
   </p:cSld>
@@ -47182,6 +47271,4688 @@
 </p:sld>
 </file>
 
+<file path=ppt/slides/slide8.xml><?xml version="1.0" encoding="utf-8"?>
+<p:sld xmlns:a="http://schemas.openxmlformats.org/drawingml/2006/main" xmlns:r="http://schemas.openxmlformats.org/officeDocument/2006/relationships" xmlns:p="http://schemas.openxmlformats.org/presentationml/2006/main">
+  <p:cSld>
+    <p:spTree>
+      <p:nvGrpSpPr>
+        <p:cNvPr id="1" name=""/>
+        <p:cNvGrpSpPr/>
+        <p:nvPr/>
+      </p:nvGrpSpPr>
+      <p:grpSpPr>
+        <a:xfrm>
+          <a:off x="0" y="0"/>
+          <a:ext cx="0" cy="0"/>
+          <a:chOff x="0" y="0"/>
+          <a:chExt cx="0" cy="0"/>
+        </a:xfrm>
+      </p:grpSpPr>
+      <p:sp>
+        <p:nvSpPr>
+          <p:cNvPr id="2" name="Title 1">
+            <a:extLst>
+              <a:ext uri="{FF2B5EF4-FFF2-40B4-BE49-F238E27FC236}">
+                <a16:creationId xmlns:a16="http://schemas.microsoft.com/office/drawing/2014/main" id="{1D01E8D4-6E5D-3D0C-38C0-82F225028D39}"/>
+              </a:ext>
+            </a:extLst>
+          </p:cNvPr>
+          <p:cNvSpPr>
+            <a:spLocks noGrp="1"/>
+          </p:cNvSpPr>
+          <p:nvPr>
+            <p:ph type="title"/>
+          </p:nvPr>
+        </p:nvSpPr>
+        <p:spPr/>
+        <p:txBody>
+          <a:bodyPr/>
+          <a:lstStyle/>
+          <a:p>
+            <a:r>
+              <a:rPr lang="en-US" dirty="0"/>
+              <a:t>Mathematically: update</a:t>
+            </a:r>
+          </a:p>
+        </p:txBody>
+      </p:sp>
+      <mc:AlternateContent xmlns:mc="http://schemas.openxmlformats.org/markup-compatibility/2006" xmlns:a14="http://schemas.microsoft.com/office/drawing/2010/main">
+        <mc:Choice Requires="a14">
+          <p:sp>
+            <p:nvSpPr>
+              <p:cNvPr id="50" name="TextBox 49">
+                <a:extLst>
+                  <a:ext uri="{FF2B5EF4-FFF2-40B4-BE49-F238E27FC236}">
+                    <a16:creationId xmlns:a16="http://schemas.microsoft.com/office/drawing/2014/main" id="{970C9D26-7A61-6F59-A315-A13E3DB94B14}"/>
+                  </a:ext>
+                </a:extLst>
+              </p:cNvPr>
+              <p:cNvSpPr txBox="1"/>
+              <p:nvPr/>
+            </p:nvSpPr>
+            <p:spPr>
+              <a:xfrm>
+                <a:off x="1533678" y="3845721"/>
+                <a:ext cx="367986" cy="369332"/>
+              </a:xfrm>
+              <a:prstGeom prst="rect">
+                <a:avLst/>
+              </a:prstGeom>
+            </p:spPr>
+            <p:style>
+              <a:lnRef idx="2">
+                <a:schemeClr val="dk1"/>
+              </a:lnRef>
+              <a:fillRef idx="1">
+                <a:schemeClr val="lt1"/>
+              </a:fillRef>
+              <a:effectRef idx="0">
+                <a:schemeClr val="dk1"/>
+              </a:effectRef>
+              <a:fontRef idx="minor">
+                <a:schemeClr val="dk1"/>
+              </a:fontRef>
+            </p:style>
+            <p:txBody>
+              <a:bodyPr wrap="none" rtlCol="0">
+                <a:spAutoFit/>
+              </a:bodyPr>
+              <a:lstStyle/>
+              <a:p>
+                <a:pPr/>
+                <a14:m>
+                  <m:oMathPara xmlns:m="http://schemas.openxmlformats.org/officeDocument/2006/math">
+                    <m:oMathParaPr>
+                      <m:jc m:val="centerGroup"/>
+                    </m:oMathParaPr>
+                    <m:oMath xmlns:m="http://schemas.openxmlformats.org/officeDocument/2006/math">
+                      <m:r>
+                        <a:rPr lang="en-US" b="0" i="1" smtClean="0">
+                          <a:latin typeface="Cambria Math" panose="02040503050406030204" pitchFamily="18" charset="0"/>
+                        </a:rPr>
+                        <m:t>𝑥</m:t>
+                      </m:r>
+                    </m:oMath>
+                  </m:oMathPara>
+                </a14:m>
+                <a:endParaRPr lang="fr-FR" dirty="0"/>
+              </a:p>
+            </p:txBody>
+          </p:sp>
+        </mc:Choice>
+        <mc:Fallback xmlns="">
+          <p:sp>
+            <p:nvSpPr>
+              <p:cNvPr id="50" name="TextBox 49">
+                <a:extLst>
+                  <a:ext uri="{FF2B5EF4-FFF2-40B4-BE49-F238E27FC236}">
+                    <a16:creationId xmlns:a16="http://schemas.microsoft.com/office/drawing/2014/main" id="{970C9D26-7A61-6F59-A315-A13E3DB94B14}"/>
+                  </a:ext>
+                </a:extLst>
+              </p:cNvPr>
+              <p:cNvSpPr txBox="1">
+                <a:spLocks noRot="1" noChangeAspect="1" noMove="1" noResize="1" noEditPoints="1" noAdjustHandles="1" noChangeArrowheads="1" noChangeShapeType="1" noTextEdit="1"/>
+              </p:cNvSpPr>
+              <p:nvPr/>
+            </p:nvSpPr>
+            <p:spPr>
+              <a:xfrm>
+                <a:off x="1533678" y="3845721"/>
+                <a:ext cx="367986" cy="369332"/>
+              </a:xfrm>
+              <a:prstGeom prst="rect">
+                <a:avLst/>
+              </a:prstGeom>
+              <a:blipFill>
+                <a:blip r:embed="rId3"/>
+                <a:stretch>
+                  <a:fillRect/>
+                </a:stretch>
+              </a:blipFill>
+            </p:spPr>
+            <p:txBody>
+              <a:bodyPr/>
+              <a:lstStyle/>
+              <a:p>
+                <a:r>
+                  <a:rPr lang="en-US">
+                    <a:noFill/>
+                  </a:rPr>
+                  <a:t> </a:t>
+                </a:r>
+              </a:p>
+            </p:txBody>
+          </p:sp>
+        </mc:Fallback>
+      </mc:AlternateContent>
+      <mc:AlternateContent xmlns:mc="http://schemas.openxmlformats.org/markup-compatibility/2006" xmlns:a14="http://schemas.microsoft.com/office/drawing/2010/main">
+        <mc:Choice Requires="a14">
+          <p:sp>
+            <p:nvSpPr>
+              <p:cNvPr id="51" name="TextBox 50">
+                <a:extLst>
+                  <a:ext uri="{FF2B5EF4-FFF2-40B4-BE49-F238E27FC236}">
+                    <a16:creationId xmlns:a16="http://schemas.microsoft.com/office/drawing/2014/main" id="{576DB2D2-8B51-FEDE-2420-902E299CF6DF}"/>
+                  </a:ext>
+                </a:extLst>
+              </p:cNvPr>
+              <p:cNvSpPr txBox="1"/>
+              <p:nvPr/>
+            </p:nvSpPr>
+            <p:spPr>
+              <a:xfrm flipH="1">
+                <a:off x="10658322" y="3845721"/>
+                <a:ext cx="371384" cy="369332"/>
+              </a:xfrm>
+              <a:prstGeom prst="rect">
+                <a:avLst/>
+              </a:prstGeom>
+            </p:spPr>
+            <p:style>
+              <a:lnRef idx="2">
+                <a:schemeClr val="dk1"/>
+              </a:lnRef>
+              <a:fillRef idx="1">
+                <a:schemeClr val="lt1"/>
+              </a:fillRef>
+              <a:effectRef idx="0">
+                <a:schemeClr val="dk1"/>
+              </a:effectRef>
+              <a:fontRef idx="minor">
+                <a:schemeClr val="dk1"/>
+              </a:fontRef>
+            </p:style>
+            <p:txBody>
+              <a:bodyPr wrap="none" rtlCol="0">
+                <a:spAutoFit/>
+              </a:bodyPr>
+              <a:lstStyle/>
+              <a:p>
+                <a:pPr/>
+                <a14:m>
+                  <m:oMathPara xmlns:m="http://schemas.openxmlformats.org/officeDocument/2006/math">
+                    <m:oMathParaPr>
+                      <m:jc m:val="centerGroup"/>
+                    </m:oMathParaPr>
+                    <m:oMath xmlns:m="http://schemas.openxmlformats.org/officeDocument/2006/math">
+                      <m:r>
+                        <a:rPr lang="en-US" b="0" i="1" smtClean="0">
+                          <a:latin typeface="Cambria Math" panose="02040503050406030204" pitchFamily="18" charset="0"/>
+                        </a:rPr>
+                        <m:t>𝑦</m:t>
+                      </m:r>
+                    </m:oMath>
+                  </m:oMathPara>
+                </a14:m>
+                <a:endParaRPr lang="fr-FR" dirty="0"/>
+              </a:p>
+            </p:txBody>
+          </p:sp>
+        </mc:Choice>
+        <mc:Fallback xmlns="">
+          <p:sp>
+            <p:nvSpPr>
+              <p:cNvPr id="51" name="TextBox 50">
+                <a:extLst>
+                  <a:ext uri="{FF2B5EF4-FFF2-40B4-BE49-F238E27FC236}">
+                    <a16:creationId xmlns:a16="http://schemas.microsoft.com/office/drawing/2014/main" id="{576DB2D2-8B51-FEDE-2420-902E299CF6DF}"/>
+                  </a:ext>
+                </a:extLst>
+              </p:cNvPr>
+              <p:cNvSpPr txBox="1">
+                <a:spLocks noRot="1" noChangeAspect="1" noMove="1" noResize="1" noEditPoints="1" noAdjustHandles="1" noChangeArrowheads="1" noChangeShapeType="1" noTextEdit="1"/>
+              </p:cNvSpPr>
+              <p:nvPr/>
+            </p:nvSpPr>
+            <p:spPr>
+              <a:xfrm flipH="1">
+                <a:off x="10658322" y="3845721"/>
+                <a:ext cx="371384" cy="369332"/>
+              </a:xfrm>
+              <a:prstGeom prst="rect">
+                <a:avLst/>
+              </a:prstGeom>
+              <a:blipFill>
+                <a:blip r:embed="rId4"/>
+                <a:stretch>
+                  <a:fillRect b="-4839"/>
+                </a:stretch>
+              </a:blipFill>
+            </p:spPr>
+            <p:txBody>
+              <a:bodyPr/>
+              <a:lstStyle/>
+              <a:p>
+                <a:r>
+                  <a:rPr lang="en-US">
+                    <a:noFill/>
+                  </a:rPr>
+                  <a:t> </a:t>
+                </a:r>
+              </a:p>
+            </p:txBody>
+          </p:sp>
+        </mc:Fallback>
+      </mc:AlternateContent>
+      <mc:AlternateContent xmlns:mc="http://schemas.openxmlformats.org/markup-compatibility/2006" xmlns:a14="http://schemas.microsoft.com/office/drawing/2010/main">
+        <mc:Choice Requires="a14">
+          <p:sp>
+            <p:nvSpPr>
+              <p:cNvPr id="52" name="TextBox 51">
+                <a:extLst>
+                  <a:ext uri="{FF2B5EF4-FFF2-40B4-BE49-F238E27FC236}">
+                    <a16:creationId xmlns:a16="http://schemas.microsoft.com/office/drawing/2014/main" id="{05A70B64-722A-C677-8A01-FFFC6FC496B4}"/>
+                  </a:ext>
+                </a:extLst>
+              </p:cNvPr>
+              <p:cNvSpPr txBox="1"/>
+              <p:nvPr/>
+            </p:nvSpPr>
+            <p:spPr>
+              <a:xfrm>
+                <a:off x="3814839" y="3842611"/>
+                <a:ext cx="367986" cy="375552"/>
+              </a:xfrm>
+              <a:prstGeom prst="rect">
+                <a:avLst/>
+              </a:prstGeom>
+            </p:spPr>
+            <p:style>
+              <a:lnRef idx="2">
+                <a:schemeClr val="dk1"/>
+              </a:lnRef>
+              <a:fillRef idx="1">
+                <a:schemeClr val="lt1"/>
+              </a:fillRef>
+              <a:effectRef idx="0">
+                <a:schemeClr val="dk1"/>
+              </a:effectRef>
+              <a:fontRef idx="minor">
+                <a:schemeClr val="dk1"/>
+              </a:fontRef>
+            </p:style>
+            <p:txBody>
+              <a:bodyPr wrap="square" rtlCol="0">
+                <a:spAutoFit/>
+              </a:bodyPr>
+              <a:lstStyle/>
+              <a:p>
+                <a:pPr/>
+                <a14:m>
+                  <m:oMathPara xmlns:m="http://schemas.openxmlformats.org/officeDocument/2006/math">
+                    <m:oMathParaPr>
+                      <m:jc m:val="centerGroup"/>
+                    </m:oMathParaPr>
+                    <m:oMath xmlns:m="http://schemas.openxmlformats.org/officeDocument/2006/math">
+                      <m:sSup>
+                        <m:sSupPr>
+                          <m:ctrlPr>
+                            <a:rPr lang="en-US" b="1" i="1" smtClean="0">
+                              <a:latin typeface="Cambria Math" panose="02040503050406030204" pitchFamily="18" charset="0"/>
+                            </a:rPr>
+                          </m:ctrlPr>
+                        </m:sSupPr>
+                        <m:e>
+                          <m:r>
+                            <a:rPr lang="en-US" b="1" i="1" smtClean="0">
+                              <a:latin typeface="Cambria Math" panose="02040503050406030204" pitchFamily="18" charset="0"/>
+                            </a:rPr>
+                            <m:t>𝒍</m:t>
+                          </m:r>
+                        </m:e>
+                        <m:sup>
+                          <m:r>
+                            <a:rPr lang="en-US" b="1" i="1" smtClean="0">
+                              <a:latin typeface="Cambria Math" panose="02040503050406030204" pitchFamily="18" charset="0"/>
+                            </a:rPr>
+                            <m:t>𝟏</m:t>
+                          </m:r>
+                        </m:sup>
+                      </m:sSup>
+                    </m:oMath>
+                  </m:oMathPara>
+                </a14:m>
+                <a:endParaRPr lang="en-US" b="1" dirty="0"/>
+              </a:p>
+            </p:txBody>
+          </p:sp>
+        </mc:Choice>
+        <mc:Fallback xmlns="">
+          <p:sp>
+            <p:nvSpPr>
+              <p:cNvPr id="52" name="TextBox 51">
+                <a:extLst>
+                  <a:ext uri="{FF2B5EF4-FFF2-40B4-BE49-F238E27FC236}">
+                    <a16:creationId xmlns:a16="http://schemas.microsoft.com/office/drawing/2014/main" id="{05A70B64-722A-C677-8A01-FFFC6FC496B4}"/>
+                  </a:ext>
+                </a:extLst>
+              </p:cNvPr>
+              <p:cNvSpPr txBox="1">
+                <a:spLocks noRot="1" noChangeAspect="1" noMove="1" noResize="1" noEditPoints="1" noAdjustHandles="1" noChangeArrowheads="1" noChangeShapeType="1" noTextEdit="1"/>
+              </p:cNvSpPr>
+              <p:nvPr/>
+            </p:nvSpPr>
+            <p:spPr>
+              <a:xfrm>
+                <a:off x="3814839" y="3842611"/>
+                <a:ext cx="367986" cy="375552"/>
+              </a:xfrm>
+              <a:prstGeom prst="rect">
+                <a:avLst/>
+              </a:prstGeom>
+              <a:blipFill>
+                <a:blip r:embed="rId5"/>
+                <a:stretch>
+                  <a:fillRect/>
+                </a:stretch>
+              </a:blipFill>
+            </p:spPr>
+            <p:txBody>
+              <a:bodyPr/>
+              <a:lstStyle/>
+              <a:p>
+                <a:r>
+                  <a:rPr lang="en-US">
+                    <a:noFill/>
+                  </a:rPr>
+                  <a:t> </a:t>
+                </a:r>
+              </a:p>
+            </p:txBody>
+          </p:sp>
+        </mc:Fallback>
+      </mc:AlternateContent>
+      <mc:AlternateContent xmlns:mc="http://schemas.openxmlformats.org/markup-compatibility/2006" xmlns:a14="http://schemas.microsoft.com/office/drawing/2010/main">
+        <mc:Choice Requires="a14">
+          <p:sp>
+            <p:nvSpPr>
+              <p:cNvPr id="54" name="TextBox 53">
+                <a:extLst>
+                  <a:ext uri="{FF2B5EF4-FFF2-40B4-BE49-F238E27FC236}">
+                    <a16:creationId xmlns:a16="http://schemas.microsoft.com/office/drawing/2014/main" id="{5A54B5A6-A04B-ED56-78E2-ABB03640743F}"/>
+                  </a:ext>
+                </a:extLst>
+              </p:cNvPr>
+              <p:cNvSpPr txBox="1"/>
+              <p:nvPr/>
+            </p:nvSpPr>
+            <p:spPr>
+              <a:xfrm>
+                <a:off x="6096000" y="3842611"/>
+                <a:ext cx="367986" cy="375552"/>
+              </a:xfrm>
+              <a:prstGeom prst="rect">
+                <a:avLst/>
+              </a:prstGeom>
+            </p:spPr>
+            <p:style>
+              <a:lnRef idx="2">
+                <a:schemeClr val="dk1"/>
+              </a:lnRef>
+              <a:fillRef idx="1">
+                <a:schemeClr val="lt1"/>
+              </a:fillRef>
+              <a:effectRef idx="0">
+                <a:schemeClr val="dk1"/>
+              </a:effectRef>
+              <a:fontRef idx="minor">
+                <a:schemeClr val="dk1"/>
+              </a:fontRef>
+            </p:style>
+            <p:txBody>
+              <a:bodyPr wrap="square" rtlCol="0">
+                <a:spAutoFit/>
+              </a:bodyPr>
+              <a:lstStyle/>
+              <a:p>
+                <a:pPr/>
+                <a14:m>
+                  <m:oMathPara xmlns:m="http://schemas.openxmlformats.org/officeDocument/2006/math">
+                    <m:oMathParaPr>
+                      <m:jc m:val="centerGroup"/>
+                    </m:oMathParaPr>
+                    <m:oMath xmlns:m="http://schemas.openxmlformats.org/officeDocument/2006/math">
+                      <m:sSup>
+                        <m:sSupPr>
+                          <m:ctrlPr>
+                            <a:rPr lang="en-US" b="1" i="1" smtClean="0">
+                              <a:latin typeface="Cambria Math" panose="02040503050406030204" pitchFamily="18" charset="0"/>
+                            </a:rPr>
+                          </m:ctrlPr>
+                        </m:sSupPr>
+                        <m:e>
+                          <m:r>
+                            <a:rPr lang="en-US" b="1" i="1" smtClean="0">
+                              <a:latin typeface="Cambria Math" panose="02040503050406030204" pitchFamily="18" charset="0"/>
+                            </a:rPr>
+                            <m:t>𝒍</m:t>
+                          </m:r>
+                        </m:e>
+                        <m:sup>
+                          <m:r>
+                            <a:rPr lang="en-US" b="1" i="1" smtClean="0">
+                              <a:latin typeface="Cambria Math" panose="02040503050406030204" pitchFamily="18" charset="0"/>
+                            </a:rPr>
+                            <m:t>𝟐</m:t>
+                          </m:r>
+                        </m:sup>
+                      </m:sSup>
+                    </m:oMath>
+                  </m:oMathPara>
+                </a14:m>
+                <a:endParaRPr lang="en-US" b="1" dirty="0"/>
+              </a:p>
+            </p:txBody>
+          </p:sp>
+        </mc:Choice>
+        <mc:Fallback xmlns="">
+          <p:sp>
+            <p:nvSpPr>
+              <p:cNvPr id="54" name="TextBox 53">
+                <a:extLst>
+                  <a:ext uri="{FF2B5EF4-FFF2-40B4-BE49-F238E27FC236}">
+                    <a16:creationId xmlns:a16="http://schemas.microsoft.com/office/drawing/2014/main" id="{5A54B5A6-A04B-ED56-78E2-ABB03640743F}"/>
+                  </a:ext>
+                </a:extLst>
+              </p:cNvPr>
+              <p:cNvSpPr txBox="1">
+                <a:spLocks noRot="1" noChangeAspect="1" noMove="1" noResize="1" noEditPoints="1" noAdjustHandles="1" noChangeArrowheads="1" noChangeShapeType="1" noTextEdit="1"/>
+              </p:cNvSpPr>
+              <p:nvPr/>
+            </p:nvSpPr>
+            <p:spPr>
+              <a:xfrm>
+                <a:off x="6096000" y="3842611"/>
+                <a:ext cx="367986" cy="375552"/>
+              </a:xfrm>
+              <a:prstGeom prst="rect">
+                <a:avLst/>
+              </a:prstGeom>
+              <a:blipFill>
+                <a:blip r:embed="rId6"/>
+                <a:stretch>
+                  <a:fillRect/>
+                </a:stretch>
+              </a:blipFill>
+            </p:spPr>
+            <p:txBody>
+              <a:bodyPr/>
+              <a:lstStyle/>
+              <a:p>
+                <a:r>
+                  <a:rPr lang="en-US">
+                    <a:noFill/>
+                  </a:rPr>
+                  <a:t> </a:t>
+                </a:r>
+              </a:p>
+            </p:txBody>
+          </p:sp>
+        </mc:Fallback>
+      </mc:AlternateContent>
+      <mc:AlternateContent xmlns:mc="http://schemas.openxmlformats.org/markup-compatibility/2006" xmlns:a14="http://schemas.microsoft.com/office/drawing/2010/main">
+        <mc:Choice Requires="a14">
+          <p:sp>
+            <p:nvSpPr>
+              <p:cNvPr id="55" name="TextBox 54">
+                <a:extLst>
+                  <a:ext uri="{FF2B5EF4-FFF2-40B4-BE49-F238E27FC236}">
+                    <a16:creationId xmlns:a16="http://schemas.microsoft.com/office/drawing/2014/main" id="{F65892C8-398B-6290-789E-AB47515E07E7}"/>
+                  </a:ext>
+                </a:extLst>
+              </p:cNvPr>
+              <p:cNvSpPr txBox="1"/>
+              <p:nvPr/>
+            </p:nvSpPr>
+            <p:spPr>
+              <a:xfrm>
+                <a:off x="8377161" y="3842611"/>
+                <a:ext cx="367986" cy="375552"/>
+              </a:xfrm>
+              <a:prstGeom prst="rect">
+                <a:avLst/>
+              </a:prstGeom>
+            </p:spPr>
+            <p:style>
+              <a:lnRef idx="2">
+                <a:schemeClr val="dk1"/>
+              </a:lnRef>
+              <a:fillRef idx="1">
+                <a:schemeClr val="lt1"/>
+              </a:fillRef>
+              <a:effectRef idx="0">
+                <a:schemeClr val="dk1"/>
+              </a:effectRef>
+              <a:fontRef idx="minor">
+                <a:schemeClr val="dk1"/>
+              </a:fontRef>
+            </p:style>
+            <p:txBody>
+              <a:bodyPr wrap="square" rtlCol="0">
+                <a:spAutoFit/>
+              </a:bodyPr>
+              <a:lstStyle/>
+              <a:p>
+                <a:pPr/>
+                <a14:m>
+                  <m:oMathPara xmlns:m="http://schemas.openxmlformats.org/officeDocument/2006/math">
+                    <m:oMathParaPr>
+                      <m:jc m:val="centerGroup"/>
+                    </m:oMathParaPr>
+                    <m:oMath xmlns:m="http://schemas.openxmlformats.org/officeDocument/2006/math">
+                      <m:sSup>
+                        <m:sSupPr>
+                          <m:ctrlPr>
+                            <a:rPr lang="en-US" b="1" i="1" smtClean="0">
+                              <a:latin typeface="Cambria Math" panose="02040503050406030204" pitchFamily="18" charset="0"/>
+                            </a:rPr>
+                          </m:ctrlPr>
+                        </m:sSupPr>
+                        <m:e>
+                          <m:r>
+                            <a:rPr lang="en-US" b="1" i="1" smtClean="0">
+                              <a:latin typeface="Cambria Math" panose="02040503050406030204" pitchFamily="18" charset="0"/>
+                            </a:rPr>
+                            <m:t>𝒍</m:t>
+                          </m:r>
+                        </m:e>
+                        <m:sup>
+                          <m:r>
+                            <a:rPr lang="en-US" b="1" i="1" smtClean="0">
+                              <a:latin typeface="Cambria Math" panose="02040503050406030204" pitchFamily="18" charset="0"/>
+                            </a:rPr>
+                            <m:t>𝟑</m:t>
+                          </m:r>
+                        </m:sup>
+                      </m:sSup>
+                    </m:oMath>
+                  </m:oMathPara>
+                </a14:m>
+                <a:endParaRPr lang="en-US" b="1" dirty="0"/>
+              </a:p>
+            </p:txBody>
+          </p:sp>
+        </mc:Choice>
+        <mc:Fallback xmlns="">
+          <p:sp>
+            <p:nvSpPr>
+              <p:cNvPr id="55" name="TextBox 54">
+                <a:extLst>
+                  <a:ext uri="{FF2B5EF4-FFF2-40B4-BE49-F238E27FC236}">
+                    <a16:creationId xmlns:a16="http://schemas.microsoft.com/office/drawing/2014/main" id="{F65892C8-398B-6290-789E-AB47515E07E7}"/>
+                  </a:ext>
+                </a:extLst>
+              </p:cNvPr>
+              <p:cNvSpPr txBox="1">
+                <a:spLocks noRot="1" noChangeAspect="1" noMove="1" noResize="1" noEditPoints="1" noAdjustHandles="1" noChangeArrowheads="1" noChangeShapeType="1" noTextEdit="1"/>
+              </p:cNvSpPr>
+              <p:nvPr/>
+            </p:nvSpPr>
+            <p:spPr>
+              <a:xfrm>
+                <a:off x="8377161" y="3842611"/>
+                <a:ext cx="367986" cy="375552"/>
+              </a:xfrm>
+              <a:prstGeom prst="rect">
+                <a:avLst/>
+              </a:prstGeom>
+              <a:blipFill>
+                <a:blip r:embed="rId7"/>
+                <a:stretch>
+                  <a:fillRect/>
+                </a:stretch>
+              </a:blipFill>
+            </p:spPr>
+            <p:txBody>
+              <a:bodyPr/>
+              <a:lstStyle/>
+              <a:p>
+                <a:r>
+                  <a:rPr lang="en-US">
+                    <a:noFill/>
+                  </a:rPr>
+                  <a:t> </a:t>
+                </a:r>
+              </a:p>
+            </p:txBody>
+          </p:sp>
+        </mc:Fallback>
+      </mc:AlternateContent>
+      <p:cxnSp>
+        <p:nvCxnSpPr>
+          <p:cNvPr id="56" name="Straight Connector 55">
+            <a:extLst>
+              <a:ext uri="{FF2B5EF4-FFF2-40B4-BE49-F238E27FC236}">
+                <a16:creationId xmlns:a16="http://schemas.microsoft.com/office/drawing/2014/main" id="{12DD109F-4353-2A77-16F6-DE61C41F2667}"/>
+              </a:ext>
+            </a:extLst>
+          </p:cNvPr>
+          <p:cNvCxnSpPr>
+            <a:cxnSpLocks/>
+          </p:cNvCxnSpPr>
+          <p:nvPr/>
+        </p:nvCxnSpPr>
+        <p:spPr>
+          <a:xfrm>
+            <a:off x="1901664" y="4030387"/>
+            <a:ext cx="1913175" cy="0"/>
+          </a:xfrm>
+          <a:prstGeom prst="line">
+            <a:avLst/>
+          </a:prstGeom>
+          <a:ln w="76200">
+            <a:solidFill>
+              <a:schemeClr val="bg1">
+                <a:lumMod val="50000"/>
+              </a:schemeClr>
+            </a:solidFill>
+          </a:ln>
+        </p:spPr>
+        <p:style>
+          <a:lnRef idx="1">
+            <a:schemeClr val="dk1"/>
+          </a:lnRef>
+          <a:fillRef idx="0">
+            <a:schemeClr val="dk1"/>
+          </a:fillRef>
+          <a:effectRef idx="0">
+            <a:schemeClr val="dk1"/>
+          </a:effectRef>
+          <a:fontRef idx="minor">
+            <a:schemeClr val="tx1"/>
+          </a:fontRef>
+        </p:style>
+      </p:cxnSp>
+      <p:cxnSp>
+        <p:nvCxnSpPr>
+          <p:cNvPr id="58" name="Straight Connector 57">
+            <a:extLst>
+              <a:ext uri="{FF2B5EF4-FFF2-40B4-BE49-F238E27FC236}">
+                <a16:creationId xmlns:a16="http://schemas.microsoft.com/office/drawing/2014/main" id="{779BE504-EC02-7C48-F72F-2B08971B3829}"/>
+              </a:ext>
+            </a:extLst>
+          </p:cNvPr>
+          <p:cNvCxnSpPr>
+            <a:cxnSpLocks/>
+          </p:cNvCxnSpPr>
+          <p:nvPr/>
+        </p:nvCxnSpPr>
+        <p:spPr>
+          <a:xfrm>
+            <a:off x="4182825" y="4030387"/>
+            <a:ext cx="1913175" cy="0"/>
+          </a:xfrm>
+          <a:prstGeom prst="line">
+            <a:avLst/>
+          </a:prstGeom>
+          <a:ln w="76200">
+            <a:solidFill>
+              <a:schemeClr val="bg1">
+                <a:lumMod val="50000"/>
+              </a:schemeClr>
+            </a:solidFill>
+          </a:ln>
+        </p:spPr>
+        <p:style>
+          <a:lnRef idx="1">
+            <a:schemeClr val="dk1"/>
+          </a:lnRef>
+          <a:fillRef idx="0">
+            <a:schemeClr val="dk1"/>
+          </a:fillRef>
+          <a:effectRef idx="0">
+            <a:schemeClr val="dk1"/>
+          </a:effectRef>
+          <a:fontRef idx="minor">
+            <a:schemeClr val="tx1"/>
+          </a:fontRef>
+        </p:style>
+      </p:cxnSp>
+      <p:cxnSp>
+        <p:nvCxnSpPr>
+          <p:cNvPr id="59" name="Straight Connector 58">
+            <a:extLst>
+              <a:ext uri="{FF2B5EF4-FFF2-40B4-BE49-F238E27FC236}">
+                <a16:creationId xmlns:a16="http://schemas.microsoft.com/office/drawing/2014/main" id="{06801104-592E-166C-AB0F-E63EA15EEBAD}"/>
+              </a:ext>
+            </a:extLst>
+          </p:cNvPr>
+          <p:cNvCxnSpPr>
+            <a:cxnSpLocks/>
+          </p:cNvCxnSpPr>
+          <p:nvPr/>
+        </p:nvCxnSpPr>
+        <p:spPr>
+          <a:xfrm>
+            <a:off x="6463986" y="4030387"/>
+            <a:ext cx="1913175" cy="0"/>
+          </a:xfrm>
+          <a:prstGeom prst="line">
+            <a:avLst/>
+          </a:prstGeom>
+          <a:ln w="76200">
+            <a:solidFill>
+              <a:schemeClr val="bg1">
+                <a:lumMod val="50000"/>
+              </a:schemeClr>
+            </a:solidFill>
+          </a:ln>
+        </p:spPr>
+        <p:style>
+          <a:lnRef idx="1">
+            <a:schemeClr val="dk1"/>
+          </a:lnRef>
+          <a:fillRef idx="0">
+            <a:schemeClr val="dk1"/>
+          </a:fillRef>
+          <a:effectRef idx="0">
+            <a:schemeClr val="dk1"/>
+          </a:effectRef>
+          <a:fontRef idx="minor">
+            <a:schemeClr val="tx1"/>
+          </a:fontRef>
+        </p:style>
+      </p:cxnSp>
+      <p:cxnSp>
+        <p:nvCxnSpPr>
+          <p:cNvPr id="60" name="Straight Connector 59">
+            <a:extLst>
+              <a:ext uri="{FF2B5EF4-FFF2-40B4-BE49-F238E27FC236}">
+                <a16:creationId xmlns:a16="http://schemas.microsoft.com/office/drawing/2014/main" id="{946D2720-435E-EBD6-0E1C-E2E39E28F08F}"/>
+              </a:ext>
+            </a:extLst>
+          </p:cNvPr>
+          <p:cNvCxnSpPr>
+            <a:cxnSpLocks/>
+          </p:cNvCxnSpPr>
+          <p:nvPr/>
+        </p:nvCxnSpPr>
+        <p:spPr>
+          <a:xfrm>
+            <a:off x="8745147" y="4030387"/>
+            <a:ext cx="1913175" cy="0"/>
+          </a:xfrm>
+          <a:prstGeom prst="line">
+            <a:avLst/>
+          </a:prstGeom>
+          <a:ln w="76200">
+            <a:solidFill>
+              <a:schemeClr val="bg1">
+                <a:lumMod val="50000"/>
+              </a:schemeClr>
+            </a:solidFill>
+          </a:ln>
+        </p:spPr>
+        <p:style>
+          <a:lnRef idx="1">
+            <a:schemeClr val="dk1"/>
+          </a:lnRef>
+          <a:fillRef idx="0">
+            <a:schemeClr val="dk1"/>
+          </a:fillRef>
+          <a:effectRef idx="0">
+            <a:schemeClr val="dk1"/>
+          </a:effectRef>
+          <a:fontRef idx="minor">
+            <a:schemeClr val="tx1"/>
+          </a:fontRef>
+        </p:style>
+      </p:cxnSp>
+      <mc:AlternateContent xmlns:mc="http://schemas.openxmlformats.org/markup-compatibility/2006" xmlns:a14="http://schemas.microsoft.com/office/drawing/2010/main">
+        <mc:Choice Requires="a14">
+          <p:sp>
+            <p:nvSpPr>
+              <p:cNvPr id="67" name="TextBox 66">
+                <a:extLst>
+                  <a:ext uri="{FF2B5EF4-FFF2-40B4-BE49-F238E27FC236}">
+                    <a16:creationId xmlns:a16="http://schemas.microsoft.com/office/drawing/2014/main" id="{3556F4A3-7CB0-7F63-4152-A023F9D17CDC}"/>
+                  </a:ext>
+                </a:extLst>
+              </p:cNvPr>
+              <p:cNvSpPr txBox="1"/>
+              <p:nvPr/>
+            </p:nvSpPr>
+            <p:spPr>
+              <a:xfrm>
+                <a:off x="2488631" y="3842611"/>
+                <a:ext cx="739241" cy="375552"/>
+              </a:xfrm>
+              <a:prstGeom prst="rect">
+                <a:avLst/>
+              </a:prstGeom>
+              <a:solidFill>
+                <a:schemeClr val="bg1">
+                  <a:alpha val="50000"/>
+                </a:schemeClr>
+              </a:solidFill>
+            </p:spPr>
+            <p:txBody>
+              <a:bodyPr wrap="none" rtlCol="0">
+                <a:spAutoFit/>
+              </a:bodyPr>
+              <a:lstStyle/>
+              <a:p>
+                <a:pPr/>
+                <a14:m>
+                  <m:oMathPara xmlns:m="http://schemas.openxmlformats.org/officeDocument/2006/math">
+                    <m:oMathParaPr>
+                      <m:jc m:val="centerGroup"/>
+                    </m:oMathParaPr>
+                    <m:oMath xmlns:m="http://schemas.openxmlformats.org/officeDocument/2006/math">
+                      <m:r>
+                        <a:rPr lang="en-US" b="1" i="1" smtClean="0">
+                          <a:latin typeface="Cambria Math" panose="02040503050406030204" pitchFamily="18" charset="0"/>
+                        </a:rPr>
+                        <m:t>∗</m:t>
+                      </m:r>
+                      <m:sSup>
+                        <m:sSupPr>
+                          <m:ctrlPr>
+                            <a:rPr lang="en-US" b="1" i="1" smtClean="0">
+                              <a:latin typeface="Cambria Math" panose="02040503050406030204" pitchFamily="18" charset="0"/>
+                            </a:rPr>
+                          </m:ctrlPr>
+                        </m:sSupPr>
+                        <m:e>
+                          <m:r>
+                            <a:rPr lang="en-US" b="1" i="1" smtClean="0">
+                              <a:latin typeface="Cambria Math" panose="02040503050406030204" pitchFamily="18" charset="0"/>
+                            </a:rPr>
+                            <m:t>𝑾</m:t>
+                          </m:r>
+                        </m:e>
+                        <m:sup>
+                          <m:r>
+                            <a:rPr lang="en-US" b="1" i="1" smtClean="0">
+                              <a:latin typeface="Cambria Math" panose="02040503050406030204" pitchFamily="18" charset="0"/>
+                            </a:rPr>
+                            <m:t>𝟏</m:t>
+                          </m:r>
+                        </m:sup>
+                      </m:sSup>
+                    </m:oMath>
+                  </m:oMathPara>
+                </a14:m>
+                <a:endParaRPr lang="en-US" b="1" dirty="0"/>
+              </a:p>
+            </p:txBody>
+          </p:sp>
+        </mc:Choice>
+        <mc:Fallback xmlns="">
+          <p:sp>
+            <p:nvSpPr>
+              <p:cNvPr id="67" name="TextBox 66">
+                <a:extLst>
+                  <a:ext uri="{FF2B5EF4-FFF2-40B4-BE49-F238E27FC236}">
+                    <a16:creationId xmlns:a16="http://schemas.microsoft.com/office/drawing/2014/main" id="{3556F4A3-7CB0-7F63-4152-A023F9D17CDC}"/>
+                  </a:ext>
+                </a:extLst>
+              </p:cNvPr>
+              <p:cNvSpPr txBox="1">
+                <a:spLocks noRot="1" noChangeAspect="1" noMove="1" noResize="1" noEditPoints="1" noAdjustHandles="1" noChangeArrowheads="1" noChangeShapeType="1" noTextEdit="1"/>
+              </p:cNvSpPr>
+              <p:nvPr/>
+            </p:nvSpPr>
+            <p:spPr>
+              <a:xfrm>
+                <a:off x="2488631" y="3842611"/>
+                <a:ext cx="739241" cy="375552"/>
+              </a:xfrm>
+              <a:prstGeom prst="rect">
+                <a:avLst/>
+              </a:prstGeom>
+              <a:blipFill>
+                <a:blip r:embed="rId8"/>
+                <a:stretch>
+                  <a:fillRect/>
+                </a:stretch>
+              </a:blipFill>
+            </p:spPr>
+            <p:txBody>
+              <a:bodyPr/>
+              <a:lstStyle/>
+              <a:p>
+                <a:r>
+                  <a:rPr lang="en-US">
+                    <a:noFill/>
+                  </a:rPr>
+                  <a:t> </a:t>
+                </a:r>
+              </a:p>
+            </p:txBody>
+          </p:sp>
+        </mc:Fallback>
+      </mc:AlternateContent>
+      <mc:AlternateContent xmlns:mc="http://schemas.openxmlformats.org/markup-compatibility/2006" xmlns:a14="http://schemas.microsoft.com/office/drawing/2010/main">
+        <mc:Choice Requires="a14">
+          <p:sp>
+            <p:nvSpPr>
+              <p:cNvPr id="68" name="TextBox 67">
+                <a:extLst>
+                  <a:ext uri="{FF2B5EF4-FFF2-40B4-BE49-F238E27FC236}">
+                    <a16:creationId xmlns:a16="http://schemas.microsoft.com/office/drawing/2014/main" id="{549DA507-8482-C852-C01E-7BE11E39F744}"/>
+                  </a:ext>
+                </a:extLst>
+              </p:cNvPr>
+              <p:cNvSpPr txBox="1"/>
+              <p:nvPr/>
+            </p:nvSpPr>
+            <p:spPr>
+              <a:xfrm>
+                <a:off x="9332114" y="3842611"/>
+                <a:ext cx="739240" cy="374846"/>
+              </a:xfrm>
+              <a:prstGeom prst="rect">
+                <a:avLst/>
+              </a:prstGeom>
+              <a:solidFill>
+                <a:schemeClr val="bg1">
+                  <a:alpha val="50000"/>
+                </a:schemeClr>
+              </a:solidFill>
+            </p:spPr>
+            <p:txBody>
+              <a:bodyPr wrap="none" rtlCol="0">
+                <a:spAutoFit/>
+              </a:bodyPr>
+              <a:lstStyle/>
+              <a:p>
+                <a:pPr/>
+                <a14:m>
+                  <m:oMathPara xmlns:m="http://schemas.openxmlformats.org/officeDocument/2006/math">
+                    <m:oMathParaPr>
+                      <m:jc m:val="centerGroup"/>
+                    </m:oMathParaPr>
+                    <m:oMath xmlns:m="http://schemas.openxmlformats.org/officeDocument/2006/math">
+                      <m:r>
+                        <a:rPr lang="en-US" b="1" i="1" smtClean="0">
+                          <a:latin typeface="Cambria Math" panose="02040503050406030204" pitchFamily="18" charset="0"/>
+                        </a:rPr>
+                        <m:t>∗</m:t>
+                      </m:r>
+                      <m:sSup>
+                        <m:sSupPr>
+                          <m:ctrlPr>
+                            <a:rPr lang="en-US" b="1" i="1" smtClean="0">
+                              <a:latin typeface="Cambria Math" panose="02040503050406030204" pitchFamily="18" charset="0"/>
+                            </a:rPr>
+                          </m:ctrlPr>
+                        </m:sSupPr>
+                        <m:e>
+                          <m:r>
+                            <a:rPr lang="en-US" b="1" i="1" smtClean="0">
+                              <a:latin typeface="Cambria Math" panose="02040503050406030204" pitchFamily="18" charset="0"/>
+                            </a:rPr>
+                            <m:t>𝑾</m:t>
+                          </m:r>
+                        </m:e>
+                        <m:sup>
+                          <m:r>
+                            <a:rPr lang="en-US" b="1" i="1" smtClean="0">
+                              <a:latin typeface="Cambria Math" panose="02040503050406030204" pitchFamily="18" charset="0"/>
+                            </a:rPr>
+                            <m:t>𝟒</m:t>
+                          </m:r>
+                        </m:sup>
+                      </m:sSup>
+                    </m:oMath>
+                  </m:oMathPara>
+                </a14:m>
+                <a:endParaRPr lang="en-US" b="1" dirty="0"/>
+              </a:p>
+            </p:txBody>
+          </p:sp>
+        </mc:Choice>
+        <mc:Fallback xmlns="">
+          <p:sp>
+            <p:nvSpPr>
+              <p:cNvPr id="68" name="TextBox 67">
+                <a:extLst>
+                  <a:ext uri="{FF2B5EF4-FFF2-40B4-BE49-F238E27FC236}">
+                    <a16:creationId xmlns:a16="http://schemas.microsoft.com/office/drawing/2014/main" id="{549DA507-8482-C852-C01E-7BE11E39F744}"/>
+                  </a:ext>
+                </a:extLst>
+              </p:cNvPr>
+              <p:cNvSpPr txBox="1">
+                <a:spLocks noRot="1" noChangeAspect="1" noMove="1" noResize="1" noEditPoints="1" noAdjustHandles="1" noChangeArrowheads="1" noChangeShapeType="1" noTextEdit="1"/>
+              </p:cNvSpPr>
+              <p:nvPr/>
+            </p:nvSpPr>
+            <p:spPr>
+              <a:xfrm>
+                <a:off x="9332114" y="3842611"/>
+                <a:ext cx="739240" cy="374846"/>
+              </a:xfrm>
+              <a:prstGeom prst="rect">
+                <a:avLst/>
+              </a:prstGeom>
+              <a:blipFill>
+                <a:blip r:embed="rId9"/>
+                <a:stretch>
+                  <a:fillRect/>
+                </a:stretch>
+              </a:blipFill>
+            </p:spPr>
+            <p:txBody>
+              <a:bodyPr/>
+              <a:lstStyle/>
+              <a:p>
+                <a:r>
+                  <a:rPr lang="en-US">
+                    <a:noFill/>
+                  </a:rPr>
+                  <a:t> </a:t>
+                </a:r>
+              </a:p>
+            </p:txBody>
+          </p:sp>
+        </mc:Fallback>
+      </mc:AlternateContent>
+      <mc:AlternateContent xmlns:mc="http://schemas.openxmlformats.org/markup-compatibility/2006" xmlns:a14="http://schemas.microsoft.com/office/drawing/2010/main">
+        <mc:Choice Requires="a14">
+          <p:sp>
+            <p:nvSpPr>
+              <p:cNvPr id="69" name="TextBox 68">
+                <a:extLst>
+                  <a:ext uri="{FF2B5EF4-FFF2-40B4-BE49-F238E27FC236}">
+                    <a16:creationId xmlns:a16="http://schemas.microsoft.com/office/drawing/2014/main" id="{23D58FC7-86C4-FAE1-1ED2-79B9A14C832D}"/>
+                  </a:ext>
+                </a:extLst>
+              </p:cNvPr>
+              <p:cNvSpPr txBox="1"/>
+              <p:nvPr/>
+            </p:nvSpPr>
+            <p:spPr>
+              <a:xfrm>
+                <a:off x="7050953" y="3842611"/>
+                <a:ext cx="739240" cy="375552"/>
+              </a:xfrm>
+              <a:prstGeom prst="rect">
+                <a:avLst/>
+              </a:prstGeom>
+              <a:solidFill>
+                <a:schemeClr val="bg1">
+                  <a:alpha val="50000"/>
+                </a:schemeClr>
+              </a:solidFill>
+            </p:spPr>
+            <p:txBody>
+              <a:bodyPr wrap="none" rtlCol="0">
+                <a:spAutoFit/>
+              </a:bodyPr>
+              <a:lstStyle/>
+              <a:p>
+                <a:pPr/>
+                <a14:m>
+                  <m:oMathPara xmlns:m="http://schemas.openxmlformats.org/officeDocument/2006/math">
+                    <m:oMathParaPr>
+                      <m:jc m:val="centerGroup"/>
+                    </m:oMathParaPr>
+                    <m:oMath xmlns:m="http://schemas.openxmlformats.org/officeDocument/2006/math">
+                      <m:r>
+                        <a:rPr lang="en-US" b="1" i="1" smtClean="0">
+                          <a:latin typeface="Cambria Math" panose="02040503050406030204" pitchFamily="18" charset="0"/>
+                        </a:rPr>
+                        <m:t>∗</m:t>
+                      </m:r>
+                      <m:sSup>
+                        <m:sSupPr>
+                          <m:ctrlPr>
+                            <a:rPr lang="en-US" b="1" i="1" smtClean="0">
+                              <a:latin typeface="Cambria Math" panose="02040503050406030204" pitchFamily="18" charset="0"/>
+                            </a:rPr>
+                          </m:ctrlPr>
+                        </m:sSupPr>
+                        <m:e>
+                          <m:r>
+                            <a:rPr lang="en-US" b="1" i="1" smtClean="0">
+                              <a:latin typeface="Cambria Math" panose="02040503050406030204" pitchFamily="18" charset="0"/>
+                            </a:rPr>
+                            <m:t>𝑾</m:t>
+                          </m:r>
+                        </m:e>
+                        <m:sup>
+                          <m:r>
+                            <a:rPr lang="en-US" b="1" i="1" smtClean="0">
+                              <a:latin typeface="Cambria Math" panose="02040503050406030204" pitchFamily="18" charset="0"/>
+                            </a:rPr>
+                            <m:t>𝟑</m:t>
+                          </m:r>
+                        </m:sup>
+                      </m:sSup>
+                    </m:oMath>
+                  </m:oMathPara>
+                </a14:m>
+                <a:endParaRPr lang="en-US" b="1" dirty="0"/>
+              </a:p>
+            </p:txBody>
+          </p:sp>
+        </mc:Choice>
+        <mc:Fallback xmlns="">
+          <p:sp>
+            <p:nvSpPr>
+              <p:cNvPr id="69" name="TextBox 68">
+                <a:extLst>
+                  <a:ext uri="{FF2B5EF4-FFF2-40B4-BE49-F238E27FC236}">
+                    <a16:creationId xmlns:a16="http://schemas.microsoft.com/office/drawing/2014/main" id="{23D58FC7-86C4-FAE1-1ED2-79B9A14C832D}"/>
+                  </a:ext>
+                </a:extLst>
+              </p:cNvPr>
+              <p:cNvSpPr txBox="1">
+                <a:spLocks noRot="1" noChangeAspect="1" noMove="1" noResize="1" noEditPoints="1" noAdjustHandles="1" noChangeArrowheads="1" noChangeShapeType="1" noTextEdit="1"/>
+              </p:cNvSpPr>
+              <p:nvPr/>
+            </p:nvSpPr>
+            <p:spPr>
+              <a:xfrm>
+                <a:off x="7050953" y="3842611"/>
+                <a:ext cx="739240" cy="375552"/>
+              </a:xfrm>
+              <a:prstGeom prst="rect">
+                <a:avLst/>
+              </a:prstGeom>
+              <a:blipFill>
+                <a:blip r:embed="rId10"/>
+                <a:stretch>
+                  <a:fillRect/>
+                </a:stretch>
+              </a:blipFill>
+            </p:spPr>
+            <p:txBody>
+              <a:bodyPr/>
+              <a:lstStyle/>
+              <a:p>
+                <a:r>
+                  <a:rPr lang="en-US">
+                    <a:noFill/>
+                  </a:rPr>
+                  <a:t> </a:t>
+                </a:r>
+              </a:p>
+            </p:txBody>
+          </p:sp>
+        </mc:Fallback>
+      </mc:AlternateContent>
+      <mc:AlternateContent xmlns:mc="http://schemas.openxmlformats.org/markup-compatibility/2006" xmlns:a14="http://schemas.microsoft.com/office/drawing/2010/main">
+        <mc:Choice Requires="a14">
+          <p:sp>
+            <p:nvSpPr>
+              <p:cNvPr id="70" name="TextBox 69">
+                <a:extLst>
+                  <a:ext uri="{FF2B5EF4-FFF2-40B4-BE49-F238E27FC236}">
+                    <a16:creationId xmlns:a16="http://schemas.microsoft.com/office/drawing/2014/main" id="{B16546CD-7584-62A6-9487-9316A38C3488}"/>
+                  </a:ext>
+                </a:extLst>
+              </p:cNvPr>
+              <p:cNvSpPr txBox="1"/>
+              <p:nvPr/>
+            </p:nvSpPr>
+            <p:spPr>
+              <a:xfrm>
+                <a:off x="4769792" y="3842611"/>
+                <a:ext cx="739241" cy="375552"/>
+              </a:xfrm>
+              <a:prstGeom prst="rect">
+                <a:avLst/>
+              </a:prstGeom>
+              <a:solidFill>
+                <a:schemeClr val="bg1">
+                  <a:alpha val="50000"/>
+                </a:schemeClr>
+              </a:solidFill>
+            </p:spPr>
+            <p:txBody>
+              <a:bodyPr wrap="none" rtlCol="0">
+                <a:spAutoFit/>
+              </a:bodyPr>
+              <a:lstStyle/>
+              <a:p>
+                <a:pPr/>
+                <a14:m>
+                  <m:oMathPara xmlns:m="http://schemas.openxmlformats.org/officeDocument/2006/math">
+                    <m:oMathParaPr>
+                      <m:jc m:val="centerGroup"/>
+                    </m:oMathParaPr>
+                    <m:oMath xmlns:m="http://schemas.openxmlformats.org/officeDocument/2006/math">
+                      <m:r>
+                        <a:rPr lang="en-US" b="1" i="1" smtClean="0">
+                          <a:latin typeface="Cambria Math" panose="02040503050406030204" pitchFamily="18" charset="0"/>
+                        </a:rPr>
+                        <m:t>∗</m:t>
+                      </m:r>
+                      <m:sSup>
+                        <m:sSupPr>
+                          <m:ctrlPr>
+                            <a:rPr lang="en-US" b="1" i="1" smtClean="0">
+                              <a:latin typeface="Cambria Math" panose="02040503050406030204" pitchFamily="18" charset="0"/>
+                            </a:rPr>
+                          </m:ctrlPr>
+                        </m:sSupPr>
+                        <m:e>
+                          <m:r>
+                            <a:rPr lang="en-US" b="1" i="1" smtClean="0">
+                              <a:latin typeface="Cambria Math" panose="02040503050406030204" pitchFamily="18" charset="0"/>
+                            </a:rPr>
+                            <m:t>𝑾</m:t>
+                          </m:r>
+                        </m:e>
+                        <m:sup>
+                          <m:r>
+                            <a:rPr lang="en-US" b="1" i="1" smtClean="0">
+                              <a:latin typeface="Cambria Math" panose="02040503050406030204" pitchFamily="18" charset="0"/>
+                            </a:rPr>
+                            <m:t>𝟐</m:t>
+                          </m:r>
+                        </m:sup>
+                      </m:sSup>
+                    </m:oMath>
+                  </m:oMathPara>
+                </a14:m>
+                <a:endParaRPr lang="en-US" b="1" dirty="0"/>
+              </a:p>
+            </p:txBody>
+          </p:sp>
+        </mc:Choice>
+        <mc:Fallback xmlns="">
+          <p:sp>
+            <p:nvSpPr>
+              <p:cNvPr id="70" name="TextBox 69">
+                <a:extLst>
+                  <a:ext uri="{FF2B5EF4-FFF2-40B4-BE49-F238E27FC236}">
+                    <a16:creationId xmlns:a16="http://schemas.microsoft.com/office/drawing/2014/main" id="{B16546CD-7584-62A6-9487-9316A38C3488}"/>
+                  </a:ext>
+                </a:extLst>
+              </p:cNvPr>
+              <p:cNvSpPr txBox="1">
+                <a:spLocks noRot="1" noChangeAspect="1" noMove="1" noResize="1" noEditPoints="1" noAdjustHandles="1" noChangeArrowheads="1" noChangeShapeType="1" noTextEdit="1"/>
+              </p:cNvSpPr>
+              <p:nvPr/>
+            </p:nvSpPr>
+            <p:spPr>
+              <a:xfrm>
+                <a:off x="4769792" y="3842611"/>
+                <a:ext cx="739241" cy="375552"/>
+              </a:xfrm>
+              <a:prstGeom prst="rect">
+                <a:avLst/>
+              </a:prstGeom>
+              <a:blipFill>
+                <a:blip r:embed="rId11"/>
+                <a:stretch>
+                  <a:fillRect/>
+                </a:stretch>
+              </a:blipFill>
+            </p:spPr>
+            <p:txBody>
+              <a:bodyPr/>
+              <a:lstStyle/>
+              <a:p>
+                <a:r>
+                  <a:rPr lang="en-US">
+                    <a:noFill/>
+                  </a:rPr>
+                  <a:t> </a:t>
+                </a:r>
+              </a:p>
+            </p:txBody>
+          </p:sp>
+        </mc:Fallback>
+      </mc:AlternateContent>
+      <mc:AlternateContent xmlns:mc="http://schemas.openxmlformats.org/markup-compatibility/2006" xmlns:a14="http://schemas.microsoft.com/office/drawing/2010/main">
+        <mc:Choice Requires="a14">
+          <p:sp>
+            <p:nvSpPr>
+              <p:cNvPr id="3" name="TextBox 2">
+                <a:extLst>
+                  <a:ext uri="{FF2B5EF4-FFF2-40B4-BE49-F238E27FC236}">
+                    <a16:creationId xmlns:a16="http://schemas.microsoft.com/office/drawing/2014/main" id="{9DBC6D1A-6E8E-08DF-340C-828513995090}"/>
+                  </a:ext>
+                </a:extLst>
+              </p:cNvPr>
+              <p:cNvSpPr txBox="1"/>
+              <p:nvPr/>
+            </p:nvSpPr>
+            <p:spPr>
+              <a:xfrm>
+                <a:off x="3668485" y="2827613"/>
+                <a:ext cx="660694" cy="375552"/>
+              </a:xfrm>
+              <a:prstGeom prst="rect">
+                <a:avLst/>
+              </a:prstGeom>
+              <a:solidFill>
+                <a:schemeClr val="bg1">
+                  <a:alpha val="50000"/>
+                </a:schemeClr>
+              </a:solidFill>
+            </p:spPr>
+            <p:txBody>
+              <a:bodyPr wrap="none" rtlCol="0">
+                <a:spAutoFit/>
+              </a:bodyPr>
+              <a:lstStyle/>
+              <a:p>
+                <a:pPr/>
+                <a14:m>
+                  <m:oMathPara xmlns:m="http://schemas.openxmlformats.org/officeDocument/2006/math">
+                    <m:oMathParaPr>
+                      <m:jc m:val="centerGroup"/>
+                    </m:oMathParaPr>
+                    <m:oMath xmlns:m="http://schemas.openxmlformats.org/officeDocument/2006/math">
+                      <m:r>
+                        <a:rPr lang="en-US" b="1" i="1" smtClean="0">
+                          <a:latin typeface="Cambria Math" panose="02040503050406030204" pitchFamily="18" charset="0"/>
+                        </a:rPr>
+                        <m:t>+</m:t>
+                      </m:r>
+                      <m:sSup>
+                        <m:sSupPr>
+                          <m:ctrlPr>
+                            <a:rPr lang="en-US" b="1" i="1" smtClean="0">
+                              <a:latin typeface="Cambria Math" panose="02040503050406030204" pitchFamily="18" charset="0"/>
+                            </a:rPr>
+                          </m:ctrlPr>
+                        </m:sSupPr>
+                        <m:e>
+                          <m:r>
+                            <a:rPr lang="en-US" b="1" i="1" smtClean="0">
+                              <a:latin typeface="Cambria Math" panose="02040503050406030204" pitchFamily="18" charset="0"/>
+                            </a:rPr>
+                            <m:t>𝒃</m:t>
+                          </m:r>
+                        </m:e>
+                        <m:sup>
+                          <m:r>
+                            <a:rPr lang="en-US" b="1" i="1" smtClean="0">
+                              <a:latin typeface="Cambria Math" panose="02040503050406030204" pitchFamily="18" charset="0"/>
+                            </a:rPr>
+                            <m:t>𝟏</m:t>
+                          </m:r>
+                        </m:sup>
+                      </m:sSup>
+                    </m:oMath>
+                  </m:oMathPara>
+                </a14:m>
+                <a:endParaRPr lang="en-US" b="1" dirty="0"/>
+              </a:p>
+            </p:txBody>
+          </p:sp>
+        </mc:Choice>
+        <mc:Fallback xmlns="">
+          <p:sp>
+            <p:nvSpPr>
+              <p:cNvPr id="3" name="TextBox 2">
+                <a:extLst>
+                  <a:ext uri="{FF2B5EF4-FFF2-40B4-BE49-F238E27FC236}">
+                    <a16:creationId xmlns:a16="http://schemas.microsoft.com/office/drawing/2014/main" id="{9DBC6D1A-6E8E-08DF-340C-828513995090}"/>
+                  </a:ext>
+                </a:extLst>
+              </p:cNvPr>
+              <p:cNvSpPr txBox="1">
+                <a:spLocks noRot="1" noChangeAspect="1" noMove="1" noResize="1" noEditPoints="1" noAdjustHandles="1" noChangeArrowheads="1" noChangeShapeType="1" noTextEdit="1"/>
+              </p:cNvSpPr>
+              <p:nvPr/>
+            </p:nvSpPr>
+            <p:spPr>
+              <a:xfrm>
+                <a:off x="3668485" y="2827613"/>
+                <a:ext cx="660694" cy="375552"/>
+              </a:xfrm>
+              <a:prstGeom prst="rect">
+                <a:avLst/>
+              </a:prstGeom>
+              <a:blipFill>
+                <a:blip r:embed="rId12"/>
+                <a:stretch>
+                  <a:fillRect/>
+                </a:stretch>
+              </a:blipFill>
+            </p:spPr>
+            <p:txBody>
+              <a:bodyPr/>
+              <a:lstStyle/>
+              <a:p>
+                <a:r>
+                  <a:rPr lang="en-US">
+                    <a:noFill/>
+                  </a:rPr>
+                  <a:t> </a:t>
+                </a:r>
+              </a:p>
+            </p:txBody>
+          </p:sp>
+        </mc:Fallback>
+      </mc:AlternateContent>
+      <mc:AlternateContent xmlns:mc="http://schemas.openxmlformats.org/markup-compatibility/2006" xmlns:a14="http://schemas.microsoft.com/office/drawing/2010/main">
+        <mc:Choice Requires="a14">
+          <p:sp>
+            <p:nvSpPr>
+              <p:cNvPr id="4" name="TextBox 3">
+                <a:extLst>
+                  <a:ext uri="{FF2B5EF4-FFF2-40B4-BE49-F238E27FC236}">
+                    <a16:creationId xmlns:a16="http://schemas.microsoft.com/office/drawing/2014/main" id="{745A9EC4-4327-E45A-8A5A-38DA06AC3974}"/>
+                  </a:ext>
+                </a:extLst>
+              </p:cNvPr>
+              <p:cNvSpPr txBox="1"/>
+              <p:nvPr/>
+            </p:nvSpPr>
+            <p:spPr>
+              <a:xfrm>
+                <a:off x="5949646" y="2809925"/>
+                <a:ext cx="660694" cy="375552"/>
+              </a:xfrm>
+              <a:prstGeom prst="rect">
+                <a:avLst/>
+              </a:prstGeom>
+              <a:solidFill>
+                <a:schemeClr val="bg1">
+                  <a:alpha val="50000"/>
+                </a:schemeClr>
+              </a:solidFill>
+            </p:spPr>
+            <p:txBody>
+              <a:bodyPr wrap="none" rtlCol="0">
+                <a:spAutoFit/>
+              </a:bodyPr>
+              <a:lstStyle/>
+              <a:p>
+                <a:pPr/>
+                <a14:m>
+                  <m:oMathPara xmlns:m="http://schemas.openxmlformats.org/officeDocument/2006/math">
+                    <m:oMathParaPr>
+                      <m:jc m:val="centerGroup"/>
+                    </m:oMathParaPr>
+                    <m:oMath xmlns:m="http://schemas.openxmlformats.org/officeDocument/2006/math">
+                      <m:r>
+                        <a:rPr lang="en-US" b="1" i="1" smtClean="0">
+                          <a:latin typeface="Cambria Math" panose="02040503050406030204" pitchFamily="18" charset="0"/>
+                        </a:rPr>
+                        <m:t>+</m:t>
+                      </m:r>
+                      <m:sSup>
+                        <m:sSupPr>
+                          <m:ctrlPr>
+                            <a:rPr lang="en-US" b="1" i="1" smtClean="0">
+                              <a:latin typeface="Cambria Math" panose="02040503050406030204" pitchFamily="18" charset="0"/>
+                            </a:rPr>
+                          </m:ctrlPr>
+                        </m:sSupPr>
+                        <m:e>
+                          <m:r>
+                            <a:rPr lang="en-US" b="1" i="1" smtClean="0">
+                              <a:latin typeface="Cambria Math" panose="02040503050406030204" pitchFamily="18" charset="0"/>
+                            </a:rPr>
+                            <m:t>𝒃</m:t>
+                          </m:r>
+                        </m:e>
+                        <m:sup>
+                          <m:r>
+                            <a:rPr lang="en-US" b="1" i="1" smtClean="0">
+                              <a:latin typeface="Cambria Math" panose="02040503050406030204" pitchFamily="18" charset="0"/>
+                            </a:rPr>
+                            <m:t>𝟐</m:t>
+                          </m:r>
+                        </m:sup>
+                      </m:sSup>
+                    </m:oMath>
+                  </m:oMathPara>
+                </a14:m>
+                <a:endParaRPr lang="en-US" b="1" dirty="0"/>
+              </a:p>
+            </p:txBody>
+          </p:sp>
+        </mc:Choice>
+        <mc:Fallback xmlns="">
+          <p:sp>
+            <p:nvSpPr>
+              <p:cNvPr id="4" name="TextBox 3">
+                <a:extLst>
+                  <a:ext uri="{FF2B5EF4-FFF2-40B4-BE49-F238E27FC236}">
+                    <a16:creationId xmlns:a16="http://schemas.microsoft.com/office/drawing/2014/main" id="{745A9EC4-4327-E45A-8A5A-38DA06AC3974}"/>
+                  </a:ext>
+                </a:extLst>
+              </p:cNvPr>
+              <p:cNvSpPr txBox="1">
+                <a:spLocks noRot="1" noChangeAspect="1" noMove="1" noResize="1" noEditPoints="1" noAdjustHandles="1" noChangeArrowheads="1" noChangeShapeType="1" noTextEdit="1"/>
+              </p:cNvSpPr>
+              <p:nvPr/>
+            </p:nvSpPr>
+            <p:spPr>
+              <a:xfrm>
+                <a:off x="5949646" y="2809925"/>
+                <a:ext cx="660694" cy="375552"/>
+              </a:xfrm>
+              <a:prstGeom prst="rect">
+                <a:avLst/>
+              </a:prstGeom>
+              <a:blipFill>
+                <a:blip r:embed="rId13"/>
+                <a:stretch>
+                  <a:fillRect/>
+                </a:stretch>
+              </a:blipFill>
+            </p:spPr>
+            <p:txBody>
+              <a:bodyPr/>
+              <a:lstStyle/>
+              <a:p>
+                <a:r>
+                  <a:rPr lang="en-US">
+                    <a:noFill/>
+                  </a:rPr>
+                  <a:t> </a:t>
+                </a:r>
+              </a:p>
+            </p:txBody>
+          </p:sp>
+        </mc:Fallback>
+      </mc:AlternateContent>
+      <mc:AlternateContent xmlns:mc="http://schemas.openxmlformats.org/markup-compatibility/2006" xmlns:a14="http://schemas.microsoft.com/office/drawing/2010/main">
+        <mc:Choice Requires="a14">
+          <p:sp>
+            <p:nvSpPr>
+              <p:cNvPr id="5" name="TextBox 4">
+                <a:extLst>
+                  <a:ext uri="{FF2B5EF4-FFF2-40B4-BE49-F238E27FC236}">
+                    <a16:creationId xmlns:a16="http://schemas.microsoft.com/office/drawing/2014/main" id="{B230F668-08B3-A9F1-CDF2-F431916F0491}"/>
+                  </a:ext>
+                </a:extLst>
+              </p:cNvPr>
+              <p:cNvSpPr txBox="1"/>
+              <p:nvPr/>
+            </p:nvSpPr>
+            <p:spPr>
+              <a:xfrm>
+                <a:off x="8230807" y="2827613"/>
+                <a:ext cx="660694" cy="375552"/>
+              </a:xfrm>
+              <a:prstGeom prst="rect">
+                <a:avLst/>
+              </a:prstGeom>
+              <a:solidFill>
+                <a:schemeClr val="bg1">
+                  <a:alpha val="50000"/>
+                </a:schemeClr>
+              </a:solidFill>
+            </p:spPr>
+            <p:txBody>
+              <a:bodyPr wrap="none" rtlCol="0">
+                <a:spAutoFit/>
+              </a:bodyPr>
+              <a:lstStyle/>
+              <a:p>
+                <a:pPr/>
+                <a14:m>
+                  <m:oMathPara xmlns:m="http://schemas.openxmlformats.org/officeDocument/2006/math">
+                    <m:oMathParaPr>
+                      <m:jc m:val="centerGroup"/>
+                    </m:oMathParaPr>
+                    <m:oMath xmlns:m="http://schemas.openxmlformats.org/officeDocument/2006/math">
+                      <m:r>
+                        <a:rPr lang="en-US" b="1" i="1" smtClean="0">
+                          <a:latin typeface="Cambria Math" panose="02040503050406030204" pitchFamily="18" charset="0"/>
+                        </a:rPr>
+                        <m:t>+</m:t>
+                      </m:r>
+                      <m:sSup>
+                        <m:sSupPr>
+                          <m:ctrlPr>
+                            <a:rPr lang="en-US" b="1" i="1" smtClean="0">
+                              <a:latin typeface="Cambria Math" panose="02040503050406030204" pitchFamily="18" charset="0"/>
+                            </a:rPr>
+                          </m:ctrlPr>
+                        </m:sSupPr>
+                        <m:e>
+                          <m:r>
+                            <a:rPr lang="en-US" b="1" i="1" smtClean="0">
+                              <a:latin typeface="Cambria Math" panose="02040503050406030204" pitchFamily="18" charset="0"/>
+                            </a:rPr>
+                            <m:t>𝒃</m:t>
+                          </m:r>
+                        </m:e>
+                        <m:sup>
+                          <m:r>
+                            <a:rPr lang="en-US" b="1" i="1" smtClean="0">
+                              <a:latin typeface="Cambria Math" panose="02040503050406030204" pitchFamily="18" charset="0"/>
+                            </a:rPr>
+                            <m:t>𝟑</m:t>
+                          </m:r>
+                        </m:sup>
+                      </m:sSup>
+                    </m:oMath>
+                  </m:oMathPara>
+                </a14:m>
+                <a:endParaRPr lang="en-US" b="1" dirty="0"/>
+              </a:p>
+            </p:txBody>
+          </p:sp>
+        </mc:Choice>
+        <mc:Fallback xmlns="">
+          <p:sp>
+            <p:nvSpPr>
+              <p:cNvPr id="5" name="TextBox 4">
+                <a:extLst>
+                  <a:ext uri="{FF2B5EF4-FFF2-40B4-BE49-F238E27FC236}">
+                    <a16:creationId xmlns:a16="http://schemas.microsoft.com/office/drawing/2014/main" id="{B230F668-08B3-A9F1-CDF2-F431916F0491}"/>
+                  </a:ext>
+                </a:extLst>
+              </p:cNvPr>
+              <p:cNvSpPr txBox="1">
+                <a:spLocks noRot="1" noChangeAspect="1" noMove="1" noResize="1" noEditPoints="1" noAdjustHandles="1" noChangeArrowheads="1" noChangeShapeType="1" noTextEdit="1"/>
+              </p:cNvSpPr>
+              <p:nvPr/>
+            </p:nvSpPr>
+            <p:spPr>
+              <a:xfrm>
+                <a:off x="8230807" y="2827613"/>
+                <a:ext cx="660694" cy="375552"/>
+              </a:xfrm>
+              <a:prstGeom prst="rect">
+                <a:avLst/>
+              </a:prstGeom>
+              <a:blipFill>
+                <a:blip r:embed="rId14"/>
+                <a:stretch>
+                  <a:fillRect/>
+                </a:stretch>
+              </a:blipFill>
+            </p:spPr>
+            <p:txBody>
+              <a:bodyPr/>
+              <a:lstStyle/>
+              <a:p>
+                <a:r>
+                  <a:rPr lang="en-US">
+                    <a:noFill/>
+                  </a:rPr>
+                  <a:t> </a:t>
+                </a:r>
+              </a:p>
+            </p:txBody>
+          </p:sp>
+        </mc:Fallback>
+      </mc:AlternateContent>
+      <p:cxnSp>
+        <p:nvCxnSpPr>
+          <p:cNvPr id="6" name="Straight Connector 5">
+            <a:extLst>
+              <a:ext uri="{FF2B5EF4-FFF2-40B4-BE49-F238E27FC236}">
+                <a16:creationId xmlns:a16="http://schemas.microsoft.com/office/drawing/2014/main" id="{E669F170-0BF9-11BF-17DD-075004EA907B}"/>
+              </a:ext>
+            </a:extLst>
+          </p:cNvPr>
+          <p:cNvCxnSpPr>
+            <a:cxnSpLocks/>
+            <a:stCxn id="3" idx="2"/>
+            <a:endCxn id="52" idx="0"/>
+          </p:cNvCxnSpPr>
+          <p:nvPr/>
+        </p:nvCxnSpPr>
+        <p:spPr>
+          <a:xfrm>
+            <a:off x="3998832" y="3203165"/>
+            <a:ext cx="0" cy="639446"/>
+          </a:xfrm>
+          <a:prstGeom prst="line">
+            <a:avLst/>
+          </a:prstGeom>
+          <a:ln w="76200">
+            <a:solidFill>
+              <a:schemeClr val="bg1">
+                <a:lumMod val="50000"/>
+              </a:schemeClr>
+            </a:solidFill>
+          </a:ln>
+        </p:spPr>
+        <p:style>
+          <a:lnRef idx="1">
+            <a:schemeClr val="dk1"/>
+          </a:lnRef>
+          <a:fillRef idx="0">
+            <a:schemeClr val="dk1"/>
+          </a:fillRef>
+          <a:effectRef idx="0">
+            <a:schemeClr val="dk1"/>
+          </a:effectRef>
+          <a:fontRef idx="minor">
+            <a:schemeClr val="tx1"/>
+          </a:fontRef>
+        </p:style>
+      </p:cxnSp>
+      <p:cxnSp>
+        <p:nvCxnSpPr>
+          <p:cNvPr id="9" name="Straight Connector 8">
+            <a:extLst>
+              <a:ext uri="{FF2B5EF4-FFF2-40B4-BE49-F238E27FC236}">
+                <a16:creationId xmlns:a16="http://schemas.microsoft.com/office/drawing/2014/main" id="{D42B4B67-6AEA-DFE3-573E-CDFA5C662F32}"/>
+              </a:ext>
+            </a:extLst>
+          </p:cNvPr>
+          <p:cNvCxnSpPr>
+            <a:cxnSpLocks/>
+            <a:stCxn id="4" idx="2"/>
+            <a:endCxn id="54" idx="0"/>
+          </p:cNvCxnSpPr>
+          <p:nvPr/>
+        </p:nvCxnSpPr>
+        <p:spPr>
+          <a:xfrm>
+            <a:off x="6279993" y="3185477"/>
+            <a:ext cx="0" cy="657134"/>
+          </a:xfrm>
+          <a:prstGeom prst="line">
+            <a:avLst/>
+          </a:prstGeom>
+          <a:ln w="76200">
+            <a:solidFill>
+              <a:schemeClr val="bg1">
+                <a:lumMod val="50000"/>
+              </a:schemeClr>
+            </a:solidFill>
+          </a:ln>
+        </p:spPr>
+        <p:style>
+          <a:lnRef idx="1">
+            <a:schemeClr val="dk1"/>
+          </a:lnRef>
+          <a:fillRef idx="0">
+            <a:schemeClr val="dk1"/>
+          </a:fillRef>
+          <a:effectRef idx="0">
+            <a:schemeClr val="dk1"/>
+          </a:effectRef>
+          <a:fontRef idx="minor">
+            <a:schemeClr val="tx1"/>
+          </a:fontRef>
+        </p:style>
+      </p:cxnSp>
+      <p:cxnSp>
+        <p:nvCxnSpPr>
+          <p:cNvPr id="12" name="Straight Connector 11">
+            <a:extLst>
+              <a:ext uri="{FF2B5EF4-FFF2-40B4-BE49-F238E27FC236}">
+                <a16:creationId xmlns:a16="http://schemas.microsoft.com/office/drawing/2014/main" id="{F4CE1853-7497-9DD5-96E6-6516A98EF31F}"/>
+              </a:ext>
+            </a:extLst>
+          </p:cNvPr>
+          <p:cNvCxnSpPr>
+            <a:cxnSpLocks/>
+            <a:stCxn id="5" idx="2"/>
+            <a:endCxn id="55" idx="0"/>
+          </p:cNvCxnSpPr>
+          <p:nvPr/>
+        </p:nvCxnSpPr>
+        <p:spPr>
+          <a:xfrm>
+            <a:off x="8561154" y="3203165"/>
+            <a:ext cx="0" cy="639446"/>
+          </a:xfrm>
+          <a:prstGeom prst="line">
+            <a:avLst/>
+          </a:prstGeom>
+          <a:ln w="76200">
+            <a:solidFill>
+              <a:schemeClr val="bg1">
+                <a:lumMod val="50000"/>
+              </a:schemeClr>
+            </a:solidFill>
+          </a:ln>
+        </p:spPr>
+        <p:style>
+          <a:lnRef idx="1">
+            <a:schemeClr val="dk1"/>
+          </a:lnRef>
+          <a:fillRef idx="0">
+            <a:schemeClr val="dk1"/>
+          </a:fillRef>
+          <a:effectRef idx="0">
+            <a:schemeClr val="dk1"/>
+          </a:effectRef>
+          <a:fontRef idx="minor">
+            <a:schemeClr val="tx1"/>
+          </a:fontRef>
+        </p:style>
+      </p:cxnSp>
+      <p:cxnSp>
+        <p:nvCxnSpPr>
+          <p:cNvPr id="22" name="Straight Arrow Connector 21">
+            <a:extLst>
+              <a:ext uri="{FF2B5EF4-FFF2-40B4-BE49-F238E27FC236}">
+                <a16:creationId xmlns:a16="http://schemas.microsoft.com/office/drawing/2014/main" id="{E89FF731-1E33-39D8-BFF5-9D73014517EC}"/>
+              </a:ext>
+            </a:extLst>
+          </p:cNvPr>
+          <p:cNvCxnSpPr>
+            <a:cxnSpLocks/>
+            <a:endCxn id="52" idx="2"/>
+          </p:cNvCxnSpPr>
+          <p:nvPr/>
+        </p:nvCxnSpPr>
+        <p:spPr>
+          <a:xfrm flipV="1">
+            <a:off x="3992033" y="4218163"/>
+            <a:ext cx="6799" cy="314326"/>
+          </a:xfrm>
+          <a:prstGeom prst="straightConnector1">
+            <a:avLst/>
+          </a:prstGeom>
+          <a:ln w="38100">
+            <a:solidFill>
+              <a:schemeClr val="tx1"/>
+            </a:solidFill>
+            <a:tailEnd type="triangle"/>
+          </a:ln>
+        </p:spPr>
+        <p:style>
+          <a:lnRef idx="1">
+            <a:schemeClr val="accent1"/>
+          </a:lnRef>
+          <a:fillRef idx="0">
+            <a:schemeClr val="accent1"/>
+          </a:fillRef>
+          <a:effectRef idx="0">
+            <a:schemeClr val="accent1"/>
+          </a:effectRef>
+          <a:fontRef idx="minor">
+            <a:schemeClr val="tx1"/>
+          </a:fontRef>
+        </p:style>
+      </p:cxnSp>
+      <p:cxnSp>
+        <p:nvCxnSpPr>
+          <p:cNvPr id="23" name="Straight Arrow Connector 22">
+            <a:extLst>
+              <a:ext uri="{FF2B5EF4-FFF2-40B4-BE49-F238E27FC236}">
+                <a16:creationId xmlns:a16="http://schemas.microsoft.com/office/drawing/2014/main" id="{F798B3D8-9E6E-45B6-DDB0-7D8F00FF462F}"/>
+              </a:ext>
+            </a:extLst>
+          </p:cNvPr>
+          <p:cNvCxnSpPr>
+            <a:cxnSpLocks/>
+            <a:stCxn id="11" idx="0"/>
+            <a:endCxn id="54" idx="2"/>
+          </p:cNvCxnSpPr>
+          <p:nvPr/>
+        </p:nvCxnSpPr>
+        <p:spPr>
+          <a:xfrm flipV="1">
+            <a:off x="6279993" y="4218163"/>
+            <a:ext cx="0" cy="315087"/>
+          </a:xfrm>
+          <a:prstGeom prst="straightConnector1">
+            <a:avLst/>
+          </a:prstGeom>
+          <a:ln w="38100">
+            <a:solidFill>
+              <a:schemeClr val="tx1"/>
+            </a:solidFill>
+            <a:tailEnd type="triangle"/>
+          </a:ln>
+        </p:spPr>
+        <p:style>
+          <a:lnRef idx="1">
+            <a:schemeClr val="accent1"/>
+          </a:lnRef>
+          <a:fillRef idx="0">
+            <a:schemeClr val="accent1"/>
+          </a:fillRef>
+          <a:effectRef idx="0">
+            <a:schemeClr val="accent1"/>
+          </a:effectRef>
+          <a:fontRef idx="minor">
+            <a:schemeClr val="tx1"/>
+          </a:fontRef>
+        </p:style>
+      </p:cxnSp>
+      <p:cxnSp>
+        <p:nvCxnSpPr>
+          <p:cNvPr id="24" name="Straight Arrow Connector 23">
+            <a:extLst>
+              <a:ext uri="{FF2B5EF4-FFF2-40B4-BE49-F238E27FC236}">
+                <a16:creationId xmlns:a16="http://schemas.microsoft.com/office/drawing/2014/main" id="{E5DD98CB-9A42-387F-8F00-94268C9BE759}"/>
+              </a:ext>
+            </a:extLst>
+          </p:cNvPr>
+          <p:cNvCxnSpPr>
+            <a:cxnSpLocks/>
+            <a:endCxn id="55" idx="2"/>
+          </p:cNvCxnSpPr>
+          <p:nvPr/>
+        </p:nvCxnSpPr>
+        <p:spPr>
+          <a:xfrm flipH="1" flipV="1">
+            <a:off x="8561154" y="4218163"/>
+            <a:ext cx="8883" cy="315087"/>
+          </a:xfrm>
+          <a:prstGeom prst="straightConnector1">
+            <a:avLst/>
+          </a:prstGeom>
+          <a:ln w="38100">
+            <a:solidFill>
+              <a:schemeClr val="tx1"/>
+            </a:solidFill>
+            <a:tailEnd type="triangle"/>
+          </a:ln>
+        </p:spPr>
+        <p:style>
+          <a:lnRef idx="1">
+            <a:schemeClr val="accent1"/>
+          </a:lnRef>
+          <a:fillRef idx="0">
+            <a:schemeClr val="accent1"/>
+          </a:fillRef>
+          <a:effectRef idx="0">
+            <a:schemeClr val="accent1"/>
+          </a:effectRef>
+          <a:fontRef idx="minor">
+            <a:schemeClr val="tx1"/>
+          </a:fontRef>
+        </p:style>
+      </p:cxnSp>
+      <p:cxnSp>
+        <p:nvCxnSpPr>
+          <p:cNvPr id="25" name="Straight Arrow Connector 24">
+            <a:extLst>
+              <a:ext uri="{FF2B5EF4-FFF2-40B4-BE49-F238E27FC236}">
+                <a16:creationId xmlns:a16="http://schemas.microsoft.com/office/drawing/2014/main" id="{1D9E4308-C8A4-9602-3941-059EC89486DF}"/>
+              </a:ext>
+            </a:extLst>
+          </p:cNvPr>
+          <p:cNvCxnSpPr>
+            <a:cxnSpLocks/>
+            <a:endCxn id="51" idx="2"/>
+          </p:cNvCxnSpPr>
+          <p:nvPr/>
+        </p:nvCxnSpPr>
+        <p:spPr>
+          <a:xfrm flipV="1">
+            <a:off x="10843437" y="4215053"/>
+            <a:ext cx="577" cy="317436"/>
+          </a:xfrm>
+          <a:prstGeom prst="straightConnector1">
+            <a:avLst/>
+          </a:prstGeom>
+          <a:ln w="38100">
+            <a:solidFill>
+              <a:schemeClr val="tx1"/>
+            </a:solidFill>
+            <a:tailEnd type="triangle"/>
+          </a:ln>
+        </p:spPr>
+        <p:style>
+          <a:lnRef idx="1">
+            <a:schemeClr val="accent1"/>
+          </a:lnRef>
+          <a:fillRef idx="0">
+            <a:schemeClr val="accent1"/>
+          </a:fillRef>
+          <a:effectRef idx="0">
+            <a:schemeClr val="accent1"/>
+          </a:effectRef>
+          <a:fontRef idx="minor">
+            <a:schemeClr val="tx1"/>
+          </a:fontRef>
+        </p:style>
+      </p:cxnSp>
+      <mc:AlternateContent xmlns:mc="http://schemas.openxmlformats.org/markup-compatibility/2006" xmlns:a14="http://schemas.microsoft.com/office/drawing/2010/main">
+        <mc:Choice Requires="a14">
+          <p:sp>
+            <p:nvSpPr>
+              <p:cNvPr id="7" name="TextBox 6">
+                <a:extLst>
+                  <a:ext uri="{FF2B5EF4-FFF2-40B4-BE49-F238E27FC236}">
+                    <a16:creationId xmlns:a16="http://schemas.microsoft.com/office/drawing/2014/main" id="{812B931E-9F79-003E-2825-95B79F231F41}"/>
+                  </a:ext>
+                </a:extLst>
+              </p:cNvPr>
+              <p:cNvSpPr txBox="1"/>
+              <p:nvPr/>
+            </p:nvSpPr>
+            <p:spPr>
+              <a:xfrm>
+                <a:off x="10097432" y="5168762"/>
+                <a:ext cx="1650002" cy="369332"/>
+              </a:xfrm>
+              <a:prstGeom prst="rect">
+                <a:avLst/>
+              </a:prstGeom>
+              <a:solidFill>
+                <a:schemeClr val="bg1">
+                  <a:alpha val="50000"/>
+                </a:schemeClr>
+              </a:solidFill>
+            </p:spPr>
+            <p:txBody>
+              <a:bodyPr wrap="none" rtlCol="0">
+                <a:spAutoFit/>
+              </a:bodyPr>
+              <a:lstStyle/>
+              <a:p>
+                <a:pPr/>
+                <a14:m>
+                  <m:oMathPara xmlns:m="http://schemas.openxmlformats.org/officeDocument/2006/math">
+                    <m:oMathParaPr>
+                      <m:jc m:val="centerGroup"/>
+                    </m:oMathParaPr>
+                    <m:oMath xmlns:m="http://schemas.openxmlformats.org/officeDocument/2006/math">
+                      <m:r>
+                        <a:rPr lang="en-US" b="0" i="1" smtClean="0">
+                          <a:solidFill>
+                            <a:schemeClr val="tx1"/>
+                          </a:solidFill>
+                          <a:latin typeface="Cambria Math" panose="02040503050406030204" pitchFamily="18" charset="0"/>
+                        </a:rPr>
+                        <m:t>𝑒</m:t>
+                      </m:r>
+                      <m:r>
+                        <a:rPr lang="en-US" b="0" i="1" smtClean="0">
+                          <a:solidFill>
+                            <a:schemeClr val="tx1"/>
+                          </a:solidFill>
+                          <a:latin typeface="Cambria Math" panose="02040503050406030204" pitchFamily="18" charset="0"/>
+                        </a:rPr>
+                        <m:t>=</m:t>
+                      </m:r>
+                      <m:sSup>
+                        <m:sSupPr>
+                          <m:ctrlPr>
+                            <a:rPr lang="en-US" b="0" i="1" smtClean="0">
+                              <a:solidFill>
+                                <a:schemeClr val="tx1"/>
+                              </a:solidFill>
+                              <a:latin typeface="Cambria Math" panose="02040503050406030204" pitchFamily="18" charset="0"/>
+                            </a:rPr>
+                          </m:ctrlPr>
+                        </m:sSupPr>
+                        <m:e>
+                          <m:d>
+                            <m:dPr>
+                              <m:ctrlPr>
+                                <a:rPr lang="en-US" b="0" i="1" smtClean="0">
+                                  <a:solidFill>
+                                    <a:schemeClr val="tx1"/>
+                                  </a:solidFill>
+                                  <a:latin typeface="Cambria Math" panose="02040503050406030204" pitchFamily="18" charset="0"/>
+                                </a:rPr>
+                              </m:ctrlPr>
+                            </m:dPr>
+                            <m:e>
+                              <m:r>
+                                <a:rPr lang="en-US" b="0" i="1" smtClean="0">
+                                  <a:solidFill>
+                                    <a:schemeClr val="tx1"/>
+                                  </a:solidFill>
+                                  <a:latin typeface="Cambria Math" panose="02040503050406030204" pitchFamily="18" charset="0"/>
+                                </a:rPr>
+                                <m:t> </m:t>
+                              </m:r>
+                              <m:r>
+                                <a:rPr lang="en-US" b="0" i="1" smtClean="0">
+                                  <a:solidFill>
+                                    <a:schemeClr val="tx1"/>
+                                  </a:solidFill>
+                                  <a:latin typeface="Cambria Math" panose="02040503050406030204" pitchFamily="18" charset="0"/>
+                                </a:rPr>
+                                <m:t>𝑦</m:t>
+                              </m:r>
+                              <m:r>
+                                <a:rPr lang="en-US" b="0" i="1" smtClean="0">
+                                  <a:solidFill>
+                                    <a:schemeClr val="tx1"/>
+                                  </a:solidFill>
+                                  <a:latin typeface="Cambria Math" panose="02040503050406030204" pitchFamily="18" charset="0"/>
+                                </a:rPr>
+                                <m:t>−</m:t>
+                              </m:r>
+                              <m:sSup>
+                                <m:sSupPr>
+                                  <m:ctrlPr>
+                                    <a:rPr lang="en-US" b="0" i="1" smtClean="0">
+                                      <a:solidFill>
+                                        <a:schemeClr val="tx1"/>
+                                      </a:solidFill>
+                                      <a:latin typeface="Cambria Math" panose="02040503050406030204" pitchFamily="18" charset="0"/>
+                                    </a:rPr>
+                                  </m:ctrlPr>
+                                </m:sSupPr>
+                                <m:e>
+                                  <m:r>
+                                    <a:rPr lang="en-US" b="0" i="1" smtClean="0">
+                                      <a:solidFill>
+                                        <a:schemeClr val="tx1"/>
+                                      </a:solidFill>
+                                      <a:latin typeface="Cambria Math" panose="02040503050406030204" pitchFamily="18" charset="0"/>
+                                    </a:rPr>
+                                    <m:t>𝑦</m:t>
+                                  </m:r>
+                                </m:e>
+                                <m:sup>
+                                  <m:r>
+                                    <a:rPr lang="en-US" b="0" i="1" smtClean="0">
+                                      <a:solidFill>
+                                        <a:schemeClr val="tx1"/>
+                                      </a:solidFill>
+                                      <a:latin typeface="Cambria Math" panose="02040503050406030204" pitchFamily="18" charset="0"/>
+                                    </a:rPr>
+                                    <m:t>∗</m:t>
+                                  </m:r>
+                                </m:sup>
+                              </m:sSup>
+                            </m:e>
+                          </m:d>
+                        </m:e>
+                        <m:sup>
+                          <m:r>
+                            <a:rPr lang="en-US" b="0" i="1" smtClean="0">
+                              <a:solidFill>
+                                <a:schemeClr val="tx1"/>
+                              </a:solidFill>
+                              <a:latin typeface="Cambria Math" panose="02040503050406030204" pitchFamily="18" charset="0"/>
+                            </a:rPr>
+                            <m:t>2</m:t>
+                          </m:r>
+                        </m:sup>
+                      </m:sSup>
+                    </m:oMath>
+                  </m:oMathPara>
+                </a14:m>
+                <a:endParaRPr lang="en-US" b="1" dirty="0">
+                  <a:solidFill>
+                    <a:schemeClr val="tx1"/>
+                  </a:solidFill>
+                </a:endParaRPr>
+              </a:p>
+            </p:txBody>
+          </p:sp>
+        </mc:Choice>
+        <mc:Fallback xmlns="">
+          <p:sp>
+            <p:nvSpPr>
+              <p:cNvPr id="7" name="TextBox 6">
+                <a:extLst>
+                  <a:ext uri="{FF2B5EF4-FFF2-40B4-BE49-F238E27FC236}">
+                    <a16:creationId xmlns:a16="http://schemas.microsoft.com/office/drawing/2014/main" id="{812B931E-9F79-003E-2825-95B79F231F41}"/>
+                  </a:ext>
+                </a:extLst>
+              </p:cNvPr>
+              <p:cNvSpPr txBox="1">
+                <a:spLocks noRot="1" noChangeAspect="1" noMove="1" noResize="1" noEditPoints="1" noAdjustHandles="1" noChangeArrowheads="1" noChangeShapeType="1" noTextEdit="1"/>
+              </p:cNvSpPr>
+              <p:nvPr/>
+            </p:nvSpPr>
+            <p:spPr>
+              <a:xfrm>
+                <a:off x="10097432" y="5168762"/>
+                <a:ext cx="1650002" cy="369332"/>
+              </a:xfrm>
+              <a:prstGeom prst="rect">
+                <a:avLst/>
+              </a:prstGeom>
+              <a:blipFill>
+                <a:blip r:embed="rId15"/>
+                <a:stretch>
+                  <a:fillRect b="-6667"/>
+                </a:stretch>
+              </a:blipFill>
+            </p:spPr>
+            <p:txBody>
+              <a:bodyPr/>
+              <a:lstStyle/>
+              <a:p>
+                <a:r>
+                  <a:rPr lang="en-US">
+                    <a:noFill/>
+                  </a:rPr>
+                  <a:t> </a:t>
+                </a:r>
+              </a:p>
+            </p:txBody>
+          </p:sp>
+        </mc:Fallback>
+      </mc:AlternateContent>
+      <mc:AlternateContent xmlns:mc="http://schemas.openxmlformats.org/markup-compatibility/2006" xmlns:a14="http://schemas.microsoft.com/office/drawing/2010/main">
+        <mc:Choice Requires="a14">
+          <p:sp>
+            <p:nvSpPr>
+              <p:cNvPr id="10" name="TextBox 9">
+                <a:extLst>
+                  <a:ext uri="{FF2B5EF4-FFF2-40B4-BE49-F238E27FC236}">
+                    <a16:creationId xmlns:a16="http://schemas.microsoft.com/office/drawing/2014/main" id="{391E168B-7EC8-3E60-1E3E-F4636A925285}"/>
+                  </a:ext>
+                </a:extLst>
+              </p:cNvPr>
+              <p:cNvSpPr txBox="1"/>
+              <p:nvPr/>
+            </p:nvSpPr>
+            <p:spPr>
+              <a:xfrm>
+                <a:off x="2965344" y="4532489"/>
+                <a:ext cx="2066976" cy="375552"/>
+              </a:xfrm>
+              <a:prstGeom prst="rect">
+                <a:avLst/>
+              </a:prstGeom>
+              <a:solidFill>
+                <a:schemeClr val="bg1">
+                  <a:alpha val="50000"/>
+                </a:schemeClr>
+              </a:solidFill>
+            </p:spPr>
+            <p:txBody>
+              <a:bodyPr wrap="none" rtlCol="0">
+                <a:spAutoFit/>
+              </a:bodyPr>
+              <a:lstStyle/>
+              <a:p>
+                <a:pPr/>
+                <a14:m>
+                  <m:oMathPara xmlns:m="http://schemas.openxmlformats.org/officeDocument/2006/math">
+                    <m:oMathParaPr>
+                      <m:jc m:val="centerGroup"/>
+                    </m:oMathParaPr>
+                    <m:oMath xmlns:m="http://schemas.openxmlformats.org/officeDocument/2006/math">
+                      <m:sSup>
+                        <m:sSupPr>
+                          <m:ctrlPr>
+                            <a:rPr lang="en-US" b="1" i="1" smtClean="0">
+                              <a:latin typeface="Cambria Math" panose="02040503050406030204" pitchFamily="18" charset="0"/>
+                            </a:rPr>
+                          </m:ctrlPr>
+                        </m:sSupPr>
+                        <m:e>
+                          <m:r>
+                            <a:rPr lang="en-US" b="1" i="1" smtClean="0">
+                              <a:latin typeface="Cambria Math" panose="02040503050406030204" pitchFamily="18" charset="0"/>
+                            </a:rPr>
+                            <m:t>𝒍</m:t>
+                          </m:r>
+                        </m:e>
+                        <m:sup>
+                          <m:r>
+                            <a:rPr lang="en-US" b="1" i="1" smtClean="0">
+                              <a:latin typeface="Cambria Math" panose="02040503050406030204" pitchFamily="18" charset="0"/>
+                            </a:rPr>
+                            <m:t>𝟏</m:t>
+                          </m:r>
+                        </m:sup>
+                      </m:sSup>
+                      <m:r>
+                        <a:rPr lang="en-US" b="1" i="1" smtClean="0">
+                          <a:latin typeface="Cambria Math" panose="02040503050406030204" pitchFamily="18" charset="0"/>
+                        </a:rPr>
+                        <m:t>=</m:t>
+                      </m:r>
+                      <m:r>
+                        <a:rPr lang="en-US" b="1" i="1" smtClean="0">
+                          <a:latin typeface="Cambria Math" panose="02040503050406030204" pitchFamily="18" charset="0"/>
+                        </a:rPr>
+                        <m:t>𝝈</m:t>
+                      </m:r>
+                      <m:r>
+                        <a:rPr lang="en-US" b="1" i="1" smtClean="0">
+                          <a:latin typeface="Cambria Math" panose="02040503050406030204" pitchFamily="18" charset="0"/>
+                        </a:rPr>
+                        <m:t>(</m:t>
+                      </m:r>
+                      <m:sSup>
+                        <m:sSupPr>
+                          <m:ctrlPr>
+                            <a:rPr lang="en-US" b="1" i="1" smtClean="0">
+                              <a:latin typeface="Cambria Math" panose="02040503050406030204" pitchFamily="18" charset="0"/>
+                            </a:rPr>
+                          </m:ctrlPr>
+                        </m:sSupPr>
+                        <m:e>
+                          <m:r>
+                            <a:rPr lang="en-US" b="1" i="1" smtClean="0">
+                              <a:latin typeface="Cambria Math" panose="02040503050406030204" pitchFamily="18" charset="0"/>
+                            </a:rPr>
+                            <m:t>𝑾</m:t>
+                          </m:r>
+                        </m:e>
+                        <m:sup>
+                          <m:r>
+                            <a:rPr lang="en-US" b="1" i="1" smtClean="0">
+                              <a:latin typeface="Cambria Math" panose="02040503050406030204" pitchFamily="18" charset="0"/>
+                            </a:rPr>
+                            <m:t>𝟏</m:t>
+                          </m:r>
+                        </m:sup>
+                      </m:sSup>
+                      <m:r>
+                        <a:rPr lang="en-US" b="0" i="1" smtClean="0">
+                          <a:latin typeface="Cambria Math" panose="02040503050406030204" pitchFamily="18" charset="0"/>
+                        </a:rPr>
+                        <m:t>𝑥</m:t>
+                      </m:r>
+                      <m:r>
+                        <a:rPr lang="en-US" b="1" i="1" smtClean="0">
+                          <a:latin typeface="Cambria Math" panose="02040503050406030204" pitchFamily="18" charset="0"/>
+                        </a:rPr>
+                        <m:t>+</m:t>
+                      </m:r>
+                      <m:sSup>
+                        <m:sSupPr>
+                          <m:ctrlPr>
+                            <a:rPr lang="en-US" b="1" i="1" smtClean="0">
+                              <a:latin typeface="Cambria Math" panose="02040503050406030204" pitchFamily="18" charset="0"/>
+                            </a:rPr>
+                          </m:ctrlPr>
+                        </m:sSupPr>
+                        <m:e>
+                          <m:r>
+                            <a:rPr lang="en-US" b="1" i="1" smtClean="0">
+                              <a:latin typeface="Cambria Math" panose="02040503050406030204" pitchFamily="18" charset="0"/>
+                            </a:rPr>
+                            <m:t>𝒃</m:t>
+                          </m:r>
+                        </m:e>
+                        <m:sup>
+                          <m:r>
+                            <a:rPr lang="en-US" b="1" i="1" smtClean="0">
+                              <a:latin typeface="Cambria Math" panose="02040503050406030204" pitchFamily="18" charset="0"/>
+                            </a:rPr>
+                            <m:t>𝟏</m:t>
+                          </m:r>
+                        </m:sup>
+                      </m:sSup>
+                      <m:r>
+                        <a:rPr lang="en-US" b="1" i="1" smtClean="0">
+                          <a:latin typeface="Cambria Math" panose="02040503050406030204" pitchFamily="18" charset="0"/>
+                        </a:rPr>
+                        <m:t>)</m:t>
+                      </m:r>
+                    </m:oMath>
+                  </m:oMathPara>
+                </a14:m>
+                <a:endParaRPr lang="en-US" b="1" dirty="0"/>
+              </a:p>
+            </p:txBody>
+          </p:sp>
+        </mc:Choice>
+        <mc:Fallback xmlns="">
+          <p:sp>
+            <p:nvSpPr>
+              <p:cNvPr id="10" name="TextBox 9">
+                <a:extLst>
+                  <a:ext uri="{FF2B5EF4-FFF2-40B4-BE49-F238E27FC236}">
+                    <a16:creationId xmlns:a16="http://schemas.microsoft.com/office/drawing/2014/main" id="{391E168B-7EC8-3E60-1E3E-F4636A925285}"/>
+                  </a:ext>
+                </a:extLst>
+              </p:cNvPr>
+              <p:cNvSpPr txBox="1">
+                <a:spLocks noRot="1" noChangeAspect="1" noMove="1" noResize="1" noEditPoints="1" noAdjustHandles="1" noChangeArrowheads="1" noChangeShapeType="1" noTextEdit="1"/>
+              </p:cNvSpPr>
+              <p:nvPr/>
+            </p:nvSpPr>
+            <p:spPr>
+              <a:xfrm>
+                <a:off x="2965344" y="4532489"/>
+                <a:ext cx="2066976" cy="375552"/>
+              </a:xfrm>
+              <a:prstGeom prst="rect">
+                <a:avLst/>
+              </a:prstGeom>
+              <a:blipFill>
+                <a:blip r:embed="rId16"/>
+                <a:stretch>
+                  <a:fillRect b="-13115"/>
+                </a:stretch>
+              </a:blipFill>
+            </p:spPr>
+            <p:txBody>
+              <a:bodyPr/>
+              <a:lstStyle/>
+              <a:p>
+                <a:r>
+                  <a:rPr lang="en-US">
+                    <a:noFill/>
+                  </a:rPr>
+                  <a:t> </a:t>
+                </a:r>
+              </a:p>
+            </p:txBody>
+          </p:sp>
+        </mc:Fallback>
+      </mc:AlternateContent>
+      <mc:AlternateContent xmlns:mc="http://schemas.openxmlformats.org/markup-compatibility/2006" xmlns:a14="http://schemas.microsoft.com/office/drawing/2010/main">
+        <mc:Choice Requires="a14">
+          <p:sp>
+            <p:nvSpPr>
+              <p:cNvPr id="11" name="TextBox 10">
+                <a:extLst>
+                  <a:ext uri="{FF2B5EF4-FFF2-40B4-BE49-F238E27FC236}">
+                    <a16:creationId xmlns:a16="http://schemas.microsoft.com/office/drawing/2014/main" id="{F4153E78-02FA-DADA-62BB-8538A917376C}"/>
+                  </a:ext>
+                </a:extLst>
+              </p:cNvPr>
+              <p:cNvSpPr txBox="1"/>
+              <p:nvPr/>
+            </p:nvSpPr>
+            <p:spPr>
+              <a:xfrm>
+                <a:off x="5205147" y="4533250"/>
+                <a:ext cx="2149691" cy="375552"/>
+              </a:xfrm>
+              <a:prstGeom prst="rect">
+                <a:avLst/>
+              </a:prstGeom>
+              <a:solidFill>
+                <a:schemeClr val="bg1">
+                  <a:alpha val="50000"/>
+                </a:schemeClr>
+              </a:solidFill>
+            </p:spPr>
+            <p:txBody>
+              <a:bodyPr wrap="none" rtlCol="0">
+                <a:spAutoFit/>
+              </a:bodyPr>
+              <a:lstStyle/>
+              <a:p>
+                <a:pPr/>
+                <a14:m>
+                  <m:oMathPara xmlns:m="http://schemas.openxmlformats.org/officeDocument/2006/math">
+                    <m:oMathParaPr>
+                      <m:jc m:val="centerGroup"/>
+                    </m:oMathParaPr>
+                    <m:oMath xmlns:m="http://schemas.openxmlformats.org/officeDocument/2006/math">
+                      <m:sSup>
+                        <m:sSupPr>
+                          <m:ctrlPr>
+                            <a:rPr lang="en-US" b="1" i="1" smtClean="0">
+                              <a:latin typeface="Cambria Math" panose="02040503050406030204" pitchFamily="18" charset="0"/>
+                            </a:rPr>
+                          </m:ctrlPr>
+                        </m:sSupPr>
+                        <m:e>
+                          <m:r>
+                            <a:rPr lang="en-US" b="1" i="1" smtClean="0">
+                              <a:latin typeface="Cambria Math" panose="02040503050406030204" pitchFamily="18" charset="0"/>
+                            </a:rPr>
+                            <m:t>𝒍</m:t>
+                          </m:r>
+                        </m:e>
+                        <m:sup>
+                          <m:r>
+                            <a:rPr lang="en-US" b="1" i="1" smtClean="0">
+                              <a:latin typeface="Cambria Math" panose="02040503050406030204" pitchFamily="18" charset="0"/>
+                            </a:rPr>
+                            <m:t>𝟐</m:t>
+                          </m:r>
+                        </m:sup>
+                      </m:sSup>
+                      <m:r>
+                        <a:rPr lang="en-US" b="1" i="1" smtClean="0">
+                          <a:latin typeface="Cambria Math" panose="02040503050406030204" pitchFamily="18" charset="0"/>
+                        </a:rPr>
+                        <m:t>=</m:t>
+                      </m:r>
+                      <m:r>
+                        <a:rPr lang="en-US" b="1" i="1" smtClean="0">
+                          <a:latin typeface="Cambria Math" panose="02040503050406030204" pitchFamily="18" charset="0"/>
+                        </a:rPr>
+                        <m:t>𝝈</m:t>
+                      </m:r>
+                      <m:r>
+                        <a:rPr lang="en-US" b="1" i="1" smtClean="0">
+                          <a:latin typeface="Cambria Math" panose="02040503050406030204" pitchFamily="18" charset="0"/>
+                        </a:rPr>
+                        <m:t>(</m:t>
+                      </m:r>
+                      <m:sSup>
+                        <m:sSupPr>
+                          <m:ctrlPr>
+                            <a:rPr lang="en-US" b="1" i="1" smtClean="0">
+                              <a:latin typeface="Cambria Math" panose="02040503050406030204" pitchFamily="18" charset="0"/>
+                            </a:rPr>
+                          </m:ctrlPr>
+                        </m:sSupPr>
+                        <m:e>
+                          <m:r>
+                            <a:rPr lang="en-US" b="1" i="1" smtClean="0">
+                              <a:latin typeface="Cambria Math" panose="02040503050406030204" pitchFamily="18" charset="0"/>
+                            </a:rPr>
+                            <m:t>𝑾</m:t>
+                          </m:r>
+                        </m:e>
+                        <m:sup>
+                          <m:r>
+                            <a:rPr lang="en-US" b="1" i="1" smtClean="0">
+                              <a:latin typeface="Cambria Math" panose="02040503050406030204" pitchFamily="18" charset="0"/>
+                            </a:rPr>
+                            <m:t>𝟐</m:t>
+                          </m:r>
+                        </m:sup>
+                      </m:sSup>
+                      <m:sSup>
+                        <m:sSupPr>
+                          <m:ctrlPr>
+                            <a:rPr lang="en-US" b="1" i="1" smtClean="0">
+                              <a:latin typeface="Cambria Math" panose="02040503050406030204" pitchFamily="18" charset="0"/>
+                            </a:rPr>
+                          </m:ctrlPr>
+                        </m:sSupPr>
+                        <m:e>
+                          <m:r>
+                            <a:rPr lang="en-US" b="1" i="1" smtClean="0">
+                              <a:latin typeface="Cambria Math" panose="02040503050406030204" pitchFamily="18" charset="0"/>
+                            </a:rPr>
+                            <m:t>𝒍</m:t>
+                          </m:r>
+                        </m:e>
+                        <m:sup>
+                          <m:r>
+                            <a:rPr lang="en-US" b="1" i="1" smtClean="0">
+                              <a:latin typeface="Cambria Math" panose="02040503050406030204" pitchFamily="18" charset="0"/>
+                            </a:rPr>
+                            <m:t>𝟏</m:t>
+                          </m:r>
+                        </m:sup>
+                      </m:sSup>
+                      <m:r>
+                        <a:rPr lang="en-US" b="1" i="1" smtClean="0">
+                          <a:latin typeface="Cambria Math" panose="02040503050406030204" pitchFamily="18" charset="0"/>
+                        </a:rPr>
+                        <m:t>+</m:t>
+                      </m:r>
+                      <m:sSup>
+                        <m:sSupPr>
+                          <m:ctrlPr>
+                            <a:rPr lang="en-US" b="1" i="1" smtClean="0">
+                              <a:latin typeface="Cambria Math" panose="02040503050406030204" pitchFamily="18" charset="0"/>
+                            </a:rPr>
+                          </m:ctrlPr>
+                        </m:sSupPr>
+                        <m:e>
+                          <m:r>
+                            <a:rPr lang="en-US" b="1" i="1" smtClean="0">
+                              <a:latin typeface="Cambria Math" panose="02040503050406030204" pitchFamily="18" charset="0"/>
+                            </a:rPr>
+                            <m:t>𝒃</m:t>
+                          </m:r>
+                        </m:e>
+                        <m:sup>
+                          <m:r>
+                            <a:rPr lang="en-US" b="1" i="1" smtClean="0">
+                              <a:latin typeface="Cambria Math" panose="02040503050406030204" pitchFamily="18" charset="0"/>
+                            </a:rPr>
+                            <m:t>𝟐</m:t>
+                          </m:r>
+                        </m:sup>
+                      </m:sSup>
+                      <m:r>
+                        <a:rPr lang="en-US" b="1" i="1" smtClean="0">
+                          <a:latin typeface="Cambria Math" panose="02040503050406030204" pitchFamily="18" charset="0"/>
+                        </a:rPr>
+                        <m:t>)</m:t>
+                      </m:r>
+                    </m:oMath>
+                  </m:oMathPara>
+                </a14:m>
+                <a:endParaRPr lang="en-US" dirty="0"/>
+              </a:p>
+            </p:txBody>
+          </p:sp>
+        </mc:Choice>
+        <mc:Fallback xmlns="">
+          <p:sp>
+            <p:nvSpPr>
+              <p:cNvPr id="11" name="TextBox 10">
+                <a:extLst>
+                  <a:ext uri="{FF2B5EF4-FFF2-40B4-BE49-F238E27FC236}">
+                    <a16:creationId xmlns:a16="http://schemas.microsoft.com/office/drawing/2014/main" id="{F4153E78-02FA-DADA-62BB-8538A917376C}"/>
+                  </a:ext>
+                </a:extLst>
+              </p:cNvPr>
+              <p:cNvSpPr txBox="1">
+                <a:spLocks noRot="1" noChangeAspect="1" noMove="1" noResize="1" noEditPoints="1" noAdjustHandles="1" noChangeArrowheads="1" noChangeShapeType="1" noTextEdit="1"/>
+              </p:cNvSpPr>
+              <p:nvPr/>
+            </p:nvSpPr>
+            <p:spPr>
+              <a:xfrm>
+                <a:off x="5205147" y="4533250"/>
+                <a:ext cx="2149691" cy="375552"/>
+              </a:xfrm>
+              <a:prstGeom prst="rect">
+                <a:avLst/>
+              </a:prstGeom>
+              <a:blipFill>
+                <a:blip r:embed="rId17"/>
+                <a:stretch>
+                  <a:fillRect b="-13115"/>
+                </a:stretch>
+              </a:blipFill>
+            </p:spPr>
+            <p:txBody>
+              <a:bodyPr/>
+              <a:lstStyle/>
+              <a:p>
+                <a:r>
+                  <a:rPr lang="en-US">
+                    <a:noFill/>
+                  </a:rPr>
+                  <a:t> </a:t>
+                </a:r>
+              </a:p>
+            </p:txBody>
+          </p:sp>
+        </mc:Fallback>
+      </mc:AlternateContent>
+      <mc:AlternateContent xmlns:mc="http://schemas.openxmlformats.org/markup-compatibility/2006" xmlns:a14="http://schemas.microsoft.com/office/drawing/2010/main">
+        <mc:Choice Requires="a14">
+          <p:sp>
+            <p:nvSpPr>
+              <p:cNvPr id="13" name="TextBox 12">
+                <a:extLst>
+                  <a:ext uri="{FF2B5EF4-FFF2-40B4-BE49-F238E27FC236}">
+                    <a16:creationId xmlns:a16="http://schemas.microsoft.com/office/drawing/2014/main" id="{C0E36010-E45D-C8BD-DB2D-A517A2B429D9}"/>
+                  </a:ext>
+                </a:extLst>
+              </p:cNvPr>
+              <p:cNvSpPr txBox="1"/>
+              <p:nvPr/>
+            </p:nvSpPr>
+            <p:spPr>
+              <a:xfrm>
+                <a:off x="7486307" y="4533250"/>
+                <a:ext cx="2149691" cy="375552"/>
+              </a:xfrm>
+              <a:prstGeom prst="rect">
+                <a:avLst/>
+              </a:prstGeom>
+              <a:solidFill>
+                <a:schemeClr val="bg1">
+                  <a:alpha val="50000"/>
+                </a:schemeClr>
+              </a:solidFill>
+            </p:spPr>
+            <p:txBody>
+              <a:bodyPr wrap="none" rtlCol="0">
+                <a:spAutoFit/>
+              </a:bodyPr>
+              <a:lstStyle/>
+              <a:p>
+                <a:pPr/>
+                <a14:m>
+                  <m:oMathPara xmlns:m="http://schemas.openxmlformats.org/officeDocument/2006/math">
+                    <m:oMathParaPr>
+                      <m:jc m:val="centerGroup"/>
+                    </m:oMathParaPr>
+                    <m:oMath xmlns:m="http://schemas.openxmlformats.org/officeDocument/2006/math">
+                      <m:sSup>
+                        <m:sSupPr>
+                          <m:ctrlPr>
+                            <a:rPr lang="en-US" b="1" i="1" smtClean="0">
+                              <a:latin typeface="Cambria Math" panose="02040503050406030204" pitchFamily="18" charset="0"/>
+                            </a:rPr>
+                          </m:ctrlPr>
+                        </m:sSupPr>
+                        <m:e>
+                          <m:r>
+                            <a:rPr lang="en-US" b="1" i="1" smtClean="0">
+                              <a:latin typeface="Cambria Math" panose="02040503050406030204" pitchFamily="18" charset="0"/>
+                            </a:rPr>
+                            <m:t>𝒍</m:t>
+                          </m:r>
+                        </m:e>
+                        <m:sup>
+                          <m:r>
+                            <a:rPr lang="en-US" b="1" i="1" smtClean="0">
+                              <a:latin typeface="Cambria Math" panose="02040503050406030204" pitchFamily="18" charset="0"/>
+                            </a:rPr>
+                            <m:t>𝟑</m:t>
+                          </m:r>
+                        </m:sup>
+                      </m:sSup>
+                      <m:r>
+                        <a:rPr lang="en-US" b="1" i="1" smtClean="0">
+                          <a:latin typeface="Cambria Math" panose="02040503050406030204" pitchFamily="18" charset="0"/>
+                        </a:rPr>
+                        <m:t>=</m:t>
+                      </m:r>
+                      <m:r>
+                        <a:rPr lang="en-US" b="1" i="1" smtClean="0">
+                          <a:latin typeface="Cambria Math" panose="02040503050406030204" pitchFamily="18" charset="0"/>
+                        </a:rPr>
+                        <m:t>𝝈</m:t>
+                      </m:r>
+                      <m:r>
+                        <a:rPr lang="en-US" b="1" i="1" smtClean="0">
+                          <a:latin typeface="Cambria Math" panose="02040503050406030204" pitchFamily="18" charset="0"/>
+                        </a:rPr>
+                        <m:t>(</m:t>
+                      </m:r>
+                      <m:sSup>
+                        <m:sSupPr>
+                          <m:ctrlPr>
+                            <a:rPr lang="en-US" b="1" i="1" smtClean="0">
+                              <a:latin typeface="Cambria Math" panose="02040503050406030204" pitchFamily="18" charset="0"/>
+                            </a:rPr>
+                          </m:ctrlPr>
+                        </m:sSupPr>
+                        <m:e>
+                          <m:r>
+                            <a:rPr lang="en-US" b="1" i="1" smtClean="0">
+                              <a:latin typeface="Cambria Math" panose="02040503050406030204" pitchFamily="18" charset="0"/>
+                            </a:rPr>
+                            <m:t>𝑾</m:t>
+                          </m:r>
+                        </m:e>
+                        <m:sup>
+                          <m:r>
+                            <a:rPr lang="en-US" b="1" i="1" smtClean="0">
+                              <a:latin typeface="Cambria Math" panose="02040503050406030204" pitchFamily="18" charset="0"/>
+                            </a:rPr>
+                            <m:t>𝟑</m:t>
+                          </m:r>
+                        </m:sup>
+                      </m:sSup>
+                      <m:sSup>
+                        <m:sSupPr>
+                          <m:ctrlPr>
+                            <a:rPr lang="en-US" b="1" i="1" smtClean="0">
+                              <a:latin typeface="Cambria Math" panose="02040503050406030204" pitchFamily="18" charset="0"/>
+                            </a:rPr>
+                          </m:ctrlPr>
+                        </m:sSupPr>
+                        <m:e>
+                          <m:r>
+                            <a:rPr lang="en-US" b="1" i="1" smtClean="0">
+                              <a:latin typeface="Cambria Math" panose="02040503050406030204" pitchFamily="18" charset="0"/>
+                            </a:rPr>
+                            <m:t>𝒍</m:t>
+                          </m:r>
+                        </m:e>
+                        <m:sup>
+                          <m:r>
+                            <a:rPr lang="en-US" b="1" i="1" smtClean="0">
+                              <a:latin typeface="Cambria Math" panose="02040503050406030204" pitchFamily="18" charset="0"/>
+                            </a:rPr>
+                            <m:t>𝟐</m:t>
+                          </m:r>
+                        </m:sup>
+                      </m:sSup>
+                      <m:r>
+                        <a:rPr lang="en-US" b="1" i="1" smtClean="0">
+                          <a:latin typeface="Cambria Math" panose="02040503050406030204" pitchFamily="18" charset="0"/>
+                        </a:rPr>
+                        <m:t>+</m:t>
+                      </m:r>
+                      <m:sSup>
+                        <m:sSupPr>
+                          <m:ctrlPr>
+                            <a:rPr lang="en-US" b="1" i="1" smtClean="0">
+                              <a:latin typeface="Cambria Math" panose="02040503050406030204" pitchFamily="18" charset="0"/>
+                            </a:rPr>
+                          </m:ctrlPr>
+                        </m:sSupPr>
+                        <m:e>
+                          <m:r>
+                            <a:rPr lang="en-US" b="1" i="1" smtClean="0">
+                              <a:latin typeface="Cambria Math" panose="02040503050406030204" pitchFamily="18" charset="0"/>
+                            </a:rPr>
+                            <m:t>𝒃</m:t>
+                          </m:r>
+                        </m:e>
+                        <m:sup>
+                          <m:r>
+                            <a:rPr lang="en-US" b="1" i="1" smtClean="0">
+                              <a:latin typeface="Cambria Math" panose="02040503050406030204" pitchFamily="18" charset="0"/>
+                            </a:rPr>
+                            <m:t>𝟑</m:t>
+                          </m:r>
+                        </m:sup>
+                      </m:sSup>
+                      <m:r>
+                        <a:rPr lang="en-US" b="1" i="1" smtClean="0">
+                          <a:latin typeface="Cambria Math" panose="02040503050406030204" pitchFamily="18" charset="0"/>
+                        </a:rPr>
+                        <m:t>)</m:t>
+                      </m:r>
+                    </m:oMath>
+                  </m:oMathPara>
+                </a14:m>
+                <a:endParaRPr lang="en-US" dirty="0"/>
+              </a:p>
+            </p:txBody>
+          </p:sp>
+        </mc:Choice>
+        <mc:Fallback xmlns="">
+          <p:sp>
+            <p:nvSpPr>
+              <p:cNvPr id="13" name="TextBox 12">
+                <a:extLst>
+                  <a:ext uri="{FF2B5EF4-FFF2-40B4-BE49-F238E27FC236}">
+                    <a16:creationId xmlns:a16="http://schemas.microsoft.com/office/drawing/2014/main" id="{C0E36010-E45D-C8BD-DB2D-A517A2B429D9}"/>
+                  </a:ext>
+                </a:extLst>
+              </p:cNvPr>
+              <p:cNvSpPr txBox="1">
+                <a:spLocks noRot="1" noChangeAspect="1" noMove="1" noResize="1" noEditPoints="1" noAdjustHandles="1" noChangeArrowheads="1" noChangeShapeType="1" noTextEdit="1"/>
+              </p:cNvSpPr>
+              <p:nvPr/>
+            </p:nvSpPr>
+            <p:spPr>
+              <a:xfrm>
+                <a:off x="7486307" y="4533250"/>
+                <a:ext cx="2149691" cy="375552"/>
+              </a:xfrm>
+              <a:prstGeom prst="rect">
+                <a:avLst/>
+              </a:prstGeom>
+              <a:blipFill>
+                <a:blip r:embed="rId18"/>
+                <a:stretch>
+                  <a:fillRect b="-13115"/>
+                </a:stretch>
+              </a:blipFill>
+            </p:spPr>
+            <p:txBody>
+              <a:bodyPr/>
+              <a:lstStyle/>
+              <a:p>
+                <a:r>
+                  <a:rPr lang="en-US">
+                    <a:noFill/>
+                  </a:rPr>
+                  <a:t> </a:t>
+                </a:r>
+              </a:p>
+            </p:txBody>
+          </p:sp>
+        </mc:Fallback>
+      </mc:AlternateContent>
+      <mc:AlternateContent xmlns:mc="http://schemas.openxmlformats.org/markup-compatibility/2006" xmlns:a14="http://schemas.microsoft.com/office/drawing/2010/main">
+        <mc:Choice Requires="a14">
+          <p:sp>
+            <p:nvSpPr>
+              <p:cNvPr id="14" name="TextBox 13">
+                <a:extLst>
+                  <a:ext uri="{FF2B5EF4-FFF2-40B4-BE49-F238E27FC236}">
+                    <a16:creationId xmlns:a16="http://schemas.microsoft.com/office/drawing/2014/main" id="{D4A4134A-21BF-8404-D247-2403983318FB}"/>
+                  </a:ext>
+                </a:extLst>
+              </p:cNvPr>
+              <p:cNvSpPr txBox="1"/>
+              <p:nvPr/>
+            </p:nvSpPr>
+            <p:spPr>
+              <a:xfrm>
+                <a:off x="9807125" y="4532489"/>
+                <a:ext cx="2070375" cy="375552"/>
+              </a:xfrm>
+              <a:prstGeom prst="rect">
+                <a:avLst/>
+              </a:prstGeom>
+              <a:solidFill>
+                <a:schemeClr val="bg1">
+                  <a:alpha val="50000"/>
+                </a:schemeClr>
+              </a:solidFill>
+            </p:spPr>
+            <p:txBody>
+              <a:bodyPr wrap="none" rtlCol="0">
+                <a:spAutoFit/>
+              </a:bodyPr>
+              <a:lstStyle/>
+              <a:p>
+                <a:pPr/>
+                <a14:m>
+                  <m:oMathPara xmlns:m="http://schemas.openxmlformats.org/officeDocument/2006/math">
+                    <m:oMathParaPr>
+                      <m:jc m:val="centerGroup"/>
+                    </m:oMathParaPr>
+                    <m:oMath xmlns:m="http://schemas.openxmlformats.org/officeDocument/2006/math">
+                      <m:r>
+                        <a:rPr lang="en-US" b="0" i="1" smtClean="0">
+                          <a:latin typeface="Cambria Math" panose="02040503050406030204" pitchFamily="18" charset="0"/>
+                        </a:rPr>
+                        <m:t>𝑦</m:t>
+                      </m:r>
+                      <m:r>
+                        <a:rPr lang="en-US" b="1" i="1" smtClean="0">
+                          <a:latin typeface="Cambria Math" panose="02040503050406030204" pitchFamily="18" charset="0"/>
+                        </a:rPr>
+                        <m:t>=</m:t>
+                      </m:r>
+                      <m:r>
+                        <a:rPr lang="en-US" b="1" i="1" smtClean="0">
+                          <a:latin typeface="Cambria Math" panose="02040503050406030204" pitchFamily="18" charset="0"/>
+                        </a:rPr>
+                        <m:t>𝝈</m:t>
+                      </m:r>
+                      <m:r>
+                        <a:rPr lang="en-US" b="1" i="1" smtClean="0">
+                          <a:latin typeface="Cambria Math" panose="02040503050406030204" pitchFamily="18" charset="0"/>
+                        </a:rPr>
+                        <m:t>(</m:t>
+                      </m:r>
+                      <m:sSup>
+                        <m:sSupPr>
+                          <m:ctrlPr>
+                            <a:rPr lang="en-US" b="1" i="1" smtClean="0">
+                              <a:latin typeface="Cambria Math" panose="02040503050406030204" pitchFamily="18" charset="0"/>
+                            </a:rPr>
+                          </m:ctrlPr>
+                        </m:sSupPr>
+                        <m:e>
+                          <m:r>
+                            <a:rPr lang="en-US" b="1" i="1" smtClean="0">
+                              <a:latin typeface="Cambria Math" panose="02040503050406030204" pitchFamily="18" charset="0"/>
+                            </a:rPr>
+                            <m:t>𝑾</m:t>
+                          </m:r>
+                        </m:e>
+                        <m:sup>
+                          <m:r>
+                            <a:rPr lang="en-US" b="1" i="1" smtClean="0">
+                              <a:latin typeface="Cambria Math" panose="02040503050406030204" pitchFamily="18" charset="0"/>
+                            </a:rPr>
+                            <m:t>𝟒</m:t>
+                          </m:r>
+                        </m:sup>
+                      </m:sSup>
+                      <m:sSup>
+                        <m:sSupPr>
+                          <m:ctrlPr>
+                            <a:rPr lang="en-US" b="1" i="1" smtClean="0">
+                              <a:latin typeface="Cambria Math" panose="02040503050406030204" pitchFamily="18" charset="0"/>
+                            </a:rPr>
+                          </m:ctrlPr>
+                        </m:sSupPr>
+                        <m:e>
+                          <m:r>
+                            <a:rPr lang="en-US" b="1" i="1" smtClean="0">
+                              <a:latin typeface="Cambria Math" panose="02040503050406030204" pitchFamily="18" charset="0"/>
+                            </a:rPr>
+                            <m:t>𝒍</m:t>
+                          </m:r>
+                        </m:e>
+                        <m:sup>
+                          <m:r>
+                            <a:rPr lang="en-US" b="1" i="1" smtClean="0">
+                              <a:latin typeface="Cambria Math" panose="02040503050406030204" pitchFamily="18" charset="0"/>
+                            </a:rPr>
+                            <m:t>𝟑</m:t>
+                          </m:r>
+                        </m:sup>
+                      </m:sSup>
+                      <m:r>
+                        <a:rPr lang="en-US" b="1" i="1" smtClean="0">
+                          <a:latin typeface="Cambria Math" panose="02040503050406030204" pitchFamily="18" charset="0"/>
+                        </a:rPr>
+                        <m:t>+</m:t>
+                      </m:r>
+                      <m:sSup>
+                        <m:sSupPr>
+                          <m:ctrlPr>
+                            <a:rPr lang="en-US" b="1" i="1" smtClean="0">
+                              <a:latin typeface="Cambria Math" panose="02040503050406030204" pitchFamily="18" charset="0"/>
+                            </a:rPr>
+                          </m:ctrlPr>
+                        </m:sSupPr>
+                        <m:e>
+                          <m:r>
+                            <a:rPr lang="en-US" b="1" i="1" smtClean="0">
+                              <a:latin typeface="Cambria Math" panose="02040503050406030204" pitchFamily="18" charset="0"/>
+                            </a:rPr>
+                            <m:t>𝒃</m:t>
+                          </m:r>
+                        </m:e>
+                        <m:sup>
+                          <m:r>
+                            <a:rPr lang="en-US" b="1" i="1" smtClean="0">
+                              <a:latin typeface="Cambria Math" panose="02040503050406030204" pitchFamily="18" charset="0"/>
+                            </a:rPr>
+                            <m:t>𝟒</m:t>
+                          </m:r>
+                        </m:sup>
+                      </m:sSup>
+                      <m:r>
+                        <a:rPr lang="en-US" b="1" i="1" smtClean="0">
+                          <a:latin typeface="Cambria Math" panose="02040503050406030204" pitchFamily="18" charset="0"/>
+                        </a:rPr>
+                        <m:t>)</m:t>
+                      </m:r>
+                    </m:oMath>
+                  </m:oMathPara>
+                </a14:m>
+                <a:endParaRPr lang="en-US" b="1" dirty="0"/>
+              </a:p>
+            </p:txBody>
+          </p:sp>
+        </mc:Choice>
+        <mc:Fallback xmlns="">
+          <p:sp>
+            <p:nvSpPr>
+              <p:cNvPr id="14" name="TextBox 13">
+                <a:extLst>
+                  <a:ext uri="{FF2B5EF4-FFF2-40B4-BE49-F238E27FC236}">
+                    <a16:creationId xmlns:a16="http://schemas.microsoft.com/office/drawing/2014/main" id="{D4A4134A-21BF-8404-D247-2403983318FB}"/>
+                  </a:ext>
+                </a:extLst>
+              </p:cNvPr>
+              <p:cNvSpPr txBox="1">
+                <a:spLocks noRot="1" noChangeAspect="1" noMove="1" noResize="1" noEditPoints="1" noAdjustHandles="1" noChangeArrowheads="1" noChangeShapeType="1" noTextEdit="1"/>
+              </p:cNvSpPr>
+              <p:nvPr/>
+            </p:nvSpPr>
+            <p:spPr>
+              <a:xfrm>
+                <a:off x="9807125" y="4532489"/>
+                <a:ext cx="2070375" cy="375552"/>
+              </a:xfrm>
+              <a:prstGeom prst="rect">
+                <a:avLst/>
+              </a:prstGeom>
+              <a:blipFill>
+                <a:blip r:embed="rId19"/>
+                <a:stretch>
+                  <a:fillRect b="-13115"/>
+                </a:stretch>
+              </a:blipFill>
+            </p:spPr>
+            <p:txBody>
+              <a:bodyPr/>
+              <a:lstStyle/>
+              <a:p>
+                <a:r>
+                  <a:rPr lang="en-US">
+                    <a:noFill/>
+                  </a:rPr>
+                  <a:t> </a:t>
+                </a:r>
+              </a:p>
+            </p:txBody>
+          </p:sp>
+        </mc:Fallback>
+      </mc:AlternateContent>
+      <mc:AlternateContent xmlns:mc="http://schemas.openxmlformats.org/markup-compatibility/2006" xmlns:a14="http://schemas.microsoft.com/office/drawing/2010/main">
+        <mc:Choice Requires="a14">
+          <p:sp>
+            <p:nvSpPr>
+              <p:cNvPr id="15" name="TextBox 14">
+                <a:extLst>
+                  <a:ext uri="{FF2B5EF4-FFF2-40B4-BE49-F238E27FC236}">
+                    <a16:creationId xmlns:a16="http://schemas.microsoft.com/office/drawing/2014/main" id="{34E69A23-4F48-5A96-F989-E2F20D6A5DA8}"/>
+                  </a:ext>
+                </a:extLst>
+              </p:cNvPr>
+              <p:cNvSpPr txBox="1"/>
+              <p:nvPr/>
+            </p:nvSpPr>
+            <p:spPr>
+              <a:xfrm>
+                <a:off x="7383437" y="1915799"/>
+                <a:ext cx="2457917" cy="619016"/>
+              </a:xfrm>
+              <a:prstGeom prst="rect">
+                <a:avLst/>
+              </a:prstGeom>
+              <a:solidFill>
+                <a:schemeClr val="bg1">
+                  <a:alpha val="50000"/>
+                </a:schemeClr>
+              </a:solidFill>
+            </p:spPr>
+            <p:txBody>
+              <a:bodyPr wrap="none" rtlCol="0">
+                <a:spAutoFit/>
+              </a:bodyPr>
+              <a:lstStyle/>
+              <a:p>
+                <a:pPr/>
+                <a14:m>
+                  <m:oMathPara xmlns:m="http://schemas.openxmlformats.org/officeDocument/2006/math">
+                    <m:oMathParaPr>
+                      <m:jc m:val="centerGroup"/>
+                    </m:oMathParaPr>
+                    <m:oMath xmlns:m="http://schemas.openxmlformats.org/officeDocument/2006/math">
+                      <m:sSubSup>
+                        <m:sSubSupPr>
+                          <m:ctrlPr>
+                            <a:rPr lang="en-US" b="0" i="1" smtClean="0">
+                              <a:solidFill>
+                                <a:schemeClr val="accent2"/>
+                              </a:solidFill>
+                              <a:latin typeface="Cambria Math" panose="02040503050406030204" pitchFamily="18" charset="0"/>
+                            </a:rPr>
+                          </m:ctrlPr>
+                        </m:sSubSupPr>
+                        <m:e>
+                          <m:r>
+                            <a:rPr lang="en-US" b="0" i="1" smtClean="0">
+                              <a:solidFill>
+                                <a:schemeClr val="accent2"/>
+                              </a:solidFill>
+                              <a:latin typeface="Cambria Math" panose="02040503050406030204" pitchFamily="18" charset="0"/>
+                            </a:rPr>
+                            <m:t>𝑏</m:t>
+                          </m:r>
+                        </m:e>
+                        <m:sub>
+                          <m:r>
+                            <a:rPr lang="en-US" b="0" i="1" smtClean="0">
+                              <a:solidFill>
+                                <a:schemeClr val="accent2"/>
+                              </a:solidFill>
+                              <a:latin typeface="Cambria Math" panose="02040503050406030204" pitchFamily="18" charset="0"/>
+                            </a:rPr>
+                            <m:t>𝑛𝑒𝑤</m:t>
+                          </m:r>
+                        </m:sub>
+                        <m:sup>
+                          <m:r>
+                            <a:rPr lang="en-US" b="0" i="1" smtClean="0">
+                              <a:solidFill>
+                                <a:schemeClr val="accent2"/>
+                              </a:solidFill>
+                              <a:latin typeface="Cambria Math" panose="02040503050406030204" pitchFamily="18" charset="0"/>
+                            </a:rPr>
+                            <m:t>3</m:t>
+                          </m:r>
+                        </m:sup>
+                      </m:sSubSup>
+                      <m:r>
+                        <a:rPr lang="en-US" b="0" i="1" smtClean="0">
+                          <a:solidFill>
+                            <a:schemeClr val="accent2"/>
+                          </a:solidFill>
+                          <a:latin typeface="Cambria Math" panose="02040503050406030204" pitchFamily="18" charset="0"/>
+                        </a:rPr>
+                        <m:t>=</m:t>
+                      </m:r>
+                      <m:sSubSup>
+                        <m:sSubSupPr>
+                          <m:ctrlPr>
+                            <a:rPr lang="en-US" b="0" i="1" smtClean="0">
+                              <a:solidFill>
+                                <a:schemeClr val="accent2"/>
+                              </a:solidFill>
+                              <a:latin typeface="Cambria Math" panose="02040503050406030204" pitchFamily="18" charset="0"/>
+                            </a:rPr>
+                          </m:ctrlPr>
+                        </m:sSubSupPr>
+                        <m:e>
+                          <m:r>
+                            <a:rPr lang="en-US" b="0" i="1" smtClean="0">
+                              <a:solidFill>
+                                <a:schemeClr val="accent2"/>
+                              </a:solidFill>
+                              <a:latin typeface="Cambria Math" panose="02040503050406030204" pitchFamily="18" charset="0"/>
+                            </a:rPr>
+                            <m:t>𝑏</m:t>
+                          </m:r>
+                        </m:e>
+                        <m:sub>
+                          <m:r>
+                            <a:rPr lang="en-US" b="0" i="1" smtClean="0">
+                              <a:solidFill>
+                                <a:schemeClr val="accent2"/>
+                              </a:solidFill>
+                              <a:latin typeface="Cambria Math" panose="02040503050406030204" pitchFamily="18" charset="0"/>
+                            </a:rPr>
+                            <m:t>𝑜𝑙𝑑</m:t>
+                          </m:r>
+                        </m:sub>
+                        <m:sup>
+                          <m:r>
+                            <a:rPr lang="en-US" b="0" i="1" smtClean="0">
+                              <a:solidFill>
+                                <a:schemeClr val="accent2"/>
+                              </a:solidFill>
+                              <a:latin typeface="Cambria Math" panose="02040503050406030204" pitchFamily="18" charset="0"/>
+                            </a:rPr>
+                            <m:t>3</m:t>
+                          </m:r>
+                        </m:sup>
+                      </m:sSubSup>
+                      <m:r>
+                        <a:rPr lang="en-US" b="0" i="1" smtClean="0">
+                          <a:solidFill>
+                            <a:schemeClr val="accent2"/>
+                          </a:solidFill>
+                          <a:latin typeface="Cambria Math" panose="02040503050406030204" pitchFamily="18" charset="0"/>
+                        </a:rPr>
+                        <m:t>−</m:t>
+                      </m:r>
+                      <m:r>
+                        <a:rPr lang="en-US" b="0" i="1" smtClean="0">
+                          <a:solidFill>
+                            <a:schemeClr val="accent2"/>
+                          </a:solidFill>
+                          <a:latin typeface="Cambria Math" panose="02040503050406030204" pitchFamily="18" charset="0"/>
+                        </a:rPr>
+                        <m:t>𝑙𝑟</m:t>
+                      </m:r>
+                      <m:r>
+                        <a:rPr lang="en-US" b="0" i="1" smtClean="0">
+                          <a:solidFill>
+                            <a:schemeClr val="accent2"/>
+                          </a:solidFill>
+                          <a:latin typeface="Cambria Math" panose="02040503050406030204" pitchFamily="18" charset="0"/>
+                        </a:rPr>
+                        <m:t>∗</m:t>
+                      </m:r>
+                      <m:f>
+                        <m:fPr>
+                          <m:ctrlPr>
+                            <a:rPr lang="en-US" b="0" i="1" smtClean="0">
+                              <a:solidFill>
+                                <a:schemeClr val="accent2"/>
+                              </a:solidFill>
+                              <a:latin typeface="Cambria Math" panose="02040503050406030204" pitchFamily="18" charset="0"/>
+                            </a:rPr>
+                          </m:ctrlPr>
+                        </m:fPr>
+                        <m:num>
+                          <m:r>
+                            <a:rPr lang="en-US" b="0" i="1" smtClean="0">
+                              <a:solidFill>
+                                <a:schemeClr val="accent2"/>
+                              </a:solidFill>
+                              <a:latin typeface="Cambria Math" panose="02040503050406030204" pitchFamily="18" charset="0"/>
+                            </a:rPr>
+                            <m:t>𝜕</m:t>
+                          </m:r>
+                          <m:r>
+                            <a:rPr lang="en-US" b="0" i="1" smtClean="0">
+                              <a:solidFill>
+                                <a:schemeClr val="accent2"/>
+                              </a:solidFill>
+                              <a:latin typeface="Cambria Math" panose="02040503050406030204" pitchFamily="18" charset="0"/>
+                            </a:rPr>
+                            <m:t>𝑒</m:t>
+                          </m:r>
+                        </m:num>
+                        <m:den>
+                          <m:r>
+                            <a:rPr lang="en-US" b="0" i="1" smtClean="0">
+                              <a:solidFill>
+                                <a:schemeClr val="accent2"/>
+                              </a:solidFill>
+                              <a:latin typeface="Cambria Math" panose="02040503050406030204" pitchFamily="18" charset="0"/>
+                            </a:rPr>
+                            <m:t>𝜕</m:t>
+                          </m:r>
+                          <m:sSup>
+                            <m:sSupPr>
+                              <m:ctrlPr>
+                                <a:rPr lang="en-US" b="0" i="1" smtClean="0">
+                                  <a:solidFill>
+                                    <a:schemeClr val="accent2"/>
+                                  </a:solidFill>
+                                  <a:latin typeface="Cambria Math" panose="02040503050406030204" pitchFamily="18" charset="0"/>
+                                </a:rPr>
+                              </m:ctrlPr>
+                            </m:sSupPr>
+                            <m:e>
+                              <m:r>
+                                <a:rPr lang="en-US" b="0" i="1" smtClean="0">
+                                  <a:solidFill>
+                                    <a:schemeClr val="accent2"/>
+                                  </a:solidFill>
+                                  <a:latin typeface="Cambria Math" panose="02040503050406030204" pitchFamily="18" charset="0"/>
+                                </a:rPr>
+                                <m:t>𝑏</m:t>
+                              </m:r>
+                            </m:e>
+                            <m:sup>
+                              <m:r>
+                                <a:rPr lang="en-US" b="0" i="1" smtClean="0">
+                                  <a:solidFill>
+                                    <a:schemeClr val="accent2"/>
+                                  </a:solidFill>
+                                  <a:latin typeface="Cambria Math" panose="02040503050406030204" pitchFamily="18" charset="0"/>
+                                </a:rPr>
+                                <m:t>3</m:t>
+                              </m:r>
+                            </m:sup>
+                          </m:sSup>
+                        </m:den>
+                      </m:f>
+                    </m:oMath>
+                  </m:oMathPara>
+                </a14:m>
+                <a:endParaRPr lang="en-US" b="1" dirty="0">
+                  <a:solidFill>
+                    <a:schemeClr val="accent2"/>
+                  </a:solidFill>
+                </a:endParaRPr>
+              </a:p>
+            </p:txBody>
+          </p:sp>
+        </mc:Choice>
+        <mc:Fallback xmlns="">
+          <p:sp>
+            <p:nvSpPr>
+              <p:cNvPr id="15" name="TextBox 14">
+                <a:extLst>
+                  <a:ext uri="{FF2B5EF4-FFF2-40B4-BE49-F238E27FC236}">
+                    <a16:creationId xmlns:a16="http://schemas.microsoft.com/office/drawing/2014/main" id="{34E69A23-4F48-5A96-F989-E2F20D6A5DA8}"/>
+                  </a:ext>
+                </a:extLst>
+              </p:cNvPr>
+              <p:cNvSpPr txBox="1">
+                <a:spLocks noRot="1" noChangeAspect="1" noMove="1" noResize="1" noEditPoints="1" noAdjustHandles="1" noChangeArrowheads="1" noChangeShapeType="1" noTextEdit="1"/>
+              </p:cNvSpPr>
+              <p:nvPr/>
+            </p:nvSpPr>
+            <p:spPr>
+              <a:xfrm>
+                <a:off x="7383437" y="1915799"/>
+                <a:ext cx="2457917" cy="619016"/>
+              </a:xfrm>
+              <a:prstGeom prst="rect">
+                <a:avLst/>
+              </a:prstGeom>
+              <a:blipFill>
+                <a:blip r:embed="rId20"/>
+                <a:stretch>
+                  <a:fillRect/>
+                </a:stretch>
+              </a:blipFill>
+            </p:spPr>
+            <p:txBody>
+              <a:bodyPr/>
+              <a:lstStyle/>
+              <a:p>
+                <a:r>
+                  <a:rPr lang="en-US">
+                    <a:noFill/>
+                  </a:rPr>
+                  <a:t> </a:t>
+                </a:r>
+              </a:p>
+            </p:txBody>
+          </p:sp>
+        </mc:Fallback>
+      </mc:AlternateContent>
+      <mc:AlternateContent xmlns:mc="http://schemas.openxmlformats.org/markup-compatibility/2006" xmlns:a14="http://schemas.microsoft.com/office/drawing/2010/main">
+        <mc:Choice Requires="a14">
+          <p:sp>
+            <p:nvSpPr>
+              <p:cNvPr id="26" name="TextBox 25">
+                <a:extLst>
+                  <a:ext uri="{FF2B5EF4-FFF2-40B4-BE49-F238E27FC236}">
+                    <a16:creationId xmlns:a16="http://schemas.microsoft.com/office/drawing/2014/main" id="{7B7CB3C0-2E2E-4A0E-EAB8-9F167F47416C}"/>
+                  </a:ext>
+                </a:extLst>
+              </p:cNvPr>
+              <p:cNvSpPr txBox="1"/>
+              <p:nvPr/>
+            </p:nvSpPr>
+            <p:spPr>
+              <a:xfrm>
+                <a:off x="7731800" y="480855"/>
+                <a:ext cx="3672929" cy="984180"/>
+              </a:xfrm>
+              <a:prstGeom prst="rect">
+                <a:avLst/>
+              </a:prstGeom>
+              <a:solidFill>
+                <a:schemeClr val="bg1">
+                  <a:alpha val="50000"/>
+                </a:schemeClr>
+              </a:solidFill>
+            </p:spPr>
+            <p:txBody>
+              <a:bodyPr wrap="none" rtlCol="0">
+                <a:spAutoFit/>
+              </a:bodyPr>
+              <a:lstStyle/>
+              <a:p>
+                <a:pPr/>
+                <a14:m>
+                  <m:oMathPara xmlns:m="http://schemas.openxmlformats.org/officeDocument/2006/math">
+                    <m:oMathParaPr>
+                      <m:jc m:val="centerGroup"/>
+                    </m:oMathParaPr>
+                    <m:oMath xmlns:m="http://schemas.openxmlformats.org/officeDocument/2006/math">
+                      <m:sSub>
+                        <m:sSubPr>
+                          <m:ctrlPr>
+                            <a:rPr lang="en-US" sz="2800" b="1" i="1" smtClean="0">
+                              <a:solidFill>
+                                <a:schemeClr val="tx1"/>
+                              </a:solidFill>
+                              <a:latin typeface="Cambria Math" panose="02040503050406030204" pitchFamily="18" charset="0"/>
+                            </a:rPr>
+                          </m:ctrlPr>
+                        </m:sSubPr>
+                        <m:e>
+                          <m:r>
+                            <a:rPr lang="en-US" sz="2800" b="1" i="1" smtClean="0">
+                              <a:solidFill>
+                                <a:schemeClr val="tx1"/>
+                              </a:solidFill>
+                              <a:latin typeface="Cambria Math" panose="02040503050406030204" pitchFamily="18" charset="0"/>
+                            </a:rPr>
+                            <m:t>𝒑</m:t>
+                          </m:r>
+                        </m:e>
+                        <m:sub>
+                          <m:r>
+                            <a:rPr lang="en-US" sz="2800" b="1" i="1" smtClean="0">
+                              <a:solidFill>
+                                <a:schemeClr val="tx1"/>
+                              </a:solidFill>
+                              <a:latin typeface="Cambria Math" panose="02040503050406030204" pitchFamily="18" charset="0"/>
+                            </a:rPr>
+                            <m:t>𝒏𝒆𝒘</m:t>
+                          </m:r>
+                        </m:sub>
+                      </m:sSub>
+                      <m:r>
+                        <a:rPr lang="en-US" sz="2800" b="1" i="1" smtClean="0">
+                          <a:solidFill>
+                            <a:schemeClr val="tx1"/>
+                          </a:solidFill>
+                          <a:latin typeface="Cambria Math" panose="02040503050406030204" pitchFamily="18" charset="0"/>
+                        </a:rPr>
+                        <m:t>=</m:t>
+                      </m:r>
+                      <m:sSub>
+                        <m:sSubPr>
+                          <m:ctrlPr>
+                            <a:rPr lang="en-US" sz="2800" b="1" i="1" smtClean="0">
+                              <a:solidFill>
+                                <a:schemeClr val="tx1"/>
+                              </a:solidFill>
+                              <a:latin typeface="Cambria Math" panose="02040503050406030204" pitchFamily="18" charset="0"/>
+                            </a:rPr>
+                          </m:ctrlPr>
+                        </m:sSubPr>
+                        <m:e>
+                          <m:r>
+                            <a:rPr lang="en-US" sz="2800" b="1" i="1" smtClean="0">
+                              <a:solidFill>
+                                <a:schemeClr val="tx1"/>
+                              </a:solidFill>
+                              <a:latin typeface="Cambria Math" panose="02040503050406030204" pitchFamily="18" charset="0"/>
+                            </a:rPr>
+                            <m:t>𝒑</m:t>
+                          </m:r>
+                        </m:e>
+                        <m:sub>
+                          <m:r>
+                            <a:rPr lang="en-US" sz="2800" b="1" i="1" smtClean="0">
+                              <a:solidFill>
+                                <a:schemeClr val="tx1"/>
+                              </a:solidFill>
+                              <a:latin typeface="Cambria Math" panose="02040503050406030204" pitchFamily="18" charset="0"/>
+                            </a:rPr>
+                            <m:t>𝒐𝒍𝒅</m:t>
+                          </m:r>
+                        </m:sub>
+                      </m:sSub>
+                      <m:r>
+                        <a:rPr lang="en-US" sz="2800" b="1" i="1" smtClean="0">
+                          <a:solidFill>
+                            <a:schemeClr val="tx1"/>
+                          </a:solidFill>
+                          <a:latin typeface="Cambria Math" panose="02040503050406030204" pitchFamily="18" charset="0"/>
+                        </a:rPr>
+                        <m:t>−</m:t>
+                      </m:r>
+                      <m:r>
+                        <a:rPr lang="en-US" sz="2800" b="1" i="1" smtClean="0">
+                          <a:solidFill>
+                            <a:schemeClr val="tx1"/>
+                          </a:solidFill>
+                          <a:latin typeface="Cambria Math" panose="02040503050406030204" pitchFamily="18" charset="0"/>
+                        </a:rPr>
+                        <m:t>𝒍𝒓</m:t>
+                      </m:r>
+                      <m:r>
+                        <a:rPr lang="en-US" sz="2800" b="1" i="1" smtClean="0">
+                          <a:solidFill>
+                            <a:schemeClr val="tx1"/>
+                          </a:solidFill>
+                          <a:latin typeface="Cambria Math" panose="02040503050406030204" pitchFamily="18" charset="0"/>
+                        </a:rPr>
+                        <m:t>∗</m:t>
+                      </m:r>
+                      <m:f>
+                        <m:fPr>
+                          <m:ctrlPr>
+                            <a:rPr lang="en-US" sz="2800" b="1" i="1" smtClean="0">
+                              <a:solidFill>
+                                <a:schemeClr val="tx1"/>
+                              </a:solidFill>
+                              <a:latin typeface="Cambria Math" panose="02040503050406030204" pitchFamily="18" charset="0"/>
+                            </a:rPr>
+                          </m:ctrlPr>
+                        </m:fPr>
+                        <m:num>
+                          <m:r>
+                            <a:rPr lang="en-US" sz="2800" b="1" i="1" smtClean="0">
+                              <a:solidFill>
+                                <a:schemeClr val="tx1"/>
+                              </a:solidFill>
+                              <a:latin typeface="Cambria Math" panose="02040503050406030204" pitchFamily="18" charset="0"/>
+                            </a:rPr>
+                            <m:t>𝝏</m:t>
+                          </m:r>
+                          <m:r>
+                            <a:rPr lang="en-US" sz="2800" b="1" i="1" smtClean="0">
+                              <a:solidFill>
+                                <a:schemeClr val="tx1"/>
+                              </a:solidFill>
+                              <a:latin typeface="Cambria Math" panose="02040503050406030204" pitchFamily="18" charset="0"/>
+                            </a:rPr>
+                            <m:t>𝒆</m:t>
+                          </m:r>
+                        </m:num>
+                        <m:den>
+                          <m:r>
+                            <a:rPr lang="en-US" sz="2800" b="1" i="1" smtClean="0">
+                              <a:solidFill>
+                                <a:schemeClr val="tx1"/>
+                              </a:solidFill>
+                              <a:latin typeface="Cambria Math" panose="02040503050406030204" pitchFamily="18" charset="0"/>
+                            </a:rPr>
+                            <m:t>𝝏</m:t>
+                          </m:r>
+                          <m:r>
+                            <a:rPr lang="en-US" sz="2800" b="1" i="1" smtClean="0">
+                              <a:solidFill>
+                                <a:schemeClr val="tx1"/>
+                              </a:solidFill>
+                              <a:latin typeface="Cambria Math" panose="02040503050406030204" pitchFamily="18" charset="0"/>
+                            </a:rPr>
+                            <m:t>𝒑</m:t>
+                          </m:r>
+                        </m:den>
+                      </m:f>
+                    </m:oMath>
+                  </m:oMathPara>
+                </a14:m>
+                <a:endParaRPr lang="en-US" sz="2800" b="1" dirty="0">
+                  <a:solidFill>
+                    <a:schemeClr val="tx1"/>
+                  </a:solidFill>
+                </a:endParaRPr>
+              </a:p>
+            </p:txBody>
+          </p:sp>
+        </mc:Choice>
+        <mc:Fallback xmlns="">
+          <p:sp>
+            <p:nvSpPr>
+              <p:cNvPr id="26" name="TextBox 25">
+                <a:extLst>
+                  <a:ext uri="{FF2B5EF4-FFF2-40B4-BE49-F238E27FC236}">
+                    <a16:creationId xmlns:a16="http://schemas.microsoft.com/office/drawing/2014/main" id="{7B7CB3C0-2E2E-4A0E-EAB8-9F167F47416C}"/>
+                  </a:ext>
+                </a:extLst>
+              </p:cNvPr>
+              <p:cNvSpPr txBox="1">
+                <a:spLocks noRot="1" noChangeAspect="1" noMove="1" noResize="1" noEditPoints="1" noAdjustHandles="1" noChangeArrowheads="1" noChangeShapeType="1" noTextEdit="1"/>
+              </p:cNvSpPr>
+              <p:nvPr/>
+            </p:nvSpPr>
+            <p:spPr>
+              <a:xfrm>
+                <a:off x="7731800" y="480855"/>
+                <a:ext cx="3672929" cy="984180"/>
+              </a:xfrm>
+              <a:prstGeom prst="rect">
+                <a:avLst/>
+              </a:prstGeom>
+              <a:blipFill>
+                <a:blip r:embed="rId21"/>
+                <a:stretch>
+                  <a:fillRect/>
+                </a:stretch>
+              </a:blipFill>
+            </p:spPr>
+            <p:txBody>
+              <a:bodyPr/>
+              <a:lstStyle/>
+              <a:p>
+                <a:r>
+                  <a:rPr lang="en-US">
+                    <a:noFill/>
+                  </a:rPr>
+                  <a:t> </a:t>
+                </a:r>
+              </a:p>
+            </p:txBody>
+          </p:sp>
+        </mc:Fallback>
+      </mc:AlternateContent>
+      <mc:AlternateContent xmlns:mc="http://schemas.openxmlformats.org/markup-compatibility/2006" xmlns:a14="http://schemas.microsoft.com/office/drawing/2010/main">
+        <mc:Choice Requires="a14">
+          <p:sp>
+            <p:nvSpPr>
+              <p:cNvPr id="21" name="TextBox 20">
+                <a:extLst>
+                  <a:ext uri="{FF2B5EF4-FFF2-40B4-BE49-F238E27FC236}">
+                    <a16:creationId xmlns:a16="http://schemas.microsoft.com/office/drawing/2014/main" id="{51A3392A-FBA0-AFF1-4C45-097A43BF1573}"/>
+                  </a:ext>
+                </a:extLst>
+              </p:cNvPr>
+              <p:cNvSpPr txBox="1"/>
+              <p:nvPr/>
+            </p:nvSpPr>
+            <p:spPr>
+              <a:xfrm>
+                <a:off x="7731800" y="480810"/>
+                <a:ext cx="3014864" cy="984180"/>
+              </a:xfrm>
+              <a:prstGeom prst="rect">
+                <a:avLst/>
+              </a:prstGeom>
+              <a:solidFill>
+                <a:schemeClr val="bg1">
+                  <a:alpha val="50000"/>
+                </a:schemeClr>
+              </a:solidFill>
+            </p:spPr>
+            <p:txBody>
+              <a:bodyPr wrap="none" rtlCol="0">
+                <a:spAutoFit/>
+              </a:bodyPr>
+              <a:lstStyle/>
+              <a:p>
+                <a:pPr/>
+                <a14:m>
+                  <m:oMathPara xmlns:m="http://schemas.openxmlformats.org/officeDocument/2006/math">
+                    <m:oMathParaPr>
+                      <m:jc m:val="centerGroup"/>
+                    </m:oMathParaPr>
+                    <m:oMath xmlns:m="http://schemas.openxmlformats.org/officeDocument/2006/math">
+                      <m:sSub>
+                        <m:sSubPr>
+                          <m:ctrlPr>
+                            <a:rPr lang="en-US" sz="2800" b="1" i="1" smtClean="0">
+                              <a:solidFill>
+                                <a:schemeClr val="tx1"/>
+                              </a:solidFill>
+                              <a:latin typeface="Cambria Math" panose="02040503050406030204" pitchFamily="18" charset="0"/>
+                            </a:rPr>
+                          </m:ctrlPr>
+                        </m:sSubPr>
+                        <m:e>
+                          <m:r>
+                            <a:rPr lang="en-US" sz="2800" b="1" i="1" smtClean="0">
+                              <a:solidFill>
+                                <a:schemeClr val="tx1"/>
+                              </a:solidFill>
+                              <a:latin typeface="Cambria Math" panose="02040503050406030204" pitchFamily="18" charset="0"/>
+                            </a:rPr>
+                            <m:t>𝒑</m:t>
+                          </m:r>
+                        </m:e>
+                        <m:sub>
+                          <m:r>
+                            <a:rPr lang="en-US" sz="2800" b="1" i="1" smtClean="0">
+                              <a:solidFill>
+                                <a:schemeClr val="tx1"/>
+                              </a:solidFill>
+                              <a:latin typeface="Cambria Math" panose="02040503050406030204" pitchFamily="18" charset="0"/>
+                            </a:rPr>
+                            <m:t>𝒏𝒆𝒘</m:t>
+                          </m:r>
+                        </m:sub>
+                      </m:sSub>
+                      <m:r>
+                        <a:rPr lang="en-US" sz="2800" b="1" i="1" smtClean="0">
+                          <a:solidFill>
+                            <a:schemeClr val="tx1"/>
+                          </a:solidFill>
+                          <a:latin typeface="Cambria Math" panose="02040503050406030204" pitchFamily="18" charset="0"/>
+                        </a:rPr>
+                        <m:t>=</m:t>
+                      </m:r>
+                      <m:sSub>
+                        <m:sSubPr>
+                          <m:ctrlPr>
+                            <a:rPr lang="en-US" sz="2800" b="1" i="1" smtClean="0">
+                              <a:solidFill>
+                                <a:schemeClr val="tx1"/>
+                              </a:solidFill>
+                              <a:latin typeface="Cambria Math" panose="02040503050406030204" pitchFamily="18" charset="0"/>
+                            </a:rPr>
+                          </m:ctrlPr>
+                        </m:sSubPr>
+                        <m:e>
+                          <m:r>
+                            <a:rPr lang="en-US" sz="2800" b="1" i="1" smtClean="0">
+                              <a:solidFill>
+                                <a:schemeClr val="tx1"/>
+                              </a:solidFill>
+                              <a:latin typeface="Cambria Math" panose="02040503050406030204" pitchFamily="18" charset="0"/>
+                            </a:rPr>
+                            <m:t>𝒑</m:t>
+                          </m:r>
+                        </m:e>
+                        <m:sub>
+                          <m:r>
+                            <a:rPr lang="en-US" sz="2800" b="1" i="1" smtClean="0">
+                              <a:solidFill>
+                                <a:schemeClr val="tx1"/>
+                              </a:solidFill>
+                              <a:latin typeface="Cambria Math" panose="02040503050406030204" pitchFamily="18" charset="0"/>
+                            </a:rPr>
+                            <m:t>𝒐𝒍𝒅</m:t>
+                          </m:r>
+                        </m:sub>
+                      </m:sSub>
+                      <m:r>
+                        <a:rPr lang="en-US" sz="2800" b="1" i="1" smtClean="0">
+                          <a:solidFill>
+                            <a:schemeClr val="tx1"/>
+                          </a:solidFill>
+                          <a:latin typeface="Cambria Math" panose="02040503050406030204" pitchFamily="18" charset="0"/>
+                        </a:rPr>
+                        <m:t>−</m:t>
+                      </m:r>
+                      <m:f>
+                        <m:fPr>
+                          <m:ctrlPr>
+                            <a:rPr lang="en-US" sz="2800" b="1" i="1" smtClean="0">
+                              <a:solidFill>
+                                <a:schemeClr val="tx1"/>
+                              </a:solidFill>
+                              <a:latin typeface="Cambria Math" panose="02040503050406030204" pitchFamily="18" charset="0"/>
+                            </a:rPr>
+                          </m:ctrlPr>
+                        </m:fPr>
+                        <m:num>
+                          <m:r>
+                            <a:rPr lang="en-US" sz="2800" b="1" i="1" smtClean="0">
+                              <a:solidFill>
+                                <a:schemeClr val="tx1"/>
+                              </a:solidFill>
+                              <a:latin typeface="Cambria Math" panose="02040503050406030204" pitchFamily="18" charset="0"/>
+                            </a:rPr>
+                            <m:t>𝝏</m:t>
+                          </m:r>
+                          <m:r>
+                            <a:rPr lang="en-US" sz="2800" b="1" i="1" smtClean="0">
+                              <a:solidFill>
+                                <a:schemeClr val="tx1"/>
+                              </a:solidFill>
+                              <a:latin typeface="Cambria Math" panose="02040503050406030204" pitchFamily="18" charset="0"/>
+                            </a:rPr>
+                            <m:t>𝒆</m:t>
+                          </m:r>
+                        </m:num>
+                        <m:den>
+                          <m:r>
+                            <a:rPr lang="en-US" sz="2800" b="1" i="1" smtClean="0">
+                              <a:solidFill>
+                                <a:schemeClr val="tx1"/>
+                              </a:solidFill>
+                              <a:latin typeface="Cambria Math" panose="02040503050406030204" pitchFamily="18" charset="0"/>
+                            </a:rPr>
+                            <m:t>𝝏</m:t>
+                          </m:r>
+                          <m:r>
+                            <a:rPr lang="en-US" sz="2800" b="1" i="1" smtClean="0">
+                              <a:solidFill>
+                                <a:schemeClr val="tx1"/>
+                              </a:solidFill>
+                              <a:latin typeface="Cambria Math" panose="02040503050406030204" pitchFamily="18" charset="0"/>
+                            </a:rPr>
+                            <m:t>𝒑</m:t>
+                          </m:r>
+                        </m:den>
+                      </m:f>
+                    </m:oMath>
+                  </m:oMathPara>
+                </a14:m>
+                <a:endParaRPr lang="en-US" sz="2800" b="1" dirty="0">
+                  <a:solidFill>
+                    <a:schemeClr val="tx1"/>
+                  </a:solidFill>
+                </a:endParaRPr>
+              </a:p>
+            </p:txBody>
+          </p:sp>
+        </mc:Choice>
+        <mc:Fallback xmlns="">
+          <p:sp>
+            <p:nvSpPr>
+              <p:cNvPr id="21" name="TextBox 20">
+                <a:extLst>
+                  <a:ext uri="{FF2B5EF4-FFF2-40B4-BE49-F238E27FC236}">
+                    <a16:creationId xmlns:a16="http://schemas.microsoft.com/office/drawing/2014/main" id="{51A3392A-FBA0-AFF1-4C45-097A43BF1573}"/>
+                  </a:ext>
+                </a:extLst>
+              </p:cNvPr>
+              <p:cNvSpPr txBox="1">
+                <a:spLocks noRot="1" noChangeAspect="1" noMove="1" noResize="1" noEditPoints="1" noAdjustHandles="1" noChangeArrowheads="1" noChangeShapeType="1" noTextEdit="1"/>
+              </p:cNvSpPr>
+              <p:nvPr/>
+            </p:nvSpPr>
+            <p:spPr>
+              <a:xfrm>
+                <a:off x="7731800" y="480810"/>
+                <a:ext cx="3014864" cy="984180"/>
+              </a:xfrm>
+              <a:prstGeom prst="rect">
+                <a:avLst/>
+              </a:prstGeom>
+              <a:blipFill>
+                <a:blip r:embed="rId22"/>
+                <a:stretch>
+                  <a:fillRect/>
+                </a:stretch>
+              </a:blipFill>
+            </p:spPr>
+            <p:txBody>
+              <a:bodyPr/>
+              <a:lstStyle/>
+              <a:p>
+                <a:r>
+                  <a:rPr lang="en-US">
+                    <a:noFill/>
+                  </a:rPr>
+                  <a:t> </a:t>
+                </a:r>
+              </a:p>
+            </p:txBody>
+          </p:sp>
+        </mc:Fallback>
+      </mc:AlternateContent>
+      <mc:AlternateContent xmlns:mc="http://schemas.openxmlformats.org/markup-compatibility/2006" xmlns:a14="http://schemas.microsoft.com/office/drawing/2010/main">
+        <mc:Choice Requires="a14">
+          <p:sp>
+            <p:nvSpPr>
+              <p:cNvPr id="27" name="TextBox 26">
+                <a:extLst>
+                  <a:ext uri="{FF2B5EF4-FFF2-40B4-BE49-F238E27FC236}">
+                    <a16:creationId xmlns:a16="http://schemas.microsoft.com/office/drawing/2014/main" id="{E87EEC10-C935-952A-8A56-71FBD8C04319}"/>
+                  </a:ext>
+                </a:extLst>
+              </p:cNvPr>
+              <p:cNvSpPr txBox="1"/>
+              <p:nvPr/>
+            </p:nvSpPr>
+            <p:spPr>
+              <a:xfrm>
+                <a:off x="7227227" y="5188589"/>
+                <a:ext cx="2683170" cy="619016"/>
+              </a:xfrm>
+              <a:prstGeom prst="rect">
+                <a:avLst/>
+              </a:prstGeom>
+              <a:solidFill>
+                <a:schemeClr val="bg1">
+                  <a:alpha val="50000"/>
+                </a:schemeClr>
+              </a:solidFill>
+            </p:spPr>
+            <p:txBody>
+              <a:bodyPr wrap="none" rtlCol="0">
+                <a:spAutoFit/>
+              </a:bodyPr>
+              <a:lstStyle/>
+              <a:p>
+                <a:pPr/>
+                <a14:m>
+                  <m:oMathPara xmlns:m="http://schemas.openxmlformats.org/officeDocument/2006/math">
+                    <m:oMathParaPr>
+                      <m:jc m:val="centerGroup"/>
+                    </m:oMathParaPr>
+                    <m:oMath xmlns:m="http://schemas.openxmlformats.org/officeDocument/2006/math">
+                      <m:sSubSup>
+                        <m:sSubSupPr>
+                          <m:ctrlPr>
+                            <a:rPr lang="en-US" i="1">
+                              <a:solidFill>
+                                <a:schemeClr val="accent2"/>
+                              </a:solidFill>
+                              <a:latin typeface="Cambria Math" panose="02040503050406030204" pitchFamily="18" charset="0"/>
+                            </a:rPr>
+                          </m:ctrlPr>
+                        </m:sSubSupPr>
+                        <m:e>
+                          <m:r>
+                            <a:rPr lang="en-US" i="1">
+                              <a:solidFill>
+                                <a:schemeClr val="accent2"/>
+                              </a:solidFill>
+                              <a:latin typeface="Cambria Math" panose="02040503050406030204" pitchFamily="18" charset="0"/>
+                            </a:rPr>
+                            <m:t>𝑊</m:t>
+                          </m:r>
+                        </m:e>
+                        <m:sub>
+                          <m:r>
+                            <a:rPr lang="en-US" i="1">
+                              <a:solidFill>
+                                <a:schemeClr val="accent2"/>
+                              </a:solidFill>
+                              <a:latin typeface="Cambria Math" panose="02040503050406030204" pitchFamily="18" charset="0"/>
+                            </a:rPr>
+                            <m:t>𝑛𝑒𝑤</m:t>
+                          </m:r>
+                        </m:sub>
+                        <m:sup>
+                          <m:r>
+                            <a:rPr lang="en-US" i="1">
+                              <a:solidFill>
+                                <a:schemeClr val="accent2"/>
+                              </a:solidFill>
+                              <a:latin typeface="Cambria Math" panose="02040503050406030204" pitchFamily="18" charset="0"/>
+                            </a:rPr>
+                            <m:t>3</m:t>
+                          </m:r>
+                        </m:sup>
+                      </m:sSubSup>
+                      <m:r>
+                        <a:rPr lang="en-US" i="1">
+                          <a:solidFill>
+                            <a:schemeClr val="accent2"/>
+                          </a:solidFill>
+                          <a:latin typeface="Cambria Math" panose="02040503050406030204" pitchFamily="18" charset="0"/>
+                        </a:rPr>
+                        <m:t>=</m:t>
+                      </m:r>
+                      <m:sSubSup>
+                        <m:sSubSupPr>
+                          <m:ctrlPr>
+                            <a:rPr lang="en-US" i="1">
+                              <a:solidFill>
+                                <a:schemeClr val="accent2"/>
+                              </a:solidFill>
+                              <a:latin typeface="Cambria Math" panose="02040503050406030204" pitchFamily="18" charset="0"/>
+                            </a:rPr>
+                          </m:ctrlPr>
+                        </m:sSubSupPr>
+                        <m:e>
+                          <m:r>
+                            <a:rPr lang="en-US" i="1">
+                              <a:solidFill>
+                                <a:schemeClr val="accent2"/>
+                              </a:solidFill>
+                              <a:latin typeface="Cambria Math" panose="02040503050406030204" pitchFamily="18" charset="0"/>
+                            </a:rPr>
+                            <m:t>𝑊</m:t>
+                          </m:r>
+                        </m:e>
+                        <m:sub>
+                          <m:r>
+                            <a:rPr lang="en-US" i="1">
+                              <a:solidFill>
+                                <a:schemeClr val="accent2"/>
+                              </a:solidFill>
+                              <a:latin typeface="Cambria Math" panose="02040503050406030204" pitchFamily="18" charset="0"/>
+                            </a:rPr>
+                            <m:t>𝑜𝑙𝑑</m:t>
+                          </m:r>
+                        </m:sub>
+                        <m:sup>
+                          <m:r>
+                            <a:rPr lang="en-US" i="1">
+                              <a:solidFill>
+                                <a:schemeClr val="accent2"/>
+                              </a:solidFill>
+                              <a:latin typeface="Cambria Math" panose="02040503050406030204" pitchFamily="18" charset="0"/>
+                            </a:rPr>
+                            <m:t>3</m:t>
+                          </m:r>
+                        </m:sup>
+                      </m:sSubSup>
+                      <m:r>
+                        <a:rPr lang="en-US" i="1">
+                          <a:solidFill>
+                            <a:schemeClr val="accent2"/>
+                          </a:solidFill>
+                          <a:latin typeface="Cambria Math" panose="02040503050406030204" pitchFamily="18" charset="0"/>
+                        </a:rPr>
+                        <m:t>−</m:t>
+                      </m:r>
+                      <m:r>
+                        <a:rPr lang="en-US" i="1">
+                          <a:solidFill>
+                            <a:schemeClr val="accent2"/>
+                          </a:solidFill>
+                          <a:latin typeface="Cambria Math" panose="02040503050406030204" pitchFamily="18" charset="0"/>
+                        </a:rPr>
+                        <m:t>𝑙𝑟</m:t>
+                      </m:r>
+                      <m:r>
+                        <a:rPr lang="en-US" i="1">
+                          <a:solidFill>
+                            <a:schemeClr val="accent2"/>
+                          </a:solidFill>
+                          <a:latin typeface="Cambria Math" panose="02040503050406030204" pitchFamily="18" charset="0"/>
+                        </a:rPr>
+                        <m:t>∗</m:t>
+                      </m:r>
+                      <m:f>
+                        <m:fPr>
+                          <m:ctrlPr>
+                            <a:rPr lang="en-US" i="1">
+                              <a:solidFill>
+                                <a:schemeClr val="accent2"/>
+                              </a:solidFill>
+                              <a:latin typeface="Cambria Math" panose="02040503050406030204" pitchFamily="18" charset="0"/>
+                            </a:rPr>
+                          </m:ctrlPr>
+                        </m:fPr>
+                        <m:num>
+                          <m:r>
+                            <a:rPr lang="en-US" i="1">
+                              <a:solidFill>
+                                <a:schemeClr val="accent2"/>
+                              </a:solidFill>
+                              <a:latin typeface="Cambria Math" panose="02040503050406030204" pitchFamily="18" charset="0"/>
+                            </a:rPr>
+                            <m:t>𝜕</m:t>
+                          </m:r>
+                          <m:r>
+                            <a:rPr lang="en-US" i="1">
+                              <a:solidFill>
+                                <a:schemeClr val="accent2"/>
+                              </a:solidFill>
+                              <a:latin typeface="Cambria Math" panose="02040503050406030204" pitchFamily="18" charset="0"/>
+                            </a:rPr>
+                            <m:t>𝑒</m:t>
+                          </m:r>
+                        </m:num>
+                        <m:den>
+                          <m:r>
+                            <a:rPr lang="en-US" i="1">
+                              <a:solidFill>
+                                <a:schemeClr val="accent2"/>
+                              </a:solidFill>
+                              <a:latin typeface="Cambria Math" panose="02040503050406030204" pitchFamily="18" charset="0"/>
+                            </a:rPr>
+                            <m:t>𝜕</m:t>
+                          </m:r>
+                          <m:sSup>
+                            <m:sSupPr>
+                              <m:ctrlPr>
+                                <a:rPr lang="en-US" i="1">
+                                  <a:solidFill>
+                                    <a:schemeClr val="accent2"/>
+                                  </a:solidFill>
+                                  <a:latin typeface="Cambria Math" panose="02040503050406030204" pitchFamily="18" charset="0"/>
+                                </a:rPr>
+                              </m:ctrlPr>
+                            </m:sSupPr>
+                            <m:e>
+                              <m:r>
+                                <a:rPr lang="en-US" i="1">
+                                  <a:solidFill>
+                                    <a:schemeClr val="accent2"/>
+                                  </a:solidFill>
+                                  <a:latin typeface="Cambria Math" panose="02040503050406030204" pitchFamily="18" charset="0"/>
+                                </a:rPr>
+                                <m:t>𝑊</m:t>
+                              </m:r>
+                            </m:e>
+                            <m:sup>
+                              <m:r>
+                                <a:rPr lang="en-US" i="1">
+                                  <a:solidFill>
+                                    <a:schemeClr val="accent2"/>
+                                  </a:solidFill>
+                                  <a:latin typeface="Cambria Math" panose="02040503050406030204" pitchFamily="18" charset="0"/>
+                                </a:rPr>
+                                <m:t>3</m:t>
+                              </m:r>
+                            </m:sup>
+                          </m:sSup>
+                        </m:den>
+                      </m:f>
+                    </m:oMath>
+                  </m:oMathPara>
+                </a14:m>
+                <a:endParaRPr lang="en-US" i="1" dirty="0">
+                  <a:solidFill>
+                    <a:schemeClr val="accent2"/>
+                  </a:solidFill>
+                  <a:latin typeface="Cambria Math" panose="02040503050406030204" pitchFamily="18" charset="0"/>
+                </a:endParaRPr>
+              </a:p>
+            </p:txBody>
+          </p:sp>
+        </mc:Choice>
+        <mc:Fallback xmlns="">
+          <p:sp>
+            <p:nvSpPr>
+              <p:cNvPr id="27" name="TextBox 26">
+                <a:extLst>
+                  <a:ext uri="{FF2B5EF4-FFF2-40B4-BE49-F238E27FC236}">
+                    <a16:creationId xmlns:a16="http://schemas.microsoft.com/office/drawing/2014/main" id="{E87EEC10-C935-952A-8A56-71FBD8C04319}"/>
+                  </a:ext>
+                </a:extLst>
+              </p:cNvPr>
+              <p:cNvSpPr txBox="1">
+                <a:spLocks noRot="1" noChangeAspect="1" noMove="1" noResize="1" noEditPoints="1" noAdjustHandles="1" noChangeArrowheads="1" noChangeShapeType="1" noTextEdit="1"/>
+              </p:cNvSpPr>
+              <p:nvPr/>
+            </p:nvSpPr>
+            <p:spPr>
+              <a:xfrm>
+                <a:off x="7227227" y="5188589"/>
+                <a:ext cx="2683170" cy="619016"/>
+              </a:xfrm>
+              <a:prstGeom prst="rect">
+                <a:avLst/>
+              </a:prstGeom>
+              <a:blipFill>
+                <a:blip r:embed="rId23"/>
+                <a:stretch>
+                  <a:fillRect/>
+                </a:stretch>
+              </a:blipFill>
+            </p:spPr>
+            <p:txBody>
+              <a:bodyPr/>
+              <a:lstStyle/>
+              <a:p>
+                <a:r>
+                  <a:rPr lang="en-US">
+                    <a:noFill/>
+                  </a:rPr>
+                  <a:t> </a:t>
+                </a:r>
+              </a:p>
+            </p:txBody>
+          </p:sp>
+        </mc:Fallback>
+      </mc:AlternateContent>
+      <p:sp>
+        <p:nvSpPr>
+          <p:cNvPr id="28" name="Arrow: Right 27">
+            <a:extLst>
+              <a:ext uri="{FF2B5EF4-FFF2-40B4-BE49-F238E27FC236}">
+                <a16:creationId xmlns:a16="http://schemas.microsoft.com/office/drawing/2014/main" id="{5DD47E84-EFBE-D0B5-74CB-1E71A26574B9}"/>
+              </a:ext>
+            </a:extLst>
+          </p:cNvPr>
+          <p:cNvSpPr/>
+          <p:nvPr/>
+        </p:nvSpPr>
+        <p:spPr>
+          <a:xfrm flipH="1">
+            <a:off x="2255519" y="2066240"/>
+            <a:ext cx="4795434" cy="385821"/>
+          </a:xfrm>
+          <a:prstGeom prst="rightArrow">
+            <a:avLst/>
+          </a:prstGeom>
+          <a:noFill/>
+          <a:ln w="76200">
+            <a:solidFill>
+              <a:schemeClr val="accent2"/>
+            </a:solidFill>
+          </a:ln>
+        </p:spPr>
+        <p:style>
+          <a:lnRef idx="2">
+            <a:schemeClr val="accent1">
+              <a:shade val="50000"/>
+            </a:schemeClr>
+          </a:lnRef>
+          <a:fillRef idx="1">
+            <a:schemeClr val="accent1"/>
+          </a:fillRef>
+          <a:effectRef idx="0">
+            <a:schemeClr val="accent1"/>
+          </a:effectRef>
+          <a:fontRef idx="minor">
+            <a:schemeClr val="lt1"/>
+          </a:fontRef>
+        </p:style>
+        <p:txBody>
+          <a:bodyPr rtlCol="0" anchor="ctr"/>
+          <a:lstStyle/>
+          <a:p>
+            <a:pPr algn="ctr"/>
+            <a:endParaRPr lang="en-US"/>
+          </a:p>
+        </p:txBody>
+      </p:sp>
+      <p:sp>
+        <p:nvSpPr>
+          <p:cNvPr id="29" name="Arrow: Right 28">
+            <a:extLst>
+              <a:ext uri="{FF2B5EF4-FFF2-40B4-BE49-F238E27FC236}">
+                <a16:creationId xmlns:a16="http://schemas.microsoft.com/office/drawing/2014/main" id="{4C446A1E-1ECB-E2C3-859E-C4698E622999}"/>
+              </a:ext>
+            </a:extLst>
+          </p:cNvPr>
+          <p:cNvSpPr/>
+          <p:nvPr/>
+        </p:nvSpPr>
+        <p:spPr>
+          <a:xfrm flipH="1">
+            <a:off x="2255519" y="5317289"/>
+            <a:ext cx="4795434" cy="385821"/>
+          </a:xfrm>
+          <a:prstGeom prst="rightArrow">
+            <a:avLst/>
+          </a:prstGeom>
+          <a:noFill/>
+          <a:ln w="76200">
+            <a:solidFill>
+              <a:schemeClr val="accent2"/>
+            </a:solidFill>
+          </a:ln>
+        </p:spPr>
+        <p:style>
+          <a:lnRef idx="2">
+            <a:schemeClr val="accent1">
+              <a:shade val="50000"/>
+            </a:schemeClr>
+          </a:lnRef>
+          <a:fillRef idx="1">
+            <a:schemeClr val="accent1"/>
+          </a:fillRef>
+          <a:effectRef idx="0">
+            <a:schemeClr val="accent1"/>
+          </a:effectRef>
+          <a:fontRef idx="minor">
+            <a:schemeClr val="lt1"/>
+          </a:fontRef>
+        </p:style>
+        <p:txBody>
+          <a:bodyPr rtlCol="0" anchor="ctr"/>
+          <a:lstStyle/>
+          <a:p>
+            <a:pPr algn="ctr"/>
+            <a:endParaRPr lang="en-US"/>
+          </a:p>
+        </p:txBody>
+      </p:sp>
+    </p:spTree>
+    <p:extLst>
+      <p:ext uri="{BB962C8B-B14F-4D97-AF65-F5344CB8AC3E}">
+        <p14:creationId xmlns:p14="http://schemas.microsoft.com/office/powerpoint/2010/main" val="4036670889"/>
+      </p:ext>
+    </p:extLst>
+  </p:cSld>
+  <p:clrMapOvr>
+    <a:masterClrMapping/>
+  </p:clrMapOvr>
+  <p:timing>
+    <p:tnLst>
+      <p:par>
+        <p:cTn id="1" dur="indefinite" restart="never" nodeType="tmRoot">
+          <p:childTnLst>
+            <p:seq concurrent="1" nextAc="seek">
+              <p:cTn id="2" dur="indefinite" nodeType="mainSeq">
+                <p:childTnLst>
+                  <p:par>
+                    <p:cTn id="3" fill="hold">
+                      <p:stCondLst>
+                        <p:cond delay="indefinite"/>
+                      </p:stCondLst>
+                      <p:childTnLst>
+                        <p:par>
+                          <p:cTn id="4" fill="hold">
+                            <p:stCondLst>
+                              <p:cond delay="0"/>
+                            </p:stCondLst>
+                            <p:childTnLst>
+                              <p:par>
+                                <p:cTn id="5" presetID="10" presetClass="entr" presetSubtype="0" fill="hold" grpId="0" nodeType="clickEffect">
+                                  <p:stCondLst>
+                                    <p:cond delay="0"/>
+                                  </p:stCondLst>
+                                  <p:childTnLst>
+                                    <p:set>
+                                      <p:cBhvr>
+                                        <p:cTn id="6" dur="1" fill="hold">
+                                          <p:stCondLst>
+                                            <p:cond delay="0"/>
+                                          </p:stCondLst>
+                                        </p:cTn>
+                                        <p:tgtEl>
+                                          <p:spTgt spid="21"/>
+                                        </p:tgtEl>
+                                        <p:attrNameLst>
+                                          <p:attrName>style.visibility</p:attrName>
+                                        </p:attrNameLst>
+                                      </p:cBhvr>
+                                      <p:to>
+                                        <p:strVal val="visible"/>
+                                      </p:to>
+                                    </p:set>
+                                    <p:animEffect transition="in" filter="fade">
+                                      <p:cBhvr>
+                                        <p:cTn id="7" dur="500"/>
+                                        <p:tgtEl>
+                                          <p:spTgt spid="21"/>
+                                        </p:tgtEl>
+                                      </p:cBhvr>
+                                    </p:animEffect>
+                                  </p:childTnLst>
+                                </p:cTn>
+                              </p:par>
+                            </p:childTnLst>
+                          </p:cTn>
+                        </p:par>
+                      </p:childTnLst>
+                    </p:cTn>
+                  </p:par>
+                  <p:par>
+                    <p:cTn id="8" fill="hold">
+                      <p:stCondLst>
+                        <p:cond delay="indefinite"/>
+                      </p:stCondLst>
+                      <p:childTnLst>
+                        <p:par>
+                          <p:cTn id="9" fill="hold">
+                            <p:stCondLst>
+                              <p:cond delay="0"/>
+                            </p:stCondLst>
+                            <p:childTnLst>
+                              <p:par>
+                                <p:cTn id="10" presetID="10" presetClass="entr" presetSubtype="0" fill="hold" grpId="0" nodeType="clickEffect">
+                                  <p:stCondLst>
+                                    <p:cond delay="0"/>
+                                  </p:stCondLst>
+                                  <p:childTnLst>
+                                    <p:set>
+                                      <p:cBhvr>
+                                        <p:cTn id="11" dur="1" fill="hold">
+                                          <p:stCondLst>
+                                            <p:cond delay="0"/>
+                                          </p:stCondLst>
+                                        </p:cTn>
+                                        <p:tgtEl>
+                                          <p:spTgt spid="26"/>
+                                        </p:tgtEl>
+                                        <p:attrNameLst>
+                                          <p:attrName>style.visibility</p:attrName>
+                                        </p:attrNameLst>
+                                      </p:cBhvr>
+                                      <p:to>
+                                        <p:strVal val="visible"/>
+                                      </p:to>
+                                    </p:set>
+                                    <p:animEffect transition="in" filter="fade">
+                                      <p:cBhvr>
+                                        <p:cTn id="12" dur="500"/>
+                                        <p:tgtEl>
+                                          <p:spTgt spid="26"/>
+                                        </p:tgtEl>
+                                      </p:cBhvr>
+                                    </p:animEffect>
+                                  </p:childTnLst>
+                                </p:cTn>
+                              </p:par>
+                              <p:par>
+                                <p:cTn id="13" presetID="10" presetClass="exit" presetSubtype="0" fill="hold" grpId="1" nodeType="withEffect">
+                                  <p:stCondLst>
+                                    <p:cond delay="0"/>
+                                  </p:stCondLst>
+                                  <p:childTnLst>
+                                    <p:animEffect transition="out" filter="fade">
+                                      <p:cBhvr>
+                                        <p:cTn id="14" dur="500"/>
+                                        <p:tgtEl>
+                                          <p:spTgt spid="21"/>
+                                        </p:tgtEl>
+                                      </p:cBhvr>
+                                    </p:animEffect>
+                                    <p:set>
+                                      <p:cBhvr>
+                                        <p:cTn id="15" dur="1" fill="hold">
+                                          <p:stCondLst>
+                                            <p:cond delay="499"/>
+                                          </p:stCondLst>
+                                        </p:cTn>
+                                        <p:tgtEl>
+                                          <p:spTgt spid="21"/>
+                                        </p:tgtEl>
+                                        <p:attrNameLst>
+                                          <p:attrName>style.visibility</p:attrName>
+                                        </p:attrNameLst>
+                                      </p:cBhvr>
+                                      <p:to>
+                                        <p:strVal val="hidden"/>
+                                      </p:to>
+                                    </p:set>
+                                  </p:childTnLst>
+                                </p:cTn>
+                              </p:par>
+                            </p:childTnLst>
+                          </p:cTn>
+                        </p:par>
+                      </p:childTnLst>
+                    </p:cTn>
+                  </p:par>
+                  <p:par>
+                    <p:cTn id="16" fill="hold">
+                      <p:stCondLst>
+                        <p:cond delay="indefinite"/>
+                      </p:stCondLst>
+                      <p:childTnLst>
+                        <p:par>
+                          <p:cTn id="17" fill="hold">
+                            <p:stCondLst>
+                              <p:cond delay="0"/>
+                            </p:stCondLst>
+                            <p:childTnLst>
+                              <p:par>
+                                <p:cTn id="18" presetID="10" presetClass="entr" presetSubtype="0" fill="hold" grpId="0" nodeType="clickEffect">
+                                  <p:stCondLst>
+                                    <p:cond delay="0"/>
+                                  </p:stCondLst>
+                                  <p:childTnLst>
+                                    <p:set>
+                                      <p:cBhvr>
+                                        <p:cTn id="19" dur="1" fill="hold">
+                                          <p:stCondLst>
+                                            <p:cond delay="0"/>
+                                          </p:stCondLst>
+                                        </p:cTn>
+                                        <p:tgtEl>
+                                          <p:spTgt spid="15"/>
+                                        </p:tgtEl>
+                                        <p:attrNameLst>
+                                          <p:attrName>style.visibility</p:attrName>
+                                        </p:attrNameLst>
+                                      </p:cBhvr>
+                                      <p:to>
+                                        <p:strVal val="visible"/>
+                                      </p:to>
+                                    </p:set>
+                                    <p:animEffect transition="in" filter="fade">
+                                      <p:cBhvr>
+                                        <p:cTn id="20" dur="500"/>
+                                        <p:tgtEl>
+                                          <p:spTgt spid="15"/>
+                                        </p:tgtEl>
+                                      </p:cBhvr>
+                                    </p:animEffect>
+                                  </p:childTnLst>
+                                </p:cTn>
+                              </p:par>
+                            </p:childTnLst>
+                          </p:cTn>
+                        </p:par>
+                      </p:childTnLst>
+                    </p:cTn>
+                  </p:par>
+                  <p:par>
+                    <p:cTn id="21" fill="hold">
+                      <p:stCondLst>
+                        <p:cond delay="indefinite"/>
+                      </p:stCondLst>
+                      <p:childTnLst>
+                        <p:par>
+                          <p:cTn id="22" fill="hold">
+                            <p:stCondLst>
+                              <p:cond delay="0"/>
+                            </p:stCondLst>
+                            <p:childTnLst>
+                              <p:par>
+                                <p:cTn id="23" presetID="10" presetClass="entr" presetSubtype="0" fill="hold" grpId="0" nodeType="clickEffect">
+                                  <p:stCondLst>
+                                    <p:cond delay="0"/>
+                                  </p:stCondLst>
+                                  <p:childTnLst>
+                                    <p:set>
+                                      <p:cBhvr>
+                                        <p:cTn id="24" dur="1" fill="hold">
+                                          <p:stCondLst>
+                                            <p:cond delay="0"/>
+                                          </p:stCondLst>
+                                        </p:cTn>
+                                        <p:tgtEl>
+                                          <p:spTgt spid="27"/>
+                                        </p:tgtEl>
+                                        <p:attrNameLst>
+                                          <p:attrName>style.visibility</p:attrName>
+                                        </p:attrNameLst>
+                                      </p:cBhvr>
+                                      <p:to>
+                                        <p:strVal val="visible"/>
+                                      </p:to>
+                                    </p:set>
+                                    <p:animEffect transition="in" filter="fade">
+                                      <p:cBhvr>
+                                        <p:cTn id="25" dur="500"/>
+                                        <p:tgtEl>
+                                          <p:spTgt spid="27"/>
+                                        </p:tgtEl>
+                                      </p:cBhvr>
+                                    </p:animEffect>
+                                  </p:childTnLst>
+                                </p:cTn>
+                              </p:par>
+                            </p:childTnLst>
+                          </p:cTn>
+                        </p:par>
+                      </p:childTnLst>
+                    </p:cTn>
+                  </p:par>
+                  <p:par>
+                    <p:cTn id="26" fill="hold">
+                      <p:stCondLst>
+                        <p:cond delay="indefinite"/>
+                      </p:stCondLst>
+                      <p:childTnLst>
+                        <p:par>
+                          <p:cTn id="27" fill="hold">
+                            <p:stCondLst>
+                              <p:cond delay="0"/>
+                            </p:stCondLst>
+                            <p:childTnLst>
+                              <p:par>
+                                <p:cTn id="28" presetID="10" presetClass="entr" presetSubtype="0" fill="hold" grpId="0" nodeType="clickEffect">
+                                  <p:stCondLst>
+                                    <p:cond delay="0"/>
+                                  </p:stCondLst>
+                                  <p:childTnLst>
+                                    <p:set>
+                                      <p:cBhvr>
+                                        <p:cTn id="29" dur="1" fill="hold">
+                                          <p:stCondLst>
+                                            <p:cond delay="0"/>
+                                          </p:stCondLst>
+                                        </p:cTn>
+                                        <p:tgtEl>
+                                          <p:spTgt spid="28"/>
+                                        </p:tgtEl>
+                                        <p:attrNameLst>
+                                          <p:attrName>style.visibility</p:attrName>
+                                        </p:attrNameLst>
+                                      </p:cBhvr>
+                                      <p:to>
+                                        <p:strVal val="visible"/>
+                                      </p:to>
+                                    </p:set>
+                                    <p:animEffect transition="in" filter="fade">
+                                      <p:cBhvr>
+                                        <p:cTn id="30" dur="500"/>
+                                        <p:tgtEl>
+                                          <p:spTgt spid="28"/>
+                                        </p:tgtEl>
+                                      </p:cBhvr>
+                                    </p:animEffect>
+                                  </p:childTnLst>
+                                </p:cTn>
+                              </p:par>
+                              <p:par>
+                                <p:cTn id="31" presetID="10" presetClass="entr" presetSubtype="0" fill="hold" grpId="0" nodeType="withEffect">
+                                  <p:stCondLst>
+                                    <p:cond delay="0"/>
+                                  </p:stCondLst>
+                                  <p:childTnLst>
+                                    <p:set>
+                                      <p:cBhvr>
+                                        <p:cTn id="32" dur="1" fill="hold">
+                                          <p:stCondLst>
+                                            <p:cond delay="0"/>
+                                          </p:stCondLst>
+                                        </p:cTn>
+                                        <p:tgtEl>
+                                          <p:spTgt spid="29"/>
+                                        </p:tgtEl>
+                                        <p:attrNameLst>
+                                          <p:attrName>style.visibility</p:attrName>
+                                        </p:attrNameLst>
+                                      </p:cBhvr>
+                                      <p:to>
+                                        <p:strVal val="visible"/>
+                                      </p:to>
+                                    </p:set>
+                                    <p:animEffect transition="in" filter="fade">
+                                      <p:cBhvr>
+                                        <p:cTn id="33" dur="500"/>
+                                        <p:tgtEl>
+                                          <p:spTgt spid="29"/>
+                                        </p:tgtEl>
+                                      </p:cBhvr>
+                                    </p:animEffect>
+                                  </p:childTnLst>
+                                </p:cTn>
+                              </p:par>
+                            </p:childTnLst>
+                          </p:cTn>
+                        </p:par>
+                      </p:childTnLst>
+                    </p:cTn>
+                  </p:par>
+                </p:childTnLst>
+              </p:cTn>
+              <p:prevCondLst>
+                <p:cond evt="onPrev" delay="0">
+                  <p:tgtEl>
+                    <p:sldTgt/>
+                  </p:tgtEl>
+                </p:cond>
+              </p:prevCondLst>
+              <p:nextCondLst>
+                <p:cond evt="onNext" delay="0">
+                  <p:tgtEl>
+                    <p:sldTgt/>
+                  </p:tgtEl>
+                </p:cond>
+              </p:nextCondLst>
+            </p:seq>
+          </p:childTnLst>
+        </p:cTn>
+      </p:par>
+    </p:tnLst>
+    <p:bldLst>
+      <p:bldP spid="15" grpId="0" animBg="1"/>
+      <p:bldP spid="26" grpId="0" animBg="1"/>
+      <p:bldP spid="21" grpId="0" animBg="1"/>
+      <p:bldP spid="21" grpId="1" animBg="1"/>
+      <p:bldP spid="27" grpId="0" animBg="1"/>
+      <p:bldP spid="28" grpId="0" animBg="1"/>
+      <p:bldP spid="29" grpId="0" animBg="1"/>
+    </p:bldLst>
+  </p:timing>
+</p:sld>
+</file>
+
 <file path=ppt/theme/theme1.xml><?xml version="1.0" encoding="utf-8"?>
 <a:theme xmlns:a="http://schemas.openxmlformats.org/drawingml/2006/main" name="Office Theme">
   <a:themeElements>

--- a/TeachingNetwoks.pptx
+++ b/TeachingNetwoks.pptx
@@ -5,7 +5,7 @@
     <p:sldMasterId id="2147483648" r:id="rId1"/>
   </p:sldMasterIdLst>
   <p:notesMasterIdLst>
-    <p:notesMasterId r:id="rId10"/>
+    <p:notesMasterId r:id="rId11"/>
   </p:notesMasterIdLst>
   <p:sldIdLst>
     <p:sldId id="256" r:id="rId2"/>
@@ -16,6 +16,7 @@
     <p:sldId id="324" r:id="rId7"/>
     <p:sldId id="322" r:id="rId8"/>
     <p:sldId id="331" r:id="rId9"/>
+    <p:sldId id="333" r:id="rId10"/>
   </p:sldIdLst>
   <p:sldSz cx="12192000" cy="6858000"/>
   <p:notesSz cx="6858000" cy="9144000"/>
@@ -131,6 +132,7 @@
             <p14:sldId id="324"/>
             <p14:sldId id="322"/>
             <p14:sldId id="331"/>
+            <p14:sldId id="333"/>
           </p14:sldIdLst>
         </p14:section>
       </p14:sectionLst>
@@ -51953,6 +51955,101 @@
 </p:sld>
 </file>
 
+<file path=ppt/slides/slide9.xml><?xml version="1.0" encoding="utf-8"?>
+<p:sld xmlns:a="http://schemas.openxmlformats.org/drawingml/2006/main" xmlns:r="http://schemas.openxmlformats.org/officeDocument/2006/relationships" xmlns:p="http://schemas.openxmlformats.org/presentationml/2006/main">
+  <p:cSld>
+    <p:spTree>
+      <p:nvGrpSpPr>
+        <p:cNvPr id="1" name=""/>
+        <p:cNvGrpSpPr/>
+        <p:nvPr/>
+      </p:nvGrpSpPr>
+      <p:grpSpPr>
+        <a:xfrm>
+          <a:off x="0" y="0"/>
+          <a:ext cx="0" cy="0"/>
+          <a:chOff x="0" y="0"/>
+          <a:chExt cx="0" cy="0"/>
+        </a:xfrm>
+      </p:grpSpPr>
+      <p:sp>
+        <p:nvSpPr>
+          <p:cNvPr id="2" name="Title 1">
+            <a:extLst>
+              <a:ext uri="{FF2B5EF4-FFF2-40B4-BE49-F238E27FC236}">
+                <a16:creationId xmlns:a16="http://schemas.microsoft.com/office/drawing/2014/main" id="{44F17B52-A30E-7312-1CA1-488D7668B410}"/>
+              </a:ext>
+            </a:extLst>
+          </p:cNvPr>
+          <p:cNvSpPr>
+            <a:spLocks noGrp="1"/>
+          </p:cNvSpPr>
+          <p:nvPr>
+            <p:ph type="title"/>
+          </p:nvPr>
+        </p:nvSpPr>
+        <p:spPr/>
+        <p:txBody>
+          <a:bodyPr/>
+          <a:lstStyle/>
+          <a:p>
+            <a:r>
+              <a:rPr lang="en-US" dirty="0"/>
+              <a:t>Learning Rate</a:t>
+            </a:r>
+          </a:p>
+        </p:txBody>
+      </p:sp>
+      <p:pic>
+        <p:nvPicPr>
+          <p:cNvPr id="4" name="Content Placeholder 3" descr="A picture containing chart&#10;&#10;Description automatically generated">
+            <a:extLst>
+              <a:ext uri="{FF2B5EF4-FFF2-40B4-BE49-F238E27FC236}">
+                <a16:creationId xmlns:a16="http://schemas.microsoft.com/office/drawing/2014/main" id="{D8785C00-51FF-29F5-4DDD-5AFB01F6F9F4}"/>
+              </a:ext>
+            </a:extLst>
+          </p:cNvPr>
+          <p:cNvPicPr>
+            <a:picLocks noGrp="1" noChangeAspect="1"/>
+          </p:cNvPicPr>
+          <p:nvPr>
+            <p:ph idx="1"/>
+          </p:nvPr>
+        </p:nvPicPr>
+        <p:blipFill rotWithShape="1">
+          <a:blip r:embed="rId2">
+            <a:extLst>
+              <a:ext uri="{28A0092B-C50C-407E-A947-70E740481C1C}">
+                <a14:useLocalDpi xmlns:a14="http://schemas.microsoft.com/office/drawing/2010/main" val="0"/>
+              </a:ext>
+            </a:extLst>
+          </a:blip>
+          <a:srcRect b="9344"/>
+          <a:stretch/>
+        </p:blipFill>
+        <p:spPr>
+          <a:xfrm>
+            <a:off x="1775791" y="1240778"/>
+            <a:ext cx="8640418" cy="5521032"/>
+          </a:xfrm>
+          <a:prstGeom prst="rect">
+            <a:avLst/>
+          </a:prstGeom>
+        </p:spPr>
+      </p:pic>
+    </p:spTree>
+    <p:extLst>
+      <p:ext uri="{BB962C8B-B14F-4D97-AF65-F5344CB8AC3E}">
+        <p14:creationId xmlns:p14="http://schemas.microsoft.com/office/powerpoint/2010/main" val="193138708"/>
+      </p:ext>
+    </p:extLst>
+  </p:cSld>
+  <p:clrMapOvr>
+    <a:masterClrMapping/>
+  </p:clrMapOvr>
+</p:sld>
+</file>
+
 <file path=ppt/theme/theme1.xml><?xml version="1.0" encoding="utf-8"?>
 <a:theme xmlns:a="http://schemas.openxmlformats.org/drawingml/2006/main" name="Office Theme">
   <a:themeElements>

--- a/TeachingNetwoks.pptx
+++ b/TeachingNetwoks.pptx
@@ -10,13 +10,13 @@
   <p:sldIdLst>
     <p:sldId id="256" r:id="rId2"/>
     <p:sldId id="329" r:id="rId3"/>
-    <p:sldId id="319" r:id="rId4"/>
-    <p:sldId id="320" r:id="rId5"/>
-    <p:sldId id="321" r:id="rId6"/>
-    <p:sldId id="324" r:id="rId7"/>
-    <p:sldId id="322" r:id="rId8"/>
-    <p:sldId id="331" r:id="rId9"/>
-    <p:sldId id="333" r:id="rId10"/>
+    <p:sldId id="320" r:id="rId4"/>
+    <p:sldId id="321" r:id="rId5"/>
+    <p:sldId id="324" r:id="rId6"/>
+    <p:sldId id="322" r:id="rId7"/>
+    <p:sldId id="331" r:id="rId8"/>
+    <p:sldId id="333" r:id="rId9"/>
+    <p:sldId id="335" r:id="rId10"/>
   </p:sldIdLst>
   <p:sldSz cx="12192000" cy="6858000"/>
   <p:notesSz cx="6858000" cy="9144000"/>
@@ -118,7 +118,7 @@
   <p:extLst>
     <p:ext uri="{521415D9-36F7-43E2-AB2F-B90AF26B5E84}">
       <p14:sectionLst xmlns:p14="http://schemas.microsoft.com/office/powerpoint/2010/main">
-        <p14:section name="Default Section" id="{8DD74C97-7C6D-4DC9-93E7-37C9B59AFDC8}">
+        <p14:section name="Intro" id="{8DD74C97-7C6D-4DC9-93E7-37C9B59AFDC8}">
           <p14:sldIdLst>
             <p14:sldId id="256"/>
           </p14:sldIdLst>
@@ -126,13 +126,13 @@
         <p14:section name="Maths" id="{EB53FB21-4207-4AAF-AB29-4B48807D277F}">
           <p14:sldIdLst>
             <p14:sldId id="329"/>
-            <p14:sldId id="319"/>
             <p14:sldId id="320"/>
             <p14:sldId id="321"/>
             <p14:sldId id="324"/>
             <p14:sldId id="322"/>
             <p14:sldId id="331"/>
             <p14:sldId id="333"/>
+            <p14:sldId id="335"/>
           </p14:sldIdLst>
         </p14:section>
       </p14:sectionLst>
@@ -623,7 +623,7 @@
           <a:p>
             <a:r>
               <a:rPr lang="en-US" dirty="0"/>
-              <a:t>Treat each layer as a vector</a:t>
+              <a:t>Some neurons may be consistently too large/small, so we add a bias</a:t>
             </a:r>
           </a:p>
         </p:txBody>
@@ -654,7 +654,7 @@
     </p:spTree>
     <p:extLst>
       <p:ext uri="{BB962C8B-B14F-4D97-AF65-F5344CB8AC3E}">
-        <p14:creationId xmlns:p14="http://schemas.microsoft.com/office/powerpoint/2010/main" val="997645520"/>
+        <p14:creationId xmlns:p14="http://schemas.microsoft.com/office/powerpoint/2010/main" val="2313631205"/>
       </p:ext>
     </p:extLst>
   </p:cSld>
@@ -665,93 +665,6 @@
 </file>
 
 <file path=ppt/notesSlides/notesSlide3.xml><?xml version="1.0" encoding="utf-8"?>
-<p:notes xmlns:a="http://schemas.openxmlformats.org/drawingml/2006/main" xmlns:r="http://schemas.openxmlformats.org/officeDocument/2006/relationships" xmlns:p="http://schemas.openxmlformats.org/presentationml/2006/main">
-  <p:cSld>
-    <p:spTree>
-      <p:nvGrpSpPr>
-        <p:cNvPr id="1" name=""/>
-        <p:cNvGrpSpPr/>
-        <p:nvPr/>
-      </p:nvGrpSpPr>
-      <p:grpSpPr>
-        <a:xfrm>
-          <a:off x="0" y="0"/>
-          <a:ext cx="0" cy="0"/>
-          <a:chOff x="0" y="0"/>
-          <a:chExt cx="0" cy="0"/>
-        </a:xfrm>
-      </p:grpSpPr>
-      <p:sp>
-        <p:nvSpPr>
-          <p:cNvPr id="2" name="Slide Image Placeholder 1"/>
-          <p:cNvSpPr>
-            <a:spLocks noGrp="1" noRot="1" noChangeAspect="1"/>
-          </p:cNvSpPr>
-          <p:nvPr>
-            <p:ph type="sldImg"/>
-          </p:nvPr>
-        </p:nvSpPr>
-        <p:spPr/>
-      </p:sp>
-      <p:sp>
-        <p:nvSpPr>
-          <p:cNvPr id="3" name="Notes Placeholder 2"/>
-          <p:cNvSpPr>
-            <a:spLocks noGrp="1"/>
-          </p:cNvSpPr>
-          <p:nvPr>
-            <p:ph type="body" idx="1"/>
-          </p:nvPr>
-        </p:nvSpPr>
-        <p:spPr/>
-        <p:txBody>
-          <a:bodyPr/>
-          <a:lstStyle/>
-          <a:p>
-            <a:r>
-              <a:rPr lang="en-US" dirty="0"/>
-              <a:t>Some neurons may be consistently too large/small, so we add a bias</a:t>
-            </a:r>
-          </a:p>
-        </p:txBody>
-      </p:sp>
-      <p:sp>
-        <p:nvSpPr>
-          <p:cNvPr id="4" name="Slide Number Placeholder 3"/>
-          <p:cNvSpPr>
-            <a:spLocks noGrp="1"/>
-          </p:cNvSpPr>
-          <p:nvPr>
-            <p:ph type="sldNum" sz="quarter" idx="5"/>
-          </p:nvPr>
-        </p:nvSpPr>
-        <p:spPr/>
-        <p:txBody>
-          <a:bodyPr/>
-          <a:lstStyle/>
-          <a:p>
-            <a:fld id="{A1F3994E-D175-4376-8600-63A26808DC17}" type="slidenum">
-              <a:rPr lang="en-US" smtClean="0"/>
-              <a:t>4</a:t>
-            </a:fld>
-            <a:endParaRPr lang="en-US"/>
-          </a:p>
-        </p:txBody>
-      </p:sp>
-    </p:spTree>
-    <p:extLst>
-      <p:ext uri="{BB962C8B-B14F-4D97-AF65-F5344CB8AC3E}">
-        <p14:creationId xmlns:p14="http://schemas.microsoft.com/office/powerpoint/2010/main" val="2313631205"/>
-      </p:ext>
-    </p:extLst>
-  </p:cSld>
-  <p:clrMapOvr>
-    <a:masterClrMapping/>
-  </p:clrMapOvr>
-</p:notes>
-</file>
-
-<file path=ppt/notesSlides/notesSlide4.xml><?xml version="1.0" encoding="utf-8"?>
 <p:notes xmlns:a="http://schemas.openxmlformats.org/drawingml/2006/main" xmlns:r="http://schemas.openxmlformats.org/officeDocument/2006/relationships" xmlns:p="http://schemas.openxmlformats.org/presentationml/2006/main">
   <p:cSld>
     <p:spTree>
@@ -819,7 +732,7 @@
           <a:p>
             <a:fld id="{A1F3994E-D175-4376-8600-63A26808DC17}" type="slidenum">
               <a:rPr lang="en-US" smtClean="0"/>
-              <a:t>5</a:t>
+              <a:t>4</a:t>
             </a:fld>
             <a:endParaRPr lang="en-US"/>
           </a:p>
@@ -838,7 +751,7 @@
 </p:notes>
 </file>
 
-<file path=ppt/notesSlides/notesSlide5.xml><?xml version="1.0" encoding="utf-8"?>
+<file path=ppt/notesSlides/notesSlide4.xml><?xml version="1.0" encoding="utf-8"?>
 <p:notes xmlns:a="http://schemas.openxmlformats.org/drawingml/2006/main" xmlns:r="http://schemas.openxmlformats.org/officeDocument/2006/relationships" xmlns:p="http://schemas.openxmlformats.org/presentationml/2006/main">
   <p:cSld>
     <p:spTree>
@@ -906,7 +819,7 @@
           <a:p>
             <a:fld id="{A1F3994E-D175-4376-8600-63A26808DC17}" type="slidenum">
               <a:rPr lang="en-US" smtClean="0"/>
-              <a:t>6</a:t>
+              <a:t>5</a:t>
             </a:fld>
             <a:endParaRPr lang="en-US"/>
           </a:p>
@@ -925,7 +838,7 @@
 </p:notes>
 </file>
 
-<file path=ppt/notesSlides/notesSlide6.xml><?xml version="1.0" encoding="utf-8"?>
+<file path=ppt/notesSlides/notesSlide5.xml><?xml version="1.0" encoding="utf-8"?>
 <p:notes xmlns:a="http://schemas.openxmlformats.org/drawingml/2006/main" xmlns:r="http://schemas.openxmlformats.org/officeDocument/2006/relationships" xmlns:p="http://schemas.openxmlformats.org/presentationml/2006/main">
   <p:cSld>
     <p:spTree>
@@ -999,7 +912,7 @@
           <a:p>
             <a:fld id="{A1F3994E-D175-4376-8600-63A26808DC17}" type="slidenum">
               <a:rPr lang="en-US" smtClean="0"/>
-              <a:t>7</a:t>
+              <a:t>6</a:t>
             </a:fld>
             <a:endParaRPr lang="en-US"/>
           </a:p>
@@ -1018,7 +931,7 @@
 </p:notes>
 </file>
 
-<file path=ppt/notesSlides/notesSlide7.xml><?xml version="1.0" encoding="utf-8"?>
+<file path=ppt/notesSlides/notesSlide6.xml><?xml version="1.0" encoding="utf-8"?>
 <p:notes xmlns:a="http://schemas.openxmlformats.org/drawingml/2006/main" xmlns:r="http://schemas.openxmlformats.org/officeDocument/2006/relationships" xmlns:p="http://schemas.openxmlformats.org/presentationml/2006/main">
   <p:cSld>
     <p:spTree>
@@ -1086,7 +999,7 @@
           <a:p>
             <a:fld id="{A1F3994E-D175-4376-8600-63A26808DC17}" type="slidenum">
               <a:rPr lang="en-US" smtClean="0"/>
-              <a:t>8</a:t>
+              <a:t>7</a:t>
             </a:fld>
             <a:endParaRPr lang="en-US"/>
           </a:p>
@@ -1096,6 +1009,90 @@
     <p:extLst>
       <p:ext uri="{BB962C8B-B14F-4D97-AF65-F5344CB8AC3E}">
         <p14:creationId xmlns:p14="http://schemas.microsoft.com/office/powerpoint/2010/main" val="1368974370"/>
+      </p:ext>
+    </p:extLst>
+  </p:cSld>
+  <p:clrMapOvr>
+    <a:masterClrMapping/>
+  </p:clrMapOvr>
+</p:notes>
+</file>
+
+<file path=ppt/notesSlides/notesSlide7.xml><?xml version="1.0" encoding="utf-8"?>
+<p:notes xmlns:a="http://schemas.openxmlformats.org/drawingml/2006/main" xmlns:r="http://schemas.openxmlformats.org/officeDocument/2006/relationships" xmlns:p="http://schemas.openxmlformats.org/presentationml/2006/main">
+  <p:cSld>
+    <p:spTree>
+      <p:nvGrpSpPr>
+        <p:cNvPr id="1" name=""/>
+        <p:cNvGrpSpPr/>
+        <p:nvPr/>
+      </p:nvGrpSpPr>
+      <p:grpSpPr>
+        <a:xfrm>
+          <a:off x="0" y="0"/>
+          <a:ext cx="0" cy="0"/>
+          <a:chOff x="0" y="0"/>
+          <a:chExt cx="0" cy="0"/>
+        </a:xfrm>
+      </p:grpSpPr>
+      <p:sp>
+        <p:nvSpPr>
+          <p:cNvPr id="2" name="Slide Image Placeholder 1"/>
+          <p:cNvSpPr>
+            <a:spLocks noGrp="1" noRot="1" noChangeAspect="1"/>
+          </p:cNvSpPr>
+          <p:nvPr>
+            <p:ph type="sldImg"/>
+          </p:nvPr>
+        </p:nvSpPr>
+        <p:spPr/>
+      </p:sp>
+      <p:sp>
+        <p:nvSpPr>
+          <p:cNvPr id="3" name="Notes Placeholder 2"/>
+          <p:cNvSpPr>
+            <a:spLocks noGrp="1"/>
+          </p:cNvSpPr>
+          <p:nvPr>
+            <p:ph type="body" idx="1"/>
+          </p:nvPr>
+        </p:nvSpPr>
+        <p:spPr/>
+        <p:txBody>
+          <a:bodyPr/>
+          <a:lstStyle/>
+          <a:p>
+            <a:endParaRPr lang="en-US" dirty="0"/>
+          </a:p>
+        </p:txBody>
+      </p:sp>
+      <p:sp>
+        <p:nvSpPr>
+          <p:cNvPr id="4" name="Slide Number Placeholder 3"/>
+          <p:cNvSpPr>
+            <a:spLocks noGrp="1"/>
+          </p:cNvSpPr>
+          <p:nvPr>
+            <p:ph type="sldNum" sz="quarter" idx="5"/>
+          </p:nvPr>
+        </p:nvSpPr>
+        <p:spPr/>
+        <p:txBody>
+          <a:bodyPr/>
+          <a:lstStyle/>
+          <a:p>
+            <a:fld id="{A1F3994E-D175-4376-8600-63A26808DC17}" type="slidenum">
+              <a:rPr lang="en-US" smtClean="0"/>
+              <a:t>9</a:t>
+            </a:fld>
+            <a:endParaRPr lang="en-US"/>
+          </a:p>
+        </p:txBody>
+      </p:sp>
+    </p:spTree>
+    <p:extLst>
+      <p:ext uri="{BB962C8B-B14F-4D97-AF65-F5344CB8AC3E}">
+        <p14:creationId xmlns:p14="http://schemas.microsoft.com/office/powerpoint/2010/main" val="4145477325"/>
       </p:ext>
     </p:extLst>
   </p:cSld>
@@ -30580,1578 +30577,6 @@
 </file>
 
 <file path=ppt/slides/slide3.xml><?xml version="1.0" encoding="utf-8"?>
-<p:sld xmlns:a="http://schemas.openxmlformats.org/drawingml/2006/main" xmlns:r="http://schemas.openxmlformats.org/officeDocument/2006/relationships" xmlns:p="http://schemas.openxmlformats.org/presentationml/2006/main" show="0">
-  <p:cSld>
-    <p:spTree>
-      <p:nvGrpSpPr>
-        <p:cNvPr id="1" name=""/>
-        <p:cNvGrpSpPr/>
-        <p:nvPr/>
-      </p:nvGrpSpPr>
-      <p:grpSpPr>
-        <a:xfrm>
-          <a:off x="0" y="0"/>
-          <a:ext cx="0" cy="0"/>
-          <a:chOff x="0" y="0"/>
-          <a:chExt cx="0" cy="0"/>
-        </a:xfrm>
-      </p:grpSpPr>
-      <p:sp>
-        <p:nvSpPr>
-          <p:cNvPr id="2" name="Title 1">
-            <a:extLst>
-              <a:ext uri="{FF2B5EF4-FFF2-40B4-BE49-F238E27FC236}">
-                <a16:creationId xmlns:a16="http://schemas.microsoft.com/office/drawing/2014/main" id="{1D01E8D4-6E5D-3D0C-38C0-82F225028D39}"/>
-              </a:ext>
-            </a:extLst>
-          </p:cNvPr>
-          <p:cNvSpPr>
-            <a:spLocks noGrp="1"/>
-          </p:cNvSpPr>
-          <p:nvPr>
-            <p:ph type="title"/>
-          </p:nvPr>
-        </p:nvSpPr>
-        <p:spPr/>
-        <p:txBody>
-          <a:bodyPr/>
-          <a:lstStyle/>
-          <a:p>
-            <a:r>
-              <a:rPr lang="en-US" dirty="0"/>
-              <a:t>Mathematically</a:t>
-            </a:r>
-          </a:p>
-        </p:txBody>
-      </p:sp>
-      <mc:AlternateContent xmlns:mc="http://schemas.openxmlformats.org/markup-compatibility/2006" xmlns:a14="http://schemas.microsoft.com/office/drawing/2010/main">
-        <mc:Choice Requires="a14">
-          <p:sp>
-            <p:nvSpPr>
-              <p:cNvPr id="50" name="TextBox 49">
-                <a:extLst>
-                  <a:ext uri="{FF2B5EF4-FFF2-40B4-BE49-F238E27FC236}">
-                    <a16:creationId xmlns:a16="http://schemas.microsoft.com/office/drawing/2014/main" id="{970C9D26-7A61-6F59-A315-A13E3DB94B14}"/>
-                  </a:ext>
-                </a:extLst>
-              </p:cNvPr>
-              <p:cNvSpPr txBox="1"/>
-              <p:nvPr/>
-            </p:nvSpPr>
-            <p:spPr>
-              <a:xfrm>
-                <a:off x="1533678" y="3861854"/>
-                <a:ext cx="367986" cy="369332"/>
-              </a:xfrm>
-              <a:prstGeom prst="rect">
-                <a:avLst/>
-              </a:prstGeom>
-            </p:spPr>
-            <p:style>
-              <a:lnRef idx="2">
-                <a:schemeClr val="dk1"/>
-              </a:lnRef>
-              <a:fillRef idx="1">
-                <a:schemeClr val="lt1"/>
-              </a:fillRef>
-              <a:effectRef idx="0">
-                <a:schemeClr val="dk1"/>
-              </a:effectRef>
-              <a:fontRef idx="minor">
-                <a:schemeClr val="dk1"/>
-              </a:fontRef>
-            </p:style>
-            <p:txBody>
-              <a:bodyPr wrap="none" rtlCol="0">
-                <a:spAutoFit/>
-              </a:bodyPr>
-              <a:lstStyle/>
-              <a:p>
-                <a:pPr/>
-                <a14:m>
-                  <m:oMathPara xmlns:m="http://schemas.openxmlformats.org/officeDocument/2006/math">
-                    <m:oMathParaPr>
-                      <m:jc m:val="centerGroup"/>
-                    </m:oMathParaPr>
-                    <m:oMath xmlns:m="http://schemas.openxmlformats.org/officeDocument/2006/math">
-                      <m:r>
-                        <a:rPr lang="en-US" b="0" i="1" smtClean="0">
-                          <a:latin typeface="Cambria Math" panose="02040503050406030204" pitchFamily="18" charset="0"/>
-                        </a:rPr>
-                        <m:t>𝑥</m:t>
-                      </m:r>
-                    </m:oMath>
-                  </m:oMathPara>
-                </a14:m>
-                <a:endParaRPr lang="fr-FR" dirty="0"/>
-              </a:p>
-            </p:txBody>
-          </p:sp>
-        </mc:Choice>
-        <mc:Fallback xmlns="">
-          <p:sp>
-            <p:nvSpPr>
-              <p:cNvPr id="50" name="TextBox 49">
-                <a:extLst>
-                  <a:ext uri="{FF2B5EF4-FFF2-40B4-BE49-F238E27FC236}">
-                    <a16:creationId xmlns:a16="http://schemas.microsoft.com/office/drawing/2014/main" id="{970C9D26-7A61-6F59-A315-A13E3DB94B14}"/>
-                  </a:ext>
-                </a:extLst>
-              </p:cNvPr>
-              <p:cNvSpPr txBox="1">
-                <a:spLocks noRot="1" noChangeAspect="1" noMove="1" noResize="1" noEditPoints="1" noAdjustHandles="1" noChangeArrowheads="1" noChangeShapeType="1" noTextEdit="1"/>
-              </p:cNvSpPr>
-              <p:nvPr/>
-            </p:nvSpPr>
-            <p:spPr>
-              <a:xfrm>
-                <a:off x="1533678" y="3861854"/>
-                <a:ext cx="367986" cy="369332"/>
-              </a:xfrm>
-              <a:prstGeom prst="rect">
-                <a:avLst/>
-              </a:prstGeom>
-              <a:blipFill>
-                <a:blip r:embed="rId3"/>
-                <a:stretch>
-                  <a:fillRect/>
-                </a:stretch>
-              </a:blipFill>
-            </p:spPr>
-            <p:txBody>
-              <a:bodyPr/>
-              <a:lstStyle/>
-              <a:p>
-                <a:r>
-                  <a:rPr lang="en-US">
-                    <a:noFill/>
-                  </a:rPr>
-                  <a:t> </a:t>
-                </a:r>
-              </a:p>
-            </p:txBody>
-          </p:sp>
-        </mc:Fallback>
-      </mc:AlternateContent>
-      <mc:AlternateContent xmlns:mc="http://schemas.openxmlformats.org/markup-compatibility/2006" xmlns:a14="http://schemas.microsoft.com/office/drawing/2010/main">
-        <mc:Choice Requires="a14">
-          <p:sp>
-            <p:nvSpPr>
-              <p:cNvPr id="51" name="TextBox 50">
-                <a:extLst>
-                  <a:ext uri="{FF2B5EF4-FFF2-40B4-BE49-F238E27FC236}">
-                    <a16:creationId xmlns:a16="http://schemas.microsoft.com/office/drawing/2014/main" id="{576DB2D2-8B51-FEDE-2420-902E299CF6DF}"/>
-                  </a:ext>
-                </a:extLst>
-              </p:cNvPr>
-              <p:cNvSpPr txBox="1"/>
-              <p:nvPr/>
-            </p:nvSpPr>
-            <p:spPr>
-              <a:xfrm flipH="1">
-                <a:off x="10658322" y="3861854"/>
-                <a:ext cx="371384" cy="369332"/>
-              </a:xfrm>
-              <a:prstGeom prst="rect">
-                <a:avLst/>
-              </a:prstGeom>
-            </p:spPr>
-            <p:style>
-              <a:lnRef idx="2">
-                <a:schemeClr val="dk1"/>
-              </a:lnRef>
-              <a:fillRef idx="1">
-                <a:schemeClr val="lt1"/>
-              </a:fillRef>
-              <a:effectRef idx="0">
-                <a:schemeClr val="dk1"/>
-              </a:effectRef>
-              <a:fontRef idx="minor">
-                <a:schemeClr val="dk1"/>
-              </a:fontRef>
-            </p:style>
-            <p:txBody>
-              <a:bodyPr wrap="none" rtlCol="0">
-                <a:spAutoFit/>
-              </a:bodyPr>
-              <a:lstStyle/>
-              <a:p>
-                <a:pPr/>
-                <a14:m>
-                  <m:oMathPara xmlns:m="http://schemas.openxmlformats.org/officeDocument/2006/math">
-                    <m:oMathParaPr>
-                      <m:jc m:val="centerGroup"/>
-                    </m:oMathParaPr>
-                    <m:oMath xmlns:m="http://schemas.openxmlformats.org/officeDocument/2006/math">
-                      <m:r>
-                        <a:rPr lang="en-US" b="0" i="1" smtClean="0">
-                          <a:latin typeface="Cambria Math" panose="02040503050406030204" pitchFamily="18" charset="0"/>
-                        </a:rPr>
-                        <m:t>𝑦</m:t>
-                      </m:r>
-                    </m:oMath>
-                  </m:oMathPara>
-                </a14:m>
-                <a:endParaRPr lang="fr-FR" dirty="0"/>
-              </a:p>
-            </p:txBody>
-          </p:sp>
-        </mc:Choice>
-        <mc:Fallback xmlns="">
-          <p:sp>
-            <p:nvSpPr>
-              <p:cNvPr id="51" name="TextBox 50">
-                <a:extLst>
-                  <a:ext uri="{FF2B5EF4-FFF2-40B4-BE49-F238E27FC236}">
-                    <a16:creationId xmlns:a16="http://schemas.microsoft.com/office/drawing/2014/main" id="{576DB2D2-8B51-FEDE-2420-902E299CF6DF}"/>
-                  </a:ext>
-                </a:extLst>
-              </p:cNvPr>
-              <p:cNvSpPr txBox="1">
-                <a:spLocks noRot="1" noChangeAspect="1" noMove="1" noResize="1" noEditPoints="1" noAdjustHandles="1" noChangeArrowheads="1" noChangeShapeType="1" noTextEdit="1"/>
-              </p:cNvSpPr>
-              <p:nvPr/>
-            </p:nvSpPr>
-            <p:spPr>
-              <a:xfrm flipH="1">
-                <a:off x="10658322" y="3861854"/>
-                <a:ext cx="371384" cy="369332"/>
-              </a:xfrm>
-              <a:prstGeom prst="rect">
-                <a:avLst/>
-              </a:prstGeom>
-              <a:blipFill>
-                <a:blip r:embed="rId4"/>
-                <a:stretch>
-                  <a:fillRect b="-4839"/>
-                </a:stretch>
-              </a:blipFill>
-            </p:spPr>
-            <p:txBody>
-              <a:bodyPr/>
-              <a:lstStyle/>
-              <a:p>
-                <a:r>
-                  <a:rPr lang="en-US">
-                    <a:noFill/>
-                  </a:rPr>
-                  <a:t> </a:t>
-                </a:r>
-              </a:p>
-            </p:txBody>
-          </p:sp>
-        </mc:Fallback>
-      </mc:AlternateContent>
-      <mc:AlternateContent xmlns:mc="http://schemas.openxmlformats.org/markup-compatibility/2006" xmlns:a14="http://schemas.microsoft.com/office/drawing/2010/main">
-        <mc:Choice Requires="a14">
-          <p:sp>
-            <p:nvSpPr>
-              <p:cNvPr id="52" name="TextBox 51">
-                <a:extLst>
-                  <a:ext uri="{FF2B5EF4-FFF2-40B4-BE49-F238E27FC236}">
-                    <a16:creationId xmlns:a16="http://schemas.microsoft.com/office/drawing/2014/main" id="{05A70B64-722A-C677-8A01-FFFC6FC496B4}"/>
-                  </a:ext>
-                </a:extLst>
-              </p:cNvPr>
-              <p:cNvSpPr txBox="1"/>
-              <p:nvPr/>
-            </p:nvSpPr>
-            <p:spPr>
-              <a:xfrm>
-                <a:off x="2568747" y="3858744"/>
-                <a:ext cx="367986" cy="375552"/>
-              </a:xfrm>
-              <a:prstGeom prst="rect">
-                <a:avLst/>
-              </a:prstGeom>
-            </p:spPr>
-            <p:style>
-              <a:lnRef idx="2">
-                <a:schemeClr val="dk1"/>
-              </a:lnRef>
-              <a:fillRef idx="1">
-                <a:schemeClr val="lt1"/>
-              </a:fillRef>
-              <a:effectRef idx="0">
-                <a:schemeClr val="dk1"/>
-              </a:effectRef>
-              <a:fontRef idx="minor">
-                <a:schemeClr val="dk1"/>
-              </a:fontRef>
-            </p:style>
-            <p:txBody>
-              <a:bodyPr wrap="square" rtlCol="0">
-                <a:spAutoFit/>
-              </a:bodyPr>
-              <a:lstStyle/>
-              <a:p>
-                <a:pPr/>
-                <a14:m>
-                  <m:oMathPara xmlns:m="http://schemas.openxmlformats.org/officeDocument/2006/math">
-                    <m:oMathParaPr>
-                      <m:jc m:val="centerGroup"/>
-                    </m:oMathParaPr>
-                    <m:oMath xmlns:m="http://schemas.openxmlformats.org/officeDocument/2006/math">
-                      <m:sSup>
-                        <m:sSupPr>
-                          <m:ctrlPr>
-                            <a:rPr lang="en-US" b="1" i="1" smtClean="0">
-                              <a:latin typeface="Cambria Math" panose="02040503050406030204" pitchFamily="18" charset="0"/>
-                            </a:rPr>
-                          </m:ctrlPr>
-                        </m:sSupPr>
-                        <m:e>
-                          <m:r>
-                            <a:rPr lang="en-US" b="1" i="1" smtClean="0">
-                              <a:latin typeface="Cambria Math" panose="02040503050406030204" pitchFamily="18" charset="0"/>
-                            </a:rPr>
-                            <m:t>𝒍</m:t>
-                          </m:r>
-                        </m:e>
-                        <m:sup>
-                          <m:r>
-                            <a:rPr lang="en-US" b="1" i="1" smtClean="0">
-                              <a:latin typeface="Cambria Math" panose="02040503050406030204" pitchFamily="18" charset="0"/>
-                            </a:rPr>
-                            <m:t>𝟏</m:t>
-                          </m:r>
-                        </m:sup>
-                      </m:sSup>
-                    </m:oMath>
-                  </m:oMathPara>
-                </a14:m>
-                <a:endParaRPr lang="en-US" b="1" dirty="0"/>
-              </a:p>
-            </p:txBody>
-          </p:sp>
-        </mc:Choice>
-        <mc:Fallback xmlns="">
-          <p:sp>
-            <p:nvSpPr>
-              <p:cNvPr id="52" name="TextBox 51">
-                <a:extLst>
-                  <a:ext uri="{FF2B5EF4-FFF2-40B4-BE49-F238E27FC236}">
-                    <a16:creationId xmlns:a16="http://schemas.microsoft.com/office/drawing/2014/main" id="{05A70B64-722A-C677-8A01-FFFC6FC496B4}"/>
-                  </a:ext>
-                </a:extLst>
-              </p:cNvPr>
-              <p:cNvSpPr txBox="1">
-                <a:spLocks noRot="1" noChangeAspect="1" noMove="1" noResize="1" noEditPoints="1" noAdjustHandles="1" noChangeArrowheads="1" noChangeShapeType="1" noTextEdit="1"/>
-              </p:cNvSpPr>
-              <p:nvPr/>
-            </p:nvSpPr>
-            <p:spPr>
-              <a:xfrm>
-                <a:off x="2568747" y="3858744"/>
-                <a:ext cx="367986" cy="375552"/>
-              </a:xfrm>
-              <a:prstGeom prst="rect">
-                <a:avLst/>
-              </a:prstGeom>
-              <a:blipFill>
-                <a:blip r:embed="rId5"/>
-                <a:stretch>
-                  <a:fillRect/>
-                </a:stretch>
-              </a:blipFill>
-            </p:spPr>
-            <p:txBody>
-              <a:bodyPr/>
-              <a:lstStyle/>
-              <a:p>
-                <a:r>
-                  <a:rPr lang="en-US">
-                    <a:noFill/>
-                  </a:rPr>
-                  <a:t> </a:t>
-                </a:r>
-              </a:p>
-            </p:txBody>
-          </p:sp>
-        </mc:Fallback>
-      </mc:AlternateContent>
-      <mc:AlternateContent xmlns:mc="http://schemas.openxmlformats.org/markup-compatibility/2006" xmlns:a14="http://schemas.microsoft.com/office/drawing/2010/main">
-        <mc:Choice Requires="a14">
-          <p:sp>
-            <p:nvSpPr>
-              <p:cNvPr id="54" name="TextBox 53">
-                <a:extLst>
-                  <a:ext uri="{FF2B5EF4-FFF2-40B4-BE49-F238E27FC236}">
-                    <a16:creationId xmlns:a16="http://schemas.microsoft.com/office/drawing/2014/main" id="{5A54B5A6-A04B-ED56-78E2-ABB03640743F}"/>
-                  </a:ext>
-                </a:extLst>
-              </p:cNvPr>
-              <p:cNvSpPr txBox="1"/>
-              <p:nvPr/>
-            </p:nvSpPr>
-            <p:spPr>
-              <a:xfrm>
-                <a:off x="5912007" y="3858744"/>
-                <a:ext cx="367986" cy="375552"/>
-              </a:xfrm>
-              <a:prstGeom prst="rect">
-                <a:avLst/>
-              </a:prstGeom>
-            </p:spPr>
-            <p:style>
-              <a:lnRef idx="2">
-                <a:schemeClr val="dk1"/>
-              </a:lnRef>
-              <a:fillRef idx="1">
-                <a:schemeClr val="lt1"/>
-              </a:fillRef>
-              <a:effectRef idx="0">
-                <a:schemeClr val="dk1"/>
-              </a:effectRef>
-              <a:fontRef idx="minor">
-                <a:schemeClr val="dk1"/>
-              </a:fontRef>
-            </p:style>
-            <p:txBody>
-              <a:bodyPr wrap="square" rtlCol="0">
-                <a:spAutoFit/>
-              </a:bodyPr>
-              <a:lstStyle/>
-              <a:p>
-                <a:pPr/>
-                <a14:m>
-                  <m:oMathPara xmlns:m="http://schemas.openxmlformats.org/officeDocument/2006/math">
-                    <m:oMathParaPr>
-                      <m:jc m:val="centerGroup"/>
-                    </m:oMathParaPr>
-                    <m:oMath xmlns:m="http://schemas.openxmlformats.org/officeDocument/2006/math">
-                      <m:sSup>
-                        <m:sSupPr>
-                          <m:ctrlPr>
-                            <a:rPr lang="en-US" b="1" i="1" smtClean="0">
-                              <a:latin typeface="Cambria Math" panose="02040503050406030204" pitchFamily="18" charset="0"/>
-                            </a:rPr>
-                          </m:ctrlPr>
-                        </m:sSupPr>
-                        <m:e>
-                          <m:r>
-                            <a:rPr lang="en-US" b="1" i="1" smtClean="0">
-                              <a:latin typeface="Cambria Math" panose="02040503050406030204" pitchFamily="18" charset="0"/>
-                            </a:rPr>
-                            <m:t>𝒍</m:t>
-                          </m:r>
-                        </m:e>
-                        <m:sup>
-                          <m:r>
-                            <a:rPr lang="en-US" b="1" i="1" smtClean="0">
-                              <a:latin typeface="Cambria Math" panose="02040503050406030204" pitchFamily="18" charset="0"/>
-                            </a:rPr>
-                            <m:t>𝟐</m:t>
-                          </m:r>
-                        </m:sup>
-                      </m:sSup>
-                    </m:oMath>
-                  </m:oMathPara>
-                </a14:m>
-                <a:endParaRPr lang="en-US" b="1" dirty="0"/>
-              </a:p>
-            </p:txBody>
-          </p:sp>
-        </mc:Choice>
-        <mc:Fallback xmlns="">
-          <p:sp>
-            <p:nvSpPr>
-              <p:cNvPr id="54" name="TextBox 53">
-                <a:extLst>
-                  <a:ext uri="{FF2B5EF4-FFF2-40B4-BE49-F238E27FC236}">
-                    <a16:creationId xmlns:a16="http://schemas.microsoft.com/office/drawing/2014/main" id="{5A54B5A6-A04B-ED56-78E2-ABB03640743F}"/>
-                  </a:ext>
-                </a:extLst>
-              </p:cNvPr>
-              <p:cNvSpPr txBox="1">
-                <a:spLocks noRot="1" noChangeAspect="1" noMove="1" noResize="1" noEditPoints="1" noAdjustHandles="1" noChangeArrowheads="1" noChangeShapeType="1" noTextEdit="1"/>
-              </p:cNvSpPr>
-              <p:nvPr/>
-            </p:nvSpPr>
-            <p:spPr>
-              <a:xfrm>
-                <a:off x="5912007" y="3858744"/>
-                <a:ext cx="367986" cy="375552"/>
-              </a:xfrm>
-              <a:prstGeom prst="rect">
-                <a:avLst/>
-              </a:prstGeom>
-              <a:blipFill>
-                <a:blip r:embed="rId6"/>
-                <a:stretch>
-                  <a:fillRect/>
-                </a:stretch>
-              </a:blipFill>
-            </p:spPr>
-            <p:txBody>
-              <a:bodyPr/>
-              <a:lstStyle/>
-              <a:p>
-                <a:r>
-                  <a:rPr lang="en-US">
-                    <a:noFill/>
-                  </a:rPr>
-                  <a:t> </a:t>
-                </a:r>
-              </a:p>
-            </p:txBody>
-          </p:sp>
-        </mc:Fallback>
-      </mc:AlternateContent>
-      <mc:AlternateContent xmlns:mc="http://schemas.openxmlformats.org/markup-compatibility/2006" xmlns:a14="http://schemas.microsoft.com/office/drawing/2010/main">
-        <mc:Choice Requires="a14">
-          <p:sp>
-            <p:nvSpPr>
-              <p:cNvPr id="55" name="TextBox 54">
-                <a:extLst>
-                  <a:ext uri="{FF2B5EF4-FFF2-40B4-BE49-F238E27FC236}">
-                    <a16:creationId xmlns:a16="http://schemas.microsoft.com/office/drawing/2014/main" id="{F65892C8-398B-6290-789E-AB47515E07E7}"/>
-                  </a:ext>
-                </a:extLst>
-              </p:cNvPr>
-              <p:cNvSpPr txBox="1"/>
-              <p:nvPr/>
-            </p:nvSpPr>
-            <p:spPr>
-              <a:xfrm>
-                <a:off x="9265485" y="3858744"/>
-                <a:ext cx="367986" cy="375552"/>
-              </a:xfrm>
-              <a:prstGeom prst="rect">
-                <a:avLst/>
-              </a:prstGeom>
-            </p:spPr>
-            <p:style>
-              <a:lnRef idx="2">
-                <a:schemeClr val="dk1"/>
-              </a:lnRef>
-              <a:fillRef idx="1">
-                <a:schemeClr val="lt1"/>
-              </a:fillRef>
-              <a:effectRef idx="0">
-                <a:schemeClr val="dk1"/>
-              </a:effectRef>
-              <a:fontRef idx="minor">
-                <a:schemeClr val="dk1"/>
-              </a:fontRef>
-            </p:style>
-            <p:txBody>
-              <a:bodyPr wrap="square" rtlCol="0">
-                <a:spAutoFit/>
-              </a:bodyPr>
-              <a:lstStyle/>
-              <a:p>
-                <a:pPr/>
-                <a14:m>
-                  <m:oMathPara xmlns:m="http://schemas.openxmlformats.org/officeDocument/2006/math">
-                    <m:oMathParaPr>
-                      <m:jc m:val="centerGroup"/>
-                    </m:oMathParaPr>
-                    <m:oMath xmlns:m="http://schemas.openxmlformats.org/officeDocument/2006/math">
-                      <m:sSup>
-                        <m:sSupPr>
-                          <m:ctrlPr>
-                            <a:rPr lang="en-US" b="1" i="1" smtClean="0">
-                              <a:latin typeface="Cambria Math" panose="02040503050406030204" pitchFamily="18" charset="0"/>
-                            </a:rPr>
-                          </m:ctrlPr>
-                        </m:sSupPr>
-                        <m:e>
-                          <m:r>
-                            <a:rPr lang="en-US" b="1" i="1" smtClean="0">
-                              <a:latin typeface="Cambria Math" panose="02040503050406030204" pitchFamily="18" charset="0"/>
-                            </a:rPr>
-                            <m:t>𝒍</m:t>
-                          </m:r>
-                        </m:e>
-                        <m:sup>
-                          <m:r>
-                            <a:rPr lang="en-US" b="1" i="1" smtClean="0">
-                              <a:latin typeface="Cambria Math" panose="02040503050406030204" pitchFamily="18" charset="0"/>
-                            </a:rPr>
-                            <m:t>𝟑</m:t>
-                          </m:r>
-                        </m:sup>
-                      </m:sSup>
-                    </m:oMath>
-                  </m:oMathPara>
-                </a14:m>
-                <a:endParaRPr lang="en-US" b="1" dirty="0"/>
-              </a:p>
-            </p:txBody>
-          </p:sp>
-        </mc:Choice>
-        <mc:Fallback xmlns="">
-          <p:sp>
-            <p:nvSpPr>
-              <p:cNvPr id="55" name="TextBox 54">
-                <a:extLst>
-                  <a:ext uri="{FF2B5EF4-FFF2-40B4-BE49-F238E27FC236}">
-                    <a16:creationId xmlns:a16="http://schemas.microsoft.com/office/drawing/2014/main" id="{F65892C8-398B-6290-789E-AB47515E07E7}"/>
-                  </a:ext>
-                </a:extLst>
-              </p:cNvPr>
-              <p:cNvSpPr txBox="1">
-                <a:spLocks noRot="1" noChangeAspect="1" noMove="1" noResize="1" noEditPoints="1" noAdjustHandles="1" noChangeArrowheads="1" noChangeShapeType="1" noTextEdit="1"/>
-              </p:cNvSpPr>
-              <p:nvPr/>
-            </p:nvSpPr>
-            <p:spPr>
-              <a:xfrm>
-                <a:off x="9265485" y="3858744"/>
-                <a:ext cx="367986" cy="375552"/>
-              </a:xfrm>
-              <a:prstGeom prst="rect">
-                <a:avLst/>
-              </a:prstGeom>
-              <a:blipFill>
-                <a:blip r:embed="rId7"/>
-                <a:stretch>
-                  <a:fillRect/>
-                </a:stretch>
-              </a:blipFill>
-            </p:spPr>
-            <p:txBody>
-              <a:bodyPr/>
-              <a:lstStyle/>
-              <a:p>
-                <a:r>
-                  <a:rPr lang="en-US">
-                    <a:noFill/>
-                  </a:rPr>
-                  <a:t> </a:t>
-                </a:r>
-              </a:p>
-            </p:txBody>
-          </p:sp>
-        </mc:Fallback>
-      </mc:AlternateContent>
-      <p:cxnSp>
-        <p:nvCxnSpPr>
-          <p:cNvPr id="559" name="Straight Connector 558">
-            <a:extLst>
-              <a:ext uri="{FF2B5EF4-FFF2-40B4-BE49-F238E27FC236}">
-                <a16:creationId xmlns:a16="http://schemas.microsoft.com/office/drawing/2014/main" id="{7E6AED17-248E-C7FC-3A04-40395DA44B00}"/>
-              </a:ext>
-            </a:extLst>
-          </p:cNvPr>
-          <p:cNvCxnSpPr>
-            <a:cxnSpLocks/>
-            <a:stCxn id="52" idx="1"/>
-            <a:endCxn id="50" idx="3"/>
-          </p:cNvCxnSpPr>
-          <p:nvPr/>
-        </p:nvCxnSpPr>
-        <p:spPr>
-          <a:xfrm flipH="1">
-            <a:off x="1901664" y="4046520"/>
-            <a:ext cx="667083" cy="0"/>
-          </a:xfrm>
-          <a:prstGeom prst="line">
-            <a:avLst/>
-          </a:prstGeom>
-          <a:ln>
-            <a:solidFill>
-              <a:schemeClr val="bg1">
-                <a:lumMod val="65000"/>
-              </a:schemeClr>
-            </a:solidFill>
-          </a:ln>
-        </p:spPr>
-        <p:style>
-          <a:lnRef idx="1">
-            <a:schemeClr val="accent1"/>
-          </a:lnRef>
-          <a:fillRef idx="0">
-            <a:schemeClr val="accent1"/>
-          </a:fillRef>
-          <a:effectRef idx="0">
-            <a:schemeClr val="accent1"/>
-          </a:effectRef>
-          <a:fontRef idx="minor">
-            <a:schemeClr val="tx1"/>
-          </a:fontRef>
-        </p:style>
-      </p:cxnSp>
-      <p:cxnSp>
-        <p:nvCxnSpPr>
-          <p:cNvPr id="562" name="Straight Connector 561">
-            <a:extLst>
-              <a:ext uri="{FF2B5EF4-FFF2-40B4-BE49-F238E27FC236}">
-                <a16:creationId xmlns:a16="http://schemas.microsoft.com/office/drawing/2014/main" id="{EFC0D515-1B9E-6354-858A-C555486D8C81}"/>
-              </a:ext>
-            </a:extLst>
-          </p:cNvPr>
-          <p:cNvCxnSpPr>
-            <a:cxnSpLocks/>
-            <a:stCxn id="54" idx="1"/>
-            <a:endCxn id="52" idx="3"/>
-          </p:cNvCxnSpPr>
-          <p:nvPr/>
-        </p:nvCxnSpPr>
-        <p:spPr>
-          <a:xfrm flipH="1">
-            <a:off x="2936733" y="4046520"/>
-            <a:ext cx="2975274" cy="0"/>
-          </a:xfrm>
-          <a:prstGeom prst="line">
-            <a:avLst/>
-          </a:prstGeom>
-          <a:ln>
-            <a:solidFill>
-              <a:schemeClr val="bg1">
-                <a:lumMod val="65000"/>
-              </a:schemeClr>
-            </a:solidFill>
-          </a:ln>
-        </p:spPr>
-        <p:style>
-          <a:lnRef idx="1">
-            <a:schemeClr val="accent1"/>
-          </a:lnRef>
-          <a:fillRef idx="0">
-            <a:schemeClr val="accent1"/>
-          </a:fillRef>
-          <a:effectRef idx="0">
-            <a:schemeClr val="accent1"/>
-          </a:effectRef>
-          <a:fontRef idx="minor">
-            <a:schemeClr val="tx1"/>
-          </a:fontRef>
-        </p:style>
-      </p:cxnSp>
-      <p:cxnSp>
-        <p:nvCxnSpPr>
-          <p:cNvPr id="563" name="Straight Connector 562">
-            <a:extLst>
-              <a:ext uri="{FF2B5EF4-FFF2-40B4-BE49-F238E27FC236}">
-                <a16:creationId xmlns:a16="http://schemas.microsoft.com/office/drawing/2014/main" id="{F947DADE-9F91-F393-9F7D-80015B7F5BAC}"/>
-              </a:ext>
-            </a:extLst>
-          </p:cNvPr>
-          <p:cNvCxnSpPr>
-            <a:cxnSpLocks/>
-            <a:stCxn id="55" idx="1"/>
-            <a:endCxn id="54" idx="3"/>
-          </p:cNvCxnSpPr>
-          <p:nvPr/>
-        </p:nvCxnSpPr>
-        <p:spPr>
-          <a:xfrm flipH="1">
-            <a:off x="6279993" y="4046520"/>
-            <a:ext cx="2985492" cy="0"/>
-          </a:xfrm>
-          <a:prstGeom prst="line">
-            <a:avLst/>
-          </a:prstGeom>
-          <a:ln>
-            <a:solidFill>
-              <a:schemeClr val="bg1">
-                <a:lumMod val="65000"/>
-              </a:schemeClr>
-            </a:solidFill>
-          </a:ln>
-        </p:spPr>
-        <p:style>
-          <a:lnRef idx="1">
-            <a:schemeClr val="accent1"/>
-          </a:lnRef>
-          <a:fillRef idx="0">
-            <a:schemeClr val="accent1"/>
-          </a:fillRef>
-          <a:effectRef idx="0">
-            <a:schemeClr val="accent1"/>
-          </a:effectRef>
-          <a:fontRef idx="minor">
-            <a:schemeClr val="tx1"/>
-          </a:fontRef>
-        </p:style>
-      </p:cxnSp>
-      <p:cxnSp>
-        <p:nvCxnSpPr>
-          <p:cNvPr id="564" name="Straight Connector 563">
-            <a:extLst>
-              <a:ext uri="{FF2B5EF4-FFF2-40B4-BE49-F238E27FC236}">
-                <a16:creationId xmlns:a16="http://schemas.microsoft.com/office/drawing/2014/main" id="{5C5C297A-E753-90F9-C83E-F065BCFE813C}"/>
-              </a:ext>
-            </a:extLst>
-          </p:cNvPr>
-          <p:cNvCxnSpPr>
-            <a:cxnSpLocks/>
-            <a:stCxn id="51" idx="3"/>
-            <a:endCxn id="55" idx="3"/>
-          </p:cNvCxnSpPr>
-          <p:nvPr/>
-        </p:nvCxnSpPr>
-        <p:spPr>
-          <a:xfrm flipH="1">
-            <a:off x="9633471" y="4046520"/>
-            <a:ext cx="1024851" cy="0"/>
-          </a:xfrm>
-          <a:prstGeom prst="line">
-            <a:avLst/>
-          </a:prstGeom>
-          <a:ln>
-            <a:solidFill>
-              <a:schemeClr val="bg1">
-                <a:lumMod val="65000"/>
-              </a:schemeClr>
-            </a:solidFill>
-          </a:ln>
-        </p:spPr>
-        <p:style>
-          <a:lnRef idx="1">
-            <a:schemeClr val="accent1"/>
-          </a:lnRef>
-          <a:fillRef idx="0">
-            <a:schemeClr val="accent1"/>
-          </a:fillRef>
-          <a:effectRef idx="0">
-            <a:schemeClr val="accent1"/>
-          </a:effectRef>
-          <a:fontRef idx="minor">
-            <a:schemeClr val="tx1"/>
-          </a:fontRef>
-        </p:style>
-      </p:cxnSp>
-      <mc:AlternateContent xmlns:mc="http://schemas.openxmlformats.org/markup-compatibility/2006" xmlns:a14="http://schemas.microsoft.com/office/drawing/2010/main">
-        <mc:Choice Requires="a14">
-          <p:sp>
-            <p:nvSpPr>
-              <p:cNvPr id="571" name="TextBox 570">
-                <a:extLst>
-                  <a:ext uri="{FF2B5EF4-FFF2-40B4-BE49-F238E27FC236}">
-                    <a16:creationId xmlns:a16="http://schemas.microsoft.com/office/drawing/2014/main" id="{60D5AF6E-85FB-C4F3-0666-4E08A13383C4}"/>
-                  </a:ext>
-                </a:extLst>
-              </p:cNvPr>
-              <p:cNvSpPr txBox="1"/>
-              <p:nvPr/>
-            </p:nvSpPr>
-            <p:spPr>
-              <a:xfrm>
-                <a:off x="1868871" y="3862930"/>
-                <a:ext cx="737169" cy="375552"/>
-              </a:xfrm>
-              <a:prstGeom prst="rect">
-                <a:avLst/>
-              </a:prstGeom>
-              <a:solidFill>
-                <a:schemeClr val="bg1">
-                  <a:alpha val="50000"/>
-                </a:schemeClr>
-              </a:solidFill>
-            </p:spPr>
-            <p:txBody>
-              <a:bodyPr wrap="square" rtlCol="0">
-                <a:spAutoFit/>
-              </a:bodyPr>
-              <a:lstStyle/>
-              <a:p>
-                <a:pPr/>
-                <a14:m>
-                  <m:oMathPara xmlns:m="http://schemas.openxmlformats.org/officeDocument/2006/math">
-                    <m:oMathParaPr>
-                      <m:jc m:val="centerGroup"/>
-                    </m:oMathParaPr>
-                    <m:oMath xmlns:m="http://schemas.openxmlformats.org/officeDocument/2006/math">
-                      <m:r>
-                        <a:rPr lang="en-US" b="1" i="1" smtClean="0">
-                          <a:latin typeface="Cambria Math" panose="02040503050406030204" pitchFamily="18" charset="0"/>
-                        </a:rPr>
-                        <m:t>∗</m:t>
-                      </m:r>
-                      <m:sSup>
-                        <m:sSupPr>
-                          <m:ctrlPr>
-                            <a:rPr lang="en-US" b="1" i="1" smtClean="0">
-                              <a:latin typeface="Cambria Math" panose="02040503050406030204" pitchFamily="18" charset="0"/>
-                            </a:rPr>
-                          </m:ctrlPr>
-                        </m:sSupPr>
-                        <m:e>
-                          <m:r>
-                            <a:rPr lang="en-US" b="1" i="1" smtClean="0">
-                              <a:latin typeface="Cambria Math" panose="02040503050406030204" pitchFamily="18" charset="0"/>
-                            </a:rPr>
-                            <m:t>𝑾</m:t>
-                          </m:r>
-                        </m:e>
-                        <m:sup>
-                          <m:r>
-                            <a:rPr lang="en-US" b="1" i="1" smtClean="0">
-                              <a:latin typeface="Cambria Math" panose="02040503050406030204" pitchFamily="18" charset="0"/>
-                            </a:rPr>
-                            <m:t>𝟏</m:t>
-                          </m:r>
-                        </m:sup>
-                      </m:sSup>
-                    </m:oMath>
-                  </m:oMathPara>
-                </a14:m>
-                <a:endParaRPr lang="en-US" b="1" dirty="0"/>
-              </a:p>
-            </p:txBody>
-          </p:sp>
-        </mc:Choice>
-        <mc:Fallback xmlns="">
-          <p:sp>
-            <p:nvSpPr>
-              <p:cNvPr id="571" name="TextBox 570">
-                <a:extLst>
-                  <a:ext uri="{FF2B5EF4-FFF2-40B4-BE49-F238E27FC236}">
-                    <a16:creationId xmlns:a16="http://schemas.microsoft.com/office/drawing/2014/main" id="{60D5AF6E-85FB-C4F3-0666-4E08A13383C4}"/>
-                  </a:ext>
-                </a:extLst>
-              </p:cNvPr>
-              <p:cNvSpPr txBox="1">
-                <a:spLocks noRot="1" noChangeAspect="1" noMove="1" noResize="1" noEditPoints="1" noAdjustHandles="1" noChangeArrowheads="1" noChangeShapeType="1" noTextEdit="1"/>
-              </p:cNvSpPr>
-              <p:nvPr/>
-            </p:nvSpPr>
-            <p:spPr>
-              <a:xfrm>
-                <a:off x="1868871" y="3862930"/>
-                <a:ext cx="737169" cy="375552"/>
-              </a:xfrm>
-              <a:prstGeom prst="rect">
-                <a:avLst/>
-              </a:prstGeom>
-              <a:blipFill>
-                <a:blip r:embed="rId8"/>
-                <a:stretch>
-                  <a:fillRect/>
-                </a:stretch>
-              </a:blipFill>
-            </p:spPr>
-            <p:txBody>
-              <a:bodyPr/>
-              <a:lstStyle/>
-              <a:p>
-                <a:r>
-                  <a:rPr lang="en-US">
-                    <a:noFill/>
-                  </a:rPr>
-                  <a:t> </a:t>
-                </a:r>
-              </a:p>
-            </p:txBody>
-          </p:sp>
-        </mc:Fallback>
-      </mc:AlternateContent>
-      <mc:AlternateContent xmlns:mc="http://schemas.openxmlformats.org/markup-compatibility/2006" xmlns:a14="http://schemas.microsoft.com/office/drawing/2010/main">
-        <mc:Choice Requires="a14">
-          <p:sp>
-            <p:nvSpPr>
-              <p:cNvPr id="572" name="TextBox 571">
-                <a:extLst>
-                  <a:ext uri="{FF2B5EF4-FFF2-40B4-BE49-F238E27FC236}">
-                    <a16:creationId xmlns:a16="http://schemas.microsoft.com/office/drawing/2014/main" id="{195068DA-BA5B-9DE4-34DD-BC7D3FB98191}"/>
-                  </a:ext>
-                </a:extLst>
-              </p:cNvPr>
-              <p:cNvSpPr txBox="1"/>
-              <p:nvPr/>
-            </p:nvSpPr>
-            <p:spPr>
-              <a:xfrm>
-                <a:off x="9774074" y="3862930"/>
-                <a:ext cx="737168" cy="374846"/>
-              </a:xfrm>
-              <a:prstGeom prst="rect">
-                <a:avLst/>
-              </a:prstGeom>
-              <a:solidFill>
-                <a:schemeClr val="bg1">
-                  <a:alpha val="50000"/>
-                </a:schemeClr>
-              </a:solidFill>
-            </p:spPr>
-            <p:txBody>
-              <a:bodyPr wrap="square" rtlCol="0">
-                <a:spAutoFit/>
-              </a:bodyPr>
-              <a:lstStyle/>
-              <a:p>
-                <a:pPr/>
-                <a14:m>
-                  <m:oMathPara xmlns:m="http://schemas.openxmlformats.org/officeDocument/2006/math">
-                    <m:oMathParaPr>
-                      <m:jc m:val="centerGroup"/>
-                    </m:oMathParaPr>
-                    <m:oMath xmlns:m="http://schemas.openxmlformats.org/officeDocument/2006/math">
-                      <m:r>
-                        <a:rPr lang="en-US" b="1" i="1" smtClean="0">
-                          <a:latin typeface="Cambria Math" panose="02040503050406030204" pitchFamily="18" charset="0"/>
-                        </a:rPr>
-                        <m:t>∗</m:t>
-                      </m:r>
-                      <m:sSup>
-                        <m:sSupPr>
-                          <m:ctrlPr>
-                            <a:rPr lang="en-US" b="1" i="1" smtClean="0">
-                              <a:latin typeface="Cambria Math" panose="02040503050406030204" pitchFamily="18" charset="0"/>
-                            </a:rPr>
-                          </m:ctrlPr>
-                        </m:sSupPr>
-                        <m:e>
-                          <m:r>
-                            <a:rPr lang="en-US" b="1" i="1" smtClean="0">
-                              <a:latin typeface="Cambria Math" panose="02040503050406030204" pitchFamily="18" charset="0"/>
-                            </a:rPr>
-                            <m:t>𝑾</m:t>
-                          </m:r>
-                        </m:e>
-                        <m:sup>
-                          <m:r>
-                            <a:rPr lang="en-US" b="1" i="1" smtClean="0">
-                              <a:latin typeface="Cambria Math" panose="02040503050406030204" pitchFamily="18" charset="0"/>
-                            </a:rPr>
-                            <m:t>𝟒</m:t>
-                          </m:r>
-                        </m:sup>
-                      </m:sSup>
-                    </m:oMath>
-                  </m:oMathPara>
-                </a14:m>
-                <a:endParaRPr lang="en-US" b="1" dirty="0"/>
-              </a:p>
-            </p:txBody>
-          </p:sp>
-        </mc:Choice>
-        <mc:Fallback xmlns="">
-          <p:sp>
-            <p:nvSpPr>
-              <p:cNvPr id="572" name="TextBox 571">
-                <a:extLst>
-                  <a:ext uri="{FF2B5EF4-FFF2-40B4-BE49-F238E27FC236}">
-                    <a16:creationId xmlns:a16="http://schemas.microsoft.com/office/drawing/2014/main" id="{195068DA-BA5B-9DE4-34DD-BC7D3FB98191}"/>
-                  </a:ext>
-                </a:extLst>
-              </p:cNvPr>
-              <p:cNvSpPr txBox="1">
-                <a:spLocks noRot="1" noChangeAspect="1" noMove="1" noResize="1" noEditPoints="1" noAdjustHandles="1" noChangeArrowheads="1" noChangeShapeType="1" noTextEdit="1"/>
-              </p:cNvSpPr>
-              <p:nvPr/>
-            </p:nvSpPr>
-            <p:spPr>
-              <a:xfrm>
-                <a:off x="9774074" y="3862930"/>
-                <a:ext cx="737168" cy="374846"/>
-              </a:xfrm>
-              <a:prstGeom prst="rect">
-                <a:avLst/>
-              </a:prstGeom>
-              <a:blipFill>
-                <a:blip r:embed="rId9"/>
-                <a:stretch>
-                  <a:fillRect/>
-                </a:stretch>
-              </a:blipFill>
-            </p:spPr>
-            <p:txBody>
-              <a:bodyPr/>
-              <a:lstStyle/>
-              <a:p>
-                <a:r>
-                  <a:rPr lang="en-US">
-                    <a:noFill/>
-                  </a:rPr>
-                  <a:t> </a:t>
-                </a:r>
-              </a:p>
-            </p:txBody>
-          </p:sp>
-        </mc:Fallback>
-      </mc:AlternateContent>
-      <mc:AlternateContent xmlns:mc="http://schemas.openxmlformats.org/markup-compatibility/2006" xmlns:a14="http://schemas.microsoft.com/office/drawing/2010/main">
-        <mc:Choice Requires="a14">
-          <p:sp>
-            <p:nvSpPr>
-              <p:cNvPr id="573" name="TextBox 572">
-                <a:extLst>
-                  <a:ext uri="{FF2B5EF4-FFF2-40B4-BE49-F238E27FC236}">
-                    <a16:creationId xmlns:a16="http://schemas.microsoft.com/office/drawing/2014/main" id="{46AF0A71-F737-284C-87DE-EC5B0639FD89}"/>
-                  </a:ext>
-                </a:extLst>
-              </p:cNvPr>
-              <p:cNvSpPr txBox="1"/>
-              <p:nvPr/>
-            </p:nvSpPr>
-            <p:spPr>
-              <a:xfrm>
-                <a:off x="7335433" y="3862930"/>
-                <a:ext cx="737168" cy="375552"/>
-              </a:xfrm>
-              <a:prstGeom prst="rect">
-                <a:avLst/>
-              </a:prstGeom>
-              <a:solidFill>
-                <a:schemeClr val="bg1">
-                  <a:alpha val="50000"/>
-                </a:schemeClr>
-              </a:solidFill>
-            </p:spPr>
-            <p:txBody>
-              <a:bodyPr wrap="square" rtlCol="0">
-                <a:spAutoFit/>
-              </a:bodyPr>
-              <a:lstStyle/>
-              <a:p>
-                <a:pPr/>
-                <a14:m>
-                  <m:oMathPara xmlns:m="http://schemas.openxmlformats.org/officeDocument/2006/math">
-                    <m:oMathParaPr>
-                      <m:jc m:val="centerGroup"/>
-                    </m:oMathParaPr>
-                    <m:oMath xmlns:m="http://schemas.openxmlformats.org/officeDocument/2006/math">
-                      <m:r>
-                        <a:rPr lang="en-US" b="1" i="1" smtClean="0">
-                          <a:latin typeface="Cambria Math" panose="02040503050406030204" pitchFamily="18" charset="0"/>
-                        </a:rPr>
-                        <m:t>∗</m:t>
-                      </m:r>
-                      <m:sSup>
-                        <m:sSupPr>
-                          <m:ctrlPr>
-                            <a:rPr lang="en-US" b="1" i="1" smtClean="0">
-                              <a:latin typeface="Cambria Math" panose="02040503050406030204" pitchFamily="18" charset="0"/>
-                            </a:rPr>
-                          </m:ctrlPr>
-                        </m:sSupPr>
-                        <m:e>
-                          <m:r>
-                            <a:rPr lang="en-US" b="1" i="1" smtClean="0">
-                              <a:latin typeface="Cambria Math" panose="02040503050406030204" pitchFamily="18" charset="0"/>
-                            </a:rPr>
-                            <m:t>𝑾</m:t>
-                          </m:r>
-                        </m:e>
-                        <m:sup>
-                          <m:r>
-                            <a:rPr lang="en-US" b="1" i="1" smtClean="0">
-                              <a:latin typeface="Cambria Math" panose="02040503050406030204" pitchFamily="18" charset="0"/>
-                            </a:rPr>
-                            <m:t>𝟑</m:t>
-                          </m:r>
-                        </m:sup>
-                      </m:sSup>
-                    </m:oMath>
-                  </m:oMathPara>
-                </a14:m>
-                <a:endParaRPr lang="en-US" b="1" dirty="0"/>
-              </a:p>
-            </p:txBody>
-          </p:sp>
-        </mc:Choice>
-        <mc:Fallback xmlns="">
-          <p:sp>
-            <p:nvSpPr>
-              <p:cNvPr id="573" name="TextBox 572">
-                <a:extLst>
-                  <a:ext uri="{FF2B5EF4-FFF2-40B4-BE49-F238E27FC236}">
-                    <a16:creationId xmlns:a16="http://schemas.microsoft.com/office/drawing/2014/main" id="{46AF0A71-F737-284C-87DE-EC5B0639FD89}"/>
-                  </a:ext>
-                </a:extLst>
-              </p:cNvPr>
-              <p:cNvSpPr txBox="1">
-                <a:spLocks noRot="1" noChangeAspect="1" noMove="1" noResize="1" noEditPoints="1" noAdjustHandles="1" noChangeArrowheads="1" noChangeShapeType="1" noTextEdit="1"/>
-              </p:cNvSpPr>
-              <p:nvPr/>
-            </p:nvSpPr>
-            <p:spPr>
-              <a:xfrm>
-                <a:off x="7335433" y="3862930"/>
-                <a:ext cx="737168" cy="375552"/>
-              </a:xfrm>
-              <a:prstGeom prst="rect">
-                <a:avLst/>
-              </a:prstGeom>
-              <a:blipFill>
-                <a:blip r:embed="rId10"/>
-                <a:stretch>
-                  <a:fillRect/>
-                </a:stretch>
-              </a:blipFill>
-            </p:spPr>
-            <p:txBody>
-              <a:bodyPr/>
-              <a:lstStyle/>
-              <a:p>
-                <a:r>
-                  <a:rPr lang="en-US">
-                    <a:noFill/>
-                  </a:rPr>
-                  <a:t> </a:t>
-                </a:r>
-              </a:p>
-            </p:txBody>
-          </p:sp>
-        </mc:Fallback>
-      </mc:AlternateContent>
-      <mc:AlternateContent xmlns:mc="http://schemas.openxmlformats.org/markup-compatibility/2006" xmlns:a14="http://schemas.microsoft.com/office/drawing/2010/main">
-        <mc:Choice Requires="a14">
-          <p:sp>
-            <p:nvSpPr>
-              <p:cNvPr id="574" name="TextBox 573">
-                <a:extLst>
-                  <a:ext uri="{FF2B5EF4-FFF2-40B4-BE49-F238E27FC236}">
-                    <a16:creationId xmlns:a16="http://schemas.microsoft.com/office/drawing/2014/main" id="{FBA91E67-363D-98DF-CED3-1A5444C77E03}"/>
-                  </a:ext>
-                </a:extLst>
-              </p:cNvPr>
-              <p:cNvSpPr txBox="1"/>
-              <p:nvPr/>
-            </p:nvSpPr>
-            <p:spPr>
-              <a:xfrm>
-                <a:off x="4007792" y="3862930"/>
-                <a:ext cx="737169" cy="375552"/>
-              </a:xfrm>
-              <a:prstGeom prst="rect">
-                <a:avLst/>
-              </a:prstGeom>
-              <a:solidFill>
-                <a:schemeClr val="bg1">
-                  <a:alpha val="50000"/>
-                </a:schemeClr>
-              </a:solidFill>
-            </p:spPr>
-            <p:txBody>
-              <a:bodyPr wrap="square" rtlCol="0">
-                <a:spAutoFit/>
-              </a:bodyPr>
-              <a:lstStyle/>
-              <a:p>
-                <a:pPr/>
-                <a14:m>
-                  <m:oMathPara xmlns:m="http://schemas.openxmlformats.org/officeDocument/2006/math">
-                    <m:oMathParaPr>
-                      <m:jc m:val="centerGroup"/>
-                    </m:oMathParaPr>
-                    <m:oMath xmlns:m="http://schemas.openxmlformats.org/officeDocument/2006/math">
-                      <m:r>
-                        <a:rPr lang="en-US" b="1" i="1" smtClean="0">
-                          <a:latin typeface="Cambria Math" panose="02040503050406030204" pitchFamily="18" charset="0"/>
-                        </a:rPr>
-                        <m:t>∗</m:t>
-                      </m:r>
-                      <m:sSup>
-                        <m:sSupPr>
-                          <m:ctrlPr>
-                            <a:rPr lang="en-US" b="1" i="1" smtClean="0">
-                              <a:latin typeface="Cambria Math" panose="02040503050406030204" pitchFamily="18" charset="0"/>
-                            </a:rPr>
-                          </m:ctrlPr>
-                        </m:sSupPr>
-                        <m:e>
-                          <m:r>
-                            <a:rPr lang="en-US" b="1" i="1" smtClean="0">
-                              <a:latin typeface="Cambria Math" panose="02040503050406030204" pitchFamily="18" charset="0"/>
-                            </a:rPr>
-                            <m:t>𝑾</m:t>
-                          </m:r>
-                        </m:e>
-                        <m:sup>
-                          <m:r>
-                            <a:rPr lang="en-US" b="1" i="1" smtClean="0">
-                              <a:latin typeface="Cambria Math" panose="02040503050406030204" pitchFamily="18" charset="0"/>
-                            </a:rPr>
-                            <m:t>𝟐</m:t>
-                          </m:r>
-                        </m:sup>
-                      </m:sSup>
-                    </m:oMath>
-                  </m:oMathPara>
-                </a14:m>
-                <a:endParaRPr lang="en-US" b="1" dirty="0"/>
-              </a:p>
-            </p:txBody>
-          </p:sp>
-        </mc:Choice>
-        <mc:Fallback xmlns="">
-          <p:sp>
-            <p:nvSpPr>
-              <p:cNvPr id="574" name="TextBox 573">
-                <a:extLst>
-                  <a:ext uri="{FF2B5EF4-FFF2-40B4-BE49-F238E27FC236}">
-                    <a16:creationId xmlns:a16="http://schemas.microsoft.com/office/drawing/2014/main" id="{FBA91E67-363D-98DF-CED3-1A5444C77E03}"/>
-                  </a:ext>
-                </a:extLst>
-              </p:cNvPr>
-              <p:cNvSpPr txBox="1">
-                <a:spLocks noRot="1" noChangeAspect="1" noMove="1" noResize="1" noEditPoints="1" noAdjustHandles="1" noChangeArrowheads="1" noChangeShapeType="1" noTextEdit="1"/>
-              </p:cNvSpPr>
-              <p:nvPr/>
-            </p:nvSpPr>
-            <p:spPr>
-              <a:xfrm>
-                <a:off x="4007792" y="3862930"/>
-                <a:ext cx="737169" cy="375552"/>
-              </a:xfrm>
-              <a:prstGeom prst="rect">
-                <a:avLst/>
-              </a:prstGeom>
-              <a:blipFill>
-                <a:blip r:embed="rId11"/>
-                <a:stretch>
-                  <a:fillRect/>
-                </a:stretch>
-              </a:blipFill>
-            </p:spPr>
-            <p:txBody>
-              <a:bodyPr/>
-              <a:lstStyle/>
-              <a:p>
-                <a:r>
-                  <a:rPr lang="en-US">
-                    <a:noFill/>
-                  </a:rPr>
-                  <a:t> </a:t>
-                </a:r>
-              </a:p>
-            </p:txBody>
-          </p:sp>
-        </mc:Fallback>
-      </mc:AlternateContent>
-    </p:spTree>
-    <p:extLst>
-      <p:ext uri="{BB962C8B-B14F-4D97-AF65-F5344CB8AC3E}">
-        <p14:creationId xmlns:p14="http://schemas.microsoft.com/office/powerpoint/2010/main" val="2379757316"/>
-      </p:ext>
-    </p:extLst>
-  </p:cSld>
-  <p:clrMapOvr>
-    <a:masterClrMapping/>
-  </p:clrMapOvr>
-  <p:timing>
-    <p:tnLst>
-      <p:par>
-        <p:cTn id="1" dur="indefinite" restart="never" nodeType="tmRoot">
-          <p:childTnLst>
-            <p:seq concurrent="1" nextAc="seek">
-              <p:cTn id="2" dur="indefinite" nodeType="mainSeq">
-                <p:childTnLst>
-                  <p:par>
-                    <p:cTn id="3" fill="hold">
-                      <p:stCondLst>
-                        <p:cond delay="indefinite"/>
-                        <p:cond evt="onBegin" delay="0">
-                          <p:tn val="2"/>
-                        </p:cond>
-                      </p:stCondLst>
-                      <p:childTnLst>
-                        <p:par>
-                          <p:cTn id="4" fill="hold">
-                            <p:stCondLst>
-                              <p:cond delay="0"/>
-                            </p:stCondLst>
-                            <p:childTnLst>
-                              <p:par>
-                                <p:cTn id="5" presetID="10" presetClass="entr" presetSubtype="0" fill="hold" grpId="0" nodeType="afterEffect">
-                                  <p:stCondLst>
-                                    <p:cond delay="0"/>
-                                  </p:stCondLst>
-                                  <p:childTnLst>
-                                    <p:set>
-                                      <p:cBhvr>
-                                        <p:cTn id="6" dur="1" fill="hold">
-                                          <p:stCondLst>
-                                            <p:cond delay="0"/>
-                                          </p:stCondLst>
-                                        </p:cTn>
-                                        <p:tgtEl>
-                                          <p:spTgt spid="571"/>
-                                        </p:tgtEl>
-                                        <p:attrNameLst>
-                                          <p:attrName>style.visibility</p:attrName>
-                                        </p:attrNameLst>
-                                      </p:cBhvr>
-                                      <p:to>
-                                        <p:strVal val="visible"/>
-                                      </p:to>
-                                    </p:set>
-                                    <p:animEffect transition="in" filter="fade">
-                                      <p:cBhvr>
-                                        <p:cTn id="7" dur="500"/>
-                                        <p:tgtEl>
-                                          <p:spTgt spid="571"/>
-                                        </p:tgtEl>
-                                      </p:cBhvr>
-                                    </p:animEffect>
-                                  </p:childTnLst>
-                                </p:cTn>
-                              </p:par>
-                            </p:childTnLst>
-                          </p:cTn>
-                        </p:par>
-                        <p:par>
-                          <p:cTn id="8" fill="hold">
-                            <p:stCondLst>
-                              <p:cond delay="500"/>
-                            </p:stCondLst>
-                            <p:childTnLst>
-                              <p:par>
-                                <p:cTn id="9" presetID="10" presetClass="entr" presetSubtype="0" fill="hold" grpId="0" nodeType="afterEffect">
-                                  <p:stCondLst>
-                                    <p:cond delay="0"/>
-                                  </p:stCondLst>
-                                  <p:childTnLst>
-                                    <p:set>
-                                      <p:cBhvr>
-                                        <p:cTn id="10" dur="1" fill="hold">
-                                          <p:stCondLst>
-                                            <p:cond delay="0"/>
-                                          </p:stCondLst>
-                                        </p:cTn>
-                                        <p:tgtEl>
-                                          <p:spTgt spid="574"/>
-                                        </p:tgtEl>
-                                        <p:attrNameLst>
-                                          <p:attrName>style.visibility</p:attrName>
-                                        </p:attrNameLst>
-                                      </p:cBhvr>
-                                      <p:to>
-                                        <p:strVal val="visible"/>
-                                      </p:to>
-                                    </p:set>
-                                    <p:animEffect transition="in" filter="fade">
-                                      <p:cBhvr>
-                                        <p:cTn id="11" dur="500"/>
-                                        <p:tgtEl>
-                                          <p:spTgt spid="574"/>
-                                        </p:tgtEl>
-                                      </p:cBhvr>
-                                    </p:animEffect>
-                                  </p:childTnLst>
-                                </p:cTn>
-                              </p:par>
-                            </p:childTnLst>
-                          </p:cTn>
-                        </p:par>
-                        <p:par>
-                          <p:cTn id="12" fill="hold">
-                            <p:stCondLst>
-                              <p:cond delay="1000"/>
-                            </p:stCondLst>
-                            <p:childTnLst>
-                              <p:par>
-                                <p:cTn id="13" presetID="10" presetClass="entr" presetSubtype="0" fill="hold" grpId="0" nodeType="afterEffect">
-                                  <p:stCondLst>
-                                    <p:cond delay="0"/>
-                                  </p:stCondLst>
-                                  <p:childTnLst>
-                                    <p:set>
-                                      <p:cBhvr>
-                                        <p:cTn id="14" dur="1" fill="hold">
-                                          <p:stCondLst>
-                                            <p:cond delay="0"/>
-                                          </p:stCondLst>
-                                        </p:cTn>
-                                        <p:tgtEl>
-                                          <p:spTgt spid="573"/>
-                                        </p:tgtEl>
-                                        <p:attrNameLst>
-                                          <p:attrName>style.visibility</p:attrName>
-                                        </p:attrNameLst>
-                                      </p:cBhvr>
-                                      <p:to>
-                                        <p:strVal val="visible"/>
-                                      </p:to>
-                                    </p:set>
-                                    <p:animEffect transition="in" filter="fade">
-                                      <p:cBhvr>
-                                        <p:cTn id="15" dur="500"/>
-                                        <p:tgtEl>
-                                          <p:spTgt spid="573"/>
-                                        </p:tgtEl>
-                                      </p:cBhvr>
-                                    </p:animEffect>
-                                  </p:childTnLst>
-                                </p:cTn>
-                              </p:par>
-                            </p:childTnLst>
-                          </p:cTn>
-                        </p:par>
-                        <p:par>
-                          <p:cTn id="16" fill="hold">
-                            <p:stCondLst>
-                              <p:cond delay="1500"/>
-                            </p:stCondLst>
-                            <p:childTnLst>
-                              <p:par>
-                                <p:cTn id="17" presetID="10" presetClass="entr" presetSubtype="0" fill="hold" grpId="0" nodeType="afterEffect">
-                                  <p:stCondLst>
-                                    <p:cond delay="0"/>
-                                  </p:stCondLst>
-                                  <p:childTnLst>
-                                    <p:set>
-                                      <p:cBhvr>
-                                        <p:cTn id="18" dur="1" fill="hold">
-                                          <p:stCondLst>
-                                            <p:cond delay="0"/>
-                                          </p:stCondLst>
-                                        </p:cTn>
-                                        <p:tgtEl>
-                                          <p:spTgt spid="572"/>
-                                        </p:tgtEl>
-                                        <p:attrNameLst>
-                                          <p:attrName>style.visibility</p:attrName>
-                                        </p:attrNameLst>
-                                      </p:cBhvr>
-                                      <p:to>
-                                        <p:strVal val="visible"/>
-                                      </p:to>
-                                    </p:set>
-                                    <p:animEffect transition="in" filter="fade">
-                                      <p:cBhvr>
-                                        <p:cTn id="19" dur="500"/>
-                                        <p:tgtEl>
-                                          <p:spTgt spid="572"/>
-                                        </p:tgtEl>
-                                      </p:cBhvr>
-                                    </p:animEffect>
-                                  </p:childTnLst>
-                                </p:cTn>
-                              </p:par>
-                            </p:childTnLst>
-                          </p:cTn>
-                        </p:par>
-                      </p:childTnLst>
-                    </p:cTn>
-                  </p:par>
-                </p:childTnLst>
-              </p:cTn>
-              <p:prevCondLst>
-                <p:cond evt="onPrev" delay="0">
-                  <p:tgtEl>
-                    <p:sldTgt/>
-                  </p:tgtEl>
-                </p:cond>
-              </p:prevCondLst>
-              <p:nextCondLst>
-                <p:cond evt="onNext" delay="0">
-                  <p:tgtEl>
-                    <p:sldTgt/>
-                  </p:tgtEl>
-                </p:cond>
-              </p:nextCondLst>
-            </p:seq>
-          </p:childTnLst>
-        </p:cTn>
-      </p:par>
-    </p:tnLst>
-    <p:bldLst>
-      <p:bldP spid="571" grpId="0" animBg="1"/>
-      <p:bldP spid="572" grpId="0" animBg="1"/>
-      <p:bldP spid="573" grpId="0" animBg="1"/>
-      <p:bldP spid="574" grpId="0" animBg="1"/>
-    </p:bldLst>
-  </p:timing>
-</p:sld>
-</file>
-
-<file path=ppt/slides/slide4.xml><?xml version="1.0" encoding="utf-8"?>
 <p:sld xmlns:a="http://schemas.openxmlformats.org/drawingml/2006/main" xmlns:r="http://schemas.openxmlformats.org/officeDocument/2006/relationships" xmlns:p="http://schemas.openxmlformats.org/presentationml/2006/main">
   <p:cSld>
     <p:spTree>
@@ -35048,7 +33473,7 @@
 </p:sld>
 </file>
 
-<file path=ppt/slides/slide5.xml><?xml version="1.0" encoding="utf-8"?>
+<file path=ppt/slides/slide4.xml><?xml version="1.0" encoding="utf-8"?>
 <p:sld xmlns:a="http://schemas.openxmlformats.org/drawingml/2006/main" xmlns:r="http://schemas.openxmlformats.org/officeDocument/2006/relationships" xmlns:p="http://schemas.openxmlformats.org/presentationml/2006/main">
   <p:cSld>
     <p:spTree>
@@ -38529,7 +36954,7 @@
 </p:sld>
 </file>
 
-<file path=ppt/slides/slide6.xml><?xml version="1.0" encoding="utf-8"?>
+<file path=ppt/slides/slide5.xml><?xml version="1.0" encoding="utf-8"?>
 <p:sld xmlns:a="http://schemas.openxmlformats.org/drawingml/2006/main" xmlns:r="http://schemas.openxmlformats.org/officeDocument/2006/relationships" xmlns:p="http://schemas.openxmlformats.org/presentationml/2006/main">
   <p:cSld>
     <p:spTree>
@@ -41427,7 +39852,7 @@
 </p:sld>
 </file>
 
-<file path=ppt/slides/slide7.xml><?xml version="1.0" encoding="utf-8"?>
+<file path=ppt/slides/slide6.xml><?xml version="1.0" encoding="utf-8"?>
 <p:sld xmlns:a="http://schemas.openxmlformats.org/drawingml/2006/main" xmlns:r="http://schemas.openxmlformats.org/officeDocument/2006/relationships" xmlns:p="http://schemas.openxmlformats.org/presentationml/2006/main">
   <p:cSld>
     <p:spTree>
@@ -47273,7 +45698,7 @@
 </p:sld>
 </file>
 
-<file path=ppt/slides/slide8.xml><?xml version="1.0" encoding="utf-8"?>
+<file path=ppt/slides/slide7.xml><?xml version="1.0" encoding="utf-8"?>
 <p:sld xmlns:a="http://schemas.openxmlformats.org/drawingml/2006/main" xmlns:r="http://schemas.openxmlformats.org/officeDocument/2006/relationships" xmlns:p="http://schemas.openxmlformats.org/presentationml/2006/main">
   <p:cSld>
     <p:spTree>
@@ -51955,7 +50380,7 @@
 </p:sld>
 </file>
 
-<file path=ppt/slides/slide9.xml><?xml version="1.0" encoding="utf-8"?>
+<file path=ppt/slides/slide8.xml><?xml version="1.0" encoding="utf-8"?>
 <p:sld xmlns:a="http://schemas.openxmlformats.org/drawingml/2006/main" xmlns:r="http://schemas.openxmlformats.org/officeDocument/2006/relationships" xmlns:p="http://schemas.openxmlformats.org/presentationml/2006/main">
   <p:cSld>
     <p:spTree>
@@ -52041,6 +50466,145 @@
     <p:extLst>
       <p:ext uri="{BB962C8B-B14F-4D97-AF65-F5344CB8AC3E}">
         <p14:creationId xmlns:p14="http://schemas.microsoft.com/office/powerpoint/2010/main" val="193138708"/>
+      </p:ext>
+    </p:extLst>
+  </p:cSld>
+  <p:clrMapOvr>
+    <a:masterClrMapping/>
+  </p:clrMapOvr>
+</p:sld>
+</file>
+
+<file path=ppt/slides/slide9.xml><?xml version="1.0" encoding="utf-8"?>
+<p:sld xmlns:a="http://schemas.openxmlformats.org/drawingml/2006/main" xmlns:r="http://schemas.openxmlformats.org/officeDocument/2006/relationships" xmlns:p="http://schemas.openxmlformats.org/presentationml/2006/main">
+  <p:cSld>
+    <p:spTree>
+      <p:nvGrpSpPr>
+        <p:cNvPr id="1" name=""/>
+        <p:cNvGrpSpPr/>
+        <p:nvPr/>
+      </p:nvGrpSpPr>
+      <p:grpSpPr>
+        <a:xfrm>
+          <a:off x="0" y="0"/>
+          <a:ext cx="0" cy="0"/>
+          <a:chOff x="0" y="0"/>
+          <a:chExt cx="0" cy="0"/>
+        </a:xfrm>
+      </p:grpSpPr>
+      <p:sp>
+        <p:nvSpPr>
+          <p:cNvPr id="2" name="Title 1">
+            <a:extLst>
+              <a:ext uri="{FF2B5EF4-FFF2-40B4-BE49-F238E27FC236}">
+                <a16:creationId xmlns:a16="http://schemas.microsoft.com/office/drawing/2014/main" id="{432463C0-896B-E77C-2116-758273F29618}"/>
+              </a:ext>
+            </a:extLst>
+          </p:cNvPr>
+          <p:cNvSpPr>
+            <a:spLocks noGrp="1"/>
+          </p:cNvSpPr>
+          <p:nvPr>
+            <p:ph type="title"/>
+          </p:nvPr>
+        </p:nvSpPr>
+        <p:spPr/>
+        <p:txBody>
+          <a:bodyPr/>
+          <a:lstStyle/>
+          <a:p>
+            <a:r>
+              <a:rPr lang="en-US" dirty="0"/>
+              <a:t>Training steps</a:t>
+            </a:r>
+          </a:p>
+        </p:txBody>
+      </p:sp>
+      <p:sp>
+        <p:nvSpPr>
+          <p:cNvPr id="3" name="Content Placeholder 2">
+            <a:extLst>
+              <a:ext uri="{FF2B5EF4-FFF2-40B4-BE49-F238E27FC236}">
+                <a16:creationId xmlns:a16="http://schemas.microsoft.com/office/drawing/2014/main" id="{3AA2B7AF-1482-D472-560D-874EBAC1FC3D}"/>
+              </a:ext>
+            </a:extLst>
+          </p:cNvPr>
+          <p:cNvSpPr>
+            <a:spLocks noGrp="1"/>
+          </p:cNvSpPr>
+          <p:nvPr>
+            <p:ph idx="1"/>
+          </p:nvPr>
+        </p:nvSpPr>
+        <p:spPr/>
+        <p:txBody>
+          <a:bodyPr>
+            <a:normAutofit/>
+          </a:bodyPr>
+          <a:lstStyle/>
+          <a:p>
+            <a:pPr marL="514350" indent="-514350">
+              <a:buFont typeface="+mj-lt"/>
+              <a:buAutoNum type="arabicPeriod"/>
+            </a:pPr>
+            <a:endParaRPr lang="en-US" dirty="0"/>
+          </a:p>
+          <a:p>
+            <a:pPr marL="514350" indent="-514350">
+              <a:buFont typeface="+mj-lt"/>
+              <a:buAutoNum type="arabicPeriod"/>
+            </a:pPr>
+            <a:r>
+              <a:rPr lang="en-US" dirty="0"/>
+              <a:t>Create a network with random weights</a:t>
+            </a:r>
+          </a:p>
+          <a:p>
+            <a:pPr marL="514350" indent="-514350">
+              <a:buFont typeface="+mj-lt"/>
+              <a:buAutoNum type="arabicPeriod"/>
+            </a:pPr>
+            <a:r>
+              <a:rPr lang="en-US" dirty="0"/>
+              <a:t>Feed one piece of data (for which you know the desired output)</a:t>
+            </a:r>
+          </a:p>
+          <a:p>
+            <a:pPr marL="514350" indent="-514350">
+              <a:buFont typeface="+mj-lt"/>
+              <a:buAutoNum type="arabicPeriod"/>
+            </a:pPr>
+            <a:r>
+              <a:rPr lang="en-US" dirty="0"/>
+              <a:t>Calculate the error</a:t>
+            </a:r>
+          </a:p>
+          <a:p>
+            <a:pPr marL="514350" indent="-514350">
+              <a:buFont typeface="+mj-lt"/>
+              <a:buAutoNum type="arabicPeriod"/>
+            </a:pPr>
+            <a:r>
+              <a:rPr lang="en-US" dirty="0"/>
+              <a:t>Backpropagate the error to all intermediate variables</a:t>
+            </a:r>
+          </a:p>
+          <a:p>
+            <a:pPr marL="514350" indent="-514350">
+              <a:buFont typeface="+mj-lt"/>
+              <a:buAutoNum type="arabicPeriod"/>
+            </a:pPr>
+            <a:r>
+              <a:rPr lang="en-US" dirty="0"/>
+              <a:t>Update the parameters</a:t>
+            </a:r>
+          </a:p>
+        </p:txBody>
+      </p:sp>
+    </p:spTree>
+    <p:extLst>
+      <p:ext uri="{BB962C8B-B14F-4D97-AF65-F5344CB8AC3E}">
+        <p14:creationId xmlns:p14="http://schemas.microsoft.com/office/powerpoint/2010/main" val="356368320"/>
       </p:ext>
     </p:extLst>
   </p:cSld>

--- a/TeachingNetwoks.pptx
+++ b/TeachingNetwoks.pptx
@@ -5,18 +5,19 @@
     <p:sldMasterId id="2147483648" r:id="rId1"/>
   </p:sldMasterIdLst>
   <p:notesMasterIdLst>
-    <p:notesMasterId r:id="rId11"/>
+    <p:notesMasterId r:id="rId12"/>
   </p:notesMasterIdLst>
   <p:sldIdLst>
     <p:sldId id="256" r:id="rId2"/>
     <p:sldId id="329" r:id="rId3"/>
-    <p:sldId id="320" r:id="rId4"/>
-    <p:sldId id="321" r:id="rId5"/>
-    <p:sldId id="324" r:id="rId6"/>
-    <p:sldId id="322" r:id="rId7"/>
-    <p:sldId id="331" r:id="rId8"/>
-    <p:sldId id="333" r:id="rId9"/>
-    <p:sldId id="335" r:id="rId10"/>
+    <p:sldId id="336" r:id="rId4"/>
+    <p:sldId id="320" r:id="rId5"/>
+    <p:sldId id="321" r:id="rId6"/>
+    <p:sldId id="324" r:id="rId7"/>
+    <p:sldId id="322" r:id="rId8"/>
+    <p:sldId id="331" r:id="rId9"/>
+    <p:sldId id="333" r:id="rId10"/>
+    <p:sldId id="335" r:id="rId11"/>
   </p:sldIdLst>
   <p:sldSz cx="12192000" cy="6858000"/>
   <p:notesSz cx="6858000" cy="9144000"/>
@@ -126,6 +127,7 @@
         <p14:section name="Maths" id="{EB53FB21-4207-4AAF-AB29-4B48807D277F}">
           <p14:sldIdLst>
             <p14:sldId id="329"/>
+            <p14:sldId id="336"/>
             <p14:sldId id="320"/>
             <p14:sldId id="321"/>
             <p14:sldId id="324"/>
@@ -645,7 +647,7 @@
           <a:p>
             <a:fld id="{A1F3994E-D175-4376-8600-63A26808DC17}" type="slidenum">
               <a:rPr lang="en-US" smtClean="0"/>
-              <a:t>3</a:t>
+              <a:t>4</a:t>
             </a:fld>
             <a:endParaRPr lang="en-US"/>
           </a:p>
@@ -732,7 +734,7 @@
           <a:p>
             <a:fld id="{A1F3994E-D175-4376-8600-63A26808DC17}" type="slidenum">
               <a:rPr lang="en-US" smtClean="0"/>
-              <a:t>4</a:t>
+              <a:t>5</a:t>
             </a:fld>
             <a:endParaRPr lang="en-US"/>
           </a:p>
@@ -819,7 +821,7 @@
           <a:p>
             <a:fld id="{A1F3994E-D175-4376-8600-63A26808DC17}" type="slidenum">
               <a:rPr lang="en-US" smtClean="0"/>
-              <a:t>5</a:t>
+              <a:t>6</a:t>
             </a:fld>
             <a:endParaRPr lang="en-US"/>
           </a:p>
@@ -912,7 +914,7 @@
           <a:p>
             <a:fld id="{A1F3994E-D175-4376-8600-63A26808DC17}" type="slidenum">
               <a:rPr lang="en-US" smtClean="0"/>
-              <a:t>6</a:t>
+              <a:t>7</a:t>
             </a:fld>
             <a:endParaRPr lang="en-US"/>
           </a:p>
@@ -999,7 +1001,7 @@
           <a:p>
             <a:fld id="{A1F3994E-D175-4376-8600-63A26808DC17}" type="slidenum">
               <a:rPr lang="en-US" smtClean="0"/>
-              <a:t>7</a:t>
+              <a:t>8</a:t>
             </a:fld>
             <a:endParaRPr lang="en-US"/>
           </a:p>
@@ -1083,7 +1085,7 @@
           <a:p>
             <a:fld id="{A1F3994E-D175-4376-8600-63A26808DC17}" type="slidenum">
               <a:rPr lang="en-US" smtClean="0"/>
-              <a:t>9</a:t>
+              <a:t>10</a:t>
             </a:fld>
             <a:endParaRPr lang="en-US"/>
           </a:p>
@@ -4444,6 +4446,145 @@
 </p:sld>
 </file>
 
+<file path=ppt/slides/slide10.xml><?xml version="1.0" encoding="utf-8"?>
+<p:sld xmlns:a="http://schemas.openxmlformats.org/drawingml/2006/main" xmlns:r="http://schemas.openxmlformats.org/officeDocument/2006/relationships" xmlns:p="http://schemas.openxmlformats.org/presentationml/2006/main">
+  <p:cSld>
+    <p:spTree>
+      <p:nvGrpSpPr>
+        <p:cNvPr id="1" name=""/>
+        <p:cNvGrpSpPr/>
+        <p:nvPr/>
+      </p:nvGrpSpPr>
+      <p:grpSpPr>
+        <a:xfrm>
+          <a:off x="0" y="0"/>
+          <a:ext cx="0" cy="0"/>
+          <a:chOff x="0" y="0"/>
+          <a:chExt cx="0" cy="0"/>
+        </a:xfrm>
+      </p:grpSpPr>
+      <p:sp>
+        <p:nvSpPr>
+          <p:cNvPr id="2" name="Title 1">
+            <a:extLst>
+              <a:ext uri="{FF2B5EF4-FFF2-40B4-BE49-F238E27FC236}">
+                <a16:creationId xmlns:a16="http://schemas.microsoft.com/office/drawing/2014/main" id="{432463C0-896B-E77C-2116-758273F29618}"/>
+              </a:ext>
+            </a:extLst>
+          </p:cNvPr>
+          <p:cNvSpPr>
+            <a:spLocks noGrp="1"/>
+          </p:cNvSpPr>
+          <p:nvPr>
+            <p:ph type="title"/>
+          </p:nvPr>
+        </p:nvSpPr>
+        <p:spPr/>
+        <p:txBody>
+          <a:bodyPr/>
+          <a:lstStyle/>
+          <a:p>
+            <a:r>
+              <a:rPr lang="en-US" dirty="0"/>
+              <a:t>Training steps</a:t>
+            </a:r>
+          </a:p>
+        </p:txBody>
+      </p:sp>
+      <p:sp>
+        <p:nvSpPr>
+          <p:cNvPr id="3" name="Content Placeholder 2">
+            <a:extLst>
+              <a:ext uri="{FF2B5EF4-FFF2-40B4-BE49-F238E27FC236}">
+                <a16:creationId xmlns:a16="http://schemas.microsoft.com/office/drawing/2014/main" id="{3AA2B7AF-1482-D472-560D-874EBAC1FC3D}"/>
+              </a:ext>
+            </a:extLst>
+          </p:cNvPr>
+          <p:cNvSpPr>
+            <a:spLocks noGrp="1"/>
+          </p:cNvSpPr>
+          <p:nvPr>
+            <p:ph idx="1"/>
+          </p:nvPr>
+        </p:nvSpPr>
+        <p:spPr/>
+        <p:txBody>
+          <a:bodyPr>
+            <a:normAutofit/>
+          </a:bodyPr>
+          <a:lstStyle/>
+          <a:p>
+            <a:pPr marL="514350" indent="-514350">
+              <a:buFont typeface="+mj-lt"/>
+              <a:buAutoNum type="arabicPeriod"/>
+            </a:pPr>
+            <a:endParaRPr lang="en-US" dirty="0"/>
+          </a:p>
+          <a:p>
+            <a:pPr marL="514350" indent="-514350">
+              <a:buFont typeface="+mj-lt"/>
+              <a:buAutoNum type="arabicPeriod"/>
+            </a:pPr>
+            <a:r>
+              <a:rPr lang="en-US" dirty="0"/>
+              <a:t>Create a network with random weights</a:t>
+            </a:r>
+          </a:p>
+          <a:p>
+            <a:pPr marL="514350" indent="-514350">
+              <a:buFont typeface="+mj-lt"/>
+              <a:buAutoNum type="arabicPeriod"/>
+            </a:pPr>
+            <a:r>
+              <a:rPr lang="en-US" dirty="0"/>
+              <a:t>Feed one piece of data (for which you know the desired output)</a:t>
+            </a:r>
+          </a:p>
+          <a:p>
+            <a:pPr marL="514350" indent="-514350">
+              <a:buFont typeface="+mj-lt"/>
+              <a:buAutoNum type="arabicPeriod"/>
+            </a:pPr>
+            <a:r>
+              <a:rPr lang="en-US" dirty="0"/>
+              <a:t>Calculate the error</a:t>
+            </a:r>
+          </a:p>
+          <a:p>
+            <a:pPr marL="514350" indent="-514350">
+              <a:buFont typeface="+mj-lt"/>
+              <a:buAutoNum type="arabicPeriod"/>
+            </a:pPr>
+            <a:r>
+              <a:rPr lang="en-US" dirty="0"/>
+              <a:t>Backpropagate the error to all intermediate variables</a:t>
+            </a:r>
+          </a:p>
+          <a:p>
+            <a:pPr marL="514350" indent="-514350">
+              <a:buFont typeface="+mj-lt"/>
+              <a:buAutoNum type="arabicPeriod"/>
+            </a:pPr>
+            <a:r>
+              <a:rPr lang="en-US" dirty="0"/>
+              <a:t>Update the parameters</a:t>
+            </a:r>
+          </a:p>
+        </p:txBody>
+      </p:sp>
+    </p:spTree>
+    <p:extLst>
+      <p:ext uri="{BB962C8B-B14F-4D97-AF65-F5344CB8AC3E}">
+        <p14:creationId xmlns:p14="http://schemas.microsoft.com/office/powerpoint/2010/main" val="356368320"/>
+      </p:ext>
+    </p:extLst>
+  </p:cSld>
+  <p:clrMapOvr>
+    <a:masterClrMapping/>
+  </p:clrMapOvr>
+</p:sld>
+</file>
+
 <file path=ppt/slides/slide2.xml><?xml version="1.0" encoding="utf-8"?>
 <p:sld xmlns:a="http://schemas.openxmlformats.org/drawingml/2006/main" xmlns:r="http://schemas.openxmlformats.org/officeDocument/2006/relationships" xmlns:p="http://schemas.openxmlformats.org/presentationml/2006/main">
   <p:cSld>
@@ -30598,6 +30739,2585 @@
           <p:cNvPr id="2" name="Title 1">
             <a:extLst>
               <a:ext uri="{FF2B5EF4-FFF2-40B4-BE49-F238E27FC236}">
+                <a16:creationId xmlns:a16="http://schemas.microsoft.com/office/drawing/2014/main" id="{F99BED0E-C05E-9B3F-D78A-997C9AC0F8F9}"/>
+              </a:ext>
+            </a:extLst>
+          </p:cNvPr>
+          <p:cNvSpPr>
+            <a:spLocks noGrp="1"/>
+          </p:cNvSpPr>
+          <p:nvPr>
+            <p:ph type="title"/>
+          </p:nvPr>
+        </p:nvSpPr>
+        <p:spPr/>
+        <p:txBody>
+          <a:bodyPr/>
+          <a:lstStyle/>
+          <a:p>
+            <a:r>
+              <a:rPr lang="en-US" dirty="0"/>
+              <a:t>Vectors &amp; matrices</a:t>
+            </a:r>
+          </a:p>
+        </p:txBody>
+      </p:sp>
+      <mc:AlternateContent xmlns:mc="http://schemas.openxmlformats.org/markup-compatibility/2006">
+        <mc:Choice xmlns:a14="http://schemas.microsoft.com/office/drawing/2010/main" Requires="a14">
+          <p:sp>
+            <p:nvSpPr>
+              <p:cNvPr id="3" name="TextBox 2">
+                <a:extLst>
+                  <a:ext uri="{FF2B5EF4-FFF2-40B4-BE49-F238E27FC236}">
+                    <a16:creationId xmlns:a16="http://schemas.microsoft.com/office/drawing/2014/main" id="{DB291272-E205-D45E-2ACE-4208FBAA2BDB}"/>
+                  </a:ext>
+                </a:extLst>
+              </p:cNvPr>
+              <p:cNvSpPr txBox="1"/>
+              <p:nvPr/>
+            </p:nvSpPr>
+            <p:spPr>
+              <a:xfrm>
+                <a:off x="2575252" y="1706852"/>
+                <a:ext cx="596531" cy="532966"/>
+              </a:xfrm>
+              <a:prstGeom prst="rect">
+                <a:avLst/>
+              </a:prstGeom>
+            </p:spPr>
+            <p:style>
+              <a:lnRef idx="2">
+                <a:schemeClr val="dk1"/>
+              </a:lnRef>
+              <a:fillRef idx="1">
+                <a:schemeClr val="lt1"/>
+              </a:fillRef>
+              <a:effectRef idx="0">
+                <a:schemeClr val="dk1"/>
+              </a:effectRef>
+              <a:fontRef idx="minor">
+                <a:schemeClr val="dk1"/>
+              </a:fontRef>
+            </p:style>
+            <p:txBody>
+              <a:bodyPr wrap="square" rtlCol="0">
+                <a:spAutoFit/>
+              </a:bodyPr>
+              <a:lstStyle/>
+              <a:p>
+                <a:pPr/>
+                <a14:m>
+                  <m:oMathPara xmlns:m="http://schemas.openxmlformats.org/officeDocument/2006/math">
+                    <m:oMathParaPr>
+                      <m:jc m:val="centerGroup"/>
+                    </m:oMathParaPr>
+                    <m:oMath xmlns:m="http://schemas.openxmlformats.org/officeDocument/2006/math">
+                      <m:sSup>
+                        <m:sSupPr>
+                          <m:ctrlPr>
+                            <a:rPr lang="en-US" sz="2800" b="1" i="1" smtClean="0">
+                              <a:latin typeface="Cambria Math" panose="02040503050406030204" pitchFamily="18" charset="0"/>
+                            </a:rPr>
+                          </m:ctrlPr>
+                        </m:sSupPr>
+                        <m:e>
+                          <m:r>
+                            <a:rPr lang="en-US" sz="2800" b="1" i="1" smtClean="0">
+                              <a:latin typeface="Cambria Math" panose="02040503050406030204" pitchFamily="18" charset="0"/>
+                            </a:rPr>
+                            <m:t>𝒍</m:t>
+                          </m:r>
+                        </m:e>
+                        <m:sup>
+                          <m:r>
+                            <a:rPr lang="en-US" sz="2800" b="1" i="1" smtClean="0">
+                              <a:latin typeface="Cambria Math" panose="02040503050406030204" pitchFamily="18" charset="0"/>
+                            </a:rPr>
+                            <m:t>𝟏</m:t>
+                          </m:r>
+                        </m:sup>
+                      </m:sSup>
+                    </m:oMath>
+                  </m:oMathPara>
+                </a14:m>
+                <a:endParaRPr lang="en-US" sz="2800" b="1" dirty="0"/>
+              </a:p>
+            </p:txBody>
+          </p:sp>
+        </mc:Choice>
+        <mc:Fallback>
+          <p:sp>
+            <p:nvSpPr>
+              <p:cNvPr id="3" name="TextBox 2">
+                <a:extLst>
+                  <a:ext uri="{FF2B5EF4-FFF2-40B4-BE49-F238E27FC236}">
+                    <a16:creationId xmlns:a16="http://schemas.microsoft.com/office/drawing/2014/main" id="{DB291272-E205-D45E-2ACE-4208FBAA2BDB}"/>
+                  </a:ext>
+                </a:extLst>
+              </p:cNvPr>
+              <p:cNvSpPr txBox="1">
+                <a:spLocks noRot="1" noChangeAspect="1" noMove="1" noResize="1" noEditPoints="1" noAdjustHandles="1" noChangeArrowheads="1" noChangeShapeType="1" noTextEdit="1"/>
+              </p:cNvSpPr>
+              <p:nvPr/>
+            </p:nvSpPr>
+            <p:spPr>
+              <a:xfrm>
+                <a:off x="2575252" y="1706852"/>
+                <a:ext cx="596531" cy="532966"/>
+              </a:xfrm>
+              <a:prstGeom prst="rect">
+                <a:avLst/>
+              </a:prstGeom>
+              <a:blipFill>
+                <a:blip r:embed="rId2"/>
+                <a:stretch>
+                  <a:fillRect/>
+                </a:stretch>
+              </a:blipFill>
+            </p:spPr>
+            <p:txBody>
+              <a:bodyPr/>
+              <a:lstStyle/>
+              <a:p>
+                <a:r>
+                  <a:rPr lang="en-US">
+                    <a:noFill/>
+                  </a:rPr>
+                  <a:t> </a:t>
+                </a:r>
+              </a:p>
+            </p:txBody>
+          </p:sp>
+        </mc:Fallback>
+      </mc:AlternateContent>
+      <p:graphicFrame>
+        <p:nvGraphicFramePr>
+          <p:cNvPr id="4" name="Table 4">
+            <a:extLst>
+              <a:ext uri="{FF2B5EF4-FFF2-40B4-BE49-F238E27FC236}">
+                <a16:creationId xmlns:a16="http://schemas.microsoft.com/office/drawing/2014/main" id="{A19C7E30-7ED6-DC97-3C9C-B4DAB746F0FE}"/>
+              </a:ext>
+            </a:extLst>
+          </p:cNvPr>
+          <p:cNvGraphicFramePr>
+            <a:graphicFrameLocks noGrp="1"/>
+          </p:cNvGraphicFramePr>
+          <p:nvPr>
+            <p:extLst>
+              <p:ext uri="{D42A27DB-BD31-4B8C-83A1-F6EECF244321}">
+                <p14:modId xmlns:p14="http://schemas.microsoft.com/office/powerpoint/2010/main" val="1331567336"/>
+              </p:ext>
+            </p:extLst>
+          </p:nvPr>
+        </p:nvGraphicFramePr>
+        <p:xfrm>
+          <a:off x="2575251" y="2965499"/>
+          <a:ext cx="596531" cy="370840"/>
+        </p:xfrm>
+        <a:graphic>
+          <a:graphicData uri="http://schemas.openxmlformats.org/drawingml/2006/table">
+            <a:tbl>
+              <a:tblPr firstRow="1" bandRow="1">
+                <a:tableStyleId>{5C22544A-7EE6-4342-B048-85BDC9FD1C3A}</a:tableStyleId>
+              </a:tblPr>
+              <a:tblGrid>
+                <a:gridCol w="596531">
+                  <a:extLst>
+                    <a:ext uri="{9D8B030D-6E8A-4147-A177-3AD203B41FA5}">
+                      <a16:colId xmlns:a16="http://schemas.microsoft.com/office/drawing/2014/main" val="596418570"/>
+                    </a:ext>
+                  </a:extLst>
+                </a:gridCol>
+              </a:tblGrid>
+              <a:tr h="370840">
+                <a:tc>
+                  <a:txBody>
+                    <a:bodyPr/>
+                    <a:lstStyle/>
+                    <a:p>
+                      <a:pPr algn="ctr"/>
+                      <a:r>
+                        <a:rPr lang="en-US" b="0" dirty="0">
+                          <a:solidFill>
+                            <a:schemeClr val="tx1"/>
+                          </a:solidFill>
+                        </a:rPr>
+                        <a:t>-2.3</a:t>
+                      </a:r>
+                    </a:p>
+                  </a:txBody>
+                  <a:tcPr anchor="ctr">
+                    <a:lnL w="12700" cap="flat" cmpd="sng" algn="ctr">
+                      <a:solidFill>
+                        <a:schemeClr val="tx1"/>
+                      </a:solidFill>
+                      <a:prstDash val="solid"/>
+                      <a:round/>
+                      <a:headEnd type="none" w="med" len="med"/>
+                      <a:tailEnd type="none" w="med" len="med"/>
+                    </a:lnL>
+                    <a:lnR w="12700" cap="flat" cmpd="sng" algn="ctr">
+                      <a:solidFill>
+                        <a:schemeClr val="tx1"/>
+                      </a:solidFill>
+                      <a:prstDash val="solid"/>
+                      <a:round/>
+                      <a:headEnd type="none" w="med" len="med"/>
+                      <a:tailEnd type="none" w="med" len="med"/>
+                    </a:lnR>
+                    <a:lnT w="12700" cap="flat" cmpd="sng" algn="ctr">
+                      <a:solidFill>
+                        <a:schemeClr val="tx1"/>
+                      </a:solidFill>
+                      <a:prstDash val="solid"/>
+                      <a:round/>
+                      <a:headEnd type="none" w="med" len="med"/>
+                      <a:tailEnd type="none" w="med" len="med"/>
+                    </a:lnT>
+                    <a:lnB w="12700" cap="flat" cmpd="sng" algn="ctr">
+                      <a:solidFill>
+                        <a:schemeClr val="tx1"/>
+                      </a:solidFill>
+                      <a:prstDash val="solid"/>
+                      <a:round/>
+                      <a:headEnd type="none" w="med" len="med"/>
+                      <a:tailEnd type="none" w="med" len="med"/>
+                    </a:lnB>
+                    <a:lnTlToBr w="12700" cmpd="sng">
+                      <a:noFill/>
+                      <a:prstDash val="solid"/>
+                    </a:lnTlToBr>
+                    <a:lnBlToTr w="12700" cmpd="sng">
+                      <a:noFill/>
+                      <a:prstDash val="solid"/>
+                    </a:lnBlToTr>
+                    <a:noFill/>
+                  </a:tcPr>
+                </a:tc>
+                <a:extLst>
+                  <a:ext uri="{0D108BD9-81ED-4DB2-BD59-A6C34878D82A}">
+                    <a16:rowId xmlns:a16="http://schemas.microsoft.com/office/drawing/2014/main" val="923224526"/>
+                  </a:ext>
+                </a:extLst>
+              </a:tr>
+            </a:tbl>
+          </a:graphicData>
+        </a:graphic>
+      </p:graphicFrame>
+      <mc:AlternateContent xmlns:mc="http://schemas.openxmlformats.org/markup-compatibility/2006">
+        <mc:Choice xmlns:a14="http://schemas.microsoft.com/office/drawing/2010/main" Requires="a14">
+          <p:sp>
+            <p:nvSpPr>
+              <p:cNvPr id="6" name="TextBox 5">
+                <a:extLst>
+                  <a:ext uri="{FF2B5EF4-FFF2-40B4-BE49-F238E27FC236}">
+                    <a16:creationId xmlns:a16="http://schemas.microsoft.com/office/drawing/2014/main" id="{D0C7BF26-1C7A-1994-6821-D88CEBA7CC6C}"/>
+                  </a:ext>
+                </a:extLst>
+              </p:cNvPr>
+              <p:cNvSpPr txBox="1"/>
+              <p:nvPr/>
+            </p:nvSpPr>
+            <p:spPr>
+              <a:xfrm>
+                <a:off x="8527000" y="1706852"/>
+                <a:ext cx="596531" cy="532966"/>
+              </a:xfrm>
+              <a:prstGeom prst="rect">
+                <a:avLst/>
+              </a:prstGeom>
+            </p:spPr>
+            <p:style>
+              <a:lnRef idx="2">
+                <a:schemeClr val="dk1"/>
+              </a:lnRef>
+              <a:fillRef idx="1">
+                <a:schemeClr val="lt1"/>
+              </a:fillRef>
+              <a:effectRef idx="0">
+                <a:schemeClr val="dk1"/>
+              </a:effectRef>
+              <a:fontRef idx="minor">
+                <a:schemeClr val="dk1"/>
+              </a:fontRef>
+            </p:style>
+            <p:txBody>
+              <a:bodyPr wrap="square" rtlCol="0">
+                <a:spAutoFit/>
+              </a:bodyPr>
+              <a:lstStyle/>
+              <a:p>
+                <a:pPr/>
+                <a14:m>
+                  <m:oMathPara xmlns:m="http://schemas.openxmlformats.org/officeDocument/2006/math">
+                    <m:oMathParaPr>
+                      <m:jc m:val="centerGroup"/>
+                    </m:oMathParaPr>
+                    <m:oMath xmlns:m="http://schemas.openxmlformats.org/officeDocument/2006/math">
+                      <m:sSup>
+                        <m:sSupPr>
+                          <m:ctrlPr>
+                            <a:rPr lang="en-US" sz="2800" b="1" i="1" smtClean="0">
+                              <a:latin typeface="Cambria Math" panose="02040503050406030204" pitchFamily="18" charset="0"/>
+                            </a:rPr>
+                          </m:ctrlPr>
+                        </m:sSupPr>
+                        <m:e>
+                          <m:r>
+                            <a:rPr lang="en-US" sz="2800" b="1" i="1" smtClean="0">
+                              <a:latin typeface="Cambria Math" panose="02040503050406030204" pitchFamily="18" charset="0"/>
+                            </a:rPr>
+                            <m:t>𝒍</m:t>
+                          </m:r>
+                        </m:e>
+                        <m:sup>
+                          <m:r>
+                            <a:rPr lang="en-US" sz="2800" b="1" i="1" smtClean="0">
+                              <a:latin typeface="Cambria Math" panose="02040503050406030204" pitchFamily="18" charset="0"/>
+                            </a:rPr>
+                            <m:t>𝟐</m:t>
+                          </m:r>
+                        </m:sup>
+                      </m:sSup>
+                    </m:oMath>
+                  </m:oMathPara>
+                </a14:m>
+                <a:endParaRPr lang="en-US" sz="2800" b="1" dirty="0"/>
+              </a:p>
+            </p:txBody>
+          </p:sp>
+        </mc:Choice>
+        <mc:Fallback>
+          <p:sp>
+            <p:nvSpPr>
+              <p:cNvPr id="6" name="TextBox 5">
+                <a:extLst>
+                  <a:ext uri="{FF2B5EF4-FFF2-40B4-BE49-F238E27FC236}">
+                    <a16:creationId xmlns:a16="http://schemas.microsoft.com/office/drawing/2014/main" id="{D0C7BF26-1C7A-1994-6821-D88CEBA7CC6C}"/>
+                  </a:ext>
+                </a:extLst>
+              </p:cNvPr>
+              <p:cNvSpPr txBox="1">
+                <a:spLocks noRot="1" noChangeAspect="1" noMove="1" noResize="1" noEditPoints="1" noAdjustHandles="1" noChangeArrowheads="1" noChangeShapeType="1" noTextEdit="1"/>
+              </p:cNvSpPr>
+              <p:nvPr/>
+            </p:nvSpPr>
+            <p:spPr>
+              <a:xfrm>
+                <a:off x="8527000" y="1706852"/>
+                <a:ext cx="596531" cy="532966"/>
+              </a:xfrm>
+              <a:prstGeom prst="rect">
+                <a:avLst/>
+              </a:prstGeom>
+              <a:blipFill>
+                <a:blip r:embed="rId3"/>
+                <a:stretch>
+                  <a:fillRect/>
+                </a:stretch>
+              </a:blipFill>
+            </p:spPr>
+            <p:txBody>
+              <a:bodyPr/>
+              <a:lstStyle/>
+              <a:p>
+                <a:r>
+                  <a:rPr lang="en-US">
+                    <a:noFill/>
+                  </a:rPr>
+                  <a:t> </a:t>
+                </a:r>
+              </a:p>
+            </p:txBody>
+          </p:sp>
+        </mc:Fallback>
+      </mc:AlternateContent>
+      <p:cxnSp>
+        <p:nvCxnSpPr>
+          <p:cNvPr id="8" name="Straight Connector 7">
+            <a:extLst>
+              <a:ext uri="{FF2B5EF4-FFF2-40B4-BE49-F238E27FC236}">
+                <a16:creationId xmlns:a16="http://schemas.microsoft.com/office/drawing/2014/main" id="{32CCA523-A6F5-A1E3-4C2D-FBE3F61FC355}"/>
+              </a:ext>
+            </a:extLst>
+          </p:cNvPr>
+          <p:cNvCxnSpPr>
+            <a:cxnSpLocks/>
+            <a:stCxn id="4" idx="3"/>
+            <a:endCxn id="61" idx="1"/>
+          </p:cNvCxnSpPr>
+          <p:nvPr/>
+        </p:nvCxnSpPr>
+        <p:spPr>
+          <a:xfrm flipV="1">
+            <a:off x="3171782" y="2718384"/>
+            <a:ext cx="5355217" cy="432535"/>
+          </a:xfrm>
+          <a:prstGeom prst="line">
+            <a:avLst/>
+          </a:prstGeom>
+          <a:ln>
+            <a:solidFill>
+              <a:schemeClr val="bg1">
+                <a:lumMod val="50000"/>
+              </a:schemeClr>
+            </a:solidFill>
+          </a:ln>
+        </p:spPr>
+        <p:style>
+          <a:lnRef idx="1">
+            <a:schemeClr val="dk1"/>
+          </a:lnRef>
+          <a:fillRef idx="0">
+            <a:schemeClr val="dk1"/>
+          </a:fillRef>
+          <a:effectRef idx="0">
+            <a:schemeClr val="dk1"/>
+          </a:effectRef>
+          <a:fontRef idx="minor">
+            <a:schemeClr val="tx1"/>
+          </a:fontRef>
+        </p:style>
+      </p:cxnSp>
+      <p:cxnSp>
+        <p:nvCxnSpPr>
+          <p:cNvPr id="16" name="Straight Connector 15">
+            <a:extLst>
+              <a:ext uri="{FF2B5EF4-FFF2-40B4-BE49-F238E27FC236}">
+                <a16:creationId xmlns:a16="http://schemas.microsoft.com/office/drawing/2014/main" id="{4B7B2B66-982F-C183-5720-368D390D6DCD}"/>
+              </a:ext>
+            </a:extLst>
+          </p:cNvPr>
+          <p:cNvCxnSpPr>
+            <a:cxnSpLocks/>
+            <a:stCxn id="4" idx="3"/>
+            <a:endCxn id="60" idx="1"/>
+          </p:cNvCxnSpPr>
+          <p:nvPr/>
+        </p:nvCxnSpPr>
+        <p:spPr>
+          <a:xfrm>
+            <a:off x="3171782" y="3150919"/>
+            <a:ext cx="5355219" cy="476865"/>
+          </a:xfrm>
+          <a:prstGeom prst="line">
+            <a:avLst/>
+          </a:prstGeom>
+          <a:ln>
+            <a:solidFill>
+              <a:schemeClr val="bg1">
+                <a:lumMod val="50000"/>
+              </a:schemeClr>
+            </a:solidFill>
+          </a:ln>
+        </p:spPr>
+        <p:style>
+          <a:lnRef idx="1">
+            <a:schemeClr val="dk1"/>
+          </a:lnRef>
+          <a:fillRef idx="0">
+            <a:schemeClr val="dk1"/>
+          </a:fillRef>
+          <a:effectRef idx="0">
+            <a:schemeClr val="dk1"/>
+          </a:effectRef>
+          <a:fontRef idx="minor">
+            <a:schemeClr val="tx1"/>
+          </a:fontRef>
+        </p:style>
+      </p:cxnSp>
+      <p:cxnSp>
+        <p:nvCxnSpPr>
+          <p:cNvPr id="19" name="Straight Connector 18">
+            <a:extLst>
+              <a:ext uri="{FF2B5EF4-FFF2-40B4-BE49-F238E27FC236}">
+                <a16:creationId xmlns:a16="http://schemas.microsoft.com/office/drawing/2014/main" id="{62C45B7B-8BE1-11EA-466A-F7437BB49895}"/>
+              </a:ext>
+            </a:extLst>
+          </p:cNvPr>
+          <p:cNvCxnSpPr>
+            <a:cxnSpLocks/>
+            <a:stCxn id="4" idx="3"/>
+            <a:endCxn id="62" idx="1"/>
+          </p:cNvCxnSpPr>
+          <p:nvPr/>
+        </p:nvCxnSpPr>
+        <p:spPr>
+          <a:xfrm>
+            <a:off x="3171782" y="3150919"/>
+            <a:ext cx="5355219" cy="1386265"/>
+          </a:xfrm>
+          <a:prstGeom prst="line">
+            <a:avLst/>
+          </a:prstGeom>
+          <a:ln>
+            <a:solidFill>
+              <a:schemeClr val="bg1">
+                <a:lumMod val="50000"/>
+              </a:schemeClr>
+            </a:solidFill>
+          </a:ln>
+        </p:spPr>
+        <p:style>
+          <a:lnRef idx="1">
+            <a:schemeClr val="dk1"/>
+          </a:lnRef>
+          <a:fillRef idx="0">
+            <a:schemeClr val="dk1"/>
+          </a:fillRef>
+          <a:effectRef idx="0">
+            <a:schemeClr val="dk1"/>
+          </a:effectRef>
+          <a:fontRef idx="minor">
+            <a:schemeClr val="tx1"/>
+          </a:fontRef>
+        </p:style>
+      </p:cxnSp>
+      <p:cxnSp>
+        <p:nvCxnSpPr>
+          <p:cNvPr id="21" name="Straight Connector 20">
+            <a:extLst>
+              <a:ext uri="{FF2B5EF4-FFF2-40B4-BE49-F238E27FC236}">
+                <a16:creationId xmlns:a16="http://schemas.microsoft.com/office/drawing/2014/main" id="{C50C5FA1-EC21-C866-834F-1D388CF870F6}"/>
+              </a:ext>
+            </a:extLst>
+          </p:cNvPr>
+          <p:cNvCxnSpPr>
+            <a:cxnSpLocks/>
+            <a:stCxn id="4" idx="3"/>
+            <a:endCxn id="63" idx="1"/>
+          </p:cNvCxnSpPr>
+          <p:nvPr/>
+        </p:nvCxnSpPr>
+        <p:spPr>
+          <a:xfrm>
+            <a:off x="3171782" y="3150919"/>
+            <a:ext cx="5355219" cy="2295665"/>
+          </a:xfrm>
+          <a:prstGeom prst="line">
+            <a:avLst/>
+          </a:prstGeom>
+          <a:ln>
+            <a:solidFill>
+              <a:schemeClr val="bg1">
+                <a:lumMod val="50000"/>
+              </a:schemeClr>
+            </a:solidFill>
+          </a:ln>
+        </p:spPr>
+        <p:style>
+          <a:lnRef idx="1">
+            <a:schemeClr val="dk1"/>
+          </a:lnRef>
+          <a:fillRef idx="0">
+            <a:schemeClr val="dk1"/>
+          </a:fillRef>
+          <a:effectRef idx="0">
+            <a:schemeClr val="dk1"/>
+          </a:effectRef>
+          <a:fontRef idx="minor">
+            <a:schemeClr val="tx1"/>
+          </a:fontRef>
+        </p:style>
+      </p:cxnSp>
+      <p:cxnSp>
+        <p:nvCxnSpPr>
+          <p:cNvPr id="32" name="Straight Connector 31">
+            <a:extLst>
+              <a:ext uri="{FF2B5EF4-FFF2-40B4-BE49-F238E27FC236}">
+                <a16:creationId xmlns:a16="http://schemas.microsoft.com/office/drawing/2014/main" id="{96F51690-AD88-5961-DECA-8F2DF0F04E83}"/>
+              </a:ext>
+            </a:extLst>
+          </p:cNvPr>
+          <p:cNvCxnSpPr>
+            <a:cxnSpLocks/>
+            <a:stCxn id="4" idx="3"/>
+            <a:endCxn id="65" idx="1"/>
+          </p:cNvCxnSpPr>
+          <p:nvPr/>
+        </p:nvCxnSpPr>
+        <p:spPr>
+          <a:xfrm>
+            <a:off x="3171782" y="3150919"/>
+            <a:ext cx="5355219" cy="3205066"/>
+          </a:xfrm>
+          <a:prstGeom prst="line">
+            <a:avLst/>
+          </a:prstGeom>
+          <a:ln>
+            <a:solidFill>
+              <a:schemeClr val="bg1">
+                <a:lumMod val="50000"/>
+              </a:schemeClr>
+            </a:solidFill>
+          </a:ln>
+        </p:spPr>
+        <p:style>
+          <a:lnRef idx="1">
+            <a:schemeClr val="dk1"/>
+          </a:lnRef>
+          <a:fillRef idx="0">
+            <a:schemeClr val="dk1"/>
+          </a:fillRef>
+          <a:effectRef idx="0">
+            <a:schemeClr val="dk1"/>
+          </a:effectRef>
+          <a:fontRef idx="minor">
+            <a:schemeClr val="tx1"/>
+          </a:fontRef>
+        </p:style>
+      </p:cxnSp>
+      <p:graphicFrame>
+        <p:nvGraphicFramePr>
+          <p:cNvPr id="51" name="Table 4">
+            <a:extLst>
+              <a:ext uri="{FF2B5EF4-FFF2-40B4-BE49-F238E27FC236}">
+                <a16:creationId xmlns:a16="http://schemas.microsoft.com/office/drawing/2014/main" id="{C24448C2-6379-EF10-3E22-9AF6DE4F7264}"/>
+              </a:ext>
+            </a:extLst>
+          </p:cNvPr>
+          <p:cNvGraphicFramePr>
+            <a:graphicFrameLocks noGrp="1"/>
+          </p:cNvGraphicFramePr>
+          <p:nvPr>
+            <p:extLst>
+              <p:ext uri="{D42A27DB-BD31-4B8C-83A1-F6EECF244321}">
+                <p14:modId xmlns:p14="http://schemas.microsoft.com/office/powerpoint/2010/main" val="549909373"/>
+              </p:ext>
+            </p:extLst>
+          </p:nvPr>
+        </p:nvGraphicFramePr>
+        <p:xfrm>
+          <a:off x="2575253" y="5114171"/>
+          <a:ext cx="596531" cy="370840"/>
+        </p:xfrm>
+        <a:graphic>
+          <a:graphicData uri="http://schemas.openxmlformats.org/drawingml/2006/table">
+            <a:tbl>
+              <a:tblPr firstRow="1" bandRow="1">
+                <a:tableStyleId>{5C22544A-7EE6-4342-B048-85BDC9FD1C3A}</a:tableStyleId>
+              </a:tblPr>
+              <a:tblGrid>
+                <a:gridCol w="596531">
+                  <a:extLst>
+                    <a:ext uri="{9D8B030D-6E8A-4147-A177-3AD203B41FA5}">
+                      <a16:colId xmlns:a16="http://schemas.microsoft.com/office/drawing/2014/main" val="596418570"/>
+                    </a:ext>
+                  </a:extLst>
+                </a:gridCol>
+              </a:tblGrid>
+              <a:tr h="370840">
+                <a:tc>
+                  <a:txBody>
+                    <a:bodyPr/>
+                    <a:lstStyle/>
+                    <a:p>
+                      <a:pPr algn="ctr"/>
+                      <a:r>
+                        <a:rPr lang="en-US" b="0" dirty="0">
+                          <a:solidFill>
+                            <a:schemeClr val="tx1"/>
+                          </a:solidFill>
+                        </a:rPr>
+                        <a:t>3.7</a:t>
+                      </a:r>
+                    </a:p>
+                  </a:txBody>
+                  <a:tcPr anchor="ctr">
+                    <a:lnL w="12700" cap="flat" cmpd="sng" algn="ctr">
+                      <a:solidFill>
+                        <a:schemeClr val="tx1"/>
+                      </a:solidFill>
+                      <a:prstDash val="solid"/>
+                      <a:round/>
+                      <a:headEnd type="none" w="med" len="med"/>
+                      <a:tailEnd type="none" w="med" len="med"/>
+                    </a:lnL>
+                    <a:lnR w="12700" cap="flat" cmpd="sng" algn="ctr">
+                      <a:solidFill>
+                        <a:schemeClr val="tx1"/>
+                      </a:solidFill>
+                      <a:prstDash val="solid"/>
+                      <a:round/>
+                      <a:headEnd type="none" w="med" len="med"/>
+                      <a:tailEnd type="none" w="med" len="med"/>
+                    </a:lnR>
+                    <a:lnT w="12700" cap="flat" cmpd="sng" algn="ctr">
+                      <a:solidFill>
+                        <a:schemeClr val="tx1"/>
+                      </a:solidFill>
+                      <a:prstDash val="solid"/>
+                      <a:round/>
+                      <a:headEnd type="none" w="med" len="med"/>
+                      <a:tailEnd type="none" w="med" len="med"/>
+                    </a:lnT>
+                    <a:lnB w="12700" cap="flat" cmpd="sng" algn="ctr">
+                      <a:solidFill>
+                        <a:schemeClr val="tx1"/>
+                      </a:solidFill>
+                      <a:prstDash val="solid"/>
+                      <a:round/>
+                      <a:headEnd type="none" w="med" len="med"/>
+                      <a:tailEnd type="none" w="med" len="med"/>
+                    </a:lnB>
+                    <a:lnTlToBr w="12700" cmpd="sng">
+                      <a:noFill/>
+                      <a:prstDash val="solid"/>
+                    </a:lnTlToBr>
+                    <a:lnBlToTr w="12700" cmpd="sng">
+                      <a:noFill/>
+                      <a:prstDash val="solid"/>
+                    </a:lnBlToTr>
+                    <a:noFill/>
+                  </a:tcPr>
+                </a:tc>
+                <a:extLst>
+                  <a:ext uri="{0D108BD9-81ED-4DB2-BD59-A6C34878D82A}">
+                    <a16:rowId xmlns:a16="http://schemas.microsoft.com/office/drawing/2014/main" val="923224526"/>
+                  </a:ext>
+                </a:extLst>
+              </a:tr>
+            </a:tbl>
+          </a:graphicData>
+        </a:graphic>
+      </p:graphicFrame>
+      <p:graphicFrame>
+        <p:nvGraphicFramePr>
+          <p:cNvPr id="59" name="Table 4">
+            <a:extLst>
+              <a:ext uri="{FF2B5EF4-FFF2-40B4-BE49-F238E27FC236}">
+                <a16:creationId xmlns:a16="http://schemas.microsoft.com/office/drawing/2014/main" id="{834C1652-2EB4-5233-7288-A73609097D74}"/>
+              </a:ext>
+            </a:extLst>
+          </p:cNvPr>
+          <p:cNvGraphicFramePr>
+            <a:graphicFrameLocks noGrp="1"/>
+          </p:cNvGraphicFramePr>
+          <p:nvPr>
+            <p:extLst>
+              <p:ext uri="{D42A27DB-BD31-4B8C-83A1-F6EECF244321}">
+                <p14:modId xmlns:p14="http://schemas.microsoft.com/office/powerpoint/2010/main" val="1074298586"/>
+              </p:ext>
+            </p:extLst>
+          </p:nvPr>
+        </p:nvGraphicFramePr>
+        <p:xfrm>
+          <a:off x="2575253" y="4039835"/>
+          <a:ext cx="596531" cy="370840"/>
+        </p:xfrm>
+        <a:graphic>
+          <a:graphicData uri="http://schemas.openxmlformats.org/drawingml/2006/table">
+            <a:tbl>
+              <a:tblPr firstRow="1" bandRow="1">
+                <a:tableStyleId>{5C22544A-7EE6-4342-B048-85BDC9FD1C3A}</a:tableStyleId>
+              </a:tblPr>
+              <a:tblGrid>
+                <a:gridCol w="596531">
+                  <a:extLst>
+                    <a:ext uri="{9D8B030D-6E8A-4147-A177-3AD203B41FA5}">
+                      <a16:colId xmlns:a16="http://schemas.microsoft.com/office/drawing/2014/main" val="596418570"/>
+                    </a:ext>
+                  </a:extLst>
+                </a:gridCol>
+              </a:tblGrid>
+              <a:tr h="370840">
+                <a:tc>
+                  <a:txBody>
+                    <a:bodyPr/>
+                    <a:lstStyle/>
+                    <a:p>
+                      <a:pPr algn="ctr"/>
+                      <a:r>
+                        <a:rPr lang="en-US" b="0" dirty="0">
+                          <a:solidFill>
+                            <a:schemeClr val="tx1"/>
+                          </a:solidFill>
+                        </a:rPr>
+                        <a:t>0.5</a:t>
+                      </a:r>
+                    </a:p>
+                  </a:txBody>
+                  <a:tcPr anchor="ctr">
+                    <a:lnL w="12700" cap="flat" cmpd="sng" algn="ctr">
+                      <a:solidFill>
+                        <a:schemeClr val="tx1"/>
+                      </a:solidFill>
+                      <a:prstDash val="solid"/>
+                      <a:round/>
+                      <a:headEnd type="none" w="med" len="med"/>
+                      <a:tailEnd type="none" w="med" len="med"/>
+                    </a:lnL>
+                    <a:lnR w="12700" cap="flat" cmpd="sng" algn="ctr">
+                      <a:solidFill>
+                        <a:schemeClr val="tx1"/>
+                      </a:solidFill>
+                      <a:prstDash val="solid"/>
+                      <a:round/>
+                      <a:headEnd type="none" w="med" len="med"/>
+                      <a:tailEnd type="none" w="med" len="med"/>
+                    </a:lnR>
+                    <a:lnT w="12700" cap="flat" cmpd="sng" algn="ctr">
+                      <a:solidFill>
+                        <a:schemeClr val="tx1"/>
+                      </a:solidFill>
+                      <a:prstDash val="solid"/>
+                      <a:round/>
+                      <a:headEnd type="none" w="med" len="med"/>
+                      <a:tailEnd type="none" w="med" len="med"/>
+                    </a:lnT>
+                    <a:lnB w="12700" cap="flat" cmpd="sng" algn="ctr">
+                      <a:solidFill>
+                        <a:schemeClr val="tx1"/>
+                      </a:solidFill>
+                      <a:prstDash val="solid"/>
+                      <a:round/>
+                      <a:headEnd type="none" w="med" len="med"/>
+                      <a:tailEnd type="none" w="med" len="med"/>
+                    </a:lnB>
+                    <a:lnTlToBr w="12700" cmpd="sng">
+                      <a:noFill/>
+                      <a:prstDash val="solid"/>
+                    </a:lnTlToBr>
+                    <a:lnBlToTr w="12700" cmpd="sng">
+                      <a:noFill/>
+                      <a:prstDash val="solid"/>
+                    </a:lnBlToTr>
+                    <a:noFill/>
+                  </a:tcPr>
+                </a:tc>
+                <a:extLst>
+                  <a:ext uri="{0D108BD9-81ED-4DB2-BD59-A6C34878D82A}">
+                    <a16:rowId xmlns:a16="http://schemas.microsoft.com/office/drawing/2014/main" val="923224526"/>
+                  </a:ext>
+                </a:extLst>
+              </a:tr>
+            </a:tbl>
+          </a:graphicData>
+        </a:graphic>
+      </p:graphicFrame>
+      <p:graphicFrame>
+        <p:nvGraphicFramePr>
+          <p:cNvPr id="60" name="Table 4">
+            <a:extLst>
+              <a:ext uri="{FF2B5EF4-FFF2-40B4-BE49-F238E27FC236}">
+                <a16:creationId xmlns:a16="http://schemas.microsoft.com/office/drawing/2014/main" id="{D8BF0A40-598F-8D45-3062-AA4C589A39C4}"/>
+              </a:ext>
+            </a:extLst>
+          </p:cNvPr>
+          <p:cNvGraphicFramePr>
+            <a:graphicFrameLocks noGrp="1"/>
+          </p:cNvGraphicFramePr>
+          <p:nvPr>
+            <p:extLst>
+              <p:ext uri="{D42A27DB-BD31-4B8C-83A1-F6EECF244321}">
+                <p14:modId xmlns:p14="http://schemas.microsoft.com/office/powerpoint/2010/main" val="4043698216"/>
+              </p:ext>
+            </p:extLst>
+          </p:nvPr>
+        </p:nvGraphicFramePr>
+        <p:xfrm>
+          <a:off x="8527001" y="3442364"/>
+          <a:ext cx="596531" cy="370840"/>
+        </p:xfrm>
+        <a:graphic>
+          <a:graphicData uri="http://schemas.openxmlformats.org/drawingml/2006/table">
+            <a:tbl>
+              <a:tblPr firstRow="1" bandRow="1">
+                <a:tableStyleId>{5C22544A-7EE6-4342-B048-85BDC9FD1C3A}</a:tableStyleId>
+              </a:tblPr>
+              <a:tblGrid>
+                <a:gridCol w="596531">
+                  <a:extLst>
+                    <a:ext uri="{9D8B030D-6E8A-4147-A177-3AD203B41FA5}">
+                      <a16:colId xmlns:a16="http://schemas.microsoft.com/office/drawing/2014/main" val="596418570"/>
+                    </a:ext>
+                  </a:extLst>
+                </a:gridCol>
+              </a:tblGrid>
+              <a:tr h="370840">
+                <a:tc>
+                  <a:txBody>
+                    <a:bodyPr/>
+                    <a:lstStyle/>
+                    <a:p>
+                      <a:pPr algn="ctr"/>
+                      <a:r>
+                        <a:rPr lang="en-US" b="0" dirty="0">
+                          <a:solidFill>
+                            <a:schemeClr val="tx1"/>
+                          </a:solidFill>
+                        </a:rPr>
+                        <a:t>-1.5</a:t>
+                      </a:r>
+                    </a:p>
+                  </a:txBody>
+                  <a:tcPr anchor="ctr">
+                    <a:lnL w="12700" cap="flat" cmpd="sng" algn="ctr">
+                      <a:solidFill>
+                        <a:schemeClr val="tx1"/>
+                      </a:solidFill>
+                      <a:prstDash val="solid"/>
+                      <a:round/>
+                      <a:headEnd type="none" w="med" len="med"/>
+                      <a:tailEnd type="none" w="med" len="med"/>
+                    </a:lnL>
+                    <a:lnR w="12700" cap="flat" cmpd="sng" algn="ctr">
+                      <a:solidFill>
+                        <a:schemeClr val="tx1"/>
+                      </a:solidFill>
+                      <a:prstDash val="solid"/>
+                      <a:round/>
+                      <a:headEnd type="none" w="med" len="med"/>
+                      <a:tailEnd type="none" w="med" len="med"/>
+                    </a:lnR>
+                    <a:lnT w="12700" cap="flat" cmpd="sng" algn="ctr">
+                      <a:solidFill>
+                        <a:schemeClr val="tx1"/>
+                      </a:solidFill>
+                      <a:prstDash val="solid"/>
+                      <a:round/>
+                      <a:headEnd type="none" w="med" len="med"/>
+                      <a:tailEnd type="none" w="med" len="med"/>
+                    </a:lnT>
+                    <a:lnB w="12700" cap="flat" cmpd="sng" algn="ctr">
+                      <a:solidFill>
+                        <a:schemeClr val="tx1"/>
+                      </a:solidFill>
+                      <a:prstDash val="solid"/>
+                      <a:round/>
+                      <a:headEnd type="none" w="med" len="med"/>
+                      <a:tailEnd type="none" w="med" len="med"/>
+                    </a:lnB>
+                    <a:lnTlToBr w="12700" cmpd="sng">
+                      <a:noFill/>
+                      <a:prstDash val="solid"/>
+                    </a:lnTlToBr>
+                    <a:lnBlToTr w="12700" cmpd="sng">
+                      <a:noFill/>
+                      <a:prstDash val="solid"/>
+                    </a:lnBlToTr>
+                    <a:noFill/>
+                  </a:tcPr>
+                </a:tc>
+                <a:extLst>
+                  <a:ext uri="{0D108BD9-81ED-4DB2-BD59-A6C34878D82A}">
+                    <a16:rowId xmlns:a16="http://schemas.microsoft.com/office/drawing/2014/main" val="923224526"/>
+                  </a:ext>
+                </a:extLst>
+              </a:tr>
+            </a:tbl>
+          </a:graphicData>
+        </a:graphic>
+      </p:graphicFrame>
+      <p:graphicFrame>
+        <p:nvGraphicFramePr>
+          <p:cNvPr id="61" name="Table 4">
+            <a:extLst>
+              <a:ext uri="{FF2B5EF4-FFF2-40B4-BE49-F238E27FC236}">
+                <a16:creationId xmlns:a16="http://schemas.microsoft.com/office/drawing/2014/main" id="{2E0235B6-5257-C8CA-2427-7432AAA3D813}"/>
+              </a:ext>
+            </a:extLst>
+          </p:cNvPr>
+          <p:cNvGraphicFramePr>
+            <a:graphicFrameLocks noGrp="1"/>
+          </p:cNvGraphicFramePr>
+          <p:nvPr>
+            <p:extLst>
+              <p:ext uri="{D42A27DB-BD31-4B8C-83A1-F6EECF244321}">
+                <p14:modId xmlns:p14="http://schemas.microsoft.com/office/powerpoint/2010/main" val="931196178"/>
+              </p:ext>
+            </p:extLst>
+          </p:nvPr>
+        </p:nvGraphicFramePr>
+        <p:xfrm>
+          <a:off x="8526999" y="2532964"/>
+          <a:ext cx="596531" cy="370840"/>
+        </p:xfrm>
+        <a:graphic>
+          <a:graphicData uri="http://schemas.openxmlformats.org/drawingml/2006/table">
+            <a:tbl>
+              <a:tblPr firstRow="1" bandRow="1">
+                <a:tableStyleId>{5C22544A-7EE6-4342-B048-85BDC9FD1C3A}</a:tableStyleId>
+              </a:tblPr>
+              <a:tblGrid>
+                <a:gridCol w="596531">
+                  <a:extLst>
+                    <a:ext uri="{9D8B030D-6E8A-4147-A177-3AD203B41FA5}">
+                      <a16:colId xmlns:a16="http://schemas.microsoft.com/office/drawing/2014/main" val="596418570"/>
+                    </a:ext>
+                  </a:extLst>
+                </a:gridCol>
+              </a:tblGrid>
+              <a:tr h="370840">
+                <a:tc>
+                  <a:txBody>
+                    <a:bodyPr/>
+                    <a:lstStyle/>
+                    <a:p>
+                      <a:pPr algn="ctr"/>
+                      <a:r>
+                        <a:rPr lang="en-US" b="0" dirty="0">
+                          <a:solidFill>
+                            <a:schemeClr val="tx1"/>
+                          </a:solidFill>
+                        </a:rPr>
+                        <a:t>-5.6</a:t>
+                      </a:r>
+                    </a:p>
+                  </a:txBody>
+                  <a:tcPr anchor="ctr">
+                    <a:lnL w="12700" cap="flat" cmpd="sng" algn="ctr">
+                      <a:solidFill>
+                        <a:schemeClr val="tx1"/>
+                      </a:solidFill>
+                      <a:prstDash val="solid"/>
+                      <a:round/>
+                      <a:headEnd type="none" w="med" len="med"/>
+                      <a:tailEnd type="none" w="med" len="med"/>
+                    </a:lnL>
+                    <a:lnR w="12700" cap="flat" cmpd="sng" algn="ctr">
+                      <a:solidFill>
+                        <a:schemeClr val="tx1"/>
+                      </a:solidFill>
+                      <a:prstDash val="solid"/>
+                      <a:round/>
+                      <a:headEnd type="none" w="med" len="med"/>
+                      <a:tailEnd type="none" w="med" len="med"/>
+                    </a:lnR>
+                    <a:lnT w="12700" cap="flat" cmpd="sng" algn="ctr">
+                      <a:solidFill>
+                        <a:schemeClr val="tx1"/>
+                      </a:solidFill>
+                      <a:prstDash val="solid"/>
+                      <a:round/>
+                      <a:headEnd type="none" w="med" len="med"/>
+                      <a:tailEnd type="none" w="med" len="med"/>
+                    </a:lnT>
+                    <a:lnB w="12700" cap="flat" cmpd="sng" algn="ctr">
+                      <a:solidFill>
+                        <a:schemeClr val="tx1"/>
+                      </a:solidFill>
+                      <a:prstDash val="solid"/>
+                      <a:round/>
+                      <a:headEnd type="none" w="med" len="med"/>
+                      <a:tailEnd type="none" w="med" len="med"/>
+                    </a:lnB>
+                    <a:lnTlToBr w="12700" cmpd="sng">
+                      <a:noFill/>
+                      <a:prstDash val="solid"/>
+                    </a:lnTlToBr>
+                    <a:lnBlToTr w="12700" cmpd="sng">
+                      <a:noFill/>
+                      <a:prstDash val="solid"/>
+                    </a:lnBlToTr>
+                    <a:noFill/>
+                  </a:tcPr>
+                </a:tc>
+                <a:extLst>
+                  <a:ext uri="{0D108BD9-81ED-4DB2-BD59-A6C34878D82A}">
+                    <a16:rowId xmlns:a16="http://schemas.microsoft.com/office/drawing/2014/main" val="923224526"/>
+                  </a:ext>
+                </a:extLst>
+              </a:tr>
+            </a:tbl>
+          </a:graphicData>
+        </a:graphic>
+      </p:graphicFrame>
+      <p:graphicFrame>
+        <p:nvGraphicFramePr>
+          <p:cNvPr id="62" name="Table 4">
+            <a:extLst>
+              <a:ext uri="{FF2B5EF4-FFF2-40B4-BE49-F238E27FC236}">
+                <a16:creationId xmlns:a16="http://schemas.microsoft.com/office/drawing/2014/main" id="{AE32D253-D00F-6BB8-079D-C3C1E0D44FFD}"/>
+              </a:ext>
+            </a:extLst>
+          </p:cNvPr>
+          <p:cNvGraphicFramePr>
+            <a:graphicFrameLocks noGrp="1"/>
+          </p:cNvGraphicFramePr>
+          <p:nvPr>
+            <p:extLst>
+              <p:ext uri="{D42A27DB-BD31-4B8C-83A1-F6EECF244321}">
+                <p14:modId xmlns:p14="http://schemas.microsoft.com/office/powerpoint/2010/main" val="3001248715"/>
+              </p:ext>
+            </p:extLst>
+          </p:nvPr>
+        </p:nvGraphicFramePr>
+        <p:xfrm>
+          <a:off x="8527001" y="4351764"/>
+          <a:ext cx="596531" cy="370840"/>
+        </p:xfrm>
+        <a:graphic>
+          <a:graphicData uri="http://schemas.openxmlformats.org/drawingml/2006/table">
+            <a:tbl>
+              <a:tblPr firstRow="1" bandRow="1">
+                <a:tableStyleId>{5C22544A-7EE6-4342-B048-85BDC9FD1C3A}</a:tableStyleId>
+              </a:tblPr>
+              <a:tblGrid>
+                <a:gridCol w="596531">
+                  <a:extLst>
+                    <a:ext uri="{9D8B030D-6E8A-4147-A177-3AD203B41FA5}">
+                      <a16:colId xmlns:a16="http://schemas.microsoft.com/office/drawing/2014/main" val="596418570"/>
+                    </a:ext>
+                  </a:extLst>
+                </a:gridCol>
+              </a:tblGrid>
+              <a:tr h="370840">
+                <a:tc>
+                  <a:txBody>
+                    <a:bodyPr/>
+                    <a:lstStyle/>
+                    <a:p>
+                      <a:pPr algn="ctr"/>
+                      <a:r>
+                        <a:rPr lang="en-US" b="0" dirty="0">
+                          <a:solidFill>
+                            <a:schemeClr val="tx1"/>
+                          </a:solidFill>
+                        </a:rPr>
+                        <a:t>0.9</a:t>
+                      </a:r>
+                    </a:p>
+                  </a:txBody>
+                  <a:tcPr anchor="ctr">
+                    <a:lnL w="12700" cap="flat" cmpd="sng" algn="ctr">
+                      <a:solidFill>
+                        <a:schemeClr val="tx1"/>
+                      </a:solidFill>
+                      <a:prstDash val="solid"/>
+                      <a:round/>
+                      <a:headEnd type="none" w="med" len="med"/>
+                      <a:tailEnd type="none" w="med" len="med"/>
+                    </a:lnL>
+                    <a:lnR w="12700" cap="flat" cmpd="sng" algn="ctr">
+                      <a:solidFill>
+                        <a:schemeClr val="tx1"/>
+                      </a:solidFill>
+                      <a:prstDash val="solid"/>
+                      <a:round/>
+                      <a:headEnd type="none" w="med" len="med"/>
+                      <a:tailEnd type="none" w="med" len="med"/>
+                    </a:lnR>
+                    <a:lnT w="12700" cap="flat" cmpd="sng" algn="ctr">
+                      <a:solidFill>
+                        <a:schemeClr val="tx1"/>
+                      </a:solidFill>
+                      <a:prstDash val="solid"/>
+                      <a:round/>
+                      <a:headEnd type="none" w="med" len="med"/>
+                      <a:tailEnd type="none" w="med" len="med"/>
+                    </a:lnT>
+                    <a:lnB w="12700" cap="flat" cmpd="sng" algn="ctr">
+                      <a:solidFill>
+                        <a:schemeClr val="tx1"/>
+                      </a:solidFill>
+                      <a:prstDash val="solid"/>
+                      <a:round/>
+                      <a:headEnd type="none" w="med" len="med"/>
+                      <a:tailEnd type="none" w="med" len="med"/>
+                    </a:lnB>
+                    <a:lnTlToBr w="12700" cmpd="sng">
+                      <a:noFill/>
+                      <a:prstDash val="solid"/>
+                    </a:lnTlToBr>
+                    <a:lnBlToTr w="12700" cmpd="sng">
+                      <a:noFill/>
+                      <a:prstDash val="solid"/>
+                    </a:lnBlToTr>
+                    <a:noFill/>
+                  </a:tcPr>
+                </a:tc>
+                <a:extLst>
+                  <a:ext uri="{0D108BD9-81ED-4DB2-BD59-A6C34878D82A}">
+                    <a16:rowId xmlns:a16="http://schemas.microsoft.com/office/drawing/2014/main" val="923224526"/>
+                  </a:ext>
+                </a:extLst>
+              </a:tr>
+            </a:tbl>
+          </a:graphicData>
+        </a:graphic>
+      </p:graphicFrame>
+      <p:graphicFrame>
+        <p:nvGraphicFramePr>
+          <p:cNvPr id="63" name="Table 4">
+            <a:extLst>
+              <a:ext uri="{FF2B5EF4-FFF2-40B4-BE49-F238E27FC236}">
+                <a16:creationId xmlns:a16="http://schemas.microsoft.com/office/drawing/2014/main" id="{FC4FF3CB-DE2F-04CC-34E0-3EF8E6213B67}"/>
+              </a:ext>
+            </a:extLst>
+          </p:cNvPr>
+          <p:cNvGraphicFramePr>
+            <a:graphicFrameLocks noGrp="1"/>
+          </p:cNvGraphicFramePr>
+          <p:nvPr>
+            <p:extLst>
+              <p:ext uri="{D42A27DB-BD31-4B8C-83A1-F6EECF244321}">
+                <p14:modId xmlns:p14="http://schemas.microsoft.com/office/powerpoint/2010/main" val="984248530"/>
+              </p:ext>
+            </p:extLst>
+          </p:nvPr>
+        </p:nvGraphicFramePr>
+        <p:xfrm>
+          <a:off x="8527001" y="5261164"/>
+          <a:ext cx="596531" cy="370840"/>
+        </p:xfrm>
+        <a:graphic>
+          <a:graphicData uri="http://schemas.openxmlformats.org/drawingml/2006/table">
+            <a:tbl>
+              <a:tblPr firstRow="1" bandRow="1">
+                <a:tableStyleId>{5C22544A-7EE6-4342-B048-85BDC9FD1C3A}</a:tableStyleId>
+              </a:tblPr>
+              <a:tblGrid>
+                <a:gridCol w="596531">
+                  <a:extLst>
+                    <a:ext uri="{9D8B030D-6E8A-4147-A177-3AD203B41FA5}">
+                      <a16:colId xmlns:a16="http://schemas.microsoft.com/office/drawing/2014/main" val="596418570"/>
+                    </a:ext>
+                  </a:extLst>
+                </a:gridCol>
+              </a:tblGrid>
+              <a:tr h="370840">
+                <a:tc>
+                  <a:txBody>
+                    <a:bodyPr/>
+                    <a:lstStyle/>
+                    <a:p>
+                      <a:pPr algn="ctr"/>
+                      <a:r>
+                        <a:rPr lang="en-US" b="0" dirty="0">
+                          <a:solidFill>
+                            <a:schemeClr val="tx1"/>
+                          </a:solidFill>
+                        </a:rPr>
+                        <a:t>4.3</a:t>
+                      </a:r>
+                    </a:p>
+                  </a:txBody>
+                  <a:tcPr anchor="ctr">
+                    <a:lnL w="12700" cap="flat" cmpd="sng" algn="ctr">
+                      <a:solidFill>
+                        <a:schemeClr val="tx1"/>
+                      </a:solidFill>
+                      <a:prstDash val="solid"/>
+                      <a:round/>
+                      <a:headEnd type="none" w="med" len="med"/>
+                      <a:tailEnd type="none" w="med" len="med"/>
+                    </a:lnL>
+                    <a:lnR w="12700" cap="flat" cmpd="sng" algn="ctr">
+                      <a:solidFill>
+                        <a:schemeClr val="tx1"/>
+                      </a:solidFill>
+                      <a:prstDash val="solid"/>
+                      <a:round/>
+                      <a:headEnd type="none" w="med" len="med"/>
+                      <a:tailEnd type="none" w="med" len="med"/>
+                    </a:lnR>
+                    <a:lnT w="12700" cap="flat" cmpd="sng" algn="ctr">
+                      <a:solidFill>
+                        <a:schemeClr val="tx1"/>
+                      </a:solidFill>
+                      <a:prstDash val="solid"/>
+                      <a:round/>
+                      <a:headEnd type="none" w="med" len="med"/>
+                      <a:tailEnd type="none" w="med" len="med"/>
+                    </a:lnT>
+                    <a:lnB w="12700" cap="flat" cmpd="sng" algn="ctr">
+                      <a:solidFill>
+                        <a:schemeClr val="tx1"/>
+                      </a:solidFill>
+                      <a:prstDash val="solid"/>
+                      <a:round/>
+                      <a:headEnd type="none" w="med" len="med"/>
+                      <a:tailEnd type="none" w="med" len="med"/>
+                    </a:lnB>
+                    <a:lnTlToBr w="12700" cmpd="sng">
+                      <a:noFill/>
+                      <a:prstDash val="solid"/>
+                    </a:lnTlToBr>
+                    <a:lnBlToTr w="12700" cmpd="sng">
+                      <a:noFill/>
+                      <a:prstDash val="solid"/>
+                    </a:lnBlToTr>
+                    <a:noFill/>
+                  </a:tcPr>
+                </a:tc>
+                <a:extLst>
+                  <a:ext uri="{0D108BD9-81ED-4DB2-BD59-A6C34878D82A}">
+                    <a16:rowId xmlns:a16="http://schemas.microsoft.com/office/drawing/2014/main" val="923224526"/>
+                  </a:ext>
+                </a:extLst>
+              </a:tr>
+            </a:tbl>
+          </a:graphicData>
+        </a:graphic>
+      </p:graphicFrame>
+      <p:graphicFrame>
+        <p:nvGraphicFramePr>
+          <p:cNvPr id="65" name="Table 4">
+            <a:extLst>
+              <a:ext uri="{FF2B5EF4-FFF2-40B4-BE49-F238E27FC236}">
+                <a16:creationId xmlns:a16="http://schemas.microsoft.com/office/drawing/2014/main" id="{B7356ED1-633A-5157-AF9D-4B76B18A3425}"/>
+              </a:ext>
+            </a:extLst>
+          </p:cNvPr>
+          <p:cNvGraphicFramePr>
+            <a:graphicFrameLocks noGrp="1"/>
+          </p:cNvGraphicFramePr>
+          <p:nvPr>
+            <p:extLst>
+              <p:ext uri="{D42A27DB-BD31-4B8C-83A1-F6EECF244321}">
+                <p14:modId xmlns:p14="http://schemas.microsoft.com/office/powerpoint/2010/main" val="4032230424"/>
+              </p:ext>
+            </p:extLst>
+          </p:nvPr>
+        </p:nvGraphicFramePr>
+        <p:xfrm>
+          <a:off x="8527001" y="6170565"/>
+          <a:ext cx="596531" cy="370840"/>
+        </p:xfrm>
+        <a:graphic>
+          <a:graphicData uri="http://schemas.openxmlformats.org/drawingml/2006/table">
+            <a:tbl>
+              <a:tblPr firstRow="1" bandRow="1">
+                <a:tableStyleId>{5C22544A-7EE6-4342-B048-85BDC9FD1C3A}</a:tableStyleId>
+              </a:tblPr>
+              <a:tblGrid>
+                <a:gridCol w="596531">
+                  <a:extLst>
+                    <a:ext uri="{9D8B030D-6E8A-4147-A177-3AD203B41FA5}">
+                      <a16:colId xmlns:a16="http://schemas.microsoft.com/office/drawing/2014/main" val="596418570"/>
+                    </a:ext>
+                  </a:extLst>
+                </a:gridCol>
+              </a:tblGrid>
+              <a:tr h="370840">
+                <a:tc>
+                  <a:txBody>
+                    <a:bodyPr/>
+                    <a:lstStyle/>
+                    <a:p>
+                      <a:pPr algn="ctr"/>
+                      <a:r>
+                        <a:rPr lang="en-US" b="0" dirty="0">
+                          <a:solidFill>
+                            <a:schemeClr val="tx1"/>
+                          </a:solidFill>
+                        </a:rPr>
+                        <a:t>-0.8</a:t>
+                      </a:r>
+                    </a:p>
+                  </a:txBody>
+                  <a:tcPr anchor="ctr">
+                    <a:lnL w="12700" cap="flat" cmpd="sng" algn="ctr">
+                      <a:solidFill>
+                        <a:schemeClr val="tx1"/>
+                      </a:solidFill>
+                      <a:prstDash val="solid"/>
+                      <a:round/>
+                      <a:headEnd type="none" w="med" len="med"/>
+                      <a:tailEnd type="none" w="med" len="med"/>
+                    </a:lnL>
+                    <a:lnR w="12700" cap="flat" cmpd="sng" algn="ctr">
+                      <a:solidFill>
+                        <a:schemeClr val="tx1"/>
+                      </a:solidFill>
+                      <a:prstDash val="solid"/>
+                      <a:round/>
+                      <a:headEnd type="none" w="med" len="med"/>
+                      <a:tailEnd type="none" w="med" len="med"/>
+                    </a:lnR>
+                    <a:lnT w="12700" cap="flat" cmpd="sng" algn="ctr">
+                      <a:solidFill>
+                        <a:schemeClr val="tx1"/>
+                      </a:solidFill>
+                      <a:prstDash val="solid"/>
+                      <a:round/>
+                      <a:headEnd type="none" w="med" len="med"/>
+                      <a:tailEnd type="none" w="med" len="med"/>
+                    </a:lnT>
+                    <a:lnB w="12700" cap="flat" cmpd="sng" algn="ctr">
+                      <a:solidFill>
+                        <a:schemeClr val="tx1"/>
+                      </a:solidFill>
+                      <a:prstDash val="solid"/>
+                      <a:round/>
+                      <a:headEnd type="none" w="med" len="med"/>
+                      <a:tailEnd type="none" w="med" len="med"/>
+                    </a:lnB>
+                    <a:lnTlToBr w="12700" cmpd="sng">
+                      <a:noFill/>
+                      <a:prstDash val="solid"/>
+                    </a:lnTlToBr>
+                    <a:lnBlToTr w="12700" cmpd="sng">
+                      <a:noFill/>
+                      <a:prstDash val="solid"/>
+                    </a:lnBlToTr>
+                    <a:noFill/>
+                  </a:tcPr>
+                </a:tc>
+                <a:extLst>
+                  <a:ext uri="{0D108BD9-81ED-4DB2-BD59-A6C34878D82A}">
+                    <a16:rowId xmlns:a16="http://schemas.microsoft.com/office/drawing/2014/main" val="923224526"/>
+                  </a:ext>
+                </a:extLst>
+              </a:tr>
+            </a:tbl>
+          </a:graphicData>
+        </a:graphic>
+      </p:graphicFrame>
+      <p:graphicFrame>
+        <p:nvGraphicFramePr>
+          <p:cNvPr id="71" name="Table 4">
+            <a:extLst>
+              <a:ext uri="{FF2B5EF4-FFF2-40B4-BE49-F238E27FC236}">
+                <a16:creationId xmlns:a16="http://schemas.microsoft.com/office/drawing/2014/main" id="{9573EAA6-B5DC-F4A8-8A06-F41C6D292EBB}"/>
+              </a:ext>
+            </a:extLst>
+          </p:cNvPr>
+          <p:cNvGraphicFramePr>
+            <a:graphicFrameLocks noGrp="1"/>
+          </p:cNvGraphicFramePr>
+          <p:nvPr>
+            <p:extLst>
+              <p:ext uri="{D42A27DB-BD31-4B8C-83A1-F6EECF244321}">
+                <p14:modId xmlns:p14="http://schemas.microsoft.com/office/powerpoint/2010/main" val="1505792494"/>
+              </p:ext>
+            </p:extLst>
+          </p:nvPr>
+        </p:nvGraphicFramePr>
+        <p:xfrm>
+          <a:off x="5177539" y="2687369"/>
+          <a:ext cx="652185" cy="370840"/>
+        </p:xfrm>
+        <a:graphic>
+          <a:graphicData uri="http://schemas.openxmlformats.org/drawingml/2006/table">
+            <a:tbl>
+              <a:tblPr firstRow="1" bandRow="1">
+                <a:tableStyleId>{5C22544A-7EE6-4342-B048-85BDC9FD1C3A}</a:tableStyleId>
+              </a:tblPr>
+              <a:tblGrid>
+                <a:gridCol w="652185">
+                  <a:extLst>
+                    <a:ext uri="{9D8B030D-6E8A-4147-A177-3AD203B41FA5}">
+                      <a16:colId xmlns:a16="http://schemas.microsoft.com/office/drawing/2014/main" val="596418570"/>
+                    </a:ext>
+                  </a:extLst>
+                </a:gridCol>
+              </a:tblGrid>
+              <a:tr h="370840">
+                <a:tc>
+                  <a:txBody>
+                    <a:bodyPr/>
+                    <a:lstStyle/>
+                    <a:p>
+                      <a:pPr algn="ctr"/>
+                      <a:r>
+                        <a:rPr lang="en-US" b="0" dirty="0">
+                          <a:solidFill>
+                            <a:schemeClr val="bg1">
+                              <a:lumMod val="50000"/>
+                            </a:schemeClr>
+                          </a:solidFill>
+                        </a:rPr>
+                        <a:t>0.5</a:t>
+                      </a:r>
+                    </a:p>
+                  </a:txBody>
+                  <a:tcPr anchor="ctr">
+                    <a:lnL w="12700" cap="flat" cmpd="sng" algn="ctr">
+                      <a:solidFill>
+                        <a:schemeClr val="bg1">
+                          <a:lumMod val="50000"/>
+                        </a:schemeClr>
+                      </a:solidFill>
+                      <a:prstDash val="solid"/>
+                      <a:round/>
+                      <a:headEnd type="none" w="med" len="med"/>
+                      <a:tailEnd type="none" w="med" len="med"/>
+                    </a:lnL>
+                    <a:lnR w="12700" cap="flat" cmpd="sng" algn="ctr">
+                      <a:solidFill>
+                        <a:schemeClr val="bg1">
+                          <a:lumMod val="50000"/>
+                        </a:schemeClr>
+                      </a:solidFill>
+                      <a:prstDash val="solid"/>
+                      <a:round/>
+                      <a:headEnd type="none" w="med" len="med"/>
+                      <a:tailEnd type="none" w="med" len="med"/>
+                    </a:lnR>
+                    <a:lnT w="12700" cap="flat" cmpd="sng" algn="ctr">
+                      <a:solidFill>
+                        <a:schemeClr val="bg1">
+                          <a:lumMod val="50000"/>
+                        </a:schemeClr>
+                      </a:solidFill>
+                      <a:prstDash val="solid"/>
+                      <a:round/>
+                      <a:headEnd type="none" w="med" len="med"/>
+                      <a:tailEnd type="none" w="med" len="med"/>
+                    </a:lnT>
+                    <a:lnB w="12700" cap="flat" cmpd="sng" algn="ctr">
+                      <a:solidFill>
+                        <a:schemeClr val="bg1">
+                          <a:lumMod val="50000"/>
+                        </a:schemeClr>
+                      </a:solidFill>
+                      <a:prstDash val="solid"/>
+                      <a:round/>
+                      <a:headEnd type="none" w="med" len="med"/>
+                      <a:tailEnd type="none" w="med" len="med"/>
+                    </a:lnB>
+                    <a:lnTlToBr w="12700" cmpd="sng">
+                      <a:noFill/>
+                      <a:prstDash val="solid"/>
+                    </a:lnTlToBr>
+                    <a:lnBlToTr w="12700" cmpd="sng">
+                      <a:noFill/>
+                      <a:prstDash val="solid"/>
+                    </a:lnBlToTr>
+                    <a:solidFill>
+                      <a:schemeClr val="bg1"/>
+                    </a:solidFill>
+                  </a:tcPr>
+                </a:tc>
+                <a:extLst>
+                  <a:ext uri="{0D108BD9-81ED-4DB2-BD59-A6C34878D82A}">
+                    <a16:rowId xmlns:a16="http://schemas.microsoft.com/office/drawing/2014/main" val="923224526"/>
+                  </a:ext>
+                </a:extLst>
+              </a:tr>
+            </a:tbl>
+          </a:graphicData>
+        </a:graphic>
+      </p:graphicFrame>
+      <p:graphicFrame>
+        <p:nvGraphicFramePr>
+          <p:cNvPr id="72" name="Table 4">
+            <a:extLst>
+              <a:ext uri="{FF2B5EF4-FFF2-40B4-BE49-F238E27FC236}">
+                <a16:creationId xmlns:a16="http://schemas.microsoft.com/office/drawing/2014/main" id="{691A82F7-424B-60FD-8DF1-4E98FB2CC3F6}"/>
+              </a:ext>
+            </a:extLst>
+          </p:cNvPr>
+          <p:cNvGraphicFramePr>
+            <a:graphicFrameLocks noGrp="1"/>
+          </p:cNvGraphicFramePr>
+          <p:nvPr>
+            <p:extLst>
+              <p:ext uri="{D42A27DB-BD31-4B8C-83A1-F6EECF244321}">
+                <p14:modId xmlns:p14="http://schemas.microsoft.com/office/powerpoint/2010/main" val="3961940480"/>
+              </p:ext>
+            </p:extLst>
+          </p:nvPr>
+        </p:nvGraphicFramePr>
+        <p:xfrm>
+          <a:off x="5177539" y="3536887"/>
+          <a:ext cx="652184" cy="370840"/>
+        </p:xfrm>
+        <a:graphic>
+          <a:graphicData uri="http://schemas.openxmlformats.org/drawingml/2006/table">
+            <a:tbl>
+              <a:tblPr firstRow="1" bandRow="1">
+                <a:tableStyleId>{5C22544A-7EE6-4342-B048-85BDC9FD1C3A}</a:tableStyleId>
+              </a:tblPr>
+              <a:tblGrid>
+                <a:gridCol w="652184">
+                  <a:extLst>
+                    <a:ext uri="{9D8B030D-6E8A-4147-A177-3AD203B41FA5}">
+                      <a16:colId xmlns:a16="http://schemas.microsoft.com/office/drawing/2014/main" val="596418570"/>
+                    </a:ext>
+                  </a:extLst>
+                </a:gridCol>
+              </a:tblGrid>
+              <a:tr h="370840">
+                <a:tc>
+                  <a:txBody>
+                    <a:bodyPr/>
+                    <a:lstStyle/>
+                    <a:p>
+                      <a:pPr algn="ctr"/>
+                      <a:r>
+                        <a:rPr lang="en-US" b="0" dirty="0">
+                          <a:solidFill>
+                            <a:schemeClr val="bg1">
+                              <a:lumMod val="50000"/>
+                            </a:schemeClr>
+                          </a:solidFill>
+                        </a:rPr>
+                        <a:t>2.8</a:t>
+                      </a:r>
+                    </a:p>
+                  </a:txBody>
+                  <a:tcPr anchor="ctr">
+                    <a:lnL w="12700" cap="flat" cmpd="sng" algn="ctr">
+                      <a:solidFill>
+                        <a:schemeClr val="bg1">
+                          <a:lumMod val="50000"/>
+                        </a:schemeClr>
+                      </a:solidFill>
+                      <a:prstDash val="solid"/>
+                      <a:round/>
+                      <a:headEnd type="none" w="med" len="med"/>
+                      <a:tailEnd type="none" w="med" len="med"/>
+                    </a:lnL>
+                    <a:lnR w="12700" cap="flat" cmpd="sng" algn="ctr">
+                      <a:solidFill>
+                        <a:schemeClr val="bg1">
+                          <a:lumMod val="50000"/>
+                        </a:schemeClr>
+                      </a:solidFill>
+                      <a:prstDash val="solid"/>
+                      <a:round/>
+                      <a:headEnd type="none" w="med" len="med"/>
+                      <a:tailEnd type="none" w="med" len="med"/>
+                    </a:lnR>
+                    <a:lnT w="12700" cap="flat" cmpd="sng" algn="ctr">
+                      <a:solidFill>
+                        <a:schemeClr val="bg1">
+                          <a:lumMod val="50000"/>
+                        </a:schemeClr>
+                      </a:solidFill>
+                      <a:prstDash val="solid"/>
+                      <a:round/>
+                      <a:headEnd type="none" w="med" len="med"/>
+                      <a:tailEnd type="none" w="med" len="med"/>
+                    </a:lnT>
+                    <a:lnB w="12700" cap="flat" cmpd="sng" algn="ctr">
+                      <a:solidFill>
+                        <a:schemeClr val="bg1">
+                          <a:lumMod val="50000"/>
+                        </a:schemeClr>
+                      </a:solidFill>
+                      <a:prstDash val="solid"/>
+                      <a:round/>
+                      <a:headEnd type="none" w="med" len="med"/>
+                      <a:tailEnd type="none" w="med" len="med"/>
+                    </a:lnB>
+                    <a:lnTlToBr w="12700" cmpd="sng">
+                      <a:noFill/>
+                      <a:prstDash val="solid"/>
+                    </a:lnTlToBr>
+                    <a:lnBlToTr w="12700" cmpd="sng">
+                      <a:noFill/>
+                      <a:prstDash val="solid"/>
+                    </a:lnBlToTr>
+                    <a:solidFill>
+                      <a:schemeClr val="bg1"/>
+                    </a:solidFill>
+                  </a:tcPr>
+                </a:tc>
+                <a:extLst>
+                  <a:ext uri="{0D108BD9-81ED-4DB2-BD59-A6C34878D82A}">
+                    <a16:rowId xmlns:a16="http://schemas.microsoft.com/office/drawing/2014/main" val="923224526"/>
+                  </a:ext>
+                </a:extLst>
+              </a:tr>
+            </a:tbl>
+          </a:graphicData>
+        </a:graphic>
+      </p:graphicFrame>
+      <p:graphicFrame>
+        <p:nvGraphicFramePr>
+          <p:cNvPr id="73" name="Table 4">
+            <a:extLst>
+              <a:ext uri="{FF2B5EF4-FFF2-40B4-BE49-F238E27FC236}">
+                <a16:creationId xmlns:a16="http://schemas.microsoft.com/office/drawing/2014/main" id="{0050D399-A90C-2DC1-213F-ABD82BD47D63}"/>
+              </a:ext>
+            </a:extLst>
+          </p:cNvPr>
+          <p:cNvGraphicFramePr>
+            <a:graphicFrameLocks noGrp="1"/>
+          </p:cNvGraphicFramePr>
+          <p:nvPr>
+            <p:extLst>
+              <p:ext uri="{D42A27DB-BD31-4B8C-83A1-F6EECF244321}">
+                <p14:modId xmlns:p14="http://schemas.microsoft.com/office/powerpoint/2010/main" val="122136391"/>
+              </p:ext>
+            </p:extLst>
+          </p:nvPr>
+        </p:nvGraphicFramePr>
+        <p:xfrm>
+          <a:off x="5177538" y="3112128"/>
+          <a:ext cx="652186" cy="370840"/>
+        </p:xfrm>
+        <a:graphic>
+          <a:graphicData uri="http://schemas.openxmlformats.org/drawingml/2006/table">
+            <a:tbl>
+              <a:tblPr firstRow="1" bandRow="1">
+                <a:tableStyleId>{5C22544A-7EE6-4342-B048-85BDC9FD1C3A}</a:tableStyleId>
+              </a:tblPr>
+              <a:tblGrid>
+                <a:gridCol w="652186">
+                  <a:extLst>
+                    <a:ext uri="{9D8B030D-6E8A-4147-A177-3AD203B41FA5}">
+                      <a16:colId xmlns:a16="http://schemas.microsoft.com/office/drawing/2014/main" val="596418570"/>
+                    </a:ext>
+                  </a:extLst>
+                </a:gridCol>
+              </a:tblGrid>
+              <a:tr h="370840">
+                <a:tc>
+                  <a:txBody>
+                    <a:bodyPr/>
+                    <a:lstStyle/>
+                    <a:p>
+                      <a:pPr algn="ctr"/>
+                      <a:r>
+                        <a:rPr lang="en-US" b="0" dirty="0">
+                          <a:solidFill>
+                            <a:schemeClr val="bg1">
+                              <a:lumMod val="50000"/>
+                            </a:schemeClr>
+                          </a:solidFill>
+                        </a:rPr>
+                        <a:t>-1.5</a:t>
+                      </a:r>
+                    </a:p>
+                  </a:txBody>
+                  <a:tcPr anchor="ctr">
+                    <a:lnL w="12700" cap="flat" cmpd="sng" algn="ctr">
+                      <a:solidFill>
+                        <a:schemeClr val="bg1">
+                          <a:lumMod val="50000"/>
+                        </a:schemeClr>
+                      </a:solidFill>
+                      <a:prstDash val="solid"/>
+                      <a:round/>
+                      <a:headEnd type="none" w="med" len="med"/>
+                      <a:tailEnd type="none" w="med" len="med"/>
+                    </a:lnL>
+                    <a:lnR w="12700" cap="flat" cmpd="sng" algn="ctr">
+                      <a:solidFill>
+                        <a:schemeClr val="bg1">
+                          <a:lumMod val="50000"/>
+                        </a:schemeClr>
+                      </a:solidFill>
+                      <a:prstDash val="solid"/>
+                      <a:round/>
+                      <a:headEnd type="none" w="med" len="med"/>
+                      <a:tailEnd type="none" w="med" len="med"/>
+                    </a:lnR>
+                    <a:lnT w="12700" cap="flat" cmpd="sng" algn="ctr">
+                      <a:solidFill>
+                        <a:schemeClr val="bg1">
+                          <a:lumMod val="50000"/>
+                        </a:schemeClr>
+                      </a:solidFill>
+                      <a:prstDash val="solid"/>
+                      <a:round/>
+                      <a:headEnd type="none" w="med" len="med"/>
+                      <a:tailEnd type="none" w="med" len="med"/>
+                    </a:lnT>
+                    <a:lnB w="12700" cap="flat" cmpd="sng" algn="ctr">
+                      <a:solidFill>
+                        <a:schemeClr val="bg1">
+                          <a:lumMod val="50000"/>
+                        </a:schemeClr>
+                      </a:solidFill>
+                      <a:prstDash val="solid"/>
+                      <a:round/>
+                      <a:headEnd type="none" w="med" len="med"/>
+                      <a:tailEnd type="none" w="med" len="med"/>
+                    </a:lnB>
+                    <a:lnTlToBr w="12700" cmpd="sng">
+                      <a:noFill/>
+                      <a:prstDash val="solid"/>
+                    </a:lnTlToBr>
+                    <a:lnBlToTr w="12700" cmpd="sng">
+                      <a:noFill/>
+                      <a:prstDash val="solid"/>
+                    </a:lnBlToTr>
+                    <a:solidFill>
+                      <a:schemeClr val="bg1"/>
+                    </a:solidFill>
+                  </a:tcPr>
+                </a:tc>
+                <a:extLst>
+                  <a:ext uri="{0D108BD9-81ED-4DB2-BD59-A6C34878D82A}">
+                    <a16:rowId xmlns:a16="http://schemas.microsoft.com/office/drawing/2014/main" val="923224526"/>
+                  </a:ext>
+                </a:extLst>
+              </a:tr>
+            </a:tbl>
+          </a:graphicData>
+        </a:graphic>
+      </p:graphicFrame>
+      <p:graphicFrame>
+        <p:nvGraphicFramePr>
+          <p:cNvPr id="74" name="Table 4">
+            <a:extLst>
+              <a:ext uri="{FF2B5EF4-FFF2-40B4-BE49-F238E27FC236}">
+                <a16:creationId xmlns:a16="http://schemas.microsoft.com/office/drawing/2014/main" id="{249F04A6-9A70-AEC2-21C6-9EB4B1A617E9}"/>
+              </a:ext>
+            </a:extLst>
+          </p:cNvPr>
+          <p:cNvGraphicFramePr>
+            <a:graphicFrameLocks noGrp="1"/>
+          </p:cNvGraphicFramePr>
+          <p:nvPr>
+            <p:extLst>
+              <p:ext uri="{D42A27DB-BD31-4B8C-83A1-F6EECF244321}">
+                <p14:modId xmlns:p14="http://schemas.microsoft.com/office/powerpoint/2010/main" val="1166898352"/>
+              </p:ext>
+            </p:extLst>
+          </p:nvPr>
+        </p:nvGraphicFramePr>
+        <p:xfrm>
+          <a:off x="5177539" y="3961646"/>
+          <a:ext cx="652184" cy="370840"/>
+        </p:xfrm>
+        <a:graphic>
+          <a:graphicData uri="http://schemas.openxmlformats.org/drawingml/2006/table">
+            <a:tbl>
+              <a:tblPr firstRow="1" bandRow="1">
+                <a:tableStyleId>{5C22544A-7EE6-4342-B048-85BDC9FD1C3A}</a:tableStyleId>
+              </a:tblPr>
+              <a:tblGrid>
+                <a:gridCol w="652184">
+                  <a:extLst>
+                    <a:ext uri="{9D8B030D-6E8A-4147-A177-3AD203B41FA5}">
+                      <a16:colId xmlns:a16="http://schemas.microsoft.com/office/drawing/2014/main" val="596418570"/>
+                    </a:ext>
+                  </a:extLst>
+                </a:gridCol>
+              </a:tblGrid>
+              <a:tr h="370840">
+                <a:tc>
+                  <a:txBody>
+                    <a:bodyPr/>
+                    <a:lstStyle/>
+                    <a:p>
+                      <a:pPr algn="ctr"/>
+                      <a:r>
+                        <a:rPr lang="en-US" b="0" dirty="0">
+                          <a:solidFill>
+                            <a:schemeClr val="bg1">
+                              <a:lumMod val="50000"/>
+                            </a:schemeClr>
+                          </a:solidFill>
+                        </a:rPr>
+                        <a:t>-1.9</a:t>
+                      </a:r>
+                    </a:p>
+                  </a:txBody>
+                  <a:tcPr anchor="ctr">
+                    <a:lnL w="12700" cap="flat" cmpd="sng" algn="ctr">
+                      <a:solidFill>
+                        <a:schemeClr val="bg1">
+                          <a:lumMod val="50000"/>
+                        </a:schemeClr>
+                      </a:solidFill>
+                      <a:prstDash val="solid"/>
+                      <a:round/>
+                      <a:headEnd type="none" w="med" len="med"/>
+                      <a:tailEnd type="none" w="med" len="med"/>
+                    </a:lnL>
+                    <a:lnR w="12700" cap="flat" cmpd="sng" algn="ctr">
+                      <a:solidFill>
+                        <a:schemeClr val="bg1">
+                          <a:lumMod val="50000"/>
+                        </a:schemeClr>
+                      </a:solidFill>
+                      <a:prstDash val="solid"/>
+                      <a:round/>
+                      <a:headEnd type="none" w="med" len="med"/>
+                      <a:tailEnd type="none" w="med" len="med"/>
+                    </a:lnR>
+                    <a:lnT w="12700" cap="flat" cmpd="sng" algn="ctr">
+                      <a:solidFill>
+                        <a:schemeClr val="bg1">
+                          <a:lumMod val="50000"/>
+                        </a:schemeClr>
+                      </a:solidFill>
+                      <a:prstDash val="solid"/>
+                      <a:round/>
+                      <a:headEnd type="none" w="med" len="med"/>
+                      <a:tailEnd type="none" w="med" len="med"/>
+                    </a:lnT>
+                    <a:lnB w="12700" cap="flat" cmpd="sng" algn="ctr">
+                      <a:solidFill>
+                        <a:schemeClr val="bg1">
+                          <a:lumMod val="50000"/>
+                        </a:schemeClr>
+                      </a:solidFill>
+                      <a:prstDash val="solid"/>
+                      <a:round/>
+                      <a:headEnd type="none" w="med" len="med"/>
+                      <a:tailEnd type="none" w="med" len="med"/>
+                    </a:lnB>
+                    <a:lnTlToBr w="12700" cmpd="sng">
+                      <a:noFill/>
+                      <a:prstDash val="solid"/>
+                    </a:lnTlToBr>
+                    <a:lnBlToTr w="12700" cmpd="sng">
+                      <a:noFill/>
+                      <a:prstDash val="solid"/>
+                    </a:lnBlToTr>
+                    <a:solidFill>
+                      <a:schemeClr val="bg1"/>
+                    </a:solidFill>
+                  </a:tcPr>
+                </a:tc>
+                <a:extLst>
+                  <a:ext uri="{0D108BD9-81ED-4DB2-BD59-A6C34878D82A}">
+                    <a16:rowId xmlns:a16="http://schemas.microsoft.com/office/drawing/2014/main" val="923224526"/>
+                  </a:ext>
+                </a:extLst>
+              </a:tr>
+            </a:tbl>
+          </a:graphicData>
+        </a:graphic>
+      </p:graphicFrame>
+      <p:graphicFrame>
+        <p:nvGraphicFramePr>
+          <p:cNvPr id="75" name="Table 4">
+            <a:extLst>
+              <a:ext uri="{FF2B5EF4-FFF2-40B4-BE49-F238E27FC236}">
+                <a16:creationId xmlns:a16="http://schemas.microsoft.com/office/drawing/2014/main" id="{1A03161F-84F2-8532-8E4D-BBF9CBFD88CB}"/>
+              </a:ext>
+            </a:extLst>
+          </p:cNvPr>
+          <p:cNvGraphicFramePr>
+            <a:graphicFrameLocks noGrp="1"/>
+          </p:cNvGraphicFramePr>
+          <p:nvPr>
+            <p:extLst>
+              <p:ext uri="{D42A27DB-BD31-4B8C-83A1-F6EECF244321}">
+                <p14:modId xmlns:p14="http://schemas.microsoft.com/office/powerpoint/2010/main" val="2700418292"/>
+              </p:ext>
+            </p:extLst>
+          </p:nvPr>
+        </p:nvGraphicFramePr>
+        <p:xfrm>
+          <a:off x="5177540" y="4386406"/>
+          <a:ext cx="652183" cy="370840"/>
+        </p:xfrm>
+        <a:graphic>
+          <a:graphicData uri="http://schemas.openxmlformats.org/drawingml/2006/table">
+            <a:tbl>
+              <a:tblPr firstRow="1" bandRow="1">
+                <a:tableStyleId>{5C22544A-7EE6-4342-B048-85BDC9FD1C3A}</a:tableStyleId>
+              </a:tblPr>
+              <a:tblGrid>
+                <a:gridCol w="652183">
+                  <a:extLst>
+                    <a:ext uri="{9D8B030D-6E8A-4147-A177-3AD203B41FA5}">
+                      <a16:colId xmlns:a16="http://schemas.microsoft.com/office/drawing/2014/main" val="596418570"/>
+                    </a:ext>
+                  </a:extLst>
+                </a:gridCol>
+              </a:tblGrid>
+              <a:tr h="370840">
+                <a:tc>
+                  <a:txBody>
+                    <a:bodyPr/>
+                    <a:lstStyle/>
+                    <a:p>
+                      <a:pPr algn="ctr"/>
+                      <a:r>
+                        <a:rPr lang="en-US" b="0" dirty="0">
+                          <a:solidFill>
+                            <a:schemeClr val="bg1">
+                              <a:lumMod val="50000"/>
+                            </a:schemeClr>
+                          </a:solidFill>
+                        </a:rPr>
+                        <a:t>3.1</a:t>
+                      </a:r>
+                    </a:p>
+                  </a:txBody>
+                  <a:tcPr anchor="ctr">
+                    <a:lnL w="12700" cap="flat" cmpd="sng" algn="ctr">
+                      <a:solidFill>
+                        <a:schemeClr val="bg1">
+                          <a:lumMod val="50000"/>
+                        </a:schemeClr>
+                      </a:solidFill>
+                      <a:prstDash val="solid"/>
+                      <a:round/>
+                      <a:headEnd type="none" w="med" len="med"/>
+                      <a:tailEnd type="none" w="med" len="med"/>
+                    </a:lnL>
+                    <a:lnR w="12700" cap="flat" cmpd="sng" algn="ctr">
+                      <a:solidFill>
+                        <a:schemeClr val="bg1">
+                          <a:lumMod val="50000"/>
+                        </a:schemeClr>
+                      </a:solidFill>
+                      <a:prstDash val="solid"/>
+                      <a:round/>
+                      <a:headEnd type="none" w="med" len="med"/>
+                      <a:tailEnd type="none" w="med" len="med"/>
+                    </a:lnR>
+                    <a:lnT w="12700" cap="flat" cmpd="sng" algn="ctr">
+                      <a:solidFill>
+                        <a:schemeClr val="bg1">
+                          <a:lumMod val="50000"/>
+                        </a:schemeClr>
+                      </a:solidFill>
+                      <a:prstDash val="solid"/>
+                      <a:round/>
+                      <a:headEnd type="none" w="med" len="med"/>
+                      <a:tailEnd type="none" w="med" len="med"/>
+                    </a:lnT>
+                    <a:lnB w="12700" cap="flat" cmpd="sng" algn="ctr">
+                      <a:solidFill>
+                        <a:schemeClr val="bg1">
+                          <a:lumMod val="50000"/>
+                        </a:schemeClr>
+                      </a:solidFill>
+                      <a:prstDash val="solid"/>
+                      <a:round/>
+                      <a:headEnd type="none" w="med" len="med"/>
+                      <a:tailEnd type="none" w="med" len="med"/>
+                    </a:lnB>
+                    <a:lnTlToBr w="12700" cmpd="sng">
+                      <a:noFill/>
+                      <a:prstDash val="solid"/>
+                    </a:lnTlToBr>
+                    <a:lnBlToTr w="12700" cmpd="sng">
+                      <a:noFill/>
+                      <a:prstDash val="solid"/>
+                    </a:lnBlToTr>
+                    <a:solidFill>
+                      <a:schemeClr val="bg1"/>
+                    </a:solidFill>
+                  </a:tcPr>
+                </a:tc>
+                <a:extLst>
+                  <a:ext uri="{0D108BD9-81ED-4DB2-BD59-A6C34878D82A}">
+                    <a16:rowId xmlns:a16="http://schemas.microsoft.com/office/drawing/2014/main" val="923224526"/>
+                  </a:ext>
+                </a:extLst>
+              </a:tr>
+            </a:tbl>
+          </a:graphicData>
+        </a:graphic>
+      </p:graphicFrame>
+    </p:spTree>
+    <p:extLst>
+      <p:ext uri="{BB962C8B-B14F-4D97-AF65-F5344CB8AC3E}">
+        <p14:creationId xmlns:p14="http://schemas.microsoft.com/office/powerpoint/2010/main" val="2494156093"/>
+      </p:ext>
+    </p:extLst>
+  </p:cSld>
+  <p:clrMapOvr>
+    <a:masterClrMapping/>
+  </p:clrMapOvr>
+  <p:timing>
+    <p:tnLst>
+      <p:par>
+        <p:cTn id="1" dur="indefinite" restart="never" nodeType="tmRoot">
+          <p:childTnLst>
+            <p:seq concurrent="1" nextAc="seek">
+              <p:cTn id="2" dur="indefinite" nodeType="mainSeq">
+                <p:childTnLst>
+                  <p:par>
+                    <p:cTn id="3" fill="hold">
+                      <p:stCondLst>
+                        <p:cond delay="indefinite"/>
+                      </p:stCondLst>
+                      <p:childTnLst>
+                        <p:par>
+                          <p:cTn id="4" fill="hold">
+                            <p:stCondLst>
+                              <p:cond delay="0"/>
+                            </p:stCondLst>
+                            <p:childTnLst>
+                              <p:par>
+                                <p:cTn id="5" presetID="10" presetClass="entr" presetSubtype="0" fill="hold" nodeType="clickEffect">
+                                  <p:stCondLst>
+                                    <p:cond delay="0"/>
+                                  </p:stCondLst>
+                                  <p:childTnLst>
+                                    <p:set>
+                                      <p:cBhvr>
+                                        <p:cTn id="6" dur="1" fill="hold">
+                                          <p:stCondLst>
+                                            <p:cond delay="0"/>
+                                          </p:stCondLst>
+                                        </p:cTn>
+                                        <p:tgtEl>
+                                          <p:spTgt spid="8"/>
+                                        </p:tgtEl>
+                                        <p:attrNameLst>
+                                          <p:attrName>style.visibility</p:attrName>
+                                        </p:attrNameLst>
+                                      </p:cBhvr>
+                                      <p:to>
+                                        <p:strVal val="visible"/>
+                                      </p:to>
+                                    </p:set>
+                                    <p:animEffect transition="in" filter="fade">
+                                      <p:cBhvr>
+                                        <p:cTn id="7" dur="200"/>
+                                        <p:tgtEl>
+                                          <p:spTgt spid="8"/>
+                                        </p:tgtEl>
+                                      </p:cBhvr>
+                                    </p:animEffect>
+                                  </p:childTnLst>
+                                </p:cTn>
+                              </p:par>
+                            </p:childTnLst>
+                          </p:cTn>
+                        </p:par>
+                        <p:par>
+                          <p:cTn id="8" fill="hold">
+                            <p:stCondLst>
+                              <p:cond delay="200"/>
+                            </p:stCondLst>
+                            <p:childTnLst>
+                              <p:par>
+                                <p:cTn id="9" presetID="10" presetClass="entr" presetSubtype="0" fill="hold" nodeType="afterEffect">
+                                  <p:stCondLst>
+                                    <p:cond delay="0"/>
+                                  </p:stCondLst>
+                                  <p:childTnLst>
+                                    <p:set>
+                                      <p:cBhvr>
+                                        <p:cTn id="10" dur="1" fill="hold">
+                                          <p:stCondLst>
+                                            <p:cond delay="0"/>
+                                          </p:stCondLst>
+                                        </p:cTn>
+                                        <p:tgtEl>
+                                          <p:spTgt spid="16"/>
+                                        </p:tgtEl>
+                                        <p:attrNameLst>
+                                          <p:attrName>style.visibility</p:attrName>
+                                        </p:attrNameLst>
+                                      </p:cBhvr>
+                                      <p:to>
+                                        <p:strVal val="visible"/>
+                                      </p:to>
+                                    </p:set>
+                                    <p:animEffect transition="in" filter="fade">
+                                      <p:cBhvr>
+                                        <p:cTn id="11" dur="200"/>
+                                        <p:tgtEl>
+                                          <p:spTgt spid="16"/>
+                                        </p:tgtEl>
+                                      </p:cBhvr>
+                                    </p:animEffect>
+                                  </p:childTnLst>
+                                </p:cTn>
+                              </p:par>
+                            </p:childTnLst>
+                          </p:cTn>
+                        </p:par>
+                        <p:par>
+                          <p:cTn id="12" fill="hold">
+                            <p:stCondLst>
+                              <p:cond delay="400"/>
+                            </p:stCondLst>
+                            <p:childTnLst>
+                              <p:par>
+                                <p:cTn id="13" presetID="10" presetClass="entr" presetSubtype="0" fill="hold" nodeType="afterEffect">
+                                  <p:stCondLst>
+                                    <p:cond delay="0"/>
+                                  </p:stCondLst>
+                                  <p:childTnLst>
+                                    <p:set>
+                                      <p:cBhvr>
+                                        <p:cTn id="14" dur="1" fill="hold">
+                                          <p:stCondLst>
+                                            <p:cond delay="0"/>
+                                          </p:stCondLst>
+                                        </p:cTn>
+                                        <p:tgtEl>
+                                          <p:spTgt spid="19"/>
+                                        </p:tgtEl>
+                                        <p:attrNameLst>
+                                          <p:attrName>style.visibility</p:attrName>
+                                        </p:attrNameLst>
+                                      </p:cBhvr>
+                                      <p:to>
+                                        <p:strVal val="visible"/>
+                                      </p:to>
+                                    </p:set>
+                                    <p:animEffect transition="in" filter="fade">
+                                      <p:cBhvr>
+                                        <p:cTn id="15" dur="200"/>
+                                        <p:tgtEl>
+                                          <p:spTgt spid="19"/>
+                                        </p:tgtEl>
+                                      </p:cBhvr>
+                                    </p:animEffect>
+                                  </p:childTnLst>
+                                </p:cTn>
+                              </p:par>
+                            </p:childTnLst>
+                          </p:cTn>
+                        </p:par>
+                        <p:par>
+                          <p:cTn id="16" fill="hold">
+                            <p:stCondLst>
+                              <p:cond delay="600"/>
+                            </p:stCondLst>
+                            <p:childTnLst>
+                              <p:par>
+                                <p:cTn id="17" presetID="10" presetClass="entr" presetSubtype="0" fill="hold" nodeType="afterEffect">
+                                  <p:stCondLst>
+                                    <p:cond delay="0"/>
+                                  </p:stCondLst>
+                                  <p:childTnLst>
+                                    <p:set>
+                                      <p:cBhvr>
+                                        <p:cTn id="18" dur="1" fill="hold">
+                                          <p:stCondLst>
+                                            <p:cond delay="0"/>
+                                          </p:stCondLst>
+                                        </p:cTn>
+                                        <p:tgtEl>
+                                          <p:spTgt spid="21"/>
+                                        </p:tgtEl>
+                                        <p:attrNameLst>
+                                          <p:attrName>style.visibility</p:attrName>
+                                        </p:attrNameLst>
+                                      </p:cBhvr>
+                                      <p:to>
+                                        <p:strVal val="visible"/>
+                                      </p:to>
+                                    </p:set>
+                                    <p:animEffect transition="in" filter="fade">
+                                      <p:cBhvr>
+                                        <p:cTn id="19" dur="200"/>
+                                        <p:tgtEl>
+                                          <p:spTgt spid="21"/>
+                                        </p:tgtEl>
+                                      </p:cBhvr>
+                                    </p:animEffect>
+                                  </p:childTnLst>
+                                </p:cTn>
+                              </p:par>
+                            </p:childTnLst>
+                          </p:cTn>
+                        </p:par>
+                        <p:par>
+                          <p:cTn id="20" fill="hold">
+                            <p:stCondLst>
+                              <p:cond delay="800"/>
+                            </p:stCondLst>
+                            <p:childTnLst>
+                              <p:par>
+                                <p:cTn id="21" presetID="10" presetClass="entr" presetSubtype="0" fill="hold" nodeType="afterEffect">
+                                  <p:stCondLst>
+                                    <p:cond delay="0"/>
+                                  </p:stCondLst>
+                                  <p:childTnLst>
+                                    <p:set>
+                                      <p:cBhvr>
+                                        <p:cTn id="22" dur="1" fill="hold">
+                                          <p:stCondLst>
+                                            <p:cond delay="0"/>
+                                          </p:stCondLst>
+                                        </p:cTn>
+                                        <p:tgtEl>
+                                          <p:spTgt spid="32"/>
+                                        </p:tgtEl>
+                                        <p:attrNameLst>
+                                          <p:attrName>style.visibility</p:attrName>
+                                        </p:attrNameLst>
+                                      </p:cBhvr>
+                                      <p:to>
+                                        <p:strVal val="visible"/>
+                                      </p:to>
+                                    </p:set>
+                                    <p:animEffect transition="in" filter="fade">
+                                      <p:cBhvr>
+                                        <p:cTn id="23" dur="200"/>
+                                        <p:tgtEl>
+                                          <p:spTgt spid="32"/>
+                                        </p:tgtEl>
+                                      </p:cBhvr>
+                                    </p:animEffect>
+                                  </p:childTnLst>
+                                </p:cTn>
+                              </p:par>
+                            </p:childTnLst>
+                          </p:cTn>
+                        </p:par>
+                      </p:childTnLst>
+                    </p:cTn>
+                  </p:par>
+                  <p:par>
+                    <p:cTn id="24" fill="hold">
+                      <p:stCondLst>
+                        <p:cond delay="indefinite"/>
+                      </p:stCondLst>
+                      <p:childTnLst>
+                        <p:par>
+                          <p:cTn id="25" fill="hold">
+                            <p:stCondLst>
+                              <p:cond delay="0"/>
+                            </p:stCondLst>
+                            <p:childTnLst>
+                              <p:par>
+                                <p:cTn id="26" presetID="10" presetClass="entr" presetSubtype="0" fill="hold" nodeType="clickEffect">
+                                  <p:stCondLst>
+                                    <p:cond delay="0"/>
+                                  </p:stCondLst>
+                                  <p:childTnLst>
+                                    <p:set>
+                                      <p:cBhvr>
+                                        <p:cTn id="27" dur="1" fill="hold">
+                                          <p:stCondLst>
+                                            <p:cond delay="0"/>
+                                          </p:stCondLst>
+                                        </p:cTn>
+                                        <p:tgtEl>
+                                          <p:spTgt spid="71"/>
+                                        </p:tgtEl>
+                                        <p:attrNameLst>
+                                          <p:attrName>style.visibility</p:attrName>
+                                        </p:attrNameLst>
+                                      </p:cBhvr>
+                                      <p:to>
+                                        <p:strVal val="visible"/>
+                                      </p:to>
+                                    </p:set>
+                                    <p:animEffect transition="in" filter="fade">
+                                      <p:cBhvr>
+                                        <p:cTn id="28" dur="250"/>
+                                        <p:tgtEl>
+                                          <p:spTgt spid="71"/>
+                                        </p:tgtEl>
+                                      </p:cBhvr>
+                                    </p:animEffect>
+                                  </p:childTnLst>
+                                </p:cTn>
+                              </p:par>
+                            </p:childTnLst>
+                          </p:cTn>
+                        </p:par>
+                        <p:par>
+                          <p:cTn id="29" fill="hold">
+                            <p:stCondLst>
+                              <p:cond delay="250"/>
+                            </p:stCondLst>
+                            <p:childTnLst>
+                              <p:par>
+                                <p:cTn id="30" presetID="10" presetClass="entr" presetSubtype="0" fill="hold" nodeType="afterEffect">
+                                  <p:stCondLst>
+                                    <p:cond delay="0"/>
+                                  </p:stCondLst>
+                                  <p:childTnLst>
+                                    <p:set>
+                                      <p:cBhvr>
+                                        <p:cTn id="31" dur="1" fill="hold">
+                                          <p:stCondLst>
+                                            <p:cond delay="0"/>
+                                          </p:stCondLst>
+                                        </p:cTn>
+                                        <p:tgtEl>
+                                          <p:spTgt spid="73"/>
+                                        </p:tgtEl>
+                                        <p:attrNameLst>
+                                          <p:attrName>style.visibility</p:attrName>
+                                        </p:attrNameLst>
+                                      </p:cBhvr>
+                                      <p:to>
+                                        <p:strVal val="visible"/>
+                                      </p:to>
+                                    </p:set>
+                                    <p:animEffect transition="in" filter="fade">
+                                      <p:cBhvr>
+                                        <p:cTn id="32" dur="250"/>
+                                        <p:tgtEl>
+                                          <p:spTgt spid="73"/>
+                                        </p:tgtEl>
+                                      </p:cBhvr>
+                                    </p:animEffect>
+                                  </p:childTnLst>
+                                </p:cTn>
+                              </p:par>
+                            </p:childTnLst>
+                          </p:cTn>
+                        </p:par>
+                        <p:par>
+                          <p:cTn id="33" fill="hold">
+                            <p:stCondLst>
+                              <p:cond delay="500"/>
+                            </p:stCondLst>
+                            <p:childTnLst>
+                              <p:par>
+                                <p:cTn id="34" presetID="10" presetClass="entr" presetSubtype="0" fill="hold" nodeType="afterEffect">
+                                  <p:stCondLst>
+                                    <p:cond delay="0"/>
+                                  </p:stCondLst>
+                                  <p:childTnLst>
+                                    <p:set>
+                                      <p:cBhvr>
+                                        <p:cTn id="35" dur="1" fill="hold">
+                                          <p:stCondLst>
+                                            <p:cond delay="0"/>
+                                          </p:stCondLst>
+                                        </p:cTn>
+                                        <p:tgtEl>
+                                          <p:spTgt spid="72"/>
+                                        </p:tgtEl>
+                                        <p:attrNameLst>
+                                          <p:attrName>style.visibility</p:attrName>
+                                        </p:attrNameLst>
+                                      </p:cBhvr>
+                                      <p:to>
+                                        <p:strVal val="visible"/>
+                                      </p:to>
+                                    </p:set>
+                                    <p:animEffect transition="in" filter="fade">
+                                      <p:cBhvr>
+                                        <p:cTn id="36" dur="250"/>
+                                        <p:tgtEl>
+                                          <p:spTgt spid="72"/>
+                                        </p:tgtEl>
+                                      </p:cBhvr>
+                                    </p:animEffect>
+                                  </p:childTnLst>
+                                </p:cTn>
+                              </p:par>
+                            </p:childTnLst>
+                          </p:cTn>
+                        </p:par>
+                        <p:par>
+                          <p:cTn id="37" fill="hold">
+                            <p:stCondLst>
+                              <p:cond delay="750"/>
+                            </p:stCondLst>
+                            <p:childTnLst>
+                              <p:par>
+                                <p:cTn id="38" presetID="10" presetClass="entr" presetSubtype="0" fill="hold" nodeType="afterEffect">
+                                  <p:stCondLst>
+                                    <p:cond delay="0"/>
+                                  </p:stCondLst>
+                                  <p:childTnLst>
+                                    <p:set>
+                                      <p:cBhvr>
+                                        <p:cTn id="39" dur="1" fill="hold">
+                                          <p:stCondLst>
+                                            <p:cond delay="0"/>
+                                          </p:stCondLst>
+                                        </p:cTn>
+                                        <p:tgtEl>
+                                          <p:spTgt spid="74"/>
+                                        </p:tgtEl>
+                                        <p:attrNameLst>
+                                          <p:attrName>style.visibility</p:attrName>
+                                        </p:attrNameLst>
+                                      </p:cBhvr>
+                                      <p:to>
+                                        <p:strVal val="visible"/>
+                                      </p:to>
+                                    </p:set>
+                                    <p:animEffect transition="in" filter="fade">
+                                      <p:cBhvr>
+                                        <p:cTn id="40" dur="250"/>
+                                        <p:tgtEl>
+                                          <p:spTgt spid="74"/>
+                                        </p:tgtEl>
+                                      </p:cBhvr>
+                                    </p:animEffect>
+                                  </p:childTnLst>
+                                </p:cTn>
+                              </p:par>
+                            </p:childTnLst>
+                          </p:cTn>
+                        </p:par>
+                        <p:par>
+                          <p:cTn id="41" fill="hold">
+                            <p:stCondLst>
+                              <p:cond delay="1000"/>
+                            </p:stCondLst>
+                            <p:childTnLst>
+                              <p:par>
+                                <p:cTn id="42" presetID="10" presetClass="entr" presetSubtype="0" fill="hold" nodeType="afterEffect">
+                                  <p:stCondLst>
+                                    <p:cond delay="0"/>
+                                  </p:stCondLst>
+                                  <p:childTnLst>
+                                    <p:set>
+                                      <p:cBhvr>
+                                        <p:cTn id="43" dur="1" fill="hold">
+                                          <p:stCondLst>
+                                            <p:cond delay="0"/>
+                                          </p:stCondLst>
+                                        </p:cTn>
+                                        <p:tgtEl>
+                                          <p:spTgt spid="75"/>
+                                        </p:tgtEl>
+                                        <p:attrNameLst>
+                                          <p:attrName>style.visibility</p:attrName>
+                                        </p:attrNameLst>
+                                      </p:cBhvr>
+                                      <p:to>
+                                        <p:strVal val="visible"/>
+                                      </p:to>
+                                    </p:set>
+                                    <p:animEffect transition="in" filter="fade">
+                                      <p:cBhvr>
+                                        <p:cTn id="44" dur="250"/>
+                                        <p:tgtEl>
+                                          <p:spTgt spid="75"/>
+                                        </p:tgtEl>
+                                      </p:cBhvr>
+                                    </p:animEffect>
+                                  </p:childTnLst>
+                                </p:cTn>
+                              </p:par>
+                            </p:childTnLst>
+                          </p:cTn>
+                        </p:par>
+                      </p:childTnLst>
+                    </p:cTn>
+                  </p:par>
+                </p:childTnLst>
+              </p:cTn>
+              <p:prevCondLst>
+                <p:cond evt="onPrev" delay="0">
+                  <p:tgtEl>
+                    <p:sldTgt/>
+                  </p:tgtEl>
+                </p:cond>
+              </p:prevCondLst>
+              <p:nextCondLst>
+                <p:cond evt="onNext" delay="0">
+                  <p:tgtEl>
+                    <p:sldTgt/>
+                  </p:tgtEl>
+                </p:cond>
+              </p:nextCondLst>
+            </p:seq>
+          </p:childTnLst>
+        </p:cTn>
+      </p:par>
+    </p:tnLst>
+  </p:timing>
+</p:sld>
+</file>
+
+<file path=ppt/slides/slide4.xml><?xml version="1.0" encoding="utf-8"?>
+<p:sld xmlns:a="http://schemas.openxmlformats.org/drawingml/2006/main" xmlns:r="http://schemas.openxmlformats.org/officeDocument/2006/relationships" xmlns:p="http://schemas.openxmlformats.org/presentationml/2006/main">
+  <p:cSld>
+    <p:spTree>
+      <p:nvGrpSpPr>
+        <p:cNvPr id="1" name=""/>
+        <p:cNvGrpSpPr/>
+        <p:nvPr/>
+      </p:nvGrpSpPr>
+      <p:grpSpPr>
+        <a:xfrm>
+          <a:off x="0" y="0"/>
+          <a:ext cx="0" cy="0"/>
+          <a:chOff x="0" y="0"/>
+          <a:chExt cx="0" cy="0"/>
+        </a:xfrm>
+      </p:grpSpPr>
+      <p:sp>
+        <p:nvSpPr>
+          <p:cNvPr id="2" name="Title 1">
+            <a:extLst>
+              <a:ext uri="{FF2B5EF4-FFF2-40B4-BE49-F238E27FC236}">
                 <a16:creationId xmlns:a16="http://schemas.microsoft.com/office/drawing/2014/main" id="{1D01E8D4-6E5D-3D0C-38C0-82F225028D39}"/>
               </a:ext>
             </a:extLst>
@@ -33473,7 +36193,7 @@
 </p:sld>
 </file>
 
-<file path=ppt/slides/slide4.xml><?xml version="1.0" encoding="utf-8"?>
+<file path=ppt/slides/slide5.xml><?xml version="1.0" encoding="utf-8"?>
 <p:sld xmlns:a="http://schemas.openxmlformats.org/drawingml/2006/main" xmlns:r="http://schemas.openxmlformats.org/officeDocument/2006/relationships" xmlns:p="http://schemas.openxmlformats.org/presentationml/2006/main">
   <p:cSld>
     <p:spTree>
@@ -36954,7 +39674,7 @@
 </p:sld>
 </file>
 
-<file path=ppt/slides/slide5.xml><?xml version="1.0" encoding="utf-8"?>
+<file path=ppt/slides/slide6.xml><?xml version="1.0" encoding="utf-8"?>
 <p:sld xmlns:a="http://schemas.openxmlformats.org/drawingml/2006/main" xmlns:r="http://schemas.openxmlformats.org/officeDocument/2006/relationships" xmlns:p="http://schemas.openxmlformats.org/presentationml/2006/main">
   <p:cSld>
     <p:spTree>
@@ -39852,7 +42572,7 @@
 </p:sld>
 </file>
 
-<file path=ppt/slides/slide6.xml><?xml version="1.0" encoding="utf-8"?>
+<file path=ppt/slides/slide7.xml><?xml version="1.0" encoding="utf-8"?>
 <p:sld xmlns:a="http://schemas.openxmlformats.org/drawingml/2006/main" xmlns:r="http://schemas.openxmlformats.org/officeDocument/2006/relationships" xmlns:p="http://schemas.openxmlformats.org/presentationml/2006/main">
   <p:cSld>
     <p:spTree>
@@ -45698,7 +48418,7 @@
 </p:sld>
 </file>
 
-<file path=ppt/slides/slide7.xml><?xml version="1.0" encoding="utf-8"?>
+<file path=ppt/slides/slide8.xml><?xml version="1.0" encoding="utf-8"?>
 <p:sld xmlns:a="http://schemas.openxmlformats.org/drawingml/2006/main" xmlns:r="http://schemas.openxmlformats.org/officeDocument/2006/relationships" xmlns:p="http://schemas.openxmlformats.org/presentationml/2006/main">
   <p:cSld>
     <p:spTree>
@@ -50380,7 +53100,7 @@
 </p:sld>
 </file>
 
-<file path=ppt/slides/slide8.xml><?xml version="1.0" encoding="utf-8"?>
+<file path=ppt/slides/slide9.xml><?xml version="1.0" encoding="utf-8"?>
 <p:sld xmlns:a="http://schemas.openxmlformats.org/drawingml/2006/main" xmlns:r="http://schemas.openxmlformats.org/officeDocument/2006/relationships" xmlns:p="http://schemas.openxmlformats.org/presentationml/2006/main">
   <p:cSld>
     <p:spTree>
@@ -50466,145 +53186,6 @@
     <p:extLst>
       <p:ext uri="{BB962C8B-B14F-4D97-AF65-F5344CB8AC3E}">
         <p14:creationId xmlns:p14="http://schemas.microsoft.com/office/powerpoint/2010/main" val="193138708"/>
-      </p:ext>
-    </p:extLst>
-  </p:cSld>
-  <p:clrMapOvr>
-    <a:masterClrMapping/>
-  </p:clrMapOvr>
-</p:sld>
-</file>
-
-<file path=ppt/slides/slide9.xml><?xml version="1.0" encoding="utf-8"?>
-<p:sld xmlns:a="http://schemas.openxmlformats.org/drawingml/2006/main" xmlns:r="http://schemas.openxmlformats.org/officeDocument/2006/relationships" xmlns:p="http://schemas.openxmlformats.org/presentationml/2006/main">
-  <p:cSld>
-    <p:spTree>
-      <p:nvGrpSpPr>
-        <p:cNvPr id="1" name=""/>
-        <p:cNvGrpSpPr/>
-        <p:nvPr/>
-      </p:nvGrpSpPr>
-      <p:grpSpPr>
-        <a:xfrm>
-          <a:off x="0" y="0"/>
-          <a:ext cx="0" cy="0"/>
-          <a:chOff x="0" y="0"/>
-          <a:chExt cx="0" cy="0"/>
-        </a:xfrm>
-      </p:grpSpPr>
-      <p:sp>
-        <p:nvSpPr>
-          <p:cNvPr id="2" name="Title 1">
-            <a:extLst>
-              <a:ext uri="{FF2B5EF4-FFF2-40B4-BE49-F238E27FC236}">
-                <a16:creationId xmlns:a16="http://schemas.microsoft.com/office/drawing/2014/main" id="{432463C0-896B-E77C-2116-758273F29618}"/>
-              </a:ext>
-            </a:extLst>
-          </p:cNvPr>
-          <p:cNvSpPr>
-            <a:spLocks noGrp="1"/>
-          </p:cNvSpPr>
-          <p:nvPr>
-            <p:ph type="title"/>
-          </p:nvPr>
-        </p:nvSpPr>
-        <p:spPr/>
-        <p:txBody>
-          <a:bodyPr/>
-          <a:lstStyle/>
-          <a:p>
-            <a:r>
-              <a:rPr lang="en-US" dirty="0"/>
-              <a:t>Training steps</a:t>
-            </a:r>
-          </a:p>
-        </p:txBody>
-      </p:sp>
-      <p:sp>
-        <p:nvSpPr>
-          <p:cNvPr id="3" name="Content Placeholder 2">
-            <a:extLst>
-              <a:ext uri="{FF2B5EF4-FFF2-40B4-BE49-F238E27FC236}">
-                <a16:creationId xmlns:a16="http://schemas.microsoft.com/office/drawing/2014/main" id="{3AA2B7AF-1482-D472-560D-874EBAC1FC3D}"/>
-              </a:ext>
-            </a:extLst>
-          </p:cNvPr>
-          <p:cNvSpPr>
-            <a:spLocks noGrp="1"/>
-          </p:cNvSpPr>
-          <p:nvPr>
-            <p:ph idx="1"/>
-          </p:nvPr>
-        </p:nvSpPr>
-        <p:spPr/>
-        <p:txBody>
-          <a:bodyPr>
-            <a:normAutofit/>
-          </a:bodyPr>
-          <a:lstStyle/>
-          <a:p>
-            <a:pPr marL="514350" indent="-514350">
-              <a:buFont typeface="+mj-lt"/>
-              <a:buAutoNum type="arabicPeriod"/>
-            </a:pPr>
-            <a:endParaRPr lang="en-US" dirty="0"/>
-          </a:p>
-          <a:p>
-            <a:pPr marL="514350" indent="-514350">
-              <a:buFont typeface="+mj-lt"/>
-              <a:buAutoNum type="arabicPeriod"/>
-            </a:pPr>
-            <a:r>
-              <a:rPr lang="en-US" dirty="0"/>
-              <a:t>Create a network with random weights</a:t>
-            </a:r>
-          </a:p>
-          <a:p>
-            <a:pPr marL="514350" indent="-514350">
-              <a:buFont typeface="+mj-lt"/>
-              <a:buAutoNum type="arabicPeriod"/>
-            </a:pPr>
-            <a:r>
-              <a:rPr lang="en-US" dirty="0"/>
-              <a:t>Feed one piece of data (for which you know the desired output)</a:t>
-            </a:r>
-          </a:p>
-          <a:p>
-            <a:pPr marL="514350" indent="-514350">
-              <a:buFont typeface="+mj-lt"/>
-              <a:buAutoNum type="arabicPeriod"/>
-            </a:pPr>
-            <a:r>
-              <a:rPr lang="en-US" dirty="0"/>
-              <a:t>Calculate the error</a:t>
-            </a:r>
-          </a:p>
-          <a:p>
-            <a:pPr marL="514350" indent="-514350">
-              <a:buFont typeface="+mj-lt"/>
-              <a:buAutoNum type="arabicPeriod"/>
-            </a:pPr>
-            <a:r>
-              <a:rPr lang="en-US" dirty="0"/>
-              <a:t>Backpropagate the error to all intermediate variables</a:t>
-            </a:r>
-          </a:p>
-          <a:p>
-            <a:pPr marL="514350" indent="-514350">
-              <a:buFont typeface="+mj-lt"/>
-              <a:buAutoNum type="arabicPeriod"/>
-            </a:pPr>
-            <a:r>
-              <a:rPr lang="en-US" dirty="0"/>
-              <a:t>Update the parameters</a:t>
-            </a:r>
-          </a:p>
-        </p:txBody>
-      </p:sp>
-    </p:spTree>
-    <p:extLst>
-      <p:ext uri="{BB962C8B-B14F-4D97-AF65-F5344CB8AC3E}">
-        <p14:creationId xmlns:p14="http://schemas.microsoft.com/office/powerpoint/2010/main" val="356368320"/>
       </p:ext>
     </p:extLst>
   </p:cSld>
